--- a/resources/MarksDrawrings.pptx
+++ b/resources/MarksDrawrings.pptx
@@ -7,6 +7,7 @@
   <p:sldIdLst>
     <p:sldId id="256" r:id="rId2"/>
     <p:sldId id="257" r:id="rId3"/>
+    <p:sldId id="258" r:id="rId4"/>
   </p:sldIdLst>
   <p:sldSz cx="12192000" cy="6858000"/>
   <p:notesSz cx="6858000" cy="9144000"/>
@@ -105,6 +106,11 @@
       </a:defRPr>
     </a:lvl9pPr>
   </p:defaultTextStyle>
+  <p:extLst>
+    <p:ext uri="{EFAFB233-063F-42B5-8137-9DF3F51BA10A}">
+      <p15:sldGuideLst xmlns:p15="http://schemas.microsoft.com/office/powerpoint/2012/main"/>
+    </p:ext>
+  </p:extLst>
 </p:presentation>
 </file>
 
@@ -1621,7 +1627,7 @@
           <a:p>
             <a:fld id="{EFED3043-6CE1-4075-A706-4B000AA47C6A}" type="datetimeFigureOut">
               <a:rPr lang="en-US" smtClean="0"/>
-              <a:t>11/15/2022</a:t>
+              <a:t>11/16/2022</a:t>
             </a:fld>
             <a:endParaRPr lang="en-US"/>
           </a:p>
@@ -1819,7 +1825,7 @@
           <a:p>
             <a:fld id="{EFED3043-6CE1-4075-A706-4B000AA47C6A}" type="datetimeFigureOut">
               <a:rPr lang="en-US" smtClean="0"/>
-              <a:t>11/15/2022</a:t>
+              <a:t>11/16/2022</a:t>
             </a:fld>
             <a:endParaRPr lang="en-US"/>
           </a:p>
@@ -2027,7 +2033,7 @@
           <a:p>
             <a:fld id="{EFED3043-6CE1-4075-A706-4B000AA47C6A}" type="datetimeFigureOut">
               <a:rPr lang="en-US" smtClean="0"/>
-              <a:t>11/15/2022</a:t>
+              <a:t>11/16/2022</a:t>
             </a:fld>
             <a:endParaRPr lang="en-US"/>
           </a:p>
@@ -2225,7 +2231,7 @@
           <a:p>
             <a:fld id="{EFED3043-6CE1-4075-A706-4B000AA47C6A}" type="datetimeFigureOut">
               <a:rPr lang="en-US" smtClean="0"/>
-              <a:t>11/15/2022</a:t>
+              <a:t>11/16/2022</a:t>
             </a:fld>
             <a:endParaRPr lang="en-US"/>
           </a:p>
@@ -2500,7 +2506,7 @@
           <a:p>
             <a:fld id="{EFED3043-6CE1-4075-A706-4B000AA47C6A}" type="datetimeFigureOut">
               <a:rPr lang="en-US" smtClean="0"/>
-              <a:t>11/15/2022</a:t>
+              <a:t>11/16/2022</a:t>
             </a:fld>
             <a:endParaRPr lang="en-US"/>
           </a:p>
@@ -2765,7 +2771,7 @@
           <a:p>
             <a:fld id="{EFED3043-6CE1-4075-A706-4B000AA47C6A}" type="datetimeFigureOut">
               <a:rPr lang="en-US" smtClean="0"/>
-              <a:t>11/15/2022</a:t>
+              <a:t>11/16/2022</a:t>
             </a:fld>
             <a:endParaRPr lang="en-US"/>
           </a:p>
@@ -3177,7 +3183,7 @@
           <a:p>
             <a:fld id="{EFED3043-6CE1-4075-A706-4B000AA47C6A}" type="datetimeFigureOut">
               <a:rPr lang="en-US" smtClean="0"/>
-              <a:t>11/15/2022</a:t>
+              <a:t>11/16/2022</a:t>
             </a:fld>
             <a:endParaRPr lang="en-US"/>
           </a:p>
@@ -3318,7 +3324,7 @@
           <a:p>
             <a:fld id="{EFED3043-6CE1-4075-A706-4B000AA47C6A}" type="datetimeFigureOut">
               <a:rPr lang="en-US" smtClean="0"/>
-              <a:t>11/15/2022</a:t>
+              <a:t>11/16/2022</a:t>
             </a:fld>
             <a:endParaRPr lang="en-US"/>
           </a:p>
@@ -3431,7 +3437,7 @@
           <a:p>
             <a:fld id="{EFED3043-6CE1-4075-A706-4B000AA47C6A}" type="datetimeFigureOut">
               <a:rPr lang="en-US" smtClean="0"/>
-              <a:t>11/15/2022</a:t>
+              <a:t>11/16/2022</a:t>
             </a:fld>
             <a:endParaRPr lang="en-US"/>
           </a:p>
@@ -3742,7 +3748,7 @@
           <a:p>
             <a:fld id="{EFED3043-6CE1-4075-A706-4B000AA47C6A}" type="datetimeFigureOut">
               <a:rPr lang="en-US" smtClean="0"/>
-              <a:t>11/15/2022</a:t>
+              <a:t>11/16/2022</a:t>
             </a:fld>
             <a:endParaRPr lang="en-US"/>
           </a:p>
@@ -4030,7 +4036,7 @@
           <a:p>
             <a:fld id="{EFED3043-6CE1-4075-A706-4B000AA47C6A}" type="datetimeFigureOut">
               <a:rPr lang="en-US" smtClean="0"/>
-              <a:t>11/15/2022</a:t>
+              <a:t>11/16/2022</a:t>
             </a:fld>
             <a:endParaRPr lang="en-US"/>
           </a:p>
@@ -4271,7 +4277,7 @@
           <a:p>
             <a:fld id="{EFED3043-6CE1-4075-A706-4B000AA47C6A}" type="datetimeFigureOut">
               <a:rPr lang="en-US" smtClean="0"/>
-              <a:t>11/15/2022</a:t>
+              <a:t>11/16/2022</a:t>
             </a:fld>
             <a:endParaRPr lang="en-US"/>
           </a:p>
@@ -5310,8 +5316,8 @@
             <a:chExt cx="2708280" cy="1002600"/>
           </a:xfrm>
         </p:grpSpPr>
-        <mc:AlternateContent xmlns:mc="http://schemas.openxmlformats.org/markup-compatibility/2006">
-          <mc:Choice xmlns:p14="http://schemas.microsoft.com/office/powerpoint/2010/main" Requires="p14">
+        <mc:AlternateContent xmlns:mc="http://schemas.openxmlformats.org/markup-compatibility/2006" xmlns:p14="http://schemas.microsoft.com/office/powerpoint/2010/main">
+          <mc:Choice Requires="p14">
             <p:contentPart p14:bwMode="auto" r:id="rId2">
               <p14:nvContentPartPr>
                 <p14:cNvPr id="20" name="Ink 19">
@@ -5330,7 +5336,7 @@
               </p14:xfrm>
             </p:contentPart>
           </mc:Choice>
-          <mc:Fallback>
+          <mc:Fallback xmlns="">
             <p:pic>
               <p:nvPicPr>
                 <p:cNvPr id="20" name="Ink 19">
@@ -5361,8 +5367,8 @@
             </p:pic>
           </mc:Fallback>
         </mc:AlternateContent>
-        <mc:AlternateContent xmlns:mc="http://schemas.openxmlformats.org/markup-compatibility/2006">
-          <mc:Choice xmlns:p14="http://schemas.microsoft.com/office/powerpoint/2010/main" Requires="p14">
+        <mc:AlternateContent xmlns:mc="http://schemas.openxmlformats.org/markup-compatibility/2006" xmlns:p14="http://schemas.microsoft.com/office/powerpoint/2010/main">
+          <mc:Choice Requires="p14">
             <p:contentPart p14:bwMode="auto" r:id="rId4">
               <p14:nvContentPartPr>
                 <p14:cNvPr id="21" name="Ink 20">
@@ -5381,7 +5387,7 @@
               </p14:xfrm>
             </p:contentPart>
           </mc:Choice>
-          <mc:Fallback>
+          <mc:Fallback xmlns="">
             <p:pic>
               <p:nvPicPr>
                 <p:cNvPr id="21" name="Ink 20">
@@ -5412,8 +5418,8 @@
             </p:pic>
           </mc:Fallback>
         </mc:AlternateContent>
-        <mc:AlternateContent xmlns:mc="http://schemas.openxmlformats.org/markup-compatibility/2006">
-          <mc:Choice xmlns:p14="http://schemas.microsoft.com/office/powerpoint/2010/main" Requires="p14">
+        <mc:AlternateContent xmlns:mc="http://schemas.openxmlformats.org/markup-compatibility/2006" xmlns:p14="http://schemas.microsoft.com/office/powerpoint/2010/main">
+          <mc:Choice Requires="p14">
             <p:contentPart p14:bwMode="auto" r:id="rId6">
               <p14:nvContentPartPr>
                 <p14:cNvPr id="22" name="Ink 21">
@@ -5432,7 +5438,7 @@
               </p14:xfrm>
             </p:contentPart>
           </mc:Choice>
-          <mc:Fallback>
+          <mc:Fallback xmlns="">
             <p:pic>
               <p:nvPicPr>
                 <p:cNvPr id="22" name="Ink 21">
@@ -5463,8 +5469,8 @@
             </p:pic>
           </mc:Fallback>
         </mc:AlternateContent>
-        <mc:AlternateContent xmlns:mc="http://schemas.openxmlformats.org/markup-compatibility/2006">
-          <mc:Choice xmlns:p14="http://schemas.microsoft.com/office/powerpoint/2010/main" Requires="p14">
+        <mc:AlternateContent xmlns:mc="http://schemas.openxmlformats.org/markup-compatibility/2006" xmlns:p14="http://schemas.microsoft.com/office/powerpoint/2010/main">
+          <mc:Choice Requires="p14">
             <p:contentPart p14:bwMode="auto" r:id="rId8">
               <p14:nvContentPartPr>
                 <p14:cNvPr id="23" name="Ink 22">
@@ -5483,7 +5489,7 @@
               </p14:xfrm>
             </p:contentPart>
           </mc:Choice>
-          <mc:Fallback>
+          <mc:Fallback xmlns="">
             <p:pic>
               <p:nvPicPr>
                 <p:cNvPr id="23" name="Ink 22">
@@ -5514,8 +5520,8 @@
             </p:pic>
           </mc:Fallback>
         </mc:AlternateContent>
-        <mc:AlternateContent xmlns:mc="http://schemas.openxmlformats.org/markup-compatibility/2006">
-          <mc:Choice xmlns:p14="http://schemas.microsoft.com/office/powerpoint/2010/main" Requires="p14">
+        <mc:AlternateContent xmlns:mc="http://schemas.openxmlformats.org/markup-compatibility/2006" xmlns:p14="http://schemas.microsoft.com/office/powerpoint/2010/main">
+          <mc:Choice Requires="p14">
             <p:contentPart p14:bwMode="auto" r:id="rId10">
               <p14:nvContentPartPr>
                 <p14:cNvPr id="24" name="Ink 23">
@@ -5534,7 +5540,7 @@
               </p14:xfrm>
             </p:contentPart>
           </mc:Choice>
-          <mc:Fallback>
+          <mc:Fallback xmlns="">
             <p:pic>
               <p:nvPicPr>
                 <p:cNvPr id="24" name="Ink 23">
@@ -5565,8 +5571,8 @@
             </p:pic>
           </mc:Fallback>
         </mc:AlternateContent>
-        <mc:AlternateContent xmlns:mc="http://schemas.openxmlformats.org/markup-compatibility/2006">
-          <mc:Choice xmlns:p14="http://schemas.microsoft.com/office/powerpoint/2010/main" Requires="p14">
+        <mc:AlternateContent xmlns:mc="http://schemas.openxmlformats.org/markup-compatibility/2006" xmlns:p14="http://schemas.microsoft.com/office/powerpoint/2010/main">
+          <mc:Choice Requires="p14">
             <p:contentPart p14:bwMode="auto" r:id="rId12">
               <p14:nvContentPartPr>
                 <p14:cNvPr id="25" name="Ink 24">
@@ -5585,7 +5591,7 @@
               </p14:xfrm>
             </p:contentPart>
           </mc:Choice>
-          <mc:Fallback>
+          <mc:Fallback xmlns="">
             <p:pic>
               <p:nvPicPr>
                 <p:cNvPr id="25" name="Ink 24">
@@ -5616,8 +5622,8 @@
             </p:pic>
           </mc:Fallback>
         </mc:AlternateContent>
-        <mc:AlternateContent xmlns:mc="http://schemas.openxmlformats.org/markup-compatibility/2006">
-          <mc:Choice xmlns:p14="http://schemas.microsoft.com/office/powerpoint/2010/main" Requires="p14">
+        <mc:AlternateContent xmlns:mc="http://schemas.openxmlformats.org/markup-compatibility/2006" xmlns:p14="http://schemas.microsoft.com/office/powerpoint/2010/main">
+          <mc:Choice Requires="p14">
             <p:contentPart p14:bwMode="auto" r:id="rId14">
               <p14:nvContentPartPr>
                 <p14:cNvPr id="27" name="Ink 26">
@@ -5636,7 +5642,7 @@
               </p14:xfrm>
             </p:contentPart>
           </mc:Choice>
-          <mc:Fallback>
+          <mc:Fallback xmlns="">
             <p:pic>
               <p:nvPicPr>
                 <p:cNvPr id="27" name="Ink 26">
@@ -5668,8 +5674,8 @@
           </mc:Fallback>
         </mc:AlternateContent>
       </p:grpSp>
-      <mc:AlternateContent xmlns:mc="http://schemas.openxmlformats.org/markup-compatibility/2006">
-        <mc:Choice xmlns:p14="http://schemas.microsoft.com/office/powerpoint/2010/main" Requires="p14">
+      <mc:AlternateContent xmlns:mc="http://schemas.openxmlformats.org/markup-compatibility/2006" xmlns:p14="http://schemas.microsoft.com/office/powerpoint/2010/main">
+        <mc:Choice Requires="p14">
           <p:contentPart p14:bwMode="auto" r:id="rId16">
             <p14:nvContentPartPr>
               <p14:cNvPr id="29" name="Ink 28">
@@ -5688,7 +5694,7 @@
             </p14:xfrm>
           </p:contentPart>
         </mc:Choice>
-        <mc:Fallback>
+        <mc:Fallback xmlns="">
           <p:pic>
             <p:nvPicPr>
               <p:cNvPr id="29" name="Ink 28">
@@ -5719,8 +5725,8 @@
           </p:pic>
         </mc:Fallback>
       </mc:AlternateContent>
-      <mc:AlternateContent xmlns:mc="http://schemas.openxmlformats.org/markup-compatibility/2006">
-        <mc:Choice xmlns:p14="http://schemas.microsoft.com/office/powerpoint/2010/main" Requires="p14">
+      <mc:AlternateContent xmlns:mc="http://schemas.openxmlformats.org/markup-compatibility/2006" xmlns:p14="http://schemas.microsoft.com/office/powerpoint/2010/main">
+        <mc:Choice Requires="p14">
           <p:contentPart p14:bwMode="auto" r:id="rId18">
             <p14:nvContentPartPr>
               <p14:cNvPr id="44" name="Ink 43">
@@ -5739,7 +5745,7 @@
             </p14:xfrm>
           </p:contentPart>
         </mc:Choice>
-        <mc:Fallback>
+        <mc:Fallback xmlns="">
           <p:pic>
             <p:nvPicPr>
               <p:cNvPr id="44" name="Ink 43">
@@ -5770,8 +5776,8 @@
           </p:pic>
         </mc:Fallback>
       </mc:AlternateContent>
-      <mc:AlternateContent xmlns:mc="http://schemas.openxmlformats.org/markup-compatibility/2006">
-        <mc:Choice xmlns:p14="http://schemas.microsoft.com/office/powerpoint/2010/main" Requires="p14">
+      <mc:AlternateContent xmlns:mc="http://schemas.openxmlformats.org/markup-compatibility/2006" xmlns:p14="http://schemas.microsoft.com/office/powerpoint/2010/main">
+        <mc:Choice Requires="p14">
           <p:contentPart p14:bwMode="auto" r:id="rId20">
             <p14:nvContentPartPr>
               <p14:cNvPr id="54" name="Ink 53">
@@ -5790,7 +5796,7 @@
             </p14:xfrm>
           </p:contentPart>
         </mc:Choice>
-        <mc:Fallback>
+        <mc:Fallback xmlns="">
           <p:pic>
             <p:nvPicPr>
               <p:cNvPr id="54" name="Ink 53">
@@ -5841,8 +5847,8 @@
             <a:chExt cx="1664280" cy="807840"/>
           </a:xfrm>
         </p:grpSpPr>
-        <mc:AlternateContent xmlns:mc="http://schemas.openxmlformats.org/markup-compatibility/2006">
-          <mc:Choice xmlns:p14="http://schemas.microsoft.com/office/powerpoint/2010/main" Requires="p14">
+        <mc:AlternateContent xmlns:mc="http://schemas.openxmlformats.org/markup-compatibility/2006" xmlns:p14="http://schemas.microsoft.com/office/powerpoint/2010/main">
+          <mc:Choice Requires="p14">
             <p:contentPart p14:bwMode="auto" r:id="rId22">
               <p14:nvContentPartPr>
                 <p14:cNvPr id="45" name="Ink 44">
@@ -5861,7 +5867,7 @@
               </p14:xfrm>
             </p:contentPart>
           </mc:Choice>
-          <mc:Fallback>
+          <mc:Fallback xmlns="">
             <p:pic>
               <p:nvPicPr>
                 <p:cNvPr id="45" name="Ink 44">
@@ -5892,8 +5898,8 @@
             </p:pic>
           </mc:Fallback>
         </mc:AlternateContent>
-        <mc:AlternateContent xmlns:mc="http://schemas.openxmlformats.org/markup-compatibility/2006">
-          <mc:Choice xmlns:p14="http://schemas.microsoft.com/office/powerpoint/2010/main" Requires="p14">
+        <mc:AlternateContent xmlns:mc="http://schemas.openxmlformats.org/markup-compatibility/2006" xmlns:p14="http://schemas.microsoft.com/office/powerpoint/2010/main">
+          <mc:Choice Requires="p14">
             <p:contentPart p14:bwMode="auto" r:id="rId24">
               <p14:nvContentPartPr>
                 <p14:cNvPr id="46" name="Ink 45">
@@ -5912,7 +5918,7 @@
               </p14:xfrm>
             </p:contentPart>
           </mc:Choice>
-          <mc:Fallback>
+          <mc:Fallback xmlns="">
             <p:pic>
               <p:nvPicPr>
                 <p:cNvPr id="46" name="Ink 45">
@@ -5943,8 +5949,8 @@
             </p:pic>
           </mc:Fallback>
         </mc:AlternateContent>
-        <mc:AlternateContent xmlns:mc="http://schemas.openxmlformats.org/markup-compatibility/2006">
-          <mc:Choice xmlns:p14="http://schemas.microsoft.com/office/powerpoint/2010/main" Requires="p14">
+        <mc:AlternateContent xmlns:mc="http://schemas.openxmlformats.org/markup-compatibility/2006" xmlns:p14="http://schemas.microsoft.com/office/powerpoint/2010/main">
+          <mc:Choice Requires="p14">
             <p:contentPart p14:bwMode="auto" r:id="rId26">
               <p14:nvContentPartPr>
                 <p14:cNvPr id="47" name="Ink 46">
@@ -5963,7 +5969,7 @@
               </p14:xfrm>
             </p:contentPart>
           </mc:Choice>
-          <mc:Fallback>
+          <mc:Fallback xmlns="">
             <p:pic>
               <p:nvPicPr>
                 <p:cNvPr id="47" name="Ink 46">
@@ -5994,8 +6000,8 @@
             </p:pic>
           </mc:Fallback>
         </mc:AlternateContent>
-        <mc:AlternateContent xmlns:mc="http://schemas.openxmlformats.org/markup-compatibility/2006">
-          <mc:Choice xmlns:p14="http://schemas.microsoft.com/office/powerpoint/2010/main" Requires="p14">
+        <mc:AlternateContent xmlns:mc="http://schemas.openxmlformats.org/markup-compatibility/2006" xmlns:p14="http://schemas.microsoft.com/office/powerpoint/2010/main">
+          <mc:Choice Requires="p14">
             <p:contentPart p14:bwMode="auto" r:id="rId28">
               <p14:nvContentPartPr>
                 <p14:cNvPr id="48" name="Ink 47">
@@ -6014,7 +6020,7 @@
               </p14:xfrm>
             </p:contentPart>
           </mc:Choice>
-          <mc:Fallback>
+          <mc:Fallback xmlns="">
             <p:pic>
               <p:nvPicPr>
                 <p:cNvPr id="48" name="Ink 47">
@@ -6045,8 +6051,8 @@
             </p:pic>
           </mc:Fallback>
         </mc:AlternateContent>
-        <mc:AlternateContent xmlns:mc="http://schemas.openxmlformats.org/markup-compatibility/2006">
-          <mc:Choice xmlns:p14="http://schemas.microsoft.com/office/powerpoint/2010/main" Requires="p14">
+        <mc:AlternateContent xmlns:mc="http://schemas.openxmlformats.org/markup-compatibility/2006" xmlns:p14="http://schemas.microsoft.com/office/powerpoint/2010/main">
+          <mc:Choice Requires="p14">
             <p:contentPart p14:bwMode="auto" r:id="rId30">
               <p14:nvContentPartPr>
                 <p14:cNvPr id="50" name="Ink 49">
@@ -6065,7 +6071,7 @@
               </p14:xfrm>
             </p:contentPart>
           </mc:Choice>
-          <mc:Fallback>
+          <mc:Fallback xmlns="">
             <p:pic>
               <p:nvPicPr>
                 <p:cNvPr id="50" name="Ink 49">
@@ -6096,8 +6102,8 @@
             </p:pic>
           </mc:Fallback>
         </mc:AlternateContent>
-        <mc:AlternateContent xmlns:mc="http://schemas.openxmlformats.org/markup-compatibility/2006">
-          <mc:Choice xmlns:p14="http://schemas.microsoft.com/office/powerpoint/2010/main" Requires="p14">
+        <mc:AlternateContent xmlns:mc="http://schemas.openxmlformats.org/markup-compatibility/2006" xmlns:p14="http://schemas.microsoft.com/office/powerpoint/2010/main">
+          <mc:Choice Requires="p14">
             <p:contentPart p14:bwMode="auto" r:id="rId32">
               <p14:nvContentPartPr>
                 <p14:cNvPr id="51" name="Ink 50">
@@ -6116,7 +6122,7 @@
               </p14:xfrm>
             </p:contentPart>
           </mc:Choice>
-          <mc:Fallback>
+          <mc:Fallback xmlns="">
             <p:pic>
               <p:nvPicPr>
                 <p:cNvPr id="51" name="Ink 50">
@@ -6147,8 +6153,8 @@
             </p:pic>
           </mc:Fallback>
         </mc:AlternateContent>
-        <mc:AlternateContent xmlns:mc="http://schemas.openxmlformats.org/markup-compatibility/2006">
-          <mc:Choice xmlns:p14="http://schemas.microsoft.com/office/powerpoint/2010/main" Requires="p14">
+        <mc:AlternateContent xmlns:mc="http://schemas.openxmlformats.org/markup-compatibility/2006" xmlns:p14="http://schemas.microsoft.com/office/powerpoint/2010/main">
+          <mc:Choice Requires="p14">
             <p:contentPart p14:bwMode="auto" r:id="rId34">
               <p14:nvContentPartPr>
                 <p14:cNvPr id="52" name="Ink 51">
@@ -6167,7 +6173,7 @@
               </p14:xfrm>
             </p:contentPart>
           </mc:Choice>
-          <mc:Fallback>
+          <mc:Fallback xmlns="">
             <p:pic>
               <p:nvPicPr>
                 <p:cNvPr id="52" name="Ink 51">
@@ -6198,8 +6204,8 @@
             </p:pic>
           </mc:Fallback>
         </mc:AlternateContent>
-        <mc:AlternateContent xmlns:mc="http://schemas.openxmlformats.org/markup-compatibility/2006">
-          <mc:Choice xmlns:p14="http://schemas.microsoft.com/office/powerpoint/2010/main" Requires="p14">
+        <mc:AlternateContent xmlns:mc="http://schemas.openxmlformats.org/markup-compatibility/2006" xmlns:p14="http://schemas.microsoft.com/office/powerpoint/2010/main">
+          <mc:Choice Requires="p14">
             <p:contentPart p14:bwMode="auto" r:id="rId36">
               <p14:nvContentPartPr>
                 <p14:cNvPr id="55" name="Ink 54">
@@ -6218,7 +6224,7 @@
               </p14:xfrm>
             </p:contentPart>
           </mc:Choice>
-          <mc:Fallback>
+          <mc:Fallback xmlns="">
             <p:pic>
               <p:nvPicPr>
                 <p:cNvPr id="55" name="Ink 54">
@@ -6249,8 +6255,8 @@
             </p:pic>
           </mc:Fallback>
         </mc:AlternateContent>
-        <mc:AlternateContent xmlns:mc="http://schemas.openxmlformats.org/markup-compatibility/2006">
-          <mc:Choice xmlns:p14="http://schemas.microsoft.com/office/powerpoint/2010/main" Requires="p14">
+        <mc:AlternateContent xmlns:mc="http://schemas.openxmlformats.org/markup-compatibility/2006" xmlns:p14="http://schemas.microsoft.com/office/powerpoint/2010/main">
+          <mc:Choice Requires="p14">
             <p:contentPart p14:bwMode="auto" r:id="rId38">
               <p14:nvContentPartPr>
                 <p14:cNvPr id="57" name="Ink 56">
@@ -6269,7 +6275,7 @@
               </p14:xfrm>
             </p:contentPart>
           </mc:Choice>
-          <mc:Fallback>
+          <mc:Fallback xmlns="">
             <p:pic>
               <p:nvPicPr>
                 <p:cNvPr id="57" name="Ink 56">
@@ -6321,8 +6327,8 @@
             <a:chExt cx="1897920" cy="859320"/>
           </a:xfrm>
         </p:grpSpPr>
-        <mc:AlternateContent xmlns:mc="http://schemas.openxmlformats.org/markup-compatibility/2006">
-          <mc:Choice xmlns:p14="http://schemas.microsoft.com/office/powerpoint/2010/main" Requires="p14">
+        <mc:AlternateContent xmlns:mc="http://schemas.openxmlformats.org/markup-compatibility/2006" xmlns:p14="http://schemas.microsoft.com/office/powerpoint/2010/main">
+          <mc:Choice Requires="p14">
             <p:contentPart p14:bwMode="auto" r:id="rId40">
               <p14:nvContentPartPr>
                 <p14:cNvPr id="30" name="Ink 29">
@@ -6341,7 +6347,7 @@
               </p14:xfrm>
             </p:contentPart>
           </mc:Choice>
-          <mc:Fallback>
+          <mc:Fallback xmlns="">
             <p:pic>
               <p:nvPicPr>
                 <p:cNvPr id="30" name="Ink 29">
@@ -6372,8 +6378,8 @@
             </p:pic>
           </mc:Fallback>
         </mc:AlternateContent>
-        <mc:AlternateContent xmlns:mc="http://schemas.openxmlformats.org/markup-compatibility/2006">
-          <mc:Choice xmlns:p14="http://schemas.microsoft.com/office/powerpoint/2010/main" Requires="p14">
+        <mc:AlternateContent xmlns:mc="http://schemas.openxmlformats.org/markup-compatibility/2006" xmlns:p14="http://schemas.microsoft.com/office/powerpoint/2010/main">
+          <mc:Choice Requires="p14">
             <p:contentPart p14:bwMode="auto" r:id="rId42">
               <p14:nvContentPartPr>
                 <p14:cNvPr id="31" name="Ink 30">
@@ -6392,7 +6398,7 @@
               </p14:xfrm>
             </p:contentPart>
           </mc:Choice>
-          <mc:Fallback>
+          <mc:Fallback xmlns="">
             <p:pic>
               <p:nvPicPr>
                 <p:cNvPr id="31" name="Ink 30">
@@ -6423,8 +6429,8 @@
             </p:pic>
           </mc:Fallback>
         </mc:AlternateContent>
-        <mc:AlternateContent xmlns:mc="http://schemas.openxmlformats.org/markup-compatibility/2006">
-          <mc:Choice xmlns:p14="http://schemas.microsoft.com/office/powerpoint/2010/main" Requires="p14">
+        <mc:AlternateContent xmlns:mc="http://schemas.openxmlformats.org/markup-compatibility/2006" xmlns:p14="http://schemas.microsoft.com/office/powerpoint/2010/main">
+          <mc:Choice Requires="p14">
             <p:contentPart p14:bwMode="auto" r:id="rId44">
               <p14:nvContentPartPr>
                 <p14:cNvPr id="33" name="Ink 32">
@@ -6443,7 +6449,7 @@
               </p14:xfrm>
             </p:contentPart>
           </mc:Choice>
-          <mc:Fallback>
+          <mc:Fallback xmlns="">
             <p:pic>
               <p:nvPicPr>
                 <p:cNvPr id="33" name="Ink 32">
@@ -6474,8 +6480,8 @@
             </p:pic>
           </mc:Fallback>
         </mc:AlternateContent>
-        <mc:AlternateContent xmlns:mc="http://schemas.openxmlformats.org/markup-compatibility/2006">
-          <mc:Choice xmlns:p14="http://schemas.microsoft.com/office/powerpoint/2010/main" Requires="p14">
+        <mc:AlternateContent xmlns:mc="http://schemas.openxmlformats.org/markup-compatibility/2006" xmlns:p14="http://schemas.microsoft.com/office/powerpoint/2010/main">
+          <mc:Choice Requires="p14">
             <p:contentPart p14:bwMode="auto" r:id="rId46">
               <p14:nvContentPartPr>
                 <p14:cNvPr id="34" name="Ink 33">
@@ -6494,7 +6500,7 @@
               </p14:xfrm>
             </p:contentPart>
           </mc:Choice>
-          <mc:Fallback>
+          <mc:Fallback xmlns="">
             <p:pic>
               <p:nvPicPr>
                 <p:cNvPr id="34" name="Ink 33">
@@ -6525,8 +6531,8 @@
             </p:pic>
           </mc:Fallback>
         </mc:AlternateContent>
-        <mc:AlternateContent xmlns:mc="http://schemas.openxmlformats.org/markup-compatibility/2006">
-          <mc:Choice xmlns:p14="http://schemas.microsoft.com/office/powerpoint/2010/main" Requires="p14">
+        <mc:AlternateContent xmlns:mc="http://schemas.openxmlformats.org/markup-compatibility/2006" xmlns:p14="http://schemas.microsoft.com/office/powerpoint/2010/main">
+          <mc:Choice Requires="p14">
             <p:contentPart p14:bwMode="auto" r:id="rId48">
               <p14:nvContentPartPr>
                 <p14:cNvPr id="35" name="Ink 34">
@@ -6545,7 +6551,7 @@
               </p14:xfrm>
             </p:contentPart>
           </mc:Choice>
-          <mc:Fallback>
+          <mc:Fallback xmlns="">
             <p:pic>
               <p:nvPicPr>
                 <p:cNvPr id="35" name="Ink 34">
@@ -6576,8 +6582,8 @@
             </p:pic>
           </mc:Fallback>
         </mc:AlternateContent>
-        <mc:AlternateContent xmlns:mc="http://schemas.openxmlformats.org/markup-compatibility/2006">
-          <mc:Choice xmlns:p14="http://schemas.microsoft.com/office/powerpoint/2010/main" Requires="p14">
+        <mc:AlternateContent xmlns:mc="http://schemas.openxmlformats.org/markup-compatibility/2006" xmlns:p14="http://schemas.microsoft.com/office/powerpoint/2010/main">
+          <mc:Choice Requires="p14">
             <p:contentPart p14:bwMode="auto" r:id="rId50">
               <p14:nvContentPartPr>
                 <p14:cNvPr id="36" name="Ink 35">
@@ -6596,7 +6602,7 @@
               </p14:xfrm>
             </p:contentPart>
           </mc:Choice>
-          <mc:Fallback>
+          <mc:Fallback xmlns="">
             <p:pic>
               <p:nvPicPr>
                 <p:cNvPr id="36" name="Ink 35">
@@ -6627,8 +6633,8 @@
             </p:pic>
           </mc:Fallback>
         </mc:AlternateContent>
-        <mc:AlternateContent xmlns:mc="http://schemas.openxmlformats.org/markup-compatibility/2006">
-          <mc:Choice xmlns:p14="http://schemas.microsoft.com/office/powerpoint/2010/main" Requires="p14">
+        <mc:AlternateContent xmlns:mc="http://schemas.openxmlformats.org/markup-compatibility/2006" xmlns:p14="http://schemas.microsoft.com/office/powerpoint/2010/main">
+          <mc:Choice Requires="p14">
             <p:contentPart p14:bwMode="auto" r:id="rId52">
               <p14:nvContentPartPr>
                 <p14:cNvPr id="37" name="Ink 36">
@@ -6647,7 +6653,7 @@
               </p14:xfrm>
             </p:contentPart>
           </mc:Choice>
-          <mc:Fallback>
+          <mc:Fallback xmlns="">
             <p:pic>
               <p:nvPicPr>
                 <p:cNvPr id="37" name="Ink 36">
@@ -6678,8 +6684,8 @@
             </p:pic>
           </mc:Fallback>
         </mc:AlternateContent>
-        <mc:AlternateContent xmlns:mc="http://schemas.openxmlformats.org/markup-compatibility/2006">
-          <mc:Choice xmlns:p14="http://schemas.microsoft.com/office/powerpoint/2010/main" Requires="p14">
+        <mc:AlternateContent xmlns:mc="http://schemas.openxmlformats.org/markup-compatibility/2006" xmlns:p14="http://schemas.microsoft.com/office/powerpoint/2010/main">
+          <mc:Choice Requires="p14">
             <p:contentPart p14:bwMode="auto" r:id="rId54">
               <p14:nvContentPartPr>
                 <p14:cNvPr id="38" name="Ink 37">
@@ -6698,7 +6704,7 @@
               </p14:xfrm>
             </p:contentPart>
           </mc:Choice>
-          <mc:Fallback>
+          <mc:Fallback xmlns="">
             <p:pic>
               <p:nvPicPr>
                 <p:cNvPr id="38" name="Ink 37">
@@ -6729,8 +6735,8 @@
             </p:pic>
           </mc:Fallback>
         </mc:AlternateContent>
-        <mc:AlternateContent xmlns:mc="http://schemas.openxmlformats.org/markup-compatibility/2006">
-          <mc:Choice xmlns:p14="http://schemas.microsoft.com/office/powerpoint/2010/main" Requires="p14">
+        <mc:AlternateContent xmlns:mc="http://schemas.openxmlformats.org/markup-compatibility/2006" xmlns:p14="http://schemas.microsoft.com/office/powerpoint/2010/main">
+          <mc:Choice Requires="p14">
             <p:contentPart p14:bwMode="auto" r:id="rId56">
               <p14:nvContentPartPr>
                 <p14:cNvPr id="39" name="Ink 38">
@@ -6749,7 +6755,7 @@
               </p14:xfrm>
             </p:contentPart>
           </mc:Choice>
-          <mc:Fallback>
+          <mc:Fallback xmlns="">
             <p:pic>
               <p:nvPicPr>
                 <p:cNvPr id="39" name="Ink 38">
@@ -6780,8 +6786,8 @@
             </p:pic>
           </mc:Fallback>
         </mc:AlternateContent>
-        <mc:AlternateContent xmlns:mc="http://schemas.openxmlformats.org/markup-compatibility/2006">
-          <mc:Choice xmlns:p14="http://schemas.microsoft.com/office/powerpoint/2010/main" Requires="p14">
+        <mc:AlternateContent xmlns:mc="http://schemas.openxmlformats.org/markup-compatibility/2006" xmlns:p14="http://schemas.microsoft.com/office/powerpoint/2010/main">
+          <mc:Choice Requires="p14">
             <p:contentPart p14:bwMode="auto" r:id="rId58">
               <p14:nvContentPartPr>
                 <p14:cNvPr id="41" name="Ink 40">
@@ -6800,7 +6806,7 @@
               </p14:xfrm>
             </p:contentPart>
           </mc:Choice>
-          <mc:Fallback>
+          <mc:Fallback xmlns="">
             <p:pic>
               <p:nvPicPr>
                 <p:cNvPr id="41" name="Ink 40">
@@ -6831,8 +6837,8 @@
             </p:pic>
           </mc:Fallback>
         </mc:AlternateContent>
-        <mc:AlternateContent xmlns:mc="http://schemas.openxmlformats.org/markup-compatibility/2006">
-          <mc:Choice xmlns:p14="http://schemas.microsoft.com/office/powerpoint/2010/main" Requires="p14">
+        <mc:AlternateContent xmlns:mc="http://schemas.openxmlformats.org/markup-compatibility/2006" xmlns:p14="http://schemas.microsoft.com/office/powerpoint/2010/main">
+          <mc:Choice Requires="p14">
             <p:contentPart p14:bwMode="auto" r:id="rId60">
               <p14:nvContentPartPr>
                 <p14:cNvPr id="42" name="Ink 41">
@@ -6851,7 +6857,7 @@
               </p14:xfrm>
             </p:contentPart>
           </mc:Choice>
-          <mc:Fallback>
+          <mc:Fallback xmlns="">
             <p:pic>
               <p:nvPicPr>
                 <p:cNvPr id="42" name="Ink 41">
@@ -6882,8 +6888,8 @@
             </p:pic>
           </mc:Fallback>
         </mc:AlternateContent>
-        <mc:AlternateContent xmlns:mc="http://schemas.openxmlformats.org/markup-compatibility/2006">
-          <mc:Choice xmlns:p14="http://schemas.microsoft.com/office/powerpoint/2010/main" Requires="p14">
+        <mc:AlternateContent xmlns:mc="http://schemas.openxmlformats.org/markup-compatibility/2006" xmlns:p14="http://schemas.microsoft.com/office/powerpoint/2010/main">
+          <mc:Choice Requires="p14">
             <p:contentPart p14:bwMode="auto" r:id="rId62">
               <p14:nvContentPartPr>
                 <p14:cNvPr id="59" name="Ink 58">
@@ -6902,7 +6908,7 @@
               </p14:xfrm>
             </p:contentPart>
           </mc:Choice>
-          <mc:Fallback>
+          <mc:Fallback xmlns="">
             <p:pic>
               <p:nvPicPr>
                 <p:cNvPr id="59" name="Ink 58">
@@ -6933,8 +6939,8 @@
             </p:pic>
           </mc:Fallback>
         </mc:AlternateContent>
-        <mc:AlternateContent xmlns:mc="http://schemas.openxmlformats.org/markup-compatibility/2006">
-          <mc:Choice xmlns:p14="http://schemas.microsoft.com/office/powerpoint/2010/main" Requires="p14">
+        <mc:AlternateContent xmlns:mc="http://schemas.openxmlformats.org/markup-compatibility/2006" xmlns:p14="http://schemas.microsoft.com/office/powerpoint/2010/main">
+          <mc:Choice Requires="p14">
             <p:contentPart p14:bwMode="auto" r:id="rId64">
               <p14:nvContentPartPr>
                 <p14:cNvPr id="60" name="Ink 59">
@@ -6953,7 +6959,7 @@
               </p14:xfrm>
             </p:contentPart>
           </mc:Choice>
-          <mc:Fallback>
+          <mc:Fallback xmlns="">
             <p:pic>
               <p:nvPicPr>
                 <p:cNvPr id="60" name="Ink 59">
@@ -7005,8 +7011,8 @@
             <a:chExt cx="1029600" cy="1014120"/>
           </a:xfrm>
         </p:grpSpPr>
-        <mc:AlternateContent xmlns:mc="http://schemas.openxmlformats.org/markup-compatibility/2006">
-          <mc:Choice xmlns:p14="http://schemas.microsoft.com/office/powerpoint/2010/main" Requires="p14">
+        <mc:AlternateContent xmlns:mc="http://schemas.openxmlformats.org/markup-compatibility/2006" xmlns:p14="http://schemas.microsoft.com/office/powerpoint/2010/main">
+          <mc:Choice Requires="p14">
             <p:contentPart p14:bwMode="auto" r:id="rId66">
               <p14:nvContentPartPr>
                 <p14:cNvPr id="62" name="Ink 61">
@@ -7025,7 +7031,7 @@
               </p14:xfrm>
             </p:contentPart>
           </mc:Choice>
-          <mc:Fallback>
+          <mc:Fallback xmlns="">
             <p:pic>
               <p:nvPicPr>
                 <p:cNvPr id="62" name="Ink 61">
@@ -7056,8 +7062,8 @@
             </p:pic>
           </mc:Fallback>
         </mc:AlternateContent>
-        <mc:AlternateContent xmlns:mc="http://schemas.openxmlformats.org/markup-compatibility/2006">
-          <mc:Choice xmlns:p14="http://schemas.microsoft.com/office/powerpoint/2010/main" Requires="p14">
+        <mc:AlternateContent xmlns:mc="http://schemas.openxmlformats.org/markup-compatibility/2006" xmlns:p14="http://schemas.microsoft.com/office/powerpoint/2010/main">
+          <mc:Choice Requires="p14">
             <p:contentPart p14:bwMode="auto" r:id="rId68">
               <p14:nvContentPartPr>
                 <p14:cNvPr id="63" name="Ink 62">
@@ -7076,7 +7082,7 @@
               </p14:xfrm>
             </p:contentPart>
           </mc:Choice>
-          <mc:Fallback>
+          <mc:Fallback xmlns="">
             <p:pic>
               <p:nvPicPr>
                 <p:cNvPr id="63" name="Ink 62">
@@ -7107,8 +7113,8 @@
             </p:pic>
           </mc:Fallback>
         </mc:AlternateContent>
-        <mc:AlternateContent xmlns:mc="http://schemas.openxmlformats.org/markup-compatibility/2006">
-          <mc:Choice xmlns:p14="http://schemas.microsoft.com/office/powerpoint/2010/main" Requires="p14">
+        <mc:AlternateContent xmlns:mc="http://schemas.openxmlformats.org/markup-compatibility/2006" xmlns:p14="http://schemas.microsoft.com/office/powerpoint/2010/main">
+          <mc:Choice Requires="p14">
             <p:contentPart p14:bwMode="auto" r:id="rId70">
               <p14:nvContentPartPr>
                 <p14:cNvPr id="65" name="Ink 64">
@@ -7127,7 +7133,7 @@
               </p14:xfrm>
             </p:contentPart>
           </mc:Choice>
-          <mc:Fallback>
+          <mc:Fallback xmlns="">
             <p:pic>
               <p:nvPicPr>
                 <p:cNvPr id="65" name="Ink 64">
@@ -7179,8 +7185,8 @@
             <a:chExt cx="614160" cy="446040"/>
           </a:xfrm>
         </p:grpSpPr>
-        <mc:AlternateContent xmlns:mc="http://schemas.openxmlformats.org/markup-compatibility/2006">
-          <mc:Choice xmlns:p14="http://schemas.microsoft.com/office/powerpoint/2010/main" Requires="p14">
+        <mc:AlternateContent xmlns:mc="http://schemas.openxmlformats.org/markup-compatibility/2006" xmlns:p14="http://schemas.microsoft.com/office/powerpoint/2010/main">
+          <mc:Choice Requires="p14">
             <p:contentPart p14:bwMode="auto" r:id="rId72">
               <p14:nvContentPartPr>
                 <p14:cNvPr id="67" name="Ink 66">
@@ -7199,7 +7205,7 @@
               </p14:xfrm>
             </p:contentPart>
           </mc:Choice>
-          <mc:Fallback>
+          <mc:Fallback xmlns="">
             <p:pic>
               <p:nvPicPr>
                 <p:cNvPr id="67" name="Ink 66">
@@ -7230,8 +7236,8 @@
             </p:pic>
           </mc:Fallback>
         </mc:AlternateContent>
-        <mc:AlternateContent xmlns:mc="http://schemas.openxmlformats.org/markup-compatibility/2006">
-          <mc:Choice xmlns:p14="http://schemas.microsoft.com/office/powerpoint/2010/main" Requires="p14">
+        <mc:AlternateContent xmlns:mc="http://schemas.openxmlformats.org/markup-compatibility/2006" xmlns:p14="http://schemas.microsoft.com/office/powerpoint/2010/main">
+          <mc:Choice Requires="p14">
             <p:contentPart p14:bwMode="auto" r:id="rId74">
               <p14:nvContentPartPr>
                 <p14:cNvPr id="68" name="Ink 67">
@@ -7250,7 +7256,7 @@
               </p14:xfrm>
             </p:contentPart>
           </mc:Choice>
-          <mc:Fallback>
+          <mc:Fallback xmlns="">
             <p:pic>
               <p:nvPicPr>
                 <p:cNvPr id="68" name="Ink 67">
@@ -7302,8 +7308,8 @@
             <a:chExt cx="1544040" cy="1466280"/>
           </a:xfrm>
         </p:grpSpPr>
-        <mc:AlternateContent xmlns:mc="http://schemas.openxmlformats.org/markup-compatibility/2006">
-          <mc:Choice xmlns:p14="http://schemas.microsoft.com/office/powerpoint/2010/main" Requires="p14">
+        <mc:AlternateContent xmlns:mc="http://schemas.openxmlformats.org/markup-compatibility/2006" xmlns:p14="http://schemas.microsoft.com/office/powerpoint/2010/main">
+          <mc:Choice Requires="p14">
             <p:contentPart p14:bwMode="auto" r:id="rId76">
               <p14:nvContentPartPr>
                 <p14:cNvPr id="76" name="Ink 75">
@@ -7322,7 +7328,7 @@
               </p14:xfrm>
             </p:contentPart>
           </mc:Choice>
-          <mc:Fallback>
+          <mc:Fallback xmlns="">
             <p:pic>
               <p:nvPicPr>
                 <p:cNvPr id="76" name="Ink 75">
@@ -7353,8 +7359,8 @@
             </p:pic>
           </mc:Fallback>
         </mc:AlternateContent>
-        <mc:AlternateContent xmlns:mc="http://schemas.openxmlformats.org/markup-compatibility/2006">
-          <mc:Choice xmlns:p14="http://schemas.microsoft.com/office/powerpoint/2010/main" Requires="p14">
+        <mc:AlternateContent xmlns:mc="http://schemas.openxmlformats.org/markup-compatibility/2006" xmlns:p14="http://schemas.microsoft.com/office/powerpoint/2010/main">
+          <mc:Choice Requires="p14">
             <p:contentPart p14:bwMode="auto" r:id="rId78">
               <p14:nvContentPartPr>
                 <p14:cNvPr id="77" name="Ink 76">
@@ -7373,7 +7379,7 @@
               </p14:xfrm>
             </p:contentPart>
           </mc:Choice>
-          <mc:Fallback>
+          <mc:Fallback xmlns="">
             <p:pic>
               <p:nvPicPr>
                 <p:cNvPr id="77" name="Ink 76">
@@ -7404,8 +7410,8 @@
             </p:pic>
           </mc:Fallback>
         </mc:AlternateContent>
-        <mc:AlternateContent xmlns:mc="http://schemas.openxmlformats.org/markup-compatibility/2006">
-          <mc:Choice xmlns:p14="http://schemas.microsoft.com/office/powerpoint/2010/main" Requires="p14">
+        <mc:AlternateContent xmlns:mc="http://schemas.openxmlformats.org/markup-compatibility/2006" xmlns:p14="http://schemas.microsoft.com/office/powerpoint/2010/main">
+          <mc:Choice Requires="p14">
             <p:contentPart p14:bwMode="auto" r:id="rId80">
               <p14:nvContentPartPr>
                 <p14:cNvPr id="78" name="Ink 77">
@@ -7424,7 +7430,7 @@
               </p14:xfrm>
             </p:contentPart>
           </mc:Choice>
-          <mc:Fallback>
+          <mc:Fallback xmlns="">
             <p:pic>
               <p:nvPicPr>
                 <p:cNvPr id="78" name="Ink 77">
@@ -7476,8 +7482,8 @@
             <a:chExt cx="2418120" cy="2344320"/>
           </a:xfrm>
         </p:grpSpPr>
-        <mc:AlternateContent xmlns:mc="http://schemas.openxmlformats.org/markup-compatibility/2006">
-          <mc:Choice xmlns:p14="http://schemas.microsoft.com/office/powerpoint/2010/main" Requires="p14">
+        <mc:AlternateContent xmlns:mc="http://schemas.openxmlformats.org/markup-compatibility/2006" xmlns:p14="http://schemas.microsoft.com/office/powerpoint/2010/main">
+          <mc:Choice Requires="p14">
             <p:contentPart p14:bwMode="auto" r:id="rId82">
               <p14:nvContentPartPr>
                 <p14:cNvPr id="70" name="Ink 69">
@@ -7496,7 +7502,7 @@
               </p14:xfrm>
             </p:contentPart>
           </mc:Choice>
-          <mc:Fallback>
+          <mc:Fallback xmlns="">
             <p:pic>
               <p:nvPicPr>
                 <p:cNvPr id="70" name="Ink 69">
@@ -7527,8 +7533,8 @@
             </p:pic>
           </mc:Fallback>
         </mc:AlternateContent>
-        <mc:AlternateContent xmlns:mc="http://schemas.openxmlformats.org/markup-compatibility/2006">
-          <mc:Choice xmlns:p14="http://schemas.microsoft.com/office/powerpoint/2010/main" Requires="p14">
+        <mc:AlternateContent xmlns:mc="http://schemas.openxmlformats.org/markup-compatibility/2006" xmlns:p14="http://schemas.microsoft.com/office/powerpoint/2010/main">
+          <mc:Choice Requires="p14">
             <p:contentPart p14:bwMode="auto" r:id="rId84">
               <p14:nvContentPartPr>
                 <p14:cNvPr id="71" name="Ink 70">
@@ -7547,7 +7553,7 @@
               </p14:xfrm>
             </p:contentPart>
           </mc:Choice>
-          <mc:Fallback>
+          <mc:Fallback xmlns="">
             <p:pic>
               <p:nvPicPr>
                 <p:cNvPr id="71" name="Ink 70">
@@ -7578,8 +7584,8 @@
             </p:pic>
           </mc:Fallback>
         </mc:AlternateContent>
-        <mc:AlternateContent xmlns:mc="http://schemas.openxmlformats.org/markup-compatibility/2006">
-          <mc:Choice xmlns:p14="http://schemas.microsoft.com/office/powerpoint/2010/main" Requires="p14">
+        <mc:AlternateContent xmlns:mc="http://schemas.openxmlformats.org/markup-compatibility/2006" xmlns:p14="http://schemas.microsoft.com/office/powerpoint/2010/main">
+          <mc:Choice Requires="p14">
             <p:contentPart p14:bwMode="auto" r:id="rId86">
               <p14:nvContentPartPr>
                 <p14:cNvPr id="72" name="Ink 71">
@@ -7598,7 +7604,7 @@
               </p14:xfrm>
             </p:contentPart>
           </mc:Choice>
-          <mc:Fallback>
+          <mc:Fallback xmlns="">
             <p:pic>
               <p:nvPicPr>
                 <p:cNvPr id="72" name="Ink 71">
@@ -7629,8 +7635,8 @@
             </p:pic>
           </mc:Fallback>
         </mc:AlternateContent>
-        <mc:AlternateContent xmlns:mc="http://schemas.openxmlformats.org/markup-compatibility/2006">
-          <mc:Choice xmlns:p14="http://schemas.microsoft.com/office/powerpoint/2010/main" Requires="p14">
+        <mc:AlternateContent xmlns:mc="http://schemas.openxmlformats.org/markup-compatibility/2006" xmlns:p14="http://schemas.microsoft.com/office/powerpoint/2010/main">
+          <mc:Choice Requires="p14">
             <p:contentPart p14:bwMode="auto" r:id="rId88">
               <p14:nvContentPartPr>
                 <p14:cNvPr id="73" name="Ink 72">
@@ -7649,7 +7655,7 @@
               </p14:xfrm>
             </p:contentPart>
           </mc:Choice>
-          <mc:Fallback>
+          <mc:Fallback xmlns="">
             <p:pic>
               <p:nvPicPr>
                 <p:cNvPr id="73" name="Ink 72">
@@ -7680,8 +7686,8 @@
             </p:pic>
           </mc:Fallback>
         </mc:AlternateContent>
-        <mc:AlternateContent xmlns:mc="http://schemas.openxmlformats.org/markup-compatibility/2006">
-          <mc:Choice xmlns:p14="http://schemas.microsoft.com/office/powerpoint/2010/main" Requires="p14">
+        <mc:AlternateContent xmlns:mc="http://schemas.openxmlformats.org/markup-compatibility/2006" xmlns:p14="http://schemas.microsoft.com/office/powerpoint/2010/main">
+          <mc:Choice Requires="p14">
             <p:contentPart p14:bwMode="auto" r:id="rId90">
               <p14:nvContentPartPr>
                 <p14:cNvPr id="74" name="Ink 73">
@@ -7700,7 +7706,7 @@
               </p14:xfrm>
             </p:contentPart>
           </mc:Choice>
-          <mc:Fallback>
+          <mc:Fallback xmlns="">
             <p:pic>
               <p:nvPicPr>
                 <p:cNvPr id="74" name="Ink 73">
@@ -7731,8 +7737,8 @@
             </p:pic>
           </mc:Fallback>
         </mc:AlternateContent>
-        <mc:AlternateContent xmlns:mc="http://schemas.openxmlformats.org/markup-compatibility/2006">
-          <mc:Choice xmlns:p14="http://schemas.microsoft.com/office/powerpoint/2010/main" Requires="p14">
+        <mc:AlternateContent xmlns:mc="http://schemas.openxmlformats.org/markup-compatibility/2006" xmlns:p14="http://schemas.microsoft.com/office/powerpoint/2010/main">
+          <mc:Choice Requires="p14">
             <p:contentPart p14:bwMode="auto" r:id="rId92">
               <p14:nvContentPartPr>
                 <p14:cNvPr id="79" name="Ink 78">
@@ -7751,7 +7757,7 @@
               </p14:xfrm>
             </p:contentPart>
           </mc:Choice>
-          <mc:Fallback>
+          <mc:Fallback xmlns="">
             <p:pic>
               <p:nvPicPr>
                 <p:cNvPr id="79" name="Ink 78">
@@ -7782,8 +7788,8 @@
             </p:pic>
           </mc:Fallback>
         </mc:AlternateContent>
-        <mc:AlternateContent xmlns:mc="http://schemas.openxmlformats.org/markup-compatibility/2006">
-          <mc:Choice xmlns:p14="http://schemas.microsoft.com/office/powerpoint/2010/main" Requires="p14">
+        <mc:AlternateContent xmlns:mc="http://schemas.openxmlformats.org/markup-compatibility/2006" xmlns:p14="http://schemas.microsoft.com/office/powerpoint/2010/main">
+          <mc:Choice Requires="p14">
             <p:contentPart p14:bwMode="auto" r:id="rId94">
               <p14:nvContentPartPr>
                 <p14:cNvPr id="80" name="Ink 79">
@@ -7802,7 +7808,7 @@
               </p14:xfrm>
             </p:contentPart>
           </mc:Choice>
-          <mc:Fallback>
+          <mc:Fallback xmlns="">
             <p:pic>
               <p:nvPicPr>
                 <p:cNvPr id="80" name="Ink 79">
@@ -7833,8 +7839,8 @@
             </p:pic>
           </mc:Fallback>
         </mc:AlternateContent>
-        <mc:AlternateContent xmlns:mc="http://schemas.openxmlformats.org/markup-compatibility/2006">
-          <mc:Choice xmlns:p14="http://schemas.microsoft.com/office/powerpoint/2010/main" Requires="p14">
+        <mc:AlternateContent xmlns:mc="http://schemas.openxmlformats.org/markup-compatibility/2006" xmlns:p14="http://schemas.microsoft.com/office/powerpoint/2010/main">
+          <mc:Choice Requires="p14">
             <p:contentPart p14:bwMode="auto" r:id="rId96">
               <p14:nvContentPartPr>
                 <p14:cNvPr id="83" name="Ink 82">
@@ -7853,7 +7859,7 @@
               </p14:xfrm>
             </p:contentPart>
           </mc:Choice>
-          <mc:Fallback>
+          <mc:Fallback xmlns="">
             <p:pic>
               <p:nvPicPr>
                 <p:cNvPr id="83" name="Ink 82">
@@ -7884,8 +7890,8 @@
             </p:pic>
           </mc:Fallback>
         </mc:AlternateContent>
-        <mc:AlternateContent xmlns:mc="http://schemas.openxmlformats.org/markup-compatibility/2006">
-          <mc:Choice xmlns:p14="http://schemas.microsoft.com/office/powerpoint/2010/main" Requires="p14">
+        <mc:AlternateContent xmlns:mc="http://schemas.openxmlformats.org/markup-compatibility/2006" xmlns:p14="http://schemas.microsoft.com/office/powerpoint/2010/main">
+          <mc:Choice Requires="p14">
             <p:contentPart p14:bwMode="auto" r:id="rId98">
               <p14:nvContentPartPr>
                 <p14:cNvPr id="84" name="Ink 83">
@@ -7904,7 +7910,7 @@
               </p14:xfrm>
             </p:contentPart>
           </mc:Choice>
-          <mc:Fallback>
+          <mc:Fallback xmlns="">
             <p:pic>
               <p:nvPicPr>
                 <p:cNvPr id="84" name="Ink 83">
@@ -7935,8 +7941,8 @@
             </p:pic>
           </mc:Fallback>
         </mc:AlternateContent>
-        <mc:AlternateContent xmlns:mc="http://schemas.openxmlformats.org/markup-compatibility/2006">
-          <mc:Choice xmlns:p14="http://schemas.microsoft.com/office/powerpoint/2010/main" Requires="p14">
+        <mc:AlternateContent xmlns:mc="http://schemas.openxmlformats.org/markup-compatibility/2006" xmlns:p14="http://schemas.microsoft.com/office/powerpoint/2010/main">
+          <mc:Choice Requires="p14">
             <p:contentPart p14:bwMode="auto" r:id="rId100">
               <p14:nvContentPartPr>
                 <p14:cNvPr id="85" name="Ink 84">
@@ -7955,7 +7961,7 @@
               </p14:xfrm>
             </p:contentPart>
           </mc:Choice>
-          <mc:Fallback>
+          <mc:Fallback xmlns="">
             <p:pic>
               <p:nvPicPr>
                 <p:cNvPr id="85" name="Ink 84">
@@ -7991,6 +7997,1249 @@
     <p:extLst>
       <p:ext uri="{BB962C8B-B14F-4D97-AF65-F5344CB8AC3E}">
         <p14:creationId xmlns:p14="http://schemas.microsoft.com/office/powerpoint/2010/main" val="2542869434"/>
+      </p:ext>
+    </p:extLst>
+  </p:cSld>
+  <p:clrMapOvr>
+    <a:masterClrMapping/>
+  </p:clrMapOvr>
+</p:sld>
+</file>
+
+<file path=ppt/slides/slide3.xml><?xml version="1.0" encoding="utf-8"?>
+<p:sld xmlns:a="http://schemas.openxmlformats.org/drawingml/2006/main" xmlns:r="http://schemas.openxmlformats.org/officeDocument/2006/relationships" xmlns:p="http://schemas.openxmlformats.org/presentationml/2006/main">
+  <p:cSld>
+    <p:spTree>
+      <p:nvGrpSpPr>
+        <p:cNvPr id="1" name=""/>
+        <p:cNvGrpSpPr/>
+        <p:nvPr/>
+      </p:nvGrpSpPr>
+      <p:grpSpPr>
+        <a:xfrm>
+          <a:off x="0" y="0"/>
+          <a:ext cx="0" cy="0"/>
+          <a:chOff x="0" y="0"/>
+          <a:chExt cx="0" cy="0"/>
+        </a:xfrm>
+      </p:grpSpPr>
+      <p:sp>
+        <p:nvSpPr>
+          <p:cNvPr id="2" name="Title 1">
+            <a:extLst>
+              <a:ext uri="{FF2B5EF4-FFF2-40B4-BE49-F238E27FC236}">
+                <a16:creationId xmlns:a16="http://schemas.microsoft.com/office/drawing/2014/main" id="{7DDED4C6-3EBF-6EA9-9662-E050F71170F5}"/>
+              </a:ext>
+            </a:extLst>
+          </p:cNvPr>
+          <p:cNvSpPr>
+            <a:spLocks noGrp="1"/>
+          </p:cNvSpPr>
+          <p:nvPr>
+            <p:ph type="title"/>
+          </p:nvPr>
+        </p:nvSpPr>
+        <p:spPr/>
+        <p:txBody>
+          <a:bodyPr/>
+          <a:lstStyle/>
+          <a:p>
+            <a:r>
+              <a:rPr lang="en-US" dirty="0"/>
+              <a:t>Stack vs heap</a:t>
+            </a:r>
+          </a:p>
+        </p:txBody>
+      </p:sp>
+      <p:graphicFrame>
+        <p:nvGraphicFramePr>
+          <p:cNvPr id="4" name="Table 4">
+            <a:extLst>
+              <a:ext uri="{FF2B5EF4-FFF2-40B4-BE49-F238E27FC236}">
+                <a16:creationId xmlns:a16="http://schemas.microsoft.com/office/drawing/2014/main" id="{4F905B0C-F9F6-2DBC-0C23-9AB20329C414}"/>
+              </a:ext>
+            </a:extLst>
+          </p:cNvPr>
+          <p:cNvGraphicFramePr>
+            <a:graphicFrameLocks noGrp="1"/>
+          </p:cNvGraphicFramePr>
+          <p:nvPr>
+            <p:extLst>
+              <p:ext uri="{D42A27DB-BD31-4B8C-83A1-F6EECF244321}">
+                <p14:modId xmlns:p14="http://schemas.microsoft.com/office/powerpoint/2010/main" val="983866265"/>
+              </p:ext>
+            </p:extLst>
+          </p:nvPr>
+        </p:nvGraphicFramePr>
+        <p:xfrm>
+          <a:off x="666116" y="3165686"/>
+          <a:ext cx="2597149" cy="3094144"/>
+        </p:xfrm>
+        <a:graphic>
+          <a:graphicData uri="http://schemas.openxmlformats.org/drawingml/2006/table">
+            <a:tbl>
+              <a:tblPr firstRow="1" bandRow="1">
+                <a:tableStyleId>{5C22544A-7EE6-4342-B048-85BDC9FD1C3A}</a:tableStyleId>
+              </a:tblPr>
+              <a:tblGrid>
+                <a:gridCol w="2597149">
+                  <a:extLst>
+                    <a:ext uri="{9D8B030D-6E8A-4147-A177-3AD203B41FA5}">
+                      <a16:colId xmlns:a16="http://schemas.microsoft.com/office/drawing/2014/main" val="1869081983"/>
+                    </a:ext>
+                  </a:extLst>
+                </a:gridCol>
+              </a:tblGrid>
+              <a:tr h="370840">
+                <a:tc>
+                  <a:txBody>
+                    <a:bodyPr/>
+                    <a:lstStyle/>
+                    <a:p>
+                      <a:r>
+                        <a:rPr lang="en-US" dirty="0"/>
+                        <a:t>Stack – value types</a:t>
+                      </a:r>
+                    </a:p>
+                  </a:txBody>
+                  <a:tcPr/>
+                </a:tc>
+                <a:extLst>
+                  <a:ext uri="{0D108BD9-81ED-4DB2-BD59-A6C34878D82A}">
+                    <a16:rowId xmlns:a16="http://schemas.microsoft.com/office/drawing/2014/main" val="2255237968"/>
+                  </a:ext>
+                </a:extLst>
+              </a:tr>
+              <a:tr h="498264">
+                <a:tc>
+                  <a:txBody>
+                    <a:bodyPr/>
+                    <a:lstStyle/>
+                    <a:p>
+                      <a:r>
+                        <a:rPr lang="en-US" dirty="0"/>
+                        <a:t>D1</a:t>
+                      </a:r>
+                    </a:p>
+                  </a:txBody>
+                  <a:tcPr/>
+                </a:tc>
+                <a:extLst>
+                  <a:ext uri="{0D108BD9-81ED-4DB2-BD59-A6C34878D82A}">
+                    <a16:rowId xmlns:a16="http://schemas.microsoft.com/office/drawing/2014/main" val="293379562"/>
+                  </a:ext>
+                </a:extLst>
+              </a:tr>
+              <a:tr h="370840">
+                <a:tc>
+                  <a:txBody>
+                    <a:bodyPr/>
+                    <a:lstStyle/>
+                    <a:p>
+                      <a:r>
+                        <a:rPr lang="en-US" dirty="0"/>
+                        <a:t>d2</a:t>
+                      </a:r>
+                    </a:p>
+                  </a:txBody>
+                  <a:tcPr/>
+                </a:tc>
+                <a:extLst>
+                  <a:ext uri="{0D108BD9-81ED-4DB2-BD59-A6C34878D82A}">
+                    <a16:rowId xmlns:a16="http://schemas.microsoft.com/office/drawing/2014/main" val="1469738079"/>
+                  </a:ext>
+                </a:extLst>
+              </a:tr>
+              <a:tr h="370840">
+                <a:tc>
+                  <a:txBody>
+                    <a:bodyPr/>
+                    <a:lstStyle/>
+                    <a:p>
+                      <a:r>
+                        <a:rPr lang="en-US" dirty="0"/>
+                        <a:t>d3</a:t>
+                      </a:r>
+                    </a:p>
+                  </a:txBody>
+                  <a:tcPr/>
+                </a:tc>
+                <a:extLst>
+                  <a:ext uri="{0D108BD9-81ED-4DB2-BD59-A6C34878D82A}">
+                    <a16:rowId xmlns:a16="http://schemas.microsoft.com/office/drawing/2014/main" val="554893149"/>
+                  </a:ext>
+                </a:extLst>
+              </a:tr>
+              <a:tr h="370840">
+                <a:tc>
+                  <a:txBody>
+                    <a:bodyPr/>
+                    <a:lstStyle/>
+                    <a:p>
+                      <a:r>
+                        <a:rPr lang="en-US" dirty="0"/>
+                        <a:t>d4</a:t>
+                      </a:r>
+                    </a:p>
+                  </a:txBody>
+                  <a:tcPr/>
+                </a:tc>
+                <a:extLst>
+                  <a:ext uri="{0D108BD9-81ED-4DB2-BD59-A6C34878D82A}">
+                    <a16:rowId xmlns:a16="http://schemas.microsoft.com/office/drawing/2014/main" val="527915888"/>
+                  </a:ext>
+                </a:extLst>
+              </a:tr>
+              <a:tr h="370840">
+                <a:tc>
+                  <a:txBody>
+                    <a:bodyPr/>
+                    <a:lstStyle/>
+                    <a:p>
+                      <a:r>
+                        <a:rPr lang="en-US" dirty="0"/>
+                        <a:t>d2</a:t>
+                      </a:r>
+                    </a:p>
+                  </a:txBody>
+                  <a:tcPr/>
+                </a:tc>
+                <a:extLst>
+                  <a:ext uri="{0D108BD9-81ED-4DB2-BD59-A6C34878D82A}">
+                    <a16:rowId xmlns:a16="http://schemas.microsoft.com/office/drawing/2014/main" val="3788806623"/>
+                  </a:ext>
+                </a:extLst>
+              </a:tr>
+              <a:tr h="370840">
+                <a:tc>
+                  <a:txBody>
+                    <a:bodyPr/>
+                    <a:lstStyle/>
+                    <a:p>
+                      <a:endParaRPr lang="en-US" dirty="0"/>
+                    </a:p>
+                  </a:txBody>
+                  <a:tcPr/>
+                </a:tc>
+                <a:extLst>
+                  <a:ext uri="{0D108BD9-81ED-4DB2-BD59-A6C34878D82A}">
+                    <a16:rowId xmlns:a16="http://schemas.microsoft.com/office/drawing/2014/main" val="2293391430"/>
+                  </a:ext>
+                </a:extLst>
+              </a:tr>
+              <a:tr h="370840">
+                <a:tc>
+                  <a:txBody>
+                    <a:bodyPr/>
+                    <a:lstStyle/>
+                    <a:p>
+                      <a:endParaRPr lang="en-US" dirty="0"/>
+                    </a:p>
+                  </a:txBody>
+                  <a:tcPr/>
+                </a:tc>
+                <a:extLst>
+                  <a:ext uri="{0D108BD9-81ED-4DB2-BD59-A6C34878D82A}">
+                    <a16:rowId xmlns:a16="http://schemas.microsoft.com/office/drawing/2014/main" val="1652297180"/>
+                  </a:ext>
+                </a:extLst>
+              </a:tr>
+            </a:tbl>
+          </a:graphicData>
+        </a:graphic>
+      </p:graphicFrame>
+      <p:graphicFrame>
+        <p:nvGraphicFramePr>
+          <p:cNvPr id="5" name="Table 5">
+            <a:extLst>
+              <a:ext uri="{FF2B5EF4-FFF2-40B4-BE49-F238E27FC236}">
+                <a16:creationId xmlns:a16="http://schemas.microsoft.com/office/drawing/2014/main" id="{F97BBEF2-14BA-4125-C855-E8C408C8C712}"/>
+              </a:ext>
+            </a:extLst>
+          </p:cNvPr>
+          <p:cNvGraphicFramePr>
+            <a:graphicFrameLocks noGrp="1"/>
+          </p:cNvGraphicFramePr>
+          <p:nvPr>
+            <p:extLst>
+              <p:ext uri="{D42A27DB-BD31-4B8C-83A1-F6EECF244321}">
+                <p14:modId xmlns:p14="http://schemas.microsoft.com/office/powerpoint/2010/main" val="637553811"/>
+              </p:ext>
+            </p:extLst>
+          </p:nvPr>
+        </p:nvGraphicFramePr>
+        <p:xfrm>
+          <a:off x="4720590" y="3249718"/>
+          <a:ext cx="7193920" cy="2926080"/>
+        </p:xfrm>
+        <a:graphic>
+          <a:graphicData uri="http://schemas.openxmlformats.org/drawingml/2006/table">
+            <a:tbl>
+              <a:tblPr firstRow="1" bandRow="1">
+                <a:tableStyleId>{5C22544A-7EE6-4342-B048-85BDC9FD1C3A}</a:tableStyleId>
+              </a:tblPr>
+              <a:tblGrid>
+                <a:gridCol w="719392">
+                  <a:extLst>
+                    <a:ext uri="{9D8B030D-6E8A-4147-A177-3AD203B41FA5}">
+                      <a16:colId xmlns:a16="http://schemas.microsoft.com/office/drawing/2014/main" val="702831342"/>
+                    </a:ext>
+                  </a:extLst>
+                </a:gridCol>
+                <a:gridCol w="719392">
+                  <a:extLst>
+                    <a:ext uri="{9D8B030D-6E8A-4147-A177-3AD203B41FA5}">
+                      <a16:colId xmlns:a16="http://schemas.microsoft.com/office/drawing/2014/main" val="2764317713"/>
+                    </a:ext>
+                  </a:extLst>
+                </a:gridCol>
+                <a:gridCol w="719392">
+                  <a:extLst>
+                    <a:ext uri="{9D8B030D-6E8A-4147-A177-3AD203B41FA5}">
+                      <a16:colId xmlns:a16="http://schemas.microsoft.com/office/drawing/2014/main" val="1323907336"/>
+                    </a:ext>
+                  </a:extLst>
+                </a:gridCol>
+                <a:gridCol w="719392">
+                  <a:extLst>
+                    <a:ext uri="{9D8B030D-6E8A-4147-A177-3AD203B41FA5}">
+                      <a16:colId xmlns:a16="http://schemas.microsoft.com/office/drawing/2014/main" val="909434025"/>
+                    </a:ext>
+                  </a:extLst>
+                </a:gridCol>
+                <a:gridCol w="719392">
+                  <a:extLst>
+                    <a:ext uri="{9D8B030D-6E8A-4147-A177-3AD203B41FA5}">
+                      <a16:colId xmlns:a16="http://schemas.microsoft.com/office/drawing/2014/main" val="1285831145"/>
+                    </a:ext>
+                  </a:extLst>
+                </a:gridCol>
+                <a:gridCol w="719392">
+                  <a:extLst>
+                    <a:ext uri="{9D8B030D-6E8A-4147-A177-3AD203B41FA5}">
+                      <a16:colId xmlns:a16="http://schemas.microsoft.com/office/drawing/2014/main" val="2528270795"/>
+                    </a:ext>
+                  </a:extLst>
+                </a:gridCol>
+                <a:gridCol w="719392">
+                  <a:extLst>
+                    <a:ext uri="{9D8B030D-6E8A-4147-A177-3AD203B41FA5}">
+                      <a16:colId xmlns:a16="http://schemas.microsoft.com/office/drawing/2014/main" val="1500715360"/>
+                    </a:ext>
+                  </a:extLst>
+                </a:gridCol>
+                <a:gridCol w="719392">
+                  <a:extLst>
+                    <a:ext uri="{9D8B030D-6E8A-4147-A177-3AD203B41FA5}">
+                      <a16:colId xmlns:a16="http://schemas.microsoft.com/office/drawing/2014/main" val="2298241234"/>
+                    </a:ext>
+                  </a:extLst>
+                </a:gridCol>
+                <a:gridCol w="719392">
+                  <a:extLst>
+                    <a:ext uri="{9D8B030D-6E8A-4147-A177-3AD203B41FA5}">
+                      <a16:colId xmlns:a16="http://schemas.microsoft.com/office/drawing/2014/main" val="3791460395"/>
+                    </a:ext>
+                  </a:extLst>
+                </a:gridCol>
+                <a:gridCol w="719392">
+                  <a:extLst>
+                    <a:ext uri="{9D8B030D-6E8A-4147-A177-3AD203B41FA5}">
+                      <a16:colId xmlns:a16="http://schemas.microsoft.com/office/drawing/2014/main" val="2650078833"/>
+                    </a:ext>
+                  </a:extLst>
+                </a:gridCol>
+              </a:tblGrid>
+              <a:tr h="360786">
+                <a:tc>
+                  <a:txBody>
+                    <a:bodyPr/>
+                    <a:lstStyle/>
+                    <a:p>
+                      <a:r>
+                        <a:rPr lang="en-US" dirty="0"/>
+                        <a:t>heap</a:t>
+                      </a:r>
+                    </a:p>
+                  </a:txBody>
+                  <a:tcPr/>
+                </a:tc>
+                <a:tc>
+                  <a:txBody>
+                    <a:bodyPr/>
+                    <a:lstStyle/>
+                    <a:p>
+                      <a:r>
+                        <a:rPr lang="en-US" dirty="0"/>
+                        <a:t>Re</a:t>
+                      </a:r>
+                    </a:p>
+                  </a:txBody>
+                  <a:tcPr/>
+                </a:tc>
+                <a:tc>
+                  <a:txBody>
+                    <a:bodyPr/>
+                    <a:lstStyle/>
+                    <a:p>
+                      <a:r>
+                        <a:rPr lang="en-US" dirty="0"/>
+                        <a:t>Fe</a:t>
+                      </a:r>
+                    </a:p>
+                  </a:txBody>
+                  <a:tcPr/>
+                </a:tc>
+                <a:tc>
+                  <a:txBody>
+                    <a:bodyPr/>
+                    <a:lstStyle/>
+                    <a:p>
+                      <a:r>
+                        <a:rPr lang="en-US" dirty="0"/>
+                        <a:t>Re</a:t>
+                      </a:r>
+                    </a:p>
+                  </a:txBody>
+                  <a:tcPr/>
+                </a:tc>
+                <a:tc>
+                  <a:txBody>
+                    <a:bodyPr/>
+                    <a:lstStyle/>
+                    <a:p>
+                      <a:r>
+                        <a:rPr lang="en-US" dirty="0"/>
+                        <a:t>Nc</a:t>
+                      </a:r>
+                    </a:p>
+                  </a:txBody>
+                  <a:tcPr/>
+                </a:tc>
+                <a:tc>
+                  <a:txBody>
+                    <a:bodyPr/>
+                    <a:lstStyle/>
+                    <a:p>
+                      <a:r>
+                        <a:rPr lang="en-US" dirty="0" err="1"/>
+                        <a:t>eT</a:t>
+                      </a:r>
+                      <a:endParaRPr lang="en-US" dirty="0"/>
+                    </a:p>
+                  </a:txBody>
+                  <a:tcPr/>
+                </a:tc>
+                <a:tc>
+                  <a:txBody>
+                    <a:bodyPr/>
+                    <a:lstStyle/>
+                    <a:p>
+                      <a:r>
+                        <a:rPr lang="en-US" dirty="0" err="1"/>
+                        <a:t>Yp</a:t>
+                      </a:r>
+                      <a:endParaRPr lang="en-US" dirty="0"/>
+                    </a:p>
+                  </a:txBody>
+                  <a:tcPr/>
+                </a:tc>
+                <a:tc>
+                  <a:txBody>
+                    <a:bodyPr/>
+                    <a:lstStyle/>
+                    <a:p>
+                      <a:r>
+                        <a:rPr lang="en-US" dirty="0"/>
+                        <a:t>es</a:t>
+                      </a:r>
+                    </a:p>
+                  </a:txBody>
+                  <a:tcPr/>
+                </a:tc>
+                <a:tc>
+                  <a:txBody>
+                    <a:bodyPr/>
+                    <a:lstStyle/>
+                    <a:p>
+                      <a:endParaRPr lang="en-US" dirty="0"/>
+                    </a:p>
+                  </a:txBody>
+                  <a:tcPr/>
+                </a:tc>
+                <a:tc>
+                  <a:txBody>
+                    <a:bodyPr/>
+                    <a:lstStyle/>
+                    <a:p>
+                      <a:endParaRPr lang="en-US"/>
+                    </a:p>
+                  </a:txBody>
+                  <a:tcPr/>
+                </a:tc>
+                <a:extLst>
+                  <a:ext uri="{0D108BD9-81ED-4DB2-BD59-A6C34878D82A}">
+                    <a16:rowId xmlns:a16="http://schemas.microsoft.com/office/drawing/2014/main" val="393697151"/>
+                  </a:ext>
+                </a:extLst>
+              </a:tr>
+              <a:tr h="360786">
+                <a:tc>
+                  <a:txBody>
+                    <a:bodyPr/>
+                    <a:lstStyle/>
+                    <a:p>
+                      <a:endParaRPr lang="en-US"/>
+                    </a:p>
+                  </a:txBody>
+                  <a:tcPr/>
+                </a:tc>
+                <a:tc>
+                  <a:txBody>
+                    <a:bodyPr/>
+                    <a:lstStyle/>
+                    <a:p>
+                      <a:endParaRPr lang="en-US"/>
+                    </a:p>
+                  </a:txBody>
+                  <a:tcPr/>
+                </a:tc>
+                <a:tc>
+                  <a:txBody>
+                    <a:bodyPr/>
+                    <a:lstStyle/>
+                    <a:p>
+                      <a:endParaRPr lang="en-US"/>
+                    </a:p>
+                  </a:txBody>
+                  <a:tcPr/>
+                </a:tc>
+                <a:tc>
+                  <a:txBody>
+                    <a:bodyPr/>
+                    <a:lstStyle/>
+                    <a:p>
+                      <a:endParaRPr lang="en-US"/>
+                    </a:p>
+                  </a:txBody>
+                  <a:tcPr/>
+                </a:tc>
+                <a:tc>
+                  <a:txBody>
+                    <a:bodyPr/>
+                    <a:lstStyle/>
+                    <a:p>
+                      <a:endParaRPr lang="en-US"/>
+                    </a:p>
+                  </a:txBody>
+                  <a:tcPr/>
+                </a:tc>
+                <a:tc>
+                  <a:txBody>
+                    <a:bodyPr/>
+                    <a:lstStyle/>
+                    <a:p>
+                      <a:endParaRPr lang="en-US"/>
+                    </a:p>
+                  </a:txBody>
+                  <a:tcPr/>
+                </a:tc>
+                <a:tc>
+                  <a:txBody>
+                    <a:bodyPr/>
+                    <a:lstStyle/>
+                    <a:p>
+                      <a:endParaRPr lang="en-US"/>
+                    </a:p>
+                  </a:txBody>
+                  <a:tcPr/>
+                </a:tc>
+                <a:tc>
+                  <a:txBody>
+                    <a:bodyPr/>
+                    <a:lstStyle/>
+                    <a:p>
+                      <a:endParaRPr lang="en-US"/>
+                    </a:p>
+                  </a:txBody>
+                  <a:tcPr/>
+                </a:tc>
+                <a:tc>
+                  <a:txBody>
+                    <a:bodyPr/>
+                    <a:lstStyle/>
+                    <a:p>
+                      <a:endParaRPr lang="en-US"/>
+                    </a:p>
+                  </a:txBody>
+                  <a:tcPr/>
+                </a:tc>
+                <a:tc>
+                  <a:txBody>
+                    <a:bodyPr/>
+                    <a:lstStyle/>
+                    <a:p>
+                      <a:endParaRPr lang="en-US"/>
+                    </a:p>
+                  </a:txBody>
+                  <a:tcPr/>
+                </a:tc>
+                <a:extLst>
+                  <a:ext uri="{0D108BD9-81ED-4DB2-BD59-A6C34878D82A}">
+                    <a16:rowId xmlns:a16="http://schemas.microsoft.com/office/drawing/2014/main" val="1119003929"/>
+                  </a:ext>
+                </a:extLst>
+              </a:tr>
+              <a:tr h="360786">
+                <a:tc>
+                  <a:txBody>
+                    <a:bodyPr/>
+                    <a:lstStyle/>
+                    <a:p>
+                      <a:endParaRPr lang="en-US"/>
+                    </a:p>
+                  </a:txBody>
+                  <a:tcPr/>
+                </a:tc>
+                <a:tc>
+                  <a:txBody>
+                    <a:bodyPr/>
+                    <a:lstStyle/>
+                    <a:p>
+                      <a:endParaRPr lang="en-US"/>
+                    </a:p>
+                  </a:txBody>
+                  <a:tcPr/>
+                </a:tc>
+                <a:tc>
+                  <a:txBody>
+                    <a:bodyPr/>
+                    <a:lstStyle/>
+                    <a:p>
+                      <a:endParaRPr lang="en-US"/>
+                    </a:p>
+                  </a:txBody>
+                  <a:tcPr/>
+                </a:tc>
+                <a:tc>
+                  <a:txBody>
+                    <a:bodyPr/>
+                    <a:lstStyle/>
+                    <a:p>
+                      <a:endParaRPr lang="en-US"/>
+                    </a:p>
+                  </a:txBody>
+                  <a:tcPr/>
+                </a:tc>
+                <a:tc>
+                  <a:txBody>
+                    <a:bodyPr/>
+                    <a:lstStyle/>
+                    <a:p>
+                      <a:endParaRPr lang="en-US"/>
+                    </a:p>
+                  </a:txBody>
+                  <a:tcPr/>
+                </a:tc>
+                <a:tc>
+                  <a:txBody>
+                    <a:bodyPr/>
+                    <a:lstStyle/>
+                    <a:p>
+                      <a:endParaRPr lang="en-US"/>
+                    </a:p>
+                  </a:txBody>
+                  <a:tcPr/>
+                </a:tc>
+                <a:tc>
+                  <a:txBody>
+                    <a:bodyPr/>
+                    <a:lstStyle/>
+                    <a:p>
+                      <a:endParaRPr lang="en-US"/>
+                    </a:p>
+                  </a:txBody>
+                  <a:tcPr/>
+                </a:tc>
+                <a:tc>
+                  <a:txBody>
+                    <a:bodyPr/>
+                    <a:lstStyle/>
+                    <a:p>
+                      <a:endParaRPr lang="en-US"/>
+                    </a:p>
+                  </a:txBody>
+                  <a:tcPr/>
+                </a:tc>
+                <a:tc>
+                  <a:txBody>
+                    <a:bodyPr/>
+                    <a:lstStyle/>
+                    <a:p>
+                      <a:endParaRPr lang="en-US"/>
+                    </a:p>
+                  </a:txBody>
+                  <a:tcPr/>
+                </a:tc>
+                <a:tc>
+                  <a:txBody>
+                    <a:bodyPr/>
+                    <a:lstStyle/>
+                    <a:p>
+                      <a:endParaRPr lang="en-US"/>
+                    </a:p>
+                  </a:txBody>
+                  <a:tcPr/>
+                </a:tc>
+                <a:extLst>
+                  <a:ext uri="{0D108BD9-81ED-4DB2-BD59-A6C34878D82A}">
+                    <a16:rowId xmlns:a16="http://schemas.microsoft.com/office/drawing/2014/main" val="2120427581"/>
+                  </a:ext>
+                </a:extLst>
+              </a:tr>
+              <a:tr h="360786">
+                <a:tc>
+                  <a:txBody>
+                    <a:bodyPr/>
+                    <a:lstStyle/>
+                    <a:p>
+                      <a:endParaRPr lang="en-US"/>
+                    </a:p>
+                  </a:txBody>
+                  <a:tcPr/>
+                </a:tc>
+                <a:tc>
+                  <a:txBody>
+                    <a:bodyPr/>
+                    <a:lstStyle/>
+                    <a:p>
+                      <a:endParaRPr lang="en-US"/>
+                    </a:p>
+                  </a:txBody>
+                  <a:tcPr/>
+                </a:tc>
+                <a:tc>
+                  <a:txBody>
+                    <a:bodyPr/>
+                    <a:lstStyle/>
+                    <a:p>
+                      <a:endParaRPr lang="en-US"/>
+                    </a:p>
+                  </a:txBody>
+                  <a:tcPr/>
+                </a:tc>
+                <a:tc>
+                  <a:txBody>
+                    <a:bodyPr/>
+                    <a:lstStyle/>
+                    <a:p>
+                      <a:endParaRPr lang="en-US"/>
+                    </a:p>
+                  </a:txBody>
+                  <a:tcPr/>
+                </a:tc>
+                <a:tc>
+                  <a:txBody>
+                    <a:bodyPr/>
+                    <a:lstStyle/>
+                    <a:p>
+                      <a:endParaRPr lang="en-US"/>
+                    </a:p>
+                  </a:txBody>
+                  <a:tcPr/>
+                </a:tc>
+                <a:tc>
+                  <a:txBody>
+                    <a:bodyPr/>
+                    <a:lstStyle/>
+                    <a:p>
+                      <a:endParaRPr lang="en-US"/>
+                    </a:p>
+                  </a:txBody>
+                  <a:tcPr/>
+                </a:tc>
+                <a:tc>
+                  <a:txBody>
+                    <a:bodyPr/>
+                    <a:lstStyle/>
+                    <a:p>
+                      <a:endParaRPr lang="en-US"/>
+                    </a:p>
+                  </a:txBody>
+                  <a:tcPr/>
+                </a:tc>
+                <a:tc>
+                  <a:txBody>
+                    <a:bodyPr/>
+                    <a:lstStyle/>
+                    <a:p>
+                      <a:endParaRPr lang="en-US"/>
+                    </a:p>
+                  </a:txBody>
+                  <a:tcPr/>
+                </a:tc>
+                <a:tc>
+                  <a:txBody>
+                    <a:bodyPr/>
+                    <a:lstStyle/>
+                    <a:p>
+                      <a:endParaRPr lang="en-US"/>
+                    </a:p>
+                  </a:txBody>
+                  <a:tcPr/>
+                </a:tc>
+                <a:tc>
+                  <a:txBody>
+                    <a:bodyPr/>
+                    <a:lstStyle/>
+                    <a:p>
+                      <a:endParaRPr lang="en-US"/>
+                    </a:p>
+                  </a:txBody>
+                  <a:tcPr/>
+                </a:tc>
+                <a:extLst>
+                  <a:ext uri="{0D108BD9-81ED-4DB2-BD59-A6C34878D82A}">
+                    <a16:rowId xmlns:a16="http://schemas.microsoft.com/office/drawing/2014/main" val="1865382710"/>
+                  </a:ext>
+                </a:extLst>
+              </a:tr>
+              <a:tr h="360786">
+                <a:tc>
+                  <a:txBody>
+                    <a:bodyPr/>
+                    <a:lstStyle/>
+                    <a:p>
+                      <a:endParaRPr lang="en-US"/>
+                    </a:p>
+                  </a:txBody>
+                  <a:tcPr/>
+                </a:tc>
+                <a:tc>
+                  <a:txBody>
+                    <a:bodyPr/>
+                    <a:lstStyle/>
+                    <a:p>
+                      <a:endParaRPr lang="en-US"/>
+                    </a:p>
+                  </a:txBody>
+                  <a:tcPr/>
+                </a:tc>
+                <a:tc>
+                  <a:txBody>
+                    <a:bodyPr/>
+                    <a:lstStyle/>
+                    <a:p>
+                      <a:endParaRPr lang="en-US"/>
+                    </a:p>
+                  </a:txBody>
+                  <a:tcPr/>
+                </a:tc>
+                <a:tc>
+                  <a:txBody>
+                    <a:bodyPr/>
+                    <a:lstStyle/>
+                    <a:p>
+                      <a:endParaRPr lang="en-US"/>
+                    </a:p>
+                  </a:txBody>
+                  <a:tcPr/>
+                </a:tc>
+                <a:tc>
+                  <a:txBody>
+                    <a:bodyPr/>
+                    <a:lstStyle/>
+                    <a:p>
+                      <a:endParaRPr lang="en-US"/>
+                    </a:p>
+                  </a:txBody>
+                  <a:tcPr/>
+                </a:tc>
+                <a:tc>
+                  <a:txBody>
+                    <a:bodyPr/>
+                    <a:lstStyle/>
+                    <a:p>
+                      <a:endParaRPr lang="en-US"/>
+                    </a:p>
+                  </a:txBody>
+                  <a:tcPr/>
+                </a:tc>
+                <a:tc>
+                  <a:txBody>
+                    <a:bodyPr/>
+                    <a:lstStyle/>
+                    <a:p>
+                      <a:endParaRPr lang="en-US"/>
+                    </a:p>
+                  </a:txBody>
+                  <a:tcPr/>
+                </a:tc>
+                <a:tc>
+                  <a:txBody>
+                    <a:bodyPr/>
+                    <a:lstStyle/>
+                    <a:p>
+                      <a:endParaRPr lang="en-US"/>
+                    </a:p>
+                  </a:txBody>
+                  <a:tcPr/>
+                </a:tc>
+                <a:tc>
+                  <a:txBody>
+                    <a:bodyPr/>
+                    <a:lstStyle/>
+                    <a:p>
+                      <a:endParaRPr lang="en-US"/>
+                    </a:p>
+                  </a:txBody>
+                  <a:tcPr/>
+                </a:tc>
+                <a:tc>
+                  <a:txBody>
+                    <a:bodyPr/>
+                    <a:lstStyle/>
+                    <a:p>
+                      <a:endParaRPr lang="en-US"/>
+                    </a:p>
+                  </a:txBody>
+                  <a:tcPr/>
+                </a:tc>
+                <a:extLst>
+                  <a:ext uri="{0D108BD9-81ED-4DB2-BD59-A6C34878D82A}">
+                    <a16:rowId xmlns:a16="http://schemas.microsoft.com/office/drawing/2014/main" val="1736711837"/>
+                  </a:ext>
+                </a:extLst>
+              </a:tr>
+              <a:tr h="360786">
+                <a:tc>
+                  <a:txBody>
+                    <a:bodyPr/>
+                    <a:lstStyle/>
+                    <a:p>
+                      <a:endParaRPr lang="en-US"/>
+                    </a:p>
+                  </a:txBody>
+                  <a:tcPr/>
+                </a:tc>
+                <a:tc>
+                  <a:txBody>
+                    <a:bodyPr/>
+                    <a:lstStyle/>
+                    <a:p>
+                      <a:endParaRPr lang="en-US"/>
+                    </a:p>
+                  </a:txBody>
+                  <a:tcPr/>
+                </a:tc>
+                <a:tc>
+                  <a:txBody>
+                    <a:bodyPr/>
+                    <a:lstStyle/>
+                    <a:p>
+                      <a:endParaRPr lang="en-US"/>
+                    </a:p>
+                  </a:txBody>
+                  <a:tcPr/>
+                </a:tc>
+                <a:tc>
+                  <a:txBody>
+                    <a:bodyPr/>
+                    <a:lstStyle/>
+                    <a:p>
+                      <a:endParaRPr lang="en-US"/>
+                    </a:p>
+                  </a:txBody>
+                  <a:tcPr/>
+                </a:tc>
+                <a:tc>
+                  <a:txBody>
+                    <a:bodyPr/>
+                    <a:lstStyle/>
+                    <a:p>
+                      <a:endParaRPr lang="en-US"/>
+                    </a:p>
+                  </a:txBody>
+                  <a:tcPr/>
+                </a:tc>
+                <a:tc>
+                  <a:txBody>
+                    <a:bodyPr/>
+                    <a:lstStyle/>
+                    <a:p>
+                      <a:endParaRPr lang="en-US"/>
+                    </a:p>
+                  </a:txBody>
+                  <a:tcPr/>
+                </a:tc>
+                <a:tc>
+                  <a:txBody>
+                    <a:bodyPr/>
+                    <a:lstStyle/>
+                    <a:p>
+                      <a:endParaRPr lang="en-US"/>
+                    </a:p>
+                  </a:txBody>
+                  <a:tcPr/>
+                </a:tc>
+                <a:tc>
+                  <a:txBody>
+                    <a:bodyPr/>
+                    <a:lstStyle/>
+                    <a:p>
+                      <a:endParaRPr lang="en-US"/>
+                    </a:p>
+                  </a:txBody>
+                  <a:tcPr/>
+                </a:tc>
+                <a:tc>
+                  <a:txBody>
+                    <a:bodyPr/>
+                    <a:lstStyle/>
+                    <a:p>
+                      <a:endParaRPr lang="en-US"/>
+                    </a:p>
+                  </a:txBody>
+                  <a:tcPr/>
+                </a:tc>
+                <a:tc>
+                  <a:txBody>
+                    <a:bodyPr/>
+                    <a:lstStyle/>
+                    <a:p>
+                      <a:endParaRPr lang="en-US"/>
+                    </a:p>
+                  </a:txBody>
+                  <a:tcPr/>
+                </a:tc>
+                <a:extLst>
+                  <a:ext uri="{0D108BD9-81ED-4DB2-BD59-A6C34878D82A}">
+                    <a16:rowId xmlns:a16="http://schemas.microsoft.com/office/drawing/2014/main" val="632593720"/>
+                  </a:ext>
+                </a:extLst>
+              </a:tr>
+              <a:tr h="360786">
+                <a:tc>
+                  <a:txBody>
+                    <a:bodyPr/>
+                    <a:lstStyle/>
+                    <a:p>
+                      <a:endParaRPr lang="en-US"/>
+                    </a:p>
+                  </a:txBody>
+                  <a:tcPr/>
+                </a:tc>
+                <a:tc>
+                  <a:txBody>
+                    <a:bodyPr/>
+                    <a:lstStyle/>
+                    <a:p>
+                      <a:endParaRPr lang="en-US"/>
+                    </a:p>
+                  </a:txBody>
+                  <a:tcPr/>
+                </a:tc>
+                <a:tc>
+                  <a:txBody>
+                    <a:bodyPr/>
+                    <a:lstStyle/>
+                    <a:p>
+                      <a:endParaRPr lang="en-US"/>
+                    </a:p>
+                  </a:txBody>
+                  <a:tcPr/>
+                </a:tc>
+                <a:tc>
+                  <a:txBody>
+                    <a:bodyPr/>
+                    <a:lstStyle/>
+                    <a:p>
+                      <a:endParaRPr lang="en-US"/>
+                    </a:p>
+                  </a:txBody>
+                  <a:tcPr/>
+                </a:tc>
+                <a:tc>
+                  <a:txBody>
+                    <a:bodyPr/>
+                    <a:lstStyle/>
+                    <a:p>
+                      <a:endParaRPr lang="en-US"/>
+                    </a:p>
+                  </a:txBody>
+                  <a:tcPr/>
+                </a:tc>
+                <a:tc>
+                  <a:txBody>
+                    <a:bodyPr/>
+                    <a:lstStyle/>
+                    <a:p>
+                      <a:endParaRPr lang="en-US"/>
+                    </a:p>
+                  </a:txBody>
+                  <a:tcPr/>
+                </a:tc>
+                <a:tc>
+                  <a:txBody>
+                    <a:bodyPr/>
+                    <a:lstStyle/>
+                    <a:p>
+                      <a:endParaRPr lang="en-US"/>
+                    </a:p>
+                  </a:txBody>
+                  <a:tcPr/>
+                </a:tc>
+                <a:tc>
+                  <a:txBody>
+                    <a:bodyPr/>
+                    <a:lstStyle/>
+                    <a:p>
+                      <a:endParaRPr lang="en-US"/>
+                    </a:p>
+                  </a:txBody>
+                  <a:tcPr/>
+                </a:tc>
+                <a:tc>
+                  <a:txBody>
+                    <a:bodyPr/>
+                    <a:lstStyle/>
+                    <a:p>
+                      <a:endParaRPr lang="en-US"/>
+                    </a:p>
+                  </a:txBody>
+                  <a:tcPr/>
+                </a:tc>
+                <a:tc>
+                  <a:txBody>
+                    <a:bodyPr/>
+                    <a:lstStyle/>
+                    <a:p>
+                      <a:endParaRPr lang="en-US"/>
+                    </a:p>
+                  </a:txBody>
+                  <a:tcPr/>
+                </a:tc>
+                <a:extLst>
+                  <a:ext uri="{0D108BD9-81ED-4DB2-BD59-A6C34878D82A}">
+                    <a16:rowId xmlns:a16="http://schemas.microsoft.com/office/drawing/2014/main" val="326405471"/>
+                  </a:ext>
+                </a:extLst>
+              </a:tr>
+              <a:tr h="360786">
+                <a:tc>
+                  <a:txBody>
+                    <a:bodyPr/>
+                    <a:lstStyle/>
+                    <a:p>
+                      <a:endParaRPr lang="en-US"/>
+                    </a:p>
+                  </a:txBody>
+                  <a:tcPr/>
+                </a:tc>
+                <a:tc>
+                  <a:txBody>
+                    <a:bodyPr/>
+                    <a:lstStyle/>
+                    <a:p>
+                      <a:endParaRPr lang="en-US"/>
+                    </a:p>
+                  </a:txBody>
+                  <a:tcPr/>
+                </a:tc>
+                <a:tc>
+                  <a:txBody>
+                    <a:bodyPr/>
+                    <a:lstStyle/>
+                    <a:p>
+                      <a:endParaRPr lang="en-US"/>
+                    </a:p>
+                  </a:txBody>
+                  <a:tcPr/>
+                </a:tc>
+                <a:tc>
+                  <a:txBody>
+                    <a:bodyPr/>
+                    <a:lstStyle/>
+                    <a:p>
+                      <a:endParaRPr lang="en-US"/>
+                    </a:p>
+                  </a:txBody>
+                  <a:tcPr/>
+                </a:tc>
+                <a:tc>
+                  <a:txBody>
+                    <a:bodyPr/>
+                    <a:lstStyle/>
+                    <a:p>
+                      <a:endParaRPr lang="en-US"/>
+                    </a:p>
+                  </a:txBody>
+                  <a:tcPr/>
+                </a:tc>
+                <a:tc>
+                  <a:txBody>
+                    <a:bodyPr/>
+                    <a:lstStyle/>
+                    <a:p>
+                      <a:endParaRPr lang="en-US"/>
+                    </a:p>
+                  </a:txBody>
+                  <a:tcPr/>
+                </a:tc>
+                <a:tc>
+                  <a:txBody>
+                    <a:bodyPr/>
+                    <a:lstStyle/>
+                    <a:p>
+                      <a:endParaRPr lang="en-US"/>
+                    </a:p>
+                  </a:txBody>
+                  <a:tcPr/>
+                </a:tc>
+                <a:tc>
+                  <a:txBody>
+                    <a:bodyPr/>
+                    <a:lstStyle/>
+                    <a:p>
+                      <a:endParaRPr lang="en-US"/>
+                    </a:p>
+                  </a:txBody>
+                  <a:tcPr/>
+                </a:tc>
+                <a:tc>
+                  <a:txBody>
+                    <a:bodyPr/>
+                    <a:lstStyle/>
+                    <a:p>
+                      <a:endParaRPr lang="en-US"/>
+                    </a:p>
+                  </a:txBody>
+                  <a:tcPr/>
+                </a:tc>
+                <a:tc>
+                  <a:txBody>
+                    <a:bodyPr/>
+                    <a:lstStyle/>
+                    <a:p>
+                      <a:endParaRPr lang="en-US" dirty="0"/>
+                    </a:p>
+                  </a:txBody>
+                  <a:tcPr/>
+                </a:tc>
+                <a:extLst>
+                  <a:ext uri="{0D108BD9-81ED-4DB2-BD59-A6C34878D82A}">
+                    <a16:rowId xmlns:a16="http://schemas.microsoft.com/office/drawing/2014/main" val="244164335"/>
+                  </a:ext>
+                </a:extLst>
+              </a:tr>
+            </a:tbl>
+          </a:graphicData>
+        </a:graphic>
+      </p:graphicFrame>
+    </p:spTree>
+    <p:extLst>
+      <p:ext uri="{BB962C8B-B14F-4D97-AF65-F5344CB8AC3E}">
+        <p14:creationId xmlns:p14="http://schemas.microsoft.com/office/powerpoint/2010/main" val="3098651009"/>
       </p:ext>
     </p:extLst>
   </p:cSld>

--- a/resources/MarksDrawrings.pptx
+++ b/resources/MarksDrawrings.pptx
@@ -8,6 +8,9 @@
     <p:sldId id="256" r:id="rId2"/>
     <p:sldId id="257" r:id="rId3"/>
     <p:sldId id="258" r:id="rId4"/>
+    <p:sldId id="259" r:id="rId5"/>
+    <p:sldId id="260" r:id="rId6"/>
+    <p:sldId id="261" r:id="rId7"/>
   </p:sldIdLst>
   <p:sldSz cx="12192000" cy="6858000"/>
   <p:notesSz cx="6858000" cy="9144000"/>
@@ -1627,7 +1630,7 @@
           <a:p>
             <a:fld id="{EFED3043-6CE1-4075-A706-4B000AA47C6A}" type="datetimeFigureOut">
               <a:rPr lang="en-US" smtClean="0"/>
-              <a:t>11/16/2022</a:t>
+              <a:t>11/22/2022</a:t>
             </a:fld>
             <a:endParaRPr lang="en-US"/>
           </a:p>
@@ -1825,7 +1828,7 @@
           <a:p>
             <a:fld id="{EFED3043-6CE1-4075-A706-4B000AA47C6A}" type="datetimeFigureOut">
               <a:rPr lang="en-US" smtClean="0"/>
-              <a:t>11/16/2022</a:t>
+              <a:t>11/22/2022</a:t>
             </a:fld>
             <a:endParaRPr lang="en-US"/>
           </a:p>
@@ -2033,7 +2036,7 @@
           <a:p>
             <a:fld id="{EFED3043-6CE1-4075-A706-4B000AA47C6A}" type="datetimeFigureOut">
               <a:rPr lang="en-US" smtClean="0"/>
-              <a:t>11/16/2022</a:t>
+              <a:t>11/22/2022</a:t>
             </a:fld>
             <a:endParaRPr lang="en-US"/>
           </a:p>
@@ -2231,7 +2234,7 @@
           <a:p>
             <a:fld id="{EFED3043-6CE1-4075-A706-4B000AA47C6A}" type="datetimeFigureOut">
               <a:rPr lang="en-US" smtClean="0"/>
-              <a:t>11/16/2022</a:t>
+              <a:t>11/22/2022</a:t>
             </a:fld>
             <a:endParaRPr lang="en-US"/>
           </a:p>
@@ -2506,7 +2509,7 @@
           <a:p>
             <a:fld id="{EFED3043-6CE1-4075-A706-4B000AA47C6A}" type="datetimeFigureOut">
               <a:rPr lang="en-US" smtClean="0"/>
-              <a:t>11/16/2022</a:t>
+              <a:t>11/22/2022</a:t>
             </a:fld>
             <a:endParaRPr lang="en-US"/>
           </a:p>
@@ -2771,7 +2774,7 @@
           <a:p>
             <a:fld id="{EFED3043-6CE1-4075-A706-4B000AA47C6A}" type="datetimeFigureOut">
               <a:rPr lang="en-US" smtClean="0"/>
-              <a:t>11/16/2022</a:t>
+              <a:t>11/22/2022</a:t>
             </a:fld>
             <a:endParaRPr lang="en-US"/>
           </a:p>
@@ -3183,7 +3186,7 @@
           <a:p>
             <a:fld id="{EFED3043-6CE1-4075-A706-4B000AA47C6A}" type="datetimeFigureOut">
               <a:rPr lang="en-US" smtClean="0"/>
-              <a:t>11/16/2022</a:t>
+              <a:t>11/22/2022</a:t>
             </a:fld>
             <a:endParaRPr lang="en-US"/>
           </a:p>
@@ -3324,7 +3327,7 @@
           <a:p>
             <a:fld id="{EFED3043-6CE1-4075-A706-4B000AA47C6A}" type="datetimeFigureOut">
               <a:rPr lang="en-US" smtClean="0"/>
-              <a:t>11/16/2022</a:t>
+              <a:t>11/22/2022</a:t>
             </a:fld>
             <a:endParaRPr lang="en-US"/>
           </a:p>
@@ -3437,7 +3440,7 @@
           <a:p>
             <a:fld id="{EFED3043-6CE1-4075-A706-4B000AA47C6A}" type="datetimeFigureOut">
               <a:rPr lang="en-US" smtClean="0"/>
-              <a:t>11/16/2022</a:t>
+              <a:t>11/22/2022</a:t>
             </a:fld>
             <a:endParaRPr lang="en-US"/>
           </a:p>
@@ -3748,7 +3751,7 @@
           <a:p>
             <a:fld id="{EFED3043-6CE1-4075-A706-4B000AA47C6A}" type="datetimeFigureOut">
               <a:rPr lang="en-US" smtClean="0"/>
-              <a:t>11/16/2022</a:t>
+              <a:t>11/22/2022</a:t>
             </a:fld>
             <a:endParaRPr lang="en-US"/>
           </a:p>
@@ -4036,7 +4039,7 @@
           <a:p>
             <a:fld id="{EFED3043-6CE1-4075-A706-4B000AA47C6A}" type="datetimeFigureOut">
               <a:rPr lang="en-US" smtClean="0"/>
-              <a:t>11/16/2022</a:t>
+              <a:t>11/22/2022</a:t>
             </a:fld>
             <a:endParaRPr lang="en-US"/>
           </a:p>
@@ -4277,7 +4280,7 @@
           <a:p>
             <a:fld id="{EFED3043-6CE1-4075-A706-4B000AA47C6A}" type="datetimeFigureOut">
               <a:rPr lang="en-US" smtClean="0"/>
-              <a:t>11/16/2022</a:t>
+              <a:t>11/22/2022</a:t>
             </a:fld>
             <a:endParaRPr lang="en-US"/>
           </a:p>
@@ -8039,7 +8042,12 @@
             <p:ph type="title"/>
           </p:nvPr>
         </p:nvSpPr>
-        <p:spPr/>
+        <p:spPr>
+          <a:xfrm>
+            <a:off x="838200" y="365125"/>
+            <a:ext cx="3613785" cy="1325563"/>
+          </a:xfrm>
+        </p:spPr>
         <p:txBody>
           <a:bodyPr/>
           <a:lstStyle/>
@@ -8263,7 +8271,7 @@
           <p:nvPr>
             <p:extLst>
               <p:ext uri="{D42A27DB-BD31-4B8C-83A1-F6EECF244321}">
-                <p14:modId xmlns:p14="http://schemas.microsoft.com/office/powerpoint/2010/main" val="637553811"/>
+                <p14:modId xmlns:p14="http://schemas.microsoft.com/office/powerpoint/2010/main" val="4122576369"/>
               </p:ext>
             </p:extLst>
           </p:nvPr>
@@ -8489,7 +8497,50 @@
                     <a:bodyPr/>
                     <a:lstStyle/>
                     <a:p>
-                      <a:endParaRPr lang="en-US"/>
+                      <a:r>
+                        <a:rPr lang="en-US" dirty="0"/>
+                        <a:t>1n</a:t>
+                      </a:r>
+                    </a:p>
+                  </a:txBody>
+                  <a:tcPr/>
+                </a:tc>
+                <a:tc>
+                  <a:txBody>
+                    <a:bodyPr/>
+                    <a:lstStyle/>
+                    <a:p>
+                      <a:endParaRPr lang="en-US" dirty="0"/>
+                    </a:p>
+                  </a:txBody>
+                  <a:tcPr/>
+                </a:tc>
+                <a:tc>
+                  <a:txBody>
+                    <a:bodyPr/>
+                    <a:lstStyle/>
+                    <a:p>
+                      <a:endParaRPr lang="en-US" dirty="0"/>
+                    </a:p>
+                  </a:txBody>
+                  <a:tcPr/>
+                </a:tc>
+                <a:tc>
+                  <a:txBody>
+                    <a:bodyPr/>
+                    <a:lstStyle/>
+                    <a:p>
+                      <a:endParaRPr lang="en-US" dirty="0"/>
+                    </a:p>
+                  </a:txBody>
+                  <a:tcPr/>
+                </a:tc>
+                <a:tc>
+                  <a:txBody>
+                    <a:bodyPr/>
+                    <a:lstStyle/>
+                    <a:p>
+                      <a:endParaRPr lang="en-US" dirty="0"/>
                     </a:p>
                   </a:txBody>
                   <a:tcPr/>
@@ -8509,47 +8560,10 @@
                     <a:bodyPr/>
                     <a:lstStyle/>
                     <a:p>
-                      <a:endParaRPr lang="en-US"/>
-                    </a:p>
-                  </a:txBody>
-                  <a:tcPr/>
-                </a:tc>
-                <a:tc>
-                  <a:txBody>
-                    <a:bodyPr/>
-                    <a:lstStyle/>
-                    <a:p>
-                      <a:endParaRPr lang="en-US"/>
-                    </a:p>
-                  </a:txBody>
-                  <a:tcPr/>
-                </a:tc>
-                <a:tc>
-                  <a:txBody>
-                    <a:bodyPr/>
-                    <a:lstStyle/>
-                    <a:p>
-                      <a:endParaRPr lang="en-US"/>
-                    </a:p>
-                  </a:txBody>
-                  <a:tcPr/>
-                </a:tc>
-                <a:tc>
-                  <a:txBody>
-                    <a:bodyPr/>
-                    <a:lstStyle/>
-                    <a:p>
-                      <a:endParaRPr lang="en-US"/>
-                    </a:p>
-                  </a:txBody>
-                  <a:tcPr/>
-                </a:tc>
-                <a:tc>
-                  <a:txBody>
-                    <a:bodyPr/>
-                    <a:lstStyle/>
-                    <a:p>
-                      <a:endParaRPr lang="en-US"/>
+                      <a:r>
+                        <a:rPr lang="en-US" dirty="0"/>
+                        <a:t>3n</a:t>
+                      </a:r>
                     </a:p>
                   </a:txBody>
                   <a:tcPr/>
@@ -8733,7 +8747,10 @@
                     <a:bodyPr/>
                     <a:lstStyle/>
                     <a:p>
-                      <a:endParaRPr lang="en-US"/>
+                      <a:r>
+                        <a:rPr lang="en-US" dirty="0"/>
+                        <a:t>2n</a:t>
+                      </a:r>
                     </a:p>
                   </a:txBody>
                   <a:tcPr/>
@@ -9104,7 +9121,7 @@
                     <a:bodyPr/>
                     <a:lstStyle/>
                     <a:p>
-                      <a:endParaRPr lang="en-US"/>
+                      <a:endParaRPr lang="en-US" dirty="0"/>
                     </a:p>
                   </a:txBody>
                   <a:tcPr/>
@@ -9131,7 +9148,10 @@
                     <a:bodyPr/>
                     <a:lstStyle/>
                     <a:p>
-                      <a:endParaRPr lang="en-US"/>
+                      <a:r>
+                        <a:rPr lang="en-US" dirty="0"/>
+                        <a:t>4n</a:t>
+                      </a:r>
                     </a:p>
                   </a:txBody>
                   <a:tcPr/>
@@ -9240,6 +9260,1527 @@
     <p:extLst>
       <p:ext uri="{BB962C8B-B14F-4D97-AF65-F5344CB8AC3E}">
         <p14:creationId xmlns:p14="http://schemas.microsoft.com/office/powerpoint/2010/main" val="3098651009"/>
+      </p:ext>
+    </p:extLst>
+  </p:cSld>
+  <p:clrMapOvr>
+    <a:masterClrMapping/>
+  </p:clrMapOvr>
+</p:sld>
+</file>
+
+<file path=ppt/slides/slide4.xml><?xml version="1.0" encoding="utf-8"?>
+<p:sld xmlns:a="http://schemas.openxmlformats.org/drawingml/2006/main" xmlns:r="http://schemas.openxmlformats.org/officeDocument/2006/relationships" xmlns:p="http://schemas.openxmlformats.org/presentationml/2006/main">
+  <p:cSld>
+    <p:spTree>
+      <p:nvGrpSpPr>
+        <p:cNvPr id="1" name=""/>
+        <p:cNvGrpSpPr/>
+        <p:nvPr/>
+      </p:nvGrpSpPr>
+      <p:grpSpPr>
+        <a:xfrm>
+          <a:off x="0" y="0"/>
+          <a:ext cx="0" cy="0"/>
+          <a:chOff x="0" y="0"/>
+          <a:chExt cx="0" cy="0"/>
+        </a:xfrm>
+      </p:grpSpPr>
+      <p:sp>
+        <p:nvSpPr>
+          <p:cNvPr id="2" name="Title 1">
+            <a:extLst>
+              <a:ext uri="{FF2B5EF4-FFF2-40B4-BE49-F238E27FC236}">
+                <a16:creationId xmlns:a16="http://schemas.microsoft.com/office/drawing/2014/main" id="{8D6191A1-D3D8-6CC7-9733-9139F31D6A97}"/>
+              </a:ext>
+            </a:extLst>
+          </p:cNvPr>
+          <p:cNvSpPr>
+            <a:spLocks noGrp="1"/>
+          </p:cNvSpPr>
+          <p:nvPr>
+            <p:ph type="title"/>
+          </p:nvPr>
+        </p:nvSpPr>
+        <p:spPr/>
+        <p:txBody>
+          <a:bodyPr/>
+          <a:lstStyle/>
+          <a:p>
+            <a:r>
+              <a:rPr lang="en-US" dirty="0" err="1"/>
+              <a:t>Singley</a:t>
+            </a:r>
+            <a:r>
+              <a:rPr lang="en-US" dirty="0"/>
+              <a:t>-Linked List</a:t>
+            </a:r>
+          </a:p>
+        </p:txBody>
+      </p:sp>
+      <p:sp>
+        <p:nvSpPr>
+          <p:cNvPr id="4" name="Oval 3">
+            <a:extLst>
+              <a:ext uri="{FF2B5EF4-FFF2-40B4-BE49-F238E27FC236}">
+                <a16:creationId xmlns:a16="http://schemas.microsoft.com/office/drawing/2014/main" id="{AE00402C-3D78-EE09-082C-A6AC0A6C3B61}"/>
+              </a:ext>
+            </a:extLst>
+          </p:cNvPr>
+          <p:cNvSpPr/>
+          <p:nvPr/>
+        </p:nvSpPr>
+        <p:spPr>
+          <a:xfrm>
+            <a:off x="571500" y="1485900"/>
+            <a:ext cx="2297430" cy="1943100"/>
+          </a:xfrm>
+          <a:prstGeom prst="ellipse">
+            <a:avLst/>
+          </a:prstGeom>
+        </p:spPr>
+        <p:style>
+          <a:lnRef idx="2">
+            <a:schemeClr val="accent1">
+              <a:shade val="50000"/>
+            </a:schemeClr>
+          </a:lnRef>
+          <a:fillRef idx="1">
+            <a:schemeClr val="accent1"/>
+          </a:fillRef>
+          <a:effectRef idx="0">
+            <a:schemeClr val="accent1"/>
+          </a:effectRef>
+          <a:fontRef idx="minor">
+            <a:schemeClr val="lt1"/>
+          </a:fontRef>
+        </p:style>
+        <p:txBody>
+          <a:bodyPr rtlCol="0" anchor="ctr"/>
+          <a:lstStyle/>
+          <a:p>
+            <a:pPr algn="ctr"/>
+            <a:r>
+              <a:rPr lang="en-US" dirty="0"/>
+              <a:t>1</a:t>
+            </a:r>
+            <a:r>
+              <a:rPr lang="en-US" baseline="30000" dirty="0"/>
+              <a:t>st</a:t>
+            </a:r>
+            <a:r>
+              <a:rPr lang="en-US" dirty="0"/>
+              <a:t> Node</a:t>
+            </a:r>
+          </a:p>
+          <a:p>
+            <a:pPr algn="ctr"/>
+            <a:r>
+              <a:rPr lang="en-US" dirty="0"/>
+              <a:t>It’s an object</a:t>
+            </a:r>
+          </a:p>
+        </p:txBody>
+      </p:sp>
+      <p:cxnSp>
+        <p:nvCxnSpPr>
+          <p:cNvPr id="6" name="Straight Arrow Connector 5">
+            <a:extLst>
+              <a:ext uri="{FF2B5EF4-FFF2-40B4-BE49-F238E27FC236}">
+                <a16:creationId xmlns:a16="http://schemas.microsoft.com/office/drawing/2014/main" id="{5BC68F31-22A3-B4BA-4842-968FA0448ADC}"/>
+              </a:ext>
+            </a:extLst>
+          </p:cNvPr>
+          <p:cNvCxnSpPr>
+            <a:cxnSpLocks/>
+            <a:stCxn id="4" idx="6"/>
+            <a:endCxn id="7" idx="2"/>
+          </p:cNvCxnSpPr>
+          <p:nvPr/>
+        </p:nvCxnSpPr>
+        <p:spPr>
+          <a:xfrm>
+            <a:off x="2868930" y="2457450"/>
+            <a:ext cx="1419225" cy="62389"/>
+          </a:xfrm>
+          <a:prstGeom prst="straightConnector1">
+            <a:avLst/>
+          </a:prstGeom>
+          <a:ln w="38100">
+            <a:tailEnd type="triangle"/>
+          </a:ln>
+        </p:spPr>
+        <p:style>
+          <a:lnRef idx="1">
+            <a:schemeClr val="accent1"/>
+          </a:lnRef>
+          <a:fillRef idx="0">
+            <a:schemeClr val="accent1"/>
+          </a:fillRef>
+          <a:effectRef idx="0">
+            <a:schemeClr val="accent1"/>
+          </a:effectRef>
+          <a:fontRef idx="minor">
+            <a:schemeClr val="tx1"/>
+          </a:fontRef>
+        </p:style>
+      </p:cxnSp>
+      <p:sp>
+        <p:nvSpPr>
+          <p:cNvPr id="7" name="Oval 6">
+            <a:extLst>
+              <a:ext uri="{FF2B5EF4-FFF2-40B4-BE49-F238E27FC236}">
+                <a16:creationId xmlns:a16="http://schemas.microsoft.com/office/drawing/2014/main" id="{4DBDC52E-F5AA-3EA4-D369-A5BC49048EEF}"/>
+              </a:ext>
+            </a:extLst>
+          </p:cNvPr>
+          <p:cNvSpPr/>
+          <p:nvPr/>
+        </p:nvSpPr>
+        <p:spPr>
+          <a:xfrm>
+            <a:off x="4288155" y="1548289"/>
+            <a:ext cx="2297430" cy="1943100"/>
+          </a:xfrm>
+          <a:prstGeom prst="ellipse">
+            <a:avLst/>
+          </a:prstGeom>
+        </p:spPr>
+        <p:style>
+          <a:lnRef idx="2">
+            <a:schemeClr val="accent1">
+              <a:shade val="50000"/>
+            </a:schemeClr>
+          </a:lnRef>
+          <a:fillRef idx="1">
+            <a:schemeClr val="accent1"/>
+          </a:fillRef>
+          <a:effectRef idx="0">
+            <a:schemeClr val="accent1"/>
+          </a:effectRef>
+          <a:fontRef idx="minor">
+            <a:schemeClr val="lt1"/>
+          </a:fontRef>
+        </p:style>
+        <p:txBody>
+          <a:bodyPr rtlCol="0" anchor="ctr"/>
+          <a:lstStyle/>
+          <a:p>
+            <a:pPr algn="ctr"/>
+            <a:r>
+              <a:rPr lang="en-US" dirty="0"/>
+              <a:t>2</a:t>
+            </a:r>
+            <a:r>
+              <a:rPr lang="en-US" baseline="30000" dirty="0"/>
+              <a:t>nd</a:t>
+            </a:r>
+            <a:r>
+              <a:rPr lang="en-US" dirty="0"/>
+              <a:t> Node</a:t>
+            </a:r>
+          </a:p>
+          <a:p>
+            <a:pPr algn="ctr"/>
+            <a:r>
+              <a:rPr lang="en-US" dirty="0"/>
+              <a:t>It’s an object</a:t>
+            </a:r>
+          </a:p>
+        </p:txBody>
+      </p:sp>
+      <p:sp>
+        <p:nvSpPr>
+          <p:cNvPr id="10" name="Oval 9">
+            <a:extLst>
+              <a:ext uri="{FF2B5EF4-FFF2-40B4-BE49-F238E27FC236}">
+                <a16:creationId xmlns:a16="http://schemas.microsoft.com/office/drawing/2014/main" id="{3444004E-49E2-8CB4-BCFB-6D5258EBC0F9}"/>
+              </a:ext>
+            </a:extLst>
+          </p:cNvPr>
+          <p:cNvSpPr/>
+          <p:nvPr/>
+        </p:nvSpPr>
+        <p:spPr>
+          <a:xfrm>
+            <a:off x="8477250" y="1405890"/>
+            <a:ext cx="2297430" cy="1943100"/>
+          </a:xfrm>
+          <a:prstGeom prst="ellipse">
+            <a:avLst/>
+          </a:prstGeom>
+        </p:spPr>
+        <p:style>
+          <a:lnRef idx="2">
+            <a:schemeClr val="accent1">
+              <a:shade val="50000"/>
+            </a:schemeClr>
+          </a:lnRef>
+          <a:fillRef idx="1">
+            <a:schemeClr val="accent1"/>
+          </a:fillRef>
+          <a:effectRef idx="0">
+            <a:schemeClr val="accent1"/>
+          </a:effectRef>
+          <a:fontRef idx="minor">
+            <a:schemeClr val="lt1"/>
+          </a:fontRef>
+        </p:style>
+        <p:txBody>
+          <a:bodyPr rtlCol="0" anchor="ctr"/>
+          <a:lstStyle/>
+          <a:p>
+            <a:pPr algn="ctr"/>
+            <a:r>
+              <a:rPr lang="en-US" dirty="0"/>
+              <a:t>3</a:t>
+            </a:r>
+            <a:r>
+              <a:rPr lang="en-US" baseline="30000" dirty="0"/>
+              <a:t>rd</a:t>
+            </a:r>
+            <a:r>
+              <a:rPr lang="en-US" dirty="0"/>
+              <a:t> Node</a:t>
+            </a:r>
+          </a:p>
+          <a:p>
+            <a:pPr algn="ctr"/>
+            <a:r>
+              <a:rPr lang="en-US" dirty="0"/>
+              <a:t>It’s an object</a:t>
+            </a:r>
+          </a:p>
+        </p:txBody>
+      </p:sp>
+      <p:cxnSp>
+        <p:nvCxnSpPr>
+          <p:cNvPr id="11" name="Straight Arrow Connector 10">
+            <a:extLst>
+              <a:ext uri="{FF2B5EF4-FFF2-40B4-BE49-F238E27FC236}">
+                <a16:creationId xmlns:a16="http://schemas.microsoft.com/office/drawing/2014/main" id="{7B42334C-3EFC-DF85-FF43-3689CB15B6CE}"/>
+              </a:ext>
+            </a:extLst>
+          </p:cNvPr>
+          <p:cNvCxnSpPr>
+            <a:cxnSpLocks/>
+            <a:stCxn id="7" idx="6"/>
+            <a:endCxn id="10" idx="2"/>
+          </p:cNvCxnSpPr>
+          <p:nvPr/>
+        </p:nvCxnSpPr>
+        <p:spPr>
+          <a:xfrm flipV="1">
+            <a:off x="6585585" y="2377440"/>
+            <a:ext cx="1891665" cy="142399"/>
+          </a:xfrm>
+          <a:prstGeom prst="straightConnector1">
+            <a:avLst/>
+          </a:prstGeom>
+          <a:ln w="38100">
+            <a:tailEnd type="triangle"/>
+          </a:ln>
+        </p:spPr>
+        <p:style>
+          <a:lnRef idx="1">
+            <a:schemeClr val="accent1"/>
+          </a:lnRef>
+          <a:fillRef idx="0">
+            <a:schemeClr val="accent1"/>
+          </a:fillRef>
+          <a:effectRef idx="0">
+            <a:schemeClr val="accent1"/>
+          </a:effectRef>
+          <a:fontRef idx="minor">
+            <a:schemeClr val="tx1"/>
+          </a:fontRef>
+        </p:style>
+      </p:cxnSp>
+    </p:spTree>
+    <p:extLst>
+      <p:ext uri="{BB962C8B-B14F-4D97-AF65-F5344CB8AC3E}">
+        <p14:creationId xmlns:p14="http://schemas.microsoft.com/office/powerpoint/2010/main" val="1051799996"/>
+      </p:ext>
+    </p:extLst>
+  </p:cSld>
+  <p:clrMapOvr>
+    <a:masterClrMapping/>
+  </p:clrMapOvr>
+</p:sld>
+</file>
+
+<file path=ppt/slides/slide5.xml><?xml version="1.0" encoding="utf-8"?>
+<p:sld xmlns:a="http://schemas.openxmlformats.org/drawingml/2006/main" xmlns:r="http://schemas.openxmlformats.org/officeDocument/2006/relationships" xmlns:p="http://schemas.openxmlformats.org/presentationml/2006/main">
+  <p:cSld>
+    <p:spTree>
+      <p:nvGrpSpPr>
+        <p:cNvPr id="1" name=""/>
+        <p:cNvGrpSpPr/>
+        <p:nvPr/>
+      </p:nvGrpSpPr>
+      <p:grpSpPr>
+        <a:xfrm>
+          <a:off x="0" y="0"/>
+          <a:ext cx="0" cy="0"/>
+          <a:chOff x="0" y="0"/>
+          <a:chExt cx="0" cy="0"/>
+        </a:xfrm>
+      </p:grpSpPr>
+      <p:sp>
+        <p:nvSpPr>
+          <p:cNvPr id="2" name="Title 1">
+            <a:extLst>
+              <a:ext uri="{FF2B5EF4-FFF2-40B4-BE49-F238E27FC236}">
+                <a16:creationId xmlns:a16="http://schemas.microsoft.com/office/drawing/2014/main" id="{8D6191A1-D3D8-6CC7-9733-9139F31D6A97}"/>
+              </a:ext>
+            </a:extLst>
+          </p:cNvPr>
+          <p:cNvSpPr>
+            <a:spLocks noGrp="1"/>
+          </p:cNvSpPr>
+          <p:nvPr>
+            <p:ph type="title"/>
+          </p:nvPr>
+        </p:nvSpPr>
+        <p:spPr/>
+        <p:txBody>
+          <a:bodyPr/>
+          <a:lstStyle/>
+          <a:p>
+            <a:r>
+              <a:rPr lang="en-US" dirty="0" err="1"/>
+              <a:t>Doubley</a:t>
+            </a:r>
+            <a:r>
+              <a:rPr lang="en-US" dirty="0"/>
+              <a:t>-Linked List</a:t>
+            </a:r>
+          </a:p>
+        </p:txBody>
+      </p:sp>
+      <p:sp>
+        <p:nvSpPr>
+          <p:cNvPr id="4" name="Oval 3">
+            <a:extLst>
+              <a:ext uri="{FF2B5EF4-FFF2-40B4-BE49-F238E27FC236}">
+                <a16:creationId xmlns:a16="http://schemas.microsoft.com/office/drawing/2014/main" id="{AE00402C-3D78-EE09-082C-A6AC0A6C3B61}"/>
+              </a:ext>
+            </a:extLst>
+          </p:cNvPr>
+          <p:cNvSpPr/>
+          <p:nvPr/>
+        </p:nvSpPr>
+        <p:spPr>
+          <a:xfrm>
+            <a:off x="571500" y="1485900"/>
+            <a:ext cx="2297430" cy="1943100"/>
+          </a:xfrm>
+          <a:prstGeom prst="ellipse">
+            <a:avLst/>
+          </a:prstGeom>
+        </p:spPr>
+        <p:style>
+          <a:lnRef idx="2">
+            <a:schemeClr val="accent1">
+              <a:shade val="50000"/>
+            </a:schemeClr>
+          </a:lnRef>
+          <a:fillRef idx="1">
+            <a:schemeClr val="accent1"/>
+          </a:fillRef>
+          <a:effectRef idx="0">
+            <a:schemeClr val="accent1"/>
+          </a:effectRef>
+          <a:fontRef idx="minor">
+            <a:schemeClr val="lt1"/>
+          </a:fontRef>
+        </p:style>
+        <p:txBody>
+          <a:bodyPr rtlCol="0" anchor="ctr"/>
+          <a:lstStyle/>
+          <a:p>
+            <a:pPr algn="ctr"/>
+            <a:r>
+              <a:rPr lang="en-US" dirty="0"/>
+              <a:t>1</a:t>
+            </a:r>
+            <a:r>
+              <a:rPr lang="en-US" baseline="30000" dirty="0"/>
+              <a:t>st</a:t>
+            </a:r>
+            <a:r>
+              <a:rPr lang="en-US" dirty="0"/>
+              <a:t> Node</a:t>
+            </a:r>
+          </a:p>
+          <a:p>
+            <a:pPr algn="ctr"/>
+            <a:r>
+              <a:rPr lang="en-US" dirty="0"/>
+              <a:t>It’s an object</a:t>
+            </a:r>
+          </a:p>
+          <a:p>
+            <a:pPr algn="ctr"/>
+            <a:r>
+              <a:rPr lang="en-US" dirty="0"/>
+              <a:t>-Next</a:t>
+            </a:r>
+          </a:p>
+          <a:p>
+            <a:pPr algn="ctr"/>
+            <a:r>
+              <a:rPr lang="en-US" dirty="0"/>
+              <a:t>- previous</a:t>
+            </a:r>
+          </a:p>
+        </p:txBody>
+      </p:sp>
+      <p:cxnSp>
+        <p:nvCxnSpPr>
+          <p:cNvPr id="6" name="Straight Arrow Connector 5">
+            <a:extLst>
+              <a:ext uri="{FF2B5EF4-FFF2-40B4-BE49-F238E27FC236}">
+                <a16:creationId xmlns:a16="http://schemas.microsoft.com/office/drawing/2014/main" id="{5BC68F31-22A3-B4BA-4842-968FA0448ADC}"/>
+              </a:ext>
+            </a:extLst>
+          </p:cNvPr>
+          <p:cNvCxnSpPr>
+            <a:cxnSpLocks/>
+            <a:stCxn id="4" idx="6"/>
+            <a:endCxn id="7" idx="2"/>
+          </p:cNvCxnSpPr>
+          <p:nvPr/>
+        </p:nvCxnSpPr>
+        <p:spPr>
+          <a:xfrm>
+            <a:off x="2868930" y="2457450"/>
+            <a:ext cx="1419225" cy="0"/>
+          </a:xfrm>
+          <a:prstGeom prst="straightConnector1">
+            <a:avLst/>
+          </a:prstGeom>
+          <a:ln w="38100">
+            <a:tailEnd type="triangle"/>
+          </a:ln>
+        </p:spPr>
+        <p:style>
+          <a:lnRef idx="1">
+            <a:schemeClr val="accent1"/>
+          </a:lnRef>
+          <a:fillRef idx="0">
+            <a:schemeClr val="accent1"/>
+          </a:fillRef>
+          <a:effectRef idx="0">
+            <a:schemeClr val="accent1"/>
+          </a:effectRef>
+          <a:fontRef idx="minor">
+            <a:schemeClr val="tx1"/>
+          </a:fontRef>
+        </p:style>
+      </p:cxnSp>
+      <p:sp>
+        <p:nvSpPr>
+          <p:cNvPr id="7" name="Oval 6">
+            <a:extLst>
+              <a:ext uri="{FF2B5EF4-FFF2-40B4-BE49-F238E27FC236}">
+                <a16:creationId xmlns:a16="http://schemas.microsoft.com/office/drawing/2014/main" id="{4DBDC52E-F5AA-3EA4-D369-A5BC49048EEF}"/>
+              </a:ext>
+            </a:extLst>
+          </p:cNvPr>
+          <p:cNvSpPr/>
+          <p:nvPr/>
+        </p:nvSpPr>
+        <p:spPr>
+          <a:xfrm>
+            <a:off x="4288155" y="1485900"/>
+            <a:ext cx="2297430" cy="1943100"/>
+          </a:xfrm>
+          <a:prstGeom prst="ellipse">
+            <a:avLst/>
+          </a:prstGeom>
+        </p:spPr>
+        <p:style>
+          <a:lnRef idx="2">
+            <a:schemeClr val="accent1">
+              <a:shade val="50000"/>
+            </a:schemeClr>
+          </a:lnRef>
+          <a:fillRef idx="1">
+            <a:schemeClr val="accent1"/>
+          </a:fillRef>
+          <a:effectRef idx="0">
+            <a:schemeClr val="accent1"/>
+          </a:effectRef>
+          <a:fontRef idx="minor">
+            <a:schemeClr val="lt1"/>
+          </a:fontRef>
+        </p:style>
+        <p:txBody>
+          <a:bodyPr rtlCol="0" anchor="ctr"/>
+          <a:lstStyle/>
+          <a:p>
+            <a:pPr algn="ctr"/>
+            <a:r>
+              <a:rPr lang="en-US" dirty="0"/>
+              <a:t>2</a:t>
+            </a:r>
+            <a:r>
+              <a:rPr lang="en-US" baseline="30000" dirty="0"/>
+              <a:t>nd</a:t>
+            </a:r>
+            <a:r>
+              <a:rPr lang="en-US" dirty="0"/>
+              <a:t> Node</a:t>
+            </a:r>
+          </a:p>
+          <a:p>
+            <a:pPr algn="ctr"/>
+            <a:r>
+              <a:rPr lang="en-US" dirty="0"/>
+              <a:t>It’s an object</a:t>
+            </a:r>
+          </a:p>
+        </p:txBody>
+      </p:sp>
+      <p:sp>
+        <p:nvSpPr>
+          <p:cNvPr id="10" name="Oval 9">
+            <a:extLst>
+              <a:ext uri="{FF2B5EF4-FFF2-40B4-BE49-F238E27FC236}">
+                <a16:creationId xmlns:a16="http://schemas.microsoft.com/office/drawing/2014/main" id="{3444004E-49E2-8CB4-BCFB-6D5258EBC0F9}"/>
+              </a:ext>
+            </a:extLst>
+          </p:cNvPr>
+          <p:cNvSpPr/>
+          <p:nvPr/>
+        </p:nvSpPr>
+        <p:spPr>
+          <a:xfrm>
+            <a:off x="8477250" y="1405890"/>
+            <a:ext cx="2297430" cy="1943100"/>
+          </a:xfrm>
+          <a:prstGeom prst="ellipse">
+            <a:avLst/>
+          </a:prstGeom>
+        </p:spPr>
+        <p:style>
+          <a:lnRef idx="2">
+            <a:schemeClr val="accent1">
+              <a:shade val="50000"/>
+            </a:schemeClr>
+          </a:lnRef>
+          <a:fillRef idx="1">
+            <a:schemeClr val="accent1"/>
+          </a:fillRef>
+          <a:effectRef idx="0">
+            <a:schemeClr val="accent1"/>
+          </a:effectRef>
+          <a:fontRef idx="minor">
+            <a:schemeClr val="lt1"/>
+          </a:fontRef>
+        </p:style>
+        <p:txBody>
+          <a:bodyPr rtlCol="0" anchor="ctr"/>
+          <a:lstStyle/>
+          <a:p>
+            <a:pPr algn="ctr"/>
+            <a:r>
+              <a:rPr lang="en-US" dirty="0"/>
+              <a:t>3</a:t>
+            </a:r>
+            <a:r>
+              <a:rPr lang="en-US" baseline="30000" dirty="0"/>
+              <a:t>rd</a:t>
+            </a:r>
+            <a:r>
+              <a:rPr lang="en-US" dirty="0"/>
+              <a:t> Node</a:t>
+            </a:r>
+          </a:p>
+          <a:p>
+            <a:pPr algn="ctr"/>
+            <a:r>
+              <a:rPr lang="en-US" dirty="0"/>
+              <a:t>It’s an object</a:t>
+            </a:r>
+          </a:p>
+        </p:txBody>
+      </p:sp>
+      <p:cxnSp>
+        <p:nvCxnSpPr>
+          <p:cNvPr id="11" name="Straight Arrow Connector 10">
+            <a:extLst>
+              <a:ext uri="{FF2B5EF4-FFF2-40B4-BE49-F238E27FC236}">
+                <a16:creationId xmlns:a16="http://schemas.microsoft.com/office/drawing/2014/main" id="{7B42334C-3EFC-DF85-FF43-3689CB15B6CE}"/>
+              </a:ext>
+            </a:extLst>
+          </p:cNvPr>
+          <p:cNvCxnSpPr>
+            <a:cxnSpLocks/>
+            <a:stCxn id="7" idx="6"/>
+            <a:endCxn id="3" idx="2"/>
+          </p:cNvCxnSpPr>
+          <p:nvPr/>
+        </p:nvCxnSpPr>
+        <p:spPr>
+          <a:xfrm>
+            <a:off x="6585585" y="2457450"/>
+            <a:ext cx="270510" cy="1658302"/>
+          </a:xfrm>
+          <a:prstGeom prst="straightConnector1">
+            <a:avLst/>
+          </a:prstGeom>
+          <a:ln w="38100">
+            <a:tailEnd type="triangle"/>
+          </a:ln>
+        </p:spPr>
+        <p:style>
+          <a:lnRef idx="1">
+            <a:schemeClr val="accent1"/>
+          </a:lnRef>
+          <a:fillRef idx="0">
+            <a:schemeClr val="accent1"/>
+          </a:fillRef>
+          <a:effectRef idx="0">
+            <a:schemeClr val="accent1"/>
+          </a:effectRef>
+          <a:fontRef idx="minor">
+            <a:schemeClr val="tx1"/>
+          </a:fontRef>
+        </p:style>
+      </p:cxnSp>
+      <p:cxnSp>
+        <p:nvCxnSpPr>
+          <p:cNvPr id="18" name="Straight Arrow Connector 17">
+            <a:extLst>
+              <a:ext uri="{FF2B5EF4-FFF2-40B4-BE49-F238E27FC236}">
+                <a16:creationId xmlns:a16="http://schemas.microsoft.com/office/drawing/2014/main" id="{4DF7AB6F-92F4-E6B4-2A49-78E19E3DD41A}"/>
+              </a:ext>
+            </a:extLst>
+          </p:cNvPr>
+          <p:cNvCxnSpPr>
+            <a:cxnSpLocks/>
+          </p:cNvCxnSpPr>
+          <p:nvPr/>
+        </p:nvCxnSpPr>
+        <p:spPr>
+          <a:xfrm flipH="1">
+            <a:off x="2888932" y="2668905"/>
+            <a:ext cx="1399223" cy="0"/>
+          </a:xfrm>
+          <a:prstGeom prst="straightConnector1">
+            <a:avLst/>
+          </a:prstGeom>
+          <a:ln w="38100">
+            <a:tailEnd type="triangle"/>
+          </a:ln>
+        </p:spPr>
+        <p:style>
+          <a:lnRef idx="1">
+            <a:schemeClr val="accent1"/>
+          </a:lnRef>
+          <a:fillRef idx="0">
+            <a:schemeClr val="accent1"/>
+          </a:fillRef>
+          <a:effectRef idx="0">
+            <a:schemeClr val="accent1"/>
+          </a:effectRef>
+          <a:fontRef idx="minor">
+            <a:schemeClr val="tx1"/>
+          </a:fontRef>
+        </p:style>
+      </p:cxnSp>
+      <p:cxnSp>
+        <p:nvCxnSpPr>
+          <p:cNvPr id="21" name="Straight Arrow Connector 20">
+            <a:extLst>
+              <a:ext uri="{FF2B5EF4-FFF2-40B4-BE49-F238E27FC236}">
+                <a16:creationId xmlns:a16="http://schemas.microsoft.com/office/drawing/2014/main" id="{994BAC4E-F444-DB70-7119-1AA58FF1D9C8}"/>
+              </a:ext>
+            </a:extLst>
+          </p:cNvPr>
+          <p:cNvCxnSpPr>
+            <a:cxnSpLocks/>
+            <a:stCxn id="10" idx="4"/>
+          </p:cNvCxnSpPr>
+          <p:nvPr/>
+        </p:nvCxnSpPr>
+        <p:spPr>
+          <a:xfrm flipH="1">
+            <a:off x="9153525" y="3348990"/>
+            <a:ext cx="472440" cy="634365"/>
+          </a:xfrm>
+          <a:prstGeom prst="straightConnector1">
+            <a:avLst/>
+          </a:prstGeom>
+          <a:ln w="38100">
+            <a:tailEnd type="triangle"/>
+          </a:ln>
+        </p:spPr>
+        <p:style>
+          <a:lnRef idx="1">
+            <a:schemeClr val="accent1"/>
+          </a:lnRef>
+          <a:fillRef idx="0">
+            <a:schemeClr val="accent1"/>
+          </a:fillRef>
+          <a:effectRef idx="0">
+            <a:schemeClr val="accent1"/>
+          </a:effectRef>
+          <a:fontRef idx="minor">
+            <a:schemeClr val="tx1"/>
+          </a:fontRef>
+        </p:style>
+      </p:cxnSp>
+      <p:sp>
+        <p:nvSpPr>
+          <p:cNvPr id="3" name="Oval 2">
+            <a:extLst>
+              <a:ext uri="{FF2B5EF4-FFF2-40B4-BE49-F238E27FC236}">
+                <a16:creationId xmlns:a16="http://schemas.microsoft.com/office/drawing/2014/main" id="{FA530C50-59BB-2446-7E46-4322A55B5046}"/>
+              </a:ext>
+            </a:extLst>
+          </p:cNvPr>
+          <p:cNvSpPr/>
+          <p:nvPr/>
+        </p:nvSpPr>
+        <p:spPr>
+          <a:xfrm>
+            <a:off x="6856095" y="3144202"/>
+            <a:ext cx="2297430" cy="1943100"/>
+          </a:xfrm>
+          <a:prstGeom prst="ellipse">
+            <a:avLst/>
+          </a:prstGeom>
+        </p:spPr>
+        <p:style>
+          <a:lnRef idx="2">
+            <a:schemeClr val="accent1">
+              <a:shade val="50000"/>
+            </a:schemeClr>
+          </a:lnRef>
+          <a:fillRef idx="1">
+            <a:schemeClr val="accent1"/>
+          </a:fillRef>
+          <a:effectRef idx="0">
+            <a:schemeClr val="accent1"/>
+          </a:effectRef>
+          <a:fontRef idx="minor">
+            <a:schemeClr val="lt1"/>
+          </a:fontRef>
+        </p:style>
+        <p:txBody>
+          <a:bodyPr rtlCol="0" anchor="ctr"/>
+          <a:lstStyle/>
+          <a:p>
+            <a:pPr algn="ctr"/>
+            <a:r>
+              <a:rPr lang="en-US" dirty="0"/>
+              <a:t>3</a:t>
+            </a:r>
+            <a:r>
+              <a:rPr lang="en-US" baseline="30000" dirty="0"/>
+              <a:t>rd</a:t>
+            </a:r>
+            <a:r>
+              <a:rPr lang="en-US" dirty="0"/>
+              <a:t> Node</a:t>
+            </a:r>
+          </a:p>
+          <a:p>
+            <a:pPr algn="ctr"/>
+            <a:r>
+              <a:rPr lang="en-US" dirty="0"/>
+              <a:t>It’s an object</a:t>
+            </a:r>
+          </a:p>
+        </p:txBody>
+      </p:sp>
+      <p:cxnSp>
+        <p:nvCxnSpPr>
+          <p:cNvPr id="12" name="Straight Arrow Connector 11">
+            <a:extLst>
+              <a:ext uri="{FF2B5EF4-FFF2-40B4-BE49-F238E27FC236}">
+                <a16:creationId xmlns:a16="http://schemas.microsoft.com/office/drawing/2014/main" id="{AE8DD5D0-D48E-00A0-F180-82244DB2356D}"/>
+              </a:ext>
+            </a:extLst>
+          </p:cNvPr>
+          <p:cNvCxnSpPr>
+            <a:cxnSpLocks/>
+            <a:stCxn id="3" idx="6"/>
+          </p:cNvCxnSpPr>
+          <p:nvPr/>
+        </p:nvCxnSpPr>
+        <p:spPr>
+          <a:xfrm flipV="1">
+            <a:off x="9153525" y="3469005"/>
+            <a:ext cx="664845" cy="646747"/>
+          </a:xfrm>
+          <a:prstGeom prst="straightConnector1">
+            <a:avLst/>
+          </a:prstGeom>
+          <a:ln w="38100">
+            <a:tailEnd type="triangle"/>
+          </a:ln>
+        </p:spPr>
+        <p:style>
+          <a:lnRef idx="1">
+            <a:schemeClr val="accent1"/>
+          </a:lnRef>
+          <a:fillRef idx="0">
+            <a:schemeClr val="accent1"/>
+          </a:fillRef>
+          <a:effectRef idx="0">
+            <a:schemeClr val="accent1"/>
+          </a:effectRef>
+          <a:fontRef idx="minor">
+            <a:schemeClr val="tx1"/>
+          </a:fontRef>
+        </p:style>
+      </p:cxnSp>
+      <p:cxnSp>
+        <p:nvCxnSpPr>
+          <p:cNvPr id="16" name="Straight Arrow Connector 15">
+            <a:extLst>
+              <a:ext uri="{FF2B5EF4-FFF2-40B4-BE49-F238E27FC236}">
+                <a16:creationId xmlns:a16="http://schemas.microsoft.com/office/drawing/2014/main" id="{644D67D4-631D-9D8D-3841-F39B28560B2D}"/>
+              </a:ext>
+            </a:extLst>
+          </p:cNvPr>
+          <p:cNvCxnSpPr>
+            <a:cxnSpLocks/>
+          </p:cNvCxnSpPr>
+          <p:nvPr/>
+        </p:nvCxnSpPr>
+        <p:spPr>
+          <a:xfrm flipH="1" flipV="1">
+            <a:off x="6393180" y="2971800"/>
+            <a:ext cx="327660" cy="1216343"/>
+          </a:xfrm>
+          <a:prstGeom prst="straightConnector1">
+            <a:avLst/>
+          </a:prstGeom>
+          <a:ln w="38100">
+            <a:tailEnd type="triangle"/>
+          </a:ln>
+        </p:spPr>
+        <p:style>
+          <a:lnRef idx="1">
+            <a:schemeClr val="accent1"/>
+          </a:lnRef>
+          <a:fillRef idx="0">
+            <a:schemeClr val="accent1"/>
+          </a:fillRef>
+          <a:effectRef idx="0">
+            <a:schemeClr val="accent1"/>
+          </a:effectRef>
+          <a:fontRef idx="minor">
+            <a:schemeClr val="tx1"/>
+          </a:fontRef>
+        </p:style>
+      </p:cxnSp>
+    </p:spTree>
+    <p:extLst>
+      <p:ext uri="{BB962C8B-B14F-4D97-AF65-F5344CB8AC3E}">
+        <p14:creationId xmlns:p14="http://schemas.microsoft.com/office/powerpoint/2010/main" val="3881207750"/>
+      </p:ext>
+    </p:extLst>
+  </p:cSld>
+  <p:clrMapOvr>
+    <a:masterClrMapping/>
+  </p:clrMapOvr>
+</p:sld>
+</file>
+
+<file path=ppt/slides/slide6.xml><?xml version="1.0" encoding="utf-8"?>
+<p:sld xmlns:a="http://schemas.openxmlformats.org/drawingml/2006/main" xmlns:r="http://schemas.openxmlformats.org/officeDocument/2006/relationships" xmlns:p="http://schemas.openxmlformats.org/presentationml/2006/main">
+  <p:cSld>
+    <p:spTree>
+      <p:nvGrpSpPr>
+        <p:cNvPr id="1" name=""/>
+        <p:cNvGrpSpPr/>
+        <p:nvPr/>
+      </p:nvGrpSpPr>
+      <p:grpSpPr>
+        <a:xfrm>
+          <a:off x="0" y="0"/>
+          <a:ext cx="0" cy="0"/>
+          <a:chOff x="0" y="0"/>
+          <a:chExt cx="0" cy="0"/>
+        </a:xfrm>
+      </p:grpSpPr>
+      <p:sp>
+        <p:nvSpPr>
+          <p:cNvPr id="2" name="Title 1">
+            <a:extLst>
+              <a:ext uri="{FF2B5EF4-FFF2-40B4-BE49-F238E27FC236}">
+                <a16:creationId xmlns:a16="http://schemas.microsoft.com/office/drawing/2014/main" id="{8D6191A1-D3D8-6CC7-9733-9139F31D6A97}"/>
+              </a:ext>
+            </a:extLst>
+          </p:cNvPr>
+          <p:cNvSpPr>
+            <a:spLocks noGrp="1"/>
+          </p:cNvSpPr>
+          <p:nvPr>
+            <p:ph type="title"/>
+          </p:nvPr>
+        </p:nvSpPr>
+        <p:spPr/>
+        <p:txBody>
+          <a:bodyPr/>
+          <a:lstStyle/>
+          <a:p>
+            <a:r>
+              <a:rPr lang="en-US" dirty="0"/>
+              <a:t>Circular-</a:t>
+            </a:r>
+            <a:r>
+              <a:rPr lang="en-US" dirty="0" err="1"/>
+              <a:t>Singley</a:t>
+            </a:r>
+            <a:r>
+              <a:rPr lang="en-US" dirty="0"/>
+              <a:t>-Linked List</a:t>
+            </a:r>
+          </a:p>
+        </p:txBody>
+      </p:sp>
+      <p:sp>
+        <p:nvSpPr>
+          <p:cNvPr id="4" name="Oval 3">
+            <a:extLst>
+              <a:ext uri="{FF2B5EF4-FFF2-40B4-BE49-F238E27FC236}">
+                <a16:creationId xmlns:a16="http://schemas.microsoft.com/office/drawing/2014/main" id="{AE00402C-3D78-EE09-082C-A6AC0A6C3B61}"/>
+              </a:ext>
+            </a:extLst>
+          </p:cNvPr>
+          <p:cNvSpPr/>
+          <p:nvPr/>
+        </p:nvSpPr>
+        <p:spPr>
+          <a:xfrm>
+            <a:off x="838200" y="2680335"/>
+            <a:ext cx="2297430" cy="1943100"/>
+          </a:xfrm>
+          <a:prstGeom prst="ellipse">
+            <a:avLst/>
+          </a:prstGeom>
+        </p:spPr>
+        <p:style>
+          <a:lnRef idx="2">
+            <a:schemeClr val="accent1">
+              <a:shade val="50000"/>
+            </a:schemeClr>
+          </a:lnRef>
+          <a:fillRef idx="1">
+            <a:schemeClr val="accent1"/>
+          </a:fillRef>
+          <a:effectRef idx="0">
+            <a:schemeClr val="accent1"/>
+          </a:effectRef>
+          <a:fontRef idx="minor">
+            <a:schemeClr val="lt1"/>
+          </a:fontRef>
+        </p:style>
+        <p:txBody>
+          <a:bodyPr rtlCol="0" anchor="ctr"/>
+          <a:lstStyle/>
+          <a:p>
+            <a:pPr algn="ctr"/>
+            <a:r>
+              <a:rPr lang="en-US" dirty="0"/>
+              <a:t>1</a:t>
+            </a:r>
+            <a:r>
+              <a:rPr lang="en-US" baseline="30000" dirty="0"/>
+              <a:t>st</a:t>
+            </a:r>
+            <a:r>
+              <a:rPr lang="en-US" dirty="0"/>
+              <a:t> Node</a:t>
+            </a:r>
+          </a:p>
+          <a:p>
+            <a:pPr algn="ctr"/>
+            <a:r>
+              <a:rPr lang="en-US" dirty="0"/>
+              <a:t>It’s an object</a:t>
+            </a:r>
+          </a:p>
+        </p:txBody>
+      </p:sp>
+      <p:cxnSp>
+        <p:nvCxnSpPr>
+          <p:cNvPr id="6" name="Straight Arrow Connector 5">
+            <a:extLst>
+              <a:ext uri="{FF2B5EF4-FFF2-40B4-BE49-F238E27FC236}">
+                <a16:creationId xmlns:a16="http://schemas.microsoft.com/office/drawing/2014/main" id="{5BC68F31-22A3-B4BA-4842-968FA0448ADC}"/>
+              </a:ext>
+            </a:extLst>
+          </p:cNvPr>
+          <p:cNvCxnSpPr>
+            <a:cxnSpLocks/>
+            <a:stCxn id="4" idx="6"/>
+            <a:endCxn id="7" idx="2"/>
+          </p:cNvCxnSpPr>
+          <p:nvPr/>
+        </p:nvCxnSpPr>
+        <p:spPr>
+          <a:xfrm flipV="1">
+            <a:off x="3135630" y="2457450"/>
+            <a:ext cx="1152525" cy="1194435"/>
+          </a:xfrm>
+          <a:prstGeom prst="straightConnector1">
+            <a:avLst/>
+          </a:prstGeom>
+          <a:ln w="38100">
+            <a:tailEnd type="triangle"/>
+          </a:ln>
+        </p:spPr>
+        <p:style>
+          <a:lnRef idx="1">
+            <a:schemeClr val="accent1"/>
+          </a:lnRef>
+          <a:fillRef idx="0">
+            <a:schemeClr val="accent1"/>
+          </a:fillRef>
+          <a:effectRef idx="0">
+            <a:schemeClr val="accent1"/>
+          </a:effectRef>
+          <a:fontRef idx="minor">
+            <a:schemeClr val="tx1"/>
+          </a:fontRef>
+        </p:style>
+      </p:cxnSp>
+      <p:sp>
+        <p:nvSpPr>
+          <p:cNvPr id="7" name="Oval 6">
+            <a:extLst>
+              <a:ext uri="{FF2B5EF4-FFF2-40B4-BE49-F238E27FC236}">
+                <a16:creationId xmlns:a16="http://schemas.microsoft.com/office/drawing/2014/main" id="{4DBDC52E-F5AA-3EA4-D369-A5BC49048EEF}"/>
+              </a:ext>
+            </a:extLst>
+          </p:cNvPr>
+          <p:cNvSpPr/>
+          <p:nvPr/>
+        </p:nvSpPr>
+        <p:spPr>
+          <a:xfrm>
+            <a:off x="4288155" y="1485900"/>
+            <a:ext cx="2297430" cy="1943100"/>
+          </a:xfrm>
+          <a:prstGeom prst="ellipse">
+            <a:avLst/>
+          </a:prstGeom>
+        </p:spPr>
+        <p:style>
+          <a:lnRef idx="2">
+            <a:schemeClr val="accent1">
+              <a:shade val="50000"/>
+            </a:schemeClr>
+          </a:lnRef>
+          <a:fillRef idx="1">
+            <a:schemeClr val="accent1"/>
+          </a:fillRef>
+          <a:effectRef idx="0">
+            <a:schemeClr val="accent1"/>
+          </a:effectRef>
+          <a:fontRef idx="minor">
+            <a:schemeClr val="lt1"/>
+          </a:fontRef>
+        </p:style>
+        <p:txBody>
+          <a:bodyPr rtlCol="0" anchor="ctr"/>
+          <a:lstStyle/>
+          <a:p>
+            <a:pPr algn="ctr"/>
+            <a:r>
+              <a:rPr lang="en-US" dirty="0"/>
+              <a:t>2</a:t>
+            </a:r>
+            <a:r>
+              <a:rPr lang="en-US" baseline="30000" dirty="0"/>
+              <a:t>nd</a:t>
+            </a:r>
+            <a:r>
+              <a:rPr lang="en-US" dirty="0"/>
+              <a:t> Node</a:t>
+            </a:r>
+          </a:p>
+          <a:p>
+            <a:pPr algn="ctr"/>
+            <a:r>
+              <a:rPr lang="en-US" dirty="0"/>
+              <a:t>It’s an object</a:t>
+            </a:r>
+          </a:p>
+        </p:txBody>
+      </p:sp>
+      <p:sp>
+        <p:nvSpPr>
+          <p:cNvPr id="10" name="Oval 9">
+            <a:extLst>
+              <a:ext uri="{FF2B5EF4-FFF2-40B4-BE49-F238E27FC236}">
+                <a16:creationId xmlns:a16="http://schemas.microsoft.com/office/drawing/2014/main" id="{3444004E-49E2-8CB4-BCFB-6D5258EBC0F9}"/>
+              </a:ext>
+            </a:extLst>
+          </p:cNvPr>
+          <p:cNvSpPr/>
+          <p:nvPr/>
+        </p:nvSpPr>
+        <p:spPr>
+          <a:xfrm>
+            <a:off x="8362950" y="2566035"/>
+            <a:ext cx="2297430" cy="1943100"/>
+          </a:xfrm>
+          <a:prstGeom prst="ellipse">
+            <a:avLst/>
+          </a:prstGeom>
+        </p:spPr>
+        <p:style>
+          <a:lnRef idx="2">
+            <a:schemeClr val="accent1">
+              <a:shade val="50000"/>
+            </a:schemeClr>
+          </a:lnRef>
+          <a:fillRef idx="1">
+            <a:schemeClr val="accent1"/>
+          </a:fillRef>
+          <a:effectRef idx="0">
+            <a:schemeClr val="accent1"/>
+          </a:effectRef>
+          <a:fontRef idx="minor">
+            <a:schemeClr val="lt1"/>
+          </a:fontRef>
+        </p:style>
+        <p:txBody>
+          <a:bodyPr rtlCol="0" anchor="ctr"/>
+          <a:lstStyle/>
+          <a:p>
+            <a:pPr algn="ctr"/>
+            <a:r>
+              <a:rPr lang="en-US" dirty="0"/>
+              <a:t>3</a:t>
+            </a:r>
+            <a:r>
+              <a:rPr lang="en-US" baseline="30000" dirty="0"/>
+              <a:t>rd</a:t>
+            </a:r>
+            <a:r>
+              <a:rPr lang="en-US" dirty="0"/>
+              <a:t> Node</a:t>
+            </a:r>
+          </a:p>
+          <a:p>
+            <a:pPr algn="ctr"/>
+            <a:r>
+              <a:rPr lang="en-US" dirty="0"/>
+              <a:t>It’s an object</a:t>
+            </a:r>
+          </a:p>
+        </p:txBody>
+      </p:sp>
+      <p:cxnSp>
+        <p:nvCxnSpPr>
+          <p:cNvPr id="11" name="Straight Arrow Connector 10">
+            <a:extLst>
+              <a:ext uri="{FF2B5EF4-FFF2-40B4-BE49-F238E27FC236}">
+                <a16:creationId xmlns:a16="http://schemas.microsoft.com/office/drawing/2014/main" id="{7B42334C-3EFC-DF85-FF43-3689CB15B6CE}"/>
+              </a:ext>
+            </a:extLst>
+          </p:cNvPr>
+          <p:cNvCxnSpPr>
+            <a:cxnSpLocks/>
+            <a:stCxn id="7" idx="6"/>
+            <a:endCxn id="10" idx="2"/>
+          </p:cNvCxnSpPr>
+          <p:nvPr/>
+        </p:nvCxnSpPr>
+        <p:spPr>
+          <a:xfrm>
+            <a:off x="6585585" y="2457450"/>
+            <a:ext cx="1777365" cy="1080135"/>
+          </a:xfrm>
+          <a:prstGeom prst="straightConnector1">
+            <a:avLst/>
+          </a:prstGeom>
+          <a:ln w="38100">
+            <a:tailEnd type="triangle"/>
+          </a:ln>
+        </p:spPr>
+        <p:style>
+          <a:lnRef idx="1">
+            <a:schemeClr val="accent1"/>
+          </a:lnRef>
+          <a:fillRef idx="0">
+            <a:schemeClr val="accent1"/>
+          </a:fillRef>
+          <a:effectRef idx="0">
+            <a:schemeClr val="accent1"/>
+          </a:effectRef>
+          <a:fontRef idx="minor">
+            <a:schemeClr val="tx1"/>
+          </a:fontRef>
+        </p:style>
+      </p:cxnSp>
+      <p:sp>
+        <p:nvSpPr>
+          <p:cNvPr id="9" name="Oval 8">
+            <a:extLst>
+              <a:ext uri="{FF2B5EF4-FFF2-40B4-BE49-F238E27FC236}">
+                <a16:creationId xmlns:a16="http://schemas.microsoft.com/office/drawing/2014/main" id="{B97DCA78-9FB0-74F3-58E3-55934263B8B3}"/>
+              </a:ext>
+            </a:extLst>
+          </p:cNvPr>
+          <p:cNvSpPr/>
+          <p:nvPr/>
+        </p:nvSpPr>
+        <p:spPr>
+          <a:xfrm>
+            <a:off x="6675120" y="4617720"/>
+            <a:ext cx="2297430" cy="1943100"/>
+          </a:xfrm>
+          <a:prstGeom prst="ellipse">
+            <a:avLst/>
+          </a:prstGeom>
+        </p:spPr>
+        <p:style>
+          <a:lnRef idx="2">
+            <a:schemeClr val="accent1">
+              <a:shade val="50000"/>
+            </a:schemeClr>
+          </a:lnRef>
+          <a:fillRef idx="1">
+            <a:schemeClr val="accent1"/>
+          </a:fillRef>
+          <a:effectRef idx="0">
+            <a:schemeClr val="accent1"/>
+          </a:effectRef>
+          <a:fontRef idx="minor">
+            <a:schemeClr val="lt1"/>
+          </a:fontRef>
+        </p:style>
+        <p:txBody>
+          <a:bodyPr rtlCol="0" anchor="ctr"/>
+          <a:lstStyle/>
+          <a:p>
+            <a:pPr algn="ctr"/>
+            <a:r>
+              <a:rPr lang="en-US" baseline="30000" dirty="0"/>
+              <a:t>4th</a:t>
+            </a:r>
+            <a:r>
+              <a:rPr lang="en-US" dirty="0"/>
+              <a:t> Node</a:t>
+            </a:r>
+          </a:p>
+          <a:p>
+            <a:pPr algn="ctr"/>
+            <a:r>
+              <a:rPr lang="en-US" dirty="0"/>
+              <a:t>It’s an object</a:t>
+            </a:r>
+          </a:p>
+        </p:txBody>
+      </p:sp>
+      <p:sp>
+        <p:nvSpPr>
+          <p:cNvPr id="12" name="Oval 11">
+            <a:extLst>
+              <a:ext uri="{FF2B5EF4-FFF2-40B4-BE49-F238E27FC236}">
+                <a16:creationId xmlns:a16="http://schemas.microsoft.com/office/drawing/2014/main" id="{B586B6E8-56E8-16E8-285C-593D8AFA25F4}"/>
+              </a:ext>
+            </a:extLst>
+          </p:cNvPr>
+          <p:cNvSpPr/>
+          <p:nvPr/>
+        </p:nvSpPr>
+        <p:spPr>
+          <a:xfrm>
+            <a:off x="3360420" y="4617720"/>
+            <a:ext cx="2297430" cy="1943100"/>
+          </a:xfrm>
+          <a:prstGeom prst="ellipse">
+            <a:avLst/>
+          </a:prstGeom>
+        </p:spPr>
+        <p:style>
+          <a:lnRef idx="2">
+            <a:schemeClr val="accent1">
+              <a:shade val="50000"/>
+            </a:schemeClr>
+          </a:lnRef>
+          <a:fillRef idx="1">
+            <a:schemeClr val="accent1"/>
+          </a:fillRef>
+          <a:effectRef idx="0">
+            <a:schemeClr val="accent1"/>
+          </a:effectRef>
+          <a:fontRef idx="minor">
+            <a:schemeClr val="lt1"/>
+          </a:fontRef>
+        </p:style>
+        <p:txBody>
+          <a:bodyPr rtlCol="0" anchor="ctr"/>
+          <a:lstStyle/>
+          <a:p>
+            <a:pPr algn="ctr"/>
+            <a:r>
+              <a:rPr lang="en-US" dirty="0"/>
+              <a:t>5</a:t>
+            </a:r>
+            <a:r>
+              <a:rPr lang="en-US" baseline="30000" dirty="0"/>
+              <a:t>th</a:t>
+            </a:r>
+            <a:r>
+              <a:rPr lang="en-US" dirty="0"/>
+              <a:t> Node</a:t>
+            </a:r>
+          </a:p>
+          <a:p>
+            <a:pPr algn="ctr"/>
+            <a:r>
+              <a:rPr lang="en-US" dirty="0"/>
+              <a:t>It’s an object</a:t>
+            </a:r>
+          </a:p>
+        </p:txBody>
+      </p:sp>
+      <p:cxnSp>
+        <p:nvCxnSpPr>
+          <p:cNvPr id="13" name="Straight Arrow Connector 12">
+            <a:extLst>
+              <a:ext uri="{FF2B5EF4-FFF2-40B4-BE49-F238E27FC236}">
+                <a16:creationId xmlns:a16="http://schemas.microsoft.com/office/drawing/2014/main" id="{A7EEFA50-118B-8723-A319-6A7E7EEC7A2F}"/>
+              </a:ext>
+            </a:extLst>
+          </p:cNvPr>
+          <p:cNvCxnSpPr>
+            <a:cxnSpLocks/>
+            <a:stCxn id="10" idx="4"/>
+            <a:endCxn id="9" idx="6"/>
+          </p:cNvCxnSpPr>
+          <p:nvPr/>
+        </p:nvCxnSpPr>
+        <p:spPr>
+          <a:xfrm flipH="1">
+            <a:off x="8972550" y="4509135"/>
+            <a:ext cx="539115" cy="1080135"/>
+          </a:xfrm>
+          <a:prstGeom prst="straightConnector1">
+            <a:avLst/>
+          </a:prstGeom>
+          <a:ln w="38100">
+            <a:tailEnd type="triangle"/>
+          </a:ln>
+        </p:spPr>
+        <p:style>
+          <a:lnRef idx="1">
+            <a:schemeClr val="accent1"/>
+          </a:lnRef>
+          <a:fillRef idx="0">
+            <a:schemeClr val="accent1"/>
+          </a:fillRef>
+          <a:effectRef idx="0">
+            <a:schemeClr val="accent1"/>
+          </a:effectRef>
+          <a:fontRef idx="minor">
+            <a:schemeClr val="tx1"/>
+          </a:fontRef>
+        </p:style>
+      </p:cxnSp>
+      <p:cxnSp>
+        <p:nvCxnSpPr>
+          <p:cNvPr id="16" name="Straight Arrow Connector 15">
+            <a:extLst>
+              <a:ext uri="{FF2B5EF4-FFF2-40B4-BE49-F238E27FC236}">
+                <a16:creationId xmlns:a16="http://schemas.microsoft.com/office/drawing/2014/main" id="{D13F08AA-D107-F565-E5C8-960D5D374C11}"/>
+              </a:ext>
+            </a:extLst>
+          </p:cNvPr>
+          <p:cNvCxnSpPr>
+            <a:cxnSpLocks/>
+            <a:stCxn id="9" idx="2"/>
+            <a:endCxn id="12" idx="6"/>
+          </p:cNvCxnSpPr>
+          <p:nvPr/>
+        </p:nvCxnSpPr>
+        <p:spPr>
+          <a:xfrm flipH="1">
+            <a:off x="5657850" y="5589270"/>
+            <a:ext cx="1017270" cy="0"/>
+          </a:xfrm>
+          <a:prstGeom prst="straightConnector1">
+            <a:avLst/>
+          </a:prstGeom>
+          <a:ln w="38100">
+            <a:tailEnd type="triangle"/>
+          </a:ln>
+        </p:spPr>
+        <p:style>
+          <a:lnRef idx="1">
+            <a:schemeClr val="accent1"/>
+          </a:lnRef>
+          <a:fillRef idx="0">
+            <a:schemeClr val="accent1"/>
+          </a:fillRef>
+          <a:effectRef idx="0">
+            <a:schemeClr val="accent1"/>
+          </a:effectRef>
+          <a:fontRef idx="minor">
+            <a:schemeClr val="tx1"/>
+          </a:fontRef>
+        </p:style>
+      </p:cxnSp>
+      <p:cxnSp>
+        <p:nvCxnSpPr>
+          <p:cNvPr id="20" name="Straight Arrow Connector 19">
+            <a:extLst>
+              <a:ext uri="{FF2B5EF4-FFF2-40B4-BE49-F238E27FC236}">
+                <a16:creationId xmlns:a16="http://schemas.microsoft.com/office/drawing/2014/main" id="{D3EE133E-CB6B-A9A5-4E33-F172DC45F8A8}"/>
+              </a:ext>
+            </a:extLst>
+          </p:cNvPr>
+          <p:cNvCxnSpPr>
+            <a:cxnSpLocks/>
+            <a:stCxn id="12" idx="2"/>
+            <a:endCxn id="4" idx="4"/>
+          </p:cNvCxnSpPr>
+          <p:nvPr/>
+        </p:nvCxnSpPr>
+        <p:spPr>
+          <a:xfrm flipH="1" flipV="1">
+            <a:off x="1986915" y="4623435"/>
+            <a:ext cx="1373505" cy="965835"/>
+          </a:xfrm>
+          <a:prstGeom prst="straightConnector1">
+            <a:avLst/>
+          </a:prstGeom>
+          <a:ln w="38100">
+            <a:tailEnd type="triangle"/>
+          </a:ln>
+        </p:spPr>
+        <p:style>
+          <a:lnRef idx="1">
+            <a:schemeClr val="accent1"/>
+          </a:lnRef>
+          <a:fillRef idx="0">
+            <a:schemeClr val="accent1"/>
+          </a:fillRef>
+          <a:effectRef idx="0">
+            <a:schemeClr val="accent1"/>
+          </a:effectRef>
+          <a:fontRef idx="minor">
+            <a:schemeClr val="tx1"/>
+          </a:fontRef>
+        </p:style>
+      </p:cxnSp>
+    </p:spTree>
+    <p:extLst>
+      <p:ext uri="{BB962C8B-B14F-4D97-AF65-F5344CB8AC3E}">
+        <p14:creationId xmlns:p14="http://schemas.microsoft.com/office/powerpoint/2010/main" val="2221330634"/>
       </p:ext>
     </p:extLst>
   </p:cSld>

--- a/resources/MarksDrawrings.pptx
+++ b/resources/MarksDrawrings.pptx
@@ -11,6 +11,7 @@
     <p:sldId id="259" r:id="rId5"/>
     <p:sldId id="260" r:id="rId6"/>
     <p:sldId id="261" r:id="rId7"/>
+    <p:sldId id="262" r:id="rId8"/>
   </p:sldIdLst>
   <p:sldSz cx="12192000" cy="6858000"/>
   <p:notesSz cx="6858000" cy="9144000"/>
@@ -10790,6 +10791,321 @@
 </p:sld>
 </file>
 
+<file path=ppt/slides/slide7.xml><?xml version="1.0" encoding="utf-8"?>
+<p:sld xmlns:a="http://schemas.openxmlformats.org/drawingml/2006/main" xmlns:r="http://schemas.openxmlformats.org/officeDocument/2006/relationships" xmlns:p="http://schemas.openxmlformats.org/presentationml/2006/main">
+  <p:cSld>
+    <p:spTree>
+      <p:nvGrpSpPr>
+        <p:cNvPr id="1" name=""/>
+        <p:cNvGrpSpPr/>
+        <p:nvPr/>
+      </p:nvGrpSpPr>
+      <p:grpSpPr>
+        <a:xfrm>
+          <a:off x="0" y="0"/>
+          <a:ext cx="0" cy="0"/>
+          <a:chOff x="0" y="0"/>
+          <a:chExt cx="0" cy="0"/>
+        </a:xfrm>
+      </p:grpSpPr>
+      <p:sp>
+        <p:nvSpPr>
+          <p:cNvPr id="2" name="Title 1">
+            <a:extLst>
+              <a:ext uri="{FF2B5EF4-FFF2-40B4-BE49-F238E27FC236}">
+                <a16:creationId xmlns:a16="http://schemas.microsoft.com/office/drawing/2014/main" id="{6CC59EFB-A97F-B9C7-C0DD-8C188966C5C8}"/>
+              </a:ext>
+            </a:extLst>
+          </p:cNvPr>
+          <p:cNvSpPr>
+            <a:spLocks noGrp="1"/>
+          </p:cNvSpPr>
+          <p:nvPr>
+            <p:ph type="title"/>
+          </p:nvPr>
+        </p:nvSpPr>
+        <p:spPr/>
+        <p:txBody>
+          <a:bodyPr/>
+          <a:lstStyle/>
+          <a:p>
+            <a:r>
+              <a:rPr lang="en-US" dirty="0"/>
+              <a:t>Stack explanation (</a:t>
+            </a:r>
+            <a:r>
+              <a:rPr lang="en-US" dirty="0" err="1"/>
+              <a:t>Stacko</a:t>
+            </a:r>
+            <a:r>
+              <a:rPr lang="en-US" dirty="0"/>
+              <a:t>)</a:t>
+            </a:r>
+          </a:p>
+        </p:txBody>
+      </p:sp>
+      <p:graphicFrame>
+        <p:nvGraphicFramePr>
+          <p:cNvPr id="4" name="Table 4">
+            <a:extLst>
+              <a:ext uri="{FF2B5EF4-FFF2-40B4-BE49-F238E27FC236}">
+                <a16:creationId xmlns:a16="http://schemas.microsoft.com/office/drawing/2014/main" id="{03AB51E9-FADC-96D6-212D-343EFEFF57C4}"/>
+              </a:ext>
+            </a:extLst>
+          </p:cNvPr>
+          <p:cNvGraphicFramePr>
+            <a:graphicFrameLocks noGrp="1"/>
+          </p:cNvGraphicFramePr>
+          <p:nvPr>
+            <p:ph idx="1"/>
+            <p:extLst>
+              <p:ext uri="{D42A27DB-BD31-4B8C-83A1-F6EECF244321}">
+                <p14:modId xmlns:p14="http://schemas.microsoft.com/office/powerpoint/2010/main" val="2002549048"/>
+              </p:ext>
+            </p:extLst>
+          </p:nvPr>
+        </p:nvGraphicFramePr>
+        <p:xfrm>
+          <a:off x="1038225" y="4185920"/>
+          <a:ext cx="3339465" cy="2225040"/>
+        </p:xfrm>
+        <a:graphic>
+          <a:graphicData uri="http://schemas.openxmlformats.org/drawingml/2006/table">
+            <a:tbl>
+              <a:tblPr firstRow="1" bandRow="1">
+                <a:tableStyleId>{5C22544A-7EE6-4342-B048-85BDC9FD1C3A}</a:tableStyleId>
+              </a:tblPr>
+              <a:tblGrid>
+                <a:gridCol w="3339465">
+                  <a:extLst>
+                    <a:ext uri="{9D8B030D-6E8A-4147-A177-3AD203B41FA5}">
+                      <a16:colId xmlns:a16="http://schemas.microsoft.com/office/drawing/2014/main" val="3954610707"/>
+                    </a:ext>
+                  </a:extLst>
+                </a:gridCol>
+              </a:tblGrid>
+              <a:tr h="370840">
+                <a:tc>
+                  <a:txBody>
+                    <a:bodyPr/>
+                    <a:lstStyle/>
+                    <a:p>
+                      <a:r>
+                        <a:rPr lang="en-US" dirty="0"/>
+                        <a:t>Stack Class</a:t>
+                      </a:r>
+                    </a:p>
+                  </a:txBody>
+                  <a:tcPr/>
+                </a:tc>
+                <a:extLst>
+                  <a:ext uri="{0D108BD9-81ED-4DB2-BD59-A6C34878D82A}">
+                    <a16:rowId xmlns:a16="http://schemas.microsoft.com/office/drawing/2014/main" val="1956584422"/>
+                  </a:ext>
+                </a:extLst>
+              </a:tr>
+              <a:tr h="370840">
+                <a:tc>
+                  <a:txBody>
+                    <a:bodyPr/>
+                    <a:lstStyle/>
+                    <a:p>
+                      <a:endParaRPr lang="en-US" dirty="0"/>
+                    </a:p>
+                  </a:txBody>
+                  <a:tcPr/>
+                </a:tc>
+                <a:extLst>
+                  <a:ext uri="{0D108BD9-81ED-4DB2-BD59-A6C34878D82A}">
+                    <a16:rowId xmlns:a16="http://schemas.microsoft.com/office/drawing/2014/main" val="1765192223"/>
+                  </a:ext>
+                </a:extLst>
+              </a:tr>
+              <a:tr h="370840">
+                <a:tc>
+                  <a:txBody>
+                    <a:bodyPr/>
+                    <a:lstStyle/>
+                    <a:p>
+                      <a:r>
+                        <a:rPr lang="en-US" dirty="0"/>
+                        <a:t>Person3</a:t>
+                      </a:r>
+                    </a:p>
+                  </a:txBody>
+                  <a:tcPr/>
+                </a:tc>
+                <a:extLst>
+                  <a:ext uri="{0D108BD9-81ED-4DB2-BD59-A6C34878D82A}">
+                    <a16:rowId xmlns:a16="http://schemas.microsoft.com/office/drawing/2014/main" val="783736487"/>
+                  </a:ext>
+                </a:extLst>
+              </a:tr>
+              <a:tr h="370840">
+                <a:tc>
+                  <a:txBody>
+                    <a:bodyPr/>
+                    <a:lstStyle/>
+                    <a:p>
+                      <a:r>
+                        <a:rPr lang="en-US" dirty="0"/>
+                        <a:t>Person4</a:t>
+                      </a:r>
+                    </a:p>
+                  </a:txBody>
+                  <a:tcPr/>
+                </a:tc>
+                <a:extLst>
+                  <a:ext uri="{0D108BD9-81ED-4DB2-BD59-A6C34878D82A}">
+                    <a16:rowId xmlns:a16="http://schemas.microsoft.com/office/drawing/2014/main" val="3347644438"/>
+                  </a:ext>
+                </a:extLst>
+              </a:tr>
+              <a:tr h="370840">
+                <a:tc>
+                  <a:txBody>
+                    <a:bodyPr/>
+                    <a:lstStyle/>
+                    <a:p>
+                      <a:r>
+                        <a:rPr lang="en-US" dirty="0"/>
+                        <a:t>Person2</a:t>
+                      </a:r>
+                    </a:p>
+                  </a:txBody>
+                  <a:tcPr/>
+                </a:tc>
+                <a:extLst>
+                  <a:ext uri="{0D108BD9-81ED-4DB2-BD59-A6C34878D82A}">
+                    <a16:rowId xmlns:a16="http://schemas.microsoft.com/office/drawing/2014/main" val="771043902"/>
+                  </a:ext>
+                </a:extLst>
+              </a:tr>
+              <a:tr h="370840">
+                <a:tc>
+                  <a:txBody>
+                    <a:bodyPr/>
+                    <a:lstStyle/>
+                    <a:p>
+                      <a:r>
+                        <a:rPr lang="en-US" dirty="0"/>
+                        <a:t>Person1</a:t>
+                      </a:r>
+                    </a:p>
+                  </a:txBody>
+                  <a:tcPr/>
+                </a:tc>
+                <a:extLst>
+                  <a:ext uri="{0D108BD9-81ED-4DB2-BD59-A6C34878D82A}">
+                    <a16:rowId xmlns:a16="http://schemas.microsoft.com/office/drawing/2014/main" val="3484692777"/>
+                  </a:ext>
+                </a:extLst>
+              </a:tr>
+            </a:tbl>
+          </a:graphicData>
+        </a:graphic>
+      </p:graphicFrame>
+      <p:sp>
+        <p:nvSpPr>
+          <p:cNvPr id="5" name="TextBox 4">
+            <a:extLst>
+              <a:ext uri="{FF2B5EF4-FFF2-40B4-BE49-F238E27FC236}">
+                <a16:creationId xmlns:a16="http://schemas.microsoft.com/office/drawing/2014/main" id="{F50E760A-FB4E-1675-0466-D8DA6E01F4D6}"/>
+              </a:ext>
+            </a:extLst>
+          </p:cNvPr>
+          <p:cNvSpPr txBox="1"/>
+          <p:nvPr/>
+        </p:nvSpPr>
+        <p:spPr>
+          <a:xfrm>
+            <a:off x="1072515" y="1517918"/>
+            <a:ext cx="7938135" cy="2308324"/>
+          </a:xfrm>
+          <a:prstGeom prst="rect">
+            <a:avLst/>
+          </a:prstGeom>
+          <a:noFill/>
+        </p:spPr>
+        <p:txBody>
+          <a:bodyPr wrap="square" rtlCol="0">
+            <a:spAutoFit/>
+          </a:bodyPr>
+          <a:lstStyle/>
+          <a:p>
+            <a:r>
+              <a:rPr lang="en-US" dirty="0"/>
+              <a:t>A stack is a LIFO construction. So the first thing that you pushed onto the stack is the last thing that you can take off of the stack.</a:t>
+            </a:r>
+          </a:p>
+          <a:p>
+            <a:r>
+              <a:rPr lang="en-US" dirty="0"/>
+              <a:t>Functionality of a stack:</a:t>
+            </a:r>
+          </a:p>
+          <a:p>
+            <a:pPr marL="285750" indent="-285750">
+              <a:buFontTx/>
+              <a:buChar char="-"/>
+            </a:pPr>
+            <a:r>
+              <a:rPr lang="en-US" dirty="0"/>
+              <a:t>push() – put a new obj on the stack</a:t>
+            </a:r>
+          </a:p>
+          <a:p>
+            <a:pPr marL="285750" indent="-285750">
+              <a:buFontTx/>
+              <a:buChar char="-"/>
+            </a:pPr>
+            <a:r>
+              <a:rPr lang="en-US" dirty="0"/>
+              <a:t>Pop() -  return and delete the top obj</a:t>
+            </a:r>
+          </a:p>
+          <a:p>
+            <a:pPr marL="285750" indent="-285750">
+              <a:buFontTx/>
+              <a:buChar char="-"/>
+            </a:pPr>
+            <a:r>
+              <a:rPr lang="en-US" dirty="0"/>
+              <a:t>Peek() – get the data from the top obj.</a:t>
+            </a:r>
+          </a:p>
+          <a:p>
+            <a:pPr marL="285750" indent="-285750">
+              <a:buFontTx/>
+              <a:buChar char="-"/>
+            </a:pPr>
+            <a:r>
+              <a:rPr lang="en-US" dirty="0"/>
+              <a:t>Size prop – returns the size of the stack currently</a:t>
+            </a:r>
+          </a:p>
+          <a:p>
+            <a:pPr marL="285750" indent="-285750">
+              <a:buFontTx/>
+              <a:buChar char="-"/>
+            </a:pPr>
+            <a:endParaRPr lang="en-US" dirty="0"/>
+          </a:p>
+        </p:txBody>
+      </p:sp>
+    </p:spTree>
+    <p:extLst>
+      <p:ext uri="{BB962C8B-B14F-4D97-AF65-F5344CB8AC3E}">
+        <p14:creationId xmlns:p14="http://schemas.microsoft.com/office/powerpoint/2010/main" val="2619765847"/>
+      </p:ext>
+    </p:extLst>
+  </p:cSld>
+  <p:clrMapOvr>
+    <a:masterClrMapping/>
+  </p:clrMapOvr>
+</p:sld>
+</file>
+
 <file path=ppt/theme/theme1.xml><?xml version="1.0" encoding="utf-8"?>
 <a:theme xmlns:a="http://schemas.openxmlformats.org/drawingml/2006/main" name="Office Theme">
   <a:themeElements>

--- a/resources/MarksDrawrings.pptx
+++ b/resources/MarksDrawrings.pptx
@@ -12,6 +12,7 @@
     <p:sldId id="260" r:id="rId6"/>
     <p:sldId id="261" r:id="rId7"/>
     <p:sldId id="262" r:id="rId8"/>
+    <p:sldId id="263" r:id="rId9"/>
   </p:sldIdLst>
   <p:sldSz cx="12192000" cy="6858000"/>
   <p:notesSz cx="6858000" cy="9144000"/>
@@ -11106,6 +11107,881 @@
 </p:sld>
 </file>
 
+<file path=ppt/slides/slide8.xml><?xml version="1.0" encoding="utf-8"?>
+<p:sld xmlns:a="http://schemas.openxmlformats.org/drawingml/2006/main" xmlns:r="http://schemas.openxmlformats.org/officeDocument/2006/relationships" xmlns:p="http://schemas.openxmlformats.org/presentationml/2006/main">
+  <p:cSld>
+    <p:spTree>
+      <p:nvGrpSpPr>
+        <p:cNvPr id="1" name=""/>
+        <p:cNvGrpSpPr/>
+        <p:nvPr/>
+      </p:nvGrpSpPr>
+      <p:grpSpPr>
+        <a:xfrm>
+          <a:off x="0" y="0"/>
+          <a:ext cx="0" cy="0"/>
+          <a:chOff x="0" y="0"/>
+          <a:chExt cx="0" cy="0"/>
+        </a:xfrm>
+      </p:grpSpPr>
+      <p:sp>
+        <p:nvSpPr>
+          <p:cNvPr id="2" name="Title 1">
+            <a:extLst>
+              <a:ext uri="{FF2B5EF4-FFF2-40B4-BE49-F238E27FC236}">
+                <a16:creationId xmlns:a16="http://schemas.microsoft.com/office/drawing/2014/main" id="{A159CED2-E570-597E-B488-46A7CF43256E}"/>
+              </a:ext>
+            </a:extLst>
+          </p:cNvPr>
+          <p:cNvSpPr>
+            <a:spLocks noGrp="1"/>
+          </p:cNvSpPr>
+          <p:nvPr>
+            <p:ph type="title"/>
+          </p:nvPr>
+        </p:nvSpPr>
+        <p:spPr>
+          <a:xfrm>
+            <a:off x="1323975" y="22225"/>
+            <a:ext cx="10515600" cy="1325563"/>
+          </a:xfrm>
+        </p:spPr>
+        <p:txBody>
+          <a:bodyPr/>
+          <a:lstStyle/>
+          <a:p>
+            <a:r>
+              <a:rPr lang="en-US" dirty="0"/>
+              <a:t>P1 </a:t>
+            </a:r>
+            <a:r>
+              <a:rPr lang="en-US" dirty="0" err="1"/>
+              <a:t>api</a:t>
+            </a:r>
+            <a:r>
+              <a:rPr lang="en-US" dirty="0"/>
+              <a:t> application program structure</a:t>
+            </a:r>
+            <a:br>
+              <a:rPr lang="en-US" dirty="0"/>
+            </a:br>
+            <a:r>
+              <a:rPr lang="en-US" dirty="0"/>
+              <a:t>“Repository Pattern”</a:t>
+            </a:r>
+          </a:p>
+        </p:txBody>
+      </p:sp>
+      <p:sp>
+        <p:nvSpPr>
+          <p:cNvPr id="4" name="Rectangle 3">
+            <a:extLst>
+              <a:ext uri="{FF2B5EF4-FFF2-40B4-BE49-F238E27FC236}">
+                <a16:creationId xmlns:a16="http://schemas.microsoft.com/office/drawing/2014/main" id="{8681237B-F4FD-BB44-E736-79EBD6880E02}"/>
+              </a:ext>
+            </a:extLst>
+          </p:cNvPr>
+          <p:cNvSpPr/>
+          <p:nvPr/>
+        </p:nvSpPr>
+        <p:spPr>
+          <a:xfrm>
+            <a:off x="1000125" y="1690688"/>
+            <a:ext cx="3291840" cy="1325563"/>
+          </a:xfrm>
+          <a:prstGeom prst="rect">
+            <a:avLst/>
+          </a:prstGeom>
+        </p:spPr>
+        <p:style>
+          <a:lnRef idx="2">
+            <a:schemeClr val="accent1">
+              <a:shade val="50000"/>
+            </a:schemeClr>
+          </a:lnRef>
+          <a:fillRef idx="1">
+            <a:schemeClr val="accent1"/>
+          </a:fillRef>
+          <a:effectRef idx="0">
+            <a:schemeClr val="accent1"/>
+          </a:effectRef>
+          <a:fontRef idx="minor">
+            <a:schemeClr val="lt1"/>
+          </a:fontRef>
+        </p:style>
+        <p:txBody>
+          <a:bodyPr rtlCol="0" anchor="ctr"/>
+          <a:lstStyle/>
+          <a:p>
+            <a:pPr algn="ctr"/>
+            <a:r>
+              <a:rPr lang="en-US" dirty="0"/>
+              <a:t>API Project - </a:t>
+            </a:r>
+            <a:r>
+              <a:rPr lang="en-US" dirty="0" err="1"/>
+              <a:t>Entrypoint</a:t>
+            </a:r>
+            <a:endParaRPr lang="en-US" dirty="0"/>
+          </a:p>
+          <a:p>
+            <a:pPr algn="ctr"/>
+            <a:r>
+              <a:rPr lang="en-US" dirty="0"/>
+              <a:t>Has ‘controllers’ that contain ‘action methods’ that call methods on the business layer</a:t>
+            </a:r>
+          </a:p>
+        </p:txBody>
+      </p:sp>
+      <p:sp>
+        <p:nvSpPr>
+          <p:cNvPr id="5" name="Rectangle 4">
+            <a:extLst>
+              <a:ext uri="{FF2B5EF4-FFF2-40B4-BE49-F238E27FC236}">
+                <a16:creationId xmlns:a16="http://schemas.microsoft.com/office/drawing/2014/main" id="{11EF6ABB-3ADB-8956-FE0E-EA16C3CE8CC1}"/>
+              </a:ext>
+            </a:extLst>
+          </p:cNvPr>
+          <p:cNvSpPr/>
+          <p:nvPr/>
+        </p:nvSpPr>
+        <p:spPr>
+          <a:xfrm>
+            <a:off x="6953250" y="3016251"/>
+            <a:ext cx="3996690" cy="2087563"/>
+          </a:xfrm>
+          <a:prstGeom prst="rect">
+            <a:avLst/>
+          </a:prstGeom>
+        </p:spPr>
+        <p:style>
+          <a:lnRef idx="2">
+            <a:schemeClr val="accent1">
+              <a:shade val="50000"/>
+            </a:schemeClr>
+          </a:lnRef>
+          <a:fillRef idx="1">
+            <a:schemeClr val="accent1"/>
+          </a:fillRef>
+          <a:effectRef idx="0">
+            <a:schemeClr val="accent1"/>
+          </a:effectRef>
+          <a:fontRef idx="minor">
+            <a:schemeClr val="lt1"/>
+          </a:fontRef>
+        </p:style>
+        <p:txBody>
+          <a:bodyPr rtlCol="0" anchor="ctr"/>
+          <a:lstStyle/>
+          <a:p>
+            <a:pPr algn="ctr"/>
+            <a:r>
+              <a:rPr lang="en-US" dirty="0"/>
+              <a:t>Models</a:t>
+            </a:r>
+          </a:p>
+          <a:p>
+            <a:pPr algn="ctr"/>
+            <a:r>
+              <a:rPr lang="en-US" dirty="0"/>
+              <a:t>This holds all our various objects necessary in the app.</a:t>
+            </a:r>
+          </a:p>
+        </p:txBody>
+      </p:sp>
+      <p:sp>
+        <p:nvSpPr>
+          <p:cNvPr id="6" name="Rectangle 5">
+            <a:extLst>
+              <a:ext uri="{FF2B5EF4-FFF2-40B4-BE49-F238E27FC236}">
+                <a16:creationId xmlns:a16="http://schemas.microsoft.com/office/drawing/2014/main" id="{BCBE9C8A-A0B3-E23E-FA12-C75BC8FA90AB}"/>
+              </a:ext>
+            </a:extLst>
+          </p:cNvPr>
+          <p:cNvSpPr/>
+          <p:nvPr/>
+        </p:nvSpPr>
+        <p:spPr>
+          <a:xfrm>
+            <a:off x="1000125" y="3494246"/>
+            <a:ext cx="3291840" cy="1325563"/>
+          </a:xfrm>
+          <a:prstGeom prst="rect">
+            <a:avLst/>
+          </a:prstGeom>
+        </p:spPr>
+        <p:style>
+          <a:lnRef idx="2">
+            <a:schemeClr val="accent1">
+              <a:shade val="50000"/>
+            </a:schemeClr>
+          </a:lnRef>
+          <a:fillRef idx="1">
+            <a:schemeClr val="accent1"/>
+          </a:fillRef>
+          <a:effectRef idx="0">
+            <a:schemeClr val="accent1"/>
+          </a:effectRef>
+          <a:fontRef idx="minor">
+            <a:schemeClr val="lt1"/>
+          </a:fontRef>
+        </p:style>
+        <p:txBody>
+          <a:bodyPr rtlCol="0" anchor="ctr"/>
+          <a:lstStyle/>
+          <a:p>
+            <a:pPr algn="ctr"/>
+            <a:r>
+              <a:rPr lang="en-US" dirty="0"/>
+              <a:t>Business Layer Project</a:t>
+            </a:r>
+          </a:p>
+          <a:p>
+            <a:pPr algn="ctr"/>
+            <a:r>
+              <a:rPr lang="en-US" dirty="0"/>
+              <a:t>This is where business logic happens. Calls methods on the Repo layer to insert, </a:t>
+            </a:r>
+            <a:r>
+              <a:rPr lang="en-US" dirty="0" err="1"/>
+              <a:t>etc</a:t>
+            </a:r>
+            <a:r>
+              <a:rPr lang="en-US" dirty="0"/>
+              <a:t> data to the Db.</a:t>
+            </a:r>
+          </a:p>
+        </p:txBody>
+      </p:sp>
+      <p:sp>
+        <p:nvSpPr>
+          <p:cNvPr id="7" name="Rectangle 6">
+            <a:extLst>
+              <a:ext uri="{FF2B5EF4-FFF2-40B4-BE49-F238E27FC236}">
+                <a16:creationId xmlns:a16="http://schemas.microsoft.com/office/drawing/2014/main" id="{B32AC588-266A-06EA-28B0-C418CA19A548}"/>
+              </a:ext>
+            </a:extLst>
+          </p:cNvPr>
+          <p:cNvSpPr/>
+          <p:nvPr/>
+        </p:nvSpPr>
+        <p:spPr>
+          <a:xfrm>
+            <a:off x="1000125" y="5297805"/>
+            <a:ext cx="3291840" cy="1325563"/>
+          </a:xfrm>
+          <a:prstGeom prst="rect">
+            <a:avLst/>
+          </a:prstGeom>
+        </p:spPr>
+        <p:style>
+          <a:lnRef idx="2">
+            <a:schemeClr val="accent1">
+              <a:shade val="50000"/>
+            </a:schemeClr>
+          </a:lnRef>
+          <a:fillRef idx="1">
+            <a:schemeClr val="accent1"/>
+          </a:fillRef>
+          <a:effectRef idx="0">
+            <a:schemeClr val="accent1"/>
+          </a:effectRef>
+          <a:fontRef idx="minor">
+            <a:schemeClr val="lt1"/>
+          </a:fontRef>
+        </p:style>
+        <p:txBody>
+          <a:bodyPr rtlCol="0" anchor="ctr"/>
+          <a:lstStyle/>
+          <a:p>
+            <a:pPr algn="ctr"/>
+            <a:r>
+              <a:rPr lang="en-US" dirty="0"/>
+              <a:t>Repository Layer Project</a:t>
+            </a:r>
+          </a:p>
+          <a:p>
+            <a:pPr algn="ctr"/>
+            <a:r>
+              <a:rPr lang="en-US" dirty="0"/>
+              <a:t>Makes calls to the Db.</a:t>
+            </a:r>
+          </a:p>
+        </p:txBody>
+      </p:sp>
+      <p:cxnSp>
+        <p:nvCxnSpPr>
+          <p:cNvPr id="9" name="Straight Arrow Connector 8">
+            <a:extLst>
+              <a:ext uri="{FF2B5EF4-FFF2-40B4-BE49-F238E27FC236}">
+                <a16:creationId xmlns:a16="http://schemas.microsoft.com/office/drawing/2014/main" id="{72A7668A-6DA9-91B8-EA77-83DCC583814A}"/>
+              </a:ext>
+            </a:extLst>
+          </p:cNvPr>
+          <p:cNvCxnSpPr>
+            <a:stCxn id="4" idx="2"/>
+            <a:endCxn id="6" idx="0"/>
+          </p:cNvCxnSpPr>
+          <p:nvPr/>
+        </p:nvCxnSpPr>
+        <p:spPr>
+          <a:xfrm>
+            <a:off x="2646045" y="3016251"/>
+            <a:ext cx="0" cy="477995"/>
+          </a:xfrm>
+          <a:prstGeom prst="straightConnector1">
+            <a:avLst/>
+          </a:prstGeom>
+          <a:ln w="38100">
+            <a:tailEnd type="triangle"/>
+          </a:ln>
+        </p:spPr>
+        <p:style>
+          <a:lnRef idx="1">
+            <a:schemeClr val="accent1"/>
+          </a:lnRef>
+          <a:fillRef idx="0">
+            <a:schemeClr val="accent1"/>
+          </a:fillRef>
+          <a:effectRef idx="0">
+            <a:schemeClr val="accent1"/>
+          </a:effectRef>
+          <a:fontRef idx="minor">
+            <a:schemeClr val="tx1"/>
+          </a:fontRef>
+        </p:style>
+      </p:cxnSp>
+      <p:cxnSp>
+        <p:nvCxnSpPr>
+          <p:cNvPr id="10" name="Straight Arrow Connector 9">
+            <a:extLst>
+              <a:ext uri="{FF2B5EF4-FFF2-40B4-BE49-F238E27FC236}">
+                <a16:creationId xmlns:a16="http://schemas.microsoft.com/office/drawing/2014/main" id="{FD348247-2EA0-0306-9641-D3C48AD8D790}"/>
+              </a:ext>
+            </a:extLst>
+          </p:cNvPr>
+          <p:cNvCxnSpPr>
+            <a:cxnSpLocks/>
+            <a:stCxn id="6" idx="2"/>
+            <a:endCxn id="7" idx="0"/>
+          </p:cNvCxnSpPr>
+          <p:nvPr/>
+        </p:nvCxnSpPr>
+        <p:spPr>
+          <a:xfrm>
+            <a:off x="2646045" y="4819809"/>
+            <a:ext cx="0" cy="477996"/>
+          </a:xfrm>
+          <a:prstGeom prst="straightConnector1">
+            <a:avLst/>
+          </a:prstGeom>
+          <a:ln w="38100">
+            <a:tailEnd type="triangle"/>
+          </a:ln>
+        </p:spPr>
+        <p:style>
+          <a:lnRef idx="1">
+            <a:schemeClr val="accent1"/>
+          </a:lnRef>
+          <a:fillRef idx="0">
+            <a:schemeClr val="accent1"/>
+          </a:fillRef>
+          <a:effectRef idx="0">
+            <a:schemeClr val="accent1"/>
+          </a:effectRef>
+          <a:fontRef idx="minor">
+            <a:schemeClr val="tx1"/>
+          </a:fontRef>
+        </p:style>
+      </p:cxnSp>
+      <p:cxnSp>
+        <p:nvCxnSpPr>
+          <p:cNvPr id="13" name="Straight Arrow Connector 12">
+            <a:extLst>
+              <a:ext uri="{FF2B5EF4-FFF2-40B4-BE49-F238E27FC236}">
+                <a16:creationId xmlns:a16="http://schemas.microsoft.com/office/drawing/2014/main" id="{BA08597A-A341-6DE6-19ED-708CB4AE8FA4}"/>
+              </a:ext>
+            </a:extLst>
+          </p:cNvPr>
+          <p:cNvCxnSpPr>
+            <a:cxnSpLocks/>
+            <a:stCxn id="5" idx="1"/>
+            <a:endCxn id="4" idx="3"/>
+          </p:cNvCxnSpPr>
+          <p:nvPr/>
+        </p:nvCxnSpPr>
+        <p:spPr>
+          <a:xfrm flipH="1" flipV="1">
+            <a:off x="4291965" y="2353470"/>
+            <a:ext cx="2661285" cy="1706563"/>
+          </a:xfrm>
+          <a:prstGeom prst="straightConnector1">
+            <a:avLst/>
+          </a:prstGeom>
+          <a:ln w="38100">
+            <a:tailEnd type="triangle"/>
+          </a:ln>
+        </p:spPr>
+        <p:style>
+          <a:lnRef idx="1">
+            <a:schemeClr val="accent1"/>
+          </a:lnRef>
+          <a:fillRef idx="0">
+            <a:schemeClr val="accent1"/>
+          </a:fillRef>
+          <a:effectRef idx="0">
+            <a:schemeClr val="accent1"/>
+          </a:effectRef>
+          <a:fontRef idx="minor">
+            <a:schemeClr val="tx1"/>
+          </a:fontRef>
+        </p:style>
+      </p:cxnSp>
+      <p:cxnSp>
+        <p:nvCxnSpPr>
+          <p:cNvPr id="16" name="Straight Arrow Connector 15">
+            <a:extLst>
+              <a:ext uri="{FF2B5EF4-FFF2-40B4-BE49-F238E27FC236}">
+                <a16:creationId xmlns:a16="http://schemas.microsoft.com/office/drawing/2014/main" id="{C1845E68-CC07-0F5B-5AD3-8218E960D403}"/>
+              </a:ext>
+            </a:extLst>
+          </p:cNvPr>
+          <p:cNvCxnSpPr>
+            <a:cxnSpLocks/>
+            <a:stCxn id="5" idx="1"/>
+            <a:endCxn id="6" idx="3"/>
+          </p:cNvCxnSpPr>
+          <p:nvPr/>
+        </p:nvCxnSpPr>
+        <p:spPr>
+          <a:xfrm flipH="1">
+            <a:off x="4291965" y="4060033"/>
+            <a:ext cx="2661285" cy="96995"/>
+          </a:xfrm>
+          <a:prstGeom prst="straightConnector1">
+            <a:avLst/>
+          </a:prstGeom>
+          <a:ln w="38100">
+            <a:tailEnd type="triangle"/>
+          </a:ln>
+        </p:spPr>
+        <p:style>
+          <a:lnRef idx="1">
+            <a:schemeClr val="accent1"/>
+          </a:lnRef>
+          <a:fillRef idx="0">
+            <a:schemeClr val="accent1"/>
+          </a:fillRef>
+          <a:effectRef idx="0">
+            <a:schemeClr val="accent1"/>
+          </a:effectRef>
+          <a:fontRef idx="minor">
+            <a:schemeClr val="tx1"/>
+          </a:fontRef>
+        </p:style>
+      </p:cxnSp>
+      <p:cxnSp>
+        <p:nvCxnSpPr>
+          <p:cNvPr id="20" name="Straight Arrow Connector 19">
+            <a:extLst>
+              <a:ext uri="{FF2B5EF4-FFF2-40B4-BE49-F238E27FC236}">
+                <a16:creationId xmlns:a16="http://schemas.microsoft.com/office/drawing/2014/main" id="{95075AF3-2AE3-5A6F-E2E9-CF94CA33229D}"/>
+              </a:ext>
+            </a:extLst>
+          </p:cNvPr>
+          <p:cNvCxnSpPr>
+            <a:cxnSpLocks/>
+            <a:stCxn id="5" idx="1"/>
+            <a:endCxn id="7" idx="3"/>
+          </p:cNvCxnSpPr>
+          <p:nvPr/>
+        </p:nvCxnSpPr>
+        <p:spPr>
+          <a:xfrm flipH="1">
+            <a:off x="4291965" y="4060033"/>
+            <a:ext cx="2661285" cy="1900554"/>
+          </a:xfrm>
+          <a:prstGeom prst="straightConnector1">
+            <a:avLst/>
+          </a:prstGeom>
+          <a:ln w="38100">
+            <a:tailEnd type="triangle"/>
+          </a:ln>
+        </p:spPr>
+        <p:style>
+          <a:lnRef idx="1">
+            <a:schemeClr val="accent1"/>
+          </a:lnRef>
+          <a:fillRef idx="0">
+            <a:schemeClr val="accent1"/>
+          </a:fillRef>
+          <a:effectRef idx="0">
+            <a:schemeClr val="accent1"/>
+          </a:effectRef>
+          <a:fontRef idx="minor">
+            <a:schemeClr val="tx1"/>
+          </a:fontRef>
+        </p:style>
+      </p:cxnSp>
+      <p:sp>
+        <p:nvSpPr>
+          <p:cNvPr id="26" name="TextBox 25">
+            <a:extLst>
+              <a:ext uri="{FF2B5EF4-FFF2-40B4-BE49-F238E27FC236}">
+                <a16:creationId xmlns:a16="http://schemas.microsoft.com/office/drawing/2014/main" id="{7A4C5900-128F-D8F6-AE2C-C46C080725F9}"/>
+              </a:ext>
+            </a:extLst>
+          </p:cNvPr>
+          <p:cNvSpPr txBox="1"/>
+          <p:nvPr/>
+        </p:nvSpPr>
+        <p:spPr>
+          <a:xfrm rot="2084661">
+            <a:off x="5258910" y="2948820"/>
+            <a:ext cx="954405" cy="369332"/>
+          </a:xfrm>
+          <a:prstGeom prst="rect">
+            <a:avLst/>
+          </a:prstGeom>
+          <a:noFill/>
+        </p:spPr>
+        <p:txBody>
+          <a:bodyPr wrap="square" rtlCol="0">
+            <a:spAutoFit/>
+          </a:bodyPr>
+          <a:lstStyle/>
+          <a:p>
+            <a:r>
+              <a:rPr lang="en-US" dirty="0"/>
+              <a:t>Data</a:t>
+            </a:r>
+          </a:p>
+        </p:txBody>
+      </p:sp>
+      <p:cxnSp>
+        <p:nvCxnSpPr>
+          <p:cNvPr id="30" name="Straight Arrow Connector 29">
+            <a:extLst>
+              <a:ext uri="{FF2B5EF4-FFF2-40B4-BE49-F238E27FC236}">
+                <a16:creationId xmlns:a16="http://schemas.microsoft.com/office/drawing/2014/main" id="{B80B847C-CAE5-B372-C572-ED2D4138B84B}"/>
+              </a:ext>
+            </a:extLst>
+          </p:cNvPr>
+          <p:cNvCxnSpPr/>
+          <p:nvPr/>
+        </p:nvCxnSpPr>
+        <p:spPr>
+          <a:xfrm>
+            <a:off x="4291965" y="1690688"/>
+            <a:ext cx="2661285" cy="1363663"/>
+          </a:xfrm>
+          <a:prstGeom prst="straightConnector1">
+            <a:avLst/>
+          </a:prstGeom>
+          <a:ln w="38100">
+            <a:tailEnd type="triangle"/>
+          </a:ln>
+        </p:spPr>
+        <p:style>
+          <a:lnRef idx="1">
+            <a:schemeClr val="accent2"/>
+          </a:lnRef>
+          <a:fillRef idx="0">
+            <a:schemeClr val="accent2"/>
+          </a:fillRef>
+          <a:effectRef idx="0">
+            <a:schemeClr val="accent2"/>
+          </a:effectRef>
+          <a:fontRef idx="minor">
+            <a:schemeClr val="tx1"/>
+          </a:fontRef>
+        </p:style>
+      </p:cxnSp>
+      <p:sp>
+        <p:nvSpPr>
+          <p:cNvPr id="31" name="TextBox 30">
+            <a:extLst>
+              <a:ext uri="{FF2B5EF4-FFF2-40B4-BE49-F238E27FC236}">
+                <a16:creationId xmlns:a16="http://schemas.microsoft.com/office/drawing/2014/main" id="{6875F088-D363-435D-CD97-CF2652755053}"/>
+              </a:ext>
+            </a:extLst>
+          </p:cNvPr>
+          <p:cNvSpPr txBox="1"/>
+          <p:nvPr/>
+        </p:nvSpPr>
+        <p:spPr>
+          <a:xfrm>
+            <a:off x="4282995" y="3601284"/>
+            <a:ext cx="1991860" cy="369332"/>
+          </a:xfrm>
+          <a:prstGeom prst="rect">
+            <a:avLst/>
+          </a:prstGeom>
+          <a:noFill/>
+        </p:spPr>
+        <p:txBody>
+          <a:bodyPr wrap="square" rtlCol="0">
+            <a:spAutoFit/>
+          </a:bodyPr>
+          <a:lstStyle/>
+          <a:p>
+            <a:r>
+              <a:rPr lang="en-US" dirty="0" err="1"/>
+              <a:t>ProjectReference</a:t>
+            </a:r>
+            <a:endParaRPr lang="en-US" dirty="0"/>
+          </a:p>
+        </p:txBody>
+      </p:sp>
+      <p:cxnSp>
+        <p:nvCxnSpPr>
+          <p:cNvPr id="32" name="Straight Arrow Connector 31">
+            <a:extLst>
+              <a:ext uri="{FF2B5EF4-FFF2-40B4-BE49-F238E27FC236}">
+                <a16:creationId xmlns:a16="http://schemas.microsoft.com/office/drawing/2014/main" id="{1D220950-6CF0-4C25-5F81-7A55CA2DC531}"/>
+              </a:ext>
+            </a:extLst>
+          </p:cNvPr>
+          <p:cNvCxnSpPr>
+            <a:cxnSpLocks/>
+          </p:cNvCxnSpPr>
+          <p:nvPr/>
+        </p:nvCxnSpPr>
+        <p:spPr>
+          <a:xfrm flipV="1">
+            <a:off x="4291964" y="3857198"/>
+            <a:ext cx="2661286" cy="101789"/>
+          </a:xfrm>
+          <a:prstGeom prst="straightConnector1">
+            <a:avLst/>
+          </a:prstGeom>
+          <a:ln w="38100">
+            <a:tailEnd type="triangle"/>
+          </a:ln>
+        </p:spPr>
+        <p:style>
+          <a:lnRef idx="1">
+            <a:schemeClr val="accent2"/>
+          </a:lnRef>
+          <a:fillRef idx="0">
+            <a:schemeClr val="accent2"/>
+          </a:fillRef>
+          <a:effectRef idx="0">
+            <a:schemeClr val="accent2"/>
+          </a:effectRef>
+          <a:fontRef idx="minor">
+            <a:schemeClr val="tx1"/>
+          </a:fontRef>
+        </p:style>
+      </p:cxnSp>
+      <p:sp>
+        <p:nvSpPr>
+          <p:cNvPr id="33" name="TextBox 32">
+            <a:extLst>
+              <a:ext uri="{FF2B5EF4-FFF2-40B4-BE49-F238E27FC236}">
+                <a16:creationId xmlns:a16="http://schemas.microsoft.com/office/drawing/2014/main" id="{82E9A25A-7C99-8CD4-9886-7C1988DD2095}"/>
+              </a:ext>
+            </a:extLst>
+          </p:cNvPr>
+          <p:cNvSpPr txBox="1"/>
+          <p:nvPr/>
+        </p:nvSpPr>
+        <p:spPr>
+          <a:xfrm rot="1766913">
+            <a:off x="5094353" y="2371637"/>
+            <a:ext cx="1991860" cy="369332"/>
+          </a:xfrm>
+          <a:prstGeom prst="rect">
+            <a:avLst/>
+          </a:prstGeom>
+          <a:noFill/>
+        </p:spPr>
+        <p:txBody>
+          <a:bodyPr wrap="square" rtlCol="0">
+            <a:spAutoFit/>
+          </a:bodyPr>
+          <a:lstStyle/>
+          <a:p>
+            <a:r>
+              <a:rPr lang="en-US" dirty="0" err="1"/>
+              <a:t>ProjectReference</a:t>
+            </a:r>
+            <a:endParaRPr lang="en-US" dirty="0"/>
+          </a:p>
+        </p:txBody>
+      </p:sp>
+      <p:cxnSp>
+        <p:nvCxnSpPr>
+          <p:cNvPr id="35" name="Straight Arrow Connector 34">
+            <a:extLst>
+              <a:ext uri="{FF2B5EF4-FFF2-40B4-BE49-F238E27FC236}">
+                <a16:creationId xmlns:a16="http://schemas.microsoft.com/office/drawing/2014/main" id="{4575768A-23B0-E3EF-FB43-14E62FACA6E1}"/>
+              </a:ext>
+            </a:extLst>
+          </p:cNvPr>
+          <p:cNvCxnSpPr>
+            <a:cxnSpLocks/>
+          </p:cNvCxnSpPr>
+          <p:nvPr/>
+        </p:nvCxnSpPr>
+        <p:spPr>
+          <a:xfrm flipV="1">
+            <a:off x="4274846" y="4301251"/>
+            <a:ext cx="2670255" cy="1916669"/>
+          </a:xfrm>
+          <a:prstGeom prst="straightConnector1">
+            <a:avLst/>
+          </a:prstGeom>
+          <a:ln w="38100">
+            <a:tailEnd type="triangle"/>
+          </a:ln>
+        </p:spPr>
+        <p:style>
+          <a:lnRef idx="1">
+            <a:schemeClr val="accent2"/>
+          </a:lnRef>
+          <a:fillRef idx="0">
+            <a:schemeClr val="accent2"/>
+          </a:fillRef>
+          <a:effectRef idx="0">
+            <a:schemeClr val="accent2"/>
+          </a:effectRef>
+          <a:fontRef idx="minor">
+            <a:schemeClr val="tx1"/>
+          </a:fontRef>
+        </p:style>
+      </p:cxnSp>
+      <p:sp>
+        <p:nvSpPr>
+          <p:cNvPr id="36" name="TextBox 35">
+            <a:extLst>
+              <a:ext uri="{FF2B5EF4-FFF2-40B4-BE49-F238E27FC236}">
+                <a16:creationId xmlns:a16="http://schemas.microsoft.com/office/drawing/2014/main" id="{D160547D-A1D0-EF6E-64D1-5BEBAFFF3447}"/>
+              </a:ext>
+            </a:extLst>
+          </p:cNvPr>
+          <p:cNvSpPr txBox="1"/>
+          <p:nvPr/>
+        </p:nvSpPr>
+        <p:spPr>
+          <a:xfrm rot="19379314">
+            <a:off x="4825570" y="5151311"/>
+            <a:ext cx="1991860" cy="369332"/>
+          </a:xfrm>
+          <a:prstGeom prst="rect">
+            <a:avLst/>
+          </a:prstGeom>
+          <a:noFill/>
+        </p:spPr>
+        <p:txBody>
+          <a:bodyPr wrap="square" rtlCol="0">
+            <a:spAutoFit/>
+          </a:bodyPr>
+          <a:lstStyle/>
+          <a:p>
+            <a:r>
+              <a:rPr lang="en-US" dirty="0" err="1"/>
+              <a:t>ProjectReference</a:t>
+            </a:r>
+            <a:endParaRPr lang="en-US" dirty="0"/>
+          </a:p>
+        </p:txBody>
+      </p:sp>
+      <p:cxnSp>
+        <p:nvCxnSpPr>
+          <p:cNvPr id="40" name="Straight Arrow Connector 39">
+            <a:extLst>
+              <a:ext uri="{FF2B5EF4-FFF2-40B4-BE49-F238E27FC236}">
+                <a16:creationId xmlns:a16="http://schemas.microsoft.com/office/drawing/2014/main" id="{735DE6BD-D702-8096-DEC7-783CD627A8B2}"/>
+              </a:ext>
+            </a:extLst>
+          </p:cNvPr>
+          <p:cNvCxnSpPr>
+            <a:cxnSpLocks/>
+          </p:cNvCxnSpPr>
+          <p:nvPr/>
+        </p:nvCxnSpPr>
+        <p:spPr>
+          <a:xfrm>
+            <a:off x="2874645" y="2897407"/>
+            <a:ext cx="0" cy="659785"/>
+          </a:xfrm>
+          <a:prstGeom prst="straightConnector1">
+            <a:avLst/>
+          </a:prstGeom>
+          <a:ln w="38100">
+            <a:tailEnd type="triangle"/>
+          </a:ln>
+        </p:spPr>
+        <p:style>
+          <a:lnRef idx="1">
+            <a:schemeClr val="accent2"/>
+          </a:lnRef>
+          <a:fillRef idx="0">
+            <a:schemeClr val="accent2"/>
+          </a:fillRef>
+          <a:effectRef idx="0">
+            <a:schemeClr val="accent2"/>
+          </a:effectRef>
+          <a:fontRef idx="minor">
+            <a:schemeClr val="tx1"/>
+          </a:fontRef>
+        </p:style>
+      </p:cxnSp>
+      <p:cxnSp>
+        <p:nvCxnSpPr>
+          <p:cNvPr id="43" name="Straight Arrow Connector 42">
+            <a:extLst>
+              <a:ext uri="{FF2B5EF4-FFF2-40B4-BE49-F238E27FC236}">
+                <a16:creationId xmlns:a16="http://schemas.microsoft.com/office/drawing/2014/main" id="{D23C9BF0-6DC3-A634-6CC3-2D2692EB89E6}"/>
+              </a:ext>
+            </a:extLst>
+          </p:cNvPr>
+          <p:cNvCxnSpPr>
+            <a:cxnSpLocks/>
+          </p:cNvCxnSpPr>
+          <p:nvPr/>
+        </p:nvCxnSpPr>
+        <p:spPr>
+          <a:xfrm>
+            <a:off x="2874645" y="4722557"/>
+            <a:ext cx="0" cy="659785"/>
+          </a:xfrm>
+          <a:prstGeom prst="straightConnector1">
+            <a:avLst/>
+          </a:prstGeom>
+          <a:ln w="38100">
+            <a:tailEnd type="triangle"/>
+          </a:ln>
+        </p:spPr>
+        <p:style>
+          <a:lnRef idx="1">
+            <a:schemeClr val="accent2"/>
+          </a:lnRef>
+          <a:fillRef idx="0">
+            <a:schemeClr val="accent2"/>
+          </a:fillRef>
+          <a:effectRef idx="0">
+            <a:schemeClr val="accent2"/>
+          </a:effectRef>
+          <a:fontRef idx="minor">
+            <a:schemeClr val="tx1"/>
+          </a:fontRef>
+        </p:style>
+      </p:cxnSp>
+    </p:spTree>
+    <p:extLst>
+      <p:ext uri="{BB962C8B-B14F-4D97-AF65-F5344CB8AC3E}">
+        <p14:creationId xmlns:p14="http://schemas.microsoft.com/office/powerpoint/2010/main" val="661072079"/>
+      </p:ext>
+    </p:extLst>
+  </p:cSld>
+  <p:clrMapOvr>
+    <a:masterClrMapping/>
+  </p:clrMapOvr>
+</p:sld>
+</file>
+
 <file path=ppt/theme/theme1.xml><?xml version="1.0" encoding="utf-8"?>
 <a:theme xmlns:a="http://schemas.openxmlformats.org/drawingml/2006/main" name="Office Theme">
   <a:themeElements>

--- a/resources/MarksDrawrings.pptx
+++ b/resources/MarksDrawrings.pptx
@@ -13,6 +13,8 @@
     <p:sldId id="261" r:id="rId7"/>
     <p:sldId id="262" r:id="rId8"/>
     <p:sldId id="263" r:id="rId9"/>
+    <p:sldId id="264" r:id="rId10"/>
+    <p:sldId id="265" r:id="rId11"/>
   </p:sldIdLst>
   <p:sldSz cx="12192000" cy="6858000"/>
   <p:notesSz cx="6858000" cy="9144000"/>
@@ -173,6 +175,286 @@
 </inkml:ink>
 </file>
 
+<file path=ppt/ink/ink100.xml><?xml version="1.0" encoding="utf-8"?>
+<inkml:ink xmlns:inkml="http://www.w3.org/2003/InkML">
+  <inkml:definitions>
+    <inkml:context xml:id="ctx0">
+      <inkml:inkSource xml:id="inkSrc0">
+        <inkml:traceFormat>
+          <inkml:channel name="X" type="integer" min="-2.14748E9" max="2.14748E9" units="cm"/>
+          <inkml:channel name="Y" type="integer" min="-2.14748E9" max="2.14748E9" units="cm"/>
+          <inkml:channel name="F" type="integer" max="32767" units="dev"/>
+        </inkml:traceFormat>
+        <inkml:channelProperties>
+          <inkml:channelProperty channel="X" name="resolution" value="1000" units="1/cm"/>
+          <inkml:channelProperty channel="Y" name="resolution" value="1000" units="1/cm"/>
+          <inkml:channelProperty channel="F" name="resolution" value="0" units="1/dev"/>
+        </inkml:channelProperties>
+      </inkml:inkSource>
+      <inkml:timestamp xml:id="ts0" timeString="2022-11-23T20:20:21.978"/>
+    </inkml:context>
+    <inkml:brush xml:id="br0">
+      <inkml:brushProperty name="width" value="0.05" units="cm"/>
+      <inkml:brushProperty name="height" value="0.05" units="cm"/>
+      <inkml:brushProperty name="color" value="#FF0066"/>
+    </inkml:brush>
+  </inkml:definitions>
+  <inkml:trace contextRef="#ctx0" brushRef="#br0">238 4103 11208,'0'0'26,"0"0"1,-1 0 0,1 0 0,0 0 0,0 0-1,0 0 1,0 0 0,0 0 0,0 0 0,0 0 0,-1 0-1,1 0 1,0 0 0,0 0 0,0 0 0,0 0-1,0 0 1,0 0 0,0 0 0,0 0 0,-1 0-1,1 0 1,0 0 0,0 1 0,0-1 0,0 0-1,0 0 1,0 0 0,0 0 0,0 0 0,0 0-1,0 0 1,0 0 0,0 0 0,-1 1 0,1-1-1,0 0 1,0 0 0,0 0 0,0 0 0,0 0-1,0 0 1,0 0 0,0 1 0,0-1 0,0 0-1,0 0 1,0 0 0,0 0 0,0 0 0,0 0 0,0 0-1,1 1 1,4 7 3170,12 5 1566,-16-14-4363,0-4-163,0 1-160,0 0 0,-1 0 1,1 0-1,-1 1 0,0-1 0,0-7 1,-8-80 238,5 66-248,-23-137 34,18 120-22,-17-82 0,-4-16-44,17 81 64,-44-247 31,45 247-78,-35-212 23,39 220-16,-20-188 23,25 196-30,1 32-22,0-48 138,9-80 1,8 45 195,-15 93-338,-1-1 1,0 1-1,1 0 0,-1-1 1,1 1-1,0 0 0,-1 0 1,1 0-1,2-3 0,14-17 160,28-28 0,-30 38 39,65-30 92,-62 32-92,90-48 65,-80 43-196,150-85 39,-168 93-107,0 0 0,8-7 1,166-132 86,-147 114-52,141-117 20,-143 119-60,135-118 11,-160 139-26,13-16-1,139-161 12,-131 144-10,123-174 17,-125 170 30,111-188 26,-114 188-28,91-154 31,-97 163 16,-5 13-49,77-130 138,-82 135-128,42-69 130,-44 75-188,-3 5-8,-2 6-101,-2 4-494,4 48-1068,-3-28 760,-2-14 829,2 16-3032,1 2-8042,-7-63 8377</inkml:trace>
+</inkml:ink>
+</file>
+
+<file path=ppt/ink/ink101.xml><?xml version="1.0" encoding="utf-8"?>
+<inkml:ink xmlns:inkml="http://www.w3.org/2003/InkML">
+  <inkml:definitions>
+    <inkml:context xml:id="ctx0">
+      <inkml:inkSource xml:id="inkSrc0">
+        <inkml:traceFormat>
+          <inkml:channel name="X" type="integer" min="-2.14748E9" max="2.14748E9" units="cm"/>
+          <inkml:channel name="Y" type="integer" min="-2.14748E9" max="2.14748E9" units="cm"/>
+          <inkml:channel name="F" type="integer" max="32767" units="dev"/>
+        </inkml:traceFormat>
+        <inkml:channelProperties>
+          <inkml:channelProperty channel="X" name="resolution" value="1000" units="1/cm"/>
+          <inkml:channelProperty channel="Y" name="resolution" value="1000" units="1/cm"/>
+          <inkml:channelProperty channel="F" name="resolution" value="0" units="1/dev"/>
+        </inkml:channelProperties>
+      </inkml:inkSource>
+      <inkml:timestamp xml:id="ts0" timeString="2022-11-23T20:20:22.907"/>
+    </inkml:context>
+    <inkml:brush xml:id="br0">
+      <inkml:brushProperty name="width" value="0.05" units="cm"/>
+      <inkml:brushProperty name="height" value="0.05" units="cm"/>
+      <inkml:brushProperty name="color" value="#FF0066"/>
+    </inkml:brush>
+  </inkml:definitions>
+  <inkml:trace contextRef="#ctx0" brushRef="#br0">894 59 12912,'-22'11'187,"9"-5"191,1 1-1,-12 8 1,16-11 228,11-9 138,11-9 19,-14 13-814,4-5 1126,0-28 357,-4 34-1414,0 0 0,0-1 0,0 1 0,0 0 0,0 0 0,0 0 0,0 0 0,0-1 0,0 1 0,0 0 1,0 0-1,0 0 0,0 0 0,0-1 0,0 1 0,0 0 0,0 0 0,0 0 0,0 0 0,0-1 0,-1 1 0,1 0 0,0 0 0,0 0 1,0 0-1,0 0 0,0 0 0,0 0 0,-1-1 0,1 1 0,0 0 0,0 0 0,0 0 0,0 0 0,0 0 0,-1 0 0,1 0 0,-6-2 127,0 0-1,0 0 1,-1 0-1,1 1 1,-7 0-1,0 2 71,-68 23 59,62-16-212,-83 59 32,80-51-14,-95 73 20,93-70-78,-228 187 27,216-175-39,18-16 17,0 0 1,0-1-1,-29 15 1,36-26 88,10-3-103,0 0 0,0 0 1,0 0-1,1 0 0,-1 0 0,0 0 0,0 1 0,0-1 1,0 0-1,1 0 0,-1 1 0,0-1 0,0 1 0,1-1 1,-1 1-1,-1 0 0,9-20 19,17-34 0,-22 49-39,8-14-151,115-172-201,-105 163 314,95-114-166,-102 127 209,0 2 1,1-1-1,1 2 0,0 0 0,0 0 0,1 2 0,29-13 0,-36 19 12,0 0 0,0 1 0,0 0 0,19-1 0,-27 3 4,1 0 1,-1 0 0,0 0 0,1 0 0,-1 0-1,0 1 1,1-1 0,-1 0 0,2 2 0,107 43 213,-105-43-183,-1 0 0,-1 0 1,1 0-1,6 5 0,55 44 182,-30-21-157,-2 2 1,40 50-1,46 76 102,15 39 125,-113-163-42,78 135 57,-83-136-306,39 122-119,-54-151 26,0-1 1,0 1-1,0 0 0,-1-1 1,1 1-1,-1 5 0,-1 69-519,-9-1 383,5-30-2680,-3 46-7187,18-217 7593</inkml:trace>
+</inkml:ink>
+</file>
+
+<file path=ppt/ink/ink102.xml><?xml version="1.0" encoding="utf-8"?>
+<inkml:ink xmlns:inkml="http://www.w3.org/2003/InkML">
+  <inkml:definitions>
+    <inkml:context xml:id="ctx0">
+      <inkml:inkSource xml:id="inkSrc0">
+        <inkml:traceFormat>
+          <inkml:channel name="X" type="integer" min="-2.14748E9" max="2.14748E9" units="cm"/>
+          <inkml:channel name="Y" type="integer" min="-2.14748E9" max="2.14748E9" units="cm"/>
+          <inkml:channel name="F" type="integer" max="32767" units="dev"/>
+        </inkml:traceFormat>
+        <inkml:channelProperties>
+          <inkml:channelProperty channel="X" name="resolution" value="1000" units="1/cm"/>
+          <inkml:channelProperty channel="Y" name="resolution" value="1000" units="1/cm"/>
+          <inkml:channelProperty channel="F" name="resolution" value="0" units="1/dev"/>
+        </inkml:channelProperties>
+      </inkml:inkSource>
+      <inkml:timestamp xml:id="ts0" timeString="2022-11-23T20:20:28.354"/>
+    </inkml:context>
+    <inkml:brush xml:id="br0">
+      <inkml:brushProperty name="width" value="0.05" units="cm"/>
+      <inkml:brushProperty name="height" value="0.05" units="cm"/>
+      <inkml:brushProperty name="color" value="#FF0066"/>
+    </inkml:brush>
+  </inkml:definitions>
+  <inkml:trace contextRef="#ctx0" brushRef="#br0">9314 4339 15328,'44'-6'225,"-39"6"120,0-1 0,0 0 0,-1-1 0,1 1 0,0-1 0,9-4 0,-7 3-146,-7 3-156,1-1 0,-1 1-1,1 0 1,-1-1-1,1 1 1,-1 0 0,1-1-1,-1 1 1,1 0-1,-1-1 1,1 1-1,-1-1 1,0 1 0,1-1-1,-1 0 1,43-71 793,-34 52-770,44-112-7,-51 127-76,0 0-1,-1-1 0,1 0 1,-1 1-1,0-9 1,19-130-85,-2-27 60,-16 156 4,-1 0 0,-2-25 0,-9-133-75,-10-5 94,20 178 19,-1-11 4,-1 0 0,0 1 0,0-1 0,-7-16 0,9 27-4,-61-167 20,-17 4 48,70 146 93,-21-31 0,29 48-161,-111-159 325,-16 1-208,118 147-52,0 0 0,-1 1 0,-19-16 0,-132-104 195,-15 9-160,159 110-20,0 0 0,-23-9 0,40 20-80,-194-90 240,-7 12-140,201 78-100,-26-10 131,-30-6 0,-155-36 134,-39 3-180,36 16 43,-239-2 140,400 34-88,-111-4 0,-16 1-125,102 4 40,-132 2 3,-13 2-40,131-1 128,-385 24 77,379-19-70,-388 36 57,387-35-162,-409 33 62,407-34 50,-399 17 47,401-22-212,-386 6 46,389-11 92,-382-20 43,385 14-174,-130-21 0,-38-16 4,193 28 20,-71-26 1,-25-28-1,161 70-64,-142-67 137,39 13-65,59 28 126,-93-57 0,-11-11-120,133 84 20,-28-23 0,-118-101 100,-6-15-131,170 150-68,-64-61 147,-81-92 4,8-5-98,137 158-54,-47-59 120,-48-72 0,15 10-82,72 110-5,-8-20 0,-26-60 34,16 13-49,20 51 10,4 10-12,-1-22 0,3 29-14,1 0-1,3-17 0,-4 26-1,1 0-1,-1 0 0,0 0 0,0 0 0,1 0 0,-1 0 0,0 0 0,1 0 0,-1 0 0,1 0 0,0 0 0,0-2 0,-1 3 1,4-5-2,0 0 0,0 0 0,8-7 1,-6 8-21,0-1 0,0 2 0,9-5 0,-15 7-6,1 1 1,0-1 0,0 1 0,0 0 0,-1-1 0,1 1 0,0 0 0,0 0 0,0 0 0,0-1 0,0 1 0,0 0-1,0 0 1,0 0 0,1 1 0,11 0-115,1 2-1,0 0 1,0 0 0,17 8-1,-29-10 6,1 0 0,-1 0 0,1 1 0,-1-1 0,0 1 1,3 1-1,100 93-1185,-82-75 442,96 75-233,-84-67-1687,37 28-7540,-167-133 7770</inkml:trace>
+</inkml:ink>
+</file>
+
+<file path=ppt/ink/ink103.xml><?xml version="1.0" encoding="utf-8"?>
+<inkml:ink xmlns:inkml="http://www.w3.org/2003/InkML">
+  <inkml:definitions>
+    <inkml:context xml:id="ctx0">
+      <inkml:inkSource xml:id="inkSrc0">
+        <inkml:traceFormat>
+          <inkml:channel name="X" type="integer" min="-2.14748E9" max="2.14748E9" units="cm"/>
+          <inkml:channel name="Y" type="integer" min="-2.14748E9" max="2.14748E9" units="cm"/>
+          <inkml:channel name="F" type="integer" max="32767" units="dev"/>
+        </inkml:traceFormat>
+        <inkml:channelProperties>
+          <inkml:channelProperty channel="X" name="resolution" value="1000" units="1/cm"/>
+          <inkml:channelProperty channel="Y" name="resolution" value="1000" units="1/cm"/>
+          <inkml:channelProperty channel="F" name="resolution" value="0" units="1/dev"/>
+        </inkml:channelProperties>
+      </inkml:inkSource>
+      <inkml:timestamp xml:id="ts0" timeString="2022-11-23T20:20:28.955"/>
+    </inkml:context>
+    <inkml:brush xml:id="br0">
+      <inkml:brushProperty name="width" value="0.05" units="cm"/>
+      <inkml:brushProperty name="height" value="0.05" units="cm"/>
+      <inkml:brushProperty name="color" value="#FF0066"/>
+    </inkml:brush>
+  </inkml:definitions>
+  <inkml:trace contextRef="#ctx0" brushRef="#br0">346 26 14256,'-8'87'257,"4"-58"1031,-9 67 4,-3 17-876,9-62 372,-39 238 258,34-229-564,-23 82 3,-11 25-388,5-15-97,10-35 8,21-77 34,3-15-20,-33 107 42,12-58 63,28-74-124,-2 3-3,3-9 112,22-92 9,-13 64-66,25-84 3,18-58-46,53-208-14,-105 380 2,17-66-12,55-242 12,-62 258 46,29-158 62,-34 181 154,18-67 104,-22 92-264,7 7 38,3 3-73,-1 1 1,1 0 0,17 11-1,22 17-9,-17-5 110,77 69 4,18 23-114,-72-68 62,248 225-34,-237-219-378,315 239-178,-363-282 160,34 21 0,117 64-310,-8-17 470,-64-31-2426,102 58-7328,-469-256 7435</inkml:trace>
+</inkml:ink>
+</file>
+
+<file path=ppt/ink/ink104.xml><?xml version="1.0" encoding="utf-8"?>
+<inkml:ink xmlns:inkml="http://www.w3.org/2003/InkML">
+  <inkml:definitions>
+    <inkml:context xml:id="ctx0">
+      <inkml:inkSource xml:id="inkSrc0">
+        <inkml:traceFormat>
+          <inkml:channel name="X" type="integer" min="-2.14748E9" max="2.14748E9" units="cm"/>
+          <inkml:channel name="Y" type="integer" min="-2.14748E9" max="2.14748E9" units="cm"/>
+          <inkml:channel name="F" type="integer" max="32767" units="dev"/>
+        </inkml:traceFormat>
+        <inkml:channelProperties>
+          <inkml:channelProperty channel="X" name="resolution" value="1000" units="1/cm"/>
+          <inkml:channelProperty channel="Y" name="resolution" value="1000" units="1/cm"/>
+          <inkml:channelProperty channel="F" name="resolution" value="0" units="1/dev"/>
+        </inkml:channelProperties>
+      </inkml:inkSource>
+      <inkml:timestamp xml:id="ts0" timeString="2022-11-23T20:20:43.956"/>
+    </inkml:context>
+    <inkml:brush xml:id="br0">
+      <inkml:brushProperty name="width" value="0.05" units="cm"/>
+      <inkml:brushProperty name="height" value="0.05" units="cm"/>
+      <inkml:brushProperty name="color" value="#FF0066"/>
+    </inkml:brush>
+  </inkml:definitions>
+  <inkml:trace contextRef="#ctx0" brushRef="#br0">168 399 11208,'38'-22'262,"-38"22"-241,0 0-1,0 0 0,0 0 0,1 0 0,-1 0 1,0 0-1,0 0 0,0 0 0,0 0 1,0 0-1,0 0 0,1 0 0,-1 0 0,0 0 1,0 0-1,0 0 0,0 0 0,0 0 1,0 0-1,0 0 0,1-1 0,-1 1 0,0 0 1,0 0-1,0 0 0,0 0 0,0 0 1,0 0-1,0 0 0,0 0 0,0-1 1,0 1-1,0 0 0,0 0 0,0 0 0,1 0 1,-1 0-1,0 0 0,0-1 0,0 1 1,0 0-1,0 0 0,0 0 0,0 0 0,0 0 1,-1 0-1,1-1 0,0 1 0,0 0 1,0 0-1,0 0 0,0 0 0,0 0 0,0 0 1,0 0-1,0-1 0,0 1 0,0 0 1,0 0-1,0 0 0,-1 0 0,1 0 0,0 0 1,0 0-1,-3-4 231,-1 0 0,0 1-1,0-1 1,0 1 0,-5-3 0,-16-13 452,-28-18-208,52 37-548,0-1 1,0 1 0,1-1-1,-1 1 1,0-1 0,0 0-1,0 0 1,1 1 0,-1-1-1,0 0 1,1 0 0,-1-1 0,-47-76-794,41 62 700,-13-82-1649,3 8-6298</inkml:trace>
+</inkml:ink>
+</file>
+
+<file path=ppt/ink/ink105.xml><?xml version="1.0" encoding="utf-8"?>
+<inkml:ink xmlns:inkml="http://www.w3.org/2003/InkML">
+  <inkml:definitions>
+    <inkml:context xml:id="ctx0">
+      <inkml:inkSource xml:id="inkSrc0">
+        <inkml:traceFormat>
+          <inkml:channel name="X" type="integer" min="-2.14748E9" max="2.14748E9" units="cm"/>
+          <inkml:channel name="Y" type="integer" min="-2.14748E9" max="2.14748E9" units="cm"/>
+          <inkml:channel name="F" type="integer" max="32767" units="dev"/>
+        </inkml:traceFormat>
+        <inkml:channelProperties>
+          <inkml:channelProperty channel="X" name="resolution" value="1000" units="1/cm"/>
+          <inkml:channelProperty channel="Y" name="resolution" value="1000" units="1/cm"/>
+          <inkml:channelProperty channel="F" name="resolution" value="0" units="1/dev"/>
+        </inkml:channelProperties>
+      </inkml:inkSource>
+      <inkml:timestamp xml:id="ts0" timeString="2022-11-23T20:20:47.866"/>
+    </inkml:context>
+    <inkml:brush xml:id="br0">
+      <inkml:brushProperty name="width" value="0.05" units="cm"/>
+      <inkml:brushProperty name="height" value="0.05" units="cm"/>
+      <inkml:brushProperty name="color" value="#FF0066"/>
+    </inkml:brush>
+  </inkml:definitions>
+  <inkml:trace contextRef="#ctx0" brushRef="#br0">139 43 14256,'11'-31'190,"-8"20"632,-6 13-66,-5 14-146,-9 22-73,-45 91 61,36-83-428,24-39 129,2-6-4,1-4-55,2-5-145,-1 0 329,-3 8-419,1 0-1,-1 0 1,1 0 0,0-1-1,-1 1 1,1 0-1,-1 0 1,1 0-1,0 0 1,-1 0-1,1 0 1,-1 0-1,1 0 1,0 0 0,-1 0-1,1 0 1,-1 0-1,1 1 1,0-1-1,-1 0 1,1 0-1,0 0 1,-1 0 0,0 1-1,-3 1 29,-10 2-2864,2 2-6216,28-13 6814</inkml:trace>
+</inkml:ink>
+</file>
+
+<file path=ppt/ink/ink106.xml><?xml version="1.0" encoding="utf-8"?>
+<inkml:ink xmlns:inkml="http://www.w3.org/2003/InkML">
+  <inkml:definitions>
+    <inkml:context xml:id="ctx0">
+      <inkml:inkSource xml:id="inkSrc0">
+        <inkml:traceFormat>
+          <inkml:channel name="X" type="integer" min="-2.14748E9" max="2.14748E9" units="cm"/>
+          <inkml:channel name="Y" type="integer" min="-2.14748E9" max="2.14748E9" units="cm"/>
+          <inkml:channel name="F" type="integer" max="32767" units="dev"/>
+        </inkml:traceFormat>
+        <inkml:channelProperties>
+          <inkml:channelProperty channel="X" name="resolution" value="1000" units="1/cm"/>
+          <inkml:channelProperty channel="Y" name="resolution" value="1000" units="1/cm"/>
+          <inkml:channelProperty channel="F" name="resolution" value="0" units="1/dev"/>
+        </inkml:channelProperties>
+      </inkml:inkSource>
+      <inkml:timestamp xml:id="ts0" timeString="2022-11-23T20:21:02.801"/>
+    </inkml:context>
+    <inkml:brush xml:id="br0">
+      <inkml:brushProperty name="width" value="0.05" units="cm"/>
+      <inkml:brushProperty name="height" value="0.05" units="cm"/>
+      <inkml:brushProperty name="color" value="#FF0066"/>
+    </inkml:brush>
+  </inkml:definitions>
+  <inkml:trace contextRef="#ctx0" brushRef="#br0">3558 642 9864,'8'-12'118,"-3"7"110,-2-1 1,1 0-1,3-6 1,20-49 1557,-5 10 100,-18 39-1383,6-13 115,-10 24-617,0 1 0,0 0 0,0-1-1,0 1 1,0 0 0,-1-1 0,1 1 0,0-1 0,0 1 0,0 0 0,0-1-1,0 1 1,0 0 0,-1-1 0,1 1 0,0 0 0,0-1 0,0 1 0,-1 0-1,1-1 1,-1 1 1,-9-8 2,-51-22 59,42 23 217,-117-34 125,93 30-59,-100-25 1,-28-6-214,96 26 189,-130-22 3,-18-1-216,131 27 111,-145-10 0,-9 6-164,145 12 6,-428-4-10,426 7-186,-379-12-206,397 8-560,-104-17 1,17-5 677,172 27 222,-105-16-2024,-112-14-5452,506 70 5618</inkml:trace>
+</inkml:ink>
+</file>
+
+<file path=ppt/ink/ink107.xml><?xml version="1.0" encoding="utf-8"?>
+<inkml:ink xmlns:inkml="http://www.w3.org/2003/InkML">
+  <inkml:definitions>
+    <inkml:context xml:id="ctx0">
+      <inkml:inkSource xml:id="inkSrc0">
+        <inkml:traceFormat>
+          <inkml:channel name="X" type="integer" min="-2.14748E9" max="2.14748E9" units="cm"/>
+          <inkml:channel name="Y" type="integer" min="-2.14748E9" max="2.14748E9" units="cm"/>
+          <inkml:channel name="F" type="integer" max="32767" units="dev"/>
+        </inkml:traceFormat>
+        <inkml:channelProperties>
+          <inkml:channelProperty channel="X" name="resolution" value="1000" units="1/cm"/>
+          <inkml:channelProperty channel="Y" name="resolution" value="1000" units="1/cm"/>
+          <inkml:channelProperty channel="F" name="resolution" value="0" units="1/dev"/>
+        </inkml:channelProperties>
+      </inkml:inkSource>
+      <inkml:timestamp xml:id="ts0" timeString="2022-11-23T20:21:03.207"/>
+    </inkml:context>
+    <inkml:brush xml:id="br0">
+      <inkml:brushProperty name="width" value="0.05" units="cm"/>
+      <inkml:brushProperty name="height" value="0.05" units="cm"/>
+      <inkml:brushProperty name="color" value="#FF0066"/>
+    </inkml:brush>
+  </inkml:definitions>
+  <inkml:trace contextRef="#ctx0" brushRef="#br0">2984 24 14072,'-306'-11'984,"-260"-2"1774,24 23-1422,339-5-1189,-337 26-318,329-9-269,172-18-127,-166 14-315,196-18 544,-1 2 0,-9 1 1,-31 8-439,-88 30 1,61-7-1254,8-5-6471</inkml:trace>
+</inkml:ink>
+</file>
+
+<file path=ppt/ink/ink108.xml><?xml version="1.0" encoding="utf-8"?>
+<inkml:ink xmlns:inkml="http://www.w3.org/2003/InkML">
+  <inkml:definitions>
+    <inkml:context xml:id="ctx0">
+      <inkml:inkSource xml:id="inkSrc0">
+        <inkml:traceFormat>
+          <inkml:channel name="X" type="integer" min="-2.14748E9" max="2.14748E9" units="cm"/>
+          <inkml:channel name="Y" type="integer" min="-2.14748E9" max="2.14748E9" units="cm"/>
+          <inkml:channel name="F" type="integer" max="32767" units="dev"/>
+        </inkml:traceFormat>
+        <inkml:channelProperties>
+          <inkml:channelProperty channel="X" name="resolution" value="1000" units="1/cm"/>
+          <inkml:channelProperty channel="Y" name="resolution" value="1000" units="1/cm"/>
+          <inkml:channelProperty channel="F" name="resolution" value="0" units="1/dev"/>
+        </inkml:channelProperties>
+      </inkml:inkSource>
+      <inkml:timestamp xml:id="ts0" timeString="2022-11-23T20:21:03.679"/>
+    </inkml:context>
+    <inkml:brush xml:id="br0">
+      <inkml:brushProperty name="width" value="0.05" units="cm"/>
+      <inkml:brushProperty name="height" value="0.05" units="cm"/>
+      <inkml:brushProperty name="color" value="#FF0066"/>
+    </inkml:brush>
+  </inkml:definitions>
+  <inkml:trace contextRef="#ctx0" brushRef="#br0">2767 233 15416,'-48'-34'249,"32"25"997,-104-38 416,112 44-1387,-1 0 1,-12-1-1,-107-23 552,-24 0-586,84 17 141,-121-7 3,-17 4-346,117 10-233,-149 1 1,-15 4 16,145-2-517,-177-8 1,-15-3 349,122 5-2556,-172-5-5620,817 26 6442</inkml:trace>
+</inkml:ink>
+</file>
+
+<file path=ppt/ink/ink109.xml><?xml version="1.0" encoding="utf-8"?>
+<inkml:ink xmlns:inkml="http://www.w3.org/2003/InkML">
+  <inkml:definitions>
+    <inkml:context xml:id="ctx0">
+      <inkml:inkSource xml:id="inkSrc0">
+        <inkml:traceFormat>
+          <inkml:channel name="X" type="integer" min="-2.14748E9" max="2.14748E9" units="cm"/>
+          <inkml:channel name="Y" type="integer" min="-2.14748E9" max="2.14748E9" units="cm"/>
+          <inkml:channel name="F" type="integer" max="32767" units="dev"/>
+        </inkml:traceFormat>
+        <inkml:channelProperties>
+          <inkml:channelProperty channel="X" name="resolution" value="1000" units="1/cm"/>
+          <inkml:channelProperty channel="Y" name="resolution" value="1000" units="1/cm"/>
+          <inkml:channelProperty channel="F" name="resolution" value="0" units="1/dev"/>
+        </inkml:channelProperties>
+      </inkml:inkSource>
+      <inkml:timestamp xml:id="ts0" timeString="2022-11-23T20:21:04.079"/>
+    </inkml:context>
+    <inkml:brush xml:id="br0">
+      <inkml:brushProperty name="width" value="0.05" units="cm"/>
+      <inkml:brushProperty name="height" value="0.05" units="cm"/>
+      <inkml:brushProperty name="color" value="#FF0066"/>
+    </inkml:brush>
+  </inkml:definitions>
+  <inkml:trace contextRef="#ctx0" brushRef="#br0">3419 66 18287,'-49'-4'270,"35"1"1078,-84-27 378,93 29-1639,0-1 0,0 1-1,0 0 1,0 1 0,-9-1-1,-138-10 434,-37 1-533,162 9-280,-42 3 1,69-2 292,-291 19-582,-43 13 288,334-32 294,-151 17-892,-265 34 4,-211 30-1571,-335 41-8947</inkml:trace>
+</inkml:ink>
+</file>
+
 <file path=ppt/ink/ink11.xml><?xml version="1.0" encoding="utf-8"?>
 <inkml:ink xmlns:inkml="http://www.w3.org/2003/InkML">
   <inkml:definitions>
@@ -200,6 +482,286 @@
 </inkml:ink>
 </file>
 
+<file path=ppt/ink/ink110.xml><?xml version="1.0" encoding="utf-8"?>
+<inkml:ink xmlns:inkml="http://www.w3.org/2003/InkML">
+  <inkml:definitions>
+    <inkml:context xml:id="ctx0">
+      <inkml:inkSource xml:id="inkSrc0">
+        <inkml:traceFormat>
+          <inkml:channel name="X" type="integer" min="-2.14748E9" max="2.14748E9" units="cm"/>
+          <inkml:channel name="Y" type="integer" min="-2.14748E9" max="2.14748E9" units="cm"/>
+          <inkml:channel name="F" type="integer" max="32767" units="dev"/>
+        </inkml:traceFormat>
+        <inkml:channelProperties>
+          <inkml:channelProperty channel="X" name="resolution" value="1000" units="1/cm"/>
+          <inkml:channelProperty channel="Y" name="resolution" value="1000" units="1/cm"/>
+          <inkml:channelProperty channel="F" name="resolution" value="0" units="1/dev"/>
+        </inkml:channelProperties>
+      </inkml:inkSource>
+      <inkml:timestamp xml:id="ts0" timeString="2022-11-23T20:20:25.428"/>
+    </inkml:context>
+    <inkml:brush xml:id="br0">
+      <inkml:brushProperty name="width" value="0.05" units="cm"/>
+      <inkml:brushProperty name="height" value="0.05" units="cm"/>
+      <inkml:brushProperty name="color" value="#FF0066"/>
+    </inkml:brush>
+  </inkml:definitions>
+  <inkml:trace contextRef="#ctx0" brushRef="#br0">1 535 10136,'10'-7'13,"-6"4"294,1 0-1,-1 0 1,9-3 0,37-15 1121,-45 19-1156,1 0 1,-1 0-1,1 0 0,0 1 1,6-1-1,5-1-26,52-7 502,79-2 0,-65 7-333,133-4 610,96-9 68,-150-16-782,-69 12-129,-4 3-85,-47 10 143,213-48 91,-198 43-116,256-65 75,-246 62-150,283-67 67,-277 70-14,299-40 89,-293 46-36,128-2 1,9 8-155,-130 4 121,334 31 47,-341-25-240,273 32-26,-290-33-146,215 17-191,-232-20-482,118 21-197,-116-17-1462,52 8-6911,-231-37 7055</inkml:trace>
+</inkml:ink>
+</file>
+
+<file path=ppt/ink/ink111.xml><?xml version="1.0" encoding="utf-8"?>
+<inkml:ink xmlns:inkml="http://www.w3.org/2003/InkML">
+  <inkml:definitions>
+    <inkml:context xml:id="ctx0">
+      <inkml:inkSource xml:id="inkSrc0">
+        <inkml:traceFormat>
+          <inkml:channel name="X" type="integer" min="-2.14748E9" max="2.14748E9" units="cm"/>
+          <inkml:channel name="Y" type="integer" min="-2.14748E9" max="2.14748E9" units="cm"/>
+          <inkml:channel name="F" type="integer" max="32767" units="dev"/>
+        </inkml:traceFormat>
+        <inkml:channelProperties>
+          <inkml:channelProperty channel="X" name="resolution" value="1000" units="1/cm"/>
+          <inkml:channelProperty channel="Y" name="resolution" value="1000" units="1/cm"/>
+          <inkml:channelProperty channel="F" name="resolution" value="0" units="1/dev"/>
+        </inkml:channelProperties>
+      </inkml:inkSource>
+      <inkml:timestamp xml:id="ts0" timeString="2022-11-23T20:20:25.871"/>
+    </inkml:context>
+    <inkml:brush xml:id="br0">
+      <inkml:brushProperty name="width" value="0.05" units="cm"/>
+      <inkml:brushProperty name="height" value="0.05" units="cm"/>
+      <inkml:brushProperty name="color" value="#FF0066"/>
+    </inkml:brush>
+  </inkml:definitions>
+  <inkml:trace contextRef="#ctx0" brushRef="#br0">0 314 14520,'51'3'1665,"26"1"184,39-3 88,-87-2-1790,2 0 406,151-11 133,-136 9-578,91-5 4,16 1-35,-88 3 196,277-21 85,-269 19-212,302-28 77,-298 25 12,309-46 61,-309 43-250,299-52 34,-305 52 42,98-13 3,17 0-100,-25 11-25,-41 10-157,-116 4 59,1 0-1,-1 0 1,1 0 0,-1 0-1,1 1 1,-1 0 0,7 2-1,13 4-294,40 16 0,-45-14 294,-1 2-1,21 14 1,-32-20-654,1 0 0,0 0-1,16 5 1,75 36-9200,-231-107 7500</inkml:trace>
+</inkml:ink>
+</file>
+
+<file path=ppt/ink/ink112.xml><?xml version="1.0" encoding="utf-8"?>
+<inkml:ink xmlns:inkml="http://www.w3.org/2003/InkML">
+  <inkml:definitions>
+    <inkml:context xml:id="ctx0">
+      <inkml:inkSource xml:id="inkSrc0">
+        <inkml:traceFormat>
+          <inkml:channel name="X" type="integer" min="-2.14748E9" max="2.14748E9" units="cm"/>
+          <inkml:channel name="Y" type="integer" min="-2.14748E9" max="2.14748E9" units="cm"/>
+          <inkml:channel name="F" type="integer" max="32767" units="dev"/>
+        </inkml:traceFormat>
+        <inkml:channelProperties>
+          <inkml:channelProperty channel="X" name="resolution" value="1000" units="1/cm"/>
+          <inkml:channelProperty channel="Y" name="resolution" value="1000" units="1/cm"/>
+          <inkml:channelProperty channel="F" name="resolution" value="0" units="1/dev"/>
+        </inkml:channelProperties>
+      </inkml:inkSource>
+      <inkml:timestamp xml:id="ts0" timeString="2022-11-23T20:21:06.369"/>
+    </inkml:context>
+    <inkml:brush xml:id="br0">
+      <inkml:brushProperty name="width" value="0.05" units="cm"/>
+      <inkml:brushProperty name="height" value="0.05" units="cm"/>
+      <inkml:brushProperty name="color" value="#FF0066"/>
+    </inkml:brush>
+  </inkml:definitions>
+  <inkml:trace contextRef="#ctx0" brushRef="#br0">0 1763 9504,'6'5'522,"0"-1"0,1 1 0,-1-1 0,1 0 0,8 3 0,-5-2-134,-4-2-487,0 0 0,0-1 1,0 0-1,1 0 0,12 2 1,-12-3 67,41 8-109,2-4 127,56-4 42,-84-2 119,93-14 88,-91 10 32,96-34 79,-96 28-246,93-67 83,-92 57 104,42-46 4,2-12-205,-63 73-52,-1-1 0,0 0 0,5-8 0,47-84 105,-5-9-98,-46 94-5,6-20 0,-12 34-37,41-134 73,0-43-58,7-173 23,-44 290 156,5-200 127,-9 219 127,0 27-268,-7-169 1084,6 179-1310,1 5 11,0 10-13,1 29-13,1 41-59,-2-77 60,0 0 0,1 0 0,-1 0 0,1 0 0,0 0 0,0 0 1,2 5-1,31 93-420,12 12 370,-20-48-1800,22 64-5533,-112-303 5586</inkml:trace>
+</inkml:ink>
+</file>
+
+<file path=ppt/ink/ink113.xml><?xml version="1.0" encoding="utf-8"?>
+<inkml:ink xmlns:inkml="http://www.w3.org/2003/InkML">
+  <inkml:definitions>
+    <inkml:context xml:id="ctx0">
+      <inkml:inkSource xml:id="inkSrc0">
+        <inkml:traceFormat>
+          <inkml:channel name="X" type="integer" min="-2.14748E9" max="2.14748E9" units="cm"/>
+          <inkml:channel name="Y" type="integer" min="-2.14748E9" max="2.14748E9" units="cm"/>
+          <inkml:channel name="F" type="integer" max="32767" units="dev"/>
+        </inkml:traceFormat>
+        <inkml:channelProperties>
+          <inkml:channelProperty channel="X" name="resolution" value="1000" units="1/cm"/>
+          <inkml:channelProperty channel="Y" name="resolution" value="1000" units="1/cm"/>
+          <inkml:channelProperty channel="F" name="resolution" value="0" units="1/dev"/>
+        </inkml:channelProperties>
+      </inkml:inkSource>
+      <inkml:timestamp xml:id="ts0" timeString="2022-11-23T20:21:07.140"/>
+    </inkml:context>
+    <inkml:brush xml:id="br0">
+      <inkml:brushProperty name="width" value="0.05" units="cm"/>
+      <inkml:brushProperty name="height" value="0.05" units="cm"/>
+      <inkml:brushProperty name="color" value="#FF0066"/>
+    </inkml:brush>
+  </inkml:definitions>
+  <inkml:trace contextRef="#ctx0" brushRef="#br0">571 237 11568,'-2'8'390,"0"0"-1,-1 0 1,0 0 0,0 0 0,-1-1 0,0 0 0,-1 1 0,-6 7 0,-15 12 310,-75 88 99,72-78-592,-36 58-1,36-43-102,17-28 124,-53 115 73,51-104-188,-70 196 51,69-186-24,-39 140 59,46-156-44,4-14-75,-18 50 286,22-64-322,-4 7 84,4-8-127,0 0 1,0 0 0,0 0 0,0 0 0,0-1-1,0 1 1,0 0 0,0 0 0,0 0-1,0 0 1,0 0 0,0 0 0,0 0 0,0 0-1,0 0 1,0 0 0,0 0 0,0 0 0,0 0-1,0 0 1,0 0 0,0 0 0,0 0 0,-1 0-1,1 0 1,0 0 0,0 0 0,0 0-1,0 0 1,0 0 0,0 0 0,0 0 0,0 0-1,0 0 1,0 0 0,0 0 0,0 0 0,0 0-1,0 0 1,0 0 0,0 0 0,0 0 0,0 0-1,0 0 1,0 0 0,2-10 154,9-34-24,10-35-106,43-125-35,-54 175-28,8-22-197,92-231-118,-86 226-8,107-201-116,-104 210 258,99-152-36,-121 192 261,-1 0 0,12-11-1,45-44 14,2 13 44,-62 47-44,0 1 0,0 0 0,1 0 0,-1 0 0,1 1 0,-1-1 0,1 0 0,-1 0 0,1 1 0,-1-1 0,1 1 0,-1 0 0,1-1 0,1 1 0,5-2 30,0 2 0,0-1 0,-1 1 0,1 0 0,8 1 0,-8 1-31,-1 0-1,1 0 1,-1 1-1,0 0 1,8 4-1,-13-6 10,0 1 0,0-1 1,0 0-1,0 1 0,0-1 0,0 1 0,0 0 0,2 2 0,47 53 226,0 19-149,-47-70-36,0 0-1,-1 0 1,6 14 0,36 96 209,0 15-168,-28-78 158,67 213 48,-68-213-370,61 208-192,-63-213-666,49 160-307,-62-206 1165,-1 1 0,1-1 0,0 1 1,-1-1-1,1 0 0,0 0 0,1 0 0,-1 1 0,0-1 0,1 0 0,2 3 0,4 5-161,1-1-1,19 17 1,-21-22 182,-1 0 0,1 0 0,1-1 1,13 6-1,-21-9 33,3 1-254,0 0 1,1 1-1,-1 0 1,0-1-1,0 1 1,0 0-1,4 4 1,50 36-7339,-133-98 5703</inkml:trace>
+</inkml:ink>
+</file>
+
+<file path=ppt/ink/ink114.xml><?xml version="1.0" encoding="utf-8"?>
+<inkml:ink xmlns:inkml="http://www.w3.org/2003/InkML">
+  <inkml:definitions>
+    <inkml:context xml:id="ctx0">
+      <inkml:inkSource xml:id="inkSrc0">
+        <inkml:traceFormat>
+          <inkml:channel name="X" type="integer" min="-2.14748E9" max="2.14748E9" units="cm"/>
+          <inkml:channel name="Y" type="integer" min="-2.14748E9" max="2.14748E9" units="cm"/>
+          <inkml:channel name="F" type="integer" max="32767" units="dev"/>
+        </inkml:traceFormat>
+        <inkml:channelProperties>
+          <inkml:channelProperty channel="X" name="resolution" value="1000" units="1/cm"/>
+          <inkml:channelProperty channel="Y" name="resolution" value="1000" units="1/cm"/>
+          <inkml:channelProperty channel="F" name="resolution" value="0" units="1/dev"/>
+        </inkml:channelProperties>
+      </inkml:inkSource>
+      <inkml:timestamp xml:id="ts0" timeString="2022-11-23T20:21:08.419"/>
+    </inkml:context>
+    <inkml:brush xml:id="br0">
+      <inkml:brushProperty name="width" value="0.05" units="cm"/>
+      <inkml:brushProperty name="height" value="0.05" units="cm"/>
+      <inkml:brushProperty name="color" value="#FF0066"/>
+    </inkml:brush>
+  </inkml:definitions>
+  <inkml:trace contextRef="#ctx0" brushRef="#br0">1050 53 12104,'-20'-5'264,"19"5"-144,0 0 0,1 0 0,-1 0 0,0-1 0,1 1 0,-1 0 1,0-1-1,1 1 0,-1 0 0,0-1 0,1 1 0,-1-1 0,1 1 1,-1-1-1,0 1 0,1-1 0,-1 1 0,1-1 0,0 0 0,-1 1 1,1-1-1,-1-1 0,-5-6 1148,-6-6-49,12 14-1200,0 0 0,0 0 0,0-1 0,0 1 0,-1 0 0,1 0 0,0 0 0,0 0 0,0-1 0,-1 1 0,1 0 0,0 0 0,0 0 0,0 0 0,-1 0 1,1 0-1,0 0 0,0 0 0,-1-1 0,1 1 0,0 0 0,0 0 0,-1 0 0,1 0 0,-1 0 0,-57-11 597,42 11-528,-81 13 37,73-6-52,-108 48 49,103-40 46,-126 82 77,121-74-52,-149 113 103,149-109 26,-105 102 122,136-126-406,0 0 0,0 0 1,0 0-1,1 0 0,-1 0 0,-1 5 1,-34 59 233,12 0-163,25-64-75,0 0 1,0 0-1,0 0 0,1 0 1,-1 0-1,1-1 0,0 7 1,0-9-35,-1 27 139,4 25 0,11 32-21,-14-84-118,1 4 44,0 0 0,0 0 0,0 0 0,0 0 0,1 0 0,2 4 0,36 65 268,13-3-212,-50-66-63,0 0 0,1 0 1,0 0-1,6 5 0,-10-9-37,71 54 187,10-5-127,-48-33 53,132 47 49,-133-54-34,-30-8-115,45 11 152,75 9 1,-111-20-115,10 2-9,0-2-1,38-1 1,76-15-1316,-133 15 1118,0-1-1,0 1 0,0 0 1,1-1-1,-1 0 1,0 0-1,0 1 0,0-1 1,-1 0-1,4-3 0,13-6-2822,-2 2-6830,-38 19 7369</inkml:trace>
+</inkml:ink>
+</file>
+
+<file path=ppt/ink/ink115.xml><?xml version="1.0" encoding="utf-8"?>
+<inkml:ink xmlns:inkml="http://www.w3.org/2003/InkML">
+  <inkml:definitions>
+    <inkml:context xml:id="ctx0">
+      <inkml:inkSource xml:id="inkSrc0">
+        <inkml:traceFormat>
+          <inkml:channel name="X" type="integer" min="-2.14748E9" max="2.14748E9" units="cm"/>
+          <inkml:channel name="Y" type="integer" min="-2.14748E9" max="2.14748E9" units="cm"/>
+          <inkml:channel name="F" type="integer" max="32767" units="dev"/>
+        </inkml:traceFormat>
+        <inkml:channelProperties>
+          <inkml:channelProperty channel="X" name="resolution" value="1000" units="1/cm"/>
+          <inkml:channelProperty channel="Y" name="resolution" value="1000" units="1/cm"/>
+          <inkml:channelProperty channel="F" name="resolution" value="0" units="1/dev"/>
+        </inkml:channelProperties>
+      </inkml:inkSource>
+      <inkml:timestamp xml:id="ts0" timeString="2022-11-23T20:21:08.808"/>
+    </inkml:context>
+    <inkml:brush xml:id="br0">
+      <inkml:brushProperty name="width" value="0.05" units="cm"/>
+      <inkml:brushProperty name="height" value="0.05" units="cm"/>
+      <inkml:brushProperty name="color" value="#FF0066"/>
+    </inkml:brush>
+  </inkml:definitions>
+  <inkml:trace contextRef="#ctx0" brushRef="#br0">49 0 15328,'2'8'28,"-2"-6"149,1 0-1,-1 0 1,0 0-1,0 0 1,0 1-1,0-1 1,0 0-1,-1 3 1,-7 67 1629,6-53-886,-6 104 282,7-92-716,-1 59 1,0 35-390,-1 186-79,3-250 68,-1 233 40,0-240-18,0-24-62,-6 199 108,-4-48-128,9-169-251,1-2-714,2-9 286,3-5-70,22-29-259,-17 25 748,64-49-2263,-3 4-8589</inkml:trace>
+</inkml:ink>
+</file>
+
+<file path=ppt/ink/ink116.xml><?xml version="1.0" encoding="utf-8"?>
+<inkml:ink xmlns:inkml="http://www.w3.org/2003/InkML">
+  <inkml:definitions>
+    <inkml:context xml:id="ctx0">
+      <inkml:inkSource xml:id="inkSrc0">
+        <inkml:traceFormat>
+          <inkml:channel name="X" type="integer" min="-2.14748E9" max="2.14748E9" units="cm"/>
+          <inkml:channel name="Y" type="integer" min="-2.14748E9" max="2.14748E9" units="cm"/>
+          <inkml:channel name="F" type="integer" max="32767" units="dev"/>
+        </inkml:traceFormat>
+        <inkml:channelProperties>
+          <inkml:channelProperty channel="X" name="resolution" value="1000" units="1/cm"/>
+          <inkml:channelProperty channel="Y" name="resolution" value="1000" units="1/cm"/>
+          <inkml:channelProperty channel="F" name="resolution" value="0" units="1/dev"/>
+        </inkml:channelProperties>
+      </inkml:inkSource>
+      <inkml:timestamp xml:id="ts0" timeString="2022-11-23T20:21:09.250"/>
+    </inkml:context>
+    <inkml:brush xml:id="br0">
+      <inkml:brushProperty name="width" value="0.05" units="cm"/>
+      <inkml:brushProperty name="height" value="0.05" units="cm"/>
+      <inkml:brushProperty name="color" value="#FF0066"/>
+    </inkml:brush>
+  </inkml:definitions>
+  <inkml:trace contextRef="#ctx0" brushRef="#br0">244 266 12912,'-1'-32'948,"-5"-49"0,-4 4 2303,8 68-2975,-1-1 0,0 0 0,0 1 0,-5-10 0,4 15-156,-23-10 30,27 14-149,0 0 0,0 0-1,-1 0 1,1-1 0,0 1 0,0 0 0,-1 0 0,1 0 0,0 0 0,0 0 0,-1 0 0,1 0-1,0 0 1,0 0 0,-1 0 0,1 0 0,0 0 0,0 0 0,0 1 0,-1-1 0,1 0 0,0 0-1,0 0 1,-1 0 0,1 0 0,0 0 0,0 0 0,0 1 0,-1-1 0,1 0 0,-8 5 7,1-1 0,-1 2 1,1-1-1,0 1 1,0 0-1,1 0 0,0 1 1,0 0-1,1 0 0,-7 10 1,-52 122 96,58-121 50,-10 78 91,14-76 34,0 80 107,3-81-134,9 63 97,-7-68-124,1-5-165,-1 0-1,2 0 0,-1-1 0,11 15 0,-13-20-51,0-1 0,0 1 0,0-1 0,0 0 0,1 0 0,-1 0 0,1 0 0,-1 0 0,1 0 0,0-1 0,0 1 0,-1-1 0,1 0 0,0 0 0,0 0 0,0 0 0,1 0 0,-1-1 0,0 1 0,0-1 0,5 0 0,7-3 15,-15 3-23,1 0 0,-1 0-1,1 0 1,-1-1 0,1 1 0,-1 0 0,0 0 0,1 0-1,-1-1 1,1 1 0,-1 0 0,0-1 0,1 1-1,-1 0 1,0-1 0,1 1 0,-1-1 0,10-11 5,-1-1 1,12-22 0,-9 11-20,-1-1 1,11-36-1,-17 47 3,39-166-188,-35 132 338,-3 80-11,-4-17 5,4 17 1,88 301 39,-90-321-590,11 21 0,-7-17 288,12 27-117,-8-17-2824,12 25-6968,-56-119 7565</inkml:trace>
+</inkml:ink>
+</file>
+
+<file path=ppt/ink/ink117.xml><?xml version="1.0" encoding="utf-8"?>
+<inkml:ink xmlns:inkml="http://www.w3.org/2003/InkML">
+  <inkml:definitions>
+    <inkml:context xml:id="ctx0">
+      <inkml:inkSource xml:id="inkSrc0">
+        <inkml:traceFormat>
+          <inkml:channel name="X" type="integer" min="-2.14748E9" max="2.14748E9" units="cm"/>
+          <inkml:channel name="Y" type="integer" min="-2.14748E9" max="2.14748E9" units="cm"/>
+          <inkml:channel name="F" type="integer" max="32767" units="dev"/>
+        </inkml:traceFormat>
+        <inkml:channelProperties>
+          <inkml:channelProperty channel="X" name="resolution" value="1000" units="1/cm"/>
+          <inkml:channelProperty channel="Y" name="resolution" value="1000" units="1/cm"/>
+          <inkml:channelProperty channel="F" name="resolution" value="0" units="1/dev"/>
+        </inkml:channelProperties>
+      </inkml:inkSource>
+      <inkml:timestamp xml:id="ts0" timeString="2022-11-23T20:21:09.687"/>
+    </inkml:context>
+    <inkml:brush xml:id="br0">
+      <inkml:brushProperty name="width" value="0.05" units="cm"/>
+      <inkml:brushProperty name="height" value="0.05" units="cm"/>
+      <inkml:brushProperty name="color" value="#FF0066"/>
+    </inkml:brush>
+  </inkml:definitions>
+  <inkml:trace contextRef="#ctx0" brushRef="#br0">524 0 16312,'0'0'6201,"-7"1"-5803,-18 1-326,24-2-75,0 0-1,0 0 1,0 0-1,0 0 1,0 0-1,0 1 1,0-1-1,0 0 1,0 1-1,-2 0 1,-75 39-61,18-4-165,40-23 183,-29 13-1,-106 41-83,103-52 118,43-12 12,2-1 3,-1 0 0,1 0-1,-1-1 1,-12 1 0,14-3 11,15 1-26,43 4-20,-36-3-31,0 2-1,0 0 1,21 7 0,-22-5 20,4 1-189,75 45-90,-76-39 82,58 67-58,-74-77 291,-1 0 0,1 0 1,-1 0-1,0 0 0,0 0 1,1 0-1,0 4 0,37 112-61,-36-93 48,-1 35 0,-3-43 19,-1-1 0,-5 22-1,4-26-6,0-1 1,-1 1-1,0-1 0,-1 0 0,0 0 0,0 0 0,-1-1 0,-1 0 1,-10 12-1,6-8-61,0-2 0,-17 14 0,28-26 34,-1 1 0,1-1 0,-1 1 0,1-1 0,-1 0 0,0 1-1,1-1 1,-1 0 0,1 0 0,-1 1 0,0-1 0,1 0 0,-1 0 0,0 0 0,1 0 0,-1 0 0,0 0-1,0 0 1,-12 0-157,0-1-1,1-1 1,-1 0-1,-21-6 1,33 7 147,0 1-1,0 0 1,0 0 0,0-1 0,0 1 0,0-1-1,0 1 1,1-1 0,-1 1 0,0-1 0,0 1 0,1-1-1,-1 0 1,0 1 0,1-1 0,-1 0 0,-1-1-1,-4-7-225,-1 0 0,-7-14 0,7 7 166,-7-21-1,14 37 106,-1-2-29,0 0-1,0 0 0,1-1 0,-1 1 0,1 0 0,-1-1 1,1-3-1,0 6 30,-1-18-118,3-19 1,9-44-1911,2-45-7878</inkml:trace>
+</inkml:ink>
+</file>
+
+<file path=ppt/ink/ink118.xml><?xml version="1.0" encoding="utf-8"?>
+<inkml:ink xmlns:inkml="http://www.w3.org/2003/InkML">
+  <inkml:definitions>
+    <inkml:context xml:id="ctx0">
+      <inkml:inkSource xml:id="inkSrc0">
+        <inkml:traceFormat>
+          <inkml:channel name="X" type="integer" min="-2.14748E9" max="2.14748E9" units="cm"/>
+          <inkml:channel name="Y" type="integer" min="-2.14748E9" max="2.14748E9" units="cm"/>
+          <inkml:channel name="F" type="integer" max="32767" units="dev"/>
+        </inkml:traceFormat>
+        <inkml:channelProperties>
+          <inkml:channelProperty channel="X" name="resolution" value="1000" units="1/cm"/>
+          <inkml:channelProperty channel="Y" name="resolution" value="1000" units="1/cm"/>
+          <inkml:channelProperty channel="F" name="resolution" value="0" units="1/dev"/>
+        </inkml:channelProperties>
+      </inkml:inkSource>
+      <inkml:timestamp xml:id="ts0" timeString="2022-11-23T20:21:10.053"/>
+    </inkml:context>
+    <inkml:brush xml:id="br0">
+      <inkml:brushProperty name="width" value="0.05" units="cm"/>
+      <inkml:brushProperty name="height" value="0.05" units="cm"/>
+      <inkml:brushProperty name="color" value="#FF0066"/>
+    </inkml:brush>
+  </inkml:definitions>
+  <inkml:trace contextRef="#ctx0" brushRef="#br0">558 0 13272,'-82'5'3422,"66"-4"-2765,-1 0-1,-23 5 0,25-3-522,2-1 274,-21 5-1,16-2-282,-40 10-31,-49 21-87,90-29 26,1 3-4,-31 24 0,38-24 57,5-4-68,1 0 0,0 0 0,0 0 0,1 0 0,-3 12 0,5-9 4,9 15 3,-6-18-23,0-1-1,0 0 1,6 7 0,4 2 8,26 23 1,-15-17 10,-4-1-15,-14-10 2,7 17 4,-11-21-12,0 1 1,0-1-1,-1 1 1,2 8-1,-3 1-7,0-1 1,0 1-1,-2 0 0,-3 17 0,0-13-165,-35 89-200,29-87-480,-62 81-202,51-72-1156,-21 31-6093,100-142 6237</inkml:trace>
+</inkml:ink>
+</file>
+
+<file path=ppt/ink/ink119.xml><?xml version="1.0" encoding="utf-8"?>
+<inkml:ink xmlns:inkml="http://www.w3.org/2003/InkML">
+  <inkml:definitions>
+    <inkml:context xml:id="ctx0">
+      <inkml:inkSource xml:id="inkSrc0">
+        <inkml:traceFormat>
+          <inkml:channel name="X" type="integer" min="-2.14748E9" max="2.14748E9" units="cm"/>
+          <inkml:channel name="Y" type="integer" min="-2.14748E9" max="2.14748E9" units="cm"/>
+          <inkml:channel name="F" type="integer" max="32767" units="dev"/>
+        </inkml:traceFormat>
+        <inkml:channelProperties>
+          <inkml:channelProperty channel="X" name="resolution" value="1000" units="1/cm"/>
+          <inkml:channelProperty channel="Y" name="resolution" value="1000" units="1/cm"/>
+          <inkml:channelProperty channel="F" name="resolution" value="0" units="1/dev"/>
+        </inkml:channelProperties>
+      </inkml:inkSource>
+      <inkml:timestamp xml:id="ts0" timeString="2022-11-23T20:21:33.250"/>
+    </inkml:context>
+    <inkml:brush xml:id="br0">
+      <inkml:brushProperty name="width" value="0.05" units="cm"/>
+      <inkml:brushProperty name="height" value="0.05" units="cm"/>
+      <inkml:brushProperty name="color" value="#FF0066"/>
+    </inkml:brush>
+  </inkml:definitions>
+  <inkml:trace contextRef="#ctx0" brushRef="#br0">1 0 13088,'11'12'438,"-8"-8"-81,1 1-1,0-1 0,0-1 1,0 1-1,1-1 0,-1 1 0,10 4 1,50 22 217,-49-23-689,1-1-1,-1-1 1,20 5-1,15 3-1245,70 17 5,-91-24 1097,52 10 4,43 4-1354,64 13-6184</inkml:trace>
+</inkml:ink>
+</file>
+
 <file path=ppt/ink/ink12.xml><?xml version="1.0" encoding="utf-8"?>
 <inkml:ink xmlns:inkml="http://www.w3.org/2003/InkML">
   <inkml:definitions>
@@ -224,6 +786,290 @@
     </inkml:brush>
   </inkml:definitions>
   <inkml:trace contextRef="#ctx0" brushRef="#br0">374 21 12016,'-8'0'631,"-5"0"1135,-1-3-849,0 0 1,0 1-1,-19 0 0,25 3-824,1-1 0,-1 1 0,1 0 0,-9 3 1,9-2-48,-4 1 167,-4 6-97,0 0 0,0 0 0,1 1-1,-15 15 1,5 2-49,14-14 119,-8 23 22,-21 60-1,33-81-192,3-8 24,0 1 0,1-1 0,-2 13 0,-10 60 130,13-76-157,0-1-1,1 1 1,-1 0 0,1 0-1,0 0 1,0 0-1,1 4 1,0 3 2,-1-1-5,0-7-1,0 0-1,0 0 0,1-1 1,-1 1-1,1 0 1,-1-1-1,1 1 1,0-1-1,1 4 1,1 2 16,1 0 1,-1 0-1,1-1 1,1 1-1,0-1 1,0 0-1,8 9 1,-8-12-20,-3-2-2,1 0 0,0 0-1,0 0 1,6 3-1,-1-1-4,0-1 0,10 3 0,-18-6-1,1 0-1,-1 0 1,0 0 0,1 0 0,-1 0 0,0 1 0,1-2 0,-1 1 0,0 0-1,1 0 1,-1 0 0,1 0 0,-1 0 0,0 0 0,1 0 0,-1 0-1,0 0 1,1-1 0,-1 1 0,0 0 0,0 0 0,1-1 0,8-4-19,-1 0 1,0-1 0,0 0-1,0 0 1,-1-1 0,0 0-1,0 0 1,-1-1-1,8-12 1,-6 8-19,-1 0 1,-1-1-1,0 0 0,-1 0 0,0-1 0,4-21 1,-1-9-8,-7 25 2,1-29 3,-5-11 36,-14-54 126,-10 11 678,24 99-582,3 4-213,0-1 0,-1 0 1,1 0-1,0 0 1,0 0-1,0 0 1,0 0-1,0 0 1,-1 1-1,1-1 0,0 0 1,0 0-1,0 0 1,0 0-1,0 0 1,0 1-1,0-1 1,0 0-1,0 0 0,0 0 1,0 0-1,0 1 1,0-1-1,0 0 1,0 0-1,0 0 1,0 1-1,0-1 1,0 0-1,0 0 0,0 0 1,0 0-1,0 1 1,0-1-1,0 0 1,0 0-1,0 0 1,0 0-1,0 0 0,0 1 1,1-1-1,4 43 181,7 37 68,-2-40-136,3-1-1,1 0 0,23 44 1,-24-57-86,-4-14-149,-1 0 0,2-1 0,13 13 0,-18-20 57,13 10-792,13 4-212,-31-18 1035,1 0 1,-1 0 0,0 0-1,0 0 1,0 0-1,1 1 1,-1-1 0,0 0-1,0 0 1,1 0 0,-1 0-1,0 0 1,0 0-1,1 0 1,-1 0 0,0 0-1,0 0 1,1 0 0,-1 0-1,0 0 1,0-1-1,1 1 1,-1 0 0,0 0-1,0 0 1,1 0 0,-1 0-1,0 0 1,0-1 0,0 1-1,1 0 1,57-38-1189,-39 26-1038,16-10-5912,-82 51 6141</inkml:trace>
+</inkml:ink>
+</file>
+
+<file path=ppt/ink/ink120.xml><?xml version="1.0" encoding="utf-8"?>
+<inkml:ink xmlns:inkml="http://www.w3.org/2003/InkML">
+  <inkml:definitions>
+    <inkml:context xml:id="ctx0">
+      <inkml:inkSource xml:id="inkSrc0">
+        <inkml:traceFormat>
+          <inkml:channel name="X" type="integer" min="-2.14748E9" max="2.14748E9" units="cm"/>
+          <inkml:channel name="Y" type="integer" min="-2.14748E9" max="2.14748E9" units="cm"/>
+          <inkml:channel name="F" type="integer" max="32767" units="dev"/>
+        </inkml:traceFormat>
+        <inkml:channelProperties>
+          <inkml:channelProperty channel="X" name="resolution" value="1000" units="1/cm"/>
+          <inkml:channelProperty channel="Y" name="resolution" value="1000" units="1/cm"/>
+          <inkml:channelProperty channel="F" name="resolution" value="0" units="1/dev"/>
+        </inkml:channelProperties>
+      </inkml:inkSource>
+      <inkml:timestamp xml:id="ts0" timeString="2022-11-23T20:21:33.999"/>
+    </inkml:context>
+    <inkml:brush xml:id="br0">
+      <inkml:brushProperty name="width" value="0.05" units="cm"/>
+      <inkml:brushProperty name="height" value="0.05" units="cm"/>
+      <inkml:brushProperty name="color" value="#FF0066"/>
+    </inkml:brush>
+  </inkml:definitions>
+  <inkml:trace contextRef="#ctx0" brushRef="#br0">407 335 15960,'-1'-71'265,"1"70"-132,0-1-1,0 1 1,0-1 0,0 1 0,0-1 0,0 1-1,1-1 1,-1 1 0,1-2 0,33-78 1593,-24 65-1084,59-55 159,-67 70-779,0-1 0,1 0 1,-1 0-1,0 1 0,4-2 0,91-41 90,-73 38-350,116-9-60,-104 13 218,195 2-44,-182 2-16,187 8-33,-189-8 148,186 8-2,-190-9 22,-8 0 11,154-1 84,-39-4 156,-105 4-100,-56 8-126,-12 2-19,5-6-6,-127 20-31,101-19-136,-98 11 4,-26 0 77,97-11-196,-301 7-78,296-12 260,-296-20-22,305 13 102,-222-33 13,243 33 80,19 3-104,-191-33 978,214 36-814,8 0 44,16-2 19,30 0 0,-38 2-119,24 2 394,92 7 1,30 2-303,-87-6 189,118 7 1,17 1-230,-122-8 142,346 14 93,-346-16-166,308 11 41,-318-10-228,259 21-100,-318-23-77,0 1-1,16 4 1,-31-6 171,148 34-513,-5 10 320,-143-44 193,87 25-2975,87 21-7563,-406-108 7926</inkml:trace>
+</inkml:ink>
+</file>
+
+<file path=ppt/ink/ink121.xml><?xml version="1.0" encoding="utf-8"?>
+<inkml:ink xmlns:inkml="http://www.w3.org/2003/InkML">
+  <inkml:definitions>
+    <inkml:context xml:id="ctx0">
+      <inkml:inkSource xml:id="inkSrc0">
+        <inkml:traceFormat>
+          <inkml:channel name="X" type="integer" min="-2.14748E9" max="2.14748E9" units="cm"/>
+          <inkml:channel name="Y" type="integer" min="-2.14748E9" max="2.14748E9" units="cm"/>
+          <inkml:channel name="F" type="integer" max="32767" units="dev"/>
+        </inkml:traceFormat>
+        <inkml:channelProperties>
+          <inkml:channelProperty channel="X" name="resolution" value="1000" units="1/cm"/>
+          <inkml:channelProperty channel="Y" name="resolution" value="1000" units="1/cm"/>
+          <inkml:channelProperty channel="F" name="resolution" value="0" units="1/dev"/>
+        </inkml:channelProperties>
+      </inkml:inkSource>
+      <inkml:timestamp xml:id="ts0" timeString="2022-11-23T20:23:11.644"/>
+    </inkml:context>
+    <inkml:brush xml:id="br0">
+      <inkml:brushProperty name="width" value="0.1" units="cm"/>
+      <inkml:brushProperty name="height" value="0.1" units="cm"/>
+      <inkml:brushProperty name="color" value="#AE198D"/>
+      <inkml:brushProperty name="inkEffects" value="galaxy"/>
+      <inkml:brushProperty name="anchorX" value="0"/>
+      <inkml:brushProperty name="anchorY" value="0"/>
+      <inkml:brushProperty name="scaleFactor" value="0.5"/>
+    </inkml:brush>
+  </inkml:definitions>
+  <inkml:trace contextRef="#ctx0" brushRef="#br0">16130 4186 12016,'0'0'0,"2"-4"1386,3-4 842,1-4-2785,2-3 2105,1-2-1911,-1-1 1814,0-1-1814,-2 3 1188,-1 4-1009,-1 1 920,0 0-920,-1 2 332,-1 1-164,1 0 80,0-3-80,0 1 108,-1 2-116,1-2 120,-1-4-120,0 2 111,0 2-108,-1-3 106,-1-5-106,0 1 31,0 3-10,-1-6 0,-1-8 0,0-9 0,-1-9 0,-1-6 10,0-2-13,-1 8 60,2 12-73,-3-4 90,-5-9-93,-5-10 56,-5-11-45,-5-11 50,-3-14-53,3 15 35,7 15-29,-2-4 35,-1-9-38,-1-10 106,-1-4-125,3 3 143,2 12-145,5 8 71,2 7-50,3 4 50,2 0-53,2 12 128,2 12-149,1-3 160,1-5-160,1 7 263,0 6-292,1-8 315,0-10-318,2-11 218,2-8-189,0-6 174,2-2-174,-1 12 220,-2 16-233,2-3 250,3-9-253,-1 10 151,0 8-121,0-3 115,1-5-118,-2 8 186,-1 8-205,1-4 223,2-6-225,-2 6 142,-1 7-118,0-4 106,1-4-106,-1 6 115,-2 5-118,0-1 120,-3-2-120,0 5 64,-1 5-48,-7-3 50,-9-5-53,-1 4 72,1 4-77,-9-3 80,-14-4-80,3 4 52,5 3-44,-14-3 40,-20-5-40,5 4 59,9 4-64,-12-4 66,-14-3-66,10 3 141,12 4-163,-10-2 174,-13-2-174,-10-1 80,-6 0-53,5 1 50,13 5 68,13 4-139,9 4 168,2 1-174,1 3 80,-2 2-53,1 1 50,4 2-53,10 0 72,11 0-77,-1 2 90,-7 2-93,5 0 56,6 0-45,-8 1 40,-9 1-40,4-1 12,7-1-4,-9-1 0,-9 1 0,6-2 0,7-1 0,-12-1 0,-17-3 0,-15-2 0,-9-5 0,2 0 0,12-1 0,10 1 10,10 0-13,4-2 14,-1-2-14,10 2 42,10 2-50,-4-2 54,-9 0-54,-9-1 44,-8 0-41,-3 2 40,-1 2-40,12 3 59,14 2-64,0 4 75,-3 4-78,8 1 52,7 0-44,-6 3 40,-10 4-40,6-1 12,6-2-4,-10 1 0,-12 3 0,5-2 0,8-2 0,-7-2 0,-10-5 0,8-2 10,9-1-13,-9-6 14,-11-7-14,7-1 32,10 2-37,-11-6 50,-14-8-53,9 1 82,10 5-90,-13-5 94,-16-6-94,10 4 168,11 5-189,-12-3 200,-17-3-200,10 4 135,15 5-116,-14-1 106,-16-2-106,12 5 59,14 4-46,-12-1 50,-13 0-53,11 3 82,16 3-90,-11 0 94,-13 1-94,13 2 94,14 2-94,-11 1 94,-14 1-94,12 0 94,15 1-94,-12 1 103,-13-1-105,11 1 171,15-1-190,-13 0 200,-14-2-200,10 1 191,15-1-188,-13 0 195,-15-1-198,12 0 294,14 0-321,-12 1 343,-15-1-345,11 1 159,15 0-106,-11 1 90,-14 3-93,13 0 75,13 0-69,-9 1 66,-14 3-66,12 0 85,15-1-91,-9 1 94,-10 1-94,12-1 94,13-2-94,-6 2 94,-8 1-94,10-1 28,11-1-9,-8 1 10,-12 2-13,9-1 32,9-1-37,-7 0 40,-11-1-40,10-1 22,10 0-17,-8-2 23,-10-2-25,8-1 17,11 0-15,-10-1 23,-13-2-25,9 0 17,10 0-15,-8-1 14,-10-1-14,9 0 32,11 1-37,-7 0 40,-9 2-40,9 1 31,10 0-28,-7 3 26,-8 4-26,9 1 17,9-1-15,-3 4 23,-6 5-25,8 0 17,9-2-15,-2 3 14,0 3-14,6-2 4,7-4-1,-4 3 0,-3 3 0,3-3-18,5-3 23,-7 0-17,-9 0 15,4-2-23,4-3 25,-6 0-26,-12-2 26,6-1-54,7-2 62,-11-1-66,-17-1 66,7-1-29,8 0 19,-9-1-5,-10-1 2,8 0-18,11 1 23,-7 0-26,-9-1 26,8 1-54,10 0 62,-5 1-66,-5 2 66,7-1-48,10 2 43,-1 0-40,-1 2 40,8 1-30,6-2 27,-1 4-26,-3 3 26,3-1-17,6 0 15,-3 4-14,-5 6 14,3-1-14,5-3 14,-3 5-14,-5 5 14,4-3 5,4-3-11,-3 3 23,-3 7-25,3-3 26,4-6-26,-1 6 26,-5 5-26,4-5 17,4-4-15,-3 5 23,-3 6-25,2-4 17,5-6-15,-4 7 23,-3 6-25,2-4 7,5-6-2,-3 4 0,-5 5 0,4-6-18,3-6 23,-3 4-17,-5 2 15,3-5-51,4-4 61,-6 1-66,-6 1 66,3-3-29,5-4 19,-7 2-14,-7 0 14,5-2-14,4-3 14,-6 0-5,-11-1 2,5-2-9,6-3 12,-13-2-5,-20-5 2,6-1 0,9 0 0,-13-5 10,-14-4-13,9 0 4,12 1-1,-9-2 10,-13-4-13,11 3 32,13 2-37,-9 0 40,-9 2-40,11 2 68,11 2-76,-5 2 80,-8 4-80,11 2 90,10-1-93,-5 5 103,-5 6-105,8 0 106,9-1-106,-4 4 106,-5 6-106,7-2 106,8-3-106,-3 3 106,-2 2-106,5-3 171,7-4-190,-4 2 200,-4 4-200,4-2 88,5-4-56,-5 4 50,-6 4-53,5-2 72,4-4-77,-5 4 90,-9 1-93,5-2 150,6-5-166,-11 4 183,-14 5-185,4-3 130,7-4-114,-9 2 115,-11 4-118,7-4 176,11-4-192,-9 2 210,-9 3-213,8-3 92,11-4-57,-8 3 50,-8 3-53,7-3 138,10-3-162,-8 2 174,-8 3-174,8-4 127,8-2-113,-5 2 115,-9 1-118,7-2 64,10-3-48,-2 1 50,-3 3-53,9-3 35,7-2-29,-2 3 35,-3 5-38,5-2 106,6-2-125,-3 8 134,-3 9-134,3-1 171,6-4-181,-3 12 195,-2 18-198,3-5 135,4-7-116,1 13 115,2 14-118,4-8 120,2-11-120,2 9 130,3 13-133,0-10 68,1-13-49,2 8 50,1 5-53,-1-9 35,0-12-29,0 5 26,0 6-26,0-9 16,-1-9-13,0 2 22,-1 2-25,0-8 35,-1-6-38,0 1 50,0 3-53,-1-5 35,1-5-29,0 4 26,0 4-27,0-4 18,1-5-14,0 5 22,1 6-25,0-4 44,0-4-49,1 6 62,1 6-66,1-4 77,-1-5-79,1 7 80,3 8-80,-1-4 52,-1-7-44,0 5 40,1 4-40,-2-5 68,0-7-76,0 1 80,0 0-80,-1-5 52,-1-5-44,1-1 40,-1-1-40,0-4 12,0-2-4,-1-1 0,0-1 0,0-1-513,-1-2 659,0 0-732,0 0 733,-1-1-1126,1 0 1238</inkml:trace>
+</inkml:ink>
+</file>
+
+<file path=ppt/ink/ink122.xml><?xml version="1.0" encoding="utf-8"?>
+<inkml:ink xmlns:inkml="http://www.w3.org/2003/InkML">
+  <inkml:definitions>
+    <inkml:context xml:id="ctx0">
+      <inkml:inkSource xml:id="inkSrc0">
+        <inkml:traceFormat>
+          <inkml:channel name="X" type="integer" min="-2.14748E9" max="2.14748E9" units="cm"/>
+          <inkml:channel name="Y" type="integer" min="-2.14748E9" max="2.14748E9" units="cm"/>
+          <inkml:channel name="F" type="integer" max="32767" units="dev"/>
+        </inkml:traceFormat>
+        <inkml:channelProperties>
+          <inkml:channelProperty channel="X" name="resolution" value="1000" units="1/cm"/>
+          <inkml:channelProperty channel="Y" name="resolution" value="1000" units="1/cm"/>
+          <inkml:channelProperty channel="F" name="resolution" value="0" units="1/dev"/>
+        </inkml:channelProperties>
+      </inkml:inkSource>
+      <inkml:timestamp xml:id="ts0" timeString="2022-11-23T20:23:20.147"/>
+    </inkml:context>
+    <inkml:brush xml:id="br0">
+      <inkml:brushProperty name="width" value="0.05" units="cm"/>
+      <inkml:brushProperty name="height" value="0.05" units="cm"/>
+      <inkml:brushProperty name="color" value="#66CC00"/>
+    </inkml:brush>
+  </inkml:definitions>
+  <inkml:trace contextRef="#ctx0" brushRef="#br0">571 35 7448,'-24'-12'181,"23"11"-49,0 1-1,1 0 0,-1-1 1,0 1-1,1 0 1,-1-1-1,1 1 0,-1-1 1,1 1-1,-1-1 1,1 1-1,-1-1 1,0 0-1,1 1-65,0 0 0,0-1 0,0 1 0,0 0 0,0 0 0,0 0 0,0 0 0,0-1 0,1 1 0,-1 0 0,0 0 1,0 0-1,0 0 0,0 0 0,0 0 0,0-1 0,0 1 0,0 0 0,0 0 0,1 0 0,-1 0 0,0 0 0,0 0 0,0 0 0,0 0 0,0 0 0,0 0 0,1 0 0,-1-1 0,0 1 0,0 0 0,0 0 0,0 0 0,1 0 0,16-1 5969,-18 1-5991,1-1-1,0 1 0,0 0 0,0 0 0,0-1 0,0 1 0,0 0 1,0-1-1,0 1 0,-1 0 0,1 0 0,0-1 0,0 1 0,0 0 1,-1 0-1,1-1 0,0 1 0,0 0 0,-1 0 0,1 0 0,0-1 0,0 1 1,-1 0-1,1 0 0,0 0 0,-1 0 0,1 0 0,0 0 0,-1-1 1,-9-2 357,7 3-355,1 0-1,-1 0 1,1 0-1,0 0 0,-1 0 1,1 0-1,-1 1 1,-2 0-1,-4 1 17,4-1 64,0 0 0,1 0 0,-10 3 0,5-1-109,3-2 0,1 1-1,-1 0 0,1 0 1,0 0-1,-8 5 0,5-3 6,-1 0 46,0 1 1,0 1-1,-15 10 0,16-10-38,-1 0 34,0 1 1,0 0-1,0 1 1,1-1-1,1 2 0,-14 16 1,-4 7 22,-37 47 10,23-38 95,-71 63 58,103-98-175,0 1 0,0 0 1,-7 12-1,7-10-50,2 0 63,3 1-37,-1 0 1,2 0-1,-1 0 0,1 0 1,1 1-1,1 17 1,5 15 92,19 62 80,-19-82-183,8 36 46,-9-41-87,-1 1 123,1 0 0,1-1 0,1 0-1,15 29 1,-19-43-82,-1-1 0,1 0 0,-1 0 0,1 0 0,0 0 0,0-1 0,1 1 0,-1-1 0,0 1 1,1-1-1,-1 0 0,8 2 0,-5-1-17,-4-2-16,0-1 0,0 1 1,0-1-1,0 1 0,0-1 0,0 1 1,0-1-1,4 0 0,9 1 47,1-2-1,-1 1 0,17-4 1,-25 3-42,16-7 110,64-38 333,-52 25-168,58-36 260,-49 33-376,-44 24-168,16-9 46,1 1 1,-1 1-1,1 0 0,33-7 1,-35 11-69,-2 0-89,0 1-1,0 0 0,24 0 1,-36 2 28,0 0 0,0 0 1,-1 0-1,1 0 1,0 1-1,0-1 0,0 0 1,-1 1-1,1-1 1,0 0-1,-1 1 1,1-1-1,0 1 0,-1-1 1,1 1-1,-1 0 1,1-1-1,0 1 1,-1-1-1,1 2 0,8 17-981,-6-14 1035,1 7-105,-3-8-18,1 0 0,0 0 0,0 0 0,0 0 0,4 5 0,35 49-746,-27-41-1825,11 18-7455,-59-81 7642</inkml:trace>
+</inkml:ink>
+</file>
+
+<file path=ppt/ink/ink123.xml><?xml version="1.0" encoding="utf-8"?>
+<inkml:ink xmlns:inkml="http://www.w3.org/2003/InkML">
+  <inkml:definitions>
+    <inkml:context xml:id="ctx0">
+      <inkml:inkSource xml:id="inkSrc0">
+        <inkml:traceFormat>
+          <inkml:channel name="X" type="integer" min="-2.14748E9" max="2.14748E9" units="cm"/>
+          <inkml:channel name="Y" type="integer" min="-2.14748E9" max="2.14748E9" units="cm"/>
+          <inkml:channel name="F" type="integer" max="32767" units="dev"/>
+        </inkml:traceFormat>
+        <inkml:channelProperties>
+          <inkml:channelProperty channel="X" name="resolution" value="1000" units="1/cm"/>
+          <inkml:channelProperty channel="Y" name="resolution" value="1000" units="1/cm"/>
+          <inkml:channelProperty channel="F" name="resolution" value="0" units="1/dev"/>
+        </inkml:channelProperties>
+      </inkml:inkSource>
+      <inkml:timestamp xml:id="ts0" timeString="2022-11-23T20:23:21.844"/>
+    </inkml:context>
+    <inkml:brush xml:id="br0">
+      <inkml:brushProperty name="width" value="0.05" units="cm"/>
+      <inkml:brushProperty name="height" value="0.05" units="cm"/>
+      <inkml:brushProperty name="color" value="#66CC00"/>
+    </inkml:brush>
+  </inkml:definitions>
+  <inkml:trace contextRef="#ctx0" brushRef="#br0">31 2 12464,'11'3'2425,"-18"-4"-225,4 1-1698,1-1-278,0 0 1,-1 0 0,1 1-1,-1 0 1,-3-1-1,5 1-200,1 0 0,-1 0 0,1 0-1,-1 1 1,1-1 0,-1 0 0,1 0-1,-1 0 1,1 0 0,-1 0-1,1 1 1,-1-1 0,1 0 0,-1 1-1,1-1 1,-1 0 0,1 1 0,0-1-1,-1 0 1,1 1 0,0-1-1,-1 1 1,1-1 0,0 0 0,-1 1-1,1-1 1,0 1 0,0-1 0,0 1-1,0-1 1,-1 1 0,1-1 0,0 1-1,0-1 1,0 2 0,0 2 71,-1 7 95,1 0-1,2 20 1,11 65 198,-10-74-122,13 109 108,-13-103-108,5 128 100,-8-126-138,0-25-193,-5 149 328,-2-88-233,5-50-105,0-1 0,-9 28-1,11-43-30,-1 1-1,1-1 0,0 1 0,0-1 1,0 0-1,-1 1 0,1-1 0,0 1 1,0-1-1,-1 0 0,1 1 1,0-1-1,-1 0 0,1 1 0,0-1 1,-1 0-1,1 1 0,-1-1 0,1 0 1,-1 0-1,0 1 0,1-2-16,0 1 0,0 0 0,-1 0 0,1 0 0,0 0 0,0 0 0,-1 0-1,1-1 1,0 1 0,0 0 0,-1 0 0,1 0 0,0-1 0,0 1 0,0 0 0,-1 0 0,1-1 0,0 1-1,0 0 1,0 0 0,0-1 0,0 1 0,0 0 0,0-1 0,0 1 0,-1 0 0,1 0 0,0-1-1,0 1 1,0 0 0,0-1 0,1 1 0,-1 0 0,0-1 0,0 1 0,0 0 0,5-61-920,-3 49 358,0 0 0,7-20-1,-6 21 493,-2 7 25,1-1 1,-1 0-1,1 1 1,1 0-1,-1-1 0,3-4 1,6-9-2137,11-23-9056</inkml:trace>
+</inkml:ink>
+</file>
+
+<file path=ppt/ink/ink124.xml><?xml version="1.0" encoding="utf-8"?>
+<inkml:ink xmlns:inkml="http://www.w3.org/2003/InkML">
+  <inkml:definitions>
+    <inkml:context xml:id="ctx0">
+      <inkml:inkSource xml:id="inkSrc0">
+        <inkml:traceFormat>
+          <inkml:channel name="X" type="integer" min="-2.14748E9" max="2.14748E9" units="cm"/>
+          <inkml:channel name="Y" type="integer" min="-2.14748E9" max="2.14748E9" units="cm"/>
+          <inkml:channel name="F" type="integer" max="32767" units="dev"/>
+        </inkml:traceFormat>
+        <inkml:channelProperties>
+          <inkml:channelProperty channel="X" name="resolution" value="1000" units="1/cm"/>
+          <inkml:channelProperty channel="Y" name="resolution" value="1000" units="1/cm"/>
+          <inkml:channelProperty channel="F" name="resolution" value="0" units="1/dev"/>
+        </inkml:channelProperties>
+      </inkml:inkSource>
+      <inkml:timestamp xml:id="ts0" timeString="2022-11-23T20:23:22.459"/>
+    </inkml:context>
+    <inkml:brush xml:id="br0">
+      <inkml:brushProperty name="width" value="0.05" units="cm"/>
+      <inkml:brushProperty name="height" value="0.05" units="cm"/>
+      <inkml:brushProperty name="color" value="#66CC00"/>
+    </inkml:brush>
+  </inkml:definitions>
+  <inkml:trace contextRef="#ctx0" brushRef="#br0">770 12 13984,'-16'2'1045,"-4"-1"1860,20-1-2808,-1-1 0,0 1 0,0 0 0,0 0 0,0-1-1,1 1 1,-1 0 0,0-1 0,0 1 0,0-1 0,1 1 0,-1-1 0,0 1 0,1-1 0,-1 1 0,0-1 0,1 0-1,-2-1 1,2 2-3,-1-1 0,1 1 0,-1-1-1,0 1 1,0-1 0,1 1-1,-1 0 1,0-1 0,0 1-1,1 0 1,-1 0 0,0 0 0,0-1-1,0 1 1,1 0 0,-1 0-1,0 0 1,0 0 0,0 0 0,0 0-1,1 1 1,-1-1 0,0 0-1,0 0 1,-1 1 0,-23 9-168,18-7 205,-18 5-6,-28 6 0,44-12-95,-10 1 156,-96 13 46,90-12-192,-229 22 102,141-18-152,89-6-127,24-2 104,-1 0 1,1-1-1,0 1 0,-1 0 0,1 1 1,0-1-1,-1 0 0,1 0 0,0 0 1,0 0-1,-1 0 0,1 0 1,0 0-1,-1 0 0,1 0 0,0 1 1,-1-1-1,1 0 0,0 0 1,0 0-1,-1 1 0,1-1 0,0 1 1,-3 2-115,1 0 1,0 0 0,0 0 0,0 1 0,0-1-1,0 1 1,1-1 0,0 1 0,-1 0-1,1-1 1,1 1 0,-1 0 0,1 0 0,-1 0-1,1 0 1,0 0 0,1 6 0,-1 1 39,0-7 61,1 1-1,-1 0 1,1 0-1,0 0 1,1 5-1,21 67-2466,-4-7-8893</inkml:trace>
+</inkml:ink>
+</file>
+
+<file path=ppt/ink/ink125.xml><?xml version="1.0" encoding="utf-8"?>
+<inkml:ink xmlns:inkml="http://www.w3.org/2003/InkML">
+  <inkml:definitions>
+    <inkml:context xml:id="ctx0">
+      <inkml:inkSource xml:id="inkSrc0">
+        <inkml:traceFormat>
+          <inkml:channel name="X" type="integer" min="-2.14748E9" max="2.14748E9" units="cm"/>
+          <inkml:channel name="Y" type="integer" min="-2.14748E9" max="2.14748E9" units="cm"/>
+          <inkml:channel name="F" type="integer" max="32767" units="dev"/>
+        </inkml:traceFormat>
+        <inkml:channelProperties>
+          <inkml:channelProperty channel="X" name="resolution" value="1000" units="1/cm"/>
+          <inkml:channelProperty channel="Y" name="resolution" value="1000" units="1/cm"/>
+          <inkml:channelProperty channel="F" name="resolution" value="0" units="1/dev"/>
+        </inkml:channelProperties>
+      </inkml:inkSource>
+      <inkml:timestamp xml:id="ts0" timeString="2022-11-23T20:23:22.948"/>
+    </inkml:context>
+    <inkml:brush xml:id="br0">
+      <inkml:brushProperty name="width" value="0.05" units="cm"/>
+      <inkml:brushProperty name="height" value="0.05" units="cm"/>
+      <inkml:brushProperty name="color" value="#66CC00"/>
+    </inkml:brush>
+  </inkml:definitions>
+  <inkml:trace contextRef="#ctx0" brushRef="#br0">773 19 13176,'-8'-4'199,"6"3"-36,0 0-1,0 0 0,0 0 0,0 0 1,0 0-1,1 0 0,-1 0 0,0-1 1,1 1-1,-6-3 4507,-2 5-3759,3 0-554,-12 3 132,-172 36 1166,66-11-1208,24-5-244,-24 10-92,25-6-241,88-25 21,0 0 0,1 1 0,-21 11 0,31-15 68,-1 0 1,1 0-1,0 0 0,0 0 1,0 0-1,-1 1 1,1-1-1,0 0 0,0 0 1,0 0-1,-1 0 1,1 0-1,0 1 0,0-1 1,0 0-1,0 0 0,0 0 1,0 1-1,-1-1 1,1 0-1,0 0 0,0 1 1,0-1-1,0 0 1,0 0-1,0 0 0,0 1 1,-1 19-938,1 12-2073,-2-8-6610,4-55 7258</inkml:trace>
+</inkml:ink>
+</file>
+
+<file path=ppt/ink/ink126.xml><?xml version="1.0" encoding="utf-8"?>
+<inkml:ink xmlns:inkml="http://www.w3.org/2003/InkML">
+  <inkml:definitions>
+    <inkml:context xml:id="ctx0">
+      <inkml:inkSource xml:id="inkSrc0">
+        <inkml:traceFormat>
+          <inkml:channel name="X" type="integer" min="-2.14748E9" max="2.14748E9" units="cm"/>
+          <inkml:channel name="Y" type="integer" min="-2.14748E9" max="2.14748E9" units="cm"/>
+          <inkml:channel name="F" type="integer" max="32767" units="dev"/>
+        </inkml:traceFormat>
+        <inkml:channelProperties>
+          <inkml:channelProperty channel="X" name="resolution" value="1000" units="1/cm"/>
+          <inkml:channelProperty channel="Y" name="resolution" value="1000" units="1/cm"/>
+          <inkml:channelProperty channel="F" name="resolution" value="0" units="1/dev"/>
+        </inkml:channelProperties>
+      </inkml:inkSource>
+      <inkml:timestamp xml:id="ts0" timeString="2022-11-23T20:23:23.645"/>
+    </inkml:context>
+    <inkml:brush xml:id="br0">
+      <inkml:brushProperty name="width" value="0.05" units="cm"/>
+      <inkml:brushProperty name="height" value="0.05" units="cm"/>
+      <inkml:brushProperty name="color" value="#66CC00"/>
+    </inkml:brush>
+  </inkml:definitions>
+  <inkml:trace contextRef="#ctx0" brushRef="#br0">74 0 14256,'-8'19'2133,"2"-6"495,4-12-1523,1-1-1079,1 0 0,0 1 0,0-1-1,0 0 1,0 0 0,0 0 0,0 0 0,0 0 0,0 0 0,0 0-1,0 0 1,-1 0 0,1 1 0,0-1 0,0 0 0,0 0-1,0 0 1,0 0 0,0 0 0,0 0 0,0 1 0,0-1-1,0 0 1,0 0 0,0 0 0,0 0 0,0 0 0,0 0 0,0 1-1,0-1 1,0 0 0,0 0 0,0 0 0,0 0 0,1 0-1,-1 0 1,0 0 0,0 1 0,0-1 0,0 0 0,0 0 0,0 0-1,3 12 37,-3 63-35,-7 54 182,5-108-195,-1 8 34,-14 121 26,13-120-12,-13 109 27,14-113-34,2-16-57,-5 109-132,7-54-224,-1-63 247,0 0 0,0 0 0,0 0 0,0 0 0,1 0 0,-1 0 0,1 0 0,-1 0 0,1 0 0,-1 0 0,1-1 0,0 1 0,0 0 0,0 0 0,0-1-1,3 4 1,-4-5 50,0 0 0,1 0 0,-1 0-1,0 0 1,1 1 0,-1-1 0,0 0-1,1 0 1,-1 0 0,1 0-1,-1 0 1,0 0 0,1 0 0,-1 0-1,1 0 1,-1 0 0,0 0 0,1 0-1,-1 0 1,1 0 0,-1-1-1,0 1 1,1 0 0,-1 0 0,0 0-1,1 0 1,-1-1 0,1 1 0,-1 0 44,4-4-200,0 0-1,-1-1 1,1 1 0,-1-1-1,6-9 1,-3 3-1328,14-20-8528</inkml:trace>
+</inkml:ink>
+</file>
+
+<file path=ppt/ink/ink127.xml><?xml version="1.0" encoding="utf-8"?>
+<inkml:ink xmlns:inkml="http://www.w3.org/2003/InkML">
+  <inkml:definitions>
+    <inkml:context xml:id="ctx0">
+      <inkml:inkSource xml:id="inkSrc0">
+        <inkml:traceFormat>
+          <inkml:channel name="X" type="integer" min="-2.14748E9" max="2.14748E9" units="cm"/>
+          <inkml:channel name="Y" type="integer" min="-2.14748E9" max="2.14748E9" units="cm"/>
+          <inkml:channel name="F" type="integer" max="32767" units="dev"/>
+        </inkml:traceFormat>
+        <inkml:channelProperties>
+          <inkml:channelProperty channel="X" name="resolution" value="1000" units="1/cm"/>
+          <inkml:channelProperty channel="Y" name="resolution" value="1000" units="1/cm"/>
+          <inkml:channelProperty channel="F" name="resolution" value="0" units="1/dev"/>
+        </inkml:channelProperties>
+      </inkml:inkSource>
+      <inkml:timestamp xml:id="ts0" timeString="2022-11-23T20:23:24.265"/>
+    </inkml:context>
+    <inkml:brush xml:id="br0">
+      <inkml:brushProperty name="width" value="0.05" units="cm"/>
+      <inkml:brushProperty name="height" value="0.05" units="cm"/>
+      <inkml:brushProperty name="color" value="#66CC00"/>
+    </inkml:brush>
+  </inkml:definitions>
+  <inkml:trace contextRef="#ctx0" brushRef="#br0">341 65 11032,'-7'2'-225,"4"-1"425,0 0 0,-1-1 0,1 1 0,0 0 1,0-1-1,-1 0 0,1 0 0,0 0 0,-1 0 0,1 0 1,0-1-1,-4 0 0,5 0-18,1 0 1,0 0 0,-1 0-1,1 0 1,0 0-1,0-1 1,0 1-1,0 0 1,0-1-1,0 1 1,0 0-1,0-1 1,0 1-1,0-3 1,0 2-110,0 0 0,0 0 0,0 0 0,-1 0 1,1 0-1,-1 0 0,1 0 0,-1 0 0,0 1 0,-2-3 0,-8-3 160,-17-9 0,18 14 55,-49 2 102,59 0-371,0 0-1,0 0 0,0 0 0,0 0 0,0 1 1,0-1-1,0 0 0,0 0 0,0 1 0,-1 0 0,-59 29 256,50-22-106,-2 6-43,-15 25 0,22-27 97,3 5-155,0-1 0,2 0 0,-1 1-1,2-1 1,0 1 0,1-1 0,1 0 0,0 1 0,8 25 0,-5-25-1,0-1 0,1 0 0,1 0 1,1-1-1,0 1 0,1-2 0,0 1 0,1-1 0,19 20 0,-22-27-28,-6-5-10,0 0 0,1 0 1,0-1-1,-1 1 1,1-1-1,0 1 0,0-1 1,0 0-1,0 0 0,2 1 1,4 3 30,1-1 0,-1 0 0,1 0 0,0-1-1,0 0 1,0-1 0,0 0 0,13 1 0,-6-3-18,-10-1 20,-1 1 0,1 0 0,0 1 0,9 1 0,-14-2-35,0 0-24,-1 0 1,0 1 0,0-1 0,1 0 0,-1 0-1,0 0 1,0 0 0,0 0 0,1 0 0,-1 0-1,0 0 1,0 0 0,1 0 0,-1 0 0,0 0-1,0 0 1,1 0 0,-1 0 0,0 0 0,0 0-1,1 0 1,-1-1 0,0 1 0,0 0 0,1 0-1,-1 0 1,0 0 0,0 0 0,0 0 0,0-1-1,1 1 1,-1 0 0,0 0 0,0 0 0,0-1-1,0 1 1,0 0 0,1 0 0,-1 0 0,0-1-1,0 1 1,0 0 0,0 0 0,0-1 0,0 1 0,0 0-1,0 0 1,0-1 0,0 1 0,0 0 0,0 0-1,0-1 1,0 1 0,7-76 154,-6 68-158,1-22 17,-2-41 1,-2 32 29,1 9 59,-2 0 1,-1 0 0,-9-32-1,13 61-70,-2-3 123,2 4-157,0 0 0,0 0 0,0 0 1,0 0-1,0 0 0,0 0 0,0 0 1,0 0-1,0 0 0,1 0 0,-1 0 1,0 0-1,0 0 0,0 0 0,0 0 1,0 0-1,0 0 0,0 1 0,0-1 1,-1 0-1,1 0 0,0 0 0,0 0 1,0 0-1,0 0 0,0 0 0,0 0 1,0 0-1,0 0 0,0 0 0,0 0 1,0 0-1,0 0 0,0 0 0,0 0 1,0 0-1,0 0 0,0 0 0,0 0 1,0 0-1,0 0 0,0 1 0,0-1 1,0 0-1,0 0 0,-1 0 0,1 0 1,0 0-1,0 0 0,0 0 0,0 0 1,0 0-1,0 0 0,0 0 0,0 0 1,0 0-1,0 0 0,0 0 0,0 0 1,0-1-1,0 1 0,0 0 0,0 0 1,0 0-1,-1 0 0,1 0 0,0 0 1,2 4 106,58 103 297,-21-41-148,-26-45-233,0 0 0,2-1 0,0-1-1,2-1 1,20 19 0,-30-29-18,-5-6-9,0 0 1,0 0 0,0 0-1,1 0 1,-1-1-1,0 1 1,5 2 0,0 0 24,2 1-263,-1 0 1,1 0-1,0-1 0,0 0 0,0-1 0,1 0 0,-1 0 0,19 2 0,-20-5-381,17 2-2985,-9-1-5635,-37-3 6970</inkml:trace>
+</inkml:ink>
+</file>
+
+<file path=ppt/ink/ink128.xml><?xml version="1.0" encoding="utf-8"?>
+<inkml:ink xmlns:inkml="http://www.w3.org/2003/InkML">
+  <inkml:definitions>
+    <inkml:context xml:id="ctx0">
+      <inkml:inkSource xml:id="inkSrc0">
+        <inkml:traceFormat>
+          <inkml:channel name="X" type="integer" min="-2.14748E9" max="2.14748E9" units="cm"/>
+          <inkml:channel name="Y" type="integer" min="-2.14748E9" max="2.14748E9" units="cm"/>
+          <inkml:channel name="F" type="integer" max="32767" units="dev"/>
+        </inkml:traceFormat>
+        <inkml:channelProperties>
+          <inkml:channelProperty channel="X" name="resolution" value="1000" units="1/cm"/>
+          <inkml:channelProperty channel="Y" name="resolution" value="1000" units="1/cm"/>
+          <inkml:channelProperty channel="F" name="resolution" value="0" units="1/dev"/>
+        </inkml:channelProperties>
+      </inkml:inkSource>
+      <inkml:timestamp xml:id="ts0" timeString="2022-11-23T20:23:24.737"/>
+    </inkml:context>
+    <inkml:brush xml:id="br0">
+      <inkml:brushProperty name="width" value="0.05" units="cm"/>
+      <inkml:brushProperty name="height" value="0.05" units="cm"/>
+      <inkml:brushProperty name="color" value="#66CC00"/>
+    </inkml:brush>
+  </inkml:definitions>
+  <inkml:trace contextRef="#ctx0" brushRef="#br0">434 13 14520,'-5'5'-430,"1"0"1237,-2 1 0,1-1 0,0 0 0,-8 4 0,10-10 99,-12-10 218,9 6-782,0 0 1,-11-6-1,-7-1-202,23 12-124,1-1 1,-1 1-1,0 0 1,1-1-1,-1 1 0,0 0 1,0 0-1,1-1 1,-1 1-1,0 0 1,0 0-1,-1 0 0,-62 0 264,50 2-160,-62 26 51,64-22-113,0 0 0,0 1-1,1 0 1,-12 10 0,11-9-31,-1 2 54,1-1 1,-13 14-1,18-17-64,5-4-6,0-1 0,1 1-1,-1 0 1,0 0-1,1 0 1,0 0 0,-1 0-1,1 0 1,0 0 0,0 1-1,0-1 1,-1 3 0,1-2 4,1-3-13,0 0 1,0 0-1,0 0 1,0 0-1,0 0 1,0 0 0,0 1-1,0-1 1,0 0-1,0 0 1,0 0-1,0 0 1,0 0 0,0 0-1,0 1 1,0-1-1,0 0 1,0 0 0,0 0-1,0 0 1,0 0-1,0 0 1,0 0-1,0 1 1,0-1 0,0 0-1,1 0 1,-1 0-1,0 0 1,0 0-1,0 0 1,0 0 0,0 0-1,0 0 1,0 1-1,0-1 1,0 0-1,1 0 1,-1 0 0,0 0-1,0 0 1,3 2 13,0 0 1,0 0 0,1 0-1,-1-1 1,0 1 0,1-1-1,-1 0 1,8 1 0,1 0 0,23 1 1,14-3-11,49-2-10,-80 2-42,69 7-39,-72-3-90,49 26-76,-64-30 233,1 1 1,0-1-1,0 1 1,0-1 0,-1 1-1,1-1 1,0 1-1,-1 0 1,1-1 0,0 1-1,-1 0 1,1 1-1,1 0-22,1 2 21,0-1 0,-1 1 1,0 0-1,0 0 1,0 0-1,0 0 0,-1 0 1,1 0-1,-1 0 0,0 0 1,0 0-1,-1 1 1,1-1-1,-1 8 0,-2-1 3,1 0-1,-2-1 0,-6 20 1,2-18-59,-1-3 47,0-1-1,-1 0 1,0 0-1,-1-1 1,0 0-1,0-1 1,-17 8-1,18-10 0,3-1-39,0-1 0,0 0 0,0-1-1,-7 2 1,-78 9-2446,91-12 2484,0 0-1,0 0 1,0 0 0,-1 0-1,1 0 1,0 1-1,0-1 1,0 0 0,0 0-1,-1 0 1,1 0 0,0 0-1,0 0 1,0 0 0,0 0-1,-1 0 1,1 0-1,0 0 1,0 0 0,0 0-1,0 0 1,0-1 0,-1 1-1,1 0 1,0 0-1,0 0 1,0 0 0,0 0-1,0 0 1,-1 0 0,1 0-1,0 0 1,0-1-1,0 1 1,0 0 0,0 0-1,0 0 1,0 0 0,0 0-1,-1-1 1,1 1-1,0 0 1,0 0 0,0 0-1,0 0 1,0 0 0,0-1-1,0 1 1,-1-4-2361</inkml:trace>
+</inkml:ink>
+</file>
+
+<file path=ppt/ink/ink129.xml><?xml version="1.0" encoding="utf-8"?>
+<inkml:ink xmlns:inkml="http://www.w3.org/2003/InkML">
+  <inkml:definitions>
+    <inkml:context xml:id="ctx0">
+      <inkml:inkSource xml:id="inkSrc0">
+        <inkml:traceFormat>
+          <inkml:channel name="X" type="integer" min="-2.14748E9" max="2.14748E9" units="cm"/>
+          <inkml:channel name="Y" type="integer" min="-2.14748E9" max="2.14748E9" units="cm"/>
+          <inkml:channel name="F" type="integer" max="32767" units="dev"/>
+        </inkml:traceFormat>
+        <inkml:channelProperties>
+          <inkml:channelProperty channel="X" name="resolution" value="1000" units="1/cm"/>
+          <inkml:channelProperty channel="Y" name="resolution" value="1000" units="1/cm"/>
+          <inkml:channelProperty channel="F" name="resolution" value="0" units="1/dev"/>
+        </inkml:channelProperties>
+      </inkml:inkSource>
+      <inkml:timestamp xml:id="ts0" timeString="2022-11-23T20:23:25.206"/>
+    </inkml:context>
+    <inkml:brush xml:id="br0">
+      <inkml:brushProperty name="width" value="0.05" units="cm"/>
+      <inkml:brushProperty name="height" value="0.05" units="cm"/>
+      <inkml:brushProperty name="color" value="#66CC00"/>
+    </inkml:brush>
+  </inkml:definitions>
+  <inkml:trace contextRef="#ctx0" brushRef="#br0">351 1 13720,'0'0'1400,"-7"4"-234,-29 21-91,-63 42 593,57-41-1592,9-5 15,1 3 1,-30 28-1,55-46 15,1 0-1,0 0 0,0 1 1,-6 9-1,12-16-92,0 1 0,-1-1 0,1 1 0,0-1 0,-1 1 0,1-1 0,0 1 0,0-1 0,0 1 0,-1 0 0,1-1 0,0 1 1,0-1-1,0 1 0,0 0 0,0-1 0,0 1 0,0-1 0,0 1 0,0 0 0,0-1 0,1 1 0,-1-1 0,0 2 0,1-1 6,0-1-1,-1 1 1,1 0-1,0-1 1,-1 1-1,1 0 1,0-1 0,0 1-1,-1-1 1,1 0-1,0 1 1,0-1 0,0 1-1,1-1 1,3 1 17,0 0 1,0 0-1,0 0 0,8-1 1,8 0 48,5 0-62,1 0-20,38 0-3,78 9 1,-135-8-5,-1 0 0,1 1 1,-1 0-1,0 0 0,1 1 1,-1 0-1,0 0 0,8 5 1,-12-6-2,-1 0 1,1 0 0,-1 0 0,0 0 0,1 1-1,-1-1 1,0 1 0,0-1 0,-1 1 0,1 0-1,0 0 1,-1 0 0,0 0 0,1 0 0,-1 0 0,-1 0-1,1 0 1,0 1 0,-1-1 0,1 0 0,-1 6-1,0-4-2,-1-1 0,1 1 0,-1 0 0,0 0 0,0 0 0,0 0 0,-1-1 0,0 1 0,0-1 0,0 1-1,0-1 1,-4 5 0,-1 0-12,1-1 0,-2 0 0,1-1 0,-17 13-1,16-13-3,-20 12-518,-45 23-179,8-6-978,33-17 1468,-17 7-1989,3-2-8041</inkml:trace>
 </inkml:ink>
 </file>
 
@@ -255,6 +1101,286 @@
 </inkml:ink>
 </file>
 
+<file path=ppt/ink/ink130.xml><?xml version="1.0" encoding="utf-8"?>
+<inkml:ink xmlns:inkml="http://www.w3.org/2003/InkML">
+  <inkml:definitions>
+    <inkml:context xml:id="ctx0">
+      <inkml:inkSource xml:id="inkSrc0">
+        <inkml:traceFormat>
+          <inkml:channel name="X" type="integer" min="-2.14748E9" max="2.14748E9" units="cm"/>
+          <inkml:channel name="Y" type="integer" min="-2.14748E9" max="2.14748E9" units="cm"/>
+          <inkml:channel name="F" type="integer" max="32767" units="dev"/>
+        </inkml:traceFormat>
+        <inkml:channelProperties>
+          <inkml:channelProperty channel="X" name="resolution" value="1000" units="1/cm"/>
+          <inkml:channelProperty channel="Y" name="resolution" value="1000" units="1/cm"/>
+          <inkml:channelProperty channel="F" name="resolution" value="0" units="1/dev"/>
+        </inkml:channelProperties>
+      </inkml:inkSource>
+      <inkml:timestamp xml:id="ts0" timeString="2022-11-23T20:23:25.558"/>
+    </inkml:context>
+    <inkml:brush xml:id="br0">
+      <inkml:brushProperty name="width" value="0.05" units="cm"/>
+      <inkml:brushProperty name="height" value="0.05" units="cm"/>
+      <inkml:brushProperty name="color" value="#66CC00"/>
+    </inkml:brush>
+  </inkml:definitions>
+  <inkml:trace contextRef="#ctx0" brushRef="#br0">12 1305 13272,'-6'6'41,"6"-6"151,0 0 0,-1 1 0,1-1 0,-1 0 0,1 1 0,-1-1 0,1 0 0,0 1 0,-1-1 0,1 1 0,0-1 0,0 1 0,-1-1 0,1 1 0,0-1 0,0 1 0,-1 0 0,3-2 314,1 0 0,-1 0 0,0 0 0,0-1 0,4-2 0,9-9-464,-1 0 0,0-2-1,-1 0 1,-1 0 0,0-1 0,13-24 0,65-172 459,-24-8-411,-18 8-21,-42 179-36,13-70 1,-6 33-31,34-177 122,-31 168 255,-16 79-364,0 0 0,0 0 0,0-1 1,0 1-1,0 0 0,0 0 0,0 0 0,0 0 1,0-1-1,0 1 0,0 0 0,0 0 0,0 0 1,0 0-1,0-1 0,0 1 0,0 0 1,0 0-1,0 0 0,0 0 0,1 0 0,-1-1 1,0 1-1,0 0 0,0 0 0,0 0 0,0 0 1,0 0-1,0 0 0,1 0 0,-1-1 0,0 1 1,0 0-1,0 0 0,0 0 0,0 0 1,1 0-1,-1 0 0,0 0 0,0 0 0,0 0 1,0 0-1,1 0 0,-1 0 0,0 0 0,0 0 1,0 0-1,0 0 0,1 0 0,-1 0 1,0 0-1,0 0 0,0 0 0,0 0 0,1 1 1,7 7 6,-5-4 79,13 15 2,-8-6 129,99 269 366,-52-123-336,-44-126-115,15 44-34,104 328 365,-89-255-1075,-42-143-1315</inkml:trace>
+</inkml:ink>
+</file>
+
+<file path=ppt/ink/ink131.xml><?xml version="1.0" encoding="utf-8"?>
+<inkml:ink xmlns:inkml="http://www.w3.org/2003/InkML">
+  <inkml:definitions>
+    <inkml:context xml:id="ctx0">
+      <inkml:inkSource xml:id="inkSrc0">
+        <inkml:traceFormat>
+          <inkml:channel name="X" type="integer" min="-2.14748E9" max="2.14748E9" units="cm"/>
+          <inkml:channel name="Y" type="integer" min="-2.14748E9" max="2.14748E9" units="cm"/>
+          <inkml:channel name="F" type="integer" max="32767" units="dev"/>
+        </inkml:traceFormat>
+        <inkml:channelProperties>
+          <inkml:channelProperty channel="X" name="resolution" value="1000" units="1/cm"/>
+          <inkml:channelProperty channel="Y" name="resolution" value="1000" units="1/cm"/>
+          <inkml:channelProperty channel="F" name="resolution" value="0" units="1/dev"/>
+        </inkml:channelProperties>
+      </inkml:inkSource>
+      <inkml:timestamp xml:id="ts0" timeString="2022-11-23T20:23:26.031"/>
+    </inkml:context>
+    <inkml:brush xml:id="br0">
+      <inkml:brushProperty name="width" value="0.05" units="cm"/>
+      <inkml:brushProperty name="height" value="0.05" units="cm"/>
+      <inkml:brushProperty name="color" value="#66CC00"/>
+    </inkml:brush>
+  </inkml:definitions>
+  <inkml:trace contextRef="#ctx0" brushRef="#br0">463 53 16136,'0'0'0,"-27"-4"0,-18-7 1791,-9 5 9,-12-2-936,0 1 8,-3 2-872,-66-7-15839,270 24 15839</inkml:trace>
+</inkml:ink>
+</file>
+
+<file path=ppt/ink/ink132.xml><?xml version="1.0" encoding="utf-8"?>
+<inkml:ink xmlns:inkml="http://www.w3.org/2003/InkML">
+  <inkml:definitions>
+    <inkml:context xml:id="ctx0">
+      <inkml:inkSource xml:id="inkSrc0">
+        <inkml:traceFormat>
+          <inkml:channel name="X" type="integer" min="-2.14748E9" max="2.14748E9" units="cm"/>
+          <inkml:channel name="Y" type="integer" min="-2.14748E9" max="2.14748E9" units="cm"/>
+          <inkml:channel name="F" type="integer" max="32767" units="dev"/>
+        </inkml:traceFormat>
+        <inkml:channelProperties>
+          <inkml:channelProperty channel="X" name="resolution" value="1000" units="1/cm"/>
+          <inkml:channelProperty channel="Y" name="resolution" value="1000" units="1/cm"/>
+          <inkml:channelProperty channel="F" name="resolution" value="0" units="1/dev"/>
+        </inkml:channelProperties>
+      </inkml:inkSource>
+      <inkml:timestamp xml:id="ts0" timeString="2022-11-23T20:23:29.785"/>
+    </inkml:context>
+    <inkml:brush xml:id="br0">
+      <inkml:brushProperty name="width" value="0.05" units="cm"/>
+      <inkml:brushProperty name="height" value="0.05" units="cm"/>
+      <inkml:brushProperty name="color" value="#66CC00"/>
+    </inkml:brush>
+  </inkml:definitions>
+  <inkml:trace contextRef="#ctx0" brushRef="#br0">524 1 11744,'-2'8'191,"0"7"1211,2-14-1257,0-1 0,0 0 0,0 1 0,0-1 0,1 1 0,-1-1 0,0 0 0,0 1 0,0-1 0,1 1 0,-1-1 0,0 0 0,0 0 0,1 1 0,-1-1 0,0 0 0,1 1 0,-1-1 0,0 0 0,1 0 0,-1 0 0,0 1 0,1-1 0,-1 0 0,1 0 0,-1 0 0,0 0 0,1 0-1,-1 0 1,1 1 0,0-1-95,-1 0 0,0 0-1,0 0 1,0 0 0,0 0-1,1 0 1,-1 0 0,0 0-1,0 0 1,0 0-1,0 0 1,1 0 0,-1 0-1,0 0 1,0 0 0,0 0-1,0 0 1,1 1 0,-1-1-1,0 0 1,0 0-1,0 0 1,0 0 0,0 0-1,0 0 1,0 1 0,0-1-1,1 0 1,-1 0 0,0 0-1,0 0 1,0 1-1,0-1 1,0 0 0,0 0-1,0 0 1,0 0 0,0 1-1,0-1 1,0 0 0,0 0-1,0 0 1,0 1-1,-3 6 269,-73 158 1112,67-144-1330,-43 111 60,39-105 40,-54 111 64,52-112-144,-68 86 48,66-93-48,-25 20 0,-6-3-96,27-21-412,-2-1-1,-39 18 1,62-32 351,0 0-1,0 0 1,0 0-1,0 0 1,-1 1-1,1-1 1,0 0 0,0 0-1,0 0 1,0 0-1,0 0 1,0 0-1,-1 0 1,1 1 0,0-1-1,0 0 1,0 0-1,0 0 1,0 0-1,0 0 1,0 1-1,0-1 1,0 0 0,0 0-1,0 0 1,0 0-1,0 0 1,0 1-1,0-1 1,0 0 0,0 0-1,0 0 1,0 0-1,0 1 1,0-1-1,0 0 1,0 0 0,0 0-1,0 0 1,0 1-1,0-1 1,0 0-1,0 0 1,1 0 0,-1 0-1,0 0 1,0 0-1,0 1 1,0-1-1,0 0 1,0 0 0,1 0-1,-1 0-31,2 2-20,1-1 0,0 0 0,0 1 0,-1-1 0,1 0 0,0-1 0,0 1 0,6 0 0,-7 0 98,29 4-2341,15 3-9061</inkml:trace>
+</inkml:ink>
+</file>
+
+<file path=ppt/ink/ink133.xml><?xml version="1.0" encoding="utf-8"?>
+<inkml:ink xmlns:inkml="http://www.w3.org/2003/InkML">
+  <inkml:definitions>
+    <inkml:context xml:id="ctx0">
+      <inkml:inkSource xml:id="inkSrc0">
+        <inkml:traceFormat>
+          <inkml:channel name="X" type="integer" min="-2.14748E9" max="2.14748E9" units="cm"/>
+          <inkml:channel name="Y" type="integer" min="-2.14748E9" max="2.14748E9" units="cm"/>
+          <inkml:channel name="F" type="integer" max="32767" units="dev"/>
+        </inkml:traceFormat>
+        <inkml:channelProperties>
+          <inkml:channelProperty channel="X" name="resolution" value="1000" units="1/cm"/>
+          <inkml:channelProperty channel="Y" name="resolution" value="1000" units="1/cm"/>
+          <inkml:channelProperty channel="F" name="resolution" value="0" units="1/dev"/>
+        </inkml:channelProperties>
+      </inkml:inkSource>
+      <inkml:timestamp xml:id="ts0" timeString="2022-11-23T20:23:30.416"/>
+    </inkml:context>
+    <inkml:brush xml:id="br0">
+      <inkml:brushProperty name="width" value="0.05" units="cm"/>
+      <inkml:brushProperty name="height" value="0.05" units="cm"/>
+      <inkml:brushProperty name="color" value="#66CC00"/>
+    </inkml:brush>
+  </inkml:definitions>
+  <inkml:trace contextRef="#ctx0" brushRef="#br0">1 1 7896,'13'17'226,"-12"-16"-134,-1-1 0,0 1 0,1-1 0,-1 1 0,1-1 0,-1 1 0,1-1 0,0 0 0,-1 1 0,1-1 0,-1 0 0,1 1 0,0-1-1,-1 0 1,1 0 0,0 0 0,-1 1 0,1-1 0,0 0 0,-1 0 0,1 0 0,0 0 0,-1 0 0,2-1 0,-1 1 54,1 0 0,-1 0 0,0 0 0,1 0 0,-1 0 0,0 1 0,1-1 0,-1 0 0,2 1 0,40 17 1323,-33-12-474,28 19-435,-2 2 0,0 2 0,-2 1 0,40 47 0,-44-39-23,-1 2 0,23 43-1,-42-67-36,52 64 170,-48-65-324,63 54 116,-28-29-2,-11-14-414,7 6-1870,-73-45-1429,14 7-5420,32 14 6512</inkml:trace>
+</inkml:ink>
+</file>
+
+<file path=ppt/ink/ink134.xml><?xml version="1.0" encoding="utf-8"?>
+<inkml:ink xmlns:inkml="http://www.w3.org/2003/InkML">
+  <inkml:definitions>
+    <inkml:context xml:id="ctx0">
+      <inkml:inkSource xml:id="inkSrc0">
+        <inkml:traceFormat>
+          <inkml:channel name="X" type="integer" min="-2.14748E9" max="2.14748E9" units="cm"/>
+          <inkml:channel name="Y" type="integer" min="-2.14748E9" max="2.14748E9" units="cm"/>
+          <inkml:channel name="F" type="integer" max="32767" units="dev"/>
+        </inkml:traceFormat>
+        <inkml:channelProperties>
+          <inkml:channelProperty channel="X" name="resolution" value="1000" units="1/cm"/>
+          <inkml:channelProperty channel="Y" name="resolution" value="1000" units="1/cm"/>
+          <inkml:channelProperty channel="F" name="resolution" value="0" units="1/dev"/>
+        </inkml:channelProperties>
+      </inkml:inkSource>
+      <inkml:timestamp xml:id="ts0" timeString="2022-11-23T20:23:32.959"/>
+    </inkml:context>
+    <inkml:brush xml:id="br0">
+      <inkml:brushProperty name="width" value="0.05" units="cm"/>
+      <inkml:brushProperty name="height" value="0.05" units="cm"/>
+      <inkml:brushProperty name="color" value="#66CC00"/>
+    </inkml:brush>
+  </inkml:definitions>
+  <inkml:trace contextRef="#ctx0" brushRef="#br0">0 57 12280,'0'0'3993,"5"-2"-3041,23-13 310,48-19 1,-49 29-1155,-16 5 105,90 17 270,-57-7-366,-21-5-138,0-2 0,39 1-1,-60-4-51,0-1-1,0 1 1,0 0-1,0 0 1,0-1-1,0 1 1,0-1-1,0 0 0,0 0 1,1-1-1,16-6-3270,-1 2-5457,-41 14 6644</inkml:trace>
+</inkml:ink>
+</file>
+
+<file path=ppt/ink/ink135.xml><?xml version="1.0" encoding="utf-8"?>
+<inkml:ink xmlns:inkml="http://www.w3.org/2003/InkML">
+  <inkml:definitions>
+    <inkml:context xml:id="ctx0">
+      <inkml:inkSource xml:id="inkSrc0">
+        <inkml:traceFormat>
+          <inkml:channel name="X" type="integer" min="-2.14748E9" max="2.14748E9" units="cm"/>
+          <inkml:channel name="Y" type="integer" min="-2.14748E9" max="2.14748E9" units="cm"/>
+          <inkml:channel name="F" type="integer" max="32767" units="dev"/>
+        </inkml:traceFormat>
+        <inkml:channelProperties>
+          <inkml:channelProperty channel="X" name="resolution" value="1000" units="1/cm"/>
+          <inkml:channelProperty channel="Y" name="resolution" value="1000" units="1/cm"/>
+          <inkml:channelProperty channel="F" name="resolution" value="0" units="1/dev"/>
+        </inkml:channelProperties>
+      </inkml:inkSource>
+      <inkml:timestamp xml:id="ts0" timeString="2022-11-23T20:23:33.394"/>
+    </inkml:context>
+    <inkml:brush xml:id="br0">
+      <inkml:brushProperty name="width" value="0.05" units="cm"/>
+      <inkml:brushProperty name="height" value="0.05" units="cm"/>
+      <inkml:brushProperty name="color" value="#66CC00"/>
+    </inkml:brush>
+  </inkml:definitions>
+  <inkml:trace contextRef="#ctx0" brushRef="#br0">1 123 11480,'0'0'4497,"5"-3"-3499,0 0-843,-2 1-16,0 0 1,0 1 0,0-1-1,0 1 1,6-2-1,81-31 1401,-78 29-1490,-7 3 30,-1 0 1,0 0-1,1 1 1,7-2-1,83-22 759,-59 17-726,-26 7-107,10-3-584,37 0 0,-47 3-431,1 0 0,-1 0 0,1-1 0,11-4 0,-7 3-6813,-34 8 5880</inkml:trace>
+</inkml:ink>
+</file>
+
+<file path=ppt/ink/ink136.xml><?xml version="1.0" encoding="utf-8"?>
+<inkml:ink xmlns:inkml="http://www.w3.org/2003/InkML">
+  <inkml:definitions>
+    <inkml:context xml:id="ctx0">
+      <inkml:inkSource xml:id="inkSrc0">
+        <inkml:traceFormat>
+          <inkml:channel name="X" type="integer" min="-2.14748E9" max="2.14748E9" units="cm"/>
+          <inkml:channel name="Y" type="integer" min="-2.14748E9" max="2.14748E9" units="cm"/>
+          <inkml:channel name="F" type="integer" max="32767" units="dev"/>
+        </inkml:traceFormat>
+        <inkml:channelProperties>
+          <inkml:channelProperty channel="X" name="resolution" value="1000" units="1/cm"/>
+          <inkml:channelProperty channel="Y" name="resolution" value="1000" units="1/cm"/>
+          <inkml:channelProperty channel="F" name="resolution" value="0" units="1/dev"/>
+        </inkml:channelProperties>
+      </inkml:inkSource>
+      <inkml:timestamp xml:id="ts0" timeString="2022-11-23T20:23:34.384"/>
+    </inkml:context>
+    <inkml:brush xml:id="br0">
+      <inkml:brushProperty name="width" value="0.05" units="cm"/>
+      <inkml:brushProperty name="height" value="0.05" units="cm"/>
+      <inkml:brushProperty name="color" value="#66CC00"/>
+    </inkml:brush>
+  </inkml:definitions>
+  <inkml:trace contextRef="#ctx0" brushRef="#br0">1 54 9504,'0'0'2408,"2"5"-1688,1 0-609,7 17 491,25 106 592,-28-101-956,3 11 2,21 94 903,-26-92-721,-5-39-387,0 0 0,0 0 0,0-1 0,0 1 0,0 0 0,1 0 1,-1 0-1,0 0 0,0-1 0,1 1 0,-1 0 0,1 0 0,-1 0 0,1 0 0,2 5 95,-3-6-118,1 0 0,-1 0 1,0 0-1,0 0 0,0 1 0,0-1 0,0 0 0,1 0 1,-1 0-1,0 0 0,0 0 0,0 0 0,0 0 0,0 0 1,1 0-1,-1 0 0,0 0 0,0 0 0,0 0 0,0 0 1,0 0-1,1 0 0,-1 0 0,0 0 0,0 0 0,0 0 1,0 0-1,0-1 0,1 1 0,-1 0 0,0 0 0,0 0 1,0 0-1,0 0 0,0 0 0,0 0 0,0 0 0,1-1 1,-1 1-1,0 0 0,0 0 0,6-7 112,-4 0-77,0 0-1,0 0 1,-1-1 0,0 1-1,0 0 1,-1 0 0,-1-15 0,1 5-13,7-155 103,-2 128-114,-2 28-19,2-23 12,-1 26 50,26-48 44,-30 61-100,0-1 1,1 0-1,-1 1 1,0-1 0,1 0-1,-1 1 1,1-1-1,-1 1 1,1-1-1,0 1 1,-1-1 0,1 1-1,0-1 1,7-3 45,-1 0 0,1 0 1,12-3-1,-20 7-43,1 0 1,-1 0-1,1 0 0,0-1 1,-1 1-1,1 0 0,-1 0 1,1 0-1,-1 0 0,1 1 1,-1-1-1,1 0 0,0 0 1,-1 0-1,1 1 0,0-1-1,5 1 25,0 1-1,-1 0 0,1 0 0,-1 1 0,0 0 0,0 0 0,0 0 0,0 0 1,0 1-1,7 7 0,49 54 146,-50-50-60,60 121 175,-51-82-148,17 59-590,-31-97-1316,-4-13 1614,0-2-44,20-11-423,-12 5-1118,19-8-8845</inkml:trace>
+</inkml:ink>
+</file>
+
+<file path=ppt/ink/ink137.xml><?xml version="1.0" encoding="utf-8"?>
+<inkml:ink xmlns:inkml="http://www.w3.org/2003/InkML">
+  <inkml:definitions>
+    <inkml:context xml:id="ctx0">
+      <inkml:inkSource xml:id="inkSrc0">
+        <inkml:traceFormat>
+          <inkml:channel name="X" type="integer" min="-2.14748E9" max="2.14748E9" units="cm"/>
+          <inkml:channel name="Y" type="integer" min="-2.14748E9" max="2.14748E9" units="cm"/>
+          <inkml:channel name="F" type="integer" max="32767" units="dev"/>
+        </inkml:traceFormat>
+        <inkml:channelProperties>
+          <inkml:channelProperty channel="X" name="resolution" value="1000" units="1/cm"/>
+          <inkml:channelProperty channel="Y" name="resolution" value="1000" units="1/cm"/>
+          <inkml:channelProperty channel="F" name="resolution" value="0" units="1/dev"/>
+        </inkml:channelProperties>
+      </inkml:inkSource>
+      <inkml:timestamp xml:id="ts0" timeString="2022-11-23T20:23:35.093"/>
+    </inkml:context>
+    <inkml:brush xml:id="br0">
+      <inkml:brushProperty name="width" value="0.05" units="cm"/>
+      <inkml:brushProperty name="height" value="0.05" units="cm"/>
+      <inkml:brushProperty name="color" value="#66CC00"/>
+    </inkml:brush>
+  </inkml:definitions>
+  <inkml:trace contextRef="#ctx0" brushRef="#br0">1 249 12016,'12'0'873,"0"0"0,-1-1 1,1 0-1,0-1 0,13-3 0,-16 2-751,-1 1-1,1 1 0,0-1 1,0 2-1,0-1 0,0 1 1,15 2-1,12 5 108,63 9 233,-87-14-443,-7-1 2,1 0-1,-1-1 0,11 1 0,37-5 72,-43 1-26,1-3-24,18-12 0,-23 11-20,2-14 3,-7 17-24,0 1 0,0-1 0,-1 0 0,1 1 0,-1-1 0,-1-7 0,-1 1 0,0 0 0,-2 0 1,1 0-1,-1 1 0,-8-15 0,10 20 0,-3-6 3,-2-1 1,1 1-1,-1 0 1,-9-9-1,8 9-2,8 10-2,-1-1 1,1 0-1,-1 1 1,1-1-1,-1 1 0,1-1 1,-1 1-1,1-1 1,-1 1-1,0-1 1,1 1-1,-1 0 1,0-1-1,-1 1 0,-8-4 5,-1 1 0,0 0-1,-13-1 1,24 4-3,-1 0 1,1 0-1,-1 0 1,1 0-1,-1 0 0,1 0 1,-1 0-1,0 0 0,1 0 1,-1 0-1,1 0 1,-1 0-1,1 0 0,-1 1 1,1-1-1,-1 0 0,1 0 1,0 1-1,-1-1 1,1 0-1,-1 1 0,0-1 1,-11 11 22,1-1 0,0 1 1,-13 18-1,12-12 130,-35 84 85,40-79 8,-17 90 110,22-90-76,3 79 136,-1-99-363,0 0-1,0 1 1,1-1-1,-1 0 1,1 0-1,0 3 1,33 73 466,-33-77-492,0 1 1,-1-1-1,1 0 0,0 0 1,0 1-1,0-1 0,0 0 1,0 0-1,1 1 0,14 11 98,1-1 0,19 10-1,-20-14 14,77 18 38,-74-23-132,26 2 1,8-2-38,-26-1-136,0-2 0,46-5 0,-72 5 45,-1 0 1,1 0-1,-1 0 1,1 0-1,0 0 0,-1 0 1,1 0-1,-1 0 1,1 0-1,0-1 1,-1 1-1,1 0 0,-1 0 1,1-1-1,-1 1 1,1 0-1,-1-1 0,1 1 1,-1-1-1,1 1 1,-1 0-1,1-2 1,-1 2-57,0-1 1,0 0 0,0 1 0,0-1 0,-1 0 0,1 1 0,0-1 0,-1 0 0,1 1 0,0-1 0,-1 1-1,1-1 1,0 1 0,-1-1 0,1 1 0,-1-1 0,1 1 0,-2-1 0,2 0 103,-1 1 0,1-1 0,0 0 0,-1 1 0,1-1 0,-1 0 0,1 0 1,0 1-1,0-1 0,-1 0 0,1 0 0,0 0 0,0-1 0,-1-3-38,-7-18-2109,-3-10-8452</inkml:trace>
+</inkml:ink>
+</file>
+
+<file path=ppt/ink/ink138.xml><?xml version="1.0" encoding="utf-8"?>
+<inkml:ink xmlns:inkml="http://www.w3.org/2003/InkML">
+  <inkml:definitions>
+    <inkml:context xml:id="ctx0">
+      <inkml:inkSource xml:id="inkSrc0">
+        <inkml:traceFormat>
+          <inkml:channel name="X" type="integer" min="-2.14748E9" max="2.14748E9" units="cm"/>
+          <inkml:channel name="Y" type="integer" min="-2.14748E9" max="2.14748E9" units="cm"/>
+          <inkml:channel name="F" type="integer" max="32767" units="dev"/>
+        </inkml:traceFormat>
+        <inkml:channelProperties>
+          <inkml:channelProperty channel="X" name="resolution" value="1000" units="1/cm"/>
+          <inkml:channelProperty channel="Y" name="resolution" value="1000" units="1/cm"/>
+          <inkml:channelProperty channel="F" name="resolution" value="0" units="1/dev"/>
+        </inkml:channelProperties>
+      </inkml:inkSource>
+      <inkml:timestamp xml:id="ts0" timeString="2022-11-23T20:23:35.629"/>
+    </inkml:context>
+    <inkml:brush xml:id="br0">
+      <inkml:brushProperty name="width" value="0.05" units="cm"/>
+      <inkml:brushProperty name="height" value="0.05" units="cm"/>
+      <inkml:brushProperty name="color" value="#66CC00"/>
+    </inkml:brush>
+  </inkml:definitions>
+  <inkml:trace contextRef="#ctx0" brushRef="#br0">0 0 11656,'0'6'353,"1"0"0,-1-1 0,1 1 0,0 0 0,0-1 0,1 1 0,0-1 0,0 0 1,0 1-1,1-1 0,5 9 0,6 12 473,66 128 610,-58-114-674,14 21-184,-3-12-126,-33-48-431,0 0 0,1 0 0,-1 0 0,1-1 0,-1 1 0,1 0 0,0-1 0,-1 1-1,1 0 1,0-1 0,-1 1 0,1-1 0,0 1 0,0-1 0,-1 1 0,1-1 0,0 1-1,1-1 1,1 1 29,-2-1-46,-1 1-1,1-1 1,0 0-1,0 0 0,0 0 1,0 0-1,0 0 1,0 0-1,0 0 1,-1 0-1,1 0 1,2 0-1,-3-1-4,1 1 0,0 0 0,0-1-1,0 1 1,0-1 0,0 1 0,0-1 0,-1 0-1,1 1 1,0-1 0,-1 0 0,1 0-1,0 1 1,-1-1 0,1 0 0,-1 0-1,1 0 1,-1 0 0,1 0 0,-1 0-1,0 0 1,1 0 0,-1 0 0,0-1 0,3-6-15,11-48-218,-13 48 184,3-10 15,-4 17 30,0 1 1,0-1-1,1 1 0,-1-1 1,0 1-1,0-1 0,1 1 0,-1-1 1,0 1-1,0-1 0,1 1 1,-1-1-1,1 1 0,-1-1 0,0 1 1,1-1-1,-1 1 0,1 0 1,-1-1-1,1 1 0,-1 0 1,1 0-1,0-1 0,1 0-9,-2 1 14,1 0-1,-1-1 0,1 1 1,-1 0-1,1-1 0,-1 1 1,1 0-1,-1 0 0,1 0 1,-1-1-1,1 1 0,0 0 1,-1 0-1,1 0 0,-1 0 1,1 0-1,0 0 0,0 1 4,1-1 0,-1 0 0,0 1-1,0-1 1,0 1 0,0-1-1,0 1 1,0 0 0,0 0-1,0-1 1,0 1 0,0 0 0,0 0-1,0 0 1,-1 0 0,1 0-1,0 0 1,0 1 0,11 13 65,24 26 90,-31-35-90,0 0 0,1-1 0,0 0 0,-1 0 0,11 5 1,-8-4-18,-8-6-39,0 0 0,1 0 1,-1 1-1,1-1 1,-1 0-1,0 1 0,1-1 1,-1 0-1,1 0 1,-1 0-1,0 0 0,1 1 1,-1-1-1,1 0 1,-1 0-1,1 0 0,-1 0 1,1 0-1,0 0 1,8-1 67,-1 0 0,0-1 0,17-4 0,-14 0 8,45-46 52,-45 40-61,0-1 0,-1-1 0,13-23 0,-8 13-54,74-130 248,-87 150-259,0 0-1,0 1 1,1-1 0,-1 1-1,6-6 1,-9 23-1026,-6 21 0,3-17 1073,-3 9-2808,0 4-6642,17-72 7051</inkml:trace>
+</inkml:ink>
+</file>
+
+<file path=ppt/ink/ink139.xml><?xml version="1.0" encoding="utf-8"?>
+<inkml:ink xmlns:inkml="http://www.w3.org/2003/InkML">
+  <inkml:definitions>
+    <inkml:context xml:id="ctx0">
+      <inkml:inkSource xml:id="inkSrc0">
+        <inkml:traceFormat>
+          <inkml:channel name="X" type="integer" min="-2.14748E9" max="2.14748E9" units="cm"/>
+          <inkml:channel name="Y" type="integer" min="-2.14748E9" max="2.14748E9" units="cm"/>
+          <inkml:channel name="F" type="integer" max="32767" units="dev"/>
+        </inkml:traceFormat>
+        <inkml:channelProperties>
+          <inkml:channelProperty channel="X" name="resolution" value="1000" units="1/cm"/>
+          <inkml:channelProperty channel="Y" name="resolution" value="1000" units="1/cm"/>
+          <inkml:channelProperty channel="F" name="resolution" value="0" units="1/dev"/>
+        </inkml:channelProperties>
+      </inkml:inkSource>
+      <inkml:timestamp xml:id="ts0" timeString="2022-11-23T20:23:53.605"/>
+    </inkml:context>
+    <inkml:brush xml:id="br0">
+      <inkml:brushProperty name="width" value="0.05" units="cm"/>
+      <inkml:brushProperty name="height" value="0.05" units="cm"/>
+      <inkml:brushProperty name="color" value="#66CC00"/>
+    </inkml:brush>
+  </inkml:definitions>
+  <inkml:trace contextRef="#ctx0" brushRef="#br0">733 0 2872,'0'0'15139,"-4"2"-14733,-3 0-258,-1 0 0,0 0 0,0-1 0,0 0 0,0-1 0,-15 0 0,16-1 17,-1 1 1,1 0-1,-1 0 1,1 0-1,-1 1 0,1 0 1,-15 5-1,0 1 68,-25 14 0,27-12-2,-34 11 1,28-13-61,1 2 0,-42 21 0,48-19 40,-18 15-1,16-11 30,13-9-205,-15 11 76,-1 3 87,-24 26 0,42-39-177,-12 17 104,2-1 5,-20 45-1,26-45-81,2 1 0,1 1 0,1-1 0,1 1 0,-3 41 0,4-14 4,-9 102 145,11-139-188,0-6 14,1 0-1,0 13 0,0 18 120,6 45 0,1-53-92,-3-20 98,27 42 64,-21-44-64,-4-5-107,1 0 1,0 0 0,0 0 0,1-1-1,-1 0 1,1 0 0,0-1 0,13 5 0,5 0 93,0-1 1,1-1 0,40 4-1,-51-9-110,-3 0 18,1-1 0,15-2 0,121-13 494,-98 8-404,-47 6-126,30-2 186,38 0-1,-42 6-287,-29-3-69,1 0 1,-1 1 0,1-1 0,-1 0-1,1 1 1,-1-1 0,1 1-1,-1 0 1,1-1 0,-1 1 0,0 0-1,1 0 1,-1 0 0,0 0 0,2 2-1,-2-1-1100</inkml:trace>
+</inkml:ink>
+</file>
+
 <file path=ppt/ink/ink14.xml><?xml version="1.0" encoding="utf-8"?>
 <inkml:ink xmlns:inkml="http://www.w3.org/2003/InkML">
   <inkml:definitions>
@@ -279,6 +1405,286 @@
     </inkml:brush>
   </inkml:definitions>
   <inkml:trace contextRef="#ctx0" brushRef="#br0">0 0 12824,'1'15'434,"1"0"1,4 19 0,14 76 2547,-18-94-2871,2 16 461,-1-20-302,1 7-123,-1 1 0,2 27 1,-5-39-120,0-18-6,0 5-19,0-14 14,8-69 131,-7 79-133,-1 6 36,0-1-1,1 1 1,-1 0-1,1-1 0,2-4 1,2-6 235,1 0 1,0 0 0,11-18-1,-16 31-235,-1 0 0,1 0 0,0 0 0,-1 0-1,1 1 1,0-1 0,0 0 0,0 1 0,0-1-1,-1 0 1,1 1 0,0-1 0,0 1 0,0 0-1,2-1 1,1-1 63,13-5 42,-8 6 159,56 12 119,-64-11-408,1 0 0,-1 0 0,0 1 0,1-1 0,-1 1 0,0-1 0,0 1 0,1 0 0,0 0 0,68 51 310,-56-38-216,19 25 0,2 15-96,25 55-283,-54-97 96,28 56-407,-34-68 553,0 0 1,0 0-1,0 1 0,0-1 0,0 0 0,0 0 0,0 1 0,0-1 1,0 0-1,0 0 0,0 0 0,1 1 0,-1-1 0,0 0 0,0 0 1,0 0-1,0 0 0,0 1 0,0-1 0,1 0 0,-1 0 0,0 0 1,0 0-1,0 1 0,0-1 0,1 0 0,-1 0 0,0 0 0,0 0 1,0 0-1,1 0 0,-1 0 0,0 0 0,0 0 0,1 0 0,-1 0 1,0 0-1,0 0 0,0 0 0,1 0 0,-1 0 0,0 0 0,0 0 1,1 0-1,2-1-46,0 0 0,0-1 0,0 1 0,0-1 0,0 0 0,-1 0 0,1 0 0,-1 0 0,1 0 0,-1 0 0,0-1 1,0 1-1,0-1 0,4-5 0,-5 6-253,0 1 0,0-1 0,0 1 0,0-1 1,1 1-1,-1 0 0,3-2 0,21-19-9210,-58 51 7154</inkml:trace>
+</inkml:ink>
+</file>
+
+<file path=ppt/ink/ink140.xml><?xml version="1.0" encoding="utf-8"?>
+<inkml:ink xmlns:inkml="http://www.w3.org/2003/InkML">
+  <inkml:definitions>
+    <inkml:context xml:id="ctx0">
+      <inkml:inkSource xml:id="inkSrc0">
+        <inkml:traceFormat>
+          <inkml:channel name="X" type="integer" min="-2.14748E9" max="2.14748E9" units="cm"/>
+          <inkml:channel name="Y" type="integer" min="-2.14748E9" max="2.14748E9" units="cm"/>
+          <inkml:channel name="F" type="integer" max="32767" units="dev"/>
+        </inkml:traceFormat>
+        <inkml:channelProperties>
+          <inkml:channelProperty channel="X" name="resolution" value="1000" units="1/cm"/>
+          <inkml:channelProperty channel="Y" name="resolution" value="1000" units="1/cm"/>
+          <inkml:channelProperty channel="F" name="resolution" value="0" units="1/dev"/>
+        </inkml:channelProperties>
+      </inkml:inkSource>
+      <inkml:timestamp xml:id="ts0" timeString="2022-11-23T20:23:54.123"/>
+    </inkml:context>
+    <inkml:brush xml:id="br0">
+      <inkml:brushProperty name="width" value="0.05" units="cm"/>
+      <inkml:brushProperty name="height" value="0.05" units="cm"/>
+      <inkml:brushProperty name="color" value="#66CC00"/>
+    </inkml:brush>
+  </inkml:definitions>
+  <inkml:trace contextRef="#ctx0" brushRef="#br0">0 0 12376,'0'0'4574,"1"5"-3827,8 51 21,-7-29-498,-1 40 0,-2-48-201,2 28 456,-4 79 123,-1 358 627,5-461-1022,12 165 565,5 13-248,-17-160-556,-1-40-102,0-15-1320,0 9 970,0-2-932,1-1 0,-1 0 0,2-7 1,0 2-9371</inkml:trace>
+</inkml:ink>
+</file>
+
+<file path=ppt/ink/ink141.xml><?xml version="1.0" encoding="utf-8"?>
+<inkml:ink xmlns:inkml="http://www.w3.org/2003/InkML">
+  <inkml:definitions>
+    <inkml:context xml:id="ctx0">
+      <inkml:inkSource xml:id="inkSrc0">
+        <inkml:traceFormat>
+          <inkml:channel name="X" type="integer" min="-2.14748E9" max="2.14748E9" units="cm"/>
+          <inkml:channel name="Y" type="integer" min="-2.14748E9" max="2.14748E9" units="cm"/>
+          <inkml:channel name="F" type="integer" max="32767" units="dev"/>
+        </inkml:traceFormat>
+        <inkml:channelProperties>
+          <inkml:channelProperty channel="X" name="resolution" value="1000" units="1/cm"/>
+          <inkml:channelProperty channel="Y" name="resolution" value="1000" units="1/cm"/>
+          <inkml:channelProperty channel="F" name="resolution" value="0" units="1/dev"/>
+        </inkml:channelProperties>
+      </inkml:inkSource>
+      <inkml:timestamp xml:id="ts0" timeString="2022-11-23T20:23:54.821"/>
+    </inkml:context>
+    <inkml:brush xml:id="br0">
+      <inkml:brushProperty name="width" value="0.05" units="cm"/>
+      <inkml:brushProperty name="height" value="0.05" units="cm"/>
+      <inkml:brushProperty name="color" value="#66CC00"/>
+    </inkml:brush>
+  </inkml:definitions>
+  <inkml:trace contextRef="#ctx0" brushRef="#br0">266 89 9328,'2'0'-317,"6"-1"3233,-8 0-2834,1 1-1,-1 0 0,0-1 1,0 1-1,0-1 0,0 1 0,0 0 1,0-1-1,1 1 0,-1-1 1,0 1-1,0 0 0,0-1 0,0 1 1,-1-1-1,1 1 0,0-1 1,0 1-1,0 0 0,0-1 0,0 1 1,0-1-1,-1 1 0,1-1 1,-5-10 724,-1 0 0,0 0 1,-1 0-1,-13-15 0,19 25-776,0 0 0,1 1 0,-1-1 0,0 1 0,0-1 0,0 1 0,0-1 0,0 1-1,0 0 1,1-1 0,-1 1 0,0 0 0,0 0 0,0 0 0,0 0 0,0 0 0,0 0-1,0 0 1,0 0 0,0 0 0,0 0 0,0 0 0,0 1 0,0-1 0,-1 1 0,-2 0 23,1 0 1,0 1 0,0-1 0,0 1-1,0 0 1,-4 3 0,-15 17 448,2 1 1,-20 29-1,31-41-417,-15 22 243,-38 44 373,59-71-466,3-2-193,0-1 1,0 1 0,0-1 0,1 0-1,-1 1 1,1-1 0,0 1 0,0-1-1,0 0 1,1 0 0,-1 0 0,1 0-1,-1 0 1,1 0 0,0 0 0,4 4-1,0 2-12,-4-6-16,0 0-1,0-1 1,0 1 0,0-1 0,0 0-1,1 1 1,-1-1 0,3 2 0,77 51 181,-56-38-72,-16-11-72,1 1 0,1-2-1,-1 1 1,1-2 0,19 6-1,-23-10 72,30-14 42,-32 10-96,-3-2-15,1 1 1,-1-1-1,0 0 1,0 0 0,-1 0-1,1 0 1,-1 0 0,1-9-1,-2 9-28,1-16 82,-2 20-110,0-9 135,-1-1 1,-2-21 0,3 33-129,0 0-1,0 0 1,0 0 0,0 0-1,1 0 1,-1 0 0,0 0-1,0 0 1,0 0-1,0 1 1,1-1 0,-1 0-1,0 0 1,0 0 0,0 0-1,0 0 1,1 0 0,-1 0-1,0 0 1,0 0 0,0 1-1,0-1 1,0 0 0,0 0-1,1 0 1,-1 0 0,0 0-1,0 1 1,0-1 0,0 0-1,4 6 29,0 0-1,0 0 1,-1 0-1,3 7 1,4 8-15,7 6 47,1 0 0,27 29 0,-44-54-55,1-1-1,-1 0 1,1 1 0,0-1 0,-1 0-1,1 0 1,3 1 0,-5-1-9,1-1-1,-1 0 1,0 0 0,1 0 0,-1 0 0,1 1-1,-1-1 1,0 0 0,1 0 0,-1 0 0,1 0 0,-1 0-1,0 0 1,1 0 0,-1 0 0,1 0 0,-1 0 0,1 0-1,-1 0 1,0 0 0,1-1 0,-1 1 0,1 0-1,-1 0 1,0 0 0,1 0 0,-1-1 0,0 1 0,1 0-1,-1-1 1,0 1 0,1 0 0,-1 0 0,0-1 0,1 1-1,-1-1 1,0 1 0,0 0 0,0-1 0,1 1-1,-1 0 1,0-1 0,0 1 0,0-1 0,0 1 0,0-1-1,0 1 1,2-7-468,-1 0 0,0 1 0,-1-1 0,0 0-1,0 0 1,0 1 0,-2-9 0,0 6-6268,3 3 1752,0 19 1274</inkml:trace>
+</inkml:ink>
+</file>
+
+<file path=ppt/ink/ink142.xml><?xml version="1.0" encoding="utf-8"?>
+<inkml:ink xmlns:inkml="http://www.w3.org/2003/InkML">
+  <inkml:definitions>
+    <inkml:context xml:id="ctx0">
+      <inkml:inkSource xml:id="inkSrc0">
+        <inkml:traceFormat>
+          <inkml:channel name="X" type="integer" min="-2.14748E9" max="2.14748E9" units="cm"/>
+          <inkml:channel name="Y" type="integer" min="-2.14748E9" max="2.14748E9" units="cm"/>
+          <inkml:channel name="F" type="integer" max="32767" units="dev"/>
+        </inkml:traceFormat>
+        <inkml:channelProperties>
+          <inkml:channelProperty channel="X" name="resolution" value="1000" units="1/cm"/>
+          <inkml:channelProperty channel="Y" name="resolution" value="1000" units="1/cm"/>
+          <inkml:channelProperty channel="F" name="resolution" value="0" units="1/dev"/>
+        </inkml:channelProperties>
+      </inkml:inkSource>
+      <inkml:timestamp xml:id="ts0" timeString="2022-11-23T20:23:55.293"/>
+    </inkml:context>
+    <inkml:brush xml:id="br0">
+      <inkml:brushProperty name="width" value="0.05" units="cm"/>
+      <inkml:brushProperty name="height" value="0.05" units="cm"/>
+      <inkml:brushProperty name="color" value="#66CC00"/>
+    </inkml:brush>
+  </inkml:definitions>
+  <inkml:trace contextRef="#ctx0" brushRef="#br0">341 62 9328,'0'0'1241,"-10"0"-202,5 0-1015,-9 0 314,-1 0-1,1-1 1,-27-6-1,38 6-175,0 1 0,1-1 0,-1-1 0,1 1 0,-1 0 0,1 0 0,-1-1 0,1 0 0,0 1 0,0-1 0,0 0 0,0 0 0,0 0 0,0 0 0,1-1 0,-4-3 0,4 4-77,0 1 0,0-1 1,0 0-1,-1 1 1,1 0-1,0-1 0,-1 1 1,1 0-1,-1 0 1,0 0-1,1 0 0,-1 0 1,0 0-1,0 0 1,0 0-1,1 1 0,-5-2 1,-7 2 398,10-1-424,-1 1 0,1 0 0,-1 0 1,1 0-1,-5 1 0,-6 3 108,0 0 1,-1 0-1,1 2 0,-25 13 0,20-5 181,14-9-306,4-4-26,0-1 0,0 1 0,0-1-1,1 1 1,-1 0 0,0-1 0,1 1-1,-1 0 1,1 0 0,-1-1 0,0 1-1,1 0 1,0 0 0,-1 0-1,1 0 1,0 0 0,-1 0 0,1 0-1,0 0 1,0 0 0,0-1 0,0 1-1,0 0 1,0 0 0,0 0 0,0 0-1,0 0 1,0 0 0,0 0 0,1 0-1,-1 0 1,0 0 0,1 0-1,-1 0 1,1-1 0,-1 1 0,1 0-1,-1 0 1,2 1 0,1 1 16,0 1 0,1 0 0,0-1 0,-1 0 0,8 4 0,16 10 19,43 28 32,-60-40-81,-8-4-1,1 0 0,0 1 0,0 0-1,-1-1 1,4 4 0,9 7 10,-3 1-10,-7 0-2,-5 0 0,-2-6-3,0 1-1,-1-1 0,0 0 0,-7 13 1,1-3-9,0 3-292,-2-2 0,-24 35 0,32-50-139,0 1 1,-1-1-1,1 0 1,-1 1-1,0-2 1,0 1-1,0 0 0,0-1 1,0 0-1,-7 3 1,-4 2-9451</inkml:trace>
+</inkml:ink>
+</file>
+
+<file path=ppt/ink/ink143.xml><?xml version="1.0" encoding="utf-8"?>
+<inkml:ink xmlns:inkml="http://www.w3.org/2003/InkML">
+  <inkml:definitions>
+    <inkml:context xml:id="ctx0">
+      <inkml:inkSource xml:id="inkSrc0">
+        <inkml:traceFormat>
+          <inkml:channel name="X" type="integer" min="-2.14748E9" max="2.14748E9" units="cm"/>
+          <inkml:channel name="Y" type="integer" min="-2.14748E9" max="2.14748E9" units="cm"/>
+          <inkml:channel name="F" type="integer" max="32767" units="dev"/>
+        </inkml:traceFormat>
+        <inkml:channelProperties>
+          <inkml:channelProperty channel="X" name="resolution" value="1000" units="1/cm"/>
+          <inkml:channelProperty channel="Y" name="resolution" value="1000" units="1/cm"/>
+          <inkml:channelProperty channel="F" name="resolution" value="0" units="1/dev"/>
+        </inkml:channelProperties>
+      </inkml:inkSource>
+      <inkml:timestamp xml:id="ts0" timeString="2022-11-23T20:23:55.797"/>
+    </inkml:context>
+    <inkml:brush xml:id="br0">
+      <inkml:brushProperty name="width" value="0.05" units="cm"/>
+      <inkml:brushProperty name="height" value="0.05" units="cm"/>
+      <inkml:brushProperty name="color" value="#66CC00"/>
+    </inkml:brush>
+  </inkml:definitions>
+  <inkml:trace contextRef="#ctx0" brushRef="#br0">273 1 11208,'-5'5'405,"-1"0"1,1 0-1,-1-1 0,-1 0 1,1 0-1,0 0 1,-1-1-1,0 0 1,1 0-1,-13 3 1,-5 2 62,-78 24 521,94-30-865,0 1 0,1 0 0,-11 6 0,10-4-82,6-5-25,1 1-1,0 0 0,0-1 0,0 1 0,0 0 0,0 0 0,0 0 0,0 0 0,0 0 1,0 0-1,1 0 0,-1 0 0,0 0 0,1 0 0,-1 0 0,1 1 0,-1-1 0,1 0 0,-1 0 1,1 1-1,0-1 0,0 0 0,-1 3 0,1-3 3,0 1 16,1 0 0,-1 1 0,0-1 1,1 0-1,-1 0 0,1 0 0,0 1 0,0-1 0,0 0 1,0 0-1,0 0 0,0 0 0,3 3 0,-2-3-13,-2-1-16,1 1-1,0-1 1,0 0-1,0 1 0,0-1 1,0 0-1,0 0 0,0 0 1,0 0-1,1 0 1,-1 0-1,0 0 0,2 0 1,4 3 5,-1 1 1,-2-3 17,-1 1-1,0-1 1,1 0-1,7 2 1,6 3 161,1 0 1,0-2-1,0 0 1,0-1-1,32 3 0,-35-6-67,-18 7 144,-13 21-190,4-3-70,-2 0-147,-25 35 0,33-53 102,3-4-84,0 1-1,0-1 0,-7 6 1,4-4-308,0 0-1,0-1 1,-1 0 0,0 0 0,-13 8-1,19-13 427,1 0 0,0 0 0,0 0 0,0 0-1,0 0 1,0 0 0,0 0 0,0 0-1,0 0 1,0 0 0,-1 0 0,1 0-1,0 0 1,0 0 0,0 0 0,0 0 0,0 0-1,0 0 1,0 0 0,0-1 0,0 1-1,0 0 1,-1 0 0,1 0 0,0 0-1,0 0 1,0 0 0,0 0 0,0 0 0,0 0-1,0 0 1,0 0 0,0 0 0,0 0-1,0-1 1,0 1 0,0 0 0,0 0-1,0 0 1,0 0 0,0 0 0,0 0 0,0 0-1,0 0 1,0 0 0,0-1 0,0 1-1,0 0 1,0 0 0,0 0 0,0 0-1,-11-42-759,7 25-715,-10-37-8421</inkml:trace>
+</inkml:ink>
+</file>
+
+<file path=ppt/ink/ink144.xml><?xml version="1.0" encoding="utf-8"?>
+<inkml:ink xmlns:inkml="http://www.w3.org/2003/InkML">
+  <inkml:definitions>
+    <inkml:context xml:id="ctx0">
+      <inkml:inkSource xml:id="inkSrc0">
+        <inkml:traceFormat>
+          <inkml:channel name="X" type="integer" min="-2.14748E9" max="2.14748E9" units="cm"/>
+          <inkml:channel name="Y" type="integer" min="-2.14748E9" max="2.14748E9" units="cm"/>
+          <inkml:channel name="F" type="integer" max="32767" units="dev"/>
+        </inkml:traceFormat>
+        <inkml:channelProperties>
+          <inkml:channelProperty channel="X" name="resolution" value="1000" units="1/cm"/>
+          <inkml:channelProperty channel="Y" name="resolution" value="1000" units="1/cm"/>
+          <inkml:channelProperty channel="F" name="resolution" value="0" units="1/dev"/>
+        </inkml:channelProperties>
+      </inkml:inkSource>
+      <inkml:timestamp xml:id="ts0" timeString="2022-11-23T20:23:56.341"/>
+    </inkml:context>
+    <inkml:brush xml:id="br0">
+      <inkml:brushProperty name="width" value="0.05" units="cm"/>
+      <inkml:brushProperty name="height" value="0.05" units="cm"/>
+      <inkml:brushProperty name="color" value="#66CC00"/>
+    </inkml:brush>
+  </inkml:definitions>
+  <inkml:trace contextRef="#ctx0" brushRef="#br0">0 1259 13088,'1'0'190,"1"1"1,-1-1 0,0 0 0,1 1 0,-1-1-1,0 1 1,0-1 0,1 1 0,0 0 0,-1 0 0,0 0 1,0-1 0,0 1-1,0-1 1,0 1 0,0-1 0,0 0-1,1 1 1,-1-1 0,0 0 0,0 0-1,0 0 1,0 0 0,2 0-1,0-1-59,0 0-1,0 0 0,0 0 0,-1 0 0,1-1 1,0 1-1,-1-1 0,1 0 0,-1 0 0,1 0 1,1-2-1,2-1-80,-4 3-19,-1 1 1,1 0 0,-1-1-1,1 1 1,-1-1 0,0 1-1,0-1 1,0 1 0,0-1-1,2-3 1,1-3 21,2-1-20,10-19 231,16-43 27,-9 15-8,-13 31-193,10-32 0,23-85 60,-35 110-118,23-149 11,-26 140-22,22-188 15,-24 186-2,3-134 58,-5 147-42,0-47 71,-1 76-112,0 0 0,0 0 0,0 0 0,0 0 0,0 0 0,0 0 0,0 0 0,1 1 0,-1-1 0,0 0 0,0 0 0,1 0 0,-1 0 0,1 1 0,-1-1 0,1 0 0,-1 1 0,2-2 0,-2 2-9,0 0 0,0 0 0,0-1 0,1 1 0,-1 0 0,0 0 0,0 0 0,0 0 0,1 0 0,-1 0 0,0 0 0,0 0 0,0 0 1,1 0-1,-1 0 0,0 0 0,0 0 0,0 0 0,1 1 0,-1-1 0,0 0 0,0 0 0,0 0 0,1 0 0,-1 0 0,0 0 0,7 9 123,25 69 37,-23-56 12,42 111 75,-37-96-48,30 81 0,5 17-110,-30-81 156,73 195 94,-75-201-120,53 171 74,-58-181-146,46 132 50,-32-95-220,-23-67-159,-2-7 159,-1 0 0,1 1 0,-1-1-1,1 0 1,-1 1 0,0-1 0,0 1 0,1-1 0,-1 0 0,0 3 0,0 0-105,0-4 95,-1 1 0,1-1-1,0 0 1,0 0 0,0 0 0,0 0 0,-1 0-1,1 0 1,0 0 0,0 1 0,0-1 0,-1 0 0,1 0-1,0 0 1,0 0 0,0 0 0,-1 0 0,1 0-1,0 0 1,0 0 0,0 0 0,-1 0 0,1 0-1,0 0 1,0 0 0,0 0 0,-1 0 0,1 0 0,0-1-1,0 1 1,0 0 0,-1 0 0,1 0 0,0 0-1,0 0 1,0 0 0,0-1 0,0 1 0,-1 0 0,-6-2-1274,-62 0-2917,37 2-7403</inkml:trace>
+</inkml:ink>
+</file>
+
+<file path=ppt/ink/ink145.xml><?xml version="1.0" encoding="utf-8"?>
+<inkml:ink xmlns:inkml="http://www.w3.org/2003/InkML">
+  <inkml:definitions>
+    <inkml:context xml:id="ctx0">
+      <inkml:inkSource xml:id="inkSrc0">
+        <inkml:traceFormat>
+          <inkml:channel name="X" type="integer" min="-2.14748E9" max="2.14748E9" units="cm"/>
+          <inkml:channel name="Y" type="integer" min="-2.14748E9" max="2.14748E9" units="cm"/>
+          <inkml:channel name="F" type="integer" max="32767" units="dev"/>
+        </inkml:traceFormat>
+        <inkml:channelProperties>
+          <inkml:channelProperty channel="X" name="resolution" value="1000" units="1/cm"/>
+          <inkml:channelProperty channel="Y" name="resolution" value="1000" units="1/cm"/>
+          <inkml:channelProperty channel="F" name="resolution" value="0" units="1/dev"/>
+        </inkml:channelProperties>
+      </inkml:inkSource>
+      <inkml:timestamp xml:id="ts0" timeString="2022-11-23T20:23:56.847"/>
+    </inkml:context>
+    <inkml:brush xml:id="br0">
+      <inkml:brushProperty name="width" value="0.05" units="cm"/>
+      <inkml:brushProperty name="height" value="0.05" units="cm"/>
+      <inkml:brushProperty name="color" value="#66CC00"/>
+    </inkml:brush>
+  </inkml:definitions>
+  <inkml:trace contextRef="#ctx0" brushRef="#br0">420 1 15152,'1'4'673,"-2"-2"1431,-8-1-440,-18-1-772,-16 1-714,-73 13-315,93-11-550,-83 11-171,74-10-1509,-31 4-6579,148-19 6718</inkml:trace>
+</inkml:ink>
+</file>
+
+<file path=ppt/ink/ink146.xml><?xml version="1.0" encoding="utf-8"?>
+<inkml:ink xmlns:inkml="http://www.w3.org/2003/InkML">
+  <inkml:definitions>
+    <inkml:context xml:id="ctx0">
+      <inkml:inkSource xml:id="inkSrc0">
+        <inkml:traceFormat>
+          <inkml:channel name="X" type="integer" min="-2.14748E9" max="2.14748E9" units="cm"/>
+          <inkml:channel name="Y" type="integer" min="-2.14748E9" max="2.14748E9" units="cm"/>
+          <inkml:channel name="F" type="integer" max="32767" units="dev"/>
+        </inkml:traceFormat>
+        <inkml:channelProperties>
+          <inkml:channelProperty channel="X" name="resolution" value="1000" units="1/cm"/>
+          <inkml:channelProperty channel="Y" name="resolution" value="1000" units="1/cm"/>
+          <inkml:channelProperty channel="F" name="resolution" value="0" units="1/dev"/>
+        </inkml:channelProperties>
+      </inkml:inkSource>
+      <inkml:timestamp xml:id="ts0" timeString="2022-11-23T20:23:59.175"/>
+    </inkml:context>
+    <inkml:brush xml:id="br0">
+      <inkml:brushProperty name="width" value="0.05" units="cm"/>
+      <inkml:brushProperty name="height" value="0.05" units="cm"/>
+      <inkml:brushProperty name="color" value="#66CC00"/>
+    </inkml:brush>
+  </inkml:definitions>
+  <inkml:trace contextRef="#ctx0" brushRef="#br0">228 1 12280,'0'0'6583,"-4"3"-6529,-1 0-37,3-2 16,0 0 0,0 1 0,0-1 0,0 1 0,0-1 0,1 1 0,-1-1 0,1 1 0,-3 3-1,-45 50 343,38-40-182,-45 83 83,45-74-54,-34 115 91,38-108-100,-12 134 94,19-129-54,19 157 95,-12-158-128,40 106 74,-37-120-146,-6-15-114,0 2-18,1 0 0,0-1-1,0 1 1,1-1 0,0 0-1,0-1 1,12 11 0,-5-8-213,0-1 1,0-1-1,1 1 1,0-2-1,23 8 1,-36-14 125,0 0 0,0 1 0,-1-1 0,1 0 0,0 0 0,0 1 0,0-1 0,-1 1 0,1-1 0,0 1 0,0-1 0,-1 1 0,1 0 0,0-1 0,-1 1 0,1 0 0,-1-1-1,1 2 1,2 1-112,6 9-169,-7-5-640,-1 21-946,-5 38 1,2-33-7989</inkml:trace>
+</inkml:ink>
+</file>
+
+<file path=ppt/ink/ink147.xml><?xml version="1.0" encoding="utf-8"?>
+<inkml:ink xmlns:inkml="http://www.w3.org/2003/InkML">
+  <inkml:definitions>
+    <inkml:context xml:id="ctx0">
+      <inkml:inkSource xml:id="inkSrc0">
+        <inkml:traceFormat>
+          <inkml:channel name="X" type="integer" min="-2.14748E9" max="2.14748E9" units="cm"/>
+          <inkml:channel name="Y" type="integer" min="-2.14748E9" max="2.14748E9" units="cm"/>
+          <inkml:channel name="F" type="integer" max="32767" units="dev"/>
+        </inkml:traceFormat>
+        <inkml:channelProperties>
+          <inkml:channelProperty channel="X" name="resolution" value="1000" units="1/cm"/>
+          <inkml:channelProperty channel="Y" name="resolution" value="1000" units="1/cm"/>
+          <inkml:channelProperty channel="F" name="resolution" value="0" units="1/dev"/>
+        </inkml:channelProperties>
+      </inkml:inkSource>
+      <inkml:timestamp xml:id="ts0" timeString="2022-11-23T20:23:59.714"/>
+    </inkml:context>
+    <inkml:brush xml:id="br0">
+      <inkml:brushProperty name="width" value="0.05" units="cm"/>
+      <inkml:brushProperty name="height" value="0.05" units="cm"/>
+      <inkml:brushProperty name="color" value="#66CC00"/>
+    </inkml:brush>
+  </inkml:definitions>
+  <inkml:trace contextRef="#ctx0" brushRef="#br0">11 1 10760,'-3'6'728,"2"-5"-533,1 0 1,-1 0-1,1 0 1,0-1-1,-1 1 1,0 0-1,1 0 1,-1 0-1,1-1 1,-2 2-1,4 6 1559,2 0-1299,0 0 1,6 10 0,7 11-56,23 42-28,7 12 198,-35-59-492,-1-3 262,45 95 108,-53-112-408,-2 0 0,1 0 0,0 0 0,0 7 0,40 158 235,-40-158-188,2 20-1,7 94 88,-6 12-94,-5-82 148,-24 216 66,17-222-214,-40 144 56,37-163 64,-19 29 0,27-54-192,-4 4 1,0 1 1,0-1 0,-1 0 0,-8 8-1,11-12-23,0-1 0,0 0 0,-9 6 0,11-8-26,1-1 0,-1 0-1,0 0 1,-1 0 0,1 0-1,0 0 1,0 0 0,0 0-1,-1-1 1,1 1-1,0-1 1,0 1 0,-1-1-1,-4 0 1,7 0 24,0 0 0,0 0 0,0 0 0,0 0 0,-1 0 0,1 0 0,0-1 0,0 1 0,0 0 0,0 0 0,0 0 0,0 0 0,-1 0 0,1 0-1,0 0 1,0-1 0,0 1 0,0 0 0,0 0 0,0 0 0,0 0 0,0 0 0,-1-1 0,1 1 0,0 0 0,0 0 0,0 0 0,0 0 0,0-1 0,0 1 0,0 0 0,0 0 0,0 0 0,-14-53-654,13 45-2111,-1-1-1,-5-15 1,5 17-348,13 48 855</inkml:trace>
+</inkml:ink>
+</file>
+
+<file path=ppt/ink/ink148.xml><?xml version="1.0" encoding="utf-8"?>
+<inkml:ink xmlns:inkml="http://www.w3.org/2003/InkML">
+  <inkml:definitions>
+    <inkml:context xml:id="ctx0">
+      <inkml:inkSource xml:id="inkSrc0">
+        <inkml:traceFormat>
+          <inkml:channel name="X" type="integer" min="-2.14748E9" max="2.14748E9" units="cm"/>
+          <inkml:channel name="Y" type="integer" min="-2.14748E9" max="2.14748E9" units="cm"/>
+          <inkml:channel name="F" type="integer" max="32767" units="dev"/>
+        </inkml:traceFormat>
+        <inkml:channelProperties>
+          <inkml:channelProperty channel="X" name="resolution" value="1000" units="1/cm"/>
+          <inkml:channelProperty channel="Y" name="resolution" value="1000" units="1/cm"/>
+          <inkml:channelProperty channel="F" name="resolution" value="0" units="1/dev"/>
+        </inkml:channelProperties>
+      </inkml:inkSource>
+      <inkml:timestamp xml:id="ts0" timeString="2022-11-23T20:24:00.405"/>
+    </inkml:context>
+    <inkml:brush xml:id="br0">
+      <inkml:brushProperty name="width" value="0.05" units="cm"/>
+      <inkml:brushProperty name="height" value="0.05" units="cm"/>
+      <inkml:brushProperty name="color" value="#66CC00"/>
+    </inkml:brush>
+  </inkml:definitions>
+  <inkml:trace contextRef="#ctx0" brushRef="#br0">77 21 11480,'0'0'8831,"4"4"-8711,48 38 350,-50-41-438,0 1 1,0-1-1,0 0 1,1 1-1,-1-1 1,1 0-1,-1 0 1,1 0-1,4 0 1,-2 0-6,-4 0-6,1-1 0,0 0 1,-1 1-1,1-1 0,0 0 0,0 0 1,-1 0-1,1 0 0,0-1 1,2 0-1,0 1 1,-4-1-14,1 1 0,-1 0 0,1 0 1,-1-1-1,1 1 0,-1 0 0,1 0 0,-1-1 1,1 1-1,-1-1 0,1 1 0,-1 0 0,0-1 1,1 1-1,-1-1 0,0 1 0,1-1 1,-1 1-1,0-1 0,0 1 0,0-1 0,1 0 1,-1 1-1,0-1 0,0 1 0,0-1 0,0 0 1,0-1 2,0 1 1,0 0 0,0-1 0,0 1-1,0 0 1,0-1 0,0 1-1,-1 0 1,1 0 0,0-1 0,-2-1-1,-5-7 60,-1 0 0,-10-10-1,17 19-53,-1 0 0,1 0-1,0 0 1,0 1-1,-1-1 1,1 0 0,-1 1-1,1-1 1,0 1-1,-1-1 1,1 1 0,-3 0-1,2-1-1,2 1-13,0 0-1,-1 0 1,1 0 0,0 0 0,0 0-1,0 0 1,0 0 0,0 0 0,0 0-1,0 0 1,0 0 0,0 0 0,0 0-1,-1 1 1,1-1 0,0 0 0,0 0-1,0 0 1,0 0 0,0 0-1,0 0 1,0 0 0,0 0 0,0 0-1,0 0 1,0 0 0,0 0 0,0 0-1,0 1 1,0-1 0,0 0 0,0 0-1,0 0 1,0 0 0,0 0 0,0 0-1,0 0 1,0 0 0,0 0 0,0 1-1,0-1 1,0 0 0,0 0-1,0 0 1,0 0 0,0 0 0,0 0-1,0 0 1,0 0 0,0 0 0,2 6 16,2 2 8,0 0 0,1-1 0,0 1 0,1-1 0,10 11 0,-10-11-24,-1-2 6,-1 0 0,1 0 0,1 0 1,-1 0-1,1-1 0,0 0 0,10 5 0,-14-7-5,0-1 0,0 0-1,1 1-1,-1-1 1,1 0 0,-1 0-1,1 0 1,3 1 0,-15-16-9,-8-5-61,16 18 40,1 0 0,-1 1-1,0-1 1,1 0 0,-1 1-1,0-1 1,0 1 0,1-1-1,-1 1 1,0 0 0,-1-1-1,-75-27-559,76 28 488,-1-1 1,1 1-1,-1-1 0,1 1 0,-1 0 0,0-1 0,1 1 1,-3 0-1,-67 8-1007,49-5-1330,-21 1-6812,101-10 6945</inkml:trace>
+</inkml:ink>
+</file>
+
+<file path=ppt/ink/ink149.xml><?xml version="1.0" encoding="utf-8"?>
+<inkml:ink xmlns:inkml="http://www.w3.org/2003/InkML">
+  <inkml:definitions>
+    <inkml:context xml:id="ctx0">
+      <inkml:inkSource xml:id="inkSrc0">
+        <inkml:traceFormat>
+          <inkml:channel name="X" type="integer" min="-2.14748E9" max="2.14748E9" units="cm"/>
+          <inkml:channel name="Y" type="integer" min="-2.14748E9" max="2.14748E9" units="cm"/>
+          <inkml:channel name="F" type="integer" max="32767" units="dev"/>
+        </inkml:traceFormat>
+        <inkml:channelProperties>
+          <inkml:channelProperty channel="X" name="resolution" value="1000" units="1/cm"/>
+          <inkml:channelProperty channel="Y" name="resolution" value="1000" units="1/cm"/>
+          <inkml:channelProperty channel="F" name="resolution" value="0" units="1/dev"/>
+        </inkml:channelProperties>
+      </inkml:inkSource>
+      <inkml:timestamp xml:id="ts0" timeString="2022-11-23T20:24:00.907"/>
+    </inkml:context>
+    <inkml:brush xml:id="br0">
+      <inkml:brushProperty name="width" value="0.05" units="cm"/>
+      <inkml:brushProperty name="height" value="0.05" units="cm"/>
+      <inkml:brushProperty name="color" value="#66CC00"/>
+    </inkml:brush>
+  </inkml:definitions>
+  <inkml:trace contextRef="#ctx0" brushRef="#br0">1256 1 12824,'0'0'7081,"6"8"-6409,19 26-507,-24-33-154,0 0 0,-1 0 0,1 1 0,0-1 0,0 0 0,-1 0 0,1 0 0,-1 0 0,1 1 1,-1-1-1,0 0 0,1 0 0,-1 3 0,10 115 203,-10-117-203,0 1 0,0-1 0,0 1 0,0-1 1,-1 0-1,1 1 0,-1-1 0,1 0 0,-1 1 0,-2 3 0,-31 77 114,-13 7-98,45-87-27,0 1 1,0-1 0,0 0-1,0 1 1,-1-1 0,0 0-1,1-1 1,-1 1 0,0 0-1,0-1 1,-4 3 0,7-5-1,-130 97 12,-31 5-84,152-96 10,0-1 0,-1 0 0,1 0 0,-1-1 0,-17 4 0,-177 51-306,-21-15 180,225-44 188,-132 28-2811,-125 33-6711,600-142 7170</inkml:trace>
 </inkml:ink>
 </file>
 
@@ -1377,6 +2783,249 @@
 </inkml:ink>
 </file>
 
+<file path=ppt/ink/ink51.xml><?xml version="1.0" encoding="utf-8"?>
+<inkml:ink xmlns:inkml="http://www.w3.org/2003/InkML">
+  <inkml:definitions>
+    <inkml:context xml:id="ctx0">
+      <inkml:inkSource xml:id="inkSrc0">
+        <inkml:traceFormat>
+          <inkml:channel name="X" type="integer" min="-2.14748E9" max="2.14748E9" units="cm"/>
+          <inkml:channel name="Y" type="integer" min="-2.14748E9" max="2.14748E9" units="cm"/>
+          <inkml:channel name="F" type="integer" max="32767" units="dev"/>
+        </inkml:traceFormat>
+        <inkml:channelProperties>
+          <inkml:channelProperty channel="X" name="resolution" value="1000" units="1/cm"/>
+          <inkml:channelProperty channel="Y" name="resolution" value="1000" units="1/cm"/>
+          <inkml:channelProperty channel="F" name="resolution" value="0" units="1/dev"/>
+        </inkml:channelProperties>
+      </inkml:inkSource>
+      <inkml:timestamp xml:id="ts0" timeString="2022-11-23T20:19:30.384"/>
+    </inkml:context>
+    <inkml:brush xml:id="br0">
+      <inkml:brushProperty name="width" value="0.05" units="cm"/>
+      <inkml:brushProperty name="height" value="0.05" units="cm"/>
+    </inkml:brush>
+  </inkml:definitions>
+  <inkml:trace contextRef="#ctx0" brushRef="#br0">59 691 14432,'15'46'253,"-27"-90"4195,10 36-4222,7 41 592,9 59-760,-12-66 122,7 157 84,-8-129-22,-2 119 3,-2 28-153,0-118 123,-19 329 77,16-330-144,-21 301 82,22-315 10,-5 77 0,-1-16-165,9-85 58,3 46 1,6-17-60,-6-70-34,-1 1 0,1-1 0,0 0 0,-1 1 0,3 3 0,1 4 16,1 0 0,0-1 0,1 1 0,0-1 0,11 14 0,-16-23-34,0 0 0,0 0 0,0 0 0,0 0 0,0 0 0,0-1 0,0 1 0,0 0 0,0-1 0,3 2 0,4 1 39,0 1 0,0-1 1,10 2-1,-6-3-30,0-1 0,14 1 0,-26-2-31,24 0 220,129-14 88,-117 9-88,170-16 87,-160 17-94,207-15 61,-199 15-186,230-17 50,-223 16 2,271-25 39,-260 22-126,316-33 17,-305 33-44,363-24 16,-352 27 4,384-9 14,-380 13-40,401 5 11,-400-3 2,382-1 17,-387-1-4,359-5 29,-366 4 20,338-8 42,-342 8-42,321-13 69,-327 11 62,278-12 59,-289 13-217,245-13 67,-251 13 106,226-13 61,-232 14-268,196-4 28,-202 5 11,188 3 27,-191-1-40,160 14 16,-168-11-55,160 13 26,-54-4-24,-115-12 10,106-7 10,-109 2-30,37-9 0,10-8-10,-5-1-3,-7-3 0,-12 4 0,-7 2 0,74-17-15,-103 32 14,-7 2 0,-1 1-1,1 0 0,-1 0 1,10-1-1,4-1 2,12-1-63,37 0-1,-66 4 62,4-1-9,1 1 0,-1 0-1,1 1 1,-1-1 0,1 1-1,-1 0 1,0 1 0,1-1-1,-1 1 1,6 3 0,-8-3 6,0 0 0,-1-1 1,1 0-1,0 1 0,0-1 0,4 1 1,-5-2-4,-1 0 1,0 0 0,0 1 0,1-2-1,-1 1 1,0 0 0,0 0 0,1 0-1,-1 0 1,0-1 0,0 1 0,0-1 0,0 1-1,1-1 1,-1 1 0,0-1 0,0 0-1,1-1 1,4-4-15,0 0 0,0-1-1,-1 0 1,0 0 0,0 0 0,7-14-1,-5 8 23,-1 1-14,0 0-1,7-20 0,-7 17 8,2-6-29,12-42-1,-15 46 28,0-6-38,19-123-40,-19 106-65,9-82 4,1-18 102,-10 80-41,12-266-41,-15 261 8,-9-238-36,4 245 98,-25-215-21,21 223 14,-46-167-19,40 179 30,-71-135-20,64 141 20,-95-116-20,91 124 20,-91-66-20,112 87 66,0 2 0,0-1 1,0 0-1,0 1 0,0-1 1,-6-1-1,-69-22-45,-9 6 32,80 18 3,-1 0 0,-15-1 0,-82 1-35,-6 9 37,111-8 16,-47 4-25,-197 26-9,191-22-6,-239 40-9,228-38 44,-106 13 3,-46 5 2,-195 21 4,330-39 16,-365 44 12,348-42 10,-166 21 3,-14 2-25,163-21 33,-486 63 31,477-60 16,-508 84 39,503-78-44,-532 100 43,525-99-36,-560 86 45,560-90-39,-508 61 39,524-65-87,-159 23 0,12-1-68,170-22-92,-119 24 0,18 0-87,77-16-3674,-126 23-9084,577-110 9751</inkml:trace>
+</inkml:ink>
+</file>
+
+<file path=ppt/ink/ink52.xml><?xml version="1.0" encoding="utf-8"?>
+<inkml:ink xmlns:inkml="http://www.w3.org/2003/InkML">
+  <inkml:definitions>
+    <inkml:context xml:id="ctx0">
+      <inkml:inkSource xml:id="inkSrc0">
+        <inkml:traceFormat>
+          <inkml:channel name="X" type="integer" min="-2.14748E9" max="2.14748E9" units="cm"/>
+          <inkml:channel name="Y" type="integer" min="-2.14748E9" max="2.14748E9" units="cm"/>
+          <inkml:channel name="F" type="integer" max="32767" units="dev"/>
+        </inkml:traceFormat>
+        <inkml:channelProperties>
+          <inkml:channelProperty channel="X" name="resolution" value="1000" units="1/cm"/>
+          <inkml:channelProperty channel="Y" name="resolution" value="1000" units="1/cm"/>
+          <inkml:channelProperty channel="F" name="resolution" value="0" units="1/dev"/>
+        </inkml:channelProperties>
+      </inkml:inkSource>
+      <inkml:timestamp xml:id="ts0" timeString="2022-11-23T20:18:21.835"/>
+    </inkml:context>
+    <inkml:brush xml:id="br0">
+      <inkml:brushProperty name="width" value="0.05" units="cm"/>
+      <inkml:brushProperty name="height" value="0.05" units="cm"/>
+    </inkml:brush>
+  </inkml:definitions>
+  <inkml:trace contextRef="#ctx0" brushRef="#br0">355 1 17751,'-9'94'291,"4"-48"1162,-12 97 1,-3 26-1009,11-93 330,-13 136 3,-6 69-622,-24 284-286,43-462-524,-40 388-324,39-401 4,-16 115 1,-3-13 558,18-132-683,-34 113-281,41-164 1240,3-14-48,-3-49-140,3-83-1616,-2-46-7443</inkml:trace>
+</inkml:ink>
+</file>
+
+<file path=ppt/ink/ink53.xml><?xml version="1.0" encoding="utf-8"?>
+<inkml:ink xmlns:inkml="http://www.w3.org/2003/InkML">
+  <inkml:definitions>
+    <inkml:context xml:id="ctx0">
+      <inkml:inkSource xml:id="inkSrc0">
+        <inkml:traceFormat>
+          <inkml:channel name="X" type="integer" min="-2.14748E9" max="2.14748E9" units="cm"/>
+          <inkml:channel name="Y" type="integer" min="-2.14748E9" max="2.14748E9" units="cm"/>
+          <inkml:channel name="F" type="integer" max="32767" units="dev"/>
+        </inkml:traceFormat>
+        <inkml:channelProperties>
+          <inkml:channelProperty channel="X" name="resolution" value="1000" units="1/cm"/>
+          <inkml:channelProperty channel="Y" name="resolution" value="1000" units="1/cm"/>
+          <inkml:channelProperty channel="F" name="resolution" value="0" units="1/dev"/>
+        </inkml:channelProperties>
+      </inkml:inkSource>
+      <inkml:timestamp xml:id="ts0" timeString="2022-11-23T20:18:22.293"/>
+    </inkml:context>
+    <inkml:brush xml:id="br0">
+      <inkml:brushProperty name="width" value="0.05" units="cm"/>
+      <inkml:brushProperty name="height" value="0.05" units="cm"/>
+    </inkml:brush>
+  </inkml:definitions>
+  <inkml:trace contextRef="#ctx0" brushRef="#br0">897 1 16224,'-43'179'330,"28"-123"1323,-41 135 1,-12 37-1246,35-119-22,-66 206 1,-15 35-422,68-210-525,-176 529-157,155-468-1783,-67 201-6820,312-938 7002</inkml:trace>
+</inkml:ink>
+</file>
+
+<file path=ppt/ink/ink54.xml><?xml version="1.0" encoding="utf-8"?>
+<inkml:ink xmlns:inkml="http://www.w3.org/2003/InkML">
+  <inkml:definitions>
+    <inkml:context xml:id="ctx0">
+      <inkml:inkSource xml:id="inkSrc0">
+        <inkml:traceFormat>
+          <inkml:channel name="X" type="integer" min="-2.14748E9" max="2.14748E9" units="cm"/>
+          <inkml:channel name="Y" type="integer" min="-2.14748E9" max="2.14748E9" units="cm"/>
+          <inkml:channel name="F" type="integer" max="32767" units="dev"/>
+        </inkml:traceFormat>
+        <inkml:channelProperties>
+          <inkml:channelProperty channel="X" name="resolution" value="1000" units="1/cm"/>
+          <inkml:channelProperty channel="Y" name="resolution" value="1000" units="1/cm"/>
+          <inkml:channelProperty channel="F" name="resolution" value="0" units="1/dev"/>
+        </inkml:channelProperties>
+      </inkml:inkSource>
+      <inkml:timestamp xml:id="ts0" timeString="2022-11-23T20:18:25.061"/>
+    </inkml:context>
+    <inkml:brush xml:id="br0">
+      <inkml:brushProperty name="width" value="0.05" units="cm"/>
+      <inkml:brushProperty name="height" value="0.05" units="cm"/>
+    </inkml:brush>
+  </inkml:definitions>
+  <inkml:trace contextRef="#ctx0" brushRef="#br0">30 281 14968,'0'16'3139,"1"-12"403,-1-4-3516,0 0-1,0-1 1,0 1 0,0 0 0,0-1 0,1 1 0,-1 0 0,0-1 0,0 1-1,0 0 1,0-1 0,0 1 0,1 0 0,-1 0 0,0-1 0,0 1 0,0 0-1,1 0 1,-1-1 0,0 1 0,0 0 0,1 0 0,-1 0 0,0-1 0,1 1 0,-1 0-1,0 0 1,1 0 0,-1 0 0,0 0 0,1 0 0,-1 0 0,0 0 0,1 0-1,-1-1 1,0 2 0,1-1 0,-1 0 0,1 0 0,0 0-15,0 0 0,0 1 0,0-1 0,0 0 0,0 1 1,0-1-1,0 1 0,0 0 0,0-1 0,0 1 0,-1 0 0,1-1 1,0 1-1,0 0 0,0 0 0,-1 0 0,1 0 0,0 1 0,36 63 176,-36-62-178,0 0 0,0-1 0,0 1 0,0 0-1,1 4 1,28 138 67,-25-106-14,7 81 3,-4 16-48,-6-77 5,-6 259 16,1-254 2,-21 233 26,18-241 20,-34 214 38,32-223-24,-34 172 92,19-110-98,21-100-39,0-1-1,1 0 1,-1 13 0,1-5-21,1-15-30,0 0 0,0-1 0,0 1-1,-1 0 1,1 0 0,0 0 0,0 0 0,0-1 0,0 1-1,0 0 1,1 0 0,-1 0 0,0-1 0,0 1 0,0 0 0,1 0-1,-1-1 1,0 1 0,1 0 0,-1 0 0,1-1 0,-1 1 0,1 0-1,-1-1 1,1 1 0,0-1 0,-1 1 0,1-1 0,-1 1 0,1-1-1,0 1 1,0-1 0,-1 1 0,1-1 0,0 0 0,1 1 0,54 2 30,-33-3-19,0-2-1,37-7 0,-44 6-11,10-1 5,46-9 4,29-6-10,34-5-2,30-3 0,12 2 0,12 2 0,195-5-2,-309 26-12,318-1-8,-309 5-12,369 27-10,-359-20 24,376 46-12,-377-41-8,365 67-17,-429-75 34,29 9-1,150 48-22,-7 8 35,-127-43 6,94 41 3,-13 0 9,-99-43 26,180 79 29,-196-87 46,-2-1-40,119 54 128,-27-15-56,-109-47-114,23 5 1,-5-3-20,-8-3-2,4 3-4,-18-10-429,-12-1-50,-2-12 218,9-42-50,22-62 0,-31 106 308,5-12-58,35-109-25,-32 100 20,51-135-14,-46 121 54,30-96 3,5-21 16,-28 94-8,36-109 1,13-44 10,-8 8 3,-8 6 0,-10 10 0,-14 39 6,-22 99 22,7-73 4,-6 9-22,-9 79 12,-8-153 16,6 191-28,-1-1 0,0 1 0,-2-9 0,-19-63 30,-6 8-28,28 70-12,-1-3 3,0 1-1,0-1 0,-1 1 0,1 0 0,0 0 1,-1-1-1,1 1 0,-5-3 0,-42-44 18,-9 6-13,57 43-7,-2-2 2,-1 0 0,0 0 0,0 1 0,-1-1-1,1 1 1,-4-2 0,-65-20 12,47 17-13,-50-3 0,-53 7-1,-30 13 0,-25 11 0,-26 10 0,-33 7 0,-35 5 2,-320 37 24,567-77-16,-95 9 138,-523 37 85,519-42 20,-496 12 94,507-18-134,-422 2 62,442-4-180,-123-1 3,17-2-75,135 2-8,-72-2 3,26-1-107,79 2-376,31 2 402,-15-2-136,-1-1 1,-34-8-1,29 6-2978,-34-4-7952,140 21 8373</inkml:trace>
+</inkml:ink>
+</file>
+
+<file path=ppt/ink/ink55.xml><?xml version="1.0" encoding="utf-8"?>
+<inkml:ink xmlns:inkml="http://www.w3.org/2003/InkML">
+  <inkml:definitions>
+    <inkml:context xml:id="ctx0">
+      <inkml:inkSource xml:id="inkSrc0">
+        <inkml:traceFormat>
+          <inkml:channel name="X" type="integer" min="-2.14748E9" max="2.14748E9" units="cm"/>
+          <inkml:channel name="Y" type="integer" min="-2.14748E9" max="2.14748E9" units="cm"/>
+          <inkml:channel name="F" type="integer" max="32767" units="dev"/>
+        </inkml:traceFormat>
+        <inkml:channelProperties>
+          <inkml:channelProperty channel="X" name="resolution" value="1000" units="1/cm"/>
+          <inkml:channelProperty channel="Y" name="resolution" value="1000" units="1/cm"/>
+          <inkml:channelProperty channel="F" name="resolution" value="0" units="1/dev"/>
+        </inkml:channelProperties>
+      </inkml:inkSource>
+      <inkml:timestamp xml:id="ts0" timeString="2022-11-23T20:18:25.869"/>
+    </inkml:context>
+    <inkml:brush xml:id="br0">
+      <inkml:brushProperty name="width" value="0.05" units="cm"/>
+      <inkml:brushProperty name="height" value="0.05" units="cm"/>
+    </inkml:brush>
+  </inkml:definitions>
+  <inkml:trace contextRef="#ctx0" brushRef="#br0">666 1 12912,'-70'12'1537,"-11"3"196,62-10-778,-87 37 297,85-31-746,-17 12-261,1 0 0,-66 57 0,75-53-157,-41 51 1,56-60-22,0 0 0,2 0 0,0 1 0,-13 32 0,3 15 222,20-54-9,5 58 108,-1-55-126,30 69 102,-32-82-332,0 1 1,0-1-1,0 0 1,0 0 0,1 0-1,1 2 1,15 17 49,1 0-1,1-1 1,28 21 0,84 51 21,-118-84-107,0-1-1,0 0 0,1-1 1,0-1-1,0 0 0,1-1 1,29 3-1,-42-6-91,6-1 180,-9 0-124,1 0 0,-1 0 0,0-1 0,0 1 0,1 0 0,-1 0 0,0 0 0,0 0 0,0 0 0,1 0 0,-1 0 0,0-1 0,0 1 0,0 0 0,0 0-1,1 0 1,-1 0 0,0-1 0,0 1 0,0 0 0,0 0 0,0 0 0,0-1 0,1 1 0,-1 0 0,0 0 0,0-1 0,0 1 0,0 0 0,0 0 0,0-1 0,0 1 0,0-3-197,1-1 1,-1 1 0,1 0 0,0 0-1,0 0 1,2-4 0,-1 2 158,1-5-2336,1-6-6659,-10 38 6815</inkml:trace>
+</inkml:ink>
+</file>
+
+<file path=ppt/ink/ink56.xml><?xml version="1.0" encoding="utf-8"?>
+<inkml:ink xmlns:inkml="http://www.w3.org/2003/InkML">
+  <inkml:definitions>
+    <inkml:context xml:id="ctx0">
+      <inkml:inkSource xml:id="inkSrc0">
+        <inkml:traceFormat>
+          <inkml:channel name="X" type="integer" min="-2.14748E9" max="2.14748E9" units="cm"/>
+          <inkml:channel name="Y" type="integer" min="-2.14748E9" max="2.14748E9" units="cm"/>
+          <inkml:channel name="F" type="integer" max="32767" units="dev"/>
+        </inkml:traceFormat>
+        <inkml:channelProperties>
+          <inkml:channelProperty channel="X" name="resolution" value="1000" units="1/cm"/>
+          <inkml:channelProperty channel="Y" name="resolution" value="1000" units="1/cm"/>
+          <inkml:channelProperty channel="F" name="resolution" value="0" units="1/dev"/>
+        </inkml:channelProperties>
+      </inkml:inkSource>
+      <inkml:timestamp xml:id="ts0" timeString="2022-11-23T20:18:26.257"/>
+    </inkml:context>
+    <inkml:brush xml:id="br0">
+      <inkml:brushProperty name="width" value="0.05" units="cm"/>
+      <inkml:brushProperty name="height" value="0.05" units="cm"/>
+    </inkml:brush>
+  </inkml:definitions>
+  <inkml:trace contextRef="#ctx0" brushRef="#br0">61 1 15776,'13'50'1847,"-12"-44"1789,-1-6-3589,-1 0 477,0 3-9,0 15 3,-2 15-412,0 21-101,3 19-2,0 16 2,-2 10-2,-1 2 2,-2 1-2,-15 119-3,-6-73-464,25-144 30,0-3 368,1 1 1,0-1 0,0 0-1,0 0 1,-1 0 0,1 0-1,-1 0 1,1 1-1,-1-1 1,1 0 0,-1 0-1,0 0 1,1-1-1,-2 3 1,1-6-922,6-43-250,-5 44 1191,0-1 0,1 1 1,-1-1-1,1 1 0,-1 0 0,1-1 0,0 1 0,0 0 1,1-3-1,3-4-23,8-24-2178,6-19-8733</inkml:trace>
+</inkml:ink>
+</file>
+
+<file path=ppt/ink/ink57.xml><?xml version="1.0" encoding="utf-8"?>
+<inkml:ink xmlns:inkml="http://www.w3.org/2003/InkML">
+  <inkml:definitions>
+    <inkml:context xml:id="ctx0">
+      <inkml:inkSource xml:id="inkSrc0">
+        <inkml:traceFormat>
+          <inkml:channel name="X" type="integer" min="-2.14748E9" max="2.14748E9" units="cm"/>
+          <inkml:channel name="Y" type="integer" min="-2.14748E9" max="2.14748E9" units="cm"/>
+          <inkml:channel name="F" type="integer" max="32767" units="dev"/>
+        </inkml:traceFormat>
+        <inkml:channelProperties>
+          <inkml:channelProperty channel="X" name="resolution" value="1000" units="1/cm"/>
+          <inkml:channelProperty channel="Y" name="resolution" value="1000" units="1/cm"/>
+          <inkml:channelProperty channel="F" name="resolution" value="0" units="1/dev"/>
+        </inkml:channelProperties>
+      </inkml:inkSource>
+      <inkml:timestamp xml:id="ts0" timeString="2022-11-23T20:18:26.894"/>
+    </inkml:context>
+    <inkml:brush xml:id="br0">
+      <inkml:brushProperty name="width" value="0.05" units="cm"/>
+      <inkml:brushProperty name="height" value="0.05" units="cm"/>
+    </inkml:brush>
+  </inkml:definitions>
+  <inkml:trace contextRef="#ctx0" brushRef="#br0">346 204 13360,'-60'-5'2822,"70"7"-2349,0-1 124,0 0 1,0 0-1,12-1 1,-20-3-612,-2-4 13,0 0 0,0 0 0,0 0 0,-1 1 0,0-1-1,0 0 1,-1 0 0,-3-7 0,1 0 35,-1 1 1,-1 1-1,-9-18 0,11 24 46,0 0-1,-1 0 0,0 0 1,0 0-1,-1 1 1,1 0-1,-1 0 1,0 0-1,-9-5 1,12 9-52,0 1 1,0-1-1,0 1 1,0 0-1,-1 0 1,1 0 0,0 0-1,0 1 1,0-1-1,0 1 1,0 0-1,1 0 1,-1 0-1,0 0 1,0 0-1,-3 3 1,0 0 3,1 0 0,0 1 0,0 0 0,-6 7 0,5-5-15,3-4 3,0 0 0,0 0 0,1 0 0,-1 0 0,1 0-1,-4 7 1,-1 2 1,-1 0-8,3-5 4,0 1 0,1-1-1,-4 9 1,-45 108 118,44-96-75,0 1 0,-8 55 0,15-67-38,-1 9 19,-1 34-1,4-52-31,0 0 0,1 0 0,0-1 0,1 1-1,-1 0 1,1-1 0,1 1 0,6 13 0,-8-20-6,-1 1-1,1 0 1,0-1 0,0 0 0,0 1 0,1-1 0,-1 0-1,0 1 1,0-1 0,1 0 0,-1 0 0,1 0 0,-1 0-1,1 0 1,-1 0 0,1-1 0,0 1 0,-1 0 0,1-1-1,0 1 1,1-1 0,1 0 1,-1 0 1,0 0-1,1 0 1,-1 0-1,0-1 0,1 0 1,-1 0-1,0 0 1,0 0-1,6-3 0,4-2-4,-1 0 0,0-1 0,0 0 0,0-2 0,16-14 0,3-8-29,-19 17-118,55-75-61,-25 28-105,-31 46 292,-6 7 15,1-1 0,8-16 0,-3 2 46,-1 0-1,-1-1 0,7-29 1,-15 51 12,-1-1 0,0 1 1,1-1-1,-1 1 0,0-1 0,-1 0 1,1 1-1,0-1 0,-1 1 1,0-3-1,0 2-29,-1 11 17,-4 68 396,8-64-354,7 16 14,1 0 1,1 0 0,1-1 0,22 35 0,-23-48-53,0 0 0,1 0 0,1-2 0,18 16 0,9 9-15,-36-32-36,2 1-7,0 0 0,0-1 0,1 1 0,-1-1 1,1 0-1,11 5 0,-15-9 47,-3 0-94,0-1 1,1 0-1,-1 1 1,1-1-1,-1 0 1,1 0-1,-1 0 1,1 1-1,-1-1 1,1 0-1,-1 0 1,1 0-1,-1 0 1,1 0-1,-1 0 1,1 0-1,-1 0 1,2 0-1,-2-1-6,1 0-1,0 0 1,-1 0-1,1 0 0,-1 0 1,1 0-1,-1 0 0,0 0 1,1 0-1,-1-1 1,0 0-1,2-8 39,3-16-3157,1 2-6168,-14 56 7053</inkml:trace>
+</inkml:ink>
+</file>
+
+<file path=ppt/ink/ink58.xml><?xml version="1.0" encoding="utf-8"?>
+<inkml:ink xmlns:inkml="http://www.w3.org/2003/InkML">
+  <inkml:definitions>
+    <inkml:context xml:id="ctx0">
+      <inkml:inkSource xml:id="inkSrc0">
+        <inkml:traceFormat>
+          <inkml:channel name="X" type="integer" min="-2.14748E9" max="2.14748E9" units="cm"/>
+          <inkml:channel name="Y" type="integer" min="-2.14748E9" max="2.14748E9" units="cm"/>
+          <inkml:channel name="F" type="integer" max="32767" units="dev"/>
+        </inkml:traceFormat>
+        <inkml:channelProperties>
+          <inkml:channelProperty channel="X" name="resolution" value="1000" units="1/cm"/>
+          <inkml:channelProperty channel="Y" name="resolution" value="1000" units="1/cm"/>
+          <inkml:channelProperty channel="F" name="resolution" value="0" units="1/dev"/>
+        </inkml:channelProperties>
+      </inkml:inkSource>
+      <inkml:timestamp xml:id="ts0" timeString="2022-11-23T20:18:27.411"/>
+    </inkml:context>
+    <inkml:brush xml:id="br0">
+      <inkml:brushProperty name="width" value="0.05" units="cm"/>
+      <inkml:brushProperty name="height" value="0.05" units="cm"/>
+    </inkml:brush>
+  </inkml:definitions>
+  <inkml:trace contextRef="#ctx0" brushRef="#br0">539 21 14792,'0'0'5409,"-7"-2"-4964,-19-9-354,14 7-85,-50 0 6,53 4-4,0 1 0,1 0-1,-1 0 1,1 1 0,-1 0 0,-15 6-1,15-4 1,-4 0 18,1 1-1,-1 1 1,-18 11 0,19-10-7,2-1 47,1-1 0,-1 2 0,-15 12 0,17-12 4,-3 4 67,-16 18 0,27-29-133,0 0 0,0 0 0,0 0 0,0 1 0,0-1 0,0 0 0,-1 0 0,1 0 0,0 0 0,0 1 0,0-1 0,0 0 0,0 0 0,0 0 0,0 1 0,0-1 0,0 0 0,0 0 0,0 0 0,0 0 0,0 1 0,0-1 0,0 0 0,0 0 0,0 0 0,0 1 0,0-1 0,0 0 0,0 0 0,1 0 0,-1 0 0,0 1-1,0-1 1,7 5 15,-6-4-7,21 11 49,23 8 0,-22-10-53,3 2 27,-15-7-23,-1 0 1,1 1-1,14 10 0,30 26 46,-47-33 28,17 41 22,-25-49-106,1-1 0,-1 1-1,0 0 1,0-1 0,0 1-1,1 0 1,-1 0-1,0-1 1,0 1 0,0 0-1,0 0 1,0 0 0,-3 26 23,2-23-24,-1 0 0,1 1 0,-1-1 0,0 0 1,-3 5-1,1-2 0,0-1 1,-11 12 0,6-9-1,-16 13-1,9-11-10,-1 0 0,-23 10 0,26-16-142,-60 11-92,59-14-88,12-2 247,-6 0-43,0 0-1,0-1 0,1 0 0,-1-1 1,0 1-1,-16-7 0,-27-13-661,43 15-204,3-1 694,1 1 0,0-1 0,-5-7 0,8 10 230,-1-1-1,1 1 1,0 0-1,0-1 1,1 1-1,-1-1 1,0-8-1,2-18-2000,-4-17-8029</inkml:trace>
+</inkml:ink>
+</file>
+
+<file path=ppt/ink/ink59.xml><?xml version="1.0" encoding="utf-8"?>
+<inkml:ink xmlns:inkml="http://www.w3.org/2003/InkML">
+  <inkml:definitions>
+    <inkml:context xml:id="ctx0">
+      <inkml:inkSource xml:id="inkSrc0">
+        <inkml:traceFormat>
+          <inkml:channel name="X" type="integer" min="-2.14748E9" max="2.14748E9" units="cm"/>
+          <inkml:channel name="Y" type="integer" min="-2.14748E9" max="2.14748E9" units="cm"/>
+          <inkml:channel name="F" type="integer" max="32767" units="dev"/>
+        </inkml:traceFormat>
+        <inkml:channelProperties>
+          <inkml:channelProperty channel="X" name="resolution" value="1000" units="1/cm"/>
+          <inkml:channelProperty channel="Y" name="resolution" value="1000" units="1/cm"/>
+          <inkml:channelProperty channel="F" name="resolution" value="0" units="1/dev"/>
+        </inkml:channelProperties>
+      </inkml:inkSource>
+      <inkml:timestamp xml:id="ts0" timeString="2022-11-23T20:18:27.854"/>
+    </inkml:context>
+    <inkml:brush xml:id="br0">
+      <inkml:brushProperty name="width" value="0.05" units="cm"/>
+      <inkml:brushProperty name="height" value="0.05" units="cm"/>
+    </inkml:brush>
+  </inkml:definitions>
+  <inkml:trace contextRef="#ctx0" brushRef="#br0">471 1 13176,'-10'1'742,"1"0"-1,-1 1 1,1 0 0,-1 0 0,-11 6 0,2-2-76,-6 2-596,17-5-63,1 0-18,-38 22-29,42-23 38,1-1-1,1 0 1,-1 0-1,1 1 1,0-1-1,-1 1 1,1-1-1,0 1 1,0-1-1,0 1 1,0 0-1,-1 2 1,0-1-4,1-1 1,1 0-1,-1 0 1,1-1 0,-1 1 0,1 0 0,0 0 0,0 0-1,0 0 1,0 0 0,0-1 0,0 1 0,0 0 0,1 3-1,0-3 1,-1-1 3,0 1 0,0-1 0,0 0 0,0 0 0,1 0 0,-1 0 0,0 1-1,1-1 1,-1 0 0,1 0 0,-1 0 0,1 0 0,1 1 0,1 2-2,10 16 3,9 6 344,46 43-1,-40-42-83,-24-23-206,-1 0 1,1 1 0,-1-1 0,-1 1-1,1-1 1,-1 1 0,1 0-1,-1 0 1,2 9 0,-2-8-17,-1-1-3,1-1-1,-1 1 1,0 0-1,-1-1 1,1 1-1,-1 0 1,0 0-1,0-1 1,-1 1-1,0 7 1,0-6 4,1-5-17,0 0 1,-1 0-1,1 0 0,0 0 1,0 0-1,-1-1 0,1 1 1,0 0-1,-1 0 0,0 1 1,-7 11 90,-1-1 0,-15 17 0,23-28-88,0 0 1,0 0 0,0 0-1,-1 0 1,1 0 0,0 0-1,0-1 1,0 1 0,-2 0-1,-87 33 283,70-30-254,-80-4 5,81-3-92,-58-17-178,76 20 151,0 0 0,0-1-1,0 1 1,0 0 0,0-1-1,0 1 1,0-1 0,1 1-1,-1-1 1,0 1 0,0-1-1,1 1 1,-2-2 0,-6-6-261,0 0 1,1 0-1,0-1 1,0 0-1,-9-17 0,10 14-154,-8-21-1,14 33 466,0 0 0,0-1 0,0 1-1,-1-1 1,1 1 0,0 0 0,0-1-1,0 1 1,0-1 0,0 1 0,0-1 0,0 1-1,0 0 1,1-1 0,-1 1 0,0-1 0,0 1-1,0 0 1,0-1 0,0 1 0,1-1-1,5-10-435,1 0 0,0 1 0,0 0 0,11-11 0,-18 21 379,44-57-9972</inkml:trace>
+</inkml:ink>
+</file>
+
 <file path=ppt/ink/ink6.xml><?xml version="1.0" encoding="utf-8"?>
 <inkml:ink xmlns:inkml="http://www.w3.org/2003/InkML">
   <inkml:definitions>
@@ -1401,6 +3050,276 @@
     </inkml:brush>
   </inkml:definitions>
   <inkml:trace contextRef="#ctx0" brushRef="#br0">406 149 12728,'-25'18'224,"25"-18"-186,0 0 0,0 0 1,0 0-1,0 0 1,0 0-1,-1 0 0,1 0 1,0 0-1,0 0 0,0 1 1,0-1-1,0 0 1,-1 0-1,1 0 0,0 0 1,0 0-1,0 0 1,0 0-1,0 0 0,-1-1 1,1 1-1,0 0 0,0 0 1,0 0-1,0 0 1,0 0-1,0 0 0,0 0 1,-1 0-1,1 0 1,0 0-1,0 0 0,0 0 1,0-1-1,0 1 1,0 0-1,0 0 0,0 0 1,0 0-1,-1 0 0,1 0 1,0 0-1,0-1 1,0 1-1,0 0 0,0 0 1,0 0-1,-1-7 275,0 6-228,0-24 964,-3-22-140,4 45-847,0 0 1,0 1-1,0-1 0,0 0 1,-1 0-1,1 0 0,0 0 1,-1 1-1,0-1 0,-1-3 1,-1-2 38,-6-14-17,4 14-56,-2 0-9,-1 1 0,-9-6 0,17 12-15,-1 0 1,1 0-1,0 0 0,-1-1 1,1 1-1,0 0 0,-1 0 1,1 0-1,0 0 0,-1 0 0,1 0 1,0 0-1,-1 0 0,1 0 1,0 0-1,-1 0 0,1 0 1,-1 0-1,1 0 0,0 0 0,-1 0 1,-2 1 22,-2-1 2,-1 1 0,1 1 0,-1-1 1,1 1-1,0 0 0,0 0 1,0 1-1,0-1 0,-9 7 1,-48 41 216,22-17 132,-13 15-148,46-41-225,-9 8 192,1 1 0,1 0 0,-19 28-1,32-43-167,1 1-1,0-1 0,-1 1 0,1-1 0,0 0 0,0 1 0,0-1 1,0 1-1,0-1 0,0 0 0,0 1 0,1-1 0,-1 1 1,0-1-1,1 0 0,-1 1 0,1-1 0,0 0 0,-1 0 0,1 1 1,1 1-1,-1-2-4,-1 0-19,1-1 0,-1 0 1,0 1-1,0-1 0,1 0 0,-1 0 0,0 1 0,0-1 0,1 0 0,-1 0 0,0 1 0,1-1 0,-1 0 0,0 0 0,1 0 0,-1 0 0,0 1 1,1-1-1,0 0 0,18 6 67,27 5 1,-23-7 31,34 0 0,-8-1-89,65 4 3,-91-6 4,30 5 3,7 2-18,29 13-5,-76-16-22,4 6 6,21 19 0,-38-30 13,1 0 0,-1 1 0,0-1 0,1 1 0,-1-1 0,1 0 0,-1 1 0,0-1 0,1 1 0,-1-1 0,0 1 0,0-1 0,1 1 0,-1-1 0,0 1 0,0-1 0,0 1 0,0-1 0,0 2 0,2 8-5,-2 1-1,0 0 0,-2 17 1,2-28 5,0 1 0,0 0 0,0 0 1,0-1-1,0 1 0,-1 0 0,1 0 0,0-1 1,-1 1-1,1 0 0,0-1 0,-1 1 0,1 0 1,-1-1-1,1 1 0,-2 0 0,-65 64-21,49-53-12,-79 31-55,76-37-158,-92 8-222,110-14 361,1 1-1,-1-1 1,1 0 0,0-1-1,-1 1 1,1 0 0,-3-1-1,-19-6-286,0 0 0,-28-14 0,50 20 314,0 0 1,1 0-1,-1 0 0,1 0 0,-1 0 1,1 0-1,-1 0 0,-1-3 0,-7-7-149,1-1 0,0 0-1,-12-24 1,7 13-1894,-16-21-5632,70 103 5830</inkml:trace>
+</inkml:ink>
+</file>
+
+<file path=ppt/ink/ink60.xml><?xml version="1.0" encoding="utf-8"?>
+<inkml:ink xmlns:inkml="http://www.w3.org/2003/InkML">
+  <inkml:definitions>
+    <inkml:context xml:id="ctx0">
+      <inkml:inkSource xml:id="inkSrc0">
+        <inkml:traceFormat>
+          <inkml:channel name="X" type="integer" min="-2.14748E9" max="2.14748E9" units="cm"/>
+          <inkml:channel name="Y" type="integer" min="-2.14748E9" max="2.14748E9" units="cm"/>
+          <inkml:channel name="F" type="integer" max="32767" units="dev"/>
+        </inkml:traceFormat>
+        <inkml:channelProperties>
+          <inkml:channelProperty channel="X" name="resolution" value="1000" units="1/cm"/>
+          <inkml:channelProperty channel="Y" name="resolution" value="1000" units="1/cm"/>
+          <inkml:channelProperty channel="F" name="resolution" value="0" units="1/dev"/>
+        </inkml:channelProperties>
+      </inkml:inkSource>
+      <inkml:timestamp xml:id="ts0" timeString="2022-11-23T20:18:28.396"/>
+    </inkml:context>
+    <inkml:brush xml:id="br0">
+      <inkml:brushProperty name="width" value="0.05" units="cm"/>
+      <inkml:brushProperty name="height" value="0.05" units="cm"/>
+    </inkml:brush>
+  </inkml:definitions>
+  <inkml:trace contextRef="#ctx0" brushRef="#br0">509 43 13624,'-19'-9'843,"-9"-4"954,12 8-1347,-1 1 1,0 0 0,-1 1 0,1 1 0,-20 0 0,24 1-414,7 1-41,-1 0-1,1 0 1,0 1-1,-12 2 0,-17 4-34,1 1 1,-1 2-1,2 1 0,-39 18 0,66-25 17,0-1 1,0 1 0,0 1-1,1-1 1,-1 1 0,1 0-1,0 0 1,0 0 0,1 1-1,0 0 1,-4 6 0,7-9 21,-1 0 1,1-1 0,0 1-1,0 0 1,0 0-1,1 0 1,-1 0-1,1 0 1,0 0 0,0 4-1,0 3 19,3 18 0,0-14 77,1 1-1,0-1 1,1 1 0,0-1 0,1-1 0,9 16-1,-10-24 185,11 4-130,-1-1-1,1-1 0,1-1 1,16 5-1,-23-8-144,-1-1 1,1-1-1,0 0 0,-1 0 1,1-1-1,0 0 0,0-1 1,-1 0-1,1-1 0,16-4 1,-18 3-6,-1 0 0,0 0 0,0-1 0,0 1 1,0-2-1,-1 1 0,0-1 0,0 0 0,0 0 0,0 0 1,-1-1-1,0 0 0,0 0 0,4-7 0,1-7 2,-8 16-1,0 0-1,0-1 1,1 1 0,-1 0-1,1 0 1,-1 1 0,1-1 0,1 1-1,-1-1 1,5-3 0,-6 2 7,17-76 256,-16 65-140,7-27 196,-7 37-256,-1 8 23,0 12 44,-1-9-135,2 13 84,4 32 208,26 85 0,-22-99-205,-5-22 110,6 9-3,1 0-1,1 0 0,19 23 1,-32-46-191,-1 0 1,0 1-1,1-1 1,-1 0-1,0 1 1,1-1-1,-1 0 0,1 1 1,-1-1-1,0 0 1,1 0-1,-1 1 1,1-1-1,-1 0 1,1 0-1,-1 0 1,0 0-1,1 0 1,-1 0-1,1 0 1,-1 0-1,1 0 1,18 1-60,0-1 0,20-3 0,-37 2-35,0 1 0,0 0 1,0-1-1,0 1 0,0-1 1,0 0-1,0 0 0,2-1 1,122-65-1028,-87 45-1688,37-19-6873,-177 95 7289</inkml:trace>
+</inkml:ink>
+</file>
+
+<file path=ppt/ink/ink61.xml><?xml version="1.0" encoding="utf-8"?>
+<inkml:ink xmlns:inkml="http://www.w3.org/2003/InkML">
+  <inkml:definitions>
+    <inkml:context xml:id="ctx0">
+      <inkml:inkSource xml:id="inkSrc0">
+        <inkml:traceFormat>
+          <inkml:channel name="X" type="integer" min="-2.14748E9" max="2.14748E9" units="cm"/>
+          <inkml:channel name="Y" type="integer" min="-2.14748E9" max="2.14748E9" units="cm"/>
+          <inkml:channel name="F" type="integer" max="32767" units="dev"/>
+        </inkml:traceFormat>
+        <inkml:channelProperties>
+          <inkml:channelProperty channel="X" name="resolution" value="1000" units="1/cm"/>
+          <inkml:channelProperty channel="Y" name="resolution" value="1000" units="1/cm"/>
+          <inkml:channelProperty channel="F" name="resolution" value="0" units="1/dev"/>
+        </inkml:channelProperties>
+      </inkml:inkSource>
+      <inkml:timestamp xml:id="ts0" timeString="2022-11-23T20:18:30.707"/>
+    </inkml:context>
+    <inkml:brush xml:id="br0">
+      <inkml:brushProperty name="width" value="0.05" units="cm"/>
+      <inkml:brushProperty name="height" value="0.05" units="cm"/>
+    </inkml:brush>
+  </inkml:definitions>
+  <inkml:trace contextRef="#ctx0" brushRef="#br0">490 166 14792,'26'17'1695,"-25"-17"-1630,-1 1 0,0-1-1,0 0 1,0 0-1,1 0 1,-1 0 0,0 0-1,0 0 1,0 0-1,0 1 1,1-1-1,-1 0 1,0 0 0,0 0-1,0 0 1,0 1-1,0-1 1,0 0 0,0 0-1,0 0 1,0 1-1,1-1 1,-1 0-1,0 0 1,0 0 0,0 1-1,0-1 1,0 0-1,-5 4 1280,3-3-1248,1 0 0,0 0 0,-1 0 0,1 0 0,0 0 0,0 0 0,0 0 0,0 0 0,0 0 0,0 0-1,-2 3 1,-23 60 483,-9 53-548,28-90-17,-3 3 68,-53 135 51,46-124 22,-83 212 53,80-202-120,-70 183 46,74-194-12,-55 134 94,39-95-7,25-67-4,4-11-42,2-7-148,1-6-8,5-21 0,-3 22-8,2-16-9,12-44 1,-10 49-12,1-4-104,39-129-34,-32 112 94,31-93 3,6-22 28,-30 94-80,86-243-27,-89 253 116,20-59 3,-1 4 18,4-5 54,-31 92 380,-7 17-367,-2 4-38,2-4-10,-3 5-13,0 0 0,0 0 1,0 0-1,1 0 0,-1 0 0,0 0 0,0 0 0,0 0 0,0 0 0,0 0 0,0 0 0,1 0 0,-1 0 0,0 0 1,0 0-1,0 0 0,0 0 0,0 0 0,0 0 0,0 0 0,0 0 0,1 1 0,-1-1 0,0 0 0,0 0 1,0 0-1,0 0 0,0 0 0,0 0 0,0 0 0,0 0 0,0 0 0,0 1 0,0-1 0,0 0 0,0 0 0,0 0 1,0 0-1,0 0 0,0 0 0,0 0 0,0 1 0,0-1 0,0 0 0,0 0 0,0 0 0,0 0 0,0 0 0,0 0 1,0 1-1,10 81 130,-8-53 14,15 172 50,-14-152-96,19 222 42,-17-213-34,23 247 60,-22-247 0,24 209 65,-23-218-100,29 165 50,-29-178-70,33 126 167,-14-68-121,-24-86-131,0-7-814,-2-14-539,0 13 1325,0-27-1188,0 4 414,-7-40 0,0 30-1744,-4-19-9855</inkml:trace>
+</inkml:ink>
+</file>
+
+<file path=ppt/ink/ink62.xml><?xml version="1.0" encoding="utf-8"?>
+<inkml:ink xmlns:inkml="http://www.w3.org/2003/InkML">
+  <inkml:definitions>
+    <inkml:context xml:id="ctx0">
+      <inkml:inkSource xml:id="inkSrc0">
+        <inkml:traceFormat>
+          <inkml:channel name="X" type="integer" min="-2.14748E9" max="2.14748E9" units="cm"/>
+          <inkml:channel name="Y" type="integer" min="-2.14748E9" max="2.14748E9" units="cm"/>
+          <inkml:channel name="F" type="integer" max="32767" units="dev"/>
+        </inkml:traceFormat>
+        <inkml:channelProperties>
+          <inkml:channelProperty channel="X" name="resolution" value="1000" units="1/cm"/>
+          <inkml:channelProperty channel="Y" name="resolution" value="1000" units="1/cm"/>
+          <inkml:channelProperty channel="F" name="resolution" value="0" units="1/dev"/>
+        </inkml:channelProperties>
+      </inkml:inkSource>
+      <inkml:timestamp xml:id="ts0" timeString="2022-11-23T20:18:31.145"/>
+    </inkml:context>
+    <inkml:brush xml:id="br0">
+      <inkml:brushProperty name="width" value="0.05" units="cm"/>
+      <inkml:brushProperty name="height" value="0.05" units="cm"/>
+    </inkml:brush>
+  </inkml:definitions>
+  <inkml:trace contextRef="#ctx0" brushRef="#br0">477 132 13720,'-15'12'262,"15"-12"-221,0 0 0,0 1 0,0-1 1,-1 0-1,1 0 0,0 0 0,0 0 0,0 0 0,-1 0 0,1 0 0,0 0 0,0 0 0,0 0 0,-1 0 0,1 0 1,0 0-1,0 0 0,0 0 0,-1 0 0,1 0 0,0 0 0,0 0 0,0 0 0,-1 0 0,1 0 0,0 0 0,0 0 1,0 0-1,0 0 0,-1 0 0,1-1 0,-34-11 1391,2-1 0,-48-17-52,-5 2-393,44 17-1250,-55-16-171,67 20-2378,-29-8-6395,135 35 6939</inkml:trace>
+</inkml:ink>
+</file>
+
+<file path=ppt/ink/ink63.xml><?xml version="1.0" encoding="utf-8"?>
+<inkml:ink xmlns:inkml="http://www.w3.org/2003/InkML">
+  <inkml:definitions>
+    <inkml:context xml:id="ctx0">
+      <inkml:inkSource xml:id="inkSrc0">
+        <inkml:traceFormat>
+          <inkml:channel name="X" type="integer" min="-2.14748E9" max="2.14748E9" units="cm"/>
+          <inkml:channel name="Y" type="integer" min="-2.14748E9" max="2.14748E9" units="cm"/>
+          <inkml:channel name="F" type="integer" max="32767" units="dev"/>
+        </inkml:traceFormat>
+        <inkml:channelProperties>
+          <inkml:channelProperty channel="X" name="resolution" value="1000" units="1/cm"/>
+          <inkml:channelProperty channel="Y" name="resolution" value="1000" units="1/cm"/>
+          <inkml:channelProperty channel="F" name="resolution" value="0" units="1/dev"/>
+        </inkml:channelProperties>
+      </inkml:inkSource>
+      <inkml:timestamp xml:id="ts0" timeString="2022-11-23T20:18:34.808"/>
+    </inkml:context>
+    <inkml:brush xml:id="br0">
+      <inkml:brushProperty name="width" value="0.05" units="cm"/>
+      <inkml:brushProperty name="height" value="0.05" units="cm"/>
+    </inkml:brush>
+  </inkml:definitions>
+  <inkml:trace contextRef="#ctx0" brushRef="#br0">71 4452 9504,'25'-21'2028,"-25"21"-2000,-6 3 1401,-13 4 1375,18-6-2556,-1 1 49,2-2-20,-1 0-163,1 0-1,-1 0 1,1 0-1,-1 1 1,1-1-1,-1 0 0,1 0 1,-1 0-1,1 1 1,-1-1-1,1 0 0,-1 1 1,1-1-1,0 0 1,-1 1-1,1-1 0,-1 1 1,1-1-94,0 0 1,0 0-1,0 1 1,0-1-1,0 0 1,0 0-1,0 0 1,0 0-1,0 0 1,0 0-1,0 0 1,0 0-1,0 1 1,-1-1-1,1 0 1,0 0-1,0 0 1,0 0-1,0 0 1,0 0-1,0 0 1,0 0-1,0 0 1,0 0-1,0 1 1,-1-1-1,1 0 1,0 0-1,0 0 1,0 0-1,0 0 1,0 0-1,0 0 1,0 0-1,0 0 1,-1 0-1,1 0 1,0 0-1,0 0 1,0 0-1,0 0 0,0 0 1,0 0-1,0 0 1,-1 0-1,1 0 1,0 0-1,0 0 1,0 0-1,0-1 1,0 1-1,0 0 1,0 0-1,0 0 9,0 0 0,0 0 0,0 0 0,0 0 0,0 0 0,0 0 0,0 0 0,0 0 0,0 0 0,0 0 0,0 0 0,0 0 0,0 0 0,0 0 0,0 0 0,1 0 0,-1 0 0,0 0 0,0 0 0,0 0 0,0 0 0,0-1 0,0 1-1,0 0 1,0 0 0,0 0 0,0 0 0,0 0 0,0 0 0,0 0 0,0 0 0,0 0 0,0 0 0,0 0 0,0 0 0,0 0 0,0 0 0,0-1 0,0 1 0,0 0 0,0 0 0,0 0 0,0 0 0,0 0 0,0 0 0,0 0 0,0 0 0,0 0 0,0 0-1,0 0 1,0 0 0,0 0 0,-1 0 0,2 0 251,6-61 1836,-6 28-1995,-2-25-76,-8-36-12,2 18-6,0 9-25,2 0-2,-1-1 0,1 2 0,-2-2 0,-4-55-2,10 101-10,-3-97 0,3 96 0,1-84-3,1 87-12,23-129-42,-14 104 66,2 4 3,2 2 2,-6 22 22,1 1 0,1-1 1,0 2-1,1-1 1,1 2-1,21-21 0,-3 1 88,-24 26-84,1 1 1,0 0-1,0 0 0,13-9 1,56-42 108,-35 30-41,-23 17-79,24-19 7,-25 19 36,79-43 32,-74 43 8,101-39 24,-94 40-102,150-50 11,-143 47-18,141-48 9,-142 48-16,160-58 6,22-18-14,-194 80 1,-1-2 0,-1 0 0,0-1 0,0-2 0,-1 0 0,23-22 0,5-5 2,60-51 13,-83 71 32,50-44 4,-35 30-43,111-98 39,-119 101-22,-1-1-1,38-54 1,-28 23 6,-24 36 68,69-131 40,-69 124-40,71-161 32,-72 154-72,48-184 46,-56 183 62,12-160 54,-19 163-142,-6-156 52,2 161 48,-15-112 52,15 125-150,2-46 34,1 66-103,0 0 1,0 0-1,0-1 1,0 1 0,0 0-1,1-1 1,-1 1-1,2-4 1,0 1 3,6-12-2,-3 12-41,0 0 0,0 0 0,0 0 0,1 1 0,-1 0 0,1 0 0,11-5 0,-15 7 14,23-12-518,41-27-1589,-59 37 1885,0 0 286,8-4-3419,9-5-7938,-55 30 8509</inkml:trace>
+</inkml:ink>
+</file>
+
+<file path=ppt/ink/ink64.xml><?xml version="1.0" encoding="utf-8"?>
+<inkml:ink xmlns:inkml="http://www.w3.org/2003/InkML">
+  <inkml:definitions>
+    <inkml:context xml:id="ctx0">
+      <inkml:inkSource xml:id="inkSrc0">
+        <inkml:traceFormat>
+          <inkml:channel name="X" type="integer" min="-2.14748E9" max="2.14748E9" units="cm"/>
+          <inkml:channel name="Y" type="integer" min="-2.14748E9" max="2.14748E9" units="cm"/>
+          <inkml:channel name="F" type="integer" max="32767" units="dev"/>
+        </inkml:traceFormat>
+        <inkml:channelProperties>
+          <inkml:channelProperty channel="X" name="resolution" value="1000" units="1/cm"/>
+          <inkml:channelProperty channel="Y" name="resolution" value="1000" units="1/cm"/>
+          <inkml:channelProperty channel="F" name="resolution" value="0" units="1/dev"/>
+        </inkml:channelProperties>
+      </inkml:inkSource>
+      <inkml:timestamp xml:id="ts0" timeString="2022-11-23T20:18:36.814"/>
+    </inkml:context>
+    <inkml:brush xml:id="br0">
+      <inkml:brushProperty name="width" value="0.05" units="cm"/>
+      <inkml:brushProperty name="height" value="0.05" units="cm"/>
+    </inkml:brush>
+  </inkml:definitions>
+  <inkml:trace contextRef="#ctx0" brushRef="#br0">396 611 13176,'-8'-2'291,"5"1"114,-1 0 0,1 0 0,-1 0 0,0 1 1,1-1-1,-1 1 0,1 0 0,-1 0 0,0 0 0,-4 1 0,6 3 137,0 6-350,0 0 1,1 0-1,-1 17 1,2-23-173,-6 97 166,5-75 60,-9 123 90,6-108-136,-6 91 0,-2 19-130,5-87 78,-36 277 72,33-274-34,-40 235 56,40-248-156,-40 182 44,41-198-2,2-6-53,-20 91 72,12-29 291,14-89-355,1 2 515,5-5 4,7-1-568,-6 0-8,16 1 201,155-10 133,-155 7-240,98-9 35,-94 8-102,111-12 43,-103 12 66,181 2 39,-169 2-188,183 12 21,-182-11 52,194 18 24,-192-16-84,196 19 14,-195-20 2,76 6 3,30 2-34,146-2 5,-245-8 30,241 3 20,-237-4-18,246 8 33,-244-8 14,267 5 27,-260-4-100,292 13 26,-287-10 38,314 25 20,-310-23-100,117 11 1,39 7-4,192 10 7,-350-31 10,306 6 11,-308-11 2,287-26 11,-290 19-24,291-46 20,-290 42 40,114-18 0,38-7-62,179-23-8,-332 52 12,105-4 3,34 3-20,183 8-6,-325 2-4,254 3-2,-261-4-18,236-8-5,-243 7 10,68 1 0,11 0 18,-43 1 5,73-1 8,-5-3-1,-132 0-4,15-4-6,43-15 0,-77 20-14,2 0-9,0-1 0,-1-1 0,1 0 0,-1 0 0,11-7 0,-16 9-28,-1 1 35,-1 0 1,0 0-1,0-1 0,1 1 1,-1-1-1,0 1 0,0-1 1,0 0-1,-1 0 0,1 0 1,0 0-1,-1 0 0,3-4 1,1-5-30,0 0 0,-2-1 1,1 1-1,-1-1 0,1-16 1,-2 18 28,-1-30-118,-3-50-12,1 69 92,-14-100-15,12 92 44,-15-132-18,15 121-44,-11-208-22,12 192 84,-2-237-9,5 232-6,9-254-18,-8 254 6,8-222-16,-9 232 16,-3-169-16,0 183 14,-21-114-20,22 146 60,0 1 1,0 0 0,-3-7-1,4 11 14,-6-15-26,-12-19-1,11 23 16,-16-18 1,22 28 5,1 0 1,-1 0 0,0 0 0,0 0 0,0 0 0,0 0 0,0 0 0,0 1 0,0-1 0,0 0-1,-1 1 1,-1-2 0,3 2 4,-11-5-18,0 1 1,-14-4-1,8 4 3,-22-1-1,39 5 16,-4-1-20,0 1 0,0 0 0,0 0 0,-7 1 0,-156 21-105,128-15 100,-176 35-10,167-34-10,-218 28-9,207-29 34,-98 8 0,-47-1 16,-14-5 4,-17-3 2,-244 0 8,384-6 12,-420 1 18,406 0 8,-452 9 25,445-6-20,-476 23 31,471-19 16,-493 45 31,490-41-78,-492 57 15,494-54-46,-473 68 18,477-66 6,-476 65 28,477-64 12,-469 73 38,471-74-24,-443 61 32,451-64-72,-392 40 14,411-47-68,-104 5 1,19-4-95,116-5-359,-57 5 1,25-3 252,33-2-3056,-65 3-8193,282-15 8609</inkml:trace>
+</inkml:ink>
+</file>
+
+<file path=ppt/ink/ink65.xml><?xml version="1.0" encoding="utf-8"?>
+<inkml:ink xmlns:inkml="http://www.w3.org/2003/InkML">
+  <inkml:definitions>
+    <inkml:context xml:id="ctx0">
+      <inkml:inkSource xml:id="inkSrc0">
+        <inkml:traceFormat>
+          <inkml:channel name="X" type="integer" min="-2.14748E9" max="2.14748E9" units="cm"/>
+          <inkml:channel name="Y" type="integer" min="-2.14748E9" max="2.14748E9" units="cm"/>
+          <inkml:channel name="F" type="integer" max="32767" units="dev"/>
+        </inkml:traceFormat>
+        <inkml:channelProperties>
+          <inkml:channelProperty channel="X" name="resolution" value="1000" units="1/cm"/>
+          <inkml:channelProperty channel="Y" name="resolution" value="1000" units="1/cm"/>
+          <inkml:channelProperty channel="F" name="resolution" value="0" units="1/dev"/>
+        </inkml:channelProperties>
+      </inkml:inkSource>
+      <inkml:timestamp xml:id="ts0" timeString="2022-11-23T20:18:37.539"/>
+    </inkml:context>
+    <inkml:brush xml:id="br0">
+      <inkml:brushProperty name="width" value="0.05" units="cm"/>
+      <inkml:brushProperty name="height" value="0.05" units="cm"/>
+    </inkml:brush>
+  </inkml:definitions>
+  <inkml:trace contextRef="#ctx0" brushRef="#br0">60 1 12552,'-28'45'2805,"27"-42"-2592,0-1 0,0 1 0,1-1 0,-1 1 0,1 0 0,0 0 0,-1-1 0,1 1 0,0 0 0,0-1 0,1 1 0,-1 0 0,2 4 0,-1 1-51,11 102 442,-7 14-400,-5-97-176,-5 116 16,3-116-18,0-1-18,-8 81-142,-5-21-748,15-85 838,-1 8-439,-1 0 1,0 0-1,0 0 1,-5 10-1,33-61-1818,-4 3-6932</inkml:trace>
+</inkml:ink>
+</file>
+
+<file path=ppt/ink/ink66.xml><?xml version="1.0" encoding="utf-8"?>
+<inkml:ink xmlns:inkml="http://www.w3.org/2003/InkML">
+  <inkml:definitions>
+    <inkml:context xml:id="ctx0">
+      <inkml:inkSource xml:id="inkSrc0">
+        <inkml:traceFormat>
+          <inkml:channel name="X" type="integer" min="-2.14748E9" max="2.14748E9" units="cm"/>
+          <inkml:channel name="Y" type="integer" min="-2.14748E9" max="2.14748E9" units="cm"/>
+          <inkml:channel name="F" type="integer" max="32767" units="dev"/>
+        </inkml:traceFormat>
+        <inkml:channelProperties>
+          <inkml:channelProperty channel="X" name="resolution" value="1000" units="1/cm"/>
+          <inkml:channelProperty channel="Y" name="resolution" value="1000" units="1/cm"/>
+          <inkml:channelProperty channel="F" name="resolution" value="0" units="1/dev"/>
+        </inkml:channelProperties>
+      </inkml:inkSource>
+      <inkml:timestamp xml:id="ts0" timeString="2022-11-23T20:18:38.029"/>
+    </inkml:context>
+    <inkml:brush xml:id="br0">
+      <inkml:brushProperty name="width" value="0.05" units="cm"/>
+      <inkml:brushProperty name="height" value="0.05" units="cm"/>
+    </inkml:brush>
+  </inkml:definitions>
+  <inkml:trace contextRef="#ctx0" brushRef="#br0">1052 89 12552,'-15'19'242,"15"-19"-173,0 1 0,-1-1 0,1 0 0,0 0 0,-1 0 0,1 0 0,0 0 0,-1 1 0,1-1 0,-1 0 0,1 0 0,0 0 0,-1 0 0,1 0 0,0 0 0,-1 0 0,1-1 0,-1 1 0,1 0 0,0 0 0,-1 0 0,1 0 0,0 0 0,-1-1 0,1 1 0,0 0 0,-1 0 0,1 0 0,0-1 0,-1 1 0,1 0 0,0-1 0,-1 1 81,-3-4 21,-7-6 924,-33-21 39,32 25-586,-68-26 141,61 27-556,-87-11 42,83 14-102,-89 5 22,89-1-60,-89 17 21,90-13-8,-85 30 24,87-28-26,-32 15 1,-11 2-36,-56 23-331,50-22-1026,68-25 1287,-3 0-143,0 1 1,0 0 0,0 0-1,-5 4 1,8-5 110,4 1-32,56 14-1022,-46-13 69,55 14-8750</inkml:trace>
+</inkml:ink>
+</file>
+
+<file path=ppt/ink/ink67.xml><?xml version="1.0" encoding="utf-8"?>
+<inkml:ink xmlns:inkml="http://www.w3.org/2003/InkML">
+  <inkml:definitions>
+    <inkml:context xml:id="ctx0">
+      <inkml:inkSource xml:id="inkSrc0">
+        <inkml:traceFormat>
+          <inkml:channel name="X" type="integer" min="-2.14748E9" max="2.14748E9" units="cm"/>
+          <inkml:channel name="Y" type="integer" min="-2.14748E9" max="2.14748E9" units="cm"/>
+          <inkml:channel name="F" type="integer" max="32767" units="dev"/>
+        </inkml:traceFormat>
+        <inkml:channelProperties>
+          <inkml:channelProperty channel="X" name="resolution" value="1000" units="1/cm"/>
+          <inkml:channelProperty channel="Y" name="resolution" value="1000" units="1/cm"/>
+          <inkml:channelProperty channel="F" name="resolution" value="0" units="1/dev"/>
+        </inkml:channelProperties>
+      </inkml:inkSource>
+      <inkml:timestamp xml:id="ts0" timeString="2022-11-23T20:18:38.413"/>
+    </inkml:context>
+    <inkml:brush xml:id="br0">
+      <inkml:brushProperty name="width" value="0.05" units="cm"/>
+      <inkml:brushProperty name="height" value="0.05" units="cm"/>
+    </inkml:brush>
+  </inkml:definitions>
+  <inkml:trace contextRef="#ctx0" brushRef="#br0">1144 205 13624,'-17'-35'254,"17"35"-210,0 0 0,0-1 0,0 1 0,0 0 0,0 0 0,-1 0 0,1-1 0,0 1-1,0 0 1,0 0 0,0-1 0,0 1 0,-1 0 0,1 0 0,0 0 0,0 0 0,0-1 0,-1 1-1,1 0 1,0 0 0,0 0 0,0 0 0,-1 0 0,1 0 0,0 0 0,0 0 0,-1-1 0,1 1 0,-6 0 353,1 0 1,-1-1 0,0 2 0,1-1 0,-11 3 0,-20 1 905,22-4-1152,-32 0 607,-67-5-42,87 3-696,-71-4 4,-64-5 7,9 12 20,16 11 69,-12 0-24,133-10-92,-22 0-16,-1-4-129,33 1-22,-1 1 0,1-1 0,-1 0 1,1-1-1,-10-3 0,1-5-78,13 10 222,1 0 1,0-1-1,0 1 1,0 0-1,-1 0 1,1 0-1,0 0 0,0-1 1,0 1-1,0 0 1,0 0-1,0 0 0,-1-1 1,1 1-1,0 0 1,0 0-1,0-1 0,0 1 1,0 0-1,0 0 1,0-1-1,0 1 0,0 0 1,0 0-1,0-1 1,0 1-1,0 0 0,0 0 1,0 0-1,0-1 1,0 1-1,1 0 0,-1 0 1,0-1-1,0 1 1,0 0-1,0 0 0,6-17-276,0 1 0,16-28 0,-10 20-1938,8-21-6140,-47 105 6289</inkml:trace>
+</inkml:ink>
+</file>
+
+<file path=ppt/ink/ink68.xml><?xml version="1.0" encoding="utf-8"?>
+<inkml:ink xmlns:inkml="http://www.w3.org/2003/InkML">
+  <inkml:definitions>
+    <inkml:context xml:id="ctx0">
+      <inkml:inkSource xml:id="inkSrc0">
+        <inkml:traceFormat>
+          <inkml:channel name="X" type="integer" min="-2.14748E9" max="2.14748E9" units="cm"/>
+          <inkml:channel name="Y" type="integer" min="-2.14748E9" max="2.14748E9" units="cm"/>
+          <inkml:channel name="F" type="integer" max="32767" units="dev"/>
+        </inkml:traceFormat>
+        <inkml:channelProperties>
+          <inkml:channelProperty channel="X" name="resolution" value="1000" units="1/cm"/>
+          <inkml:channelProperty channel="Y" name="resolution" value="1000" units="1/cm"/>
+          <inkml:channelProperty channel="F" name="resolution" value="0" units="1/dev"/>
+        </inkml:channelProperties>
+      </inkml:inkSource>
+      <inkml:timestamp xml:id="ts0" timeString="2022-11-23T20:18:39.024"/>
+    </inkml:context>
+    <inkml:brush xml:id="br0">
+      <inkml:brushProperty name="width" value="0.05" units="cm"/>
+      <inkml:brushProperty name="height" value="0.05" units="cm"/>
+    </inkml:brush>
+  </inkml:definitions>
+  <inkml:trace contextRef="#ctx0" brushRef="#br0">866 0 13808,'-43'23'249,"41"-22"30,-1 1 0,0-1 1,1 1-1,-1 0 0,1 0 0,-1 0 1,1 0-1,-3 4 0,2-3-65,0 0 1,0 0-1,0 0 0,-1 0 0,-3 2 0,-62 38 956,-33 8 130,80-42-1240,-2 5 68,-106 73 46,104-67-94,-103 79 23,103-77-68,-110 104 21,113-103-8,-44 62 44,66-83-78,0-1 1,0 0 0,0 1-1,0-1 1,1 0 0,-1 1-1,1-1 1,-1 1 0,0 2-1,-3 16 48,0 1-1,0 25 0,3-44-56,1 0 0,1 0-1,-1 0 1,0 0-1,0 0 1,1 0-1,-1 0 1,2 2 0,43 111 83,-43-111-60,-1 0 0,1 0 0,1-1 0,-1 1 0,4 3 0,111 128 194,-111-129-195,0 0 1,9 7-1,120 78 111,-108-77 42,111 39 52,-114-47-150,-15-4-57,6 1-2,0-1 1,0 0-1,1-1 1,24-1-1,90-18-563,-118 16 460,-4 1-236,1-2 0,14-5 0,67-25-700,-62 22-1517,26-9-7000,-126 47 7160</inkml:trace>
+</inkml:ink>
+</file>
+
+<file path=ppt/ink/ink69.xml><?xml version="1.0" encoding="utf-8"?>
+<inkml:ink xmlns:inkml="http://www.w3.org/2003/InkML">
+  <inkml:definitions>
+    <inkml:context xml:id="ctx0">
+      <inkml:inkSource xml:id="inkSrc0">
+        <inkml:traceFormat>
+          <inkml:channel name="X" type="integer" min="-2.14748E9" max="2.14748E9" units="cm"/>
+          <inkml:channel name="Y" type="integer" min="-2.14748E9" max="2.14748E9" units="cm"/>
+          <inkml:channel name="F" type="integer" max="32767" units="dev"/>
+        </inkml:traceFormat>
+        <inkml:channelProperties>
+          <inkml:channelProperty channel="X" name="resolution" value="1000" units="1/cm"/>
+          <inkml:channelProperty channel="Y" name="resolution" value="1000" units="1/cm"/>
+          <inkml:channelProperty channel="F" name="resolution" value="0" units="1/dev"/>
+        </inkml:channelProperties>
+      </inkml:inkSource>
+      <inkml:timestamp xml:id="ts0" timeString="2022-11-23T20:18:39.503"/>
+    </inkml:context>
+    <inkml:brush xml:id="br0">
+      <inkml:brushProperty name="width" value="0.05" units="cm"/>
+      <inkml:brushProperty name="height" value="0.05" units="cm"/>
+    </inkml:brush>
+  </inkml:definitions>
+  <inkml:trace contextRef="#ctx0" brushRef="#br0">0 1 13896,'5'13'7,"2"15"1403,-7-27-1310,1-1 1,-1 0-1,0 1 0,0-1 1,0 0-1,0 1 0,0-1 1,0 0-1,0 0 0,0 1 1,0-1-1,-1 0 0,1 1 1,0-1-1,0 0 0,0 1 1,0-1-1,0 0 0,0 0 1,-1 1-1,1-1 0,0 0 1,0 0-1,0 1 0,-1-1 1,1 0-1,0 0 0,0 0 1,-1 1-1,1-1 0,0 0 1,0 0-1,-1 0 0,1 0 1,-3 2-21,3 2 406,16 207 221,17-6-577,-29-181-51,0-1 181,64 509 679,-63-493-684,25 183 101,-19-147-229,14 142 272,-24-206-382,0 20 76,8 38 0,-8-66-206,0-6-427,3-6 125,0-2-82,0-1 0,3-15 0,13-70-823,-14 68-1093,6-29-6400,-28 135 6624</inkml:trace>
 </inkml:ink>
 </file>
 
@@ -1431,6 +3350,276 @@
 </inkml:ink>
 </file>
 
+<file path=ppt/ink/ink70.xml><?xml version="1.0" encoding="utf-8"?>
+<inkml:ink xmlns:inkml="http://www.w3.org/2003/InkML">
+  <inkml:definitions>
+    <inkml:context xml:id="ctx0">
+      <inkml:inkSource xml:id="inkSrc0">
+        <inkml:traceFormat>
+          <inkml:channel name="X" type="integer" min="-2.14748E9" max="2.14748E9" units="cm"/>
+          <inkml:channel name="Y" type="integer" min="-2.14748E9" max="2.14748E9" units="cm"/>
+          <inkml:channel name="F" type="integer" max="32767" units="dev"/>
+        </inkml:traceFormat>
+        <inkml:channelProperties>
+          <inkml:channelProperty channel="X" name="resolution" value="1000" units="1/cm"/>
+          <inkml:channelProperty channel="Y" name="resolution" value="1000" units="1/cm"/>
+          <inkml:channelProperty channel="F" name="resolution" value="0" units="1/dev"/>
+        </inkml:channelProperties>
+      </inkml:inkSource>
+      <inkml:timestamp xml:id="ts0" timeString="2022-11-23T20:18:39.925"/>
+    </inkml:context>
+    <inkml:brush xml:id="br0">
+      <inkml:brushProperty name="width" value="0.05" units="cm"/>
+      <inkml:brushProperty name="height" value="0.05" units="cm"/>
+    </inkml:brush>
+  </inkml:definitions>
+  <inkml:trace contextRef="#ctx0" brushRef="#br0">337 117 12552,'-16'-56'1368,"15"54"-1210,0-2 122,0 0 0,0 0 0,-1-1 0,1 1 0,-1 0 0,0 0 0,-1 1 0,1-1 0,-3-3 0,0 4-126,0 1-1,0 0 1,0 0-1,0 0 1,0 1-1,0-1 1,-7 0-1,4 3-20,-39 18 81,36-12 52,3-1-129,-1 2-40,0-1 1,0 2-1,1-1 1,-12 15-1,-32 48 267,43-55-62,-29 72 111,32-70-178,3-7-126,-1 1-34,1 0 0,0 0 0,1 0 0,0 1 0,1 18-1,8 47 228,-2-64-154,6 7-50,20 27 0,-19-37-30,2-1-37,2-1 0,20 9 0,-21-15 4,5-2-13,37-4 0,-55 3-24,-1-1 1,1 1 0,-1 0 0,0-1 0,1 1-1,-1-1 1,0 1 0,1-1 0,0 0 0,18-11-13,33-28 1,-40 27-72,41-65-19,-27 30 44,-7 7 64,-4 1 48,-15 38-11,-1 1 1,1-1-1,0 1 1,-1 0 0,1-1-1,0 1 1,-1 0-1,3-3 1,1-1 36,1 19 335,4 15-266,8 21-29,-14-43-103,0 0 0,0-1 0,1 1 0,-1-1 0,10 12 0,-7-10-21,2 1-52,52 28-122,-46-33-394,65 2-238,-61-8 194,78-28-153,-67 20-1732,28-8-7007,-133 42 7141</inkml:trace>
+</inkml:ink>
+</file>
+
+<file path=ppt/ink/ink71.xml><?xml version="1.0" encoding="utf-8"?>
+<inkml:ink xmlns:inkml="http://www.w3.org/2003/InkML">
+  <inkml:definitions>
+    <inkml:context xml:id="ctx0">
+      <inkml:inkSource xml:id="inkSrc0">
+        <inkml:traceFormat>
+          <inkml:channel name="X" type="integer" min="-2.14748E9" max="2.14748E9" units="cm"/>
+          <inkml:channel name="Y" type="integer" min="-2.14748E9" max="2.14748E9" units="cm"/>
+          <inkml:channel name="F" type="integer" max="32767" units="dev"/>
+        </inkml:traceFormat>
+        <inkml:channelProperties>
+          <inkml:channelProperty channel="X" name="resolution" value="1000" units="1/cm"/>
+          <inkml:channelProperty channel="Y" name="resolution" value="1000" units="1/cm"/>
+          <inkml:channelProperty channel="F" name="resolution" value="0" units="1/dev"/>
+        </inkml:channelProperties>
+      </inkml:inkSource>
+      <inkml:timestamp xml:id="ts0" timeString="2022-11-23T20:18:40.380"/>
+    </inkml:context>
+    <inkml:brush xml:id="br0">
+      <inkml:brushProperty name="width" value="0.05" units="cm"/>
+      <inkml:brushProperty name="height" value="0.05" units="cm"/>
+    </inkml:brush>
+  </inkml:definitions>
+  <inkml:trace contextRef="#ctx0" brushRef="#br0">311 0 14520,'-20'5'233,"20"-5"-87,-1 0 0,0 0 0,1 1 0,-1-1 0,1 0 0,-1 0 0,0 1 0,1-1 0,-1 0 0,1 1 0,-1-1 0,1 1 0,-1-1 0,1 1 0,-1-1 0,1 0 0,-1 1 0,1 0 0,0-1 0,-1 1 0,1-1 0,0 1 0,0-1 0,-1 1 0,1 1 0,-6 7 802,-21 13-609,-45 27 0,-23 9 107,60-36-314,2-1-16,32-20-110,0-1 1,0 1-1,1 0 1,-1 0-1,0 0 1,1 0 0,-1-1-1,0 1 1,1 0-1,-1 0 1,1 0-1,-1 0 1,1 0-1,0 0 1,-1 0 0,1 1-1,0-1 1,0 0-1,0 0 1,0 0-1,0 2 1,0-2-3,0-1-4,0 1 0,0-1 1,0 0-1,0 0 0,0 0 0,0 1 1,0-1-1,0 0 0,0 0 0,0 0 1,0 0-1,0 1 0,0-1 1,1 0-1,-1 0 0,0 0 0,0 0 1,0 1-1,0-1 0,0 0 0,1 0 1,-1 0-1,0 0 0,0 0 1,0 0-1,0 0 0,1 0 0,-1 1 1,18 11 11,13 2-10,10 2-2,9 2 0,90 48-5,-115-54 4,0 1 0,44 29 0,-26-6 3,-27-23 9,-1 1 0,-1 1 0,0 1 0,17 25 1,21 41 54,-43-66-6,18 62 14,-25-63-68,-2-9-10,1 2-5,-2 0-1,1 0 1,-1 1-1,0-1 1,-1 0-1,-4 15 1,-13 19-157,19-42 149,0 0-1,-1 1 0,1-1 1,0 0-1,0 1 0,0-1 1,0 0-1,-1 0 0,1 0 0,0 1 1,0-1-1,-1 0 0,1 0 1,0 0-1,0 1 0,-1-1 1,1 0-1,0 0 0,-1 0 1,1 0-1,0 0 0,0 0 0,-1 1 1,1-1-1,-1 0 0,-8 1-116,-1 0 0,0 0 0,1-1 0,-13-1 0,9-2-458,-51-31-267,51 24 94,5 3 435,-4-3 116,0-1 0,1-1 0,-14-17 1,-17-28-2001,2 4-7492</inkml:trace>
+</inkml:ink>
+</file>
+
+<file path=ppt/ink/ink72.xml><?xml version="1.0" encoding="utf-8"?>
+<inkml:ink xmlns:inkml="http://www.w3.org/2003/InkML">
+  <inkml:definitions>
+    <inkml:context xml:id="ctx0">
+      <inkml:inkSource xml:id="inkSrc0">
+        <inkml:traceFormat>
+          <inkml:channel name="X" type="integer" min="-2.14748E9" max="2.14748E9" units="cm"/>
+          <inkml:channel name="Y" type="integer" min="-2.14748E9" max="2.14748E9" units="cm"/>
+          <inkml:channel name="F" type="integer" max="32767" units="dev"/>
+        </inkml:traceFormat>
+        <inkml:channelProperties>
+          <inkml:channelProperty channel="X" name="resolution" value="1000" units="1/cm"/>
+          <inkml:channelProperty channel="Y" name="resolution" value="1000" units="1/cm"/>
+          <inkml:channelProperty channel="F" name="resolution" value="0" units="1/dev"/>
+        </inkml:channelProperties>
+      </inkml:inkSource>
+      <inkml:timestamp xml:id="ts0" timeString="2022-11-23T20:18:40.873"/>
+    </inkml:context>
+    <inkml:brush xml:id="br0">
+      <inkml:brushProperty name="width" value="0.05" units="cm"/>
+      <inkml:brushProperty name="height" value="0.05" units="cm"/>
+    </inkml:brush>
+  </inkml:definitions>
+  <inkml:trace contextRef="#ctx0" brushRef="#br0">452 1 13624,'-6'7'220,"-1"-1"0,-13 11 0,17-16-135,0 1 0,1-1 0,-1 1 0,0-1 0,0 0 0,0 0 0,0 0 0,0-1 0,0 1 0,0-1 0,-6 1 0,-39-5 2101,8 0-1215,32 6-543,-54 21 92,-13 10-497,59-25-17,8-5 13,0 1 1,-10 7-1,6-3-10,0-2-3,9-5 11,-1 1 0,1-1 1,0 1-1,0 0 0,0 1 0,-4 3 0,-29 28 133,31-27-2,4-2-120,0 1 1,0-1 0,1 0 0,0 0 0,0 1-1,1 6 1,-1-11-23,0-1 0,0 1 0,0-1 0,0 1 0,0-1 0,0 1-1,0 0 1,1-1 0,-1 1 0,0-1 0,1 1 0,-1-1 0,0 1 0,1-1 0,0 1 0,10 12 65,23 19 0,-21-23 49,73 29 28,63 21-58,-126-48-50,-1 1 0,-1 1 0,38 29 0,-48-34-27,-6-4-7,-1-1 0,0 1 0,0 0 0,6 8 1,43 52 50,-46-54 1,1 1-1,-1 0 1,-1 0 0,6 14 0,-7-14-35,0 2 72,5 42 57,-10-54-140,0 0 0,0-1 0,0 1 0,0 0 0,0-1 0,0 1 0,0 0 0,0 0 0,0-1 0,0 1 0,-1 0 0,1-1 0,-1 2 0,-4 10 66,-1-1 0,-13 20 0,10-22 62,-50 27 40,46-30-118,-22 2 3,-10-5-52,27-3-64,1-1 0,-1 0 0,-17-5 0,-9-3-2513,28 6 1108,-13-3-8354,68 14 7405</inkml:trace>
+</inkml:ink>
+</file>
+
+<file path=ppt/ink/ink73.xml><?xml version="1.0" encoding="utf-8"?>
+<inkml:ink xmlns:inkml="http://www.w3.org/2003/InkML">
+  <inkml:definitions>
+    <inkml:context xml:id="ctx0">
+      <inkml:inkSource xml:id="inkSrc0">
+        <inkml:traceFormat>
+          <inkml:channel name="X" type="integer" min="-2.14748E9" max="2.14748E9" units="cm"/>
+          <inkml:channel name="Y" type="integer" min="-2.14748E9" max="2.14748E9" units="cm"/>
+          <inkml:channel name="F" type="integer" max="32767" units="dev"/>
+        </inkml:traceFormat>
+        <inkml:channelProperties>
+          <inkml:channelProperty channel="X" name="resolution" value="1000" units="1/cm"/>
+          <inkml:channelProperty channel="Y" name="resolution" value="1000" units="1/cm"/>
+          <inkml:channelProperty channel="F" name="resolution" value="0" units="1/dev"/>
+        </inkml:channelProperties>
+      </inkml:inkSource>
+      <inkml:timestamp xml:id="ts0" timeString="2022-11-23T20:18:41.343"/>
+    </inkml:context>
+    <inkml:brush xml:id="br0">
+      <inkml:brushProperty name="width" value="0.05" units="cm"/>
+      <inkml:brushProperty name="height" value="0.05" units="cm"/>
+    </inkml:brush>
+  </inkml:definitions>
+  <inkml:trace contextRef="#ctx0" brushRef="#br0">36 1706 14704,'10'-43'280,"-8"33"1121,-3 9-1323,1 0 1,0 1-1,0-1 1,-1 0-1,1 1 0,0-1 1,-1 1-1,1-1 1,-1 0-1,1 1 1,-1-1-1,1 1 1,-1 0-1,1-1 0,-1 1 1,0-1-1,1 1 1,-1 0-1,1-1 1,-1 1-1,0 0 1,1 0-1,-2-1 0,2 1 18,-1 0 0,0 0 0,1-1-1,-1 1 1,1 0 0,-1-1 0,0 1-1,1 0 1,-1-1 0,1 1 0,0-1-1,-1 1 1,1-1 0,-1 1-1,1-1 1,0 1 0,-1-2 0,-1-1 147,-8-6 54,10 8-267,0 1-1,-1-1 1,1 1-1,0 0 0,0-1 1,-1 1-1,1 0 1,0-1-1,0 1 0,0-1 1,0 1-1,-1-1 1,1 1-1,0-1 1,0 1-1,0-1 0,-10-71 573,10 54-596,10-98 4,-7 88-2,21-140 8,-18 124-10,13-93 1,7-49-6,-11 80-1,65-424 0,-57 393 0,-21 124 0,0-1 0,1 1 0,6-18 0,-8 33 45,0 0 0,0-1 0,0 1 0,1-1 0,-1 1 0,0-1 0,2 2 0,1 1 35,0-1-49,-3-2-17,0 1 0,0-1 0,0 0 0,1 1 0,-1-1 0,-1 1 0,1-1 0,0 1 1,0-1-1,0 3 0,42 90 176,-33-68 10,57 140 82,-50-125-76,38 76 1,7 14-139,-38-82 65,103 180 51,13-5 90,-136-217-299,1 0-1,0-1 1,1 1 0,-1-1 0,1-1 0,0 1 0,1-1 0,-1 0 0,1 0 0,9 4 0,-14-8-10,-1 0 1,1 0-1,-1 0 1,0 0 0,1 0-1,-1 0 1,0 0-1,0 1 1,2 2 0,-3-4 10,0 0 0,0 0 0,0 0 0,0 0 0,0 0 0,0 0 0,0 0 1,0 0-1,1 0 0,-1 0 0,0 0 0,0 0 0,0 0 0,0 1 0,0-1 1,0 0-1,0 0 0,0 0 0,0 0 0,0 0 0,0 0 0,0 0 0,0 0 1,0 0-1,0 0 0,1 0 0,-1 0 0,0 0 0,0 0 0,0 0 0,0 0 1,0 0-1,0 0 0,0 0 0,0 0 0,0 0 0,0 0 0,0 0 0,0 0 0,0 0 1,1 0-1,-1 0 0,0 0 0,0 0 0,0 0 0,0-1 0,0 1 0,0 0 1,0 0-1,0 0 0,0 0 0,0 0 0,0 0 0,0 0 0,0 0 0,0 0 1,0-8-1244,-10-14 215,0 0 0,-2 1 0,-18-26 0,-11-14-10261</inkml:trace>
+</inkml:ink>
+</file>
+
+<file path=ppt/ink/ink74.xml><?xml version="1.0" encoding="utf-8"?>
+<inkml:ink xmlns:inkml="http://www.w3.org/2003/InkML">
+  <inkml:definitions>
+    <inkml:context xml:id="ctx0">
+      <inkml:inkSource xml:id="inkSrc0">
+        <inkml:traceFormat>
+          <inkml:channel name="X" type="integer" min="-2.14748E9" max="2.14748E9" units="cm"/>
+          <inkml:channel name="Y" type="integer" min="-2.14748E9" max="2.14748E9" units="cm"/>
+          <inkml:channel name="F" type="integer" max="32767" units="dev"/>
+        </inkml:traceFormat>
+        <inkml:channelProperties>
+          <inkml:channelProperty channel="X" name="resolution" value="1000" units="1/cm"/>
+          <inkml:channelProperty channel="Y" name="resolution" value="1000" units="1/cm"/>
+          <inkml:channelProperty channel="F" name="resolution" value="0" units="1/dev"/>
+        </inkml:channelProperties>
+      </inkml:inkSource>
+      <inkml:timestamp xml:id="ts0" timeString="2022-11-23T20:18:41.763"/>
+    </inkml:context>
+    <inkml:brush xml:id="br0">
+      <inkml:brushProperty name="width" value="0.05" units="cm"/>
+      <inkml:brushProperty name="height" value="0.05" units="cm"/>
+    </inkml:brush>
+  </inkml:definitions>
+  <inkml:trace contextRef="#ctx0" brushRef="#br0">303 0 16312,'0'0'0,"-19"17"0,-16 11 1727,-17 1 1,-20 4-1728,-53 30-14783,250-126 14783</inkml:trace>
+</inkml:ink>
+</file>
+
+<file path=ppt/ink/ink75.xml><?xml version="1.0" encoding="utf-8"?>
+<inkml:ink xmlns:inkml="http://www.w3.org/2003/InkML">
+  <inkml:definitions>
+    <inkml:context xml:id="ctx0">
+      <inkml:inkSource xml:id="inkSrc0">
+        <inkml:traceFormat>
+          <inkml:channel name="X" type="integer" min="-2.14748E9" max="2.14748E9" units="cm"/>
+          <inkml:channel name="Y" type="integer" min="-2.14748E9" max="2.14748E9" units="cm"/>
+          <inkml:channel name="F" type="integer" max="32767" units="dev"/>
+        </inkml:traceFormat>
+        <inkml:channelProperties>
+          <inkml:channelProperty channel="X" name="resolution" value="1000" units="1/cm"/>
+          <inkml:channelProperty channel="Y" name="resolution" value="1000" units="1/cm"/>
+          <inkml:channelProperty channel="F" name="resolution" value="0" units="1/dev"/>
+        </inkml:channelProperties>
+      </inkml:inkSource>
+      <inkml:timestamp xml:id="ts0" timeString="2022-11-23T20:19:47.249"/>
+    </inkml:context>
+    <inkml:brush xml:id="br0">
+      <inkml:brushProperty name="width" value="0.05" units="cm"/>
+      <inkml:brushProperty name="height" value="0.05" units="cm"/>
+    </inkml:brush>
+  </inkml:definitions>
+  <inkml:trace contextRef="#ctx0" brushRef="#br0">65 24 10760,'-6'-7'573,"5"6"-347,0 0 0,0-1 1,0 1-1,0 0 0,0 0 0,0 0 0,0-1 0,-1 1 1,1 1-1,0-1 0,-1 0 0,1 0 0,-1 0 1,1 1-1,-1-1 0,-3 0 0,0 16 1349,-20 95-794,24-106-722,0 0 0,0 0-1,1 0 1,-1 0 0,1 0-1,1 6 1,-1 3 3,0 1-21,-1-9 18,1 0-1,0 0 1,1 0-1,-1 1 1,3 6-1,3 20 250,1-1 0,14 36-1,-2-26-219,-10-24 85,49 71 82,-44-70-20,66 89 69,-62-84-218,88 93 58,-79-89 56,139 124 55,-130-121-182,149 108 41,-146-111 14,167 108 41,-163-108-116,176 97 23,-174-101-14,193 83 20,-188-85-60,212 82 11,-207-83-20,226 83 5,-224-81-10,231 104 8,-230-101-10,88 34 1,29 10-6,-1-6-1,-4-9 0,154 25-9,-265-67-36,226 32-10,-227-39 30,234 5-10,-234-11-10,228-18-6,-229 13 46,222-35 5,-224 31 8,219-47 33,-220 44 92,215-64 47,-216 60-78,216-71 60,-216 71 18,210-61 52,-210 64-150,214-58 34,-213 59-48,214-51 32,-214 50-34,223-53 25,-221 54-38,223-49 22,-222 51-22,243-41 15,-240 44-46,233-30 16,-234 33 2,246-5 18,-244 11-12,248 16 14,-248-10-40,86 20 0,26 16-14,-4 11-1,-3 13-4,-75-19 2,112 80 0,-152-91 25,-51-37-28,120 98 32,-6 6-8,-71-62 62,158 173 52,-189-201-54,12 16 0,132 203 138,-128-189-140,89 152 58,-96-160 46,75 127 46,-78-135-192,62 89 4,-79-115-47,1 0 0,0 1-1,0-1 1,0 0 0,3 3-1,3 2-17,1 0 1,0-1-1,0 0 0,16 7 0,-25-13 9,0 0-1,1 0 1,-1 0-1,0 1 1,1-1-1,-1 0 1,0 0-1,0 0 1,1 0-1,-1 0 1,0 0-1,1 0 1,-1 0-1,0 0 1,1 0-1,-1 0 1,0 0-1,1 0 1,-1 0-1,0 0 1,0 0-1,1 0 1,-1 0-1,0 0 1,1-1-1,-1 1 1,0 0-1,0 0 1,1 0-1,-1 0 1,0-1-1,4-2-48,-1-1 0,1 1 0,-1-1 0,-1 1 0,1-1 0,0 0 0,-1 0 1,0-1-1,0 1 0,3-9 0,-2 0-891,-3 5 663,0 0 1,-2-11 0,-2-16-2798,1 2-7230,7 76 7750</inkml:trace>
+</inkml:ink>
+</file>
+
+<file path=ppt/ink/ink76.xml><?xml version="1.0" encoding="utf-8"?>
+<inkml:ink xmlns:inkml="http://www.w3.org/2003/InkML">
+  <inkml:definitions>
+    <inkml:context xml:id="ctx0">
+      <inkml:inkSource xml:id="inkSrc0">
+        <inkml:traceFormat>
+          <inkml:channel name="X" type="integer" min="-2.14748E9" max="2.14748E9" units="cm"/>
+          <inkml:channel name="Y" type="integer" min="-2.14748E9" max="2.14748E9" units="cm"/>
+          <inkml:channel name="F" type="integer" max="32767" units="dev"/>
+        </inkml:traceFormat>
+        <inkml:channelProperties>
+          <inkml:channelProperty channel="X" name="resolution" value="1000" units="1/cm"/>
+          <inkml:channelProperty channel="Y" name="resolution" value="1000" units="1/cm"/>
+          <inkml:channelProperty channel="F" name="resolution" value="0" units="1/dev"/>
+        </inkml:channelProperties>
+      </inkml:inkSource>
+      <inkml:timestamp xml:id="ts0" timeString="2022-11-23T20:19:48.114"/>
+    </inkml:context>
+    <inkml:brush xml:id="br0">
+      <inkml:brushProperty name="width" value="0.05" units="cm"/>
+      <inkml:brushProperty name="height" value="0.05" units="cm"/>
+    </inkml:brush>
+  </inkml:definitions>
+  <inkml:trace contextRef="#ctx0" brushRef="#br0">1305 15 12192,'5'-3'753,"-5"2"-635,1 1 1,-1 0 0,1 0-1,-1 0 1,0-1 0,1 1-1,-1 0 1,0 0 0,1-1-1,-1 1 1,0 0 0,1-1-1,-1 1 1,0 0 0,1-1-1,-1 1 1,0-1 0,0 1-1,0 0 1,1-1 0,-1 1-1,0-1 1,0 1 0,0-1-1,0 1 1,0-1 0,0 1-1,0 0 1,0-2 0,-4 10 1306,2 3-1306,0 0-1,1 0 1,0 0 0,2 21-1,-1-19-70,6 138 434,-5-136-450,1 20 116,16 165 58,-13-153-86,31 238 60,-28-230 0,26 174 44,-29-192-182,-4-24-28,8 126 66,-9-136-73,0 3 2,0-1-1,0 1 1,-1 0 0,0-1 0,0 1 0,-2 8-1,-2-9 132,2-2-115,0-1 0,0 0 0,0 0 0,-5 2 0,-31 9 266,-77 14-36,83-17-220,-70 24 3,-17 6-6,70-22 90,-220 97-40,258-109-166,1-1-1,-1-1 0,-13 3 1,-296 73-423,224-57-2304,-95 25-6851,448-111 7273</inkml:trace>
+</inkml:ink>
+</file>
+
+<file path=ppt/ink/ink77.xml><?xml version="1.0" encoding="utf-8"?>
+<inkml:ink xmlns:inkml="http://www.w3.org/2003/InkML">
+  <inkml:definitions>
+    <inkml:context xml:id="ctx0">
+      <inkml:inkSource xml:id="inkSrc0">
+        <inkml:traceFormat>
+          <inkml:channel name="X" type="integer" min="-2.14748E9" max="2.14748E9" units="cm"/>
+          <inkml:channel name="Y" type="integer" min="-2.14748E9" max="2.14748E9" units="cm"/>
+          <inkml:channel name="F" type="integer" max="32767" units="dev"/>
+        </inkml:traceFormat>
+        <inkml:channelProperties>
+          <inkml:channelProperty channel="X" name="resolution" value="1000" units="1/cm"/>
+          <inkml:channelProperty channel="Y" name="resolution" value="1000" units="1/cm"/>
+          <inkml:channelProperty channel="F" name="resolution" value="0" units="1/dev"/>
+        </inkml:channelProperties>
+      </inkml:inkSource>
+      <inkml:timestamp xml:id="ts0" timeString="2022-11-23T20:19:34.801"/>
+    </inkml:context>
+    <inkml:brush xml:id="br0">
+      <inkml:brushProperty name="width" value="0.05" units="cm"/>
+      <inkml:brushProperty name="height" value="0.05" units="cm"/>
+    </inkml:brush>
+  </inkml:definitions>
+  <inkml:trace contextRef="#ctx0" brushRef="#br0">772 12 14704,'-71'-11'288,"53"10"1153,-87 10 491,102-9-1768,-1 1 1,1-1-1,0 1 1,-1 0-1,-3 2 0,-127 54 1122,130-54-1185,-1-1 0,1 1 1,-1 0-1,-7 7 0,-69 59 406,-6 15-360,81-79-91,0 1 1,0 0 0,-8 13-1,-113 179 264,123-193-272,1 1 0,0 0 0,0 0 0,-3 11 0,-22 79 192,14 1-149,14-97-91,-1 5 36,1 0 0,-1 0-1,1 1 1,0-1 0,2 7 0,12 78 182,14-1-143,-28-89-75,1 3 17,1 1 0,-1-1 1,0 0-1,1 0 0,0 0 0,0 0 0,0 0 0,3 4 1,14 17 61,25 24 0,32 16-9,-71-60-24,1 0 1,0-1 0,11 7-1,73 32 141,6-9-132,-57-23 31,55 7 1,2-8-63,-96-9-24,35 2 35,-17-1-22,13 0-3,1-1 1,0-1-1,33-7 0,60-16-515,-125 23 475,0 1-1,0 0 1,0 0 0,1 0 0,-1 0-1,0 0 1,0 0 0,0 0-1,0 0 1,1 0 0,-1 0 0,0 0-1,0 0 1,0 0 0,0 0-1,1 0 1,-1 0 0,0 0 0,0 0-1,0 0 1,0 0 0,1 0-1,-1 0 1,0 0 0,0 0 0,0 0-1,0 0 1,0 0 0,1 1 0,-1-1-1,0 0 1,0 0 0,0 0-1,0 0 1,0 0 0,0 0 0,0 0-1,1 1 1,-1-1 0,0 0-1,0 0 1,0 0 0,0 0 0,0 1-1,0-1 1,0 0 0,0 0-1,0 0 1,-5 10-493,-7 5 402,4-6-2647,-4 8-7564,28-39 7762</inkml:trace>
+</inkml:ink>
+</file>
+
+<file path=ppt/ink/ink78.xml><?xml version="1.0" encoding="utf-8"?>
+<inkml:ink xmlns:inkml="http://www.w3.org/2003/InkML">
+  <inkml:definitions>
+    <inkml:context xml:id="ctx0">
+      <inkml:inkSource xml:id="inkSrc0">
+        <inkml:traceFormat>
+          <inkml:channel name="X" type="integer" min="-2.14748E9" max="2.14748E9" units="cm"/>
+          <inkml:channel name="Y" type="integer" min="-2.14748E9" max="2.14748E9" units="cm"/>
+          <inkml:channel name="F" type="integer" max="32767" units="dev"/>
+        </inkml:traceFormat>
+        <inkml:channelProperties>
+          <inkml:channelProperty channel="X" name="resolution" value="1000" units="1/cm"/>
+          <inkml:channelProperty channel="Y" name="resolution" value="1000" units="1/cm"/>
+          <inkml:channelProperty channel="F" name="resolution" value="0" units="1/dev"/>
+        </inkml:channelProperties>
+      </inkml:inkSource>
+      <inkml:timestamp xml:id="ts0" timeString="2022-11-23T20:19:35.369"/>
+    </inkml:context>
+    <inkml:brush xml:id="br0">
+      <inkml:brushProperty name="width" value="0.05" units="cm"/>
+      <inkml:brushProperty name="height" value="0.05" units="cm"/>
+    </inkml:brush>
+  </inkml:definitions>
+  <inkml:trace contextRef="#ctx0" brushRef="#br0">0 101 14520,'0'0'1728,"26"-51"-3600,1 2-8200,-54 98 10072</inkml:trace>
+</inkml:ink>
+</file>
+
+<file path=ppt/ink/ink79.xml><?xml version="1.0" encoding="utf-8"?>
+<inkml:ink xmlns:inkml="http://www.w3.org/2003/InkML">
+  <inkml:definitions>
+    <inkml:context xml:id="ctx0">
+      <inkml:inkSource xml:id="inkSrc0">
+        <inkml:traceFormat>
+          <inkml:channel name="X" type="integer" min="-2.14748E9" max="2.14748E9" units="cm"/>
+          <inkml:channel name="Y" type="integer" min="-2.14748E9" max="2.14748E9" units="cm"/>
+          <inkml:channel name="F" type="integer" max="32767" units="dev"/>
+        </inkml:traceFormat>
+        <inkml:channelProperties>
+          <inkml:channelProperty channel="X" name="resolution" value="1000" units="1/cm"/>
+          <inkml:channelProperty channel="Y" name="resolution" value="1000" units="1/cm"/>
+          <inkml:channelProperty channel="F" name="resolution" value="0" units="1/dev"/>
+        </inkml:channelProperties>
+      </inkml:inkSource>
+      <inkml:timestamp xml:id="ts0" timeString="2022-11-23T20:19:35.804"/>
+    </inkml:context>
+    <inkml:brush xml:id="br0">
+      <inkml:brushProperty name="width" value="0.05" units="cm"/>
+      <inkml:brushProperty name="height" value="0.05" units="cm"/>
+    </inkml:brush>
+  </inkml:definitions>
+  <inkml:trace contextRef="#ctx0" brushRef="#br0">0 0 17303,'23'74'1872,"19"49"224,-31-88-976,22 79 0,4 19-745,-23-75 380,55 257 198,-57-251-738,41 250 67,-45-259-182,23 207 6,-13-110-1128,-27-217-1746,8 46 1828,8-87-249,-5 83 882,20-98-2429,-2 9-9103</inkml:trace>
+</inkml:ink>
+</file>
+
 <file path=ppt/ink/ink8.xml><?xml version="1.0" encoding="utf-8"?>
 <inkml:ink xmlns:inkml="http://www.w3.org/2003/InkML">
   <inkml:definitions>
@@ -1458,6 +3647,276 @@
 </inkml:ink>
 </file>
 
+<file path=ppt/ink/ink80.xml><?xml version="1.0" encoding="utf-8"?>
+<inkml:ink xmlns:inkml="http://www.w3.org/2003/InkML">
+  <inkml:definitions>
+    <inkml:context xml:id="ctx0">
+      <inkml:inkSource xml:id="inkSrc0">
+        <inkml:traceFormat>
+          <inkml:channel name="X" type="integer" min="-2.14748E9" max="2.14748E9" units="cm"/>
+          <inkml:channel name="Y" type="integer" min="-2.14748E9" max="2.14748E9" units="cm"/>
+          <inkml:channel name="F" type="integer" max="32767" units="dev"/>
+        </inkml:traceFormat>
+        <inkml:channelProperties>
+          <inkml:channelProperty channel="X" name="resolution" value="1000" units="1/cm"/>
+          <inkml:channelProperty channel="Y" name="resolution" value="1000" units="1/cm"/>
+          <inkml:channelProperty channel="F" name="resolution" value="0" units="1/dev"/>
+        </inkml:channelProperties>
+      </inkml:inkSource>
+      <inkml:timestamp xml:id="ts0" timeString="2022-11-23T20:19:36.346"/>
+    </inkml:context>
+    <inkml:brush xml:id="br0">
+      <inkml:brushProperty name="width" value="0.05" units="cm"/>
+      <inkml:brushProperty name="height" value="0.05" units="cm"/>
+    </inkml:brush>
+  </inkml:definitions>
+  <inkml:trace contextRef="#ctx0" brushRef="#br0">241 1 15064,'-3'4'105,"2"-2"164,-1 0 0,1 0 0,-1 0 0,0 0 0,0 0 0,0 0 0,0 0 0,0-1 0,0 1 0,0-1 0,0 0 0,-1 1 0,1-1 0,-1 0 0,1 0 0,-5 0 0,3 1-143,-1 0 0,0 0 0,1 0-1,0 1 1,0-1 0,-1 1 0,1 0 0,-5 5 0,2-2-102,4-4-19,0 1 0,-1 0 0,1-1 0,1 1 0,-1 0 0,-3 5 0,-4 4 0,-17 18 7,16-17 28,-36 57 28,39-55 32,1 5-30,-6 35 0,13-39 30,15 65 40,-15-79-127,0 0 0,1-1-1,-1 1 1,1-1 0,0 1-1,0-1 1,1 3 0,10 13 56,25 26 0,-37-42-64,1 0 1,0 0-1,0 0 0,0-1 0,0 1 0,0 0 0,0-1 0,0 1 0,0-1 0,0 1 1,1 0-1,12 3 17,0 0 1,0-1 0,17 2-1,-30-5-17,0 0 0,0 0-1,0 0 1,0 0 0,0 0 0,0 0-1,0 0 1,0 0 0,0-1 0,0 1-1,0 0 1,1-1 0,20-9 36,30-18 0,-50 27-37,0 0-1,0-1 1,0 1 0,0-1-1,2-2 1,15-19 12,22-35 1,-32 44 9,-1 0 1,0-1-1,-1 0 0,7-25 0,-8 25 80,22-82 810,-26 110-476,-3-5-406,1-5 12,0 1 0,-1-1 0,1 1 0,1-1 0,0 6 0,3 30 179,5 15-178,19 56-98,-21-90-234,37 61-215,-34-68-314,4-1 435,0-1 0,21 12 0,-35-23 337,1 0-1,0 1 1,-1-1-1,1 0 1,0 1-1,-1-1 1,1 0-1,0 0 1,-1 1-1,1-1 1,0 0 0,0 0-1,-1 0 1,1 0-1,0 0 1,-1 0-1,1 0 1,1-1-1,8-1-127,1-1 0,-1 0 0,0 0 0,0-1 0,15-8 0,-10 1-90,72-80-2349,-8 6-8877</inkml:trace>
+</inkml:ink>
+</file>
+
+<file path=ppt/ink/ink81.xml><?xml version="1.0" encoding="utf-8"?>
+<inkml:ink xmlns:inkml="http://www.w3.org/2003/InkML">
+  <inkml:definitions>
+    <inkml:context xml:id="ctx0">
+      <inkml:inkSource xml:id="inkSrc0">
+        <inkml:traceFormat>
+          <inkml:channel name="X" type="integer" min="-2.14748E9" max="2.14748E9" units="cm"/>
+          <inkml:channel name="Y" type="integer" min="-2.14748E9" max="2.14748E9" units="cm"/>
+          <inkml:channel name="F" type="integer" max="32767" units="dev"/>
+        </inkml:traceFormat>
+        <inkml:channelProperties>
+          <inkml:channelProperty channel="X" name="resolution" value="1000" units="1/cm"/>
+          <inkml:channelProperty channel="Y" name="resolution" value="1000" units="1/cm"/>
+          <inkml:channelProperty channel="F" name="resolution" value="0" units="1/dev"/>
+        </inkml:channelProperties>
+      </inkml:inkSource>
+      <inkml:timestamp xml:id="ts0" timeString="2022-11-23T20:19:36.729"/>
+    </inkml:context>
+    <inkml:brush xml:id="br0">
+      <inkml:brushProperty name="width" value="0.05" units="cm"/>
+      <inkml:brushProperty name="height" value="0.05" units="cm"/>
+    </inkml:brush>
+  </inkml:definitions>
+  <inkml:trace contextRef="#ctx0" brushRef="#br0">283 65 13720,'-11'22'2586,"10"-29"-2115,-6-56 2093,7 62-2513,-1 0 0,1 0 0,-1 0 1,1 0-1,-1 0 0,1 0 0,-1 1 1,0-1-1,0 0 0,1 0 0,-1 1 1,0-1-1,0 0 0,0 1 0,0-1 1,1 1-1,-1-1 0,0 1 0,0-1 1,0 1-1,0 0 0,0-1 0,0 1 1,-2 0-1,2 0 6,1 0-47,-1-1 0,1 1 1,0 0-1,0 0 0,-1 0 0,1 0 0,0 0 0,-1 0 0,1 0 0,0 0 0,0 0 0,-1 0 0,1 0 0,0 1 0,-1-1 0,1 0 0,0 0 0,0 0 0,-1 0 0,1 0 1,0 0-1,0 1 0,-1-1 0,-51 34 303,40-25-257,0 1 0,1 1-1,-20 23 1,23-24-16,-19 21 371,16-19-362,1 0 0,-17 27 0,-3 14-2,27-44 108,3 1-91,0-1 1,2 12-1,-2-20-63,0-1-1,0 0 1,0 1 0,1-1-1,-1 0 1,0 0 0,0 1 0,0-1-1,0 0 1,0 1 0,1-1-1,-1 0 1,0 1 0,0-1-1,0 0 1,1 0 0,-1 1 0,0-1-1,0 0 1,1 0 0,18 13 17,11 0-12,8-1-1,8-1-2,1 3 2,0 3-4,-35-11-1,20 12 0,-22-11 0,-1 0 0,11 10 0,-11-7 1,0 1-1,-1 0 0,-1 0 0,9 17 1,-15-27-1,0 0 1,-1 0 0,1 0 0,-1 0-1,1 0 1,-1 1 0,0-1-1,1 0 1,-1 0 0,0 3 0,2 20 7,-3 32 0,-2-40 0,-5 9-4,-15 28 1,15-40-30,-39 37-165,47-50 149,0 1 0,-1-1 1,1 1-1,-1-1 0,1 0 0,0 1 0,-1-1 0,1 0 0,-1 1 0,1-1 0,-1 0 0,1 0 0,-1 0 0,1 1 0,-1-1 0,1 0 0,-1 0 1,0 0-1,0 0 0,-7 0-147,0 0 1,0 0-1,0-1 0,0 0 1,-12-3-1,19 4 147,1 0 0,-1-1 0,0 1 0,1 0 0,-1 0 0,0 0 0,1-1 0,-1 1 0,1 0 0,-1-1 0,1 1 0,-1-1 0,1 1 0,-1-1 0,1 1 0,-1-1 0,1 0 0,-7-8-146,1 0-1,1-1 1,0 0 0,-5-13 0,10 22 164,-1 0 0,1 0 0,0-1 1,-1 1-1,1 0 0,0 0 0,0 0 1,0 0-1,0 0 0,0 0 0,0-2 0,4-20-1226,12-43 0,3-15-9604</inkml:trace>
+</inkml:ink>
+</file>
+
+<file path=ppt/ink/ink82.xml><?xml version="1.0" encoding="utf-8"?>
+<inkml:ink xmlns:inkml="http://www.w3.org/2003/InkML">
+  <inkml:definitions>
+    <inkml:context xml:id="ctx0">
+      <inkml:inkSource xml:id="inkSrc0">
+        <inkml:traceFormat>
+          <inkml:channel name="X" type="integer" min="-2.14748E9" max="2.14748E9" units="cm"/>
+          <inkml:channel name="Y" type="integer" min="-2.14748E9" max="2.14748E9" units="cm"/>
+          <inkml:channel name="F" type="integer" max="32767" units="dev"/>
+        </inkml:traceFormat>
+        <inkml:channelProperties>
+          <inkml:channelProperty channel="X" name="resolution" value="1000" units="1/cm"/>
+          <inkml:channelProperty channel="Y" name="resolution" value="1000" units="1/cm"/>
+          <inkml:channelProperty channel="F" name="resolution" value="0" units="1/dev"/>
+        </inkml:channelProperties>
+      </inkml:inkSource>
+      <inkml:timestamp xml:id="ts0" timeString="2022-11-23T20:19:37.141"/>
+    </inkml:context>
+    <inkml:brush xml:id="br0">
+      <inkml:brushProperty name="width" value="0.05" units="cm"/>
+      <inkml:brushProperty name="height" value="0.05" units="cm"/>
+    </inkml:brush>
+  </inkml:definitions>
+  <inkml:trace contextRef="#ctx0" brushRef="#br0">565 0 15864,'-12'11'592,"-1"0"0,0-1 0,-23 13 1,-47 21 2080,66-36-2192,-1-1 1,-34 8-1,-39 4-257,61-14-259,30-5 35,-16 3-12,1 0 0,-1 0-1,0 2 1,1 0-1,0 1 1,-17 9 0,26-12 9,0 2 0,0-1 0,1 1 0,0 0 0,0 0 1,-6 7-1,11-12 3,0 0 0,0 0 1,-1 1-1,1-1 0,0 0 0,0 0 1,0 0-1,0 1 0,0-1 1,0 0-1,-1 0 0,1 1 1,0-1-1,0 0 0,0 0 1,0 0-1,0 1 0,0-1 0,0 0 1,0 0-1,0 1 0,0-1 1,0 0-1,0 0 0,1 1 1,3 16 11,-3-14-12,1 1 1,0-1 0,-1 0-1,1 0 1,4 5 0,-1-2 0,1-1 1,9 9 0,23 13-1,8-1-1,8 2 2,67 32 46,-48-16 18,-61-34 34,-7-3-74,1 0-1,-1 0 1,0 1-1,0 0 1,5 11-1,-9-15-13,1 0-1,-1 0 0,0 0 1,0 0-1,0 0 1,-1 0-1,0 0 0,1 0 1,-1 0-1,-1 0 1,1 0-1,-1 0 0,1 0 1,-1 0-1,0 0 1,-3 6-1,0-2 12,0-1-1,0 0 1,-1-1-1,1 1 1,-2-1 0,-6 7-1,2-4 20,0 0 0,-16 11 0,25-20-43,1 1 1,-1-1 0,0 1-1,0-1 1,1 0-1,-1 1 1,0-1-1,0 0 1,1 0-1,-1 0 1,0 0-1,0 0 1,0 0-1,-22 3-104,1-2-1,-1 0 0,1-1 1,-38-7-1,37 3 34,6 1-187,0 0 1,-23-1-1,40 4 229,-1 0 0,1 0 0,0 0 0,-1 0 0,1 0 0,-1 0 0,1 0 0,0 0 0,-1-1 0,1 1 0,-1 0 0,1 0 0,0 0 0,-1-1 0,1 1 0,0 0 0,-1-1 0,1 1 0,-1-1 0,-12-11-220,1-2-1,-16-20 0,11 14-2311,-16-15-7209,77 82 7337</inkml:trace>
+</inkml:ink>
+</file>
+
+<file path=ppt/ink/ink83.xml><?xml version="1.0" encoding="utf-8"?>
+<inkml:ink xmlns:inkml="http://www.w3.org/2003/InkML">
+  <inkml:definitions>
+    <inkml:context xml:id="ctx0">
+      <inkml:inkSource xml:id="inkSrc0">
+        <inkml:traceFormat>
+          <inkml:channel name="X" type="integer" min="-2.14748E9" max="2.14748E9" units="cm"/>
+          <inkml:channel name="Y" type="integer" min="-2.14748E9" max="2.14748E9" units="cm"/>
+          <inkml:channel name="F" type="integer" max="32767" units="dev"/>
+        </inkml:traceFormat>
+        <inkml:channelProperties>
+          <inkml:channelProperty channel="X" name="resolution" value="1000" units="1/cm"/>
+          <inkml:channelProperty channel="Y" name="resolution" value="1000" units="1/cm"/>
+          <inkml:channelProperty channel="F" name="resolution" value="0" units="1/dev"/>
+        </inkml:channelProperties>
+      </inkml:inkSource>
+      <inkml:timestamp xml:id="ts0" timeString="2022-11-23T20:19:37.516"/>
+    </inkml:context>
+    <inkml:brush xml:id="br0">
+      <inkml:brushProperty name="width" value="0.05" units="cm"/>
+      <inkml:brushProperty name="height" value="0.05" units="cm"/>
+    </inkml:brush>
+  </inkml:definitions>
+  <inkml:trace contextRef="#ctx0" brushRef="#br0">0 1 17207,'1'4'1824,"11"49"206,10 56 191,-19-90-2074,1 11 359,5 59 1,0 40-406,1 189-166,-10-256-260,-13 242-307,10-250-600,-13 165-294,11-155-1091,-5 68-7072,23-308 7280</inkml:trace>
+</inkml:ink>
+</file>
+
+<file path=ppt/ink/ink84.xml><?xml version="1.0" encoding="utf-8"?>
+<inkml:ink xmlns:inkml="http://www.w3.org/2003/InkML">
+  <inkml:definitions>
+    <inkml:context xml:id="ctx0">
+      <inkml:inkSource xml:id="inkSrc0">
+        <inkml:traceFormat>
+          <inkml:channel name="X" type="integer" min="-2.14748E9" max="2.14748E9" units="cm"/>
+          <inkml:channel name="Y" type="integer" min="-2.14748E9" max="2.14748E9" units="cm"/>
+          <inkml:channel name="F" type="integer" max="32767" units="dev"/>
+        </inkml:traceFormat>
+        <inkml:channelProperties>
+          <inkml:channelProperty channel="X" name="resolution" value="1000" units="1/cm"/>
+          <inkml:channelProperty channel="Y" name="resolution" value="1000" units="1/cm"/>
+          <inkml:channelProperty channel="F" name="resolution" value="0" units="1/dev"/>
+        </inkml:channelProperties>
+      </inkml:inkSource>
+      <inkml:timestamp xml:id="ts0" timeString="2022-11-23T20:19:38.131"/>
+    </inkml:context>
+    <inkml:brush xml:id="br0">
+      <inkml:brushProperty name="width" value="0.05" units="cm"/>
+      <inkml:brushProperty name="height" value="0.05" units="cm"/>
+    </inkml:brush>
+  </inkml:definitions>
+  <inkml:trace contextRef="#ctx0" brushRef="#br0">0 231 15600,'0'0'7375,"7"-7"-6595,34-31-328,14-12-109,-38 36-93,31-20 1,-30 21-219,-2 4 68,65-29 47,-64 32-14,78-14 31,-74 19-142,37 2 3,17 7-18,-1 11-2,2 10-2,-58-20-1,32 20 1,-37-20-3,1 1 1,17 19-1,-21-18 2,0 1 0,-1 1 0,-1-1 0,0 1 0,-1 1 0,9 22 0,-15-34 7,0 0 1,0 1 0,0-1-1,-1 1 1,1-1 0,-1 6 0,2 9 26,-1 22 0,-2-21-3,-4 21 0,5-39-33,-1 2 29,1 0 0,0 0 0,-1 0 0,0 1 0,1-1 0,-1 0 0,0 0 0,-2 2 1,-15 27 142,-30 37 1,46-65-151,-1 0 0,1 0 1,-1-1-1,0 1 0,-4 2 0,7-5-22,-64 45 134,-12-2-68,50-30 134,-65 25 69,78-33-249,-84 24 207,97-28-226,-1-1 0,1 0-1,0 0 1,0 0 0,0 0 0,0 0-1,0 0 1,0 0 0,0 0 0,0 0-1,-1 0 1,1 0 0,0 0 0,0 0-1,0 0 1,0 0 0,0 0-1,0 1 1,0-1 0,0 0 0,0 0-1,0 0 1,0 0 0,0 0 0,-1 0-1,1 0 1,0 0 0,0 1 0,0-1-1,0 0 1,0 0 0,0 0 0,0 0-1,0 0 1,0 0 0,0 0 0,0 1-1,0-1 1,0 0 0,0 0 0,1 0-1,-1 0 1,0 0 0,0 0-1,0 0 1,0 0 0,0 1 0,0-1-1,0 0 1,4 4 8,-4-4-8,4 3-4,1 0 0,-1 0 1,1-1-1,0 0 0,0 0 1,0 0-1,0 0 1,6 0-1,28 8-17,-21-4-67,88 38-23,-103-43 106,0 0 0,-1 0 0,1 0 0,-1 1 0,1-1 0,-1 1 0,3 2 0,110 93-31,-110-94 34,-1 1-1,0 1 1,0-1 0,3 6-1,-7-10 2,61 84-7,-40-53 7,25 55-1,-34-58 1,-1 1 0,8 41 0,1 35-2,-19-101 0,0 1 1,0-1-1,-1 1 1,0-1-1,0 1 1,0-1-1,-2 7 1,2-11 1,-4 32-4,-9 32 0,4-35-14,-15 32 0,24-61 18,-1 3-14,1-1 1,-1 1 0,-1-1-1,1 0 1,0 0 0,0 0-1,-1 0 1,1 1 0,-1-2-1,0 1 1,0 0 0,-3 3-1,5-5 14,-18 16-58,0-2 1,-23 16-1,14-15 16,-42 18 0,69-33 42,-6 2-41,1 1 0,-1-1 0,-1 0-1,1-1 1,-10 2 0,-121 17-205,-19-12 40,156-8 206,-91 6-3658,-84 12-8637,409-41 9261</inkml:trace>
+</inkml:ink>
+</file>
+
+<file path=ppt/ink/ink85.xml><?xml version="1.0" encoding="utf-8"?>
+<inkml:ink xmlns:inkml="http://www.w3.org/2003/InkML">
+  <inkml:definitions>
+    <inkml:context xml:id="ctx0">
+      <inkml:inkSource xml:id="inkSrc0">
+        <inkml:traceFormat>
+          <inkml:channel name="X" type="integer" min="-2.14748E9" max="2.14748E9" units="cm"/>
+          <inkml:channel name="Y" type="integer" min="-2.14748E9" max="2.14748E9" units="cm"/>
+          <inkml:channel name="F" type="integer" max="32767" units="dev"/>
+        </inkml:traceFormat>
+        <inkml:channelProperties>
+          <inkml:channelProperty channel="X" name="resolution" value="1000" units="1/cm"/>
+          <inkml:channelProperty channel="Y" name="resolution" value="1000" units="1/cm"/>
+          <inkml:channelProperty channel="F" name="resolution" value="0" units="1/dev"/>
+        </inkml:channelProperties>
+      </inkml:inkSource>
+      <inkml:timestamp xml:id="ts0" timeString="2022-11-23T20:19:42.326"/>
+    </inkml:context>
+    <inkml:brush xml:id="br0">
+      <inkml:brushProperty name="width" value="0.05" units="cm"/>
+      <inkml:brushProperty name="height" value="0.05" units="cm"/>
+    </inkml:brush>
+  </inkml:definitions>
+  <inkml:trace contextRef="#ctx0" brushRef="#br0">400 0 14520,'0'0'3719,"-6"5"-2879,-30 24-142,-30 30-142,51-44-448,-64 82 80,63-73 80,-57 122 101,69-138-298,0 1 0,-2 12 0,-63 222 244,66-233-242,1 0 1,0 0-1,-1 12 0,-12 235 355,15-242-238,2 20 0,12 84 190,10-5-230,-22-103 34,8 20 0,-10-31-184,36 91 372,6-8-264,-42-83-108,3 6 42,1 0 0,0-1 0,4 6 0,-8-11-42,49 58 172,-36-45-160,1-1 0,24 17 0,-27-22-5,0-1-1,0 1 1,19 6 0,-8-6-157,34 7-1,-31-10-73,27 1-1,-40-4-620,83 28-1859,-84-24 2652,20 9-2663,1-1-6775,-75-30 7130</inkml:trace>
+</inkml:ink>
+</file>
+
+<file path=ppt/ink/ink86.xml><?xml version="1.0" encoding="utf-8"?>
+<inkml:ink xmlns:inkml="http://www.w3.org/2003/InkML">
+  <inkml:definitions>
+    <inkml:context xml:id="ctx0">
+      <inkml:inkSource xml:id="inkSrc0">
+        <inkml:traceFormat>
+          <inkml:channel name="X" type="integer" min="-2.14748E9" max="2.14748E9" units="cm"/>
+          <inkml:channel name="Y" type="integer" min="-2.14748E9" max="2.14748E9" units="cm"/>
+          <inkml:channel name="F" type="integer" max="32767" units="dev"/>
+        </inkml:traceFormat>
+        <inkml:channelProperties>
+          <inkml:channelProperty channel="X" name="resolution" value="1000" units="1/cm"/>
+          <inkml:channelProperty channel="Y" name="resolution" value="1000" units="1/cm"/>
+          <inkml:channelProperty channel="F" name="resolution" value="0" units="1/dev"/>
+        </inkml:channelProperties>
+      </inkml:inkSource>
+      <inkml:timestamp xml:id="ts0" timeString="2022-11-23T20:19:43.330"/>
+    </inkml:context>
+    <inkml:brush xml:id="br0">
+      <inkml:brushProperty name="width" value="0.05" units="cm"/>
+      <inkml:brushProperty name="height" value="0.05" units="cm"/>
+    </inkml:brush>
+  </inkml:definitions>
+  <inkml:trace contextRef="#ctx0" brushRef="#br0">12 69 11656,'-1'-1'136,"0"-1"1,0 1 0,0-1 0,0 0 0,0 1-1,0-1 1,0 0 0,0 0 0,1 1-1,-1-1 1,1 0 0,-1 0 0,1 0 0,0 0-1,-1 0 1,1 0 0,0 0 0,1 0 0,-1 1-1,0-1 1,0 0 0,1 0 0,-1 0-1,1 0 1,0 0 0,-1 1 0,1-1 0,0 0-1,0 0 1,0 1 0,0-1 0,1 1-1,-1-1 1,0 1 0,1-1 0,-1 1 0,0 0-1,3-1 1,-4 1-136,0 1 1,0 0-1,1 0 0,-1 0 1,0 0-1,0 0 0,0 0 1,1-1-1,-1 1 0,0 0 1,0 0-1,0 0 0,1 0 1,-1 0-1,0 0 0,0 0 1,0 0-1,1 0 0,-1 0 1,0 0-1,0 0 0,0 0 1,1 0-1,-1 0 0,0 1 1,40 6 95,-29-3 158,60 35 110,20 20 231,-74-46-531,2 1 237,81 74 143,-79-67-52,83 100 161,-82-90-146,102 169 156,-117-189-391,9 23 0,75 206 303,-87-229-376,-1 0 0,3 20 0,-6-31-100,23 142 300,-8 10-184,-15-152-116,1 16 140,0 27 0,-1-43-140,-7 146 280,-9-1-189,16-145-91,-1 14 87,-8 26-1,-23 78 88,-7-11-116,39-107-58,-3 9 40,-1-1 0,-6 13 0,-38 57 80,-4-11-82,31-46 28,-31 21 1,1-11-64,30-22-55,3-3 28,-18 4 0,18-7-72,-20 1 1,18-3-812,-56-7-218,54 3-1586,-24-1-7571,107 9 7721</inkml:trace>
+</inkml:ink>
+</file>
+
+<file path=ppt/ink/ink87.xml><?xml version="1.0" encoding="utf-8"?>
+<inkml:ink xmlns:inkml="http://www.w3.org/2003/InkML">
+  <inkml:definitions>
+    <inkml:context xml:id="ctx0">
+      <inkml:inkSource xml:id="inkSrc0">
+        <inkml:traceFormat>
+          <inkml:channel name="X" type="integer" min="-2.14748E9" max="2.14748E9" units="cm"/>
+          <inkml:channel name="Y" type="integer" min="-2.14748E9" max="2.14748E9" units="cm"/>
+          <inkml:channel name="F" type="integer" max="32767" units="dev"/>
+        </inkml:traceFormat>
+        <inkml:channelProperties>
+          <inkml:channelProperty channel="X" name="resolution" value="1000" units="1/cm"/>
+          <inkml:channelProperty channel="Y" name="resolution" value="1000" units="1/cm"/>
+          <inkml:channelProperty channel="F" name="resolution" value="0" units="1/dev"/>
+        </inkml:channelProperties>
+      </inkml:inkSource>
+      <inkml:timestamp xml:id="ts0" timeString="2022-11-23T20:19:50.012"/>
+    </inkml:context>
+    <inkml:brush xml:id="br0">
+      <inkml:brushProperty name="width" value="0.05" units="cm"/>
+      <inkml:brushProperty name="height" value="0.05" units="cm"/>
+    </inkml:brush>
+  </inkml:definitions>
+  <inkml:trace contextRef="#ctx0" brushRef="#br0">1 1 11568,'0'0'6167,"2"4"-5453,8 11-489,-6-7 190,9 51 149,-10-35-229,2 42 1,-4-45-274,3 99 490,-4-71-417,0 17-23,0 16-88,4 47-74,-2-109-228,11 60-230,-12-79 386,-1 1 0,0-1 1,0 0-1,1 0 0,-1 1 0,0-1 1,1 0-1,-1 0 0,1 1 0,0-1 1,-1 0-1,2 1 0,-1-2 107,-1 0 1,0 0-1,0 0 0,0 1 0,1-1 0,-1 0 1,0 0-1,0 0 0,1 0 0,-1 0 0,0-1 0,0 1 1,0 0-1,1 0 0,-1 0 0,0 0 0,0 0 1,1 0-1,-1 0 0,0 0 0,0 0 0,0 0 1,1-1-1,-1 1 0,0 0 0,0 0 0,0 0 0,0 0 1,0-1-1,1 1 0,-1 0 0,0 0 0,0 0 1,0-1-1,0 1 0,0 0 0,0-1 0,2-3-45,0 0-1,0 0 0,-1-1 0,2-7 0,5-32-2126,5-18-8533</inkml:trace>
+</inkml:ink>
+</file>
+
+<file path=ppt/ink/ink88.xml><?xml version="1.0" encoding="utf-8"?>
+<inkml:ink xmlns:inkml="http://www.w3.org/2003/InkML">
+  <inkml:definitions>
+    <inkml:context xml:id="ctx0">
+      <inkml:inkSource xml:id="inkSrc0">
+        <inkml:traceFormat>
+          <inkml:channel name="X" type="integer" min="-2.14748E9" max="2.14748E9" units="cm"/>
+          <inkml:channel name="Y" type="integer" min="-2.14748E9" max="2.14748E9" units="cm"/>
+          <inkml:channel name="F" type="integer" max="32767" units="dev"/>
+        </inkml:traceFormat>
+        <inkml:channelProperties>
+          <inkml:channelProperty channel="X" name="resolution" value="1000" units="1/cm"/>
+          <inkml:channelProperty channel="Y" name="resolution" value="1000" units="1/cm"/>
+          <inkml:channelProperty channel="F" name="resolution" value="0" units="1/dev"/>
+        </inkml:channelProperties>
+      </inkml:inkSource>
+      <inkml:timestamp xml:id="ts0" timeString="2022-11-23T20:19:50.664"/>
+    </inkml:context>
+    <inkml:brush xml:id="br0">
+      <inkml:brushProperty name="width" value="0.05" units="cm"/>
+      <inkml:brushProperty name="height" value="0.05" units="cm"/>
+    </inkml:brush>
+  </inkml:definitions>
+  <inkml:trace contextRef="#ctx0" brushRef="#br0">936 3 12912,'-3'1'216,"-1"0"0,1 0 0,-1 0 0,0 0 0,1-1 0,-1 1 0,0-1 0,-5 0 0,-35-4 3079,18 2-2232,14 0-979,6 2-19,0-1 0,1 1 1,-1 0-1,-9 2 1,-82 8 240,76-7-284,-33 10 3,-14 8-20,27-5-107,-1 2 0,2 2-1,-53 34 1,80-46-120,-25 10 0,28-16-563,-68 1-327,77-3 1024,-1 0 1,1 0 0,-1 0-1,1-1 1,0 1 0,-1 0-1,1 0 1,-1-1 0,-1 0 0,-11-6-278,0 0 0,-27-19 0,31 15 133,-26-42-675,26 39-214,-32-47-7652</inkml:trace>
+</inkml:ink>
+</file>
+
+<file path=ppt/ink/ink89.xml><?xml version="1.0" encoding="utf-8"?>
+<inkml:ink xmlns:inkml="http://www.w3.org/2003/InkML">
+  <inkml:definitions>
+    <inkml:context xml:id="ctx0">
+      <inkml:inkSource xml:id="inkSrc0">
+        <inkml:traceFormat>
+          <inkml:channel name="X" type="integer" min="-2.14748E9" max="2.14748E9" units="cm"/>
+          <inkml:channel name="Y" type="integer" min="-2.14748E9" max="2.14748E9" units="cm"/>
+          <inkml:channel name="F" type="integer" max="32767" units="dev"/>
+        </inkml:traceFormat>
+        <inkml:channelProperties>
+          <inkml:channelProperty channel="X" name="resolution" value="1000" units="1/cm"/>
+          <inkml:channelProperty channel="Y" name="resolution" value="1000" units="1/cm"/>
+          <inkml:channelProperty channel="F" name="resolution" value="0" units="1/dev"/>
+        </inkml:channelProperties>
+      </inkml:inkSource>
+      <inkml:timestamp xml:id="ts0" timeString="2022-11-23T20:19:51.860"/>
+    </inkml:context>
+    <inkml:brush xml:id="br0">
+      <inkml:brushProperty name="width" value="0.05" units="cm"/>
+      <inkml:brushProperty name="height" value="0.05" units="cm"/>
+    </inkml:brush>
+  </inkml:definitions>
+  <inkml:trace contextRef="#ctx0" brushRef="#br0">870 53 7264,'7'-2'349,"-4"1"29,-1 0 0,0 1 0,1-1 1,-1 0-1,4-2 0,-6 2-334,0 1 0,0 0-1,1 0 1,-1-1 0,0 1 0,0 0-1,1 0 1,-1-1 0,0 1 0,0 0-1,0-1 1,0 1 0,1 0 0,-1-1 0,0 1-1,0 0 1,0-1 0,0 1 0,0 0-1,0-1 1,0 1 0,0-1 0,0 1 0,0 0-1,0-1 1,0 1 0,0 0 0,0-1-1,0 1 1,0 0 0,-1-1 0,1 1 0,0 0-1,0-1 1,0 1 0,-1 0 0,1 0-1,0-1 1,0 1 0,0 0 0,-1 0 0,1-1-1,0 1 1,-1 0 0,1-1 0,-5-3 687,3 2-364,1 0 1,-1 0-1,-1 0 1,1 0-1,0 0 1,0 0-1,-1 1 0,1 0 1,-1-1-1,-2 0 1,-3 0-133,0 1-1,-1 0 1,1 1 0,0-1 0,-1 2-1,-13 1 1,9-1-137,-4 1 173,0 0-1,0 1 1,-23 8-1,24-7-168,-12 3 390,-46 19 0,26-7-53,-68 25 51,93-35-190,-86 35 59,47-20-366,45-18-85,-19 9-528,21-8 335,-11 5-1236,-1 1 0,-37 27-1,39-23-7411,58-40 6708</inkml:trace>
+</inkml:ink>
+</file>
+
 <file path=ppt/ink/ink9.xml><?xml version="1.0" encoding="utf-8"?>
 <inkml:ink xmlns:inkml="http://www.w3.org/2003/InkML">
   <inkml:definitions>
@@ -1482,6 +3941,276 @@
     </inkml:brush>
   </inkml:definitions>
   <inkml:trace contextRef="#ctx0" brushRef="#br0">1 2523 13448,'0'0'8823,"6"-5"-8769,2-1-46,-4 3 4,1 0 0,-1-1 0,0 1 0,6-8 0,56-64 168,-57 66-172,-6 6 3,0-1 0,0 0 0,0 0 0,0 0 0,2-6 0,38-63 115,47-114-1,-89 182-121,1 1 0,0 0-1,0 0 1,0 1 0,2-5 0,3-3 0,-1-1-2,9-16 8,56-70 19,-45 63-4,51-74 145,-9-7 112,-54 94-215,20-44 0,-28 56-48,-4 8-6,-1-1-1,0 1 0,0 0 0,0 0 0,0 0 0,1-4 0,19-57 54,9-23 26,2-14 0,-20 63-48,-9 25-26,18-61 48,-18 63-62,8-17 78,4-3-14,30-49 1,-37 65-34,0 1 1,11-30-1,-16 36-32,51-161 85,-29 76 55,-23 81-136,6-12 59,24-61 264,-19 51-298,-3 10 0,19-33 0,-22 43-19,-4 7-9,-1 1-1,1 0 0,1 0 1,6-8-1,-6 9-3,12-22 0,0-2 212,20-56 0,-25 50 51,-9 23-182,1 1 1,6-13-1,-6 16-43,-1 5-4,-1-1 0,0 1 0,0-1 0,0 1 0,0-1 0,0 1 0,-1-1 0,1-2 0,4-3 210,-2 6-200,-3 2-53,0 0-1,0 0 1,1 0 0,-1 0 0,0 0 0,0 0 0,0 0 0,0 0-1,0 0 1,1 0 0,-1 0 0,0-1 0,0 1 0,0 0-1,0 0 1,0 0 0,0 0 0,1 0 0,-1 0 0,0 0 0,0 0-1,0-1 1,0 1 0,0 0 0,0 0 0,0 0 0,0 0 0,0 0-1,0 0 1,0-1 0,0 1 0,0 0 0,0 0 0,1 0 0,-1 0-1,0 0 1,0-1 0,0 1 0,-1 0 0,1 0 0,0 0-1,0 0 1,0-1 0,-1-14-753,0-1-1,-1 1 0,-1 0 1,-6-20-1,-2-6-2610,5 16-6932,14 59 7741</inkml:trace>
+</inkml:ink>
+</file>
+
+<file path=ppt/ink/ink90.xml><?xml version="1.0" encoding="utf-8"?>
+<inkml:ink xmlns:inkml="http://www.w3.org/2003/InkML">
+  <inkml:definitions>
+    <inkml:context xml:id="ctx0">
+      <inkml:inkSource xml:id="inkSrc0">
+        <inkml:traceFormat>
+          <inkml:channel name="X" type="integer" min="-2.14748E9" max="2.14748E9" units="cm"/>
+          <inkml:channel name="Y" type="integer" min="-2.14748E9" max="2.14748E9" units="cm"/>
+          <inkml:channel name="F" type="integer" max="32767" units="dev"/>
+        </inkml:traceFormat>
+        <inkml:channelProperties>
+          <inkml:channelProperty channel="X" name="resolution" value="1000" units="1/cm"/>
+          <inkml:channelProperty channel="Y" name="resolution" value="1000" units="1/cm"/>
+          <inkml:channelProperty channel="F" name="resolution" value="0" units="1/dev"/>
+        </inkml:channelProperties>
+      </inkml:inkSource>
+      <inkml:timestamp xml:id="ts0" timeString="2022-11-23T20:19:53.551"/>
+    </inkml:context>
+    <inkml:brush xml:id="br0">
+      <inkml:brushProperty name="width" value="0.05" units="cm"/>
+      <inkml:brushProperty name="height" value="0.05" units="cm"/>
+    </inkml:brush>
+  </inkml:definitions>
+  <inkml:trace contextRef="#ctx0" brushRef="#br0">360 1 12016,'0'0'7199,"-5"0"-6879,-6-1-255,1 1-1,-1 0 0,1 1 0,-1 1 0,1-1 0,0 1 0,-1 1 1,-18 7-1,10 0 11,1 1-1,-1 0 1,2 1 0,0 1 0,-22 22-1,13-9 161,2 1 0,-28 38 0,49-56-20,0 7-69,-2 18 0,5-33-135,0 0 0,0-1 1,0 1-1,0 0 0,0 0 0,0 0 1,0-1-1,1 1 0,-1 0 0,0 0 1,0-1-1,1 2 0,32 69 189,-24-57-78,55 58 52,-49-59-54,109 73 75,-88-64-190,-11-10-130,46 16 0,-60-23 95,-10-5 6,-1 0 1,1 1-1,0-1 0,-1 0 0,1 0 0,0 0 0,0 1 1,-1-1-1,1 0 0,0 0 0,-1 0 0,1 0 0,0 0 0,0 0 1,-1 0-1,1-1 0,0 1 0,0 0 0,0-1 0,0 0-92,0 0 0,0 0 0,0 0 0,0 0 0,0 0 0,0 0 0,-1-1 0,1 1 0,0-2 0,2-4 111,6-11-3293,-1 1-6071,-19 39 7071</inkml:trace>
+</inkml:ink>
+</file>
+
+<file path=ppt/ink/ink91.xml><?xml version="1.0" encoding="utf-8"?>
+<inkml:ink xmlns:inkml="http://www.w3.org/2003/InkML">
+  <inkml:definitions>
+    <inkml:context xml:id="ctx0">
+      <inkml:inkSource xml:id="inkSrc0">
+        <inkml:traceFormat>
+          <inkml:channel name="X" type="integer" min="-2.14748E9" max="2.14748E9" units="cm"/>
+          <inkml:channel name="Y" type="integer" min="-2.14748E9" max="2.14748E9" units="cm"/>
+          <inkml:channel name="F" type="integer" max="32767" units="dev"/>
+        </inkml:traceFormat>
+        <inkml:channelProperties>
+          <inkml:channelProperty channel="X" name="resolution" value="1000" units="1/cm"/>
+          <inkml:channelProperty channel="Y" name="resolution" value="1000" units="1/cm"/>
+          <inkml:channelProperty channel="F" name="resolution" value="0" units="1/dev"/>
+        </inkml:channelProperties>
+      </inkml:inkSource>
+      <inkml:timestamp xml:id="ts0" timeString="2022-11-23T20:19:53.983"/>
+    </inkml:context>
+    <inkml:brush xml:id="br0">
+      <inkml:brushProperty name="width" value="0.05" units="cm"/>
+      <inkml:brushProperty name="height" value="0.05" units="cm"/>
+    </inkml:brush>
+  </inkml:definitions>
+  <inkml:trace contextRef="#ctx0" brushRef="#br0">1 1 13984,'15'62'1561,"1"22"169,-2 30 40,-12-88-1624,0 1 416,12 123 176,-10-120-438,18 119 94,-17-118-226,25 132 54,-24-135-142,-3-10-56,-1 1-46,2 0 0,1-1 0,7 21 0,8 9-487,-16-41 214,-1-1 0,1 1 0,0-1 0,1 0 0,8 10-1,-13-16 245,0 0-1,1 1 1,-1-1-1,0 0 1,0 0-1,1 0 1,-1 0-1,0 0 1,0 1-1,1-1 1,-1 0-1,0 0 1,1 0-1,-1 0 1,0 0-1,0 0 1,1 0-1,-1 0 1,0 0-1,1 0 0,-1 0 1,0 0-1,0 0 1,1 0-1,-1 0 1,0 0-1,1 0 1,-1 0-1,0-1 1,0 1-1,1 0 1,-1 0-1,0 0 1,0 0-1,1-1 1,-1 1-1,0 0 1,0 0-1,0 0 1,0-1-1,1 1 1,-1-1-99,11-15-2552,-3 5-4686,-19 24 5496</inkml:trace>
+</inkml:ink>
+</file>
+
+<file path=ppt/ink/ink92.xml><?xml version="1.0" encoding="utf-8"?>
+<inkml:ink xmlns:inkml="http://www.w3.org/2003/InkML">
+  <inkml:definitions>
+    <inkml:context xml:id="ctx0">
+      <inkml:inkSource xml:id="inkSrc0">
+        <inkml:traceFormat>
+          <inkml:channel name="X" type="integer" min="-2.14748E9" max="2.14748E9" units="cm"/>
+          <inkml:channel name="Y" type="integer" min="-2.14748E9" max="2.14748E9" units="cm"/>
+          <inkml:channel name="F" type="integer" max="32767" units="dev"/>
+        </inkml:traceFormat>
+        <inkml:channelProperties>
+          <inkml:channelProperty channel="X" name="resolution" value="1000" units="1/cm"/>
+          <inkml:channelProperty channel="Y" name="resolution" value="1000" units="1/cm"/>
+          <inkml:channelProperty channel="F" name="resolution" value="0" units="1/dev"/>
+        </inkml:channelProperties>
+      </inkml:inkSource>
+      <inkml:timestamp xml:id="ts0" timeString="2022-11-23T20:19:54.467"/>
+    </inkml:context>
+    <inkml:brush xml:id="br0">
+      <inkml:brushProperty name="width" value="0.05" units="cm"/>
+      <inkml:brushProperty name="height" value="0.05" units="cm"/>
+    </inkml:brush>
+  </inkml:definitions>
+  <inkml:trace contextRef="#ctx0" brushRef="#br0">191 1 14072,'0'0'5167,"-8"0"-4773,-21 0-272,28 0-106,1 0 0,-1 0 0,0 0 0,0 0-1,0 0 1,0 0 0,1 0 0,-1 1 0,0-1-1,0 0 1,0 0 0,1 1 0,-2 0 0,-58 29 301,58-30-291,1 1 0,0 0 0,0-1 0,0 1 0,-1 0 0,1 0 0,0 0-1,-1 1 1,-47 56 298,42-45-104,5-7-144,0 0-34,-1 1 1,1 0-1,1 0 1,-1 1-1,1-1 0,1 0 1,-1 0-1,2 12 1,9 45 202,-10-61-200,1 0 0,-1-1 0,1 1 1,0 0-1,0-1 0,0 1 0,0 0 0,4 4 0,0 1 16,9 15 1,-8-15 20,0-4-56,0 0 0,1 0 1,10 5-1,-17-9-25,1 0 0,-1 1-1,1-1 1,-1 0 0,0 0 0,1 0-1,-1 0 1,1 0 0,-1 0 0,1 0 0,-1 0-1,0 0 1,1 0 0,-1 0 0,1 0 0,0 0-1,19-6 14,-17 5-14,0-1 1,1 1 0,-1-1-1,-1 0 1,6-5 0,-3 3-1,-1-1 1,1 0 0,-1-1 0,-1 1-1,6-11 1,13-32-7,-10 14 6,8-19 20,-20 52-5,1-1-1,-1 1 1,1-1 0,0 1-1,-1-1 1,1 1-1,0-1 1,0 1 0,0 0-1,0-1 1,0 1-1,1 0 1,-1 0-1,0 0 1,3-1 0,-2 0 17,-2 2-16,1 0 1,-1 0 0,1 0-1,-1-1 1,1 1 0,-1 0-1,1 0 1,-1 0 0,1 0-1,0 0 1,-1 0 0,1 0-1,-1 1 1,1-1 0,-1 0-1,1 0 1,-1 0 0,1 0-1,-1 1 1,1-1 0,-1 0-1,0 1 1,1-1 0,0 1-1,0-1 28,4 4-32,-1-1 1,1 0 0,-1 1-1,0 0 1,5 7 0,8 11-11,43 43-999,-58-63 809,0 0 0,0 0 0,0 1 0,1-2 0,-1 1 0,1 0 0,0 0 0,-1-1 0,1 1 0,0-1 0,0 0 0,0 0 0,0 0 0,4 0 0,-3-2-99,21-26-2325,-3 3-8727</inkml:trace>
+</inkml:ink>
+</file>
+
+<file path=ppt/ink/ink93.xml><?xml version="1.0" encoding="utf-8"?>
+<inkml:ink xmlns:inkml="http://www.w3.org/2003/InkML">
+  <inkml:definitions>
+    <inkml:context xml:id="ctx0">
+      <inkml:inkSource xml:id="inkSrc0">
+        <inkml:traceFormat>
+          <inkml:channel name="X" type="integer" min="-2.14748E9" max="2.14748E9" units="cm"/>
+          <inkml:channel name="Y" type="integer" min="-2.14748E9" max="2.14748E9" units="cm"/>
+          <inkml:channel name="F" type="integer" max="32767" units="dev"/>
+        </inkml:traceFormat>
+        <inkml:channelProperties>
+          <inkml:channelProperty channel="X" name="resolution" value="1000" units="1/cm"/>
+          <inkml:channelProperty channel="Y" name="resolution" value="1000" units="1/cm"/>
+          <inkml:channelProperty channel="F" name="resolution" value="0" units="1/dev"/>
+        </inkml:channelProperties>
+      </inkml:inkSource>
+      <inkml:timestamp xml:id="ts0" timeString="2022-11-23T20:19:54.915"/>
+    </inkml:context>
+    <inkml:brush xml:id="br0">
+      <inkml:brushProperty name="width" value="0.05" units="cm"/>
+      <inkml:brushProperty name="height" value="0.05" units="cm"/>
+    </inkml:brush>
+  </inkml:definitions>
+  <inkml:trace contextRef="#ctx0" brushRef="#br0">313 63 12376,'3'-22'1934,"-2"20"-1642,0 0 0,0 0 0,-1 0-1,1-1 1,-1 1 0,0 0 0,0 0-1,0-1 1,0 1 0,0 0 0,0 0-1,0 0 1,-1-1 0,1 1 0,-1 0-1,-1-3 1,-7 7 261,5 0-484,-1 1 1,1 0-1,0 0 0,0 0 0,0 0 0,0 0 0,1 1 0,-6 6 0,3-3-23,-41 45 526,35-37-512,-1 0 228,-43 54 310,-15 24 303,70-90-863,-1-1 0,1 0 0,0 1 0,-1-1 1,1 1-1,0-1 0,1 1 0,-2 3 0,1-2 2,1-3-27,0 0 0,0-1 0,0 1 0,0 0 1,0-1-1,0 1 0,0 0 0,0 0 0,0-1 0,1 1 1,-1 0-1,0-1 0,0 1 0,1 0 0,-1-1 1,0 1-1,1-1 0,-1 1 0,1-1 0,-1 1 1,1 0-1,-1-1 0,1 0 0,-1 1 0,1-1 0,-1 1 1,1-1-1,0 0 0,-1 1 0,2-1 0,1 3 13,3 1-9,0 0-1,12 5 1,37 20 5,57 41-31,-100-61 1,21 20 1,-24-21 2,-7-6 0,0-1 0,0 1 0,0 0-1,0 0 1,-1 0 0,1 0 0,0 0 0,0 3 0,3 3-2,1-2 2,-5-5 4,0 0-1,0 0 0,0 1 0,0-1 0,0 0 0,0 1 1,-1-1-1,1 1 0,0-1 0,-1 1 0,1-1 0,0 2 1,1 4-4,-1-1 1,1 1-1,-1-1 1,-1 1-1,1-1 1,-1 1-1,0 0 1,-2 10 0,1-11 1,0-3-3,0 0-1,0 0 1,0 0 0,0 0 0,-3 5 0,-6 10-211,-1-1 1,-16 20-1,4-10-309,-3-4-50,25-22 554,1-1 1,0 0 0,0 0 0,0 0-1,-1 0 1,1 1 0,0-1-1,0 0 1,-1 0 0,1 0 0,0 0-1,0 0 1,-1 0 0,1 0-1,0 0 1,0 0 0,-1 0 0,1 0-1,0 0 1,0 0 0,-1 0-1,1 0 1,0 0 0,0 0 0,-1 0-1,-7-1-215,1-1 0,-1 0 0,0 0 1,1 0-1,0-1 0,-10-5 0,5 1-295,1 0 1,0 0 0,-17-16-1,11 5-408,0-1-1,1-1 1,-21-33-1,5 5-8352</inkml:trace>
+</inkml:ink>
+</file>
+
+<file path=ppt/ink/ink94.xml><?xml version="1.0" encoding="utf-8"?>
+<inkml:ink xmlns:inkml="http://www.w3.org/2003/InkML">
+  <inkml:definitions>
+    <inkml:context xml:id="ctx0">
+      <inkml:inkSource xml:id="inkSrc0">
+        <inkml:traceFormat>
+          <inkml:channel name="X" type="integer" min="-2.14748E9" max="2.14748E9" units="cm"/>
+          <inkml:channel name="Y" type="integer" min="-2.14748E9" max="2.14748E9" units="cm"/>
+          <inkml:channel name="F" type="integer" max="32767" units="dev"/>
+        </inkml:traceFormat>
+        <inkml:channelProperties>
+          <inkml:channelProperty channel="X" name="resolution" value="1000" units="1/cm"/>
+          <inkml:channelProperty channel="Y" name="resolution" value="1000" units="1/cm"/>
+          <inkml:channelProperty channel="F" name="resolution" value="0" units="1/dev"/>
+        </inkml:channelProperties>
+      </inkml:inkSource>
+      <inkml:timestamp xml:id="ts0" timeString="2022-11-23T20:19:55.391"/>
+    </inkml:context>
+    <inkml:brush xml:id="br0">
+      <inkml:brushProperty name="width" value="0.05" units="cm"/>
+      <inkml:brushProperty name="height" value="0.05" units="cm"/>
+    </inkml:brush>
+  </inkml:definitions>
+  <inkml:trace contextRef="#ctx0" brushRef="#br0">185 211 8072,'-2'-34'1613,"-2"0"1,-12-55 0,15 86-1438,0-1 0,0 0 0,0 1 0,0-1 0,0 1 0,-1 0 1,0-1-1,0 1 0,0 0 0,0 0 0,0 0 0,0 0 0,-1 1 0,-4-5 0,6 7-129,0-1 0,1 1 0,-1 0 0,0 0 0,1 0 0,-1-1 0,0 1 0,1 0-1,-1 0 1,0 0 0,1 0 0,-1 0 0,0 0 0,1 0 0,-1 1 0,0-1 0,1 0 0,-1 0 0,1 0 0,-1 1-1,-1 0 1,0 0 68,-1 1 14,-1 0 0,1 0 1,-1 1-1,1-1 0,0 1 1,-4 4-1,-15 17 307,17-14-101,-20 54 130,22-56-359,0 1 0,0 0 0,1 0 0,1 0-1,-1 13 1,-1 11 194,-3 27 38,5-54-245,1 0 0,0 0 0,1 1 0,-1-1-1,4 12 1,-2-9-46,-2-6-11,1 0 0,0 0 0,0 0 0,-1 0 0,2 0 0,-1-1 1,0 1-1,1-1 0,2 5 0,-1-3-1,-2-2 12,1 0-1,0 1 1,0-1-1,0 0 0,0-1 1,1 1-1,-1 0 1,1-1-1,-1 1 0,6 2 1,22 5 81,-26-8-101,1 0 77,2 1-16,0 0-1,0 0 1,12 5 0,-17-5-86,1 0 1,-1-1-1,1 1 1,-1 0 0,0 0-1,1 1 1,-1-1 0,0 0-1,-1 1 1,1-1 0,2 4-1,-1-1 1,-2-4-1,0 1 0,-1-1-1,1 0 1,0 1-1,-1-1 1,1 1-1,0-1 1,-1 1-1,0-1 1,1 3-1,0 6 68,0 0 0,-1 0 0,0 0 0,0 0 0,-1 0 0,0-1 0,-1 1 0,0 0 0,-1 0 0,0-1 1,0 0-1,-1 1 0,-1-1 0,1-1 0,-1 1 0,-9 11 0,10-14-46,2-4 0,1 0 1,-1 0-1,0 0 0,0 0 1,0-1-1,-4 3 0,0 0 20,0 0 0,0-1-1,-1 0 1,1 0 0,-1 0-1,-10 2 1,13-4-156,0-1 1,0 1-1,0-1 1,-1 1-1,1-1 1,0-1-1,0 1 1,0 0-1,0-1 1,0 0-1,-1 0 1,-4-2-1,11 12-4857</inkml:trace>
+</inkml:ink>
+</file>
+
+<file path=ppt/ink/ink95.xml><?xml version="1.0" encoding="utf-8"?>
+<inkml:ink xmlns:inkml="http://www.w3.org/2003/InkML">
+  <inkml:definitions>
+    <inkml:context xml:id="ctx0">
+      <inkml:inkSource xml:id="inkSrc0">
+        <inkml:traceFormat>
+          <inkml:channel name="X" type="integer" min="-2.14748E9" max="2.14748E9" units="cm"/>
+          <inkml:channel name="Y" type="integer" min="-2.14748E9" max="2.14748E9" units="cm"/>
+          <inkml:channel name="F" type="integer" max="32767" units="dev"/>
+        </inkml:traceFormat>
+        <inkml:channelProperties>
+          <inkml:channelProperty channel="X" name="resolution" value="1000" units="1/cm"/>
+          <inkml:channelProperty channel="Y" name="resolution" value="1000" units="1/cm"/>
+          <inkml:channelProperty channel="F" name="resolution" value="0" units="1/dev"/>
+        </inkml:channelProperties>
+      </inkml:inkSource>
+      <inkml:timestamp xml:id="ts0" timeString="2022-11-23T20:19:56.209"/>
+    </inkml:context>
+    <inkml:brush xml:id="br0">
+      <inkml:brushProperty name="width" value="0.05" units="cm"/>
+      <inkml:brushProperty name="height" value="0.05" units="cm"/>
+    </inkml:brush>
+  </inkml:definitions>
+  <inkml:trace contextRef="#ctx0" brushRef="#br0">5 2020 12640,'-2'-8'2023,"1"7"-1779,1 1 1,0-1-1,-1 0 1,1 0-1,0 0 1,0 1-1,0-1 1,0 0-1,0 0 0,-1 0 1,2 0-1,-1 0 1,14-129 1219,-5 64-1120,18-109 261,-17 116-524,-6 32 201,9-130 111,-10 119-138,11-195 99,-11 182-132,17-223 92,-17 220-92,2-199 78,-5 207-154,0-151 54,1 164-80,14-103 60,-11 117 0,-3 16-147,1-3 4,-1 0 0,1-1 1,1 1-1,-1 1 0,7-12 0,-9 17-32,0 0 1,0 0-1,1 0 0,-1-1 0,0 1 0,0 0 0,0 0 0,0 0 0,0 0 1,0 0-1,0 0 0,1-1 0,-1 1 0,0 0 0,0 0 0,0 0 0,0 0 1,1 0-1,-1 0 0,0 0 0,0 0 0,0 0 0,0 0 0,1 0 0,-1 0 1,0 0-1,0 0 0,0 0 0,0 0 0,1 0 0,-1 0 0,0 0 1,0 0-1,0 0 0,0 0 0,1 0 0,-1 0 0,0 0 0,5 2 20,-1-1 0,0 1 0,1 0 0,-1 1 0,0-1 0,0 1 0,-1-1 0,1 1 0,4 5 0,3 4 21,49 80 48,-46-65 92,78 162 64,-72-145-122,91 191 76,-86-187 24,101 176 66,-101-180-214,96 170 32,-98-176-30,92 139 12,-104-159-145,56 77-654,-59-85-38,-11-12-173,-6-8-473,6 8 1118,0 0 0,0 1-1,0-1 1,0 0 0,0 1 0,-1 0-1,1 0 1,0 0 0,-1 0-1,-4 0 1,-23-7-2419,4 1-6059,63 17 6577</inkml:trace>
+</inkml:ink>
+</file>
+
+<file path=ppt/ink/ink96.xml><?xml version="1.0" encoding="utf-8"?>
+<inkml:ink xmlns:inkml="http://www.w3.org/2003/InkML">
+  <inkml:definitions>
+    <inkml:context xml:id="ctx0">
+      <inkml:inkSource xml:id="inkSrc0">
+        <inkml:traceFormat>
+          <inkml:channel name="X" type="integer" min="-2.14748E9" max="2.14748E9" units="cm"/>
+          <inkml:channel name="Y" type="integer" min="-2.14748E9" max="2.14748E9" units="cm"/>
+          <inkml:channel name="F" type="integer" max="32767" units="dev"/>
+        </inkml:traceFormat>
+        <inkml:channelProperties>
+          <inkml:channelProperty channel="X" name="resolution" value="1000" units="1/cm"/>
+          <inkml:channelProperty channel="Y" name="resolution" value="1000" units="1/cm"/>
+          <inkml:channelProperty channel="F" name="resolution" value="0" units="1/dev"/>
+        </inkml:channelProperties>
+      </inkml:inkSource>
+      <inkml:timestamp xml:id="ts0" timeString="2022-11-23T20:19:56.690"/>
+    </inkml:context>
+    <inkml:brush xml:id="br0">
+      <inkml:brushProperty name="width" value="0.05" units="cm"/>
+      <inkml:brushProperty name="height" value="0.05" units="cm"/>
+    </inkml:brush>
+  </inkml:definitions>
+  <inkml:trace contextRef="#ctx0" brushRef="#br0">367 1 13448,'0'0'6793,"-7"0"-6641,-22 3-96,15 0 72,-64 25 42,0 5-43,61-26-164,11-4-51,0-1 0,1 1 0,-1 0 0,-7 5 0,1 1 21,-31 17-1182,8-4-2248,18-11-4782,40-25 6222</inkml:trace>
+</inkml:ink>
+</file>
+
+<file path=ppt/ink/ink97.xml><?xml version="1.0" encoding="utf-8"?>
+<inkml:ink xmlns:inkml="http://www.w3.org/2003/InkML">
+  <inkml:definitions>
+    <inkml:context xml:id="ctx0">
+      <inkml:inkSource xml:id="inkSrc0">
+        <inkml:traceFormat>
+          <inkml:channel name="X" type="integer" min="-2.14748E9" max="2.14748E9" units="cm"/>
+          <inkml:channel name="Y" type="integer" min="-2.14748E9" max="2.14748E9" units="cm"/>
+          <inkml:channel name="F" type="integer" max="32767" units="dev"/>
+        </inkml:traceFormat>
+        <inkml:channelProperties>
+          <inkml:channelProperty channel="X" name="resolution" value="1000" units="1/cm"/>
+          <inkml:channelProperty channel="Y" name="resolution" value="1000" units="1/cm"/>
+          <inkml:channelProperty channel="F" name="resolution" value="0" units="1/dev"/>
+        </inkml:channelProperties>
+      </inkml:inkSource>
+      <inkml:timestamp xml:id="ts0" timeString="2022-11-23T20:19:57.708"/>
+    </inkml:context>
+    <inkml:brush xml:id="br0">
+      <inkml:brushProperty name="width" value="0.05" units="cm"/>
+      <inkml:brushProperty name="height" value="0.05" units="cm"/>
+    </inkml:brush>
+  </inkml:definitions>
+  <inkml:trace contextRef="#ctx0" brushRef="#br0">410 172 7800,'6'-12'2342,"7"-20"0,-9 21-1842,-3 10-395,-1-1 1,0 1 0,0-1-1,0 0 1,0 1-1,0-1 1,-1 1 0,1-1-1,0 1 1,-1-1 0,1 1-1,-1-1 1,1 1 0,-1-1-1,0 1 1,0 0-1,0-1 1,1 1 0,-3-2-1,-2-3 196,1 1-1,-9-8 0,5 6-38,1 1 1,-1 0-1,-1 0 1,1 1-1,-1 0 1,0 1-1,0 0 1,-14-5-1,22 9-246,1 0-1,0 0 0,0 0 0,-1-1 0,1 1 0,0 0 0,0 0 0,-1 0 0,1 0 0,0 0 0,0 0 0,-1 0 0,1 0 1,0 0-1,0 0 0,-1 0 0,1 0 0,0 0 0,-1 0 0,1 0 0,0 0 0,0 0 0,-1 1 0,1-1 0,0 0 0,0 0 1,0 0-1,-1 0 0,1 0 0,0 1 0,0-1 0,0 0 0,-1 0 0,1 0 0,0 1 0,0 0 5,0-1 0,0 1 0,0 0 0,0-1-1,0 1 1,1 0 0,-1-1 0,0 1 0,0 0-1,1-1 1,-1 1 0,1 1 0,11 14 127,-11-15-128,0 0 0,0-1 0,0 1 0,0 0-1,0 0 1,1-1 0,-1 1 0,0-1 0,0 1-1,0-1 1,0 1 0,1-1 0,-1 0 0,0 0-1,0 0 1,1 1 0,-1-1 0,0 0 0,1-1-1,-1 1 1,0 0 0,0 0 0,1 0 0,-1-1-1,0 1 1,0-1 0,0 1 0,1-1 0,0 0-1,0 0 5,-1 0 0,0 0 0,1 0 0,-1 0 0,0 0 0,1 0 0,-1-1 0,0 1 0,0 0 0,0-1 0,0 1 0,0 0 0,-1-1 0,1 1 0,0-1 0,-1 0 0,1 1 0,-1-1 0,1 0 0,-1 1 0,0-3 0,0-4 80,0 7-97,-1 1 0,1 0-1,0 0 1,0 0 0,0 0-1,0 0 1,0 0 0,0 0-1,0 0 1,0 0 0,0 0-1,0 0 1,0 0 0,0 0-1,0 0 1,0 0 0,0 0-1,0 0 1,0 0 0,0 0-1,0 0 1,0 0 0,0 0-1,0 0 1,0 0 0,0 0-1,-1 0 1,1 0 0,0 0-1,0 0 1,0 0 0,0 0-1,0 0 1,0 0 0,0 0-1,0 0 1,0 0 0,0 0-1,0 0 1,0 0 0,0 0-1,0 0 1,0 0 0,0 0-1,0 0 1,0 0 0,0 0-1,-1 0 1,1 0 0,0 0-1,0 0 1,0 0 0,0 0-1,0 0 1,0 0 0,0 0-1,-7 14 557,5-9-584,-13 25 358,-21 58 4,27-68-120,-41 96 74,40-92-146,-43 91 58,43-93-84,-84 167-264,94-188 76,0 0 0,-1-1 0,1 1 0,0 0 0,-1-1 0,1 1 0,-1 0 0,1-1 0,-1 1 0,0-1 0,1 1 0,-2 0 0,0 1-31,-1 0 1,0-1 0,0 1-1,0-1 1,1 0-1,-1 0 1,0 0 0,-1 0-1,1 0 1,-4 0 0,7-1 91,-1 0 0,1 0 0,0 0-1,0 0 1,0 0 0,-1 0 0,1 0 0,0 0 0,0 0 0,0 0 0,0 0 0,-1 0 0,1 0 0,0 0 0,0 0 0,0 0 0,-1 0 0,1-1 0,0 1 0,0 0-1,0 0 1,0 0 0,-1 0 0,1 0 0,0 0 0,0-1 0,0 1 0,0 0 0,0 0 0,0 0 0,0 0 0,0-1 0,-1 1 0,-2-6-206,1 1 0,-1-1-1,1 0 1,-3-13 0,1 7-1419,-14-41-10789</inkml:trace>
+</inkml:ink>
+</file>
+
+<file path=ppt/ink/ink98.xml><?xml version="1.0" encoding="utf-8"?>
+<inkml:ink xmlns:inkml="http://www.w3.org/2003/InkML">
+  <inkml:definitions>
+    <inkml:context xml:id="ctx0">
+      <inkml:inkSource xml:id="inkSrc0">
+        <inkml:traceFormat>
+          <inkml:channel name="X" type="integer" min="-2.14748E9" max="2.14748E9" units="cm"/>
+          <inkml:channel name="Y" type="integer" min="-2.14748E9" max="2.14748E9" units="cm"/>
+          <inkml:channel name="F" type="integer" max="32767" units="dev"/>
+        </inkml:traceFormat>
+        <inkml:channelProperties>
+          <inkml:channelProperty channel="X" name="resolution" value="1000" units="1/cm"/>
+          <inkml:channelProperty channel="Y" name="resolution" value="1000" units="1/cm"/>
+          <inkml:channelProperty channel="F" name="resolution" value="0" units="1/dev"/>
+        </inkml:channelProperties>
+      </inkml:inkSource>
+      <inkml:timestamp xml:id="ts0" timeString="2022-11-23T20:19:58.112"/>
+    </inkml:context>
+    <inkml:brush xml:id="br0">
+      <inkml:brushProperty name="width" value="0.05" units="cm"/>
+      <inkml:brushProperty name="height" value="0.05" units="cm"/>
+    </inkml:brush>
+  </inkml:definitions>
+  <inkml:trace contextRef="#ctx0" brushRef="#br0">0 0 13360,'34'53'1408,"11"21"174,24 29 318,-60-92-1789,7 9 295,80 87 74,-75-85-518,92 92-122,-89-89-434,105 113-248,-108-115 190,66 63-2180,-46-45-4703,-96-95 5661</inkml:trace>
+</inkml:ink>
+</file>
+
+<file path=ppt/ink/ink99.xml><?xml version="1.0" encoding="utf-8"?>
+<inkml:ink xmlns:inkml="http://www.w3.org/2003/InkML">
+  <inkml:definitions>
+    <inkml:context xml:id="ctx0">
+      <inkml:inkSource xml:id="inkSrc0">
+        <inkml:traceFormat>
+          <inkml:channel name="X" type="integer" min="-2.14748E9" max="2.14748E9" units="cm"/>
+          <inkml:channel name="Y" type="integer" min="-2.14748E9" max="2.14748E9" units="cm"/>
+          <inkml:channel name="F" type="integer" max="32767" units="dev"/>
+        </inkml:traceFormat>
+        <inkml:channelProperties>
+          <inkml:channelProperty channel="X" name="resolution" value="1000" units="1/cm"/>
+          <inkml:channelProperty channel="Y" name="resolution" value="1000" units="1/cm"/>
+          <inkml:channelProperty channel="F" name="resolution" value="0" units="1/dev"/>
+        </inkml:channelProperties>
+      </inkml:inkSource>
+      <inkml:timestamp xml:id="ts0" timeString="2022-11-23T20:19:59.655"/>
+    </inkml:context>
+    <inkml:brush xml:id="br0">
+      <inkml:brushProperty name="width" value="0.05" units="cm"/>
+      <inkml:brushProperty name="height" value="0.05" units="cm"/>
+    </inkml:brush>
+  </inkml:definitions>
+  <inkml:trace contextRef="#ctx0" brushRef="#br0">1 52 14344,'3'-3'31,"3"-2"448,0 0 0,1 0 0,0 0 0,0 1 0,0 0 1,9-3-1,16-5-225,-31 11-291,-1 1 0,1 0 0,-1 0-1,1 0 1,-1 0 0,1 0 0,0 0 0,-1 0-1,1 0 1,-1 0 0,1 0 0,-1 0-1,1 0 1,0 0 0,69 13-681,-48-9-1425,20 2-5653,-98-15 5860</inkml:trace>
 </inkml:ink>
 </file>
 
@@ -1632,7 +4361,7 @@
           <a:p>
             <a:fld id="{EFED3043-6CE1-4075-A706-4B000AA47C6A}" type="datetimeFigureOut">
               <a:rPr lang="en-US" smtClean="0"/>
-              <a:t>11/22/2022</a:t>
+              <a:t>11/23/2022</a:t>
             </a:fld>
             <a:endParaRPr lang="en-US"/>
           </a:p>
@@ -1830,7 +4559,7 @@
           <a:p>
             <a:fld id="{EFED3043-6CE1-4075-A706-4B000AA47C6A}" type="datetimeFigureOut">
               <a:rPr lang="en-US" smtClean="0"/>
-              <a:t>11/22/2022</a:t>
+              <a:t>11/23/2022</a:t>
             </a:fld>
             <a:endParaRPr lang="en-US"/>
           </a:p>
@@ -2038,7 +4767,7 @@
           <a:p>
             <a:fld id="{EFED3043-6CE1-4075-A706-4B000AA47C6A}" type="datetimeFigureOut">
               <a:rPr lang="en-US" smtClean="0"/>
-              <a:t>11/22/2022</a:t>
+              <a:t>11/23/2022</a:t>
             </a:fld>
             <a:endParaRPr lang="en-US"/>
           </a:p>
@@ -2236,7 +4965,7 @@
           <a:p>
             <a:fld id="{EFED3043-6CE1-4075-A706-4B000AA47C6A}" type="datetimeFigureOut">
               <a:rPr lang="en-US" smtClean="0"/>
-              <a:t>11/22/2022</a:t>
+              <a:t>11/23/2022</a:t>
             </a:fld>
             <a:endParaRPr lang="en-US"/>
           </a:p>
@@ -2511,7 +5240,7 @@
           <a:p>
             <a:fld id="{EFED3043-6CE1-4075-A706-4B000AA47C6A}" type="datetimeFigureOut">
               <a:rPr lang="en-US" smtClean="0"/>
-              <a:t>11/22/2022</a:t>
+              <a:t>11/23/2022</a:t>
             </a:fld>
             <a:endParaRPr lang="en-US"/>
           </a:p>
@@ -2776,7 +5505,7 @@
           <a:p>
             <a:fld id="{EFED3043-6CE1-4075-A706-4B000AA47C6A}" type="datetimeFigureOut">
               <a:rPr lang="en-US" smtClean="0"/>
-              <a:t>11/22/2022</a:t>
+              <a:t>11/23/2022</a:t>
             </a:fld>
             <a:endParaRPr lang="en-US"/>
           </a:p>
@@ -3188,7 +5917,7 @@
           <a:p>
             <a:fld id="{EFED3043-6CE1-4075-A706-4B000AA47C6A}" type="datetimeFigureOut">
               <a:rPr lang="en-US" smtClean="0"/>
-              <a:t>11/22/2022</a:t>
+              <a:t>11/23/2022</a:t>
             </a:fld>
             <a:endParaRPr lang="en-US"/>
           </a:p>
@@ -3329,7 +6058,7 @@
           <a:p>
             <a:fld id="{EFED3043-6CE1-4075-A706-4B000AA47C6A}" type="datetimeFigureOut">
               <a:rPr lang="en-US" smtClean="0"/>
-              <a:t>11/22/2022</a:t>
+              <a:t>11/23/2022</a:t>
             </a:fld>
             <a:endParaRPr lang="en-US"/>
           </a:p>
@@ -3442,7 +6171,7 @@
           <a:p>
             <a:fld id="{EFED3043-6CE1-4075-A706-4B000AA47C6A}" type="datetimeFigureOut">
               <a:rPr lang="en-US" smtClean="0"/>
-              <a:t>11/22/2022</a:t>
+              <a:t>11/23/2022</a:t>
             </a:fld>
             <a:endParaRPr lang="en-US"/>
           </a:p>
@@ -3753,7 +6482,7 @@
           <a:p>
             <a:fld id="{EFED3043-6CE1-4075-A706-4B000AA47C6A}" type="datetimeFigureOut">
               <a:rPr lang="en-US" smtClean="0"/>
-              <a:t>11/22/2022</a:t>
+              <a:t>11/23/2022</a:t>
             </a:fld>
             <a:endParaRPr lang="en-US"/>
           </a:p>
@@ -4041,7 +6770,7 @@
           <a:p>
             <a:fld id="{EFED3043-6CE1-4075-A706-4B000AA47C6A}" type="datetimeFigureOut">
               <a:rPr lang="en-US" smtClean="0"/>
-              <a:t>11/22/2022</a:t>
+              <a:t>11/23/2022</a:t>
             </a:fld>
             <a:endParaRPr lang="en-US"/>
           </a:p>
@@ -4282,7 +7011,7 @@
           <a:p>
             <a:fld id="{EFED3043-6CE1-4075-A706-4B000AA47C6A}" type="datetimeFigureOut">
               <a:rPr lang="en-US" smtClean="0"/>
-              <a:t>11/22/2022</a:t>
+              <a:t>11/23/2022</a:t>
             </a:fld>
             <a:endParaRPr lang="en-US"/>
           </a:p>
@@ -4764,6 +7493,885 @@
     <p:extLst>
       <p:ext uri="{BB962C8B-B14F-4D97-AF65-F5344CB8AC3E}">
         <p14:creationId xmlns:p14="http://schemas.microsoft.com/office/powerpoint/2010/main" val="134798368"/>
+      </p:ext>
+    </p:extLst>
+  </p:cSld>
+  <p:clrMapOvr>
+    <a:masterClrMapping/>
+  </p:clrMapOvr>
+</p:sld>
+</file>
+
+<file path=ppt/slides/slide10.xml><?xml version="1.0" encoding="utf-8"?>
+<p:sld xmlns:a="http://schemas.openxmlformats.org/drawingml/2006/main" xmlns:r="http://schemas.openxmlformats.org/officeDocument/2006/relationships" xmlns:p="http://schemas.openxmlformats.org/presentationml/2006/main">
+  <p:cSld>
+    <p:spTree>
+      <p:nvGrpSpPr>
+        <p:cNvPr id="1" name=""/>
+        <p:cNvGrpSpPr/>
+        <p:nvPr/>
+      </p:nvGrpSpPr>
+      <p:grpSpPr>
+        <a:xfrm>
+          <a:off x="0" y="0"/>
+          <a:ext cx="0" cy="0"/>
+          <a:chOff x="0" y="0"/>
+          <a:chExt cx="0" cy="0"/>
+        </a:xfrm>
+      </p:grpSpPr>
+      <p:sp>
+        <p:nvSpPr>
+          <p:cNvPr id="2" name="Title 1">
+            <a:extLst>
+              <a:ext uri="{FF2B5EF4-FFF2-40B4-BE49-F238E27FC236}">
+                <a16:creationId xmlns:a16="http://schemas.microsoft.com/office/drawing/2014/main" id="{097F0C21-230C-EB0A-D720-6B6CE19F0F19}"/>
+              </a:ext>
+            </a:extLst>
+          </p:cNvPr>
+          <p:cNvSpPr>
+            <a:spLocks noGrp="1"/>
+          </p:cNvSpPr>
+          <p:nvPr>
+            <p:ph type="title"/>
+          </p:nvPr>
+        </p:nvSpPr>
+        <p:spPr/>
+        <p:txBody>
+          <a:bodyPr/>
+          <a:lstStyle/>
+          <a:p>
+            <a:r>
+              <a:rPr lang="en-US" dirty="0" err="1"/>
+              <a:t>Liskov</a:t>
+            </a:r>
+            <a:r>
+              <a:rPr lang="en-US" dirty="0"/>
+              <a:t> substitution</a:t>
+            </a:r>
+          </a:p>
+        </p:txBody>
+      </p:sp>
+      <p:sp>
+        <p:nvSpPr>
+          <p:cNvPr id="3" name="Content Placeholder 2">
+            <a:extLst>
+              <a:ext uri="{FF2B5EF4-FFF2-40B4-BE49-F238E27FC236}">
+                <a16:creationId xmlns:a16="http://schemas.microsoft.com/office/drawing/2014/main" id="{FAAF157F-7A30-1406-7FE1-08A50246B850}"/>
+              </a:ext>
+            </a:extLst>
+          </p:cNvPr>
+          <p:cNvSpPr>
+            <a:spLocks noGrp="1"/>
+          </p:cNvSpPr>
+          <p:nvPr>
+            <p:ph idx="1"/>
+          </p:nvPr>
+        </p:nvSpPr>
+        <p:spPr>
+          <a:xfrm>
+            <a:off x="685800" y="1690688"/>
+            <a:ext cx="2316238" cy="1738312"/>
+          </a:xfrm>
+        </p:spPr>
+        <p:txBody>
+          <a:bodyPr/>
+          <a:lstStyle/>
+          <a:p>
+            <a:r>
+              <a:rPr lang="en-US" dirty="0" err="1"/>
+              <a:t>IClass</a:t>
+            </a:r>
+            <a:r>
+              <a:rPr lang="en-US" dirty="0"/>
+              <a:t> A</a:t>
+            </a:r>
+          </a:p>
+          <a:p>
+            <a:pPr lvl="1"/>
+            <a:r>
+              <a:rPr lang="en-US" dirty="0"/>
+              <a:t>A1</a:t>
+            </a:r>
+          </a:p>
+          <a:p>
+            <a:pPr lvl="1"/>
+            <a:r>
+              <a:rPr lang="en-US" dirty="0"/>
+              <a:t>A2</a:t>
+            </a:r>
+          </a:p>
+          <a:p>
+            <a:pPr lvl="1"/>
+            <a:r>
+              <a:rPr lang="en-US" dirty="0"/>
+              <a:t>A3</a:t>
+            </a:r>
+          </a:p>
+        </p:txBody>
+      </p:sp>
+      <p:sp>
+        <p:nvSpPr>
+          <p:cNvPr id="4" name="Content Placeholder 2">
+            <a:extLst>
+              <a:ext uri="{FF2B5EF4-FFF2-40B4-BE49-F238E27FC236}">
+                <a16:creationId xmlns:a16="http://schemas.microsoft.com/office/drawing/2014/main" id="{22D9BA3F-FAAA-0211-0457-751992523EC6}"/>
+              </a:ext>
+            </a:extLst>
+          </p:cNvPr>
+          <p:cNvSpPr txBox="1">
+            <a:spLocks/>
+          </p:cNvSpPr>
+          <p:nvPr/>
+        </p:nvSpPr>
+        <p:spPr>
+          <a:xfrm>
+            <a:off x="3295347" y="2195739"/>
+            <a:ext cx="3938209" cy="4351338"/>
+          </a:xfrm>
+          <a:prstGeom prst="rect">
+            <a:avLst/>
+          </a:prstGeom>
+        </p:spPr>
+        <p:txBody>
+          <a:bodyPr vert="horz" lIns="91440" tIns="45720" rIns="91440" bIns="45720" rtlCol="0">
+            <a:normAutofit/>
+          </a:bodyPr>
+          <a:lstStyle>
+            <a:lvl1pPr marL="228600" indent="-228600" algn="l" defTabSz="914400" rtl="0" eaLnBrk="1" latinLnBrk="0" hangingPunct="1">
+              <a:lnSpc>
+                <a:spcPct val="90000"/>
+              </a:lnSpc>
+              <a:spcBef>
+                <a:spcPts val="1000"/>
+              </a:spcBef>
+              <a:buFont typeface="Arial" panose="020B0604020202020204" pitchFamily="34" charset="0"/>
+              <a:buChar char="•"/>
+              <a:defRPr sz="2800" kern="1200">
+                <a:solidFill>
+                  <a:schemeClr val="tx1"/>
+                </a:solidFill>
+                <a:latin typeface="+mn-lt"/>
+                <a:ea typeface="+mn-ea"/>
+                <a:cs typeface="+mn-cs"/>
+              </a:defRPr>
+            </a:lvl1pPr>
+            <a:lvl2pPr marL="685800" indent="-228600" algn="l" defTabSz="914400" rtl="0" eaLnBrk="1" latinLnBrk="0" hangingPunct="1">
+              <a:lnSpc>
+                <a:spcPct val="90000"/>
+              </a:lnSpc>
+              <a:spcBef>
+                <a:spcPts val="500"/>
+              </a:spcBef>
+              <a:buFont typeface="Arial" panose="020B0604020202020204" pitchFamily="34" charset="0"/>
+              <a:buChar char="•"/>
+              <a:defRPr sz="2400" kern="1200">
+                <a:solidFill>
+                  <a:schemeClr val="tx1"/>
+                </a:solidFill>
+                <a:latin typeface="+mn-lt"/>
+                <a:ea typeface="+mn-ea"/>
+                <a:cs typeface="+mn-cs"/>
+              </a:defRPr>
+            </a:lvl2pPr>
+            <a:lvl3pPr marL="1143000" indent="-228600" algn="l" defTabSz="914400" rtl="0" eaLnBrk="1" latinLnBrk="0" hangingPunct="1">
+              <a:lnSpc>
+                <a:spcPct val="90000"/>
+              </a:lnSpc>
+              <a:spcBef>
+                <a:spcPts val="500"/>
+              </a:spcBef>
+              <a:buFont typeface="Arial" panose="020B0604020202020204" pitchFamily="34" charset="0"/>
+              <a:buChar char="•"/>
+              <a:defRPr sz="2000" kern="1200">
+                <a:solidFill>
+                  <a:schemeClr val="tx1"/>
+                </a:solidFill>
+                <a:latin typeface="+mn-lt"/>
+                <a:ea typeface="+mn-ea"/>
+                <a:cs typeface="+mn-cs"/>
+              </a:defRPr>
+            </a:lvl3pPr>
+            <a:lvl4pPr marL="1600200" indent="-228600" algn="l" defTabSz="914400" rtl="0" eaLnBrk="1" latinLnBrk="0" hangingPunct="1">
+              <a:lnSpc>
+                <a:spcPct val="90000"/>
+              </a:lnSpc>
+              <a:spcBef>
+                <a:spcPts val="500"/>
+              </a:spcBef>
+              <a:buFont typeface="Arial" panose="020B0604020202020204" pitchFamily="34" charset="0"/>
+              <a:buChar char="•"/>
+              <a:defRPr sz="1800" kern="1200">
+                <a:solidFill>
+                  <a:schemeClr val="tx1"/>
+                </a:solidFill>
+                <a:latin typeface="+mn-lt"/>
+                <a:ea typeface="+mn-ea"/>
+                <a:cs typeface="+mn-cs"/>
+              </a:defRPr>
+            </a:lvl4pPr>
+            <a:lvl5pPr marL="2057400" indent="-228600" algn="l" defTabSz="914400" rtl="0" eaLnBrk="1" latinLnBrk="0" hangingPunct="1">
+              <a:lnSpc>
+                <a:spcPct val="90000"/>
+              </a:lnSpc>
+              <a:spcBef>
+                <a:spcPts val="500"/>
+              </a:spcBef>
+              <a:buFont typeface="Arial" panose="020B0604020202020204" pitchFamily="34" charset="0"/>
+              <a:buChar char="•"/>
+              <a:defRPr sz="1800" kern="1200">
+                <a:solidFill>
+                  <a:schemeClr val="tx1"/>
+                </a:solidFill>
+                <a:latin typeface="+mn-lt"/>
+                <a:ea typeface="+mn-ea"/>
+                <a:cs typeface="+mn-cs"/>
+              </a:defRPr>
+            </a:lvl5pPr>
+            <a:lvl6pPr marL="2514600" indent="-228600" algn="l" defTabSz="914400" rtl="0" eaLnBrk="1" latinLnBrk="0" hangingPunct="1">
+              <a:lnSpc>
+                <a:spcPct val="90000"/>
+              </a:lnSpc>
+              <a:spcBef>
+                <a:spcPts val="500"/>
+              </a:spcBef>
+              <a:buFont typeface="Arial" panose="020B0604020202020204" pitchFamily="34" charset="0"/>
+              <a:buChar char="•"/>
+              <a:defRPr sz="1800" kern="1200">
+                <a:solidFill>
+                  <a:schemeClr val="tx1"/>
+                </a:solidFill>
+                <a:latin typeface="+mn-lt"/>
+                <a:ea typeface="+mn-ea"/>
+                <a:cs typeface="+mn-cs"/>
+              </a:defRPr>
+            </a:lvl6pPr>
+            <a:lvl7pPr marL="2971800" indent="-228600" algn="l" defTabSz="914400" rtl="0" eaLnBrk="1" latinLnBrk="0" hangingPunct="1">
+              <a:lnSpc>
+                <a:spcPct val="90000"/>
+              </a:lnSpc>
+              <a:spcBef>
+                <a:spcPts val="500"/>
+              </a:spcBef>
+              <a:buFont typeface="Arial" panose="020B0604020202020204" pitchFamily="34" charset="0"/>
+              <a:buChar char="•"/>
+              <a:defRPr sz="1800" kern="1200">
+                <a:solidFill>
+                  <a:schemeClr val="tx1"/>
+                </a:solidFill>
+                <a:latin typeface="+mn-lt"/>
+                <a:ea typeface="+mn-ea"/>
+                <a:cs typeface="+mn-cs"/>
+              </a:defRPr>
+            </a:lvl7pPr>
+            <a:lvl8pPr marL="3429000" indent="-228600" algn="l" defTabSz="914400" rtl="0" eaLnBrk="1" latinLnBrk="0" hangingPunct="1">
+              <a:lnSpc>
+                <a:spcPct val="90000"/>
+              </a:lnSpc>
+              <a:spcBef>
+                <a:spcPts val="500"/>
+              </a:spcBef>
+              <a:buFont typeface="Arial" panose="020B0604020202020204" pitchFamily="34" charset="0"/>
+              <a:buChar char="•"/>
+              <a:defRPr sz="1800" kern="1200">
+                <a:solidFill>
+                  <a:schemeClr val="tx1"/>
+                </a:solidFill>
+                <a:latin typeface="+mn-lt"/>
+                <a:ea typeface="+mn-ea"/>
+                <a:cs typeface="+mn-cs"/>
+              </a:defRPr>
+            </a:lvl8pPr>
+            <a:lvl9pPr marL="3886200" indent="-228600" algn="l" defTabSz="914400" rtl="0" eaLnBrk="1" latinLnBrk="0" hangingPunct="1">
+              <a:lnSpc>
+                <a:spcPct val="90000"/>
+              </a:lnSpc>
+              <a:spcBef>
+                <a:spcPts val="500"/>
+              </a:spcBef>
+              <a:buFont typeface="Arial" panose="020B0604020202020204" pitchFamily="34" charset="0"/>
+              <a:buChar char="•"/>
+              <a:defRPr sz="1800" kern="1200">
+                <a:solidFill>
+                  <a:schemeClr val="tx1"/>
+                </a:solidFill>
+                <a:latin typeface="+mn-lt"/>
+                <a:ea typeface="+mn-ea"/>
+                <a:cs typeface="+mn-cs"/>
+              </a:defRPr>
+            </a:lvl9pPr>
+          </a:lstStyle>
+          <a:p>
+            <a:r>
+              <a:rPr lang="en-US" dirty="0"/>
+              <a:t>Class B : </a:t>
+            </a:r>
+            <a:r>
+              <a:rPr lang="en-US" dirty="0" err="1"/>
+              <a:t>IclassA</a:t>
+            </a:r>
+            <a:r>
+              <a:rPr lang="en-US" dirty="0"/>
+              <a:t>, </a:t>
+            </a:r>
+            <a:r>
+              <a:rPr lang="en-US" dirty="0" err="1"/>
+              <a:t>Iclassb</a:t>
+            </a:r>
+            <a:endParaRPr lang="en-US" dirty="0"/>
+          </a:p>
+          <a:p>
+            <a:pPr lvl="1"/>
+            <a:r>
+              <a:rPr lang="en-US" dirty="0"/>
+              <a:t>A1</a:t>
+            </a:r>
+          </a:p>
+          <a:p>
+            <a:pPr lvl="1"/>
+            <a:r>
+              <a:rPr lang="en-US" dirty="0"/>
+              <a:t>A2</a:t>
+            </a:r>
+          </a:p>
+          <a:p>
+            <a:pPr lvl="1"/>
+            <a:r>
+              <a:rPr lang="en-US" dirty="0"/>
+              <a:t>A3</a:t>
+            </a:r>
+          </a:p>
+          <a:p>
+            <a:pPr lvl="1"/>
+            <a:r>
+              <a:rPr lang="en-US" dirty="0"/>
+              <a:t>B1</a:t>
+            </a:r>
+          </a:p>
+          <a:p>
+            <a:pPr lvl="1"/>
+            <a:r>
+              <a:rPr lang="en-US" dirty="0"/>
+              <a:t>B2</a:t>
+            </a:r>
+          </a:p>
+        </p:txBody>
+      </p:sp>
+      <p:sp>
+        <p:nvSpPr>
+          <p:cNvPr id="5" name="Content Placeholder 2">
+            <a:extLst>
+              <a:ext uri="{FF2B5EF4-FFF2-40B4-BE49-F238E27FC236}">
+                <a16:creationId xmlns:a16="http://schemas.microsoft.com/office/drawing/2014/main" id="{1320C229-4F0D-6101-8070-8DB792C50E2C}"/>
+              </a:ext>
+            </a:extLst>
+          </p:cNvPr>
+          <p:cNvSpPr txBox="1">
+            <a:spLocks/>
+          </p:cNvSpPr>
+          <p:nvPr/>
+        </p:nvSpPr>
+        <p:spPr>
+          <a:xfrm>
+            <a:off x="7362372" y="1533676"/>
+            <a:ext cx="4549020" cy="4250795"/>
+          </a:xfrm>
+          <a:prstGeom prst="rect">
+            <a:avLst/>
+          </a:prstGeom>
+        </p:spPr>
+        <p:txBody>
+          <a:bodyPr vert="horz" lIns="91440" tIns="45720" rIns="91440" bIns="45720" rtlCol="0">
+            <a:normAutofit/>
+          </a:bodyPr>
+          <a:lstStyle>
+            <a:lvl1pPr marL="228600" indent="-228600" algn="l" defTabSz="914400" rtl="0" eaLnBrk="1" latinLnBrk="0" hangingPunct="1">
+              <a:lnSpc>
+                <a:spcPct val="90000"/>
+              </a:lnSpc>
+              <a:spcBef>
+                <a:spcPts val="1000"/>
+              </a:spcBef>
+              <a:buFont typeface="Arial" panose="020B0604020202020204" pitchFamily="34" charset="0"/>
+              <a:buChar char="•"/>
+              <a:defRPr sz="2800" kern="1200">
+                <a:solidFill>
+                  <a:schemeClr val="tx1"/>
+                </a:solidFill>
+                <a:latin typeface="+mn-lt"/>
+                <a:ea typeface="+mn-ea"/>
+                <a:cs typeface="+mn-cs"/>
+              </a:defRPr>
+            </a:lvl1pPr>
+            <a:lvl2pPr marL="685800" indent="-228600" algn="l" defTabSz="914400" rtl="0" eaLnBrk="1" latinLnBrk="0" hangingPunct="1">
+              <a:lnSpc>
+                <a:spcPct val="90000"/>
+              </a:lnSpc>
+              <a:spcBef>
+                <a:spcPts val="500"/>
+              </a:spcBef>
+              <a:buFont typeface="Arial" panose="020B0604020202020204" pitchFamily="34" charset="0"/>
+              <a:buChar char="•"/>
+              <a:defRPr sz="2400" kern="1200">
+                <a:solidFill>
+                  <a:schemeClr val="tx1"/>
+                </a:solidFill>
+                <a:latin typeface="+mn-lt"/>
+                <a:ea typeface="+mn-ea"/>
+                <a:cs typeface="+mn-cs"/>
+              </a:defRPr>
+            </a:lvl2pPr>
+            <a:lvl3pPr marL="1143000" indent="-228600" algn="l" defTabSz="914400" rtl="0" eaLnBrk="1" latinLnBrk="0" hangingPunct="1">
+              <a:lnSpc>
+                <a:spcPct val="90000"/>
+              </a:lnSpc>
+              <a:spcBef>
+                <a:spcPts val="500"/>
+              </a:spcBef>
+              <a:buFont typeface="Arial" panose="020B0604020202020204" pitchFamily="34" charset="0"/>
+              <a:buChar char="•"/>
+              <a:defRPr sz="2000" kern="1200">
+                <a:solidFill>
+                  <a:schemeClr val="tx1"/>
+                </a:solidFill>
+                <a:latin typeface="+mn-lt"/>
+                <a:ea typeface="+mn-ea"/>
+                <a:cs typeface="+mn-cs"/>
+              </a:defRPr>
+            </a:lvl3pPr>
+            <a:lvl4pPr marL="1600200" indent="-228600" algn="l" defTabSz="914400" rtl="0" eaLnBrk="1" latinLnBrk="0" hangingPunct="1">
+              <a:lnSpc>
+                <a:spcPct val="90000"/>
+              </a:lnSpc>
+              <a:spcBef>
+                <a:spcPts val="500"/>
+              </a:spcBef>
+              <a:buFont typeface="Arial" panose="020B0604020202020204" pitchFamily="34" charset="0"/>
+              <a:buChar char="•"/>
+              <a:defRPr sz="1800" kern="1200">
+                <a:solidFill>
+                  <a:schemeClr val="tx1"/>
+                </a:solidFill>
+                <a:latin typeface="+mn-lt"/>
+                <a:ea typeface="+mn-ea"/>
+                <a:cs typeface="+mn-cs"/>
+              </a:defRPr>
+            </a:lvl4pPr>
+            <a:lvl5pPr marL="2057400" indent="-228600" algn="l" defTabSz="914400" rtl="0" eaLnBrk="1" latinLnBrk="0" hangingPunct="1">
+              <a:lnSpc>
+                <a:spcPct val="90000"/>
+              </a:lnSpc>
+              <a:spcBef>
+                <a:spcPts val="500"/>
+              </a:spcBef>
+              <a:buFont typeface="Arial" panose="020B0604020202020204" pitchFamily="34" charset="0"/>
+              <a:buChar char="•"/>
+              <a:defRPr sz="1800" kern="1200">
+                <a:solidFill>
+                  <a:schemeClr val="tx1"/>
+                </a:solidFill>
+                <a:latin typeface="+mn-lt"/>
+                <a:ea typeface="+mn-ea"/>
+                <a:cs typeface="+mn-cs"/>
+              </a:defRPr>
+            </a:lvl5pPr>
+            <a:lvl6pPr marL="2514600" indent="-228600" algn="l" defTabSz="914400" rtl="0" eaLnBrk="1" latinLnBrk="0" hangingPunct="1">
+              <a:lnSpc>
+                <a:spcPct val="90000"/>
+              </a:lnSpc>
+              <a:spcBef>
+                <a:spcPts val="500"/>
+              </a:spcBef>
+              <a:buFont typeface="Arial" panose="020B0604020202020204" pitchFamily="34" charset="0"/>
+              <a:buChar char="•"/>
+              <a:defRPr sz="1800" kern="1200">
+                <a:solidFill>
+                  <a:schemeClr val="tx1"/>
+                </a:solidFill>
+                <a:latin typeface="+mn-lt"/>
+                <a:ea typeface="+mn-ea"/>
+                <a:cs typeface="+mn-cs"/>
+              </a:defRPr>
+            </a:lvl6pPr>
+            <a:lvl7pPr marL="2971800" indent="-228600" algn="l" defTabSz="914400" rtl="0" eaLnBrk="1" latinLnBrk="0" hangingPunct="1">
+              <a:lnSpc>
+                <a:spcPct val="90000"/>
+              </a:lnSpc>
+              <a:spcBef>
+                <a:spcPts val="500"/>
+              </a:spcBef>
+              <a:buFont typeface="Arial" panose="020B0604020202020204" pitchFamily="34" charset="0"/>
+              <a:buChar char="•"/>
+              <a:defRPr sz="1800" kern="1200">
+                <a:solidFill>
+                  <a:schemeClr val="tx1"/>
+                </a:solidFill>
+                <a:latin typeface="+mn-lt"/>
+                <a:ea typeface="+mn-ea"/>
+                <a:cs typeface="+mn-cs"/>
+              </a:defRPr>
+            </a:lvl7pPr>
+            <a:lvl8pPr marL="3429000" indent="-228600" algn="l" defTabSz="914400" rtl="0" eaLnBrk="1" latinLnBrk="0" hangingPunct="1">
+              <a:lnSpc>
+                <a:spcPct val="90000"/>
+              </a:lnSpc>
+              <a:spcBef>
+                <a:spcPts val="500"/>
+              </a:spcBef>
+              <a:buFont typeface="Arial" panose="020B0604020202020204" pitchFamily="34" charset="0"/>
+              <a:buChar char="•"/>
+              <a:defRPr sz="1800" kern="1200">
+                <a:solidFill>
+                  <a:schemeClr val="tx1"/>
+                </a:solidFill>
+                <a:latin typeface="+mn-lt"/>
+                <a:ea typeface="+mn-ea"/>
+                <a:cs typeface="+mn-cs"/>
+              </a:defRPr>
+            </a:lvl8pPr>
+            <a:lvl9pPr marL="3886200" indent="-228600" algn="l" defTabSz="914400" rtl="0" eaLnBrk="1" latinLnBrk="0" hangingPunct="1">
+              <a:lnSpc>
+                <a:spcPct val="90000"/>
+              </a:lnSpc>
+              <a:spcBef>
+                <a:spcPts val="500"/>
+              </a:spcBef>
+              <a:buFont typeface="Arial" panose="020B0604020202020204" pitchFamily="34" charset="0"/>
+              <a:buChar char="•"/>
+              <a:defRPr sz="1800" kern="1200">
+                <a:solidFill>
+                  <a:schemeClr val="tx1"/>
+                </a:solidFill>
+                <a:latin typeface="+mn-lt"/>
+                <a:ea typeface="+mn-ea"/>
+                <a:cs typeface="+mn-cs"/>
+              </a:defRPr>
+            </a:lvl9pPr>
+          </a:lstStyle>
+          <a:p>
+            <a:r>
+              <a:rPr lang="en-US" dirty="0"/>
+              <a:t>Class c (</a:t>
+            </a:r>
+            <a:r>
+              <a:rPr lang="en-US" dirty="0" err="1"/>
+              <a:t>IclassA</a:t>
+            </a:r>
+            <a:r>
+              <a:rPr lang="en-US" dirty="0"/>
+              <a:t> x, </a:t>
+            </a:r>
+            <a:r>
+              <a:rPr lang="en-US" dirty="0" err="1">
+                <a:solidFill>
+                  <a:schemeClr val="accent6"/>
+                </a:solidFill>
+              </a:rPr>
+              <a:t>IClassB</a:t>
+            </a:r>
+            <a:r>
+              <a:rPr lang="en-US" dirty="0">
+                <a:solidFill>
+                  <a:schemeClr val="accent6"/>
+                </a:solidFill>
+              </a:rPr>
+              <a:t> y</a:t>
+            </a:r>
+            <a:r>
+              <a:rPr lang="en-US" dirty="0"/>
+              <a:t>)</a:t>
+            </a:r>
+          </a:p>
+          <a:p>
+            <a:pPr lvl="1"/>
+            <a:r>
+              <a:rPr lang="en-US" dirty="0"/>
+              <a:t>c1</a:t>
+            </a:r>
+          </a:p>
+          <a:p>
+            <a:pPr lvl="1"/>
+            <a:r>
+              <a:rPr lang="en-US" dirty="0"/>
+              <a:t>C2</a:t>
+            </a:r>
+          </a:p>
+          <a:p>
+            <a:pPr lvl="1"/>
+            <a:r>
+              <a:rPr lang="en-US" dirty="0"/>
+              <a:t>X.A1()</a:t>
+            </a:r>
+          </a:p>
+          <a:p>
+            <a:pPr lvl="1"/>
+            <a:r>
+              <a:rPr lang="en-US" dirty="0"/>
+              <a:t>X.A2()</a:t>
+            </a:r>
+          </a:p>
+          <a:p>
+            <a:pPr lvl="1"/>
+            <a:r>
+              <a:rPr lang="en-US" dirty="0"/>
+              <a:t>X.A3()</a:t>
+            </a:r>
+          </a:p>
+          <a:p>
+            <a:pPr lvl="1"/>
+            <a:r>
+              <a:rPr lang="en-US" dirty="0">
+                <a:solidFill>
+                  <a:srgbClr val="FF0000"/>
+                </a:solidFill>
+              </a:rPr>
+              <a:t>X.B1() //this fails</a:t>
+            </a:r>
+          </a:p>
+          <a:p>
+            <a:pPr lvl="1"/>
+            <a:r>
+              <a:rPr lang="en-US" dirty="0">
+                <a:solidFill>
+                  <a:schemeClr val="accent6"/>
+                </a:solidFill>
+              </a:rPr>
+              <a:t>Y.B1()</a:t>
+            </a:r>
+          </a:p>
+          <a:p>
+            <a:pPr lvl="1"/>
+            <a:r>
+              <a:rPr lang="en-US" dirty="0">
+                <a:solidFill>
+                  <a:schemeClr val="accent6"/>
+                </a:solidFill>
+              </a:rPr>
+              <a:t>Y.B2()</a:t>
+            </a:r>
+          </a:p>
+        </p:txBody>
+      </p:sp>
+      <p:sp>
+        <p:nvSpPr>
+          <p:cNvPr id="6" name="Content Placeholder 2">
+            <a:extLst>
+              <a:ext uri="{FF2B5EF4-FFF2-40B4-BE49-F238E27FC236}">
+                <a16:creationId xmlns:a16="http://schemas.microsoft.com/office/drawing/2014/main" id="{A4DEA8DA-8D58-77F2-84DC-3A3762E597C3}"/>
+              </a:ext>
+            </a:extLst>
+          </p:cNvPr>
+          <p:cNvSpPr txBox="1">
+            <a:spLocks/>
+          </p:cNvSpPr>
+          <p:nvPr/>
+        </p:nvSpPr>
+        <p:spPr>
+          <a:xfrm>
+            <a:off x="685800" y="3981752"/>
+            <a:ext cx="2316238" cy="1863422"/>
+          </a:xfrm>
+          <a:prstGeom prst="rect">
+            <a:avLst/>
+          </a:prstGeom>
+        </p:spPr>
+        <p:txBody>
+          <a:bodyPr vert="horz" lIns="91440" tIns="45720" rIns="91440" bIns="45720" rtlCol="0">
+            <a:normAutofit/>
+          </a:bodyPr>
+          <a:lstStyle>
+            <a:lvl1pPr marL="228600" indent="-228600" algn="l" defTabSz="914400" rtl="0" eaLnBrk="1" latinLnBrk="0" hangingPunct="1">
+              <a:lnSpc>
+                <a:spcPct val="90000"/>
+              </a:lnSpc>
+              <a:spcBef>
+                <a:spcPts val="1000"/>
+              </a:spcBef>
+              <a:buFont typeface="Arial" panose="020B0604020202020204" pitchFamily="34" charset="0"/>
+              <a:buChar char="•"/>
+              <a:defRPr sz="2800" kern="1200">
+                <a:solidFill>
+                  <a:schemeClr val="tx1"/>
+                </a:solidFill>
+                <a:latin typeface="+mn-lt"/>
+                <a:ea typeface="+mn-ea"/>
+                <a:cs typeface="+mn-cs"/>
+              </a:defRPr>
+            </a:lvl1pPr>
+            <a:lvl2pPr marL="685800" indent="-228600" algn="l" defTabSz="914400" rtl="0" eaLnBrk="1" latinLnBrk="0" hangingPunct="1">
+              <a:lnSpc>
+                <a:spcPct val="90000"/>
+              </a:lnSpc>
+              <a:spcBef>
+                <a:spcPts val="500"/>
+              </a:spcBef>
+              <a:buFont typeface="Arial" panose="020B0604020202020204" pitchFamily="34" charset="0"/>
+              <a:buChar char="•"/>
+              <a:defRPr sz="2400" kern="1200">
+                <a:solidFill>
+                  <a:schemeClr val="tx1"/>
+                </a:solidFill>
+                <a:latin typeface="+mn-lt"/>
+                <a:ea typeface="+mn-ea"/>
+                <a:cs typeface="+mn-cs"/>
+              </a:defRPr>
+            </a:lvl2pPr>
+            <a:lvl3pPr marL="1143000" indent="-228600" algn="l" defTabSz="914400" rtl="0" eaLnBrk="1" latinLnBrk="0" hangingPunct="1">
+              <a:lnSpc>
+                <a:spcPct val="90000"/>
+              </a:lnSpc>
+              <a:spcBef>
+                <a:spcPts val="500"/>
+              </a:spcBef>
+              <a:buFont typeface="Arial" panose="020B0604020202020204" pitchFamily="34" charset="0"/>
+              <a:buChar char="•"/>
+              <a:defRPr sz="2000" kern="1200">
+                <a:solidFill>
+                  <a:schemeClr val="tx1"/>
+                </a:solidFill>
+                <a:latin typeface="+mn-lt"/>
+                <a:ea typeface="+mn-ea"/>
+                <a:cs typeface="+mn-cs"/>
+              </a:defRPr>
+            </a:lvl3pPr>
+            <a:lvl4pPr marL="1600200" indent="-228600" algn="l" defTabSz="914400" rtl="0" eaLnBrk="1" latinLnBrk="0" hangingPunct="1">
+              <a:lnSpc>
+                <a:spcPct val="90000"/>
+              </a:lnSpc>
+              <a:spcBef>
+                <a:spcPts val="500"/>
+              </a:spcBef>
+              <a:buFont typeface="Arial" panose="020B0604020202020204" pitchFamily="34" charset="0"/>
+              <a:buChar char="•"/>
+              <a:defRPr sz="1800" kern="1200">
+                <a:solidFill>
+                  <a:schemeClr val="tx1"/>
+                </a:solidFill>
+                <a:latin typeface="+mn-lt"/>
+                <a:ea typeface="+mn-ea"/>
+                <a:cs typeface="+mn-cs"/>
+              </a:defRPr>
+            </a:lvl4pPr>
+            <a:lvl5pPr marL="2057400" indent="-228600" algn="l" defTabSz="914400" rtl="0" eaLnBrk="1" latinLnBrk="0" hangingPunct="1">
+              <a:lnSpc>
+                <a:spcPct val="90000"/>
+              </a:lnSpc>
+              <a:spcBef>
+                <a:spcPts val="500"/>
+              </a:spcBef>
+              <a:buFont typeface="Arial" panose="020B0604020202020204" pitchFamily="34" charset="0"/>
+              <a:buChar char="•"/>
+              <a:defRPr sz="1800" kern="1200">
+                <a:solidFill>
+                  <a:schemeClr val="tx1"/>
+                </a:solidFill>
+                <a:latin typeface="+mn-lt"/>
+                <a:ea typeface="+mn-ea"/>
+                <a:cs typeface="+mn-cs"/>
+              </a:defRPr>
+            </a:lvl5pPr>
+            <a:lvl6pPr marL="2514600" indent="-228600" algn="l" defTabSz="914400" rtl="0" eaLnBrk="1" latinLnBrk="0" hangingPunct="1">
+              <a:lnSpc>
+                <a:spcPct val="90000"/>
+              </a:lnSpc>
+              <a:spcBef>
+                <a:spcPts val="500"/>
+              </a:spcBef>
+              <a:buFont typeface="Arial" panose="020B0604020202020204" pitchFamily="34" charset="0"/>
+              <a:buChar char="•"/>
+              <a:defRPr sz="1800" kern="1200">
+                <a:solidFill>
+                  <a:schemeClr val="tx1"/>
+                </a:solidFill>
+                <a:latin typeface="+mn-lt"/>
+                <a:ea typeface="+mn-ea"/>
+                <a:cs typeface="+mn-cs"/>
+              </a:defRPr>
+            </a:lvl6pPr>
+            <a:lvl7pPr marL="2971800" indent="-228600" algn="l" defTabSz="914400" rtl="0" eaLnBrk="1" latinLnBrk="0" hangingPunct="1">
+              <a:lnSpc>
+                <a:spcPct val="90000"/>
+              </a:lnSpc>
+              <a:spcBef>
+                <a:spcPts val="500"/>
+              </a:spcBef>
+              <a:buFont typeface="Arial" panose="020B0604020202020204" pitchFamily="34" charset="0"/>
+              <a:buChar char="•"/>
+              <a:defRPr sz="1800" kern="1200">
+                <a:solidFill>
+                  <a:schemeClr val="tx1"/>
+                </a:solidFill>
+                <a:latin typeface="+mn-lt"/>
+                <a:ea typeface="+mn-ea"/>
+                <a:cs typeface="+mn-cs"/>
+              </a:defRPr>
+            </a:lvl7pPr>
+            <a:lvl8pPr marL="3429000" indent="-228600" algn="l" defTabSz="914400" rtl="0" eaLnBrk="1" latinLnBrk="0" hangingPunct="1">
+              <a:lnSpc>
+                <a:spcPct val="90000"/>
+              </a:lnSpc>
+              <a:spcBef>
+                <a:spcPts val="500"/>
+              </a:spcBef>
+              <a:buFont typeface="Arial" panose="020B0604020202020204" pitchFamily="34" charset="0"/>
+              <a:buChar char="•"/>
+              <a:defRPr sz="1800" kern="1200">
+                <a:solidFill>
+                  <a:schemeClr val="tx1"/>
+                </a:solidFill>
+                <a:latin typeface="+mn-lt"/>
+                <a:ea typeface="+mn-ea"/>
+                <a:cs typeface="+mn-cs"/>
+              </a:defRPr>
+            </a:lvl8pPr>
+            <a:lvl9pPr marL="3886200" indent="-228600" algn="l" defTabSz="914400" rtl="0" eaLnBrk="1" latinLnBrk="0" hangingPunct="1">
+              <a:lnSpc>
+                <a:spcPct val="90000"/>
+              </a:lnSpc>
+              <a:spcBef>
+                <a:spcPts val="500"/>
+              </a:spcBef>
+              <a:buFont typeface="Arial" panose="020B0604020202020204" pitchFamily="34" charset="0"/>
+              <a:buChar char="•"/>
+              <a:defRPr sz="1800" kern="1200">
+                <a:solidFill>
+                  <a:schemeClr val="tx1"/>
+                </a:solidFill>
+                <a:latin typeface="+mn-lt"/>
+                <a:ea typeface="+mn-ea"/>
+                <a:cs typeface="+mn-cs"/>
+              </a:defRPr>
+            </a:lvl9pPr>
+          </a:lstStyle>
+          <a:p>
+            <a:r>
+              <a:rPr lang="en-US" dirty="0" err="1"/>
+              <a:t>IClass</a:t>
+            </a:r>
+            <a:r>
+              <a:rPr lang="en-US" dirty="0"/>
+              <a:t> B</a:t>
+            </a:r>
+          </a:p>
+          <a:p>
+            <a:pPr lvl="1"/>
+            <a:r>
+              <a:rPr lang="en-US" dirty="0"/>
+              <a:t>B1</a:t>
+            </a:r>
+          </a:p>
+          <a:p>
+            <a:pPr lvl="1"/>
+            <a:r>
+              <a:rPr lang="en-US" dirty="0"/>
+              <a:t>B2</a:t>
+            </a:r>
+          </a:p>
+        </p:txBody>
+      </p:sp>
+    </p:spTree>
+    <p:extLst>
+      <p:ext uri="{BB962C8B-B14F-4D97-AF65-F5344CB8AC3E}">
+        <p14:creationId xmlns:p14="http://schemas.microsoft.com/office/powerpoint/2010/main" val="1494475430"/>
       </p:ext>
     </p:extLst>
   </p:cSld>
@@ -11982,6 +15590,5260 @@
 </p:sld>
 </file>
 
+<file path=ppt/slides/slide9.xml><?xml version="1.0" encoding="utf-8"?>
+<p:sld xmlns:a="http://schemas.openxmlformats.org/drawingml/2006/main" xmlns:r="http://schemas.openxmlformats.org/officeDocument/2006/relationships" xmlns:p="http://schemas.openxmlformats.org/presentationml/2006/main">
+  <p:cSld>
+    <p:spTree>
+      <p:nvGrpSpPr>
+        <p:cNvPr id="1" name=""/>
+        <p:cNvGrpSpPr/>
+        <p:nvPr/>
+      </p:nvGrpSpPr>
+      <p:grpSpPr>
+        <a:xfrm>
+          <a:off x="0" y="0"/>
+          <a:ext cx="0" cy="0"/>
+          <a:chOff x="0" y="0"/>
+          <a:chExt cx="0" cy="0"/>
+        </a:xfrm>
+      </p:grpSpPr>
+      <p:sp>
+        <p:nvSpPr>
+          <p:cNvPr id="2" name="Title 1">
+            <a:extLst>
+              <a:ext uri="{FF2B5EF4-FFF2-40B4-BE49-F238E27FC236}">
+                <a16:creationId xmlns:a16="http://schemas.microsoft.com/office/drawing/2014/main" id="{63F12355-E070-677B-8CD0-15FC0903D348}"/>
+              </a:ext>
+            </a:extLst>
+          </p:cNvPr>
+          <p:cNvSpPr>
+            <a:spLocks noGrp="1"/>
+          </p:cNvSpPr>
+          <p:nvPr>
+            <p:ph type="title"/>
+          </p:nvPr>
+        </p:nvSpPr>
+        <p:spPr/>
+        <p:txBody>
+          <a:bodyPr/>
+          <a:lstStyle/>
+          <a:p>
+            <a:r>
+              <a:rPr lang="en-US" dirty="0"/>
+              <a:t>Dependency Inversion</a:t>
+            </a:r>
+          </a:p>
+        </p:txBody>
+      </p:sp>
+      <mc:AlternateContent xmlns:mc="http://schemas.openxmlformats.org/markup-compatibility/2006">
+        <mc:Choice xmlns:p14="http://schemas.microsoft.com/office/powerpoint/2010/main" Requires="p14">
+          <p:contentPart p14:bwMode="auto" r:id="rId2">
+            <p14:nvContentPartPr>
+              <p14:cNvPr id="33" name="Ink 32">
+                <a:extLst>
+                  <a:ext uri="{FF2B5EF4-FFF2-40B4-BE49-F238E27FC236}">
+                    <a16:creationId xmlns:a16="http://schemas.microsoft.com/office/drawing/2014/main" id="{33F72011-B38A-BFA9-D350-772464B751F9}"/>
+                  </a:ext>
+                </a:extLst>
+              </p14:cNvPr>
+              <p14:cNvContentPartPr/>
+              <p14:nvPr/>
+            </p14:nvContentPartPr>
+            <p14:xfrm>
+              <a:off x="6355863" y="3979949"/>
+              <a:ext cx="3382200" cy="1111320"/>
+            </p14:xfrm>
+          </p:contentPart>
+        </mc:Choice>
+        <mc:Fallback>
+          <p:pic>
+            <p:nvPicPr>
+              <p:cNvPr id="33" name="Ink 32">
+                <a:extLst>
+                  <a:ext uri="{FF2B5EF4-FFF2-40B4-BE49-F238E27FC236}">
+                    <a16:creationId xmlns:a16="http://schemas.microsoft.com/office/drawing/2014/main" id="{33F72011-B38A-BFA9-D350-772464B751F9}"/>
+                  </a:ext>
+                </a:extLst>
+              </p:cNvPr>
+              <p:cNvPicPr/>
+              <p:nvPr/>
+            </p:nvPicPr>
+            <p:blipFill>
+              <a:blip r:embed="rId3"/>
+              <a:stretch>
+                <a:fillRect/>
+              </a:stretch>
+            </p:blipFill>
+            <p:spPr>
+              <a:xfrm>
+                <a:off x="6347223" y="3970949"/>
+                <a:ext cx="3399840" cy="1128960"/>
+              </a:xfrm>
+              <a:prstGeom prst="rect">
+                <a:avLst/>
+              </a:prstGeom>
+            </p:spPr>
+          </p:pic>
+        </mc:Fallback>
+      </mc:AlternateContent>
+      <mc:AlternateContent xmlns:mc="http://schemas.openxmlformats.org/markup-compatibility/2006">
+        <mc:Choice xmlns:p14="http://schemas.microsoft.com/office/powerpoint/2010/main" Requires="p14">
+          <p:contentPart p14:bwMode="auto" r:id="rId4">
+            <p14:nvContentPartPr>
+              <p14:cNvPr id="4" name="Ink 3">
+                <a:extLst>
+                  <a:ext uri="{FF2B5EF4-FFF2-40B4-BE49-F238E27FC236}">
+                    <a16:creationId xmlns:a16="http://schemas.microsoft.com/office/drawing/2014/main" id="{69D13D7A-C670-8527-3A32-F0B0AB693188}"/>
+                  </a:ext>
+                </a:extLst>
+              </p14:cNvPr>
+              <p14:cNvContentPartPr/>
+              <p14:nvPr/>
+            </p14:nvContentPartPr>
+            <p14:xfrm>
+              <a:off x="1806903" y="4359389"/>
+              <a:ext cx="127800" cy="1047600"/>
+            </p14:xfrm>
+          </p:contentPart>
+        </mc:Choice>
+        <mc:Fallback>
+          <p:pic>
+            <p:nvPicPr>
+              <p:cNvPr id="4" name="Ink 3">
+                <a:extLst>
+                  <a:ext uri="{FF2B5EF4-FFF2-40B4-BE49-F238E27FC236}">
+                    <a16:creationId xmlns:a16="http://schemas.microsoft.com/office/drawing/2014/main" id="{69D13D7A-C670-8527-3A32-F0B0AB693188}"/>
+                  </a:ext>
+                </a:extLst>
+              </p:cNvPr>
+              <p:cNvPicPr/>
+              <p:nvPr/>
+            </p:nvPicPr>
+            <p:blipFill>
+              <a:blip r:embed="rId5"/>
+              <a:stretch>
+                <a:fillRect/>
+              </a:stretch>
+            </p:blipFill>
+            <p:spPr>
+              <a:xfrm>
+                <a:off x="1798263" y="4350749"/>
+                <a:ext cx="145440" cy="1065240"/>
+              </a:xfrm>
+              <a:prstGeom prst="rect">
+                <a:avLst/>
+              </a:prstGeom>
+            </p:spPr>
+          </p:pic>
+        </mc:Fallback>
+      </mc:AlternateContent>
+      <mc:AlternateContent xmlns:mc="http://schemas.openxmlformats.org/markup-compatibility/2006">
+        <mc:Choice xmlns:p14="http://schemas.microsoft.com/office/powerpoint/2010/main" Requires="p14">
+          <p:contentPart p14:bwMode="auto" r:id="rId6">
+            <p14:nvContentPartPr>
+              <p14:cNvPr id="5" name="Ink 4">
+                <a:extLst>
+                  <a:ext uri="{FF2B5EF4-FFF2-40B4-BE49-F238E27FC236}">
+                    <a16:creationId xmlns:a16="http://schemas.microsoft.com/office/drawing/2014/main" id="{A71D3819-26B8-1F0D-7E22-0D82E054DFAE}"/>
+                  </a:ext>
+                </a:extLst>
+              </p14:cNvPr>
+              <p14:cNvContentPartPr/>
+              <p14:nvPr/>
+            </p14:nvContentPartPr>
+            <p14:xfrm>
+              <a:off x="1513503" y="4728749"/>
+              <a:ext cx="323280" cy="1023120"/>
+            </p14:xfrm>
+          </p:contentPart>
+        </mc:Choice>
+        <mc:Fallback>
+          <p:pic>
+            <p:nvPicPr>
+              <p:cNvPr id="5" name="Ink 4">
+                <a:extLst>
+                  <a:ext uri="{FF2B5EF4-FFF2-40B4-BE49-F238E27FC236}">
+                    <a16:creationId xmlns:a16="http://schemas.microsoft.com/office/drawing/2014/main" id="{A71D3819-26B8-1F0D-7E22-0D82E054DFAE}"/>
+                  </a:ext>
+                </a:extLst>
+              </p:cNvPr>
+              <p:cNvPicPr/>
+              <p:nvPr/>
+            </p:nvPicPr>
+            <p:blipFill>
+              <a:blip r:embed="rId7"/>
+              <a:stretch>
+                <a:fillRect/>
+              </a:stretch>
+            </p:blipFill>
+            <p:spPr>
+              <a:xfrm>
+                <a:off x="1504503" y="4720109"/>
+                <a:ext cx="340920" cy="1040760"/>
+              </a:xfrm>
+              <a:prstGeom prst="rect">
+                <a:avLst/>
+              </a:prstGeom>
+            </p:spPr>
+          </p:pic>
+        </mc:Fallback>
+      </mc:AlternateContent>
+      <mc:AlternateContent xmlns:mc="http://schemas.openxmlformats.org/markup-compatibility/2006">
+        <mc:Choice xmlns:p14="http://schemas.microsoft.com/office/powerpoint/2010/main" Requires="p14">
+          <p:contentPart p14:bwMode="auto" r:id="rId8">
+            <p14:nvContentPartPr>
+              <p14:cNvPr id="7" name="Ink 6">
+                <a:extLst>
+                  <a:ext uri="{FF2B5EF4-FFF2-40B4-BE49-F238E27FC236}">
+                    <a16:creationId xmlns:a16="http://schemas.microsoft.com/office/drawing/2014/main" id="{33BA1C44-7767-2005-AB8E-F34AB8811625}"/>
+                  </a:ext>
+                </a:extLst>
+              </p14:cNvPr>
+              <p14:cNvContentPartPr/>
+              <p14:nvPr/>
+            </p14:nvContentPartPr>
+            <p14:xfrm>
+              <a:off x="2352303" y="3982469"/>
+              <a:ext cx="2154960" cy="1093680"/>
+            </p14:xfrm>
+          </p:contentPart>
+        </mc:Choice>
+        <mc:Fallback>
+          <p:pic>
+            <p:nvPicPr>
+              <p:cNvPr id="7" name="Ink 6">
+                <a:extLst>
+                  <a:ext uri="{FF2B5EF4-FFF2-40B4-BE49-F238E27FC236}">
+                    <a16:creationId xmlns:a16="http://schemas.microsoft.com/office/drawing/2014/main" id="{33BA1C44-7767-2005-AB8E-F34AB8811625}"/>
+                  </a:ext>
+                </a:extLst>
+              </p:cNvPr>
+              <p:cNvPicPr/>
+              <p:nvPr/>
+            </p:nvPicPr>
+            <p:blipFill>
+              <a:blip r:embed="rId9"/>
+              <a:stretch>
+                <a:fillRect/>
+              </a:stretch>
+            </p:blipFill>
+            <p:spPr>
+              <a:xfrm>
+                <a:off x="2343303" y="3973829"/>
+                <a:ext cx="2172600" cy="1111320"/>
+              </a:xfrm>
+              <a:prstGeom prst="rect">
+                <a:avLst/>
+              </a:prstGeom>
+            </p:spPr>
+          </p:pic>
+        </mc:Fallback>
+      </mc:AlternateContent>
+      <mc:AlternateContent xmlns:mc="http://schemas.openxmlformats.org/markup-compatibility/2006">
+        <mc:Choice xmlns:p14="http://schemas.microsoft.com/office/powerpoint/2010/main" Requires="p14">
+          <p:contentPart p14:bwMode="auto" r:id="rId10">
+            <p14:nvContentPartPr>
+              <p14:cNvPr id="9" name="Ink 8">
+                <a:extLst>
+                  <a:ext uri="{FF2B5EF4-FFF2-40B4-BE49-F238E27FC236}">
+                    <a16:creationId xmlns:a16="http://schemas.microsoft.com/office/drawing/2014/main" id="{56858CF4-0C02-7285-8F7B-2A9ECD9CBF00}"/>
+                  </a:ext>
+                </a:extLst>
+              </p14:cNvPr>
+              <p14:cNvContentPartPr/>
+              <p14:nvPr/>
+            </p14:nvContentPartPr>
+            <p14:xfrm>
+              <a:off x="2604303" y="4299989"/>
+              <a:ext cx="240120" cy="342000"/>
+            </p14:xfrm>
+          </p:contentPart>
+        </mc:Choice>
+        <mc:Fallback>
+          <p:pic>
+            <p:nvPicPr>
+              <p:cNvPr id="9" name="Ink 8">
+                <a:extLst>
+                  <a:ext uri="{FF2B5EF4-FFF2-40B4-BE49-F238E27FC236}">
+                    <a16:creationId xmlns:a16="http://schemas.microsoft.com/office/drawing/2014/main" id="{56858CF4-0C02-7285-8F7B-2A9ECD9CBF00}"/>
+                  </a:ext>
+                </a:extLst>
+              </p:cNvPr>
+              <p:cNvPicPr/>
+              <p:nvPr/>
+            </p:nvPicPr>
+            <p:blipFill>
+              <a:blip r:embed="rId11"/>
+              <a:stretch>
+                <a:fillRect/>
+              </a:stretch>
+            </p:blipFill>
+            <p:spPr>
+              <a:xfrm>
+                <a:off x="2595303" y="4291349"/>
+                <a:ext cx="257760" cy="359640"/>
+              </a:xfrm>
+              <a:prstGeom prst="rect">
+                <a:avLst/>
+              </a:prstGeom>
+            </p:spPr>
+          </p:pic>
+        </mc:Fallback>
+      </mc:AlternateContent>
+      <mc:AlternateContent xmlns:mc="http://schemas.openxmlformats.org/markup-compatibility/2006">
+        <mc:Choice xmlns:p14="http://schemas.microsoft.com/office/powerpoint/2010/main" Requires="p14">
+          <p:contentPart p14:bwMode="auto" r:id="rId12">
+            <p14:nvContentPartPr>
+              <p14:cNvPr id="10" name="Ink 9">
+                <a:extLst>
+                  <a:ext uri="{FF2B5EF4-FFF2-40B4-BE49-F238E27FC236}">
+                    <a16:creationId xmlns:a16="http://schemas.microsoft.com/office/drawing/2014/main" id="{07A32DBA-46F0-7546-46E1-1D8BED040F43}"/>
+                  </a:ext>
+                </a:extLst>
+              </p14:cNvPr>
+              <p14:cNvContentPartPr/>
+              <p14:nvPr/>
+            </p14:nvContentPartPr>
+            <p14:xfrm>
+              <a:off x="2921463" y="4297109"/>
+              <a:ext cx="27360" cy="367200"/>
+            </p14:xfrm>
+          </p:contentPart>
+        </mc:Choice>
+        <mc:Fallback>
+          <p:pic>
+            <p:nvPicPr>
+              <p:cNvPr id="10" name="Ink 9">
+                <a:extLst>
+                  <a:ext uri="{FF2B5EF4-FFF2-40B4-BE49-F238E27FC236}">
+                    <a16:creationId xmlns:a16="http://schemas.microsoft.com/office/drawing/2014/main" id="{07A32DBA-46F0-7546-46E1-1D8BED040F43}"/>
+                  </a:ext>
+                </a:extLst>
+              </p:cNvPr>
+              <p:cNvPicPr/>
+              <p:nvPr/>
+            </p:nvPicPr>
+            <p:blipFill>
+              <a:blip r:embed="rId13"/>
+              <a:stretch>
+                <a:fillRect/>
+              </a:stretch>
+            </p:blipFill>
+            <p:spPr>
+              <a:xfrm>
+                <a:off x="2912463" y="4288469"/>
+                <a:ext cx="45000" cy="384840"/>
+              </a:xfrm>
+              <a:prstGeom prst="rect">
+                <a:avLst/>
+              </a:prstGeom>
+            </p:spPr>
+          </p:pic>
+        </mc:Fallback>
+      </mc:AlternateContent>
+      <mc:AlternateContent xmlns:mc="http://schemas.openxmlformats.org/markup-compatibility/2006">
+        <mc:Choice xmlns:p14="http://schemas.microsoft.com/office/powerpoint/2010/main" Requires="p14">
+          <p:contentPart p14:bwMode="auto" r:id="rId14">
+            <p14:nvContentPartPr>
+              <p14:cNvPr id="11" name="Ink 10">
+                <a:extLst>
+                  <a:ext uri="{FF2B5EF4-FFF2-40B4-BE49-F238E27FC236}">
+                    <a16:creationId xmlns:a16="http://schemas.microsoft.com/office/drawing/2014/main" id="{2E35FE7B-5940-1796-FCE4-CB29D1231E4B}"/>
+                  </a:ext>
+                </a:extLst>
+              </p14:cNvPr>
+              <p14:cNvContentPartPr/>
+              <p14:nvPr/>
+            </p14:nvContentPartPr>
+            <p14:xfrm>
+              <a:off x="2997063" y="4505189"/>
+              <a:ext cx="249480" cy="220680"/>
+            </p14:xfrm>
+          </p:contentPart>
+        </mc:Choice>
+        <mc:Fallback>
+          <p:pic>
+            <p:nvPicPr>
+              <p:cNvPr id="11" name="Ink 10">
+                <a:extLst>
+                  <a:ext uri="{FF2B5EF4-FFF2-40B4-BE49-F238E27FC236}">
+                    <a16:creationId xmlns:a16="http://schemas.microsoft.com/office/drawing/2014/main" id="{2E35FE7B-5940-1796-FCE4-CB29D1231E4B}"/>
+                  </a:ext>
+                </a:extLst>
+              </p:cNvPr>
+              <p:cNvPicPr/>
+              <p:nvPr/>
+            </p:nvPicPr>
+            <p:blipFill>
+              <a:blip r:embed="rId15"/>
+              <a:stretch>
+                <a:fillRect/>
+              </a:stretch>
+            </p:blipFill>
+            <p:spPr>
+              <a:xfrm>
+                <a:off x="2988423" y="4496549"/>
+                <a:ext cx="267120" cy="238320"/>
+              </a:xfrm>
+              <a:prstGeom prst="rect">
+                <a:avLst/>
+              </a:prstGeom>
+            </p:spPr>
+          </p:pic>
+        </mc:Fallback>
+      </mc:AlternateContent>
+      <mc:AlternateContent xmlns:mc="http://schemas.openxmlformats.org/markup-compatibility/2006">
+        <mc:Choice xmlns:p14="http://schemas.microsoft.com/office/powerpoint/2010/main" Requires="p14">
+          <p:contentPart p14:bwMode="auto" r:id="rId16">
+            <p14:nvContentPartPr>
+              <p14:cNvPr id="12" name="Ink 11">
+                <a:extLst>
+                  <a:ext uri="{FF2B5EF4-FFF2-40B4-BE49-F238E27FC236}">
+                    <a16:creationId xmlns:a16="http://schemas.microsoft.com/office/drawing/2014/main" id="{BC8DF3EA-DA27-3F3B-9C7B-7260A781D020}"/>
+                  </a:ext>
+                </a:extLst>
+              </p14:cNvPr>
+              <p14:cNvContentPartPr/>
+              <p14:nvPr/>
+            </p14:nvContentPartPr>
+            <p14:xfrm>
+              <a:off x="3179943" y="4471709"/>
+              <a:ext cx="194400" cy="193320"/>
+            </p14:xfrm>
+          </p:contentPart>
+        </mc:Choice>
+        <mc:Fallback>
+          <p:pic>
+            <p:nvPicPr>
+              <p:cNvPr id="12" name="Ink 11">
+                <a:extLst>
+                  <a:ext uri="{FF2B5EF4-FFF2-40B4-BE49-F238E27FC236}">
+                    <a16:creationId xmlns:a16="http://schemas.microsoft.com/office/drawing/2014/main" id="{BC8DF3EA-DA27-3F3B-9C7B-7260A781D020}"/>
+                  </a:ext>
+                </a:extLst>
+              </p:cNvPr>
+              <p:cNvPicPr/>
+              <p:nvPr/>
+            </p:nvPicPr>
+            <p:blipFill>
+              <a:blip r:embed="rId17"/>
+              <a:stretch>
+                <a:fillRect/>
+              </a:stretch>
+            </p:blipFill>
+            <p:spPr>
+              <a:xfrm>
+                <a:off x="3170943" y="4462709"/>
+                <a:ext cx="212040" cy="210960"/>
+              </a:xfrm>
+              <a:prstGeom prst="rect">
+                <a:avLst/>
+              </a:prstGeom>
+            </p:spPr>
+          </p:pic>
+        </mc:Fallback>
+      </mc:AlternateContent>
+      <mc:AlternateContent xmlns:mc="http://schemas.openxmlformats.org/markup-compatibility/2006">
+        <mc:Choice xmlns:p14="http://schemas.microsoft.com/office/powerpoint/2010/main" Requires="p14">
+          <p:contentPart p14:bwMode="auto" r:id="rId18">
+            <p14:nvContentPartPr>
+              <p14:cNvPr id="13" name="Ink 12">
+                <a:extLst>
+                  <a:ext uri="{FF2B5EF4-FFF2-40B4-BE49-F238E27FC236}">
+                    <a16:creationId xmlns:a16="http://schemas.microsoft.com/office/drawing/2014/main" id="{2E820192-D3E9-C3E3-29CD-1841868F5BB1}"/>
+                  </a:ext>
+                </a:extLst>
+              </p14:cNvPr>
+              <p14:cNvContentPartPr/>
+              <p14:nvPr/>
+            </p14:nvContentPartPr>
+            <p14:xfrm>
+              <a:off x="3273543" y="4520309"/>
+              <a:ext cx="169920" cy="186840"/>
+            </p14:xfrm>
+          </p:contentPart>
+        </mc:Choice>
+        <mc:Fallback>
+          <p:pic>
+            <p:nvPicPr>
+              <p:cNvPr id="13" name="Ink 12">
+                <a:extLst>
+                  <a:ext uri="{FF2B5EF4-FFF2-40B4-BE49-F238E27FC236}">
+                    <a16:creationId xmlns:a16="http://schemas.microsoft.com/office/drawing/2014/main" id="{2E820192-D3E9-C3E3-29CD-1841868F5BB1}"/>
+                  </a:ext>
+                </a:extLst>
+              </p:cNvPr>
+              <p:cNvPicPr/>
+              <p:nvPr/>
+            </p:nvPicPr>
+            <p:blipFill>
+              <a:blip r:embed="rId19"/>
+              <a:stretch>
+                <a:fillRect/>
+              </a:stretch>
+            </p:blipFill>
+            <p:spPr>
+              <a:xfrm>
+                <a:off x="3264543" y="4511669"/>
+                <a:ext cx="187560" cy="204480"/>
+              </a:xfrm>
+              <a:prstGeom prst="rect">
+                <a:avLst/>
+              </a:prstGeom>
+            </p:spPr>
+          </p:pic>
+        </mc:Fallback>
+      </mc:AlternateContent>
+      <mc:AlternateContent xmlns:mc="http://schemas.openxmlformats.org/markup-compatibility/2006">
+        <mc:Choice xmlns:p14="http://schemas.microsoft.com/office/powerpoint/2010/main" Requires="p14">
+          <p:contentPart p14:bwMode="auto" r:id="rId20">
+            <p14:nvContentPartPr>
+              <p14:cNvPr id="14" name="Ink 13">
+                <a:extLst>
+                  <a:ext uri="{FF2B5EF4-FFF2-40B4-BE49-F238E27FC236}">
+                    <a16:creationId xmlns:a16="http://schemas.microsoft.com/office/drawing/2014/main" id="{53382329-66E7-9126-5033-E3360BB8043C}"/>
+                  </a:ext>
+                </a:extLst>
+              </p14:cNvPr>
+              <p14:cNvContentPartPr/>
+              <p14:nvPr/>
+            </p14:nvContentPartPr>
+            <p14:xfrm>
+              <a:off x="3482343" y="4606709"/>
+              <a:ext cx="336240" cy="168120"/>
+            </p14:xfrm>
+          </p:contentPart>
+        </mc:Choice>
+        <mc:Fallback>
+          <p:pic>
+            <p:nvPicPr>
+              <p:cNvPr id="14" name="Ink 13">
+                <a:extLst>
+                  <a:ext uri="{FF2B5EF4-FFF2-40B4-BE49-F238E27FC236}">
+                    <a16:creationId xmlns:a16="http://schemas.microsoft.com/office/drawing/2014/main" id="{53382329-66E7-9126-5033-E3360BB8043C}"/>
+                  </a:ext>
+                </a:extLst>
+              </p:cNvPr>
+              <p:cNvPicPr/>
+              <p:nvPr/>
+            </p:nvPicPr>
+            <p:blipFill>
+              <a:blip r:embed="rId21"/>
+              <a:stretch>
+                <a:fillRect/>
+              </a:stretch>
+            </p:blipFill>
+            <p:spPr>
+              <a:xfrm>
+                <a:off x="3473703" y="4597709"/>
+                <a:ext cx="353880" cy="185760"/>
+              </a:xfrm>
+              <a:prstGeom prst="rect">
+                <a:avLst/>
+              </a:prstGeom>
+            </p:spPr>
+          </p:pic>
+        </mc:Fallback>
+      </mc:AlternateContent>
+      <mc:AlternateContent xmlns:mc="http://schemas.openxmlformats.org/markup-compatibility/2006">
+        <mc:Choice xmlns:p14="http://schemas.microsoft.com/office/powerpoint/2010/main" Requires="p14">
+          <p:contentPart p14:bwMode="auto" r:id="rId22">
+            <p14:nvContentPartPr>
+              <p14:cNvPr id="16" name="Ink 15">
+                <a:extLst>
+                  <a:ext uri="{FF2B5EF4-FFF2-40B4-BE49-F238E27FC236}">
+                    <a16:creationId xmlns:a16="http://schemas.microsoft.com/office/drawing/2014/main" id="{3A9BC628-FF65-470E-9932-F5C1FA497736}"/>
+                  </a:ext>
+                </a:extLst>
+              </p14:cNvPr>
+              <p14:cNvContentPartPr/>
+              <p14:nvPr/>
+            </p14:nvContentPartPr>
+            <p14:xfrm>
+              <a:off x="3458943" y="4251749"/>
+              <a:ext cx="260280" cy="680400"/>
+            </p14:xfrm>
+          </p:contentPart>
+        </mc:Choice>
+        <mc:Fallback>
+          <p:pic>
+            <p:nvPicPr>
+              <p:cNvPr id="16" name="Ink 15">
+                <a:extLst>
+                  <a:ext uri="{FF2B5EF4-FFF2-40B4-BE49-F238E27FC236}">
+                    <a16:creationId xmlns:a16="http://schemas.microsoft.com/office/drawing/2014/main" id="{3A9BC628-FF65-470E-9932-F5C1FA497736}"/>
+                  </a:ext>
+                </a:extLst>
+              </p:cNvPr>
+              <p:cNvPicPr/>
+              <p:nvPr/>
+            </p:nvPicPr>
+            <p:blipFill>
+              <a:blip r:embed="rId23"/>
+              <a:stretch>
+                <a:fillRect/>
+              </a:stretch>
+            </p:blipFill>
+            <p:spPr>
+              <a:xfrm>
+                <a:off x="3450303" y="4243109"/>
+                <a:ext cx="277920" cy="698040"/>
+              </a:xfrm>
+              <a:prstGeom prst="rect">
+                <a:avLst/>
+              </a:prstGeom>
+            </p:spPr>
+          </p:pic>
+        </mc:Fallback>
+      </mc:AlternateContent>
+      <mc:AlternateContent xmlns:mc="http://schemas.openxmlformats.org/markup-compatibility/2006">
+        <mc:Choice xmlns:p14="http://schemas.microsoft.com/office/powerpoint/2010/main" Requires="p14">
+          <p:contentPart p14:bwMode="auto" r:id="rId24">
+            <p14:nvContentPartPr>
+              <p14:cNvPr id="17" name="Ink 16">
+                <a:extLst>
+                  <a:ext uri="{FF2B5EF4-FFF2-40B4-BE49-F238E27FC236}">
+                    <a16:creationId xmlns:a16="http://schemas.microsoft.com/office/drawing/2014/main" id="{096B292F-B4DC-751C-A06E-4078D80CFC9F}"/>
+                  </a:ext>
+                </a:extLst>
+              </p14:cNvPr>
+              <p14:cNvContentPartPr/>
+              <p14:nvPr/>
+            </p14:nvContentPartPr>
+            <p14:xfrm>
+              <a:off x="3527343" y="4606709"/>
+              <a:ext cx="171720" cy="52560"/>
+            </p14:xfrm>
+          </p:contentPart>
+        </mc:Choice>
+        <mc:Fallback>
+          <p:pic>
+            <p:nvPicPr>
+              <p:cNvPr id="17" name="Ink 16">
+                <a:extLst>
+                  <a:ext uri="{FF2B5EF4-FFF2-40B4-BE49-F238E27FC236}">
+                    <a16:creationId xmlns:a16="http://schemas.microsoft.com/office/drawing/2014/main" id="{096B292F-B4DC-751C-A06E-4078D80CFC9F}"/>
+                  </a:ext>
+                </a:extLst>
+              </p:cNvPr>
+              <p:cNvPicPr/>
+              <p:nvPr/>
+            </p:nvPicPr>
+            <p:blipFill>
+              <a:blip r:embed="rId25"/>
+              <a:stretch>
+                <a:fillRect/>
+              </a:stretch>
+            </p:blipFill>
+            <p:spPr>
+              <a:xfrm>
+                <a:off x="3518703" y="4598069"/>
+                <a:ext cx="189360" cy="70200"/>
+              </a:xfrm>
+              <a:prstGeom prst="rect">
+                <a:avLst/>
+              </a:prstGeom>
+            </p:spPr>
+          </p:pic>
+        </mc:Fallback>
+      </mc:AlternateContent>
+      <mc:AlternateContent xmlns:mc="http://schemas.openxmlformats.org/markup-compatibility/2006">
+        <mc:Choice xmlns:p14="http://schemas.microsoft.com/office/powerpoint/2010/main" Requires="p14">
+          <p:contentPart p14:bwMode="auto" r:id="rId26">
+            <p14:nvContentPartPr>
+              <p14:cNvPr id="19" name="Ink 18">
+                <a:extLst>
+                  <a:ext uri="{FF2B5EF4-FFF2-40B4-BE49-F238E27FC236}">
+                    <a16:creationId xmlns:a16="http://schemas.microsoft.com/office/drawing/2014/main" id="{DA84679E-AE7F-6A36-52D7-448103B36FD9}"/>
+                  </a:ext>
+                </a:extLst>
+              </p14:cNvPr>
+              <p14:cNvContentPartPr/>
+              <p14:nvPr/>
+            </p14:nvContentPartPr>
+            <p14:xfrm>
+              <a:off x="3296583" y="2568749"/>
+              <a:ext cx="1017000" cy="1602720"/>
+            </p14:xfrm>
+          </p:contentPart>
+        </mc:Choice>
+        <mc:Fallback>
+          <p:pic>
+            <p:nvPicPr>
+              <p:cNvPr id="19" name="Ink 18">
+                <a:extLst>
+                  <a:ext uri="{FF2B5EF4-FFF2-40B4-BE49-F238E27FC236}">
+                    <a16:creationId xmlns:a16="http://schemas.microsoft.com/office/drawing/2014/main" id="{DA84679E-AE7F-6A36-52D7-448103B36FD9}"/>
+                  </a:ext>
+                </a:extLst>
+              </p:cNvPr>
+              <p:cNvPicPr/>
+              <p:nvPr/>
+            </p:nvPicPr>
+            <p:blipFill>
+              <a:blip r:embed="rId27"/>
+              <a:stretch>
+                <a:fillRect/>
+              </a:stretch>
+            </p:blipFill>
+            <p:spPr>
+              <a:xfrm>
+                <a:off x="3287583" y="2560109"/>
+                <a:ext cx="1034640" cy="1620360"/>
+              </a:xfrm>
+              <a:prstGeom prst="rect">
+                <a:avLst/>
+              </a:prstGeom>
+            </p:spPr>
+          </p:pic>
+        </mc:Fallback>
+      </mc:AlternateContent>
+      <mc:AlternateContent xmlns:mc="http://schemas.openxmlformats.org/markup-compatibility/2006">
+        <mc:Choice xmlns:p14="http://schemas.microsoft.com/office/powerpoint/2010/main" Requires="p14">
+          <p:contentPart p14:bwMode="auto" r:id="rId28">
+            <p14:nvContentPartPr>
+              <p14:cNvPr id="20" name="Ink 19">
+                <a:extLst>
+                  <a:ext uri="{FF2B5EF4-FFF2-40B4-BE49-F238E27FC236}">
+                    <a16:creationId xmlns:a16="http://schemas.microsoft.com/office/drawing/2014/main" id="{D3426EAC-A3E9-A1A9-8974-5E71D81E0B6D}"/>
+                  </a:ext>
+                </a:extLst>
+              </p14:cNvPr>
+              <p14:cNvContentPartPr/>
+              <p14:nvPr/>
+            </p14:nvContentPartPr>
+            <p14:xfrm>
+              <a:off x="2764863" y="1541309"/>
+              <a:ext cx="3644280" cy="1037520"/>
+            </p14:xfrm>
+          </p:contentPart>
+        </mc:Choice>
+        <mc:Fallback>
+          <p:pic>
+            <p:nvPicPr>
+              <p:cNvPr id="20" name="Ink 19">
+                <a:extLst>
+                  <a:ext uri="{FF2B5EF4-FFF2-40B4-BE49-F238E27FC236}">
+                    <a16:creationId xmlns:a16="http://schemas.microsoft.com/office/drawing/2014/main" id="{D3426EAC-A3E9-A1A9-8974-5E71D81E0B6D}"/>
+                  </a:ext>
+                </a:extLst>
+              </p:cNvPr>
+              <p:cNvPicPr/>
+              <p:nvPr/>
+            </p:nvPicPr>
+            <p:blipFill>
+              <a:blip r:embed="rId29"/>
+              <a:stretch>
+                <a:fillRect/>
+              </a:stretch>
+            </p:blipFill>
+            <p:spPr>
+              <a:xfrm>
+                <a:off x="2756223" y="1532669"/>
+                <a:ext cx="3661920" cy="1055160"/>
+              </a:xfrm>
+              <a:prstGeom prst="rect">
+                <a:avLst/>
+              </a:prstGeom>
+            </p:spPr>
+          </p:pic>
+        </mc:Fallback>
+      </mc:AlternateContent>
+      <mc:AlternateContent xmlns:mc="http://schemas.openxmlformats.org/markup-compatibility/2006">
+        <mc:Choice xmlns:p14="http://schemas.microsoft.com/office/powerpoint/2010/main" Requires="p14">
+          <p:contentPart p14:bwMode="auto" r:id="rId30">
+            <p14:nvContentPartPr>
+              <p14:cNvPr id="22" name="Ink 21">
+                <a:extLst>
+                  <a:ext uri="{FF2B5EF4-FFF2-40B4-BE49-F238E27FC236}">
+                    <a16:creationId xmlns:a16="http://schemas.microsoft.com/office/drawing/2014/main" id="{5AE2FD7F-6DA6-7598-3443-AB0E0E8AEB89}"/>
+                  </a:ext>
+                </a:extLst>
+              </p14:cNvPr>
+              <p14:cNvContentPartPr/>
+              <p14:nvPr/>
+            </p14:nvContentPartPr>
+            <p14:xfrm>
+              <a:off x="3285423" y="2033429"/>
+              <a:ext cx="21960" cy="288720"/>
+            </p14:xfrm>
+          </p:contentPart>
+        </mc:Choice>
+        <mc:Fallback>
+          <p:pic>
+            <p:nvPicPr>
+              <p:cNvPr id="22" name="Ink 21">
+                <a:extLst>
+                  <a:ext uri="{FF2B5EF4-FFF2-40B4-BE49-F238E27FC236}">
+                    <a16:creationId xmlns:a16="http://schemas.microsoft.com/office/drawing/2014/main" id="{5AE2FD7F-6DA6-7598-3443-AB0E0E8AEB89}"/>
+                  </a:ext>
+                </a:extLst>
+              </p:cNvPr>
+              <p:cNvPicPr/>
+              <p:nvPr/>
+            </p:nvPicPr>
+            <p:blipFill>
+              <a:blip r:embed="rId31"/>
+              <a:stretch>
+                <a:fillRect/>
+              </a:stretch>
+            </p:blipFill>
+            <p:spPr>
+              <a:xfrm>
+                <a:off x="3276423" y="2024789"/>
+                <a:ext cx="39600" cy="306360"/>
+              </a:xfrm>
+              <a:prstGeom prst="rect">
+                <a:avLst/>
+              </a:prstGeom>
+            </p:spPr>
+          </p:pic>
+        </mc:Fallback>
+      </mc:AlternateContent>
+      <mc:AlternateContent xmlns:mc="http://schemas.openxmlformats.org/markup-compatibility/2006">
+        <mc:Choice xmlns:p14="http://schemas.microsoft.com/office/powerpoint/2010/main" Requires="p14">
+          <p:contentPart p14:bwMode="auto" r:id="rId32">
+            <p14:nvContentPartPr>
+              <p14:cNvPr id="23" name="Ink 22">
+                <a:extLst>
+                  <a:ext uri="{FF2B5EF4-FFF2-40B4-BE49-F238E27FC236}">
+                    <a16:creationId xmlns:a16="http://schemas.microsoft.com/office/drawing/2014/main" id="{5C98D64D-DD6F-A737-B60C-E609341384C5}"/>
+                  </a:ext>
+                </a:extLst>
+              </p14:cNvPr>
+              <p14:cNvContentPartPr/>
+              <p14:nvPr/>
+            </p14:nvContentPartPr>
+            <p14:xfrm>
+              <a:off x="3088503" y="1961429"/>
+              <a:ext cx="379080" cy="90000"/>
+            </p14:xfrm>
+          </p:contentPart>
+        </mc:Choice>
+        <mc:Fallback>
+          <p:pic>
+            <p:nvPicPr>
+              <p:cNvPr id="23" name="Ink 22">
+                <a:extLst>
+                  <a:ext uri="{FF2B5EF4-FFF2-40B4-BE49-F238E27FC236}">
+                    <a16:creationId xmlns:a16="http://schemas.microsoft.com/office/drawing/2014/main" id="{5C98D64D-DD6F-A737-B60C-E609341384C5}"/>
+                  </a:ext>
+                </a:extLst>
+              </p:cNvPr>
+              <p:cNvPicPr/>
+              <p:nvPr/>
+            </p:nvPicPr>
+            <p:blipFill>
+              <a:blip r:embed="rId33"/>
+              <a:stretch>
+                <a:fillRect/>
+              </a:stretch>
+            </p:blipFill>
+            <p:spPr>
+              <a:xfrm>
+                <a:off x="3079503" y="1952429"/>
+                <a:ext cx="396720" cy="107640"/>
+              </a:xfrm>
+              <a:prstGeom prst="rect">
+                <a:avLst/>
+              </a:prstGeom>
+            </p:spPr>
+          </p:pic>
+        </mc:Fallback>
+      </mc:AlternateContent>
+      <mc:AlternateContent xmlns:mc="http://schemas.openxmlformats.org/markup-compatibility/2006">
+        <mc:Choice xmlns:p14="http://schemas.microsoft.com/office/powerpoint/2010/main" Requires="p14">
+          <p:contentPart p14:bwMode="auto" r:id="rId34">
+            <p14:nvContentPartPr>
+              <p14:cNvPr id="24" name="Ink 23">
+                <a:extLst>
+                  <a:ext uri="{FF2B5EF4-FFF2-40B4-BE49-F238E27FC236}">
+                    <a16:creationId xmlns:a16="http://schemas.microsoft.com/office/drawing/2014/main" id="{6E57B428-5699-B486-4ADB-012578E94BA9}"/>
+                  </a:ext>
+                </a:extLst>
+              </p14:cNvPr>
+              <p14:cNvContentPartPr/>
+              <p14:nvPr/>
+            </p14:nvContentPartPr>
+            <p14:xfrm>
+              <a:off x="3064023" y="2227829"/>
+              <a:ext cx="412200" cy="74160"/>
+            </p14:xfrm>
+          </p:contentPart>
+        </mc:Choice>
+        <mc:Fallback>
+          <p:pic>
+            <p:nvPicPr>
+              <p:cNvPr id="24" name="Ink 23">
+                <a:extLst>
+                  <a:ext uri="{FF2B5EF4-FFF2-40B4-BE49-F238E27FC236}">
+                    <a16:creationId xmlns:a16="http://schemas.microsoft.com/office/drawing/2014/main" id="{6E57B428-5699-B486-4ADB-012578E94BA9}"/>
+                  </a:ext>
+                </a:extLst>
+              </p:cNvPr>
+              <p:cNvPicPr/>
+              <p:nvPr/>
+            </p:nvPicPr>
+            <p:blipFill>
+              <a:blip r:embed="rId35"/>
+              <a:stretch>
+                <a:fillRect/>
+              </a:stretch>
+            </p:blipFill>
+            <p:spPr>
+              <a:xfrm>
+                <a:off x="3055023" y="2219189"/>
+                <a:ext cx="429840" cy="91800"/>
+              </a:xfrm>
+              <a:prstGeom prst="rect">
+                <a:avLst/>
+              </a:prstGeom>
+            </p:spPr>
+          </p:pic>
+        </mc:Fallback>
+      </mc:AlternateContent>
+      <mc:AlternateContent xmlns:mc="http://schemas.openxmlformats.org/markup-compatibility/2006">
+        <mc:Choice xmlns:p14="http://schemas.microsoft.com/office/powerpoint/2010/main" Requires="p14">
+          <p:contentPart p14:bwMode="auto" r:id="rId36">
+            <p14:nvContentPartPr>
+              <p14:cNvPr id="25" name="Ink 24">
+                <a:extLst>
+                  <a:ext uri="{FF2B5EF4-FFF2-40B4-BE49-F238E27FC236}">
+                    <a16:creationId xmlns:a16="http://schemas.microsoft.com/office/drawing/2014/main" id="{5819670F-1F8D-A79D-92C5-5F7430D4BCDE}"/>
+                  </a:ext>
+                </a:extLst>
+              </p14:cNvPr>
+              <p14:cNvContentPartPr/>
+              <p14:nvPr/>
+            </p14:nvContentPartPr>
+            <p14:xfrm>
+              <a:off x="3884103" y="1891229"/>
+              <a:ext cx="358920" cy="447120"/>
+            </p14:xfrm>
+          </p:contentPart>
+        </mc:Choice>
+        <mc:Fallback>
+          <p:pic>
+            <p:nvPicPr>
+              <p:cNvPr id="25" name="Ink 24">
+                <a:extLst>
+                  <a:ext uri="{FF2B5EF4-FFF2-40B4-BE49-F238E27FC236}">
+                    <a16:creationId xmlns:a16="http://schemas.microsoft.com/office/drawing/2014/main" id="{5819670F-1F8D-A79D-92C5-5F7430D4BCDE}"/>
+                  </a:ext>
+                </a:extLst>
+              </p:cNvPr>
+              <p:cNvPicPr/>
+              <p:nvPr/>
+            </p:nvPicPr>
+            <p:blipFill>
+              <a:blip r:embed="rId37"/>
+              <a:stretch>
+                <a:fillRect/>
+              </a:stretch>
+            </p:blipFill>
+            <p:spPr>
+              <a:xfrm>
+                <a:off x="3875103" y="1882229"/>
+                <a:ext cx="376560" cy="464760"/>
+              </a:xfrm>
+              <a:prstGeom prst="rect">
+                <a:avLst/>
+              </a:prstGeom>
+            </p:spPr>
+          </p:pic>
+        </mc:Fallback>
+      </mc:AlternateContent>
+      <mc:AlternateContent xmlns:mc="http://schemas.openxmlformats.org/markup-compatibility/2006">
+        <mc:Choice xmlns:p14="http://schemas.microsoft.com/office/powerpoint/2010/main" Requires="p14">
+          <p:contentPart p14:bwMode="auto" r:id="rId38">
+            <p14:nvContentPartPr>
+              <p14:cNvPr id="26" name="Ink 25">
+                <a:extLst>
+                  <a:ext uri="{FF2B5EF4-FFF2-40B4-BE49-F238E27FC236}">
+                    <a16:creationId xmlns:a16="http://schemas.microsoft.com/office/drawing/2014/main" id="{82E6E5D3-E94E-F123-42D4-2DF5C86FA1E6}"/>
+                  </a:ext>
+                </a:extLst>
+              </p14:cNvPr>
+              <p14:cNvContentPartPr/>
+              <p14:nvPr/>
+            </p14:nvContentPartPr>
+            <p14:xfrm>
+              <a:off x="4301703" y="1866749"/>
+              <a:ext cx="97920" cy="619200"/>
+            </p14:xfrm>
+          </p:contentPart>
+        </mc:Choice>
+        <mc:Fallback>
+          <p:pic>
+            <p:nvPicPr>
+              <p:cNvPr id="26" name="Ink 25">
+                <a:extLst>
+                  <a:ext uri="{FF2B5EF4-FFF2-40B4-BE49-F238E27FC236}">
+                    <a16:creationId xmlns:a16="http://schemas.microsoft.com/office/drawing/2014/main" id="{82E6E5D3-E94E-F123-42D4-2DF5C86FA1E6}"/>
+                  </a:ext>
+                </a:extLst>
+              </p:cNvPr>
+              <p:cNvPicPr/>
+              <p:nvPr/>
+            </p:nvPicPr>
+            <p:blipFill>
+              <a:blip r:embed="rId39"/>
+              <a:stretch>
+                <a:fillRect/>
+              </a:stretch>
+            </p:blipFill>
+            <p:spPr>
+              <a:xfrm>
+                <a:off x="4292703" y="1858109"/>
+                <a:ext cx="115560" cy="636840"/>
+              </a:xfrm>
+              <a:prstGeom prst="rect">
+                <a:avLst/>
+              </a:prstGeom>
+            </p:spPr>
+          </p:pic>
+        </mc:Fallback>
+      </mc:AlternateContent>
+      <mc:AlternateContent xmlns:mc="http://schemas.openxmlformats.org/markup-compatibility/2006">
+        <mc:Choice xmlns:p14="http://schemas.microsoft.com/office/powerpoint/2010/main" Requires="p14">
+          <p:contentPart p14:bwMode="auto" r:id="rId40">
+            <p14:nvContentPartPr>
+              <p14:cNvPr id="27" name="Ink 26">
+                <a:extLst>
+                  <a:ext uri="{FF2B5EF4-FFF2-40B4-BE49-F238E27FC236}">
+                    <a16:creationId xmlns:a16="http://schemas.microsoft.com/office/drawing/2014/main" id="{E282990C-FD95-FF8B-3EB0-3E1D71A67994}"/>
+                  </a:ext>
+                </a:extLst>
+              </p14:cNvPr>
+              <p14:cNvContentPartPr/>
+              <p14:nvPr/>
+            </p14:nvContentPartPr>
+            <p14:xfrm>
+              <a:off x="4443543" y="2189669"/>
+              <a:ext cx="317880" cy="214920"/>
+            </p14:xfrm>
+          </p:contentPart>
+        </mc:Choice>
+        <mc:Fallback>
+          <p:pic>
+            <p:nvPicPr>
+              <p:cNvPr id="27" name="Ink 26">
+                <a:extLst>
+                  <a:ext uri="{FF2B5EF4-FFF2-40B4-BE49-F238E27FC236}">
+                    <a16:creationId xmlns:a16="http://schemas.microsoft.com/office/drawing/2014/main" id="{E282990C-FD95-FF8B-3EB0-3E1D71A67994}"/>
+                  </a:ext>
+                </a:extLst>
+              </p:cNvPr>
+              <p:cNvPicPr/>
+              <p:nvPr/>
+            </p:nvPicPr>
+            <p:blipFill>
+              <a:blip r:embed="rId41"/>
+              <a:stretch>
+                <a:fillRect/>
+              </a:stretch>
+            </p:blipFill>
+            <p:spPr>
+              <a:xfrm>
+                <a:off x="4434903" y="2180669"/>
+                <a:ext cx="335520" cy="232560"/>
+              </a:xfrm>
+              <a:prstGeom prst="rect">
+                <a:avLst/>
+              </a:prstGeom>
+            </p:spPr>
+          </p:pic>
+        </mc:Fallback>
+      </mc:AlternateContent>
+      <mc:AlternateContent xmlns:mc="http://schemas.openxmlformats.org/markup-compatibility/2006">
+        <mc:Choice xmlns:p14="http://schemas.microsoft.com/office/powerpoint/2010/main" Requires="p14">
+          <p:contentPart p14:bwMode="auto" r:id="rId42">
+            <p14:nvContentPartPr>
+              <p14:cNvPr id="28" name="Ink 27">
+                <a:extLst>
+                  <a:ext uri="{FF2B5EF4-FFF2-40B4-BE49-F238E27FC236}">
+                    <a16:creationId xmlns:a16="http://schemas.microsoft.com/office/drawing/2014/main" id="{CCEA53C8-47D8-13C5-E697-161C4DAD918C}"/>
+                  </a:ext>
+                </a:extLst>
+              </p14:cNvPr>
+              <p14:cNvContentPartPr/>
+              <p14:nvPr/>
+            </p14:nvContentPartPr>
+            <p14:xfrm>
+              <a:off x="4694103" y="2069429"/>
+              <a:ext cx="225720" cy="315000"/>
+            </p14:xfrm>
+          </p:contentPart>
+        </mc:Choice>
+        <mc:Fallback>
+          <p:pic>
+            <p:nvPicPr>
+              <p:cNvPr id="28" name="Ink 27">
+                <a:extLst>
+                  <a:ext uri="{FF2B5EF4-FFF2-40B4-BE49-F238E27FC236}">
+                    <a16:creationId xmlns:a16="http://schemas.microsoft.com/office/drawing/2014/main" id="{CCEA53C8-47D8-13C5-E697-161C4DAD918C}"/>
+                  </a:ext>
+                </a:extLst>
+              </p:cNvPr>
+              <p:cNvPicPr/>
+              <p:nvPr/>
+            </p:nvPicPr>
+            <p:blipFill>
+              <a:blip r:embed="rId43"/>
+              <a:stretch>
+                <a:fillRect/>
+              </a:stretch>
+            </p:blipFill>
+            <p:spPr>
+              <a:xfrm>
+                <a:off x="4685463" y="2060429"/>
+                <a:ext cx="243360" cy="332640"/>
+              </a:xfrm>
+              <a:prstGeom prst="rect">
+                <a:avLst/>
+              </a:prstGeom>
+            </p:spPr>
+          </p:pic>
+        </mc:Fallback>
+      </mc:AlternateContent>
+      <mc:AlternateContent xmlns:mc="http://schemas.openxmlformats.org/markup-compatibility/2006">
+        <mc:Choice xmlns:p14="http://schemas.microsoft.com/office/powerpoint/2010/main" Requires="p14">
+          <p:contentPart p14:bwMode="auto" r:id="rId44">
+            <p14:nvContentPartPr>
+              <p14:cNvPr id="29" name="Ink 28">
+                <a:extLst>
+                  <a:ext uri="{FF2B5EF4-FFF2-40B4-BE49-F238E27FC236}">
+                    <a16:creationId xmlns:a16="http://schemas.microsoft.com/office/drawing/2014/main" id="{2A405FB7-44A3-0DA4-89C7-920D624DBB44}"/>
+                  </a:ext>
+                </a:extLst>
+              </p14:cNvPr>
+              <p14:cNvContentPartPr/>
+              <p14:nvPr/>
+            </p14:nvContentPartPr>
+            <p14:xfrm>
+              <a:off x="4900383" y="2044229"/>
+              <a:ext cx="207360" cy="304560"/>
+            </p14:xfrm>
+          </p:contentPart>
+        </mc:Choice>
+        <mc:Fallback>
+          <p:pic>
+            <p:nvPicPr>
+              <p:cNvPr id="29" name="Ink 28">
+                <a:extLst>
+                  <a:ext uri="{FF2B5EF4-FFF2-40B4-BE49-F238E27FC236}">
+                    <a16:creationId xmlns:a16="http://schemas.microsoft.com/office/drawing/2014/main" id="{2A405FB7-44A3-0DA4-89C7-920D624DBB44}"/>
+                  </a:ext>
+                </a:extLst>
+              </p:cNvPr>
+              <p:cNvPicPr/>
+              <p:nvPr/>
+            </p:nvPicPr>
+            <p:blipFill>
+              <a:blip r:embed="rId45"/>
+              <a:stretch>
+                <a:fillRect/>
+              </a:stretch>
+            </p:blipFill>
+            <p:spPr>
+              <a:xfrm>
+                <a:off x="4891743" y="2035589"/>
+                <a:ext cx="225000" cy="322200"/>
+              </a:xfrm>
+              <a:prstGeom prst="rect">
+                <a:avLst/>
+              </a:prstGeom>
+            </p:spPr>
+          </p:pic>
+        </mc:Fallback>
+      </mc:AlternateContent>
+      <mc:AlternateContent xmlns:mc="http://schemas.openxmlformats.org/markup-compatibility/2006">
+        <mc:Choice xmlns:p14="http://schemas.microsoft.com/office/powerpoint/2010/main" Requires="p14">
+          <p:contentPart p14:bwMode="auto" r:id="rId46">
+            <p14:nvContentPartPr>
+              <p14:cNvPr id="30" name="Ink 29">
+                <a:extLst>
+                  <a:ext uri="{FF2B5EF4-FFF2-40B4-BE49-F238E27FC236}">
+                    <a16:creationId xmlns:a16="http://schemas.microsoft.com/office/drawing/2014/main" id="{89B006A5-1873-C10C-4DD2-CE0D823D5982}"/>
+                  </a:ext>
+                </a:extLst>
+              </p14:cNvPr>
+              <p14:cNvContentPartPr/>
+              <p14:nvPr/>
+            </p14:nvContentPartPr>
+            <p14:xfrm>
+              <a:off x="5177583" y="1820309"/>
+              <a:ext cx="320400" cy="614160"/>
+            </p14:xfrm>
+          </p:contentPart>
+        </mc:Choice>
+        <mc:Fallback>
+          <p:pic>
+            <p:nvPicPr>
+              <p:cNvPr id="30" name="Ink 29">
+                <a:extLst>
+                  <a:ext uri="{FF2B5EF4-FFF2-40B4-BE49-F238E27FC236}">
+                    <a16:creationId xmlns:a16="http://schemas.microsoft.com/office/drawing/2014/main" id="{89B006A5-1873-C10C-4DD2-CE0D823D5982}"/>
+                  </a:ext>
+                </a:extLst>
+              </p:cNvPr>
+              <p:cNvPicPr/>
+              <p:nvPr/>
+            </p:nvPicPr>
+            <p:blipFill>
+              <a:blip r:embed="rId47"/>
+              <a:stretch>
+                <a:fillRect/>
+              </a:stretch>
+            </p:blipFill>
+            <p:spPr>
+              <a:xfrm>
+                <a:off x="5168943" y="1811309"/>
+                <a:ext cx="338040" cy="631800"/>
+              </a:xfrm>
+              <a:prstGeom prst="rect">
+                <a:avLst/>
+              </a:prstGeom>
+            </p:spPr>
+          </p:pic>
+        </mc:Fallback>
+      </mc:AlternateContent>
+      <mc:AlternateContent xmlns:mc="http://schemas.openxmlformats.org/markup-compatibility/2006">
+        <mc:Choice xmlns:p14="http://schemas.microsoft.com/office/powerpoint/2010/main" Requires="p14">
+          <p:contentPart p14:bwMode="auto" r:id="rId48">
+            <p14:nvContentPartPr>
+              <p14:cNvPr id="31" name="Ink 30">
+                <a:extLst>
+                  <a:ext uri="{FF2B5EF4-FFF2-40B4-BE49-F238E27FC236}">
+                    <a16:creationId xmlns:a16="http://schemas.microsoft.com/office/drawing/2014/main" id="{A999C2E3-4641-F24D-BB7F-45E303824506}"/>
+                  </a:ext>
+                </a:extLst>
+              </p14:cNvPr>
+              <p14:cNvContentPartPr/>
+              <p14:nvPr/>
+            </p14:nvContentPartPr>
+            <p14:xfrm>
+              <a:off x="5216463" y="2069429"/>
+              <a:ext cx="109440" cy="61560"/>
+            </p14:xfrm>
+          </p:contentPart>
+        </mc:Choice>
+        <mc:Fallback>
+          <p:pic>
+            <p:nvPicPr>
+              <p:cNvPr id="31" name="Ink 30">
+                <a:extLst>
+                  <a:ext uri="{FF2B5EF4-FFF2-40B4-BE49-F238E27FC236}">
+                    <a16:creationId xmlns:a16="http://schemas.microsoft.com/office/drawing/2014/main" id="{A999C2E3-4641-F24D-BB7F-45E303824506}"/>
+                  </a:ext>
+                </a:extLst>
+              </p:cNvPr>
+              <p:cNvPicPr/>
+              <p:nvPr/>
+            </p:nvPicPr>
+            <p:blipFill>
+              <a:blip r:embed="rId49"/>
+              <a:stretch>
+                <a:fillRect/>
+              </a:stretch>
+            </p:blipFill>
+            <p:spPr>
+              <a:xfrm>
+                <a:off x="5207463" y="2060429"/>
+                <a:ext cx="127080" cy="79200"/>
+              </a:xfrm>
+              <a:prstGeom prst="rect">
+                <a:avLst/>
+              </a:prstGeom>
+            </p:spPr>
+          </p:pic>
+        </mc:Fallback>
+      </mc:AlternateContent>
+      <mc:AlternateContent xmlns:mc="http://schemas.openxmlformats.org/markup-compatibility/2006">
+        <mc:Choice xmlns:p14="http://schemas.microsoft.com/office/powerpoint/2010/main" Requires="p14">
+          <p:contentPart p14:bwMode="auto" r:id="rId50">
+            <p14:nvContentPartPr>
+              <p14:cNvPr id="45" name="Ink 44">
+                <a:extLst>
+                  <a:ext uri="{FF2B5EF4-FFF2-40B4-BE49-F238E27FC236}">
+                    <a16:creationId xmlns:a16="http://schemas.microsoft.com/office/drawing/2014/main" id="{E89E1C70-FE75-6F6C-6EE5-CD1C7E8A4C80}"/>
+                  </a:ext>
+                </a:extLst>
+              </p14:cNvPr>
+              <p14:cNvContentPartPr/>
+              <p14:nvPr/>
+            </p14:nvContentPartPr>
+            <p14:xfrm>
+              <a:off x="5379903" y="2406749"/>
+              <a:ext cx="4036680" cy="1190160"/>
+            </p14:xfrm>
+          </p:contentPart>
+        </mc:Choice>
+        <mc:Fallback>
+          <p:pic>
+            <p:nvPicPr>
+              <p:cNvPr id="45" name="Ink 44">
+                <a:extLst>
+                  <a:ext uri="{FF2B5EF4-FFF2-40B4-BE49-F238E27FC236}">
+                    <a16:creationId xmlns:a16="http://schemas.microsoft.com/office/drawing/2014/main" id="{E89E1C70-FE75-6F6C-6EE5-CD1C7E8A4C80}"/>
+                  </a:ext>
+                </a:extLst>
+              </p:cNvPr>
+              <p:cNvPicPr/>
+              <p:nvPr/>
+            </p:nvPicPr>
+            <p:blipFill>
+              <a:blip r:embed="rId51"/>
+              <a:stretch>
+                <a:fillRect/>
+              </a:stretch>
+            </p:blipFill>
+            <p:spPr>
+              <a:xfrm>
+                <a:off x="5370903" y="2397749"/>
+                <a:ext cx="4054320" cy="1207800"/>
+              </a:xfrm>
+              <a:prstGeom prst="rect">
+                <a:avLst/>
+              </a:prstGeom>
+            </p:spPr>
+          </p:pic>
+        </mc:Fallback>
+      </mc:AlternateContent>
+      <mc:AlternateContent xmlns:mc="http://schemas.openxmlformats.org/markup-compatibility/2006">
+        <mc:Choice xmlns:p14="http://schemas.microsoft.com/office/powerpoint/2010/main" Requires="p14">
+          <p:contentPart p14:bwMode="auto" r:id="rId52">
+            <p14:nvContentPartPr>
+              <p14:cNvPr id="46" name="Ink 45">
+                <a:extLst>
+                  <a:ext uri="{FF2B5EF4-FFF2-40B4-BE49-F238E27FC236}">
+                    <a16:creationId xmlns:a16="http://schemas.microsoft.com/office/drawing/2014/main" id="{EF36D1BC-3B08-EAF7-0797-874085F529B6}"/>
+                  </a:ext>
+                </a:extLst>
+              </p14:cNvPr>
+              <p14:cNvContentPartPr/>
+              <p14:nvPr/>
+            </p14:nvContentPartPr>
+            <p14:xfrm>
+              <a:off x="8927703" y="2999669"/>
+              <a:ext cx="515880" cy="648720"/>
+            </p14:xfrm>
+          </p:contentPart>
+        </mc:Choice>
+        <mc:Fallback>
+          <p:pic>
+            <p:nvPicPr>
+              <p:cNvPr id="46" name="Ink 45">
+                <a:extLst>
+                  <a:ext uri="{FF2B5EF4-FFF2-40B4-BE49-F238E27FC236}">
+                    <a16:creationId xmlns:a16="http://schemas.microsoft.com/office/drawing/2014/main" id="{EF36D1BC-3B08-EAF7-0797-874085F529B6}"/>
+                  </a:ext>
+                </a:extLst>
+              </p:cNvPr>
+              <p:cNvPicPr/>
+              <p:nvPr/>
+            </p:nvPicPr>
+            <p:blipFill>
+              <a:blip r:embed="rId53"/>
+              <a:stretch>
+                <a:fillRect/>
+              </a:stretch>
+            </p:blipFill>
+            <p:spPr>
+              <a:xfrm>
+                <a:off x="8919063" y="2990669"/>
+                <a:ext cx="533520" cy="666360"/>
+              </a:xfrm>
+              <a:prstGeom prst="rect">
+                <a:avLst/>
+              </a:prstGeom>
+            </p:spPr>
+          </p:pic>
+        </mc:Fallback>
+      </mc:AlternateContent>
+      <mc:AlternateContent xmlns:mc="http://schemas.openxmlformats.org/markup-compatibility/2006">
+        <mc:Choice xmlns:p14="http://schemas.microsoft.com/office/powerpoint/2010/main" Requires="p14">
+          <p:contentPart p14:bwMode="auto" r:id="rId54">
+            <p14:nvContentPartPr>
+              <p14:cNvPr id="34" name="Ink 33">
+                <a:extLst>
+                  <a:ext uri="{FF2B5EF4-FFF2-40B4-BE49-F238E27FC236}">
+                    <a16:creationId xmlns:a16="http://schemas.microsoft.com/office/drawing/2014/main" id="{23FE5056-003C-1282-07E6-0201095A72BD}"/>
+                  </a:ext>
+                </a:extLst>
+              </p14:cNvPr>
+              <p14:cNvContentPartPr/>
+              <p14:nvPr/>
+            </p14:nvContentPartPr>
+            <p14:xfrm>
+              <a:off x="6674823" y="4549829"/>
+              <a:ext cx="358200" cy="451440"/>
+            </p14:xfrm>
+          </p:contentPart>
+        </mc:Choice>
+        <mc:Fallback>
+          <p:pic>
+            <p:nvPicPr>
+              <p:cNvPr id="34" name="Ink 33">
+                <a:extLst>
+                  <a:ext uri="{FF2B5EF4-FFF2-40B4-BE49-F238E27FC236}">
+                    <a16:creationId xmlns:a16="http://schemas.microsoft.com/office/drawing/2014/main" id="{23FE5056-003C-1282-07E6-0201095A72BD}"/>
+                  </a:ext>
+                </a:extLst>
+              </p:cNvPr>
+              <p:cNvPicPr/>
+              <p:nvPr/>
+            </p:nvPicPr>
+            <p:blipFill>
+              <a:blip r:embed="rId55"/>
+              <a:stretch>
+                <a:fillRect/>
+              </a:stretch>
+            </p:blipFill>
+            <p:spPr>
+              <a:xfrm>
+                <a:off x="6665823" y="4540829"/>
+                <a:ext cx="375840" cy="469080"/>
+              </a:xfrm>
+              <a:prstGeom prst="rect">
+                <a:avLst/>
+              </a:prstGeom>
+            </p:spPr>
+          </p:pic>
+        </mc:Fallback>
+      </mc:AlternateContent>
+      <mc:AlternateContent xmlns:mc="http://schemas.openxmlformats.org/markup-compatibility/2006">
+        <mc:Choice xmlns:p14="http://schemas.microsoft.com/office/powerpoint/2010/main" Requires="p14">
+          <p:contentPart p14:bwMode="auto" r:id="rId56">
+            <p14:nvContentPartPr>
+              <p14:cNvPr id="35" name="Ink 34">
+                <a:extLst>
+                  <a:ext uri="{FF2B5EF4-FFF2-40B4-BE49-F238E27FC236}">
+                    <a16:creationId xmlns:a16="http://schemas.microsoft.com/office/drawing/2014/main" id="{5A06DB22-6EF9-715E-F2EF-D3DFE3CE9335}"/>
+                  </a:ext>
+                </a:extLst>
+              </p14:cNvPr>
+              <p14:cNvContentPartPr/>
+              <p14:nvPr/>
+            </p14:nvContentPartPr>
+            <p14:xfrm>
+              <a:off x="7144983" y="4931789"/>
+              <a:ext cx="19440" cy="36720"/>
+            </p14:xfrm>
+          </p:contentPart>
+        </mc:Choice>
+        <mc:Fallback>
+          <p:pic>
+            <p:nvPicPr>
+              <p:cNvPr id="35" name="Ink 34">
+                <a:extLst>
+                  <a:ext uri="{FF2B5EF4-FFF2-40B4-BE49-F238E27FC236}">
+                    <a16:creationId xmlns:a16="http://schemas.microsoft.com/office/drawing/2014/main" id="{5A06DB22-6EF9-715E-F2EF-D3DFE3CE9335}"/>
+                  </a:ext>
+                </a:extLst>
+              </p:cNvPr>
+              <p:cNvPicPr/>
+              <p:nvPr/>
+            </p:nvPicPr>
+            <p:blipFill>
+              <a:blip r:embed="rId57"/>
+              <a:stretch>
+                <a:fillRect/>
+              </a:stretch>
+            </p:blipFill>
+            <p:spPr>
+              <a:xfrm>
+                <a:off x="7135983" y="4923149"/>
+                <a:ext cx="37080" cy="54360"/>
+              </a:xfrm>
+              <a:prstGeom prst="rect">
+                <a:avLst/>
+              </a:prstGeom>
+            </p:spPr>
+          </p:pic>
+        </mc:Fallback>
+      </mc:AlternateContent>
+      <mc:AlternateContent xmlns:mc="http://schemas.openxmlformats.org/markup-compatibility/2006">
+        <mc:Choice xmlns:p14="http://schemas.microsoft.com/office/powerpoint/2010/main" Requires="p14">
+          <p:contentPart p14:bwMode="auto" r:id="rId58">
+            <p14:nvContentPartPr>
+              <p14:cNvPr id="36" name="Ink 35">
+                <a:extLst>
+                  <a:ext uri="{FF2B5EF4-FFF2-40B4-BE49-F238E27FC236}">
+                    <a16:creationId xmlns:a16="http://schemas.microsoft.com/office/drawing/2014/main" id="{20D52387-BA54-CC05-0860-2F267DFCB873}"/>
+                  </a:ext>
+                </a:extLst>
+              </p14:cNvPr>
+              <p14:cNvContentPartPr/>
+              <p14:nvPr/>
+            </p14:nvContentPartPr>
+            <p14:xfrm>
+              <a:off x="7100703" y="4400789"/>
+              <a:ext cx="141480" cy="611640"/>
+            </p14:xfrm>
+          </p:contentPart>
+        </mc:Choice>
+        <mc:Fallback>
+          <p:pic>
+            <p:nvPicPr>
+              <p:cNvPr id="36" name="Ink 35">
+                <a:extLst>
+                  <a:ext uri="{FF2B5EF4-FFF2-40B4-BE49-F238E27FC236}">
+                    <a16:creationId xmlns:a16="http://schemas.microsoft.com/office/drawing/2014/main" id="{20D52387-BA54-CC05-0860-2F267DFCB873}"/>
+                  </a:ext>
+                </a:extLst>
+              </p:cNvPr>
+              <p:cNvPicPr/>
+              <p:nvPr/>
+            </p:nvPicPr>
+            <p:blipFill>
+              <a:blip r:embed="rId59"/>
+              <a:stretch>
+                <a:fillRect/>
+              </a:stretch>
+            </p:blipFill>
+            <p:spPr>
+              <a:xfrm>
+                <a:off x="7091703" y="4391789"/>
+                <a:ext cx="159120" cy="629280"/>
+              </a:xfrm>
+              <a:prstGeom prst="rect">
+                <a:avLst/>
+              </a:prstGeom>
+            </p:spPr>
+          </p:pic>
+        </mc:Fallback>
+      </mc:AlternateContent>
+      <mc:AlternateContent xmlns:mc="http://schemas.openxmlformats.org/markup-compatibility/2006">
+        <mc:Choice xmlns:p14="http://schemas.microsoft.com/office/powerpoint/2010/main" Requires="p14">
+          <p:contentPart p14:bwMode="auto" r:id="rId60">
+            <p14:nvContentPartPr>
+              <p14:cNvPr id="37" name="Ink 36">
+                <a:extLst>
+                  <a:ext uri="{FF2B5EF4-FFF2-40B4-BE49-F238E27FC236}">
+                    <a16:creationId xmlns:a16="http://schemas.microsoft.com/office/drawing/2014/main" id="{55207A60-4516-752D-8FB4-37E3A584A7AB}"/>
+                  </a:ext>
+                </a:extLst>
+              </p14:cNvPr>
+              <p14:cNvContentPartPr/>
+              <p14:nvPr/>
+            </p14:nvContentPartPr>
+            <p14:xfrm>
+              <a:off x="7369263" y="4714709"/>
+              <a:ext cx="300960" cy="205920"/>
+            </p14:xfrm>
+          </p:contentPart>
+        </mc:Choice>
+        <mc:Fallback>
+          <p:pic>
+            <p:nvPicPr>
+              <p:cNvPr id="37" name="Ink 36">
+                <a:extLst>
+                  <a:ext uri="{FF2B5EF4-FFF2-40B4-BE49-F238E27FC236}">
+                    <a16:creationId xmlns:a16="http://schemas.microsoft.com/office/drawing/2014/main" id="{55207A60-4516-752D-8FB4-37E3A584A7AB}"/>
+                  </a:ext>
+                </a:extLst>
+              </p:cNvPr>
+              <p:cNvPicPr/>
+              <p:nvPr/>
+            </p:nvPicPr>
+            <p:blipFill>
+              <a:blip r:embed="rId61"/>
+              <a:stretch>
+                <a:fillRect/>
+              </a:stretch>
+            </p:blipFill>
+            <p:spPr>
+              <a:xfrm>
+                <a:off x="7360623" y="4706069"/>
+                <a:ext cx="318600" cy="223560"/>
+              </a:xfrm>
+              <a:prstGeom prst="rect">
+                <a:avLst/>
+              </a:prstGeom>
+            </p:spPr>
+          </p:pic>
+        </mc:Fallback>
+      </mc:AlternateContent>
+      <mc:AlternateContent xmlns:mc="http://schemas.openxmlformats.org/markup-compatibility/2006">
+        <mc:Choice xmlns:p14="http://schemas.microsoft.com/office/powerpoint/2010/main" Requires="p14">
+          <p:contentPart p14:bwMode="auto" r:id="rId62">
+            <p14:nvContentPartPr>
+              <p14:cNvPr id="38" name="Ink 37">
+                <a:extLst>
+                  <a:ext uri="{FF2B5EF4-FFF2-40B4-BE49-F238E27FC236}">
+                    <a16:creationId xmlns:a16="http://schemas.microsoft.com/office/drawing/2014/main" id="{02E6BA24-AB7E-CAE6-397C-31C19F94E17E}"/>
+                  </a:ext>
+                </a:extLst>
+              </p14:cNvPr>
+              <p14:cNvContentPartPr/>
+              <p14:nvPr/>
+            </p14:nvContentPartPr>
+            <p14:xfrm>
+              <a:off x="7615143" y="4620749"/>
+              <a:ext cx="134280" cy="279360"/>
+            </p14:xfrm>
+          </p:contentPart>
+        </mc:Choice>
+        <mc:Fallback>
+          <p:pic>
+            <p:nvPicPr>
+              <p:cNvPr id="38" name="Ink 37">
+                <a:extLst>
+                  <a:ext uri="{FF2B5EF4-FFF2-40B4-BE49-F238E27FC236}">
+                    <a16:creationId xmlns:a16="http://schemas.microsoft.com/office/drawing/2014/main" id="{02E6BA24-AB7E-CAE6-397C-31C19F94E17E}"/>
+                  </a:ext>
+                </a:extLst>
+              </p:cNvPr>
+              <p:cNvPicPr/>
+              <p:nvPr/>
+            </p:nvPicPr>
+            <p:blipFill>
+              <a:blip r:embed="rId63"/>
+              <a:stretch>
+                <a:fillRect/>
+              </a:stretch>
+            </p:blipFill>
+            <p:spPr>
+              <a:xfrm>
+                <a:off x="7606503" y="4611749"/>
+                <a:ext cx="151920" cy="297000"/>
+              </a:xfrm>
+              <a:prstGeom prst="rect">
+                <a:avLst/>
+              </a:prstGeom>
+            </p:spPr>
+          </p:pic>
+        </mc:Fallback>
+      </mc:AlternateContent>
+      <mc:AlternateContent xmlns:mc="http://schemas.openxmlformats.org/markup-compatibility/2006">
+        <mc:Choice xmlns:p14="http://schemas.microsoft.com/office/powerpoint/2010/main" Requires="p14">
+          <p:contentPart p14:bwMode="auto" r:id="rId64">
+            <p14:nvContentPartPr>
+              <p14:cNvPr id="39" name="Ink 38">
+                <a:extLst>
+                  <a:ext uri="{FF2B5EF4-FFF2-40B4-BE49-F238E27FC236}">
+                    <a16:creationId xmlns:a16="http://schemas.microsoft.com/office/drawing/2014/main" id="{46E005CA-4B1C-6C77-B228-C0BAF0729C80}"/>
+                  </a:ext>
+                </a:extLst>
+              </p14:cNvPr>
+              <p14:cNvContentPartPr/>
+              <p14:nvPr/>
+            </p14:nvContentPartPr>
+            <p14:xfrm>
+              <a:off x="7719543" y="4647749"/>
+              <a:ext cx="203760" cy="262800"/>
+            </p14:xfrm>
+          </p:contentPart>
+        </mc:Choice>
+        <mc:Fallback>
+          <p:pic>
+            <p:nvPicPr>
+              <p:cNvPr id="39" name="Ink 38">
+                <a:extLst>
+                  <a:ext uri="{FF2B5EF4-FFF2-40B4-BE49-F238E27FC236}">
+                    <a16:creationId xmlns:a16="http://schemas.microsoft.com/office/drawing/2014/main" id="{46E005CA-4B1C-6C77-B228-C0BAF0729C80}"/>
+                  </a:ext>
+                </a:extLst>
+              </p:cNvPr>
+              <p:cNvPicPr/>
+              <p:nvPr/>
+            </p:nvPicPr>
+            <p:blipFill>
+              <a:blip r:embed="rId65"/>
+              <a:stretch>
+                <a:fillRect/>
+              </a:stretch>
+            </p:blipFill>
+            <p:spPr>
+              <a:xfrm>
+                <a:off x="7710543" y="4638749"/>
+                <a:ext cx="221400" cy="280440"/>
+              </a:xfrm>
+              <a:prstGeom prst="rect">
+                <a:avLst/>
+              </a:prstGeom>
+            </p:spPr>
+          </p:pic>
+        </mc:Fallback>
+      </mc:AlternateContent>
+      <mc:AlternateContent xmlns:mc="http://schemas.openxmlformats.org/markup-compatibility/2006">
+        <mc:Choice xmlns:p14="http://schemas.microsoft.com/office/powerpoint/2010/main" Requires="p14">
+          <p:contentPart p14:bwMode="auto" r:id="rId66">
+            <p14:nvContentPartPr>
+              <p14:cNvPr id="40" name="Ink 39">
+                <a:extLst>
+                  <a:ext uri="{FF2B5EF4-FFF2-40B4-BE49-F238E27FC236}">
+                    <a16:creationId xmlns:a16="http://schemas.microsoft.com/office/drawing/2014/main" id="{F6D1FF50-82E5-1A03-8B8E-2EA1972F3160}"/>
+                  </a:ext>
+                </a:extLst>
+              </p14:cNvPr>
+              <p14:cNvContentPartPr/>
+              <p14:nvPr/>
+            </p14:nvContentPartPr>
+            <p14:xfrm>
+              <a:off x="8043183" y="4443989"/>
+              <a:ext cx="25560" cy="571320"/>
+            </p14:xfrm>
+          </p:contentPart>
+        </mc:Choice>
+        <mc:Fallback>
+          <p:pic>
+            <p:nvPicPr>
+              <p:cNvPr id="40" name="Ink 39">
+                <a:extLst>
+                  <a:ext uri="{FF2B5EF4-FFF2-40B4-BE49-F238E27FC236}">
+                    <a16:creationId xmlns:a16="http://schemas.microsoft.com/office/drawing/2014/main" id="{F6D1FF50-82E5-1A03-8B8E-2EA1972F3160}"/>
+                  </a:ext>
+                </a:extLst>
+              </p:cNvPr>
+              <p:cNvPicPr/>
+              <p:nvPr/>
+            </p:nvPicPr>
+            <p:blipFill>
+              <a:blip r:embed="rId67"/>
+              <a:stretch>
+                <a:fillRect/>
+              </a:stretch>
+            </p:blipFill>
+            <p:spPr>
+              <a:xfrm>
+                <a:off x="8034183" y="4435349"/>
+                <a:ext cx="43200" cy="588960"/>
+              </a:xfrm>
+              <a:prstGeom prst="rect">
+                <a:avLst/>
+              </a:prstGeom>
+            </p:spPr>
+          </p:pic>
+        </mc:Fallback>
+      </mc:AlternateContent>
+      <mc:AlternateContent xmlns:mc="http://schemas.openxmlformats.org/markup-compatibility/2006">
+        <mc:Choice xmlns:p14="http://schemas.microsoft.com/office/powerpoint/2010/main" Requires="p14">
+          <p:contentPart p14:bwMode="auto" r:id="rId68">
+            <p14:nvContentPartPr>
+              <p14:cNvPr id="41" name="Ink 40">
+                <a:extLst>
+                  <a:ext uri="{FF2B5EF4-FFF2-40B4-BE49-F238E27FC236}">
+                    <a16:creationId xmlns:a16="http://schemas.microsoft.com/office/drawing/2014/main" id="{4CC603F2-8BDE-37E7-1C44-9DC6DE875285}"/>
+                  </a:ext>
+                </a:extLst>
+              </p14:cNvPr>
+              <p14:cNvContentPartPr/>
+              <p14:nvPr/>
+            </p14:nvContentPartPr>
+            <p14:xfrm>
+              <a:off x="8024823" y="4350749"/>
+              <a:ext cx="361440" cy="645480"/>
+            </p14:xfrm>
+          </p:contentPart>
+        </mc:Choice>
+        <mc:Fallback>
+          <p:pic>
+            <p:nvPicPr>
+              <p:cNvPr id="41" name="Ink 40">
+                <a:extLst>
+                  <a:ext uri="{FF2B5EF4-FFF2-40B4-BE49-F238E27FC236}">
+                    <a16:creationId xmlns:a16="http://schemas.microsoft.com/office/drawing/2014/main" id="{4CC603F2-8BDE-37E7-1C44-9DC6DE875285}"/>
+                  </a:ext>
+                </a:extLst>
+              </p:cNvPr>
+              <p:cNvPicPr/>
+              <p:nvPr/>
+            </p:nvPicPr>
+            <p:blipFill>
+              <a:blip r:embed="rId69"/>
+              <a:stretch>
+                <a:fillRect/>
+              </a:stretch>
+            </p:blipFill>
+            <p:spPr>
+              <a:xfrm>
+                <a:off x="8015823" y="4342109"/>
+                <a:ext cx="379080" cy="663120"/>
+              </a:xfrm>
+              <a:prstGeom prst="rect">
+                <a:avLst/>
+              </a:prstGeom>
+            </p:spPr>
+          </p:pic>
+        </mc:Fallback>
+      </mc:AlternateContent>
+      <p:grpSp>
+        <p:nvGrpSpPr>
+          <p:cNvPr id="64" name="Group 63">
+            <a:extLst>
+              <a:ext uri="{FF2B5EF4-FFF2-40B4-BE49-F238E27FC236}">
+                <a16:creationId xmlns:a16="http://schemas.microsoft.com/office/drawing/2014/main" id="{9045CB7A-E9C0-C896-5C94-B7DA1853284F}"/>
+              </a:ext>
+            </a:extLst>
+          </p:cNvPr>
+          <p:cNvGrpSpPr/>
+          <p:nvPr/>
+        </p:nvGrpSpPr>
+        <p:grpSpPr>
+          <a:xfrm>
+            <a:off x="8621343" y="4029989"/>
+            <a:ext cx="2582640" cy="835560"/>
+            <a:chOff x="8621343" y="4029989"/>
+            <a:chExt cx="2582640" cy="835560"/>
+          </a:xfrm>
+        </p:grpSpPr>
+        <mc:AlternateContent xmlns:mc="http://schemas.openxmlformats.org/markup-compatibility/2006">
+          <mc:Choice xmlns:p14="http://schemas.microsoft.com/office/powerpoint/2010/main" Requires="p14">
+            <p:contentPart p14:bwMode="auto" r:id="rId70">
+              <p14:nvContentPartPr>
+                <p14:cNvPr id="43" name="Ink 42">
+                  <a:extLst>
+                    <a:ext uri="{FF2B5EF4-FFF2-40B4-BE49-F238E27FC236}">
+                      <a16:creationId xmlns:a16="http://schemas.microsoft.com/office/drawing/2014/main" id="{98525DA5-0058-DE61-7A67-BC5EB2D3B377}"/>
+                    </a:ext>
+                  </a:extLst>
+                </p14:cNvPr>
+                <p14:cNvContentPartPr/>
+                <p14:nvPr/>
+              </p14:nvContentPartPr>
+              <p14:xfrm>
+                <a:off x="8621343" y="4242749"/>
+                <a:ext cx="239040" cy="622800"/>
+              </p14:xfrm>
+            </p:contentPart>
+          </mc:Choice>
+          <mc:Fallback>
+            <p:pic>
+              <p:nvPicPr>
+                <p:cNvPr id="43" name="Ink 42">
+                  <a:extLst>
+                    <a:ext uri="{FF2B5EF4-FFF2-40B4-BE49-F238E27FC236}">
+                      <a16:creationId xmlns:a16="http://schemas.microsoft.com/office/drawing/2014/main" id="{98525DA5-0058-DE61-7A67-BC5EB2D3B377}"/>
+                    </a:ext>
+                  </a:extLst>
+                </p:cNvPr>
+                <p:cNvPicPr/>
+                <p:nvPr/>
+              </p:nvPicPr>
+              <p:blipFill>
+                <a:blip r:embed="rId71"/>
+                <a:stretch>
+                  <a:fillRect/>
+                </a:stretch>
+              </p:blipFill>
+              <p:spPr>
+                <a:xfrm>
+                  <a:off x="8612703" y="4233749"/>
+                  <a:ext cx="256680" cy="640440"/>
+                </a:xfrm>
+                <a:prstGeom prst="rect">
+                  <a:avLst/>
+                </a:prstGeom>
+              </p:spPr>
+            </p:pic>
+          </mc:Fallback>
+        </mc:AlternateContent>
+        <mc:AlternateContent xmlns:mc="http://schemas.openxmlformats.org/markup-compatibility/2006">
+          <mc:Choice xmlns:p14="http://schemas.microsoft.com/office/powerpoint/2010/main" Requires="p14">
+            <p:contentPart p14:bwMode="auto" r:id="rId72">
+              <p14:nvContentPartPr>
+                <p14:cNvPr id="44" name="Ink 43">
+                  <a:extLst>
+                    <a:ext uri="{FF2B5EF4-FFF2-40B4-BE49-F238E27FC236}">
+                      <a16:creationId xmlns:a16="http://schemas.microsoft.com/office/drawing/2014/main" id="{1062F759-9DD3-3756-99B6-D5D3D4127DC7}"/>
+                    </a:ext>
+                  </a:extLst>
+                </p14:cNvPr>
+                <p14:cNvContentPartPr/>
+                <p14:nvPr/>
+              </p14:nvContentPartPr>
+              <p14:xfrm>
+                <a:off x="10911303" y="4029989"/>
+                <a:ext cx="292680" cy="781200"/>
+              </p14:xfrm>
+            </p:contentPart>
+          </mc:Choice>
+          <mc:Fallback>
+            <p:pic>
+              <p:nvPicPr>
+                <p:cNvPr id="44" name="Ink 43">
+                  <a:extLst>
+                    <a:ext uri="{FF2B5EF4-FFF2-40B4-BE49-F238E27FC236}">
+                      <a16:creationId xmlns:a16="http://schemas.microsoft.com/office/drawing/2014/main" id="{1062F759-9DD3-3756-99B6-D5D3D4127DC7}"/>
+                    </a:ext>
+                  </a:extLst>
+                </p:cNvPr>
+                <p:cNvPicPr/>
+                <p:nvPr/>
+              </p:nvPicPr>
+              <p:blipFill>
+                <a:blip r:embed="rId73"/>
+                <a:stretch>
+                  <a:fillRect/>
+                </a:stretch>
+              </p:blipFill>
+              <p:spPr>
+                <a:xfrm>
+                  <a:off x="10902303" y="4020989"/>
+                  <a:ext cx="310320" cy="798840"/>
+                </a:xfrm>
+                <a:prstGeom prst="rect">
+                  <a:avLst/>
+                </a:prstGeom>
+              </p:spPr>
+            </p:pic>
+          </mc:Fallback>
+        </mc:AlternateContent>
+        <mc:AlternateContent xmlns:mc="http://schemas.openxmlformats.org/markup-compatibility/2006">
+          <mc:Choice xmlns:p14="http://schemas.microsoft.com/office/powerpoint/2010/main" Requires="p14">
+            <p:contentPart p14:bwMode="auto" r:id="rId74">
+              <p14:nvContentPartPr>
+                <p14:cNvPr id="48" name="Ink 47">
+                  <a:extLst>
+                    <a:ext uri="{FF2B5EF4-FFF2-40B4-BE49-F238E27FC236}">
+                      <a16:creationId xmlns:a16="http://schemas.microsoft.com/office/drawing/2014/main" id="{E222A985-8065-7678-7F45-F35389D3FEB2}"/>
+                    </a:ext>
+                  </a:extLst>
+                </p14:cNvPr>
+                <p14:cNvContentPartPr/>
+                <p14:nvPr/>
+              </p14:nvContentPartPr>
+              <p14:xfrm>
+                <a:off x="9006903" y="4408709"/>
+                <a:ext cx="38880" cy="274320"/>
+              </p14:xfrm>
+            </p:contentPart>
+          </mc:Choice>
+          <mc:Fallback>
+            <p:pic>
+              <p:nvPicPr>
+                <p:cNvPr id="48" name="Ink 47">
+                  <a:extLst>
+                    <a:ext uri="{FF2B5EF4-FFF2-40B4-BE49-F238E27FC236}">
+                      <a16:creationId xmlns:a16="http://schemas.microsoft.com/office/drawing/2014/main" id="{E222A985-8065-7678-7F45-F35389D3FEB2}"/>
+                    </a:ext>
+                  </a:extLst>
+                </p:cNvPr>
+                <p:cNvPicPr/>
+                <p:nvPr/>
+              </p:nvPicPr>
+              <p:blipFill>
+                <a:blip r:embed="rId75"/>
+                <a:stretch>
+                  <a:fillRect/>
+                </a:stretch>
+              </p:blipFill>
+              <p:spPr>
+                <a:xfrm>
+                  <a:off x="8998263" y="4400069"/>
+                  <a:ext cx="56520" cy="291960"/>
+                </a:xfrm>
+                <a:prstGeom prst="rect">
+                  <a:avLst/>
+                </a:prstGeom>
+              </p:spPr>
+            </p:pic>
+          </mc:Fallback>
+        </mc:AlternateContent>
+        <mc:AlternateContent xmlns:mc="http://schemas.openxmlformats.org/markup-compatibility/2006">
+          <mc:Choice xmlns:p14="http://schemas.microsoft.com/office/powerpoint/2010/main" Requires="p14">
+            <p:contentPart p14:bwMode="auto" r:id="rId76">
+              <p14:nvContentPartPr>
+                <p14:cNvPr id="49" name="Ink 48">
+                  <a:extLst>
+                    <a:ext uri="{FF2B5EF4-FFF2-40B4-BE49-F238E27FC236}">
+                      <a16:creationId xmlns:a16="http://schemas.microsoft.com/office/drawing/2014/main" id="{757B54FE-0A69-FAB5-5825-204173927FA3}"/>
+                    </a:ext>
+                  </a:extLst>
+                </p14:cNvPr>
+                <p14:cNvContentPartPr/>
+                <p14:nvPr/>
+              </p14:nvContentPartPr>
+              <p14:xfrm>
+                <a:off x="8757063" y="4372349"/>
+                <a:ext cx="337320" cy="68040"/>
+              </p14:xfrm>
+            </p:contentPart>
+          </mc:Choice>
+          <mc:Fallback>
+            <p:pic>
+              <p:nvPicPr>
+                <p:cNvPr id="49" name="Ink 48">
+                  <a:extLst>
+                    <a:ext uri="{FF2B5EF4-FFF2-40B4-BE49-F238E27FC236}">
+                      <a16:creationId xmlns:a16="http://schemas.microsoft.com/office/drawing/2014/main" id="{757B54FE-0A69-FAB5-5825-204173927FA3}"/>
+                    </a:ext>
+                  </a:extLst>
+                </p:cNvPr>
+                <p:cNvPicPr/>
+                <p:nvPr/>
+              </p:nvPicPr>
+              <p:blipFill>
+                <a:blip r:embed="rId77"/>
+                <a:stretch>
+                  <a:fillRect/>
+                </a:stretch>
+              </p:blipFill>
+              <p:spPr>
+                <a:xfrm>
+                  <a:off x="8748063" y="4363349"/>
+                  <a:ext cx="354960" cy="85680"/>
+                </a:xfrm>
+                <a:prstGeom prst="rect">
+                  <a:avLst/>
+                </a:prstGeom>
+              </p:spPr>
+            </p:pic>
+          </mc:Fallback>
+        </mc:AlternateContent>
+        <mc:AlternateContent xmlns:mc="http://schemas.openxmlformats.org/markup-compatibility/2006">
+          <mc:Choice xmlns:p14="http://schemas.microsoft.com/office/powerpoint/2010/main" Requires="p14">
+            <p:contentPart p14:bwMode="auto" r:id="rId78">
+              <p14:nvContentPartPr>
+                <p14:cNvPr id="51" name="Ink 50">
+                  <a:extLst>
+                    <a:ext uri="{FF2B5EF4-FFF2-40B4-BE49-F238E27FC236}">
+                      <a16:creationId xmlns:a16="http://schemas.microsoft.com/office/drawing/2014/main" id="{77F0972B-DC9C-A1C1-6D5E-D30EEB179520}"/>
+                    </a:ext>
+                  </a:extLst>
+                </p14:cNvPr>
+                <p14:cNvContentPartPr/>
+                <p14:nvPr/>
+              </p14:nvContentPartPr>
+              <p14:xfrm>
+                <a:off x="8854263" y="4658549"/>
+                <a:ext cx="323640" cy="111600"/>
+              </p14:xfrm>
+            </p:contentPart>
+          </mc:Choice>
+          <mc:Fallback>
+            <p:pic>
+              <p:nvPicPr>
+                <p:cNvPr id="51" name="Ink 50">
+                  <a:extLst>
+                    <a:ext uri="{FF2B5EF4-FFF2-40B4-BE49-F238E27FC236}">
+                      <a16:creationId xmlns:a16="http://schemas.microsoft.com/office/drawing/2014/main" id="{77F0972B-DC9C-A1C1-6D5E-D30EEB179520}"/>
+                    </a:ext>
+                  </a:extLst>
+                </p:cNvPr>
+                <p:cNvPicPr/>
+                <p:nvPr/>
+              </p:nvPicPr>
+              <p:blipFill>
+                <a:blip r:embed="rId79"/>
+                <a:stretch>
+                  <a:fillRect/>
+                </a:stretch>
+              </p:blipFill>
+              <p:spPr>
+                <a:xfrm>
+                  <a:off x="8845263" y="4649549"/>
+                  <a:ext cx="341280" cy="129240"/>
+                </a:xfrm>
+                <a:prstGeom prst="rect">
+                  <a:avLst/>
+                </a:prstGeom>
+              </p:spPr>
+            </p:pic>
+          </mc:Fallback>
+        </mc:AlternateContent>
+        <mc:AlternateContent xmlns:mc="http://schemas.openxmlformats.org/markup-compatibility/2006">
+          <mc:Choice xmlns:p14="http://schemas.microsoft.com/office/powerpoint/2010/main" Requires="p14">
+            <p:contentPart p14:bwMode="auto" r:id="rId80">
+              <p14:nvContentPartPr>
+                <p14:cNvPr id="53" name="Ink 52">
+                  <a:extLst>
+                    <a:ext uri="{FF2B5EF4-FFF2-40B4-BE49-F238E27FC236}">
+                      <a16:creationId xmlns:a16="http://schemas.microsoft.com/office/drawing/2014/main" id="{6F746DF3-644C-290A-E43E-A8928E296EFE}"/>
+                    </a:ext>
+                  </a:extLst>
+                </p14:cNvPr>
+                <p14:cNvContentPartPr/>
+                <p14:nvPr/>
+              </p14:nvContentPartPr>
+              <p14:xfrm>
+                <a:off x="9222183" y="4417709"/>
+                <a:ext cx="156600" cy="225000"/>
+              </p14:xfrm>
+            </p:contentPart>
+          </mc:Choice>
+          <mc:Fallback>
+            <p:pic>
+              <p:nvPicPr>
+                <p:cNvPr id="53" name="Ink 52">
+                  <a:extLst>
+                    <a:ext uri="{FF2B5EF4-FFF2-40B4-BE49-F238E27FC236}">
+                      <a16:creationId xmlns:a16="http://schemas.microsoft.com/office/drawing/2014/main" id="{6F746DF3-644C-290A-E43E-A8928E296EFE}"/>
+                    </a:ext>
+                  </a:extLst>
+                </p:cNvPr>
+                <p:cNvPicPr/>
+                <p:nvPr/>
+              </p:nvPicPr>
+              <p:blipFill>
+                <a:blip r:embed="rId81"/>
+                <a:stretch>
+                  <a:fillRect/>
+                </a:stretch>
+              </p:blipFill>
+              <p:spPr>
+                <a:xfrm>
+                  <a:off x="9213183" y="4408709"/>
+                  <a:ext cx="174240" cy="242640"/>
+                </a:xfrm>
+                <a:prstGeom prst="rect">
+                  <a:avLst/>
+                </a:prstGeom>
+              </p:spPr>
+            </p:pic>
+          </mc:Fallback>
+        </mc:AlternateContent>
+        <mc:AlternateContent xmlns:mc="http://schemas.openxmlformats.org/markup-compatibility/2006">
+          <mc:Choice xmlns:p14="http://schemas.microsoft.com/office/powerpoint/2010/main" Requires="p14">
+            <p:contentPart p14:bwMode="auto" r:id="rId82">
+              <p14:nvContentPartPr>
+                <p14:cNvPr id="54" name="Ink 53">
+                  <a:extLst>
+                    <a:ext uri="{FF2B5EF4-FFF2-40B4-BE49-F238E27FC236}">
+                      <a16:creationId xmlns:a16="http://schemas.microsoft.com/office/drawing/2014/main" id="{314A6D48-47AE-A421-5817-826F57DFAEE2}"/>
+                    </a:ext>
+                  </a:extLst>
+                </p14:cNvPr>
+                <p14:cNvContentPartPr/>
+                <p14:nvPr/>
+              </p14:nvContentPartPr>
+              <p14:xfrm>
+                <a:off x="9457263" y="4277669"/>
+                <a:ext cx="86400" cy="387360"/>
+              </p14:xfrm>
+            </p:contentPart>
+          </mc:Choice>
+          <mc:Fallback>
+            <p:pic>
+              <p:nvPicPr>
+                <p:cNvPr id="54" name="Ink 53">
+                  <a:extLst>
+                    <a:ext uri="{FF2B5EF4-FFF2-40B4-BE49-F238E27FC236}">
+                      <a16:creationId xmlns:a16="http://schemas.microsoft.com/office/drawing/2014/main" id="{314A6D48-47AE-A421-5817-826F57DFAEE2}"/>
+                    </a:ext>
+                  </a:extLst>
+                </p:cNvPr>
+                <p:cNvPicPr/>
+                <p:nvPr/>
+              </p:nvPicPr>
+              <p:blipFill>
+                <a:blip r:embed="rId83"/>
+                <a:stretch>
+                  <a:fillRect/>
+                </a:stretch>
+              </p:blipFill>
+              <p:spPr>
+                <a:xfrm>
+                  <a:off x="9448623" y="4269029"/>
+                  <a:ext cx="104040" cy="405000"/>
+                </a:xfrm>
+                <a:prstGeom prst="rect">
+                  <a:avLst/>
+                </a:prstGeom>
+              </p:spPr>
+            </p:pic>
+          </mc:Fallback>
+        </mc:AlternateContent>
+        <mc:AlternateContent xmlns:mc="http://schemas.openxmlformats.org/markup-compatibility/2006">
+          <mc:Choice xmlns:p14="http://schemas.microsoft.com/office/powerpoint/2010/main" Requires="p14">
+            <p:contentPart p14:bwMode="auto" r:id="rId84">
+              <p14:nvContentPartPr>
+                <p14:cNvPr id="55" name="Ink 54">
+                  <a:extLst>
+                    <a:ext uri="{FF2B5EF4-FFF2-40B4-BE49-F238E27FC236}">
+                      <a16:creationId xmlns:a16="http://schemas.microsoft.com/office/drawing/2014/main" id="{3F209986-B0CB-1D88-4302-2A4A30DCCE38}"/>
+                    </a:ext>
+                  </a:extLst>
+                </p14:cNvPr>
+                <p14:cNvContentPartPr/>
+                <p14:nvPr/>
+              </p14:nvContentPartPr>
+              <p14:xfrm>
+                <a:off x="9595863" y="4513109"/>
+                <a:ext cx="163440" cy="125280"/>
+              </p14:xfrm>
+            </p:contentPart>
+          </mc:Choice>
+          <mc:Fallback>
+            <p:pic>
+              <p:nvPicPr>
+                <p:cNvPr id="55" name="Ink 54">
+                  <a:extLst>
+                    <a:ext uri="{FF2B5EF4-FFF2-40B4-BE49-F238E27FC236}">
+                      <a16:creationId xmlns:a16="http://schemas.microsoft.com/office/drawing/2014/main" id="{3F209986-B0CB-1D88-4302-2A4A30DCCE38}"/>
+                    </a:ext>
+                  </a:extLst>
+                </p:cNvPr>
+                <p:cNvPicPr/>
+                <p:nvPr/>
+              </p:nvPicPr>
+              <p:blipFill>
+                <a:blip r:embed="rId85"/>
+                <a:stretch>
+                  <a:fillRect/>
+                </a:stretch>
+              </p:blipFill>
+              <p:spPr>
+                <a:xfrm>
+                  <a:off x="9586863" y="4504469"/>
+                  <a:ext cx="181080" cy="142920"/>
+                </a:xfrm>
+                <a:prstGeom prst="rect">
+                  <a:avLst/>
+                </a:prstGeom>
+              </p:spPr>
+            </p:pic>
+          </mc:Fallback>
+        </mc:AlternateContent>
+        <mc:AlternateContent xmlns:mc="http://schemas.openxmlformats.org/markup-compatibility/2006">
+          <mc:Choice xmlns:p14="http://schemas.microsoft.com/office/powerpoint/2010/main" Requires="p14">
+            <p:contentPart p14:bwMode="auto" r:id="rId86">
+              <p14:nvContentPartPr>
+                <p14:cNvPr id="56" name="Ink 55">
+                  <a:extLst>
+                    <a:ext uri="{FF2B5EF4-FFF2-40B4-BE49-F238E27FC236}">
+                      <a16:creationId xmlns:a16="http://schemas.microsoft.com/office/drawing/2014/main" id="{5ECE8670-69CA-5338-CB02-2971BEDA5E53}"/>
+                    </a:ext>
+                  </a:extLst>
+                </p14:cNvPr>
+                <p14:cNvContentPartPr/>
+                <p14:nvPr/>
+              </p14:nvContentPartPr>
+              <p14:xfrm>
+                <a:off x="9754983" y="4415549"/>
+                <a:ext cx="129600" cy="280080"/>
+              </p14:xfrm>
+            </p:contentPart>
+          </mc:Choice>
+          <mc:Fallback>
+            <p:pic>
+              <p:nvPicPr>
+                <p:cNvPr id="56" name="Ink 55">
+                  <a:extLst>
+                    <a:ext uri="{FF2B5EF4-FFF2-40B4-BE49-F238E27FC236}">
+                      <a16:creationId xmlns:a16="http://schemas.microsoft.com/office/drawing/2014/main" id="{5ECE8670-69CA-5338-CB02-2971BEDA5E53}"/>
+                    </a:ext>
+                  </a:extLst>
+                </p:cNvPr>
+                <p:cNvPicPr/>
+                <p:nvPr/>
+              </p:nvPicPr>
+              <p:blipFill>
+                <a:blip r:embed="rId87"/>
+                <a:stretch>
+                  <a:fillRect/>
+                </a:stretch>
+              </p:blipFill>
+              <p:spPr>
+                <a:xfrm>
+                  <a:off x="9746343" y="4406909"/>
+                  <a:ext cx="147240" cy="297720"/>
+                </a:xfrm>
+                <a:prstGeom prst="rect">
+                  <a:avLst/>
+                </a:prstGeom>
+              </p:spPr>
+            </p:pic>
+          </mc:Fallback>
+        </mc:AlternateContent>
+        <mc:AlternateContent xmlns:mc="http://schemas.openxmlformats.org/markup-compatibility/2006">
+          <mc:Choice xmlns:p14="http://schemas.microsoft.com/office/powerpoint/2010/main" Requires="p14">
+            <p:contentPart p14:bwMode="auto" r:id="rId88">
+              <p14:nvContentPartPr>
+                <p14:cNvPr id="57" name="Ink 56">
+                  <a:extLst>
+                    <a:ext uri="{FF2B5EF4-FFF2-40B4-BE49-F238E27FC236}">
+                      <a16:creationId xmlns:a16="http://schemas.microsoft.com/office/drawing/2014/main" id="{FB38D28A-E683-3321-2724-C7DD73370394}"/>
+                    </a:ext>
+                  </a:extLst>
+                </p14:cNvPr>
+                <p14:cNvContentPartPr/>
+                <p14:nvPr/>
+              </p14:nvContentPartPr>
+              <p14:xfrm>
+                <a:off x="9927423" y="4378469"/>
+                <a:ext cx="66600" cy="252000"/>
+              </p14:xfrm>
+            </p:contentPart>
+          </mc:Choice>
+          <mc:Fallback>
+            <p:pic>
+              <p:nvPicPr>
+                <p:cNvPr id="57" name="Ink 56">
+                  <a:extLst>
+                    <a:ext uri="{FF2B5EF4-FFF2-40B4-BE49-F238E27FC236}">
+                      <a16:creationId xmlns:a16="http://schemas.microsoft.com/office/drawing/2014/main" id="{FB38D28A-E683-3321-2724-C7DD73370394}"/>
+                    </a:ext>
+                  </a:extLst>
+                </p:cNvPr>
+                <p:cNvPicPr/>
+                <p:nvPr/>
+              </p:nvPicPr>
+              <p:blipFill>
+                <a:blip r:embed="rId89"/>
+                <a:stretch>
+                  <a:fillRect/>
+                </a:stretch>
+              </p:blipFill>
+              <p:spPr>
+                <a:xfrm>
+                  <a:off x="9918783" y="4369469"/>
+                  <a:ext cx="84240" cy="269640"/>
+                </a:xfrm>
+                <a:prstGeom prst="rect">
+                  <a:avLst/>
+                </a:prstGeom>
+              </p:spPr>
+            </p:pic>
+          </mc:Fallback>
+        </mc:AlternateContent>
+        <mc:AlternateContent xmlns:mc="http://schemas.openxmlformats.org/markup-compatibility/2006">
+          <mc:Choice xmlns:p14="http://schemas.microsoft.com/office/powerpoint/2010/main" Requires="p14">
+            <p:contentPart p14:bwMode="auto" r:id="rId90">
+              <p14:nvContentPartPr>
+                <p14:cNvPr id="58" name="Ink 57">
+                  <a:extLst>
+                    <a:ext uri="{FF2B5EF4-FFF2-40B4-BE49-F238E27FC236}">
+                      <a16:creationId xmlns:a16="http://schemas.microsoft.com/office/drawing/2014/main" id="{27C3FB81-94C4-B0FE-4F4C-7ED9D7A6E1ED}"/>
+                    </a:ext>
+                  </a:extLst>
+                </p14:cNvPr>
+                <p14:cNvContentPartPr/>
+                <p14:nvPr/>
+              </p14:nvContentPartPr>
+              <p14:xfrm>
+                <a:off x="10236303" y="4032509"/>
+                <a:ext cx="376560" cy="727560"/>
+              </p14:xfrm>
+            </p:contentPart>
+          </mc:Choice>
+          <mc:Fallback>
+            <p:pic>
+              <p:nvPicPr>
+                <p:cNvPr id="58" name="Ink 57">
+                  <a:extLst>
+                    <a:ext uri="{FF2B5EF4-FFF2-40B4-BE49-F238E27FC236}">
+                      <a16:creationId xmlns:a16="http://schemas.microsoft.com/office/drawing/2014/main" id="{27C3FB81-94C4-B0FE-4F4C-7ED9D7A6E1ED}"/>
+                    </a:ext>
+                  </a:extLst>
+                </p:cNvPr>
+                <p:cNvPicPr/>
+                <p:nvPr/>
+              </p:nvPicPr>
+              <p:blipFill>
+                <a:blip r:embed="rId91"/>
+                <a:stretch>
+                  <a:fillRect/>
+                </a:stretch>
+              </p:blipFill>
+              <p:spPr>
+                <a:xfrm>
+                  <a:off x="10227303" y="4023869"/>
+                  <a:ext cx="394200" cy="745200"/>
+                </a:xfrm>
+                <a:prstGeom prst="rect">
+                  <a:avLst/>
+                </a:prstGeom>
+              </p:spPr>
+            </p:pic>
+          </mc:Fallback>
+        </mc:AlternateContent>
+        <mc:AlternateContent xmlns:mc="http://schemas.openxmlformats.org/markup-compatibility/2006">
+          <mc:Choice xmlns:p14="http://schemas.microsoft.com/office/powerpoint/2010/main" Requires="p14">
+            <p:contentPart p14:bwMode="auto" r:id="rId92">
+              <p14:nvContentPartPr>
+                <p14:cNvPr id="59" name="Ink 58">
+                  <a:extLst>
+                    <a:ext uri="{FF2B5EF4-FFF2-40B4-BE49-F238E27FC236}">
+                      <a16:creationId xmlns:a16="http://schemas.microsoft.com/office/drawing/2014/main" id="{692BF50C-D77D-DE3C-84BC-3A888791277F}"/>
+                    </a:ext>
+                  </a:extLst>
+                </p14:cNvPr>
+                <p14:cNvContentPartPr/>
+                <p14:nvPr/>
+              </p14:nvContentPartPr>
+              <p14:xfrm>
+                <a:off x="10309383" y="4370909"/>
+                <a:ext cx="132480" cy="58320"/>
+              </p14:xfrm>
+            </p:contentPart>
+          </mc:Choice>
+          <mc:Fallback>
+            <p:pic>
+              <p:nvPicPr>
+                <p:cNvPr id="59" name="Ink 58">
+                  <a:extLst>
+                    <a:ext uri="{FF2B5EF4-FFF2-40B4-BE49-F238E27FC236}">
+                      <a16:creationId xmlns:a16="http://schemas.microsoft.com/office/drawing/2014/main" id="{692BF50C-D77D-DE3C-84BC-3A888791277F}"/>
+                    </a:ext>
+                  </a:extLst>
+                </p:cNvPr>
+                <p:cNvPicPr/>
+                <p:nvPr/>
+              </p:nvPicPr>
+              <p:blipFill>
+                <a:blip r:embed="rId93"/>
+                <a:stretch>
+                  <a:fillRect/>
+                </a:stretch>
+              </p:blipFill>
+              <p:spPr>
+                <a:xfrm>
+                  <a:off x="10300743" y="4362269"/>
+                  <a:ext cx="150120" cy="75960"/>
+                </a:xfrm>
+                <a:prstGeom prst="rect">
+                  <a:avLst/>
+                </a:prstGeom>
+              </p:spPr>
+            </p:pic>
+          </mc:Fallback>
+        </mc:AlternateContent>
+        <mc:AlternateContent xmlns:mc="http://schemas.openxmlformats.org/markup-compatibility/2006">
+          <mc:Choice xmlns:p14="http://schemas.microsoft.com/office/powerpoint/2010/main" Requires="p14">
+            <p:contentPart p14:bwMode="auto" r:id="rId94">
+              <p14:nvContentPartPr>
+                <p14:cNvPr id="60" name="Ink 59">
+                  <a:extLst>
+                    <a:ext uri="{FF2B5EF4-FFF2-40B4-BE49-F238E27FC236}">
+                      <a16:creationId xmlns:a16="http://schemas.microsoft.com/office/drawing/2014/main" id="{E1F6264B-A997-2C7C-FC3F-BE3A2E2F6857}"/>
+                    </a:ext>
+                  </a:extLst>
+                </p14:cNvPr>
+                <p14:cNvContentPartPr/>
+                <p14:nvPr/>
+              </p14:nvContentPartPr>
+              <p14:xfrm>
+                <a:off x="10846503" y="4402949"/>
+                <a:ext cx="156600" cy="233280"/>
+              </p14:xfrm>
+            </p:contentPart>
+          </mc:Choice>
+          <mc:Fallback>
+            <p:pic>
+              <p:nvPicPr>
+                <p:cNvPr id="60" name="Ink 59">
+                  <a:extLst>
+                    <a:ext uri="{FF2B5EF4-FFF2-40B4-BE49-F238E27FC236}">
+                      <a16:creationId xmlns:a16="http://schemas.microsoft.com/office/drawing/2014/main" id="{E1F6264B-A997-2C7C-FC3F-BE3A2E2F6857}"/>
+                    </a:ext>
+                  </a:extLst>
+                </p:cNvPr>
+                <p:cNvPicPr/>
+                <p:nvPr/>
+              </p:nvPicPr>
+              <p:blipFill>
+                <a:blip r:embed="rId95"/>
+                <a:stretch>
+                  <a:fillRect/>
+                </a:stretch>
+              </p:blipFill>
+              <p:spPr>
+                <a:xfrm>
+                  <a:off x="10837503" y="4394309"/>
+                  <a:ext cx="174240" cy="250920"/>
+                </a:xfrm>
+                <a:prstGeom prst="rect">
+                  <a:avLst/>
+                </a:prstGeom>
+              </p:spPr>
+            </p:pic>
+          </mc:Fallback>
+        </mc:AlternateContent>
+        <mc:AlternateContent xmlns:mc="http://schemas.openxmlformats.org/markup-compatibility/2006">
+          <mc:Choice xmlns:p14="http://schemas.microsoft.com/office/powerpoint/2010/main" Requires="p14">
+            <p:contentPart p14:bwMode="auto" r:id="rId96">
+              <p14:nvContentPartPr>
+                <p14:cNvPr id="61" name="Ink 60">
+                  <a:extLst>
+                    <a:ext uri="{FF2B5EF4-FFF2-40B4-BE49-F238E27FC236}">
+                      <a16:creationId xmlns:a16="http://schemas.microsoft.com/office/drawing/2014/main" id="{8CA684C6-0C8C-D2BE-DA6E-90C4C1ED44B0}"/>
+                    </a:ext>
+                  </a:extLst>
+                </p14:cNvPr>
+                <p14:cNvContentPartPr/>
+                <p14:nvPr/>
+              </p14:nvContentPartPr>
+              <p14:xfrm>
+                <a:off x="10802223" y="4438229"/>
+                <a:ext cx="254160" cy="294480"/>
+              </p14:xfrm>
+            </p:contentPart>
+          </mc:Choice>
+          <mc:Fallback>
+            <p:pic>
+              <p:nvPicPr>
+                <p:cNvPr id="61" name="Ink 60">
+                  <a:extLst>
+                    <a:ext uri="{FF2B5EF4-FFF2-40B4-BE49-F238E27FC236}">
+                      <a16:creationId xmlns:a16="http://schemas.microsoft.com/office/drawing/2014/main" id="{8CA684C6-0C8C-D2BE-DA6E-90C4C1ED44B0}"/>
+                    </a:ext>
+                  </a:extLst>
+                </p:cNvPr>
+                <p:cNvPicPr/>
+                <p:nvPr/>
+              </p:nvPicPr>
+              <p:blipFill>
+                <a:blip r:embed="rId97"/>
+                <a:stretch>
+                  <a:fillRect/>
+                </a:stretch>
+              </p:blipFill>
+              <p:spPr>
+                <a:xfrm>
+                  <a:off x="10793223" y="4429229"/>
+                  <a:ext cx="271800" cy="312120"/>
+                </a:xfrm>
+                <a:prstGeom prst="rect">
+                  <a:avLst/>
+                </a:prstGeom>
+              </p:spPr>
+            </p:pic>
+          </mc:Fallback>
+        </mc:AlternateContent>
+        <mc:AlternateContent xmlns:mc="http://schemas.openxmlformats.org/markup-compatibility/2006">
+          <mc:Choice xmlns:p14="http://schemas.microsoft.com/office/powerpoint/2010/main" Requires="p14">
+            <p:contentPart p14:bwMode="auto" r:id="rId98">
+              <p14:nvContentPartPr>
+                <p14:cNvPr id="63" name="Ink 62">
+                  <a:extLst>
+                    <a:ext uri="{FF2B5EF4-FFF2-40B4-BE49-F238E27FC236}">
+                      <a16:creationId xmlns:a16="http://schemas.microsoft.com/office/drawing/2014/main" id="{EA3528FC-941A-8CED-B853-692AB2B0C8D2}"/>
+                    </a:ext>
+                  </a:extLst>
+                </p14:cNvPr>
+                <p14:cNvContentPartPr/>
+                <p14:nvPr/>
+              </p14:nvContentPartPr>
+              <p14:xfrm>
+                <a:off x="10900863" y="4625429"/>
+                <a:ext cx="84960" cy="18720"/>
+              </p14:xfrm>
+            </p:contentPart>
+          </mc:Choice>
+          <mc:Fallback>
+            <p:pic>
+              <p:nvPicPr>
+                <p:cNvPr id="63" name="Ink 62">
+                  <a:extLst>
+                    <a:ext uri="{FF2B5EF4-FFF2-40B4-BE49-F238E27FC236}">
+                      <a16:creationId xmlns:a16="http://schemas.microsoft.com/office/drawing/2014/main" id="{EA3528FC-941A-8CED-B853-692AB2B0C8D2}"/>
+                    </a:ext>
+                  </a:extLst>
+                </p:cNvPr>
+                <p:cNvPicPr/>
+                <p:nvPr/>
+              </p:nvPicPr>
+              <p:blipFill>
+                <a:blip r:embed="rId99"/>
+                <a:stretch>
+                  <a:fillRect/>
+                </a:stretch>
+              </p:blipFill>
+              <p:spPr>
+                <a:xfrm>
+                  <a:off x="10892223" y="4616789"/>
+                  <a:ext cx="102600" cy="36360"/>
+                </a:xfrm>
+                <a:prstGeom prst="rect">
+                  <a:avLst/>
+                </a:prstGeom>
+              </p:spPr>
+            </p:pic>
+          </mc:Fallback>
+        </mc:AlternateContent>
+      </p:grpSp>
+      <p:grpSp>
+        <p:nvGrpSpPr>
+          <p:cNvPr id="67" name="Group 66">
+            <a:extLst>
+              <a:ext uri="{FF2B5EF4-FFF2-40B4-BE49-F238E27FC236}">
+                <a16:creationId xmlns:a16="http://schemas.microsoft.com/office/drawing/2014/main" id="{066DC96B-1B16-E7F3-2A1A-DF9B8DA57BB7}"/>
+              </a:ext>
+            </a:extLst>
+          </p:cNvPr>
+          <p:cNvGrpSpPr/>
+          <p:nvPr/>
+        </p:nvGrpSpPr>
+        <p:grpSpPr>
+          <a:xfrm>
+            <a:off x="2882223" y="2702669"/>
+            <a:ext cx="906480" cy="1553760"/>
+            <a:chOff x="2882223" y="2702669"/>
+            <a:chExt cx="906480" cy="1553760"/>
+          </a:xfrm>
+        </p:grpSpPr>
+        <mc:AlternateContent xmlns:mc="http://schemas.openxmlformats.org/markup-compatibility/2006">
+          <mc:Choice xmlns:p14="http://schemas.microsoft.com/office/powerpoint/2010/main" Requires="p14">
+            <p:contentPart p14:bwMode="auto" r:id="rId100">
+              <p14:nvContentPartPr>
+                <p14:cNvPr id="65" name="Ink 64">
+                  <a:extLst>
+                    <a:ext uri="{FF2B5EF4-FFF2-40B4-BE49-F238E27FC236}">
+                      <a16:creationId xmlns:a16="http://schemas.microsoft.com/office/drawing/2014/main" id="{C3108561-B340-E038-9D33-A29B74D99207}"/>
+                    </a:ext>
+                  </a:extLst>
+                </p14:cNvPr>
+                <p14:cNvContentPartPr/>
+                <p14:nvPr/>
+              </p14:nvContentPartPr>
+              <p14:xfrm>
+                <a:off x="2882223" y="2769989"/>
+                <a:ext cx="746640" cy="1486440"/>
+              </p14:xfrm>
+            </p:contentPart>
+          </mc:Choice>
+          <mc:Fallback>
+            <p:pic>
+              <p:nvPicPr>
+                <p:cNvPr id="65" name="Ink 64">
+                  <a:extLst>
+                    <a:ext uri="{FF2B5EF4-FFF2-40B4-BE49-F238E27FC236}">
+                      <a16:creationId xmlns:a16="http://schemas.microsoft.com/office/drawing/2014/main" id="{C3108561-B340-E038-9D33-A29B74D99207}"/>
+                    </a:ext>
+                  </a:extLst>
+                </p:cNvPr>
+                <p:cNvPicPr/>
+                <p:nvPr/>
+              </p:nvPicPr>
+              <p:blipFill>
+                <a:blip r:embed="rId101"/>
+                <a:stretch>
+                  <a:fillRect/>
+                </a:stretch>
+              </p:blipFill>
+              <p:spPr>
+                <a:xfrm>
+                  <a:off x="2873223" y="2760989"/>
+                  <a:ext cx="764280" cy="1504080"/>
+                </a:xfrm>
+                <a:prstGeom prst="rect">
+                  <a:avLst/>
+                </a:prstGeom>
+              </p:spPr>
+            </p:pic>
+          </mc:Fallback>
+        </mc:AlternateContent>
+        <mc:AlternateContent xmlns:mc="http://schemas.openxmlformats.org/markup-compatibility/2006">
+          <mc:Choice xmlns:p14="http://schemas.microsoft.com/office/powerpoint/2010/main" Requires="p14">
+            <p:contentPart p14:bwMode="auto" r:id="rId102">
+              <p14:nvContentPartPr>
+                <p14:cNvPr id="66" name="Ink 65">
+                  <a:extLst>
+                    <a:ext uri="{FF2B5EF4-FFF2-40B4-BE49-F238E27FC236}">
+                      <a16:creationId xmlns:a16="http://schemas.microsoft.com/office/drawing/2014/main" id="{0016216F-CACA-0112-9804-1509A3E4C444}"/>
+                    </a:ext>
+                  </a:extLst>
+                </p14:cNvPr>
+                <p14:cNvContentPartPr/>
+                <p14:nvPr/>
+              </p14:nvContentPartPr>
+              <p14:xfrm>
+                <a:off x="3313503" y="2702669"/>
+                <a:ext cx="475200" cy="479160"/>
+              </p14:xfrm>
+            </p:contentPart>
+          </mc:Choice>
+          <mc:Fallback>
+            <p:pic>
+              <p:nvPicPr>
+                <p:cNvPr id="66" name="Ink 65">
+                  <a:extLst>
+                    <a:ext uri="{FF2B5EF4-FFF2-40B4-BE49-F238E27FC236}">
+                      <a16:creationId xmlns:a16="http://schemas.microsoft.com/office/drawing/2014/main" id="{0016216F-CACA-0112-9804-1509A3E4C444}"/>
+                    </a:ext>
+                  </a:extLst>
+                </p:cNvPr>
+                <p:cNvPicPr/>
+                <p:nvPr/>
+              </p:nvPicPr>
+              <p:blipFill>
+                <a:blip r:embed="rId103"/>
+                <a:stretch>
+                  <a:fillRect/>
+                </a:stretch>
+              </p:blipFill>
+              <p:spPr>
+                <a:xfrm>
+                  <a:off x="3304503" y="2694029"/>
+                  <a:ext cx="492840" cy="496800"/>
+                </a:xfrm>
+                <a:prstGeom prst="rect">
+                  <a:avLst/>
+                </a:prstGeom>
+              </p:spPr>
+            </p:pic>
+          </mc:Fallback>
+        </mc:AlternateContent>
+      </p:grpSp>
+      <p:grpSp>
+        <p:nvGrpSpPr>
+          <p:cNvPr id="73" name="Group 72">
+            <a:extLst>
+              <a:ext uri="{FF2B5EF4-FFF2-40B4-BE49-F238E27FC236}">
+                <a16:creationId xmlns:a16="http://schemas.microsoft.com/office/drawing/2014/main" id="{A4387FF7-6E4D-E8BB-DABE-6FE082282E6C}"/>
+              </a:ext>
+            </a:extLst>
+          </p:cNvPr>
+          <p:cNvGrpSpPr/>
+          <p:nvPr/>
+        </p:nvGrpSpPr>
+        <p:grpSpPr>
+          <a:xfrm>
+            <a:off x="5544783" y="2384429"/>
+            <a:ext cx="3557160" cy="1692360"/>
+            <a:chOff x="5544783" y="2384429"/>
+            <a:chExt cx="3557160" cy="1692360"/>
+          </a:xfrm>
+        </p:grpSpPr>
+        <mc:AlternateContent xmlns:mc="http://schemas.openxmlformats.org/markup-compatibility/2006">
+          <mc:Choice xmlns:p14="http://schemas.microsoft.com/office/powerpoint/2010/main" Requires="p14">
+            <p:contentPart p14:bwMode="auto" r:id="rId104">
+              <p14:nvContentPartPr>
+                <p14:cNvPr id="71" name="Ink 70">
+                  <a:extLst>
+                    <a:ext uri="{FF2B5EF4-FFF2-40B4-BE49-F238E27FC236}">
+                      <a16:creationId xmlns:a16="http://schemas.microsoft.com/office/drawing/2014/main" id="{4589B96A-42CB-A137-FF30-BACCF1270CF3}"/>
+                    </a:ext>
+                  </a:extLst>
+                </p14:cNvPr>
+                <p14:cNvContentPartPr/>
+                <p14:nvPr/>
+              </p14:nvContentPartPr>
+              <p14:xfrm>
+                <a:off x="5656383" y="2514389"/>
+                <a:ext cx="3445560" cy="1562400"/>
+              </p14:xfrm>
+            </p:contentPart>
+          </mc:Choice>
+          <mc:Fallback>
+            <p:pic>
+              <p:nvPicPr>
+                <p:cNvPr id="71" name="Ink 70">
+                  <a:extLst>
+                    <a:ext uri="{FF2B5EF4-FFF2-40B4-BE49-F238E27FC236}">
+                      <a16:creationId xmlns:a16="http://schemas.microsoft.com/office/drawing/2014/main" id="{4589B96A-42CB-A137-FF30-BACCF1270CF3}"/>
+                    </a:ext>
+                  </a:extLst>
+                </p:cNvPr>
+                <p:cNvPicPr/>
+                <p:nvPr/>
+              </p:nvPicPr>
+              <p:blipFill>
+                <a:blip r:embed="rId105"/>
+                <a:stretch>
+                  <a:fillRect/>
+                </a:stretch>
+              </p:blipFill>
+              <p:spPr>
+                <a:xfrm>
+                  <a:off x="5647383" y="2505389"/>
+                  <a:ext cx="3463200" cy="1580040"/>
+                </a:xfrm>
+                <a:prstGeom prst="rect">
+                  <a:avLst/>
+                </a:prstGeom>
+              </p:spPr>
+            </p:pic>
+          </mc:Fallback>
+        </mc:AlternateContent>
+        <mc:AlternateContent xmlns:mc="http://schemas.openxmlformats.org/markup-compatibility/2006">
+          <mc:Choice xmlns:p14="http://schemas.microsoft.com/office/powerpoint/2010/main" Requires="p14">
+            <p:contentPart p14:bwMode="auto" r:id="rId106">
+              <p14:nvContentPartPr>
+                <p14:cNvPr id="72" name="Ink 71">
+                  <a:extLst>
+                    <a:ext uri="{FF2B5EF4-FFF2-40B4-BE49-F238E27FC236}">
+                      <a16:creationId xmlns:a16="http://schemas.microsoft.com/office/drawing/2014/main" id="{C7E50DAA-F94F-CB71-7A62-F466130E4BBC}"/>
+                    </a:ext>
+                  </a:extLst>
+                </p14:cNvPr>
+                <p14:cNvContentPartPr/>
+                <p14:nvPr/>
+              </p14:nvContentPartPr>
+              <p14:xfrm>
+                <a:off x="5544783" y="2384429"/>
+                <a:ext cx="836280" cy="577440"/>
+              </p14:xfrm>
+            </p:contentPart>
+          </mc:Choice>
+          <mc:Fallback>
+            <p:pic>
+              <p:nvPicPr>
+                <p:cNvPr id="72" name="Ink 71">
+                  <a:extLst>
+                    <a:ext uri="{FF2B5EF4-FFF2-40B4-BE49-F238E27FC236}">
+                      <a16:creationId xmlns:a16="http://schemas.microsoft.com/office/drawing/2014/main" id="{C7E50DAA-F94F-CB71-7A62-F466130E4BBC}"/>
+                    </a:ext>
+                  </a:extLst>
+                </p:cNvPr>
+                <p:cNvPicPr/>
+                <p:nvPr/>
+              </p:nvPicPr>
+              <p:blipFill>
+                <a:blip r:embed="rId107"/>
+                <a:stretch>
+                  <a:fillRect/>
+                </a:stretch>
+              </p:blipFill>
+              <p:spPr>
+                <a:xfrm>
+                  <a:off x="5535783" y="2375429"/>
+                  <a:ext cx="853920" cy="595080"/>
+                </a:xfrm>
+                <a:prstGeom prst="rect">
+                  <a:avLst/>
+                </a:prstGeom>
+              </p:spPr>
+            </p:pic>
+          </mc:Fallback>
+        </mc:AlternateContent>
+      </p:grpSp>
+      <mc:AlternateContent xmlns:mc="http://schemas.openxmlformats.org/markup-compatibility/2006">
+        <mc:Choice xmlns:p14="http://schemas.microsoft.com/office/powerpoint/2010/main" Requires="p14">
+          <p:contentPart p14:bwMode="auto" r:id="rId108">
+            <p14:nvContentPartPr>
+              <p14:cNvPr id="74" name="Ink 73">
+                <a:extLst>
+                  <a:ext uri="{FF2B5EF4-FFF2-40B4-BE49-F238E27FC236}">
+                    <a16:creationId xmlns:a16="http://schemas.microsoft.com/office/drawing/2014/main" id="{21D7B0D0-7C75-5C98-BCC5-9FC8D3BCFFE8}"/>
+                  </a:ext>
+                </a:extLst>
+              </p14:cNvPr>
+              <p14:cNvContentPartPr/>
+              <p14:nvPr/>
+            </p14:nvContentPartPr>
+            <p14:xfrm>
+              <a:off x="9101583" y="4861589"/>
+              <a:ext cx="75600" cy="144000"/>
+            </p14:xfrm>
+          </p:contentPart>
+        </mc:Choice>
+        <mc:Fallback>
+          <p:pic>
+            <p:nvPicPr>
+              <p:cNvPr id="74" name="Ink 73">
+                <a:extLst>
+                  <a:ext uri="{FF2B5EF4-FFF2-40B4-BE49-F238E27FC236}">
+                    <a16:creationId xmlns:a16="http://schemas.microsoft.com/office/drawing/2014/main" id="{21D7B0D0-7C75-5C98-BCC5-9FC8D3BCFFE8}"/>
+                  </a:ext>
+                </a:extLst>
+              </p:cNvPr>
+              <p:cNvPicPr/>
+              <p:nvPr/>
+            </p:nvPicPr>
+            <p:blipFill>
+              <a:blip r:embed="rId109"/>
+              <a:stretch>
+                <a:fillRect/>
+              </a:stretch>
+            </p:blipFill>
+            <p:spPr>
+              <a:xfrm>
+                <a:off x="9092583" y="4852589"/>
+                <a:ext cx="93240" cy="161640"/>
+              </a:xfrm>
+              <a:prstGeom prst="rect">
+                <a:avLst/>
+              </a:prstGeom>
+            </p:spPr>
+          </p:pic>
+        </mc:Fallback>
+      </mc:AlternateContent>
+      <mc:AlternateContent xmlns:mc="http://schemas.openxmlformats.org/markup-compatibility/2006">
+        <mc:Choice xmlns:p14="http://schemas.microsoft.com/office/powerpoint/2010/main" Requires="p14">
+          <p:contentPart p14:bwMode="auto" r:id="rId110">
+            <p14:nvContentPartPr>
+              <p14:cNvPr id="76" name="Ink 75">
+                <a:extLst>
+                  <a:ext uri="{FF2B5EF4-FFF2-40B4-BE49-F238E27FC236}">
+                    <a16:creationId xmlns:a16="http://schemas.microsoft.com/office/drawing/2014/main" id="{020FBCFF-927D-CD3E-6420-4E5B0742824B}"/>
+                  </a:ext>
+                </a:extLst>
+              </p14:cNvPr>
+              <p14:cNvContentPartPr/>
+              <p14:nvPr/>
+            </p14:nvContentPartPr>
+            <p14:xfrm>
+              <a:off x="10509183" y="4853669"/>
+              <a:ext cx="55440" cy="86400"/>
+            </p14:xfrm>
+          </p:contentPart>
+        </mc:Choice>
+        <mc:Fallback>
+          <p:pic>
+            <p:nvPicPr>
+              <p:cNvPr id="76" name="Ink 75">
+                <a:extLst>
+                  <a:ext uri="{FF2B5EF4-FFF2-40B4-BE49-F238E27FC236}">
+                    <a16:creationId xmlns:a16="http://schemas.microsoft.com/office/drawing/2014/main" id="{020FBCFF-927D-CD3E-6420-4E5B0742824B}"/>
+                  </a:ext>
+                </a:extLst>
+              </p:cNvPr>
+              <p:cNvPicPr/>
+              <p:nvPr/>
+            </p:nvPicPr>
+            <p:blipFill>
+              <a:blip r:embed="rId111"/>
+              <a:stretch>
+                <a:fillRect/>
+              </a:stretch>
+            </p:blipFill>
+            <p:spPr>
+              <a:xfrm>
+                <a:off x="10500183" y="4845029"/>
+                <a:ext cx="73080" cy="104040"/>
+              </a:xfrm>
+              <a:prstGeom prst="rect">
+                <a:avLst/>
+              </a:prstGeom>
+            </p:spPr>
+          </p:pic>
+        </mc:Fallback>
+      </mc:AlternateContent>
+      <p:grpSp>
+        <p:nvGrpSpPr>
+          <p:cNvPr id="82" name="Group 81">
+            <a:extLst>
+              <a:ext uri="{FF2B5EF4-FFF2-40B4-BE49-F238E27FC236}">
+                <a16:creationId xmlns:a16="http://schemas.microsoft.com/office/drawing/2014/main" id="{DA58D53C-4819-73ED-C91A-5DE2525D7D14}"/>
+              </a:ext>
+            </a:extLst>
+          </p:cNvPr>
+          <p:cNvGrpSpPr/>
+          <p:nvPr/>
+        </p:nvGrpSpPr>
+        <p:grpSpPr>
+          <a:xfrm>
+            <a:off x="2318463" y="5157869"/>
+            <a:ext cx="1578240" cy="579960"/>
+            <a:chOff x="2318463" y="5157869"/>
+            <a:chExt cx="1578240" cy="579960"/>
+          </a:xfrm>
+        </p:grpSpPr>
+        <mc:AlternateContent xmlns:mc="http://schemas.openxmlformats.org/markup-compatibility/2006">
+          <mc:Choice xmlns:p14="http://schemas.microsoft.com/office/powerpoint/2010/main" Requires="p14">
+            <p:contentPart p14:bwMode="auto" r:id="rId112">
+              <p14:nvContentPartPr>
+                <p14:cNvPr id="78" name="Ink 77">
+                  <a:extLst>
+                    <a:ext uri="{FF2B5EF4-FFF2-40B4-BE49-F238E27FC236}">
+                      <a16:creationId xmlns:a16="http://schemas.microsoft.com/office/drawing/2014/main" id="{ABB21A16-CE55-F76F-182D-7AB9EAD74D2E}"/>
+                    </a:ext>
+                  </a:extLst>
+                </p14:cNvPr>
+                <p14:cNvContentPartPr/>
+                <p14:nvPr/>
+              </p14:nvContentPartPr>
+              <p14:xfrm>
+                <a:off x="2583423" y="5157869"/>
+                <a:ext cx="1313280" cy="231480"/>
+              </p14:xfrm>
+            </p:contentPart>
+          </mc:Choice>
+          <mc:Fallback>
+            <p:pic>
+              <p:nvPicPr>
+                <p:cNvPr id="78" name="Ink 77">
+                  <a:extLst>
+                    <a:ext uri="{FF2B5EF4-FFF2-40B4-BE49-F238E27FC236}">
+                      <a16:creationId xmlns:a16="http://schemas.microsoft.com/office/drawing/2014/main" id="{ABB21A16-CE55-F76F-182D-7AB9EAD74D2E}"/>
+                    </a:ext>
+                  </a:extLst>
+                </p:cNvPr>
+                <p:cNvPicPr/>
+                <p:nvPr/>
+              </p:nvPicPr>
+              <p:blipFill>
+                <a:blip r:embed="rId113"/>
+                <a:stretch>
+                  <a:fillRect/>
+                </a:stretch>
+              </p:blipFill>
+              <p:spPr>
+                <a:xfrm>
+                  <a:off x="2574423" y="5148869"/>
+                  <a:ext cx="1330920" cy="249120"/>
+                </a:xfrm>
+                <a:prstGeom prst="rect">
+                  <a:avLst/>
+                </a:prstGeom>
+              </p:spPr>
+            </p:pic>
+          </mc:Fallback>
+        </mc:AlternateContent>
+        <mc:AlternateContent xmlns:mc="http://schemas.openxmlformats.org/markup-compatibility/2006">
+          <mc:Choice xmlns:p14="http://schemas.microsoft.com/office/powerpoint/2010/main" Requires="p14">
+            <p:contentPart p14:bwMode="auto" r:id="rId114">
+              <p14:nvContentPartPr>
+                <p14:cNvPr id="79" name="Ink 78">
+                  <a:extLst>
+                    <a:ext uri="{FF2B5EF4-FFF2-40B4-BE49-F238E27FC236}">
+                      <a16:creationId xmlns:a16="http://schemas.microsoft.com/office/drawing/2014/main" id="{ADB1F63A-9AEC-884F-0527-4F28B1BB189F}"/>
+                    </a:ext>
+                  </a:extLst>
+                </p14:cNvPr>
+                <p14:cNvContentPartPr/>
+                <p14:nvPr/>
+              </p14:nvContentPartPr>
+              <p14:xfrm>
+                <a:off x="2476863" y="5558549"/>
+                <a:ext cx="1074600" cy="75960"/>
+              </p14:xfrm>
+            </p:contentPart>
+          </mc:Choice>
+          <mc:Fallback>
+            <p:pic>
+              <p:nvPicPr>
+                <p:cNvPr id="79" name="Ink 78">
+                  <a:extLst>
+                    <a:ext uri="{FF2B5EF4-FFF2-40B4-BE49-F238E27FC236}">
+                      <a16:creationId xmlns:a16="http://schemas.microsoft.com/office/drawing/2014/main" id="{ADB1F63A-9AEC-884F-0527-4F28B1BB189F}"/>
+                    </a:ext>
+                  </a:extLst>
+                </p:cNvPr>
+                <p:cNvPicPr/>
+                <p:nvPr/>
+              </p:nvPicPr>
+              <p:blipFill>
+                <a:blip r:embed="rId115"/>
+                <a:stretch>
+                  <a:fillRect/>
+                </a:stretch>
+              </p:blipFill>
+              <p:spPr>
+                <a:xfrm>
+                  <a:off x="2467863" y="5549549"/>
+                  <a:ext cx="1092240" cy="93600"/>
+                </a:xfrm>
+                <a:prstGeom prst="rect">
+                  <a:avLst/>
+                </a:prstGeom>
+              </p:spPr>
+            </p:pic>
+          </mc:Fallback>
+        </mc:AlternateContent>
+        <mc:AlternateContent xmlns:mc="http://schemas.openxmlformats.org/markup-compatibility/2006">
+          <mc:Choice xmlns:p14="http://schemas.microsoft.com/office/powerpoint/2010/main" Requires="p14">
+            <p:contentPart p14:bwMode="auto" r:id="rId116">
+              <p14:nvContentPartPr>
+                <p14:cNvPr id="80" name="Ink 79">
+                  <a:extLst>
+                    <a:ext uri="{FF2B5EF4-FFF2-40B4-BE49-F238E27FC236}">
+                      <a16:creationId xmlns:a16="http://schemas.microsoft.com/office/drawing/2014/main" id="{BEEA423A-AE34-ECBF-626E-6CA05CC96C45}"/>
+                    </a:ext>
+                  </a:extLst>
+                </p14:cNvPr>
+                <p14:cNvContentPartPr/>
+                <p14:nvPr/>
+              </p14:nvContentPartPr>
+              <p14:xfrm>
+                <a:off x="2663343" y="5653949"/>
+                <a:ext cx="996480" cy="83880"/>
+              </p14:xfrm>
+            </p:contentPart>
+          </mc:Choice>
+          <mc:Fallback>
+            <p:pic>
+              <p:nvPicPr>
+                <p:cNvPr id="80" name="Ink 79">
+                  <a:extLst>
+                    <a:ext uri="{FF2B5EF4-FFF2-40B4-BE49-F238E27FC236}">
+                      <a16:creationId xmlns:a16="http://schemas.microsoft.com/office/drawing/2014/main" id="{BEEA423A-AE34-ECBF-626E-6CA05CC96C45}"/>
+                    </a:ext>
+                  </a:extLst>
+                </p:cNvPr>
+                <p:cNvPicPr/>
+                <p:nvPr/>
+              </p:nvPicPr>
+              <p:blipFill>
+                <a:blip r:embed="rId117"/>
+                <a:stretch>
+                  <a:fillRect/>
+                </a:stretch>
+              </p:blipFill>
+              <p:spPr>
+                <a:xfrm>
+                  <a:off x="2654703" y="5644949"/>
+                  <a:ext cx="1014120" cy="101520"/>
+                </a:xfrm>
+                <a:prstGeom prst="rect">
+                  <a:avLst/>
+                </a:prstGeom>
+              </p:spPr>
+            </p:pic>
+          </mc:Fallback>
+        </mc:AlternateContent>
+        <mc:AlternateContent xmlns:mc="http://schemas.openxmlformats.org/markup-compatibility/2006">
+          <mc:Choice xmlns:p14="http://schemas.microsoft.com/office/powerpoint/2010/main" Requires="p14">
+            <p:contentPart p14:bwMode="auto" r:id="rId118">
+              <p14:nvContentPartPr>
+                <p14:cNvPr id="81" name="Ink 80">
+                  <a:extLst>
+                    <a:ext uri="{FF2B5EF4-FFF2-40B4-BE49-F238E27FC236}">
+                      <a16:creationId xmlns:a16="http://schemas.microsoft.com/office/drawing/2014/main" id="{3F453AC7-6B62-545C-4A6F-719476179C07}"/>
+                    </a:ext>
+                  </a:extLst>
+                </p14:cNvPr>
+                <p14:cNvContentPartPr/>
+                <p14:nvPr/>
+              </p14:nvContentPartPr>
+              <p14:xfrm>
+                <a:off x="2318463" y="5413469"/>
+                <a:ext cx="1231200" cy="117000"/>
+              </p14:xfrm>
+            </p:contentPart>
+          </mc:Choice>
+          <mc:Fallback>
+            <p:pic>
+              <p:nvPicPr>
+                <p:cNvPr id="81" name="Ink 80">
+                  <a:extLst>
+                    <a:ext uri="{FF2B5EF4-FFF2-40B4-BE49-F238E27FC236}">
+                      <a16:creationId xmlns:a16="http://schemas.microsoft.com/office/drawing/2014/main" id="{3F453AC7-6B62-545C-4A6F-719476179C07}"/>
+                    </a:ext>
+                  </a:extLst>
+                </p:cNvPr>
+                <p:cNvPicPr/>
+                <p:nvPr/>
+              </p:nvPicPr>
+              <p:blipFill>
+                <a:blip r:embed="rId119"/>
+                <a:stretch>
+                  <a:fillRect/>
+                </a:stretch>
+              </p:blipFill>
+              <p:spPr>
+                <a:xfrm>
+                  <a:off x="2309823" y="5404829"/>
+                  <a:ext cx="1248840" cy="134640"/>
+                </a:xfrm>
+                <a:prstGeom prst="rect">
+                  <a:avLst/>
+                </a:prstGeom>
+              </p:spPr>
+            </p:pic>
+          </mc:Fallback>
+        </mc:AlternateContent>
+      </p:grpSp>
+      <p:grpSp>
+        <p:nvGrpSpPr>
+          <p:cNvPr id="94" name="Group 93">
+            <a:extLst>
+              <a:ext uri="{FF2B5EF4-FFF2-40B4-BE49-F238E27FC236}">
+                <a16:creationId xmlns:a16="http://schemas.microsoft.com/office/drawing/2014/main" id="{F55EFCC8-2731-B6C7-87F1-2A0F2561845B}"/>
+              </a:ext>
+            </a:extLst>
+          </p:cNvPr>
+          <p:cNvGrpSpPr/>
+          <p:nvPr/>
+        </p:nvGrpSpPr>
+        <p:grpSpPr>
+          <a:xfrm>
+            <a:off x="8788743" y="4765469"/>
+            <a:ext cx="2059560" cy="1547640"/>
+            <a:chOff x="8788743" y="4765469"/>
+            <a:chExt cx="2059560" cy="1547640"/>
+          </a:xfrm>
+        </p:grpSpPr>
+        <mc:AlternateContent xmlns:mc="http://schemas.openxmlformats.org/markup-compatibility/2006">
+          <mc:Choice xmlns:p14="http://schemas.microsoft.com/office/powerpoint/2010/main" Requires="p14">
+            <p:contentPart p14:bwMode="auto" r:id="rId120">
+              <p14:nvContentPartPr>
+                <p14:cNvPr id="68" name="Ink 67">
+                  <a:extLst>
+                    <a:ext uri="{FF2B5EF4-FFF2-40B4-BE49-F238E27FC236}">
+                      <a16:creationId xmlns:a16="http://schemas.microsoft.com/office/drawing/2014/main" id="{67829BB9-6E7F-25E7-1E74-20DDA71ABACC}"/>
+                    </a:ext>
+                  </a:extLst>
+                </p14:cNvPr>
+                <p14:cNvContentPartPr/>
+                <p14:nvPr/>
+              </p14:nvContentPartPr>
+              <p14:xfrm>
+                <a:off x="9056583" y="4765469"/>
+                <a:ext cx="1791720" cy="192600"/>
+              </p14:xfrm>
+            </p:contentPart>
+          </mc:Choice>
+          <mc:Fallback>
+            <p:pic>
+              <p:nvPicPr>
+                <p:cNvPr id="68" name="Ink 67">
+                  <a:extLst>
+                    <a:ext uri="{FF2B5EF4-FFF2-40B4-BE49-F238E27FC236}">
+                      <a16:creationId xmlns:a16="http://schemas.microsoft.com/office/drawing/2014/main" id="{67829BB9-6E7F-25E7-1E74-20DDA71ABACC}"/>
+                    </a:ext>
+                  </a:extLst>
+                </p:cNvPr>
+                <p:cNvPicPr/>
+                <p:nvPr/>
+              </p:nvPicPr>
+              <p:blipFill>
+                <a:blip r:embed="rId121"/>
+                <a:stretch>
+                  <a:fillRect/>
+                </a:stretch>
+              </p:blipFill>
+              <p:spPr>
+                <a:xfrm>
+                  <a:off x="9047943" y="4756829"/>
+                  <a:ext cx="1809360" cy="210240"/>
+                </a:xfrm>
+                <a:prstGeom prst="rect">
+                  <a:avLst/>
+                </a:prstGeom>
+              </p:spPr>
+            </p:pic>
+          </mc:Fallback>
+        </mc:AlternateContent>
+        <mc:AlternateContent xmlns:mc="http://schemas.openxmlformats.org/markup-compatibility/2006">
+          <mc:Choice xmlns:p14="http://schemas.microsoft.com/office/powerpoint/2010/main" Requires="p14">
+            <p:contentPart p14:bwMode="auto" r:id="rId122">
+              <p14:nvContentPartPr>
+                <p14:cNvPr id="69" name="Ink 68">
+                  <a:extLst>
+                    <a:ext uri="{FF2B5EF4-FFF2-40B4-BE49-F238E27FC236}">
+                      <a16:creationId xmlns:a16="http://schemas.microsoft.com/office/drawing/2014/main" id="{8C8F6EC3-4C77-7ED9-A0DE-2EA51AA5120B}"/>
+                    </a:ext>
+                  </a:extLst>
+                </p14:cNvPr>
+                <p14:cNvContentPartPr/>
+                <p14:nvPr/>
+              </p14:nvContentPartPr>
+              <p14:xfrm>
+                <a:off x="9354303" y="4875989"/>
+                <a:ext cx="1314720" cy="115920"/>
+              </p14:xfrm>
+            </p:contentPart>
+          </mc:Choice>
+          <mc:Fallback>
+            <p:pic>
+              <p:nvPicPr>
+                <p:cNvPr id="69" name="Ink 68">
+                  <a:extLst>
+                    <a:ext uri="{FF2B5EF4-FFF2-40B4-BE49-F238E27FC236}">
+                      <a16:creationId xmlns:a16="http://schemas.microsoft.com/office/drawing/2014/main" id="{8C8F6EC3-4C77-7ED9-A0DE-2EA51AA5120B}"/>
+                    </a:ext>
+                  </a:extLst>
+                </p:cNvPr>
+                <p:cNvPicPr/>
+                <p:nvPr/>
+              </p:nvPicPr>
+              <p:blipFill>
+                <a:blip r:embed="rId123"/>
+                <a:stretch>
+                  <a:fillRect/>
+                </a:stretch>
+              </p:blipFill>
+              <p:spPr>
+                <a:xfrm>
+                  <a:off x="9345303" y="4867349"/>
+                  <a:ext cx="1332360" cy="133560"/>
+                </a:xfrm>
+                <a:prstGeom prst="rect">
+                  <a:avLst/>
+                </a:prstGeom>
+              </p:spPr>
+            </p:pic>
+          </mc:Fallback>
+        </mc:AlternateContent>
+        <mc:AlternateContent xmlns:mc="http://schemas.openxmlformats.org/markup-compatibility/2006">
+          <mc:Choice xmlns:p14="http://schemas.microsoft.com/office/powerpoint/2010/main" Requires="p14">
+            <p:contentPart p14:bwMode="auto" r:id="rId124">
+              <p14:nvContentPartPr>
+                <p14:cNvPr id="83" name="Ink 82">
+                  <a:extLst>
+                    <a:ext uri="{FF2B5EF4-FFF2-40B4-BE49-F238E27FC236}">
+                      <a16:creationId xmlns:a16="http://schemas.microsoft.com/office/drawing/2014/main" id="{B4661001-B8BC-F58A-BD69-5E0956BA80C6}"/>
+                    </a:ext>
+                  </a:extLst>
+                </p14:cNvPr>
+                <p14:cNvContentPartPr/>
+                <p14:nvPr/>
+              </p14:nvContentPartPr>
+              <p14:xfrm>
+                <a:off x="9841023" y="4990469"/>
+                <a:ext cx="487440" cy="658800"/>
+              </p14:xfrm>
+            </p:contentPart>
+          </mc:Choice>
+          <mc:Fallback>
+            <p:pic>
+              <p:nvPicPr>
+                <p:cNvPr id="83" name="Ink 82">
+                  <a:extLst>
+                    <a:ext uri="{FF2B5EF4-FFF2-40B4-BE49-F238E27FC236}">
+                      <a16:creationId xmlns:a16="http://schemas.microsoft.com/office/drawing/2014/main" id="{B4661001-B8BC-F58A-BD69-5E0956BA80C6}"/>
+                    </a:ext>
+                  </a:extLst>
+                </p:cNvPr>
+                <p:cNvPicPr/>
+                <p:nvPr/>
+              </p:nvPicPr>
+              <p:blipFill>
+                <a:blip r:embed="rId125"/>
+                <a:stretch>
+                  <a:fillRect/>
+                </a:stretch>
+              </p:blipFill>
+              <p:spPr>
+                <a:xfrm>
+                  <a:off x="9832023" y="4981469"/>
+                  <a:ext cx="505080" cy="676440"/>
+                </a:xfrm>
+                <a:prstGeom prst="rect">
+                  <a:avLst/>
+                </a:prstGeom>
+              </p:spPr>
+            </p:pic>
+          </mc:Fallback>
+        </mc:AlternateContent>
+        <mc:AlternateContent xmlns:mc="http://schemas.openxmlformats.org/markup-compatibility/2006">
+          <mc:Choice xmlns:p14="http://schemas.microsoft.com/office/powerpoint/2010/main" Requires="p14">
+            <p:contentPart p14:bwMode="auto" r:id="rId126">
+              <p14:nvContentPartPr>
+                <p14:cNvPr id="84" name="Ink 83">
+                  <a:extLst>
+                    <a:ext uri="{FF2B5EF4-FFF2-40B4-BE49-F238E27FC236}">
+                      <a16:creationId xmlns:a16="http://schemas.microsoft.com/office/drawing/2014/main" id="{38CA2E42-56B1-DA49-26F4-D15BBC76C431}"/>
+                    </a:ext>
+                  </a:extLst>
+                </p14:cNvPr>
+                <p14:cNvContentPartPr/>
+                <p14:nvPr/>
+              </p14:nvContentPartPr>
+              <p14:xfrm>
+                <a:off x="10009143" y="4910549"/>
+                <a:ext cx="547920" cy="541080"/>
+              </p14:xfrm>
+            </p:contentPart>
+          </mc:Choice>
+          <mc:Fallback>
+            <p:pic>
+              <p:nvPicPr>
+                <p:cNvPr id="84" name="Ink 83">
+                  <a:extLst>
+                    <a:ext uri="{FF2B5EF4-FFF2-40B4-BE49-F238E27FC236}">
+                      <a16:creationId xmlns:a16="http://schemas.microsoft.com/office/drawing/2014/main" id="{38CA2E42-56B1-DA49-26F4-D15BBC76C431}"/>
+                    </a:ext>
+                  </a:extLst>
+                </p:cNvPr>
+                <p:cNvPicPr/>
+                <p:nvPr/>
+              </p:nvPicPr>
+              <p:blipFill>
+                <a:blip r:embed="rId127"/>
+                <a:stretch>
+                  <a:fillRect/>
+                </a:stretch>
+              </p:blipFill>
+              <p:spPr>
+                <a:xfrm>
+                  <a:off x="10000503" y="4901909"/>
+                  <a:ext cx="565560" cy="558720"/>
+                </a:xfrm>
+                <a:prstGeom prst="rect">
+                  <a:avLst/>
+                </a:prstGeom>
+              </p:spPr>
+            </p:pic>
+          </mc:Fallback>
+        </mc:AlternateContent>
+        <mc:AlternateContent xmlns:mc="http://schemas.openxmlformats.org/markup-compatibility/2006">
+          <mc:Choice xmlns:p14="http://schemas.microsoft.com/office/powerpoint/2010/main" Requires="p14">
+            <p:contentPart p14:bwMode="auto" r:id="rId128">
+              <p14:nvContentPartPr>
+                <p14:cNvPr id="86" name="Ink 85">
+                  <a:extLst>
+                    <a:ext uri="{FF2B5EF4-FFF2-40B4-BE49-F238E27FC236}">
+                      <a16:creationId xmlns:a16="http://schemas.microsoft.com/office/drawing/2014/main" id="{228E8206-9F7A-C11D-12DF-72E6B3B0025D}"/>
+                    </a:ext>
+                  </a:extLst>
+                </p14:cNvPr>
+                <p14:cNvContentPartPr/>
+                <p14:nvPr/>
+              </p14:nvContentPartPr>
+              <p14:xfrm>
+                <a:off x="8826903" y="5715509"/>
+                <a:ext cx="378360" cy="462960"/>
+              </p14:xfrm>
+            </p:contentPart>
+          </mc:Choice>
+          <mc:Fallback>
+            <p:pic>
+              <p:nvPicPr>
+                <p:cNvPr id="86" name="Ink 85">
+                  <a:extLst>
+                    <a:ext uri="{FF2B5EF4-FFF2-40B4-BE49-F238E27FC236}">
+                      <a16:creationId xmlns:a16="http://schemas.microsoft.com/office/drawing/2014/main" id="{228E8206-9F7A-C11D-12DF-72E6B3B0025D}"/>
+                    </a:ext>
+                  </a:extLst>
+                </p:cNvPr>
+                <p:cNvPicPr/>
+                <p:nvPr/>
+              </p:nvPicPr>
+              <p:blipFill>
+                <a:blip r:embed="rId129"/>
+                <a:stretch>
+                  <a:fillRect/>
+                </a:stretch>
+              </p:blipFill>
+              <p:spPr>
+                <a:xfrm>
+                  <a:off x="8817903" y="5706869"/>
+                  <a:ext cx="396000" cy="480600"/>
+                </a:xfrm>
+                <a:prstGeom prst="rect">
+                  <a:avLst/>
+                </a:prstGeom>
+              </p:spPr>
+            </p:pic>
+          </mc:Fallback>
+        </mc:AlternateContent>
+        <mc:AlternateContent xmlns:mc="http://schemas.openxmlformats.org/markup-compatibility/2006">
+          <mc:Choice xmlns:p14="http://schemas.microsoft.com/office/powerpoint/2010/main" Requires="p14">
+            <p:contentPart p14:bwMode="auto" r:id="rId130">
+              <p14:nvContentPartPr>
+                <p14:cNvPr id="87" name="Ink 86">
+                  <a:extLst>
+                    <a:ext uri="{FF2B5EF4-FFF2-40B4-BE49-F238E27FC236}">
+                      <a16:creationId xmlns:a16="http://schemas.microsoft.com/office/drawing/2014/main" id="{3C6EDEEB-F76B-A501-3708-E544613C3C16}"/>
+                    </a:ext>
+                  </a:extLst>
+                </p14:cNvPr>
+                <p14:cNvContentPartPr/>
+                <p14:nvPr/>
+              </p14:nvContentPartPr>
+              <p14:xfrm>
+                <a:off x="9338463" y="5570789"/>
+                <a:ext cx="66240" cy="602280"/>
+              </p14:xfrm>
+            </p:contentPart>
+          </mc:Choice>
+          <mc:Fallback>
+            <p:pic>
+              <p:nvPicPr>
+                <p:cNvPr id="87" name="Ink 86">
+                  <a:extLst>
+                    <a:ext uri="{FF2B5EF4-FFF2-40B4-BE49-F238E27FC236}">
+                      <a16:creationId xmlns:a16="http://schemas.microsoft.com/office/drawing/2014/main" id="{3C6EDEEB-F76B-A501-3708-E544613C3C16}"/>
+                    </a:ext>
+                  </a:extLst>
+                </p:cNvPr>
+                <p:cNvPicPr/>
+                <p:nvPr/>
+              </p:nvPicPr>
+              <p:blipFill>
+                <a:blip r:embed="rId131"/>
+                <a:stretch>
+                  <a:fillRect/>
+                </a:stretch>
+              </p:blipFill>
+              <p:spPr>
+                <a:xfrm>
+                  <a:off x="9329823" y="5561789"/>
+                  <a:ext cx="83880" cy="619920"/>
+                </a:xfrm>
+                <a:prstGeom prst="rect">
+                  <a:avLst/>
+                </a:prstGeom>
+              </p:spPr>
+            </p:pic>
+          </mc:Fallback>
+        </mc:AlternateContent>
+        <mc:AlternateContent xmlns:mc="http://schemas.openxmlformats.org/markup-compatibility/2006">
+          <mc:Choice xmlns:p14="http://schemas.microsoft.com/office/powerpoint/2010/main" Requires="p14">
+            <p:contentPart p14:bwMode="auto" r:id="rId132">
+              <p14:nvContentPartPr>
+                <p14:cNvPr id="88" name="Ink 87">
+                  <a:extLst>
+                    <a:ext uri="{FF2B5EF4-FFF2-40B4-BE49-F238E27FC236}">
+                      <a16:creationId xmlns:a16="http://schemas.microsoft.com/office/drawing/2014/main" id="{8086C14B-4888-D927-67E4-F2FD6C75EABD}"/>
+                    </a:ext>
+                  </a:extLst>
+                </p14:cNvPr>
+                <p14:cNvContentPartPr/>
+                <p14:nvPr/>
+              </p14:nvContentPartPr>
+              <p14:xfrm>
+                <a:off x="9592983" y="5953829"/>
+                <a:ext cx="168120" cy="298800"/>
+              </p14:xfrm>
+            </p:contentPart>
+          </mc:Choice>
+          <mc:Fallback>
+            <p:pic>
+              <p:nvPicPr>
+                <p:cNvPr id="88" name="Ink 87">
+                  <a:extLst>
+                    <a:ext uri="{FF2B5EF4-FFF2-40B4-BE49-F238E27FC236}">
+                      <a16:creationId xmlns:a16="http://schemas.microsoft.com/office/drawing/2014/main" id="{8086C14B-4888-D927-67E4-F2FD6C75EABD}"/>
+                    </a:ext>
+                  </a:extLst>
+                </p:cNvPr>
+                <p:cNvPicPr/>
+                <p:nvPr/>
+              </p:nvPicPr>
+              <p:blipFill>
+                <a:blip r:embed="rId133"/>
+                <a:stretch>
+                  <a:fillRect/>
+                </a:stretch>
+              </p:blipFill>
+              <p:spPr>
+                <a:xfrm>
+                  <a:off x="9584343" y="5944829"/>
+                  <a:ext cx="185760" cy="316440"/>
+                </a:xfrm>
+                <a:prstGeom prst="rect">
+                  <a:avLst/>
+                </a:prstGeom>
+              </p:spPr>
+            </p:pic>
+          </mc:Fallback>
+        </mc:AlternateContent>
+        <mc:AlternateContent xmlns:mc="http://schemas.openxmlformats.org/markup-compatibility/2006">
+          <mc:Choice xmlns:p14="http://schemas.microsoft.com/office/powerpoint/2010/main" Requires="p14">
+            <p:contentPart p14:bwMode="auto" r:id="rId134">
+              <p14:nvContentPartPr>
+                <p14:cNvPr id="89" name="Ink 88">
+                  <a:extLst>
+                    <a:ext uri="{FF2B5EF4-FFF2-40B4-BE49-F238E27FC236}">
+                      <a16:creationId xmlns:a16="http://schemas.microsoft.com/office/drawing/2014/main" id="{03F3674D-1620-1DD4-A982-05AF94A9AC80}"/>
+                    </a:ext>
+                  </a:extLst>
+                </p14:cNvPr>
+                <p14:cNvContentPartPr/>
+                <p14:nvPr/>
+              </p14:nvContentPartPr>
+              <p14:xfrm>
+                <a:off x="9809703" y="6003509"/>
+                <a:ext cx="188640" cy="309600"/>
+              </p14:xfrm>
+            </p:contentPart>
+          </mc:Choice>
+          <mc:Fallback>
+            <p:pic>
+              <p:nvPicPr>
+                <p:cNvPr id="89" name="Ink 88">
+                  <a:extLst>
+                    <a:ext uri="{FF2B5EF4-FFF2-40B4-BE49-F238E27FC236}">
+                      <a16:creationId xmlns:a16="http://schemas.microsoft.com/office/drawing/2014/main" id="{03F3674D-1620-1DD4-A982-05AF94A9AC80}"/>
+                    </a:ext>
+                  </a:extLst>
+                </p:cNvPr>
+                <p:cNvPicPr/>
+                <p:nvPr/>
+              </p:nvPicPr>
+              <p:blipFill>
+                <a:blip r:embed="rId135"/>
+                <a:stretch>
+                  <a:fillRect/>
+                </a:stretch>
+              </p:blipFill>
+              <p:spPr>
+                <a:xfrm>
+                  <a:off x="9800703" y="5994509"/>
+                  <a:ext cx="206280" cy="327240"/>
+                </a:xfrm>
+                <a:prstGeom prst="rect">
+                  <a:avLst/>
+                </a:prstGeom>
+              </p:spPr>
+            </p:pic>
+          </mc:Fallback>
+        </mc:AlternateContent>
+        <mc:AlternateContent xmlns:mc="http://schemas.openxmlformats.org/markup-compatibility/2006">
+          <mc:Choice xmlns:p14="http://schemas.microsoft.com/office/powerpoint/2010/main" Requires="p14">
+            <p:contentPart p14:bwMode="auto" r:id="rId136">
+              <p14:nvContentPartPr>
+                <p14:cNvPr id="90" name="Ink 89">
+                  <a:extLst>
+                    <a:ext uri="{FF2B5EF4-FFF2-40B4-BE49-F238E27FC236}">
+                      <a16:creationId xmlns:a16="http://schemas.microsoft.com/office/drawing/2014/main" id="{45D1313A-C549-E063-D739-839F5B624DCA}"/>
+                    </a:ext>
+                  </a:extLst>
+                </p14:cNvPr>
+                <p14:cNvContentPartPr/>
+                <p14:nvPr/>
+              </p14:nvContentPartPr>
+              <p14:xfrm>
+                <a:off x="10014903" y="5989829"/>
+                <a:ext cx="201240" cy="304200"/>
+              </p14:xfrm>
+            </p:contentPart>
+          </mc:Choice>
+          <mc:Fallback>
+            <p:pic>
+              <p:nvPicPr>
+                <p:cNvPr id="90" name="Ink 89">
+                  <a:extLst>
+                    <a:ext uri="{FF2B5EF4-FFF2-40B4-BE49-F238E27FC236}">
+                      <a16:creationId xmlns:a16="http://schemas.microsoft.com/office/drawing/2014/main" id="{45D1313A-C549-E063-D739-839F5B624DCA}"/>
+                    </a:ext>
+                  </a:extLst>
+                </p:cNvPr>
+                <p:cNvPicPr/>
+                <p:nvPr/>
+              </p:nvPicPr>
+              <p:blipFill>
+                <a:blip r:embed="rId137"/>
+                <a:stretch>
+                  <a:fillRect/>
+                </a:stretch>
+              </p:blipFill>
+              <p:spPr>
+                <a:xfrm>
+                  <a:off x="10005903" y="5980829"/>
+                  <a:ext cx="218880" cy="321840"/>
+                </a:xfrm>
+                <a:prstGeom prst="rect">
+                  <a:avLst/>
+                </a:prstGeom>
+              </p:spPr>
+            </p:pic>
+          </mc:Fallback>
+        </mc:AlternateContent>
+        <mc:AlternateContent xmlns:mc="http://schemas.openxmlformats.org/markup-compatibility/2006">
+          <mc:Choice xmlns:p14="http://schemas.microsoft.com/office/powerpoint/2010/main" Requires="p14">
+            <p:contentPart p14:bwMode="auto" r:id="rId138">
+              <p14:nvContentPartPr>
+                <p14:cNvPr id="92" name="Ink 91">
+                  <a:extLst>
+                    <a:ext uri="{FF2B5EF4-FFF2-40B4-BE49-F238E27FC236}">
+                      <a16:creationId xmlns:a16="http://schemas.microsoft.com/office/drawing/2014/main" id="{DE59F6D4-7E38-D059-290F-1D4E13802C64}"/>
+                    </a:ext>
+                  </a:extLst>
+                </p14:cNvPr>
+                <p14:cNvContentPartPr/>
+                <p14:nvPr/>
+              </p14:nvContentPartPr>
+              <p14:xfrm>
+                <a:off x="8887023" y="5166869"/>
+                <a:ext cx="285120" cy="80640"/>
+              </p14:xfrm>
+            </p:contentPart>
+          </mc:Choice>
+          <mc:Fallback>
+            <p:pic>
+              <p:nvPicPr>
+                <p:cNvPr id="92" name="Ink 91">
+                  <a:extLst>
+                    <a:ext uri="{FF2B5EF4-FFF2-40B4-BE49-F238E27FC236}">
+                      <a16:creationId xmlns:a16="http://schemas.microsoft.com/office/drawing/2014/main" id="{DE59F6D4-7E38-D059-290F-1D4E13802C64}"/>
+                    </a:ext>
+                  </a:extLst>
+                </p:cNvPr>
+                <p:cNvPicPr/>
+                <p:nvPr/>
+              </p:nvPicPr>
+              <p:blipFill>
+                <a:blip r:embed="rId139"/>
+                <a:stretch>
+                  <a:fillRect/>
+                </a:stretch>
+              </p:blipFill>
+              <p:spPr>
+                <a:xfrm>
+                  <a:off x="8878383" y="5157869"/>
+                  <a:ext cx="302760" cy="98280"/>
+                </a:xfrm>
+                <a:prstGeom prst="rect">
+                  <a:avLst/>
+                </a:prstGeom>
+              </p:spPr>
+            </p:pic>
+          </mc:Fallback>
+        </mc:AlternateContent>
+        <mc:AlternateContent xmlns:mc="http://schemas.openxmlformats.org/markup-compatibility/2006">
+          <mc:Choice xmlns:p14="http://schemas.microsoft.com/office/powerpoint/2010/main" Requires="p14">
+            <p:contentPart p14:bwMode="auto" r:id="rId140">
+              <p14:nvContentPartPr>
+                <p14:cNvPr id="93" name="Ink 92">
+                  <a:extLst>
+                    <a:ext uri="{FF2B5EF4-FFF2-40B4-BE49-F238E27FC236}">
+                      <a16:creationId xmlns:a16="http://schemas.microsoft.com/office/drawing/2014/main" id="{7C00D996-1C42-6995-7FAE-D7131E35E213}"/>
+                    </a:ext>
+                  </a:extLst>
+                </p14:cNvPr>
+                <p14:cNvContentPartPr/>
+                <p14:nvPr/>
+              </p14:nvContentPartPr>
+              <p14:xfrm>
+                <a:off x="8788743" y="5043029"/>
+                <a:ext cx="1038240" cy="120960"/>
+              </p14:xfrm>
+            </p:contentPart>
+          </mc:Choice>
+          <mc:Fallback>
+            <p:pic>
+              <p:nvPicPr>
+                <p:cNvPr id="93" name="Ink 92">
+                  <a:extLst>
+                    <a:ext uri="{FF2B5EF4-FFF2-40B4-BE49-F238E27FC236}">
+                      <a16:creationId xmlns:a16="http://schemas.microsoft.com/office/drawing/2014/main" id="{7C00D996-1C42-6995-7FAE-D7131E35E213}"/>
+                    </a:ext>
+                  </a:extLst>
+                </p:cNvPr>
+                <p:cNvPicPr/>
+                <p:nvPr/>
+              </p:nvPicPr>
+              <p:blipFill>
+                <a:blip r:embed="rId141"/>
+                <a:stretch>
+                  <a:fillRect/>
+                </a:stretch>
+              </p:blipFill>
+              <p:spPr>
+                <a:xfrm>
+                  <a:off x="8779743" y="5034029"/>
+                  <a:ext cx="1055880" cy="138600"/>
+                </a:xfrm>
+                <a:prstGeom prst="rect">
+                  <a:avLst/>
+                </a:prstGeom>
+              </p:spPr>
+            </p:pic>
+          </mc:Fallback>
+        </mc:AlternateContent>
+      </p:grpSp>
+      <mc:AlternateContent xmlns:mc="http://schemas.openxmlformats.org/markup-compatibility/2006">
+        <mc:Choice xmlns:p14="http://schemas.microsoft.com/office/powerpoint/2010/main" xmlns:aink="http://schemas.microsoft.com/office/drawing/2016/ink" Requires="p14 aink">
+          <p:contentPart p14:bwMode="auto" r:id="rId142">
+            <p14:nvContentPartPr>
+              <p14:cNvPr id="95" name="Ink 94">
+                <a:extLst>
+                  <a:ext uri="{FF2B5EF4-FFF2-40B4-BE49-F238E27FC236}">
+                    <a16:creationId xmlns:a16="http://schemas.microsoft.com/office/drawing/2014/main" id="{A1A38F07-AB22-E39D-8CD0-07B8EA3709D5}"/>
+                  </a:ext>
+                </a:extLst>
+              </p14:cNvPr>
+              <p14:cNvContentPartPr/>
+              <p14:nvPr/>
+            </p14:nvContentPartPr>
+            <p14:xfrm>
+              <a:off x="2895903" y="5202509"/>
+              <a:ext cx="5839920" cy="1536120"/>
+            </p14:xfrm>
+          </p:contentPart>
+        </mc:Choice>
+        <mc:Fallback>
+          <p:pic>
+            <p:nvPicPr>
+              <p:cNvPr id="95" name="Ink 94">
+                <a:extLst>
+                  <a:ext uri="{FF2B5EF4-FFF2-40B4-BE49-F238E27FC236}">
+                    <a16:creationId xmlns:a16="http://schemas.microsoft.com/office/drawing/2014/main" id="{A1A38F07-AB22-E39D-8CD0-07B8EA3709D5}"/>
+                  </a:ext>
+                </a:extLst>
+              </p:cNvPr>
+              <p:cNvPicPr/>
+              <p:nvPr/>
+            </p:nvPicPr>
+            <p:blipFill>
+              <a:blip r:embed="rId143"/>
+              <a:stretch>
+                <a:fillRect/>
+              </a:stretch>
+            </p:blipFill>
+            <p:spPr>
+              <a:xfrm>
+                <a:off x="2877903" y="5184509"/>
+                <a:ext cx="5875560" cy="1571760"/>
+              </a:xfrm>
+              <a:prstGeom prst="rect">
+                <a:avLst/>
+              </a:prstGeom>
+            </p:spPr>
+          </p:pic>
+        </mc:Fallback>
+      </mc:AlternateContent>
+      <mc:AlternateContent xmlns:mc="http://schemas.openxmlformats.org/markup-compatibility/2006">
+        <mc:Choice xmlns:p14="http://schemas.microsoft.com/office/powerpoint/2010/main" Requires="p14">
+          <p:contentPart p14:bwMode="auto" r:id="rId144">
+            <p14:nvContentPartPr>
+              <p14:cNvPr id="96" name="Ink 95">
+                <a:extLst>
+                  <a:ext uri="{FF2B5EF4-FFF2-40B4-BE49-F238E27FC236}">
+                    <a16:creationId xmlns:a16="http://schemas.microsoft.com/office/drawing/2014/main" id="{7999EF84-0A93-BEF0-90A7-D147BFD894C8}"/>
+                  </a:ext>
+                </a:extLst>
+              </p14:cNvPr>
+              <p14:cNvContentPartPr/>
+              <p14:nvPr/>
+            </p14:nvContentPartPr>
+            <p14:xfrm>
+              <a:off x="3543903" y="5940509"/>
+              <a:ext cx="315720" cy="344520"/>
+            </p14:xfrm>
+          </p:contentPart>
+        </mc:Choice>
+        <mc:Fallback>
+          <p:pic>
+            <p:nvPicPr>
+              <p:cNvPr id="96" name="Ink 95">
+                <a:extLst>
+                  <a:ext uri="{FF2B5EF4-FFF2-40B4-BE49-F238E27FC236}">
+                    <a16:creationId xmlns:a16="http://schemas.microsoft.com/office/drawing/2014/main" id="{7999EF84-0A93-BEF0-90A7-D147BFD894C8}"/>
+                  </a:ext>
+                </a:extLst>
+              </p:cNvPr>
+              <p:cNvPicPr/>
+              <p:nvPr/>
+            </p:nvPicPr>
+            <p:blipFill>
+              <a:blip r:embed="rId145"/>
+              <a:stretch>
+                <a:fillRect/>
+              </a:stretch>
+            </p:blipFill>
+            <p:spPr>
+              <a:xfrm>
+                <a:off x="3534903" y="5931869"/>
+                <a:ext cx="333360" cy="362160"/>
+              </a:xfrm>
+              <a:prstGeom prst="rect">
+                <a:avLst/>
+              </a:prstGeom>
+            </p:spPr>
+          </p:pic>
+        </mc:Fallback>
+      </mc:AlternateContent>
+      <mc:AlternateContent xmlns:mc="http://schemas.openxmlformats.org/markup-compatibility/2006">
+        <mc:Choice xmlns:p14="http://schemas.microsoft.com/office/powerpoint/2010/main" Requires="p14">
+          <p:contentPart p14:bwMode="auto" r:id="rId146">
+            <p14:nvContentPartPr>
+              <p14:cNvPr id="97" name="Ink 96">
+                <a:extLst>
+                  <a:ext uri="{FF2B5EF4-FFF2-40B4-BE49-F238E27FC236}">
+                    <a16:creationId xmlns:a16="http://schemas.microsoft.com/office/drawing/2014/main" id="{2AAABA46-B217-60FE-ED73-3E91ACA543E6}"/>
+                  </a:ext>
+                </a:extLst>
+              </p14:cNvPr>
+              <p14:cNvContentPartPr/>
+              <p14:nvPr/>
+            </p14:nvContentPartPr>
+            <p14:xfrm>
+              <a:off x="3356703" y="5969309"/>
+              <a:ext cx="27720" cy="302400"/>
+            </p14:xfrm>
+          </p:contentPart>
+        </mc:Choice>
+        <mc:Fallback>
+          <p:pic>
+            <p:nvPicPr>
+              <p:cNvPr id="97" name="Ink 96">
+                <a:extLst>
+                  <a:ext uri="{FF2B5EF4-FFF2-40B4-BE49-F238E27FC236}">
+                    <a16:creationId xmlns:a16="http://schemas.microsoft.com/office/drawing/2014/main" id="{2AAABA46-B217-60FE-ED73-3E91ACA543E6}"/>
+                  </a:ext>
+                </a:extLst>
+              </p:cNvPr>
+              <p:cNvPicPr/>
+              <p:nvPr/>
+            </p:nvPicPr>
+            <p:blipFill>
+              <a:blip r:embed="rId147"/>
+              <a:stretch>
+                <a:fillRect/>
+              </a:stretch>
+            </p:blipFill>
+            <p:spPr>
+              <a:xfrm>
+                <a:off x="3347703" y="5960309"/>
+                <a:ext cx="45360" cy="320040"/>
+              </a:xfrm>
+              <a:prstGeom prst="rect">
+                <a:avLst/>
+              </a:prstGeom>
+            </p:spPr>
+          </p:pic>
+        </mc:Fallback>
+      </mc:AlternateContent>
+      <mc:AlternateContent xmlns:mc="http://schemas.openxmlformats.org/markup-compatibility/2006">
+        <mc:Choice xmlns:p14="http://schemas.microsoft.com/office/powerpoint/2010/main" Requires="p14">
+          <p:contentPart p14:bwMode="auto" r:id="rId148">
+            <p14:nvContentPartPr>
+              <p14:cNvPr id="98" name="Ink 97">
+                <a:extLst>
+                  <a:ext uri="{FF2B5EF4-FFF2-40B4-BE49-F238E27FC236}">
+                    <a16:creationId xmlns:a16="http://schemas.microsoft.com/office/drawing/2014/main" id="{82E08B2E-03C9-F77C-63DC-95F2E381C4ED}"/>
+                  </a:ext>
+                </a:extLst>
+              </p14:cNvPr>
+              <p14:cNvContentPartPr/>
+              <p14:nvPr/>
+            </p14:nvContentPartPr>
+            <p14:xfrm>
+              <a:off x="3223143" y="5939069"/>
+              <a:ext cx="277560" cy="131400"/>
+            </p14:xfrm>
+          </p:contentPart>
+        </mc:Choice>
+        <mc:Fallback>
+          <p:pic>
+            <p:nvPicPr>
+              <p:cNvPr id="98" name="Ink 97">
+                <a:extLst>
+                  <a:ext uri="{FF2B5EF4-FFF2-40B4-BE49-F238E27FC236}">
+                    <a16:creationId xmlns:a16="http://schemas.microsoft.com/office/drawing/2014/main" id="{82E08B2E-03C9-F77C-63DC-95F2E381C4ED}"/>
+                  </a:ext>
+                </a:extLst>
+              </p:cNvPr>
+              <p:cNvPicPr/>
+              <p:nvPr/>
+            </p:nvPicPr>
+            <p:blipFill>
+              <a:blip r:embed="rId149"/>
+              <a:stretch>
+                <a:fillRect/>
+              </a:stretch>
+            </p:blipFill>
+            <p:spPr>
+              <a:xfrm>
+                <a:off x="3214143" y="5930069"/>
+                <a:ext cx="295200" cy="149040"/>
+              </a:xfrm>
+              <a:prstGeom prst="rect">
+                <a:avLst/>
+              </a:prstGeom>
+            </p:spPr>
+          </p:pic>
+        </mc:Fallback>
+      </mc:AlternateContent>
+      <mc:AlternateContent xmlns:mc="http://schemas.openxmlformats.org/markup-compatibility/2006">
+        <mc:Choice xmlns:p14="http://schemas.microsoft.com/office/powerpoint/2010/main" Requires="p14">
+          <p:contentPart p14:bwMode="auto" r:id="rId150">
+            <p14:nvContentPartPr>
+              <p14:cNvPr id="99" name="Ink 98">
+                <a:extLst>
+                  <a:ext uri="{FF2B5EF4-FFF2-40B4-BE49-F238E27FC236}">
+                    <a16:creationId xmlns:a16="http://schemas.microsoft.com/office/drawing/2014/main" id="{84265418-42A7-AD80-8F84-BEBBEE00A0EA}"/>
+                  </a:ext>
+                </a:extLst>
+              </p14:cNvPr>
+              <p14:cNvContentPartPr/>
+              <p14:nvPr/>
+            </p14:nvContentPartPr>
+            <p14:xfrm>
+              <a:off x="3170583" y="6199709"/>
+              <a:ext cx="278640" cy="96480"/>
+            </p14:xfrm>
+          </p:contentPart>
+        </mc:Choice>
+        <mc:Fallback>
+          <p:pic>
+            <p:nvPicPr>
+              <p:cNvPr id="99" name="Ink 98">
+                <a:extLst>
+                  <a:ext uri="{FF2B5EF4-FFF2-40B4-BE49-F238E27FC236}">
+                    <a16:creationId xmlns:a16="http://schemas.microsoft.com/office/drawing/2014/main" id="{84265418-42A7-AD80-8F84-BEBBEE00A0EA}"/>
+                  </a:ext>
+                </a:extLst>
+              </p:cNvPr>
+              <p:cNvPicPr/>
+              <p:nvPr/>
+            </p:nvPicPr>
+            <p:blipFill>
+              <a:blip r:embed="rId151"/>
+              <a:stretch>
+                <a:fillRect/>
+              </a:stretch>
+            </p:blipFill>
+            <p:spPr>
+              <a:xfrm>
+                <a:off x="3161583" y="6190709"/>
+                <a:ext cx="296280" cy="114120"/>
+              </a:xfrm>
+              <a:prstGeom prst="rect">
+                <a:avLst/>
+              </a:prstGeom>
+            </p:spPr>
+          </p:pic>
+        </mc:Fallback>
+      </mc:AlternateContent>
+      <p:grpSp>
+        <p:nvGrpSpPr>
+          <p:cNvPr id="116" name="Group 115">
+            <a:extLst>
+              <a:ext uri="{FF2B5EF4-FFF2-40B4-BE49-F238E27FC236}">
+                <a16:creationId xmlns:a16="http://schemas.microsoft.com/office/drawing/2014/main" id="{AA111441-A8D8-BA1D-FED1-A5D452689801}"/>
+              </a:ext>
+            </a:extLst>
+          </p:cNvPr>
+          <p:cNvGrpSpPr/>
+          <p:nvPr/>
+        </p:nvGrpSpPr>
+        <p:grpSpPr>
+          <a:xfrm>
+            <a:off x="3913983" y="5862749"/>
+            <a:ext cx="2881440" cy="499680"/>
+            <a:chOff x="3913983" y="5862749"/>
+            <a:chExt cx="2881440" cy="499680"/>
+          </a:xfrm>
+        </p:grpSpPr>
+        <mc:AlternateContent xmlns:mc="http://schemas.openxmlformats.org/markup-compatibility/2006">
+          <mc:Choice xmlns:p14="http://schemas.microsoft.com/office/powerpoint/2010/main" Requires="p14">
+            <p:contentPart p14:bwMode="auto" r:id="rId152">
+              <p14:nvContentPartPr>
+                <p14:cNvPr id="100" name="Ink 99">
+                  <a:extLst>
+                    <a:ext uri="{FF2B5EF4-FFF2-40B4-BE49-F238E27FC236}">
+                      <a16:creationId xmlns:a16="http://schemas.microsoft.com/office/drawing/2014/main" id="{B42B26E1-7C19-6EBF-841B-53BAB8DDF6E8}"/>
+                    </a:ext>
+                  </a:extLst>
+                </p14:cNvPr>
+                <p14:cNvContentPartPr/>
+                <p14:nvPr/>
+              </p14:nvContentPartPr>
+              <p14:xfrm>
+                <a:off x="3913983" y="5919989"/>
+                <a:ext cx="28080" cy="316800"/>
+              </p14:xfrm>
+            </p:contentPart>
+          </mc:Choice>
+          <mc:Fallback>
+            <p:pic>
+              <p:nvPicPr>
+                <p:cNvPr id="100" name="Ink 99">
+                  <a:extLst>
+                    <a:ext uri="{FF2B5EF4-FFF2-40B4-BE49-F238E27FC236}">
+                      <a16:creationId xmlns:a16="http://schemas.microsoft.com/office/drawing/2014/main" id="{B42B26E1-7C19-6EBF-841B-53BAB8DDF6E8}"/>
+                    </a:ext>
+                  </a:extLst>
+                </p:cNvPr>
+                <p:cNvPicPr/>
+                <p:nvPr/>
+              </p:nvPicPr>
+              <p:blipFill>
+                <a:blip r:embed="rId153"/>
+                <a:stretch>
+                  <a:fillRect/>
+                </a:stretch>
+              </p:blipFill>
+              <p:spPr>
+                <a:xfrm>
+                  <a:off x="3904983" y="5910989"/>
+                  <a:ext cx="45720" cy="334440"/>
+                </a:xfrm>
+                <a:prstGeom prst="rect">
+                  <a:avLst/>
+                </a:prstGeom>
+              </p:spPr>
+            </p:pic>
+          </mc:Fallback>
+        </mc:AlternateContent>
+        <mc:AlternateContent xmlns:mc="http://schemas.openxmlformats.org/markup-compatibility/2006">
+          <mc:Choice xmlns:p14="http://schemas.microsoft.com/office/powerpoint/2010/main" Requires="p14">
+            <p:contentPart p14:bwMode="auto" r:id="rId154">
+              <p14:nvContentPartPr>
+                <p14:cNvPr id="101" name="Ink 100">
+                  <a:extLst>
+                    <a:ext uri="{FF2B5EF4-FFF2-40B4-BE49-F238E27FC236}">
+                      <a16:creationId xmlns:a16="http://schemas.microsoft.com/office/drawing/2014/main" id="{85DC589B-49EA-8EC7-B8A9-D6C285698860}"/>
+                    </a:ext>
+                  </a:extLst>
+                </p14:cNvPr>
+                <p14:cNvContentPartPr/>
+                <p14:nvPr/>
+              </p14:nvContentPartPr>
+              <p14:xfrm>
+                <a:off x="4044663" y="6110069"/>
+                <a:ext cx="243000" cy="189720"/>
+              </p14:xfrm>
+            </p:contentPart>
+          </mc:Choice>
+          <mc:Fallback>
+            <p:pic>
+              <p:nvPicPr>
+                <p:cNvPr id="101" name="Ink 100">
+                  <a:extLst>
+                    <a:ext uri="{FF2B5EF4-FFF2-40B4-BE49-F238E27FC236}">
+                      <a16:creationId xmlns:a16="http://schemas.microsoft.com/office/drawing/2014/main" id="{85DC589B-49EA-8EC7-B8A9-D6C285698860}"/>
+                    </a:ext>
+                  </a:extLst>
+                </p:cNvPr>
+                <p:cNvPicPr/>
+                <p:nvPr/>
+              </p:nvPicPr>
+              <p:blipFill>
+                <a:blip r:embed="rId155"/>
+                <a:stretch>
+                  <a:fillRect/>
+                </a:stretch>
+              </p:blipFill>
+              <p:spPr>
+                <a:xfrm>
+                  <a:off x="4036023" y="6101069"/>
+                  <a:ext cx="260640" cy="207360"/>
+                </a:xfrm>
+                <a:prstGeom prst="rect">
+                  <a:avLst/>
+                </a:prstGeom>
+              </p:spPr>
+            </p:pic>
+          </mc:Fallback>
+        </mc:AlternateContent>
+        <mc:AlternateContent xmlns:mc="http://schemas.openxmlformats.org/markup-compatibility/2006">
+          <mc:Choice xmlns:p14="http://schemas.microsoft.com/office/powerpoint/2010/main" Requires="p14">
+            <p:contentPart p14:bwMode="auto" r:id="rId156">
+              <p14:nvContentPartPr>
+                <p14:cNvPr id="102" name="Ink 101">
+                  <a:extLst>
+                    <a:ext uri="{FF2B5EF4-FFF2-40B4-BE49-F238E27FC236}">
+                      <a16:creationId xmlns:a16="http://schemas.microsoft.com/office/drawing/2014/main" id="{338CE8B7-B5FC-DEC4-6F6E-CC486D65B146}"/>
+                    </a:ext>
+                  </a:extLst>
+                </p14:cNvPr>
+                <p14:cNvContentPartPr/>
+                <p14:nvPr/>
+              </p14:nvContentPartPr>
+              <p14:xfrm>
+                <a:off x="4219983" y="6127349"/>
+                <a:ext cx="162720" cy="170280"/>
+              </p14:xfrm>
+            </p:contentPart>
+          </mc:Choice>
+          <mc:Fallback>
+            <p:pic>
+              <p:nvPicPr>
+                <p:cNvPr id="102" name="Ink 101">
+                  <a:extLst>
+                    <a:ext uri="{FF2B5EF4-FFF2-40B4-BE49-F238E27FC236}">
+                      <a16:creationId xmlns:a16="http://schemas.microsoft.com/office/drawing/2014/main" id="{338CE8B7-B5FC-DEC4-6F6E-CC486D65B146}"/>
+                    </a:ext>
+                  </a:extLst>
+                </p:cNvPr>
+                <p:cNvPicPr/>
+                <p:nvPr/>
+              </p:nvPicPr>
+              <p:blipFill>
+                <a:blip r:embed="rId157"/>
+                <a:stretch>
+                  <a:fillRect/>
+                </a:stretch>
+              </p:blipFill>
+              <p:spPr>
+                <a:xfrm>
+                  <a:off x="4211343" y="6118349"/>
+                  <a:ext cx="180360" cy="187920"/>
+                </a:xfrm>
+                <a:prstGeom prst="rect">
+                  <a:avLst/>
+                </a:prstGeom>
+              </p:spPr>
+            </p:pic>
+          </mc:Fallback>
+        </mc:AlternateContent>
+        <mc:AlternateContent xmlns:mc="http://schemas.openxmlformats.org/markup-compatibility/2006">
+          <mc:Choice xmlns:p14="http://schemas.microsoft.com/office/powerpoint/2010/main" Requires="p14">
+            <p:contentPart p14:bwMode="auto" r:id="rId158">
+              <p14:nvContentPartPr>
+                <p14:cNvPr id="103" name="Ink 102">
+                  <a:extLst>
+                    <a:ext uri="{FF2B5EF4-FFF2-40B4-BE49-F238E27FC236}">
+                      <a16:creationId xmlns:a16="http://schemas.microsoft.com/office/drawing/2014/main" id="{E49BA3A3-6531-37AB-5E2B-D5EFEE3F943B}"/>
+                    </a:ext>
+                  </a:extLst>
+                </p14:cNvPr>
+                <p14:cNvContentPartPr/>
+                <p14:nvPr/>
+              </p14:nvContentPartPr>
+              <p14:xfrm>
+                <a:off x="4376943" y="6100709"/>
+                <a:ext cx="157680" cy="244080"/>
+              </p14:xfrm>
+            </p:contentPart>
+          </mc:Choice>
+          <mc:Fallback>
+            <p:pic>
+              <p:nvPicPr>
+                <p:cNvPr id="103" name="Ink 102">
+                  <a:extLst>
+                    <a:ext uri="{FF2B5EF4-FFF2-40B4-BE49-F238E27FC236}">
+                      <a16:creationId xmlns:a16="http://schemas.microsoft.com/office/drawing/2014/main" id="{E49BA3A3-6531-37AB-5E2B-D5EFEE3F943B}"/>
+                    </a:ext>
+                  </a:extLst>
+                </p:cNvPr>
+                <p:cNvPicPr/>
+                <p:nvPr/>
+              </p:nvPicPr>
+              <p:blipFill>
+                <a:blip r:embed="rId159"/>
+                <a:stretch>
+                  <a:fillRect/>
+                </a:stretch>
+              </p:blipFill>
+              <p:spPr>
+                <a:xfrm>
+                  <a:off x="4367943" y="6092069"/>
+                  <a:ext cx="175320" cy="261720"/>
+                </a:xfrm>
+                <a:prstGeom prst="rect">
+                  <a:avLst/>
+                </a:prstGeom>
+              </p:spPr>
+            </p:pic>
+          </mc:Fallback>
+        </mc:AlternateContent>
+        <mc:AlternateContent xmlns:mc="http://schemas.openxmlformats.org/markup-compatibility/2006">
+          <mc:Choice xmlns:p14="http://schemas.microsoft.com/office/powerpoint/2010/main" Requires="p14">
+            <p:contentPart p14:bwMode="auto" r:id="rId160">
+              <p14:nvContentPartPr>
+                <p14:cNvPr id="104" name="Ink 103">
+                  <a:extLst>
+                    <a:ext uri="{FF2B5EF4-FFF2-40B4-BE49-F238E27FC236}">
+                      <a16:creationId xmlns:a16="http://schemas.microsoft.com/office/drawing/2014/main" id="{E68974FD-9402-50AA-B887-56E8C79D3C3D}"/>
+                    </a:ext>
+                  </a:extLst>
+                </p14:cNvPr>
+                <p14:cNvContentPartPr/>
+                <p14:nvPr/>
+              </p14:nvContentPartPr>
+              <p14:xfrm>
+                <a:off x="4511223" y="5862749"/>
+                <a:ext cx="302040" cy="474840"/>
+              </p14:xfrm>
+            </p:contentPart>
+          </mc:Choice>
+          <mc:Fallback>
+            <p:pic>
+              <p:nvPicPr>
+                <p:cNvPr id="104" name="Ink 103">
+                  <a:extLst>
+                    <a:ext uri="{FF2B5EF4-FFF2-40B4-BE49-F238E27FC236}">
+                      <a16:creationId xmlns:a16="http://schemas.microsoft.com/office/drawing/2014/main" id="{E68974FD-9402-50AA-B887-56E8C79D3C3D}"/>
+                    </a:ext>
+                  </a:extLst>
+                </p:cNvPr>
+                <p:cNvPicPr/>
+                <p:nvPr/>
+              </p:nvPicPr>
+              <p:blipFill>
+                <a:blip r:embed="rId161"/>
+                <a:stretch>
+                  <a:fillRect/>
+                </a:stretch>
+              </p:blipFill>
+              <p:spPr>
+                <a:xfrm>
+                  <a:off x="4502223" y="5854109"/>
+                  <a:ext cx="319680" cy="492480"/>
+                </a:xfrm>
+                <a:prstGeom prst="rect">
+                  <a:avLst/>
+                </a:prstGeom>
+              </p:spPr>
+            </p:pic>
+          </mc:Fallback>
+        </mc:AlternateContent>
+        <mc:AlternateContent xmlns:mc="http://schemas.openxmlformats.org/markup-compatibility/2006">
+          <mc:Choice xmlns:p14="http://schemas.microsoft.com/office/powerpoint/2010/main" Requires="p14">
+            <p:contentPart p14:bwMode="auto" r:id="rId162">
+              <p14:nvContentPartPr>
+                <p14:cNvPr id="105" name="Ink 104">
+                  <a:extLst>
+                    <a:ext uri="{FF2B5EF4-FFF2-40B4-BE49-F238E27FC236}">
+                      <a16:creationId xmlns:a16="http://schemas.microsoft.com/office/drawing/2014/main" id="{DA38342E-9E6D-65D6-DC8F-78E59CAF82ED}"/>
+                    </a:ext>
+                  </a:extLst>
+                </p14:cNvPr>
+                <p14:cNvContentPartPr/>
+                <p14:nvPr/>
+              </p14:nvContentPartPr>
+              <p14:xfrm>
+                <a:off x="4586103" y="6115469"/>
+                <a:ext cx="166680" cy="19440"/>
+              </p14:xfrm>
+            </p:contentPart>
+          </mc:Choice>
+          <mc:Fallback>
+            <p:pic>
+              <p:nvPicPr>
+                <p:cNvPr id="105" name="Ink 104">
+                  <a:extLst>
+                    <a:ext uri="{FF2B5EF4-FFF2-40B4-BE49-F238E27FC236}">
+                      <a16:creationId xmlns:a16="http://schemas.microsoft.com/office/drawing/2014/main" id="{DA38342E-9E6D-65D6-DC8F-78E59CAF82ED}"/>
+                    </a:ext>
+                  </a:extLst>
+                </p:cNvPr>
+                <p:cNvPicPr/>
+                <p:nvPr/>
+              </p:nvPicPr>
+              <p:blipFill>
+                <a:blip r:embed="rId163"/>
+                <a:stretch>
+                  <a:fillRect/>
+                </a:stretch>
+              </p:blipFill>
+              <p:spPr>
+                <a:xfrm>
+                  <a:off x="4577463" y="6106469"/>
+                  <a:ext cx="184320" cy="37080"/>
+                </a:xfrm>
+                <a:prstGeom prst="rect">
+                  <a:avLst/>
+                </a:prstGeom>
+              </p:spPr>
+            </p:pic>
+          </mc:Fallback>
+        </mc:AlternateContent>
+        <mc:AlternateContent xmlns:mc="http://schemas.openxmlformats.org/markup-compatibility/2006">
+          <mc:Choice xmlns:p14="http://schemas.microsoft.com/office/powerpoint/2010/main" Requires="p14">
+            <p:contentPart p14:bwMode="auto" r:id="rId164">
+              <p14:nvContentPartPr>
+                <p14:cNvPr id="107" name="Ink 106">
+                  <a:extLst>
+                    <a:ext uri="{FF2B5EF4-FFF2-40B4-BE49-F238E27FC236}">
+                      <a16:creationId xmlns:a16="http://schemas.microsoft.com/office/drawing/2014/main" id="{46D39A6C-D2EF-2008-65C0-B21F3A81AA27}"/>
+                    </a:ext>
+                  </a:extLst>
+                </p14:cNvPr>
+                <p14:cNvContentPartPr/>
+                <p14:nvPr/>
+              </p14:nvContentPartPr>
+              <p14:xfrm>
+                <a:off x="5108823" y="6055709"/>
+                <a:ext cx="192240" cy="306720"/>
+              </p14:xfrm>
+            </p:contentPart>
+          </mc:Choice>
+          <mc:Fallback>
+            <p:pic>
+              <p:nvPicPr>
+                <p:cNvPr id="107" name="Ink 106">
+                  <a:extLst>
+                    <a:ext uri="{FF2B5EF4-FFF2-40B4-BE49-F238E27FC236}">
+                      <a16:creationId xmlns:a16="http://schemas.microsoft.com/office/drawing/2014/main" id="{46D39A6C-D2EF-2008-65C0-B21F3A81AA27}"/>
+                    </a:ext>
+                  </a:extLst>
+                </p:cNvPr>
+                <p:cNvPicPr/>
+                <p:nvPr/>
+              </p:nvPicPr>
+              <p:blipFill>
+                <a:blip r:embed="rId165"/>
+                <a:stretch>
+                  <a:fillRect/>
+                </a:stretch>
+              </p:blipFill>
+              <p:spPr>
+                <a:xfrm>
+                  <a:off x="5100183" y="6047069"/>
+                  <a:ext cx="209880" cy="324360"/>
+                </a:xfrm>
+                <a:prstGeom prst="rect">
+                  <a:avLst/>
+                </a:prstGeom>
+              </p:spPr>
+            </p:pic>
+          </mc:Fallback>
+        </mc:AlternateContent>
+        <mc:AlternateContent xmlns:mc="http://schemas.openxmlformats.org/markup-compatibility/2006">
+          <mc:Choice xmlns:p14="http://schemas.microsoft.com/office/powerpoint/2010/main" Requires="p14">
+            <p:contentPart p14:bwMode="auto" r:id="rId166">
+              <p14:nvContentPartPr>
+                <p14:cNvPr id="108" name="Ink 107">
+                  <a:extLst>
+                    <a:ext uri="{FF2B5EF4-FFF2-40B4-BE49-F238E27FC236}">
+                      <a16:creationId xmlns:a16="http://schemas.microsoft.com/office/drawing/2014/main" id="{688613EA-F2F9-660D-F473-23505935F57B}"/>
+                    </a:ext>
+                  </a:extLst>
+                </p14:cNvPr>
+                <p14:cNvContentPartPr/>
+                <p14:nvPr/>
+              </p14:nvContentPartPr>
+              <p14:xfrm>
+                <a:off x="5117463" y="6100709"/>
+                <a:ext cx="260280" cy="243720"/>
+              </p14:xfrm>
+            </p:contentPart>
+          </mc:Choice>
+          <mc:Fallback>
+            <p:pic>
+              <p:nvPicPr>
+                <p:cNvPr id="108" name="Ink 107">
+                  <a:extLst>
+                    <a:ext uri="{FF2B5EF4-FFF2-40B4-BE49-F238E27FC236}">
+                      <a16:creationId xmlns:a16="http://schemas.microsoft.com/office/drawing/2014/main" id="{688613EA-F2F9-660D-F473-23505935F57B}"/>
+                    </a:ext>
+                  </a:extLst>
+                </p:cNvPr>
+                <p:cNvPicPr/>
+                <p:nvPr/>
+              </p:nvPicPr>
+              <p:blipFill>
+                <a:blip r:embed="rId167"/>
+                <a:stretch>
+                  <a:fillRect/>
+                </a:stretch>
+              </p:blipFill>
+              <p:spPr>
+                <a:xfrm>
+                  <a:off x="5108823" y="6092069"/>
+                  <a:ext cx="277920" cy="261360"/>
+                </a:xfrm>
+                <a:prstGeom prst="rect">
+                  <a:avLst/>
+                </a:prstGeom>
+              </p:spPr>
+            </p:pic>
+          </mc:Fallback>
+        </mc:AlternateContent>
+        <mc:AlternateContent xmlns:mc="http://schemas.openxmlformats.org/markup-compatibility/2006">
+          <mc:Choice xmlns:p14="http://schemas.microsoft.com/office/powerpoint/2010/main" Requires="p14">
+            <p:contentPart p14:bwMode="auto" r:id="rId168">
+              <p14:nvContentPartPr>
+                <p14:cNvPr id="110" name="Ink 109">
+                  <a:extLst>
+                    <a:ext uri="{FF2B5EF4-FFF2-40B4-BE49-F238E27FC236}">
+                      <a16:creationId xmlns:a16="http://schemas.microsoft.com/office/drawing/2014/main" id="{78B294AE-4814-3430-4749-831C1CEDBC32}"/>
+                    </a:ext>
+                  </a:extLst>
+                </p14:cNvPr>
+                <p14:cNvContentPartPr/>
+                <p14:nvPr/>
+              </p14:nvContentPartPr>
+              <p14:xfrm>
+                <a:off x="5671863" y="6093869"/>
+                <a:ext cx="165960" cy="20880"/>
+              </p14:xfrm>
+            </p:contentPart>
+          </mc:Choice>
+          <mc:Fallback>
+            <p:pic>
+              <p:nvPicPr>
+                <p:cNvPr id="110" name="Ink 109">
+                  <a:extLst>
+                    <a:ext uri="{FF2B5EF4-FFF2-40B4-BE49-F238E27FC236}">
+                      <a16:creationId xmlns:a16="http://schemas.microsoft.com/office/drawing/2014/main" id="{78B294AE-4814-3430-4749-831C1CEDBC32}"/>
+                    </a:ext>
+                  </a:extLst>
+                </p:cNvPr>
+                <p:cNvPicPr/>
+                <p:nvPr/>
+              </p:nvPicPr>
+              <p:blipFill>
+                <a:blip r:embed="rId169"/>
+                <a:stretch>
+                  <a:fillRect/>
+                </a:stretch>
+              </p:blipFill>
+              <p:spPr>
+                <a:xfrm>
+                  <a:off x="5662863" y="6085229"/>
+                  <a:ext cx="183600" cy="38520"/>
+                </a:xfrm>
+                <a:prstGeom prst="rect">
+                  <a:avLst/>
+                </a:prstGeom>
+              </p:spPr>
+            </p:pic>
+          </mc:Fallback>
+        </mc:AlternateContent>
+        <mc:AlternateContent xmlns:mc="http://schemas.openxmlformats.org/markup-compatibility/2006">
+          <mc:Choice xmlns:p14="http://schemas.microsoft.com/office/powerpoint/2010/main" Requires="p14">
+            <p:contentPart p14:bwMode="auto" r:id="rId170">
+              <p14:nvContentPartPr>
+                <p14:cNvPr id="111" name="Ink 110">
+                  <a:extLst>
+                    <a:ext uri="{FF2B5EF4-FFF2-40B4-BE49-F238E27FC236}">
+                      <a16:creationId xmlns:a16="http://schemas.microsoft.com/office/drawing/2014/main" id="{175D1167-0B50-0756-F42D-54E03281A526}"/>
+                    </a:ext>
+                  </a:extLst>
+                </p14:cNvPr>
+                <p14:cNvContentPartPr/>
+                <p14:nvPr/>
+              </p14:nvContentPartPr>
+              <p14:xfrm>
+                <a:off x="5661423" y="5926829"/>
+                <a:ext cx="167040" cy="44280"/>
+              </p14:xfrm>
+            </p:contentPart>
+          </mc:Choice>
+          <mc:Fallback>
+            <p:pic>
+              <p:nvPicPr>
+                <p:cNvPr id="111" name="Ink 110">
+                  <a:extLst>
+                    <a:ext uri="{FF2B5EF4-FFF2-40B4-BE49-F238E27FC236}">
+                      <a16:creationId xmlns:a16="http://schemas.microsoft.com/office/drawing/2014/main" id="{175D1167-0B50-0756-F42D-54E03281A526}"/>
+                    </a:ext>
+                  </a:extLst>
+                </p:cNvPr>
+                <p:cNvPicPr/>
+                <p:nvPr/>
+              </p:nvPicPr>
+              <p:blipFill>
+                <a:blip r:embed="rId171"/>
+                <a:stretch>
+                  <a:fillRect/>
+                </a:stretch>
+              </p:blipFill>
+              <p:spPr>
+                <a:xfrm>
+                  <a:off x="5652783" y="5918189"/>
+                  <a:ext cx="184680" cy="61920"/>
+                </a:xfrm>
+                <a:prstGeom prst="rect">
+                  <a:avLst/>
+                </a:prstGeom>
+              </p:spPr>
+            </p:pic>
+          </mc:Fallback>
+        </mc:AlternateContent>
+        <mc:AlternateContent xmlns:mc="http://schemas.openxmlformats.org/markup-compatibility/2006">
+          <mc:Choice xmlns:p14="http://schemas.microsoft.com/office/powerpoint/2010/main" Requires="p14">
+            <p:contentPart p14:bwMode="auto" r:id="rId172">
+              <p14:nvContentPartPr>
+                <p14:cNvPr id="113" name="Ink 112">
+                  <a:extLst>
+                    <a:ext uri="{FF2B5EF4-FFF2-40B4-BE49-F238E27FC236}">
+                      <a16:creationId xmlns:a16="http://schemas.microsoft.com/office/drawing/2014/main" id="{E2352292-520A-AEE5-B894-7CF6E0848316}"/>
+                    </a:ext>
+                  </a:extLst>
+                </p14:cNvPr>
+                <p14:cNvContentPartPr/>
+                <p14:nvPr/>
+              </p14:nvContentPartPr>
+              <p14:xfrm>
+                <a:off x="6094503" y="6001349"/>
+                <a:ext cx="209520" cy="169920"/>
+              </p14:xfrm>
+            </p:contentPart>
+          </mc:Choice>
+          <mc:Fallback>
+            <p:pic>
+              <p:nvPicPr>
+                <p:cNvPr id="113" name="Ink 112">
+                  <a:extLst>
+                    <a:ext uri="{FF2B5EF4-FFF2-40B4-BE49-F238E27FC236}">
+                      <a16:creationId xmlns:a16="http://schemas.microsoft.com/office/drawing/2014/main" id="{E2352292-520A-AEE5-B894-7CF6E0848316}"/>
+                    </a:ext>
+                  </a:extLst>
+                </p:cNvPr>
+                <p:cNvPicPr/>
+                <p:nvPr/>
+              </p:nvPicPr>
+              <p:blipFill>
+                <a:blip r:embed="rId173"/>
+                <a:stretch>
+                  <a:fillRect/>
+                </a:stretch>
+              </p:blipFill>
+              <p:spPr>
+                <a:xfrm>
+                  <a:off x="6085863" y="5992349"/>
+                  <a:ext cx="227160" cy="187560"/>
+                </a:xfrm>
+                <a:prstGeom prst="rect">
+                  <a:avLst/>
+                </a:prstGeom>
+              </p:spPr>
+            </p:pic>
+          </mc:Fallback>
+        </mc:AlternateContent>
+        <mc:AlternateContent xmlns:mc="http://schemas.openxmlformats.org/markup-compatibility/2006">
+          <mc:Choice xmlns:p14="http://schemas.microsoft.com/office/powerpoint/2010/main" Requires="p14">
+            <p:contentPart p14:bwMode="auto" r:id="rId174">
+              <p14:nvContentPartPr>
+                <p14:cNvPr id="114" name="Ink 113">
+                  <a:extLst>
+                    <a:ext uri="{FF2B5EF4-FFF2-40B4-BE49-F238E27FC236}">
+                      <a16:creationId xmlns:a16="http://schemas.microsoft.com/office/drawing/2014/main" id="{F306A98C-6ECA-C869-5CCE-A8E50A2AF617}"/>
+                    </a:ext>
+                  </a:extLst>
+                </p14:cNvPr>
+                <p14:cNvContentPartPr/>
+                <p14:nvPr/>
+              </p14:nvContentPartPr>
+              <p14:xfrm>
+                <a:off x="6306183" y="5981189"/>
+                <a:ext cx="233280" cy="231840"/>
+              </p14:xfrm>
+            </p:contentPart>
+          </mc:Choice>
+          <mc:Fallback>
+            <p:pic>
+              <p:nvPicPr>
+                <p:cNvPr id="114" name="Ink 113">
+                  <a:extLst>
+                    <a:ext uri="{FF2B5EF4-FFF2-40B4-BE49-F238E27FC236}">
+                      <a16:creationId xmlns:a16="http://schemas.microsoft.com/office/drawing/2014/main" id="{F306A98C-6ECA-C869-5CCE-A8E50A2AF617}"/>
+                    </a:ext>
+                  </a:extLst>
+                </p:cNvPr>
+                <p:cNvPicPr/>
+                <p:nvPr/>
+              </p:nvPicPr>
+              <p:blipFill>
+                <a:blip r:embed="rId175"/>
+                <a:stretch>
+                  <a:fillRect/>
+                </a:stretch>
+              </p:blipFill>
+              <p:spPr>
+                <a:xfrm>
+                  <a:off x="6297543" y="5972549"/>
+                  <a:ext cx="250920" cy="249480"/>
+                </a:xfrm>
+                <a:prstGeom prst="rect">
+                  <a:avLst/>
+                </a:prstGeom>
+              </p:spPr>
+            </p:pic>
+          </mc:Fallback>
+        </mc:AlternateContent>
+        <mc:AlternateContent xmlns:mc="http://schemas.openxmlformats.org/markup-compatibility/2006">
+          <mc:Choice xmlns:p14="http://schemas.microsoft.com/office/powerpoint/2010/main" Requires="p14">
+            <p:contentPart p14:bwMode="auto" r:id="rId176">
+              <p14:nvContentPartPr>
+                <p14:cNvPr id="115" name="Ink 114">
+                  <a:extLst>
+                    <a:ext uri="{FF2B5EF4-FFF2-40B4-BE49-F238E27FC236}">
+                      <a16:creationId xmlns:a16="http://schemas.microsoft.com/office/drawing/2014/main" id="{C679E34A-859E-7DDC-A94D-2F1448FC9DB2}"/>
+                    </a:ext>
+                  </a:extLst>
+                </p14:cNvPr>
+                <p14:cNvContentPartPr/>
+                <p14:nvPr/>
+              </p14:nvContentPartPr>
+              <p14:xfrm>
+                <a:off x="6536943" y="6021869"/>
+                <a:ext cx="258480" cy="151200"/>
+              </p14:xfrm>
+            </p:contentPart>
+          </mc:Choice>
+          <mc:Fallback>
+            <p:pic>
+              <p:nvPicPr>
+                <p:cNvPr id="115" name="Ink 114">
+                  <a:extLst>
+                    <a:ext uri="{FF2B5EF4-FFF2-40B4-BE49-F238E27FC236}">
+                      <a16:creationId xmlns:a16="http://schemas.microsoft.com/office/drawing/2014/main" id="{C679E34A-859E-7DDC-A94D-2F1448FC9DB2}"/>
+                    </a:ext>
+                  </a:extLst>
+                </p:cNvPr>
+                <p:cNvPicPr/>
+                <p:nvPr/>
+              </p:nvPicPr>
+              <p:blipFill>
+                <a:blip r:embed="rId177"/>
+                <a:stretch>
+                  <a:fillRect/>
+                </a:stretch>
+              </p:blipFill>
+              <p:spPr>
+                <a:xfrm>
+                  <a:off x="6527943" y="6012869"/>
+                  <a:ext cx="276120" cy="168840"/>
+                </a:xfrm>
+                <a:prstGeom prst="rect">
+                  <a:avLst/>
+                </a:prstGeom>
+              </p:spPr>
+            </p:pic>
+          </mc:Fallback>
+        </mc:AlternateContent>
+      </p:grpSp>
+      <p:grpSp>
+        <p:nvGrpSpPr>
+          <p:cNvPr id="129" name="Group 128">
+            <a:extLst>
+              <a:ext uri="{FF2B5EF4-FFF2-40B4-BE49-F238E27FC236}">
+                <a16:creationId xmlns:a16="http://schemas.microsoft.com/office/drawing/2014/main" id="{F5E70A17-FC50-D7E8-23F2-5AD2E7705CAF}"/>
+              </a:ext>
+            </a:extLst>
+          </p:cNvPr>
+          <p:cNvGrpSpPr/>
+          <p:nvPr/>
+        </p:nvGrpSpPr>
+        <p:grpSpPr>
+          <a:xfrm>
+            <a:off x="7067943" y="5743589"/>
+            <a:ext cx="1506240" cy="876600"/>
+            <a:chOff x="7067943" y="5743589"/>
+            <a:chExt cx="1506240" cy="876600"/>
+          </a:xfrm>
+        </p:grpSpPr>
+        <mc:AlternateContent xmlns:mc="http://schemas.openxmlformats.org/markup-compatibility/2006">
+          <mc:Choice xmlns:p14="http://schemas.microsoft.com/office/powerpoint/2010/main" Requires="p14">
+            <p:contentPart p14:bwMode="auto" r:id="rId178">
+              <p14:nvContentPartPr>
+                <p14:cNvPr id="117" name="Ink 116">
+                  <a:extLst>
+                    <a:ext uri="{FF2B5EF4-FFF2-40B4-BE49-F238E27FC236}">
+                      <a16:creationId xmlns:a16="http://schemas.microsoft.com/office/drawing/2014/main" id="{F6357CC6-AC77-E2C5-20E8-2AE9E0F5FDF0}"/>
+                    </a:ext>
+                  </a:extLst>
+                </p14:cNvPr>
+                <p14:cNvContentPartPr/>
+                <p14:nvPr/>
+              </p14:nvContentPartPr>
+              <p14:xfrm>
+                <a:off x="7067943" y="5778149"/>
+                <a:ext cx="264240" cy="410400"/>
+              </p14:xfrm>
+            </p:contentPart>
+          </mc:Choice>
+          <mc:Fallback>
+            <p:pic>
+              <p:nvPicPr>
+                <p:cNvPr id="117" name="Ink 116">
+                  <a:extLst>
+                    <a:ext uri="{FF2B5EF4-FFF2-40B4-BE49-F238E27FC236}">
+                      <a16:creationId xmlns:a16="http://schemas.microsoft.com/office/drawing/2014/main" id="{F6357CC6-AC77-E2C5-20E8-2AE9E0F5FDF0}"/>
+                    </a:ext>
+                  </a:extLst>
+                </p:cNvPr>
+                <p:cNvPicPr/>
+                <p:nvPr/>
+              </p:nvPicPr>
+              <p:blipFill>
+                <a:blip r:embed="rId179"/>
+                <a:stretch>
+                  <a:fillRect/>
+                </a:stretch>
+              </p:blipFill>
+              <p:spPr>
+                <a:xfrm>
+                  <a:off x="7058943" y="5769149"/>
+                  <a:ext cx="281880" cy="428040"/>
+                </a:xfrm>
+                <a:prstGeom prst="rect">
+                  <a:avLst/>
+                </a:prstGeom>
+              </p:spPr>
+            </p:pic>
+          </mc:Fallback>
+        </mc:AlternateContent>
+        <mc:AlternateContent xmlns:mc="http://schemas.openxmlformats.org/markup-compatibility/2006">
+          <mc:Choice xmlns:p14="http://schemas.microsoft.com/office/powerpoint/2010/main" Requires="p14">
+            <p:contentPart p14:bwMode="auto" r:id="rId180">
+              <p14:nvContentPartPr>
+                <p14:cNvPr id="118" name="Ink 117">
+                  <a:extLst>
+                    <a:ext uri="{FF2B5EF4-FFF2-40B4-BE49-F238E27FC236}">
+                      <a16:creationId xmlns:a16="http://schemas.microsoft.com/office/drawing/2014/main" id="{E16F5809-48DF-8495-82A4-FD5B61F39E77}"/>
+                    </a:ext>
+                  </a:extLst>
+                </p14:cNvPr>
+                <p14:cNvContentPartPr/>
+                <p14:nvPr/>
+              </p14:nvContentPartPr>
+              <p14:xfrm>
+                <a:off x="7456023" y="5743589"/>
+                <a:ext cx="16200" cy="462600"/>
+              </p14:xfrm>
+            </p:contentPart>
+          </mc:Choice>
+          <mc:Fallback>
+            <p:pic>
+              <p:nvPicPr>
+                <p:cNvPr id="118" name="Ink 117">
+                  <a:extLst>
+                    <a:ext uri="{FF2B5EF4-FFF2-40B4-BE49-F238E27FC236}">
+                      <a16:creationId xmlns:a16="http://schemas.microsoft.com/office/drawing/2014/main" id="{E16F5809-48DF-8495-82A4-FD5B61F39E77}"/>
+                    </a:ext>
+                  </a:extLst>
+                </p:cNvPr>
+                <p:cNvPicPr/>
+                <p:nvPr/>
+              </p:nvPicPr>
+              <p:blipFill>
+                <a:blip r:embed="rId181"/>
+                <a:stretch>
+                  <a:fillRect/>
+                </a:stretch>
+              </p:blipFill>
+              <p:spPr>
+                <a:xfrm>
+                  <a:off x="7447023" y="5734589"/>
+                  <a:ext cx="33840" cy="480240"/>
+                </a:xfrm>
+                <a:prstGeom prst="rect">
+                  <a:avLst/>
+                </a:prstGeom>
+              </p:spPr>
+            </p:pic>
+          </mc:Fallback>
+        </mc:AlternateContent>
+        <mc:AlternateContent xmlns:mc="http://schemas.openxmlformats.org/markup-compatibility/2006">
+          <mc:Choice xmlns:p14="http://schemas.microsoft.com/office/powerpoint/2010/main" Requires="p14">
+            <p:contentPart p14:bwMode="auto" r:id="rId182">
+              <p14:nvContentPartPr>
+                <p14:cNvPr id="119" name="Ink 118">
+                  <a:extLst>
+                    <a:ext uri="{FF2B5EF4-FFF2-40B4-BE49-F238E27FC236}">
+                      <a16:creationId xmlns:a16="http://schemas.microsoft.com/office/drawing/2014/main" id="{445FCECF-2C95-A7E7-E644-677093529544}"/>
+                    </a:ext>
+                  </a:extLst>
+                </p14:cNvPr>
+                <p14:cNvContentPartPr/>
+                <p14:nvPr/>
+              </p14:nvContentPartPr>
+              <p14:xfrm>
+                <a:off x="7535583" y="6048869"/>
+                <a:ext cx="169920" cy="165960"/>
+              </p14:xfrm>
+            </p:contentPart>
+          </mc:Choice>
+          <mc:Fallback>
+            <p:pic>
+              <p:nvPicPr>
+                <p:cNvPr id="119" name="Ink 118">
+                  <a:extLst>
+                    <a:ext uri="{FF2B5EF4-FFF2-40B4-BE49-F238E27FC236}">
+                      <a16:creationId xmlns:a16="http://schemas.microsoft.com/office/drawing/2014/main" id="{445FCECF-2C95-A7E7-E644-677093529544}"/>
+                    </a:ext>
+                  </a:extLst>
+                </p:cNvPr>
+                <p:cNvPicPr/>
+                <p:nvPr/>
+              </p:nvPicPr>
+              <p:blipFill>
+                <a:blip r:embed="rId183"/>
+                <a:stretch>
+                  <a:fillRect/>
+                </a:stretch>
+              </p:blipFill>
+              <p:spPr>
+                <a:xfrm>
+                  <a:off x="7526943" y="6040229"/>
+                  <a:ext cx="187560" cy="183600"/>
+                </a:xfrm>
+                <a:prstGeom prst="rect">
+                  <a:avLst/>
+                </a:prstGeom>
+              </p:spPr>
+            </p:pic>
+          </mc:Fallback>
+        </mc:AlternateContent>
+        <mc:AlternateContent xmlns:mc="http://schemas.openxmlformats.org/markup-compatibility/2006">
+          <mc:Choice xmlns:p14="http://schemas.microsoft.com/office/powerpoint/2010/main" Requires="p14">
+            <p:contentPart p14:bwMode="auto" r:id="rId184">
+              <p14:nvContentPartPr>
+                <p14:cNvPr id="120" name="Ink 119">
+                  <a:extLst>
+                    <a:ext uri="{FF2B5EF4-FFF2-40B4-BE49-F238E27FC236}">
+                      <a16:creationId xmlns:a16="http://schemas.microsoft.com/office/drawing/2014/main" id="{1BB7CB15-8D52-7B4C-A8DB-13EF64DCA621}"/>
+                    </a:ext>
+                  </a:extLst>
+                </p14:cNvPr>
+                <p14:cNvContentPartPr/>
+                <p14:nvPr/>
+              </p14:nvContentPartPr>
+              <p14:xfrm>
+                <a:off x="7689303" y="6058229"/>
+                <a:ext cx="122760" cy="160200"/>
+              </p14:xfrm>
+            </p:contentPart>
+          </mc:Choice>
+          <mc:Fallback>
+            <p:pic>
+              <p:nvPicPr>
+                <p:cNvPr id="120" name="Ink 119">
+                  <a:extLst>
+                    <a:ext uri="{FF2B5EF4-FFF2-40B4-BE49-F238E27FC236}">
+                      <a16:creationId xmlns:a16="http://schemas.microsoft.com/office/drawing/2014/main" id="{1BB7CB15-8D52-7B4C-A8DB-13EF64DCA621}"/>
+                    </a:ext>
+                  </a:extLst>
+                </p:cNvPr>
+                <p:cNvPicPr/>
+                <p:nvPr/>
+              </p:nvPicPr>
+              <p:blipFill>
+                <a:blip r:embed="rId185"/>
+                <a:stretch>
+                  <a:fillRect/>
+                </a:stretch>
+              </p:blipFill>
+              <p:spPr>
+                <a:xfrm>
+                  <a:off x="7680663" y="6049229"/>
+                  <a:ext cx="140400" cy="177840"/>
+                </a:xfrm>
+                <a:prstGeom prst="rect">
+                  <a:avLst/>
+                </a:prstGeom>
+              </p:spPr>
+            </p:pic>
+          </mc:Fallback>
+        </mc:AlternateContent>
+        <mc:AlternateContent xmlns:mc="http://schemas.openxmlformats.org/markup-compatibility/2006">
+          <mc:Choice xmlns:p14="http://schemas.microsoft.com/office/powerpoint/2010/main" Requires="p14">
+            <p:contentPart p14:bwMode="auto" r:id="rId186">
+              <p14:nvContentPartPr>
+                <p14:cNvPr id="121" name="Ink 120">
+                  <a:extLst>
+                    <a:ext uri="{FF2B5EF4-FFF2-40B4-BE49-F238E27FC236}">
+                      <a16:creationId xmlns:a16="http://schemas.microsoft.com/office/drawing/2014/main" id="{E8E9F034-E59A-04AC-37D6-CA9180FFE547}"/>
+                    </a:ext>
+                  </a:extLst>
+                </p14:cNvPr>
+                <p14:cNvContentPartPr/>
+                <p14:nvPr/>
+              </p14:nvContentPartPr>
+              <p14:xfrm>
+                <a:off x="7761303" y="6049229"/>
+                <a:ext cx="98640" cy="168120"/>
+              </p14:xfrm>
+            </p:contentPart>
+          </mc:Choice>
+          <mc:Fallback>
+            <p:pic>
+              <p:nvPicPr>
+                <p:cNvPr id="121" name="Ink 120">
+                  <a:extLst>
+                    <a:ext uri="{FF2B5EF4-FFF2-40B4-BE49-F238E27FC236}">
+                      <a16:creationId xmlns:a16="http://schemas.microsoft.com/office/drawing/2014/main" id="{E8E9F034-E59A-04AC-37D6-CA9180FFE547}"/>
+                    </a:ext>
+                  </a:extLst>
+                </p:cNvPr>
+                <p:cNvPicPr/>
+                <p:nvPr/>
+              </p:nvPicPr>
+              <p:blipFill>
+                <a:blip r:embed="rId187"/>
+                <a:stretch>
+                  <a:fillRect/>
+                </a:stretch>
+              </p:blipFill>
+              <p:spPr>
+                <a:xfrm>
+                  <a:off x="7752303" y="6040589"/>
+                  <a:ext cx="116280" cy="185760"/>
+                </a:xfrm>
+                <a:prstGeom prst="rect">
+                  <a:avLst/>
+                </a:prstGeom>
+              </p:spPr>
+            </p:pic>
+          </mc:Fallback>
+        </mc:AlternateContent>
+        <mc:AlternateContent xmlns:mc="http://schemas.openxmlformats.org/markup-compatibility/2006">
+          <mc:Choice xmlns:p14="http://schemas.microsoft.com/office/powerpoint/2010/main" Requires="p14">
+            <p:contentPart p14:bwMode="auto" r:id="rId188">
+              <p14:nvContentPartPr>
+                <p14:cNvPr id="122" name="Ink 121">
+                  <a:extLst>
+                    <a:ext uri="{FF2B5EF4-FFF2-40B4-BE49-F238E27FC236}">
+                      <a16:creationId xmlns:a16="http://schemas.microsoft.com/office/drawing/2014/main" id="{8C2C6867-702E-00DE-2CCC-B30B31D59F13}"/>
+                    </a:ext>
+                  </a:extLst>
+                </p14:cNvPr>
+                <p14:cNvContentPartPr/>
+                <p14:nvPr/>
+              </p14:nvContentPartPr>
+              <p14:xfrm>
+                <a:off x="7912503" y="5786789"/>
+                <a:ext cx="303480" cy="510480"/>
+              </p14:xfrm>
+            </p:contentPart>
+          </mc:Choice>
+          <mc:Fallback>
+            <p:pic>
+              <p:nvPicPr>
+                <p:cNvPr id="122" name="Ink 121">
+                  <a:extLst>
+                    <a:ext uri="{FF2B5EF4-FFF2-40B4-BE49-F238E27FC236}">
+                      <a16:creationId xmlns:a16="http://schemas.microsoft.com/office/drawing/2014/main" id="{8C2C6867-702E-00DE-2CCC-B30B31D59F13}"/>
+                    </a:ext>
+                  </a:extLst>
+                </p:cNvPr>
+                <p:cNvPicPr/>
+                <p:nvPr/>
+              </p:nvPicPr>
+              <p:blipFill>
+                <a:blip r:embed="rId189"/>
+                <a:stretch>
+                  <a:fillRect/>
+                </a:stretch>
+              </p:blipFill>
+              <p:spPr>
+                <a:xfrm>
+                  <a:off x="7903503" y="5777789"/>
+                  <a:ext cx="321120" cy="528120"/>
+                </a:xfrm>
+                <a:prstGeom prst="rect">
+                  <a:avLst/>
+                </a:prstGeom>
+              </p:spPr>
+            </p:pic>
+          </mc:Fallback>
+        </mc:AlternateContent>
+        <mc:AlternateContent xmlns:mc="http://schemas.openxmlformats.org/markup-compatibility/2006">
+          <mc:Choice xmlns:p14="http://schemas.microsoft.com/office/powerpoint/2010/main" Requires="p14">
+            <p:contentPart p14:bwMode="auto" r:id="rId190">
+              <p14:nvContentPartPr>
+                <p14:cNvPr id="123" name="Ink 122">
+                  <a:extLst>
+                    <a:ext uri="{FF2B5EF4-FFF2-40B4-BE49-F238E27FC236}">
+                      <a16:creationId xmlns:a16="http://schemas.microsoft.com/office/drawing/2014/main" id="{A0D3E699-CD7C-B8BB-91B3-A724ED9A3911}"/>
+                    </a:ext>
+                  </a:extLst>
+                </p14:cNvPr>
+                <p14:cNvContentPartPr/>
+                <p14:nvPr/>
+              </p14:nvContentPartPr>
+              <p14:xfrm>
+                <a:off x="7957863" y="6079109"/>
+                <a:ext cx="151560" cy="19080"/>
+              </p14:xfrm>
+            </p:contentPart>
+          </mc:Choice>
+          <mc:Fallback>
+            <p:pic>
+              <p:nvPicPr>
+                <p:cNvPr id="123" name="Ink 122">
+                  <a:extLst>
+                    <a:ext uri="{FF2B5EF4-FFF2-40B4-BE49-F238E27FC236}">
+                      <a16:creationId xmlns:a16="http://schemas.microsoft.com/office/drawing/2014/main" id="{A0D3E699-CD7C-B8BB-91B3-A724ED9A3911}"/>
+                    </a:ext>
+                  </a:extLst>
+                </p:cNvPr>
+                <p:cNvPicPr/>
+                <p:nvPr/>
+              </p:nvPicPr>
+              <p:blipFill>
+                <a:blip r:embed="rId191"/>
+                <a:stretch>
+                  <a:fillRect/>
+                </a:stretch>
+              </p:blipFill>
+              <p:spPr>
+                <a:xfrm>
+                  <a:off x="7949223" y="6070469"/>
+                  <a:ext cx="169200" cy="36720"/>
+                </a:xfrm>
+                <a:prstGeom prst="rect">
+                  <a:avLst/>
+                </a:prstGeom>
+              </p:spPr>
+            </p:pic>
+          </mc:Fallback>
+        </mc:AlternateContent>
+        <mc:AlternateContent xmlns:mc="http://schemas.openxmlformats.org/markup-compatibility/2006">
+          <mc:Choice xmlns:p14="http://schemas.microsoft.com/office/powerpoint/2010/main" Requires="p14">
+            <p:contentPart p14:bwMode="auto" r:id="rId192">
+              <p14:nvContentPartPr>
+                <p14:cNvPr id="125" name="Ink 124">
+                  <a:extLst>
+                    <a:ext uri="{FF2B5EF4-FFF2-40B4-BE49-F238E27FC236}">
+                      <a16:creationId xmlns:a16="http://schemas.microsoft.com/office/drawing/2014/main" id="{908D1581-9601-8293-1D96-3550DA964EAE}"/>
+                    </a:ext>
+                  </a:extLst>
+                </p14:cNvPr>
+                <p14:cNvContentPartPr/>
+                <p14:nvPr/>
+              </p14:nvContentPartPr>
+              <p14:xfrm>
+                <a:off x="8204103" y="5788229"/>
+                <a:ext cx="99360" cy="454680"/>
+              </p14:xfrm>
+            </p:contentPart>
+          </mc:Choice>
+          <mc:Fallback>
+            <p:pic>
+              <p:nvPicPr>
+                <p:cNvPr id="125" name="Ink 124">
+                  <a:extLst>
+                    <a:ext uri="{FF2B5EF4-FFF2-40B4-BE49-F238E27FC236}">
+                      <a16:creationId xmlns:a16="http://schemas.microsoft.com/office/drawing/2014/main" id="{908D1581-9601-8293-1D96-3550DA964EAE}"/>
+                    </a:ext>
+                  </a:extLst>
+                </p:cNvPr>
+                <p:cNvPicPr/>
+                <p:nvPr/>
+              </p:nvPicPr>
+              <p:blipFill>
+                <a:blip r:embed="rId193"/>
+                <a:stretch>
+                  <a:fillRect/>
+                </a:stretch>
+              </p:blipFill>
+              <p:spPr>
+                <a:xfrm>
+                  <a:off x="8195463" y="5779589"/>
+                  <a:ext cx="117000" cy="472320"/>
+                </a:xfrm>
+                <a:prstGeom prst="rect">
+                  <a:avLst/>
+                </a:prstGeom>
+              </p:spPr>
+            </p:pic>
+          </mc:Fallback>
+        </mc:AlternateContent>
+        <mc:AlternateContent xmlns:mc="http://schemas.openxmlformats.org/markup-compatibility/2006">
+          <mc:Choice xmlns:p14="http://schemas.microsoft.com/office/powerpoint/2010/main" Requires="p14">
+            <p:contentPart p14:bwMode="auto" r:id="rId194">
+              <p14:nvContentPartPr>
+                <p14:cNvPr id="126" name="Ink 125">
+                  <a:extLst>
+                    <a:ext uri="{FF2B5EF4-FFF2-40B4-BE49-F238E27FC236}">
+                      <a16:creationId xmlns:a16="http://schemas.microsoft.com/office/drawing/2014/main" id="{9ADBF5FB-C334-A0FF-05E5-03FB9AE61AE4}"/>
+                    </a:ext>
+                  </a:extLst>
+                </p14:cNvPr>
+                <p14:cNvContentPartPr/>
+                <p14:nvPr/>
+              </p14:nvContentPartPr>
+              <p14:xfrm>
+                <a:off x="8373663" y="5757989"/>
+                <a:ext cx="100440" cy="595440"/>
+              </p14:xfrm>
+            </p:contentPart>
+          </mc:Choice>
+          <mc:Fallback>
+            <p:pic>
+              <p:nvPicPr>
+                <p:cNvPr id="126" name="Ink 125">
+                  <a:extLst>
+                    <a:ext uri="{FF2B5EF4-FFF2-40B4-BE49-F238E27FC236}">
+                      <a16:creationId xmlns:a16="http://schemas.microsoft.com/office/drawing/2014/main" id="{9ADBF5FB-C334-A0FF-05E5-03FB9AE61AE4}"/>
+                    </a:ext>
+                  </a:extLst>
+                </p:cNvPr>
+                <p:cNvPicPr/>
+                <p:nvPr/>
+              </p:nvPicPr>
+              <p:blipFill>
+                <a:blip r:embed="rId195"/>
+                <a:stretch>
+                  <a:fillRect/>
+                </a:stretch>
+              </p:blipFill>
+              <p:spPr>
+                <a:xfrm>
+                  <a:off x="8365023" y="5749349"/>
+                  <a:ext cx="118080" cy="613080"/>
+                </a:xfrm>
+                <a:prstGeom prst="rect">
+                  <a:avLst/>
+                </a:prstGeom>
+              </p:spPr>
+            </p:pic>
+          </mc:Fallback>
+        </mc:AlternateContent>
+        <mc:AlternateContent xmlns:mc="http://schemas.openxmlformats.org/markup-compatibility/2006">
+          <mc:Choice xmlns:p14="http://schemas.microsoft.com/office/powerpoint/2010/main" Requires="p14">
+            <p:contentPart p14:bwMode="auto" r:id="rId196">
+              <p14:nvContentPartPr>
+                <p14:cNvPr id="127" name="Ink 126">
+                  <a:extLst>
+                    <a:ext uri="{FF2B5EF4-FFF2-40B4-BE49-F238E27FC236}">
+                      <a16:creationId xmlns:a16="http://schemas.microsoft.com/office/drawing/2014/main" id="{84F2E02F-526F-0CD1-1891-0CDB8B989DF4}"/>
+                    </a:ext>
+                  </a:extLst>
+                </p14:cNvPr>
+                <p14:cNvContentPartPr/>
+                <p14:nvPr/>
+              </p14:nvContentPartPr>
+              <p14:xfrm>
+                <a:off x="8478423" y="5953829"/>
+                <a:ext cx="95760" cy="45720"/>
+              </p14:xfrm>
+            </p:contentPart>
+          </mc:Choice>
+          <mc:Fallback>
+            <p:pic>
+              <p:nvPicPr>
+                <p:cNvPr id="127" name="Ink 126">
+                  <a:extLst>
+                    <a:ext uri="{FF2B5EF4-FFF2-40B4-BE49-F238E27FC236}">
+                      <a16:creationId xmlns:a16="http://schemas.microsoft.com/office/drawing/2014/main" id="{84F2E02F-526F-0CD1-1891-0CDB8B989DF4}"/>
+                    </a:ext>
+                  </a:extLst>
+                </p:cNvPr>
+                <p:cNvPicPr/>
+                <p:nvPr/>
+              </p:nvPicPr>
+              <p:blipFill>
+                <a:blip r:embed="rId197"/>
+                <a:stretch>
+                  <a:fillRect/>
+                </a:stretch>
+              </p:blipFill>
+              <p:spPr>
+                <a:xfrm>
+                  <a:off x="8469783" y="5944829"/>
+                  <a:ext cx="113400" cy="63360"/>
+                </a:xfrm>
+                <a:prstGeom prst="rect">
+                  <a:avLst/>
+                </a:prstGeom>
+              </p:spPr>
+            </p:pic>
+          </mc:Fallback>
+        </mc:AlternateContent>
+        <mc:AlternateContent xmlns:mc="http://schemas.openxmlformats.org/markup-compatibility/2006">
+          <mc:Choice xmlns:p14="http://schemas.microsoft.com/office/powerpoint/2010/main" Requires="p14">
+            <p:contentPart p14:bwMode="auto" r:id="rId198">
+              <p14:nvContentPartPr>
+                <p14:cNvPr id="128" name="Ink 127">
+                  <a:extLst>
+                    <a:ext uri="{FF2B5EF4-FFF2-40B4-BE49-F238E27FC236}">
+                      <a16:creationId xmlns:a16="http://schemas.microsoft.com/office/drawing/2014/main" id="{7AC7A9CE-FBFE-220F-54BB-AC8D69A1F7BF}"/>
+                    </a:ext>
+                  </a:extLst>
+                </p14:cNvPr>
+                <p14:cNvContentPartPr/>
+                <p14:nvPr/>
+              </p14:nvContentPartPr>
+              <p14:xfrm>
+                <a:off x="8103663" y="6315629"/>
+                <a:ext cx="470160" cy="304560"/>
+              </p14:xfrm>
+            </p:contentPart>
+          </mc:Choice>
+          <mc:Fallback>
+            <p:pic>
+              <p:nvPicPr>
+                <p:cNvPr id="128" name="Ink 127">
+                  <a:extLst>
+                    <a:ext uri="{FF2B5EF4-FFF2-40B4-BE49-F238E27FC236}">
+                      <a16:creationId xmlns:a16="http://schemas.microsoft.com/office/drawing/2014/main" id="{7AC7A9CE-FBFE-220F-54BB-AC8D69A1F7BF}"/>
+                    </a:ext>
+                  </a:extLst>
+                </p:cNvPr>
+                <p:cNvPicPr/>
+                <p:nvPr/>
+              </p:nvPicPr>
+              <p:blipFill>
+                <a:blip r:embed="rId199"/>
+                <a:stretch>
+                  <a:fillRect/>
+                </a:stretch>
+              </p:blipFill>
+              <p:spPr>
+                <a:xfrm>
+                  <a:off x="8095023" y="6306989"/>
+                  <a:ext cx="487800" cy="322200"/>
+                </a:xfrm>
+                <a:prstGeom prst="rect">
+                  <a:avLst/>
+                </a:prstGeom>
+              </p:spPr>
+            </p:pic>
+          </mc:Fallback>
+        </mc:AlternateContent>
+      </p:grpSp>
+    </p:spTree>
+    <p:extLst>
+      <p:ext uri="{BB962C8B-B14F-4D97-AF65-F5344CB8AC3E}">
+        <p14:creationId xmlns:p14="http://schemas.microsoft.com/office/powerpoint/2010/main" val="2823253499"/>
+      </p:ext>
+    </p:extLst>
+  </p:cSld>
+  <p:clrMapOvr>
+    <a:masterClrMapping/>
+  </p:clrMapOvr>
+</p:sld>
+</file>
+
 <file path=ppt/theme/theme1.xml><?xml version="1.0" encoding="utf-8"?>
 <a:theme xmlns:a="http://schemas.openxmlformats.org/drawingml/2006/main" name="Office Theme">
   <a:themeElements>

--- a/resources/MarksDrawrings.pptx
+++ b/resources/MarksDrawrings.pptx
@@ -15,6 +15,8 @@
     <p:sldId id="263" r:id="rId9"/>
     <p:sldId id="264" r:id="rId10"/>
     <p:sldId id="265" r:id="rId11"/>
+    <p:sldId id="266" r:id="rId12"/>
+    <p:sldId id="267" r:id="rId13"/>
   </p:sldIdLst>
   <p:sldSz cx="12192000" cy="6858000"/>
   <p:notesSz cx="6858000" cy="9144000"/>
@@ -4361,7 +4363,7 @@
           <a:p>
             <a:fld id="{EFED3043-6CE1-4075-A706-4B000AA47C6A}" type="datetimeFigureOut">
               <a:rPr lang="en-US" smtClean="0"/>
-              <a:t>11/23/2022</a:t>
+              <a:t>12/5/2022</a:t>
             </a:fld>
             <a:endParaRPr lang="en-US"/>
           </a:p>
@@ -4559,7 +4561,7 @@
           <a:p>
             <a:fld id="{EFED3043-6CE1-4075-A706-4B000AA47C6A}" type="datetimeFigureOut">
               <a:rPr lang="en-US" smtClean="0"/>
-              <a:t>11/23/2022</a:t>
+              <a:t>12/5/2022</a:t>
             </a:fld>
             <a:endParaRPr lang="en-US"/>
           </a:p>
@@ -4767,7 +4769,7 @@
           <a:p>
             <a:fld id="{EFED3043-6CE1-4075-A706-4B000AA47C6A}" type="datetimeFigureOut">
               <a:rPr lang="en-US" smtClean="0"/>
-              <a:t>11/23/2022</a:t>
+              <a:t>12/5/2022</a:t>
             </a:fld>
             <a:endParaRPr lang="en-US"/>
           </a:p>
@@ -4965,7 +4967,7 @@
           <a:p>
             <a:fld id="{EFED3043-6CE1-4075-A706-4B000AA47C6A}" type="datetimeFigureOut">
               <a:rPr lang="en-US" smtClean="0"/>
-              <a:t>11/23/2022</a:t>
+              <a:t>12/5/2022</a:t>
             </a:fld>
             <a:endParaRPr lang="en-US"/>
           </a:p>
@@ -5240,7 +5242,7 @@
           <a:p>
             <a:fld id="{EFED3043-6CE1-4075-A706-4B000AA47C6A}" type="datetimeFigureOut">
               <a:rPr lang="en-US" smtClean="0"/>
-              <a:t>11/23/2022</a:t>
+              <a:t>12/5/2022</a:t>
             </a:fld>
             <a:endParaRPr lang="en-US"/>
           </a:p>
@@ -5505,7 +5507,7 @@
           <a:p>
             <a:fld id="{EFED3043-6CE1-4075-A706-4B000AA47C6A}" type="datetimeFigureOut">
               <a:rPr lang="en-US" smtClean="0"/>
-              <a:t>11/23/2022</a:t>
+              <a:t>12/5/2022</a:t>
             </a:fld>
             <a:endParaRPr lang="en-US"/>
           </a:p>
@@ -5917,7 +5919,7 @@
           <a:p>
             <a:fld id="{EFED3043-6CE1-4075-A706-4B000AA47C6A}" type="datetimeFigureOut">
               <a:rPr lang="en-US" smtClean="0"/>
-              <a:t>11/23/2022</a:t>
+              <a:t>12/5/2022</a:t>
             </a:fld>
             <a:endParaRPr lang="en-US"/>
           </a:p>
@@ -6058,7 +6060,7 @@
           <a:p>
             <a:fld id="{EFED3043-6CE1-4075-A706-4B000AA47C6A}" type="datetimeFigureOut">
               <a:rPr lang="en-US" smtClean="0"/>
-              <a:t>11/23/2022</a:t>
+              <a:t>12/5/2022</a:t>
             </a:fld>
             <a:endParaRPr lang="en-US"/>
           </a:p>
@@ -6171,7 +6173,7 @@
           <a:p>
             <a:fld id="{EFED3043-6CE1-4075-A706-4B000AA47C6A}" type="datetimeFigureOut">
               <a:rPr lang="en-US" smtClean="0"/>
-              <a:t>11/23/2022</a:t>
+              <a:t>12/5/2022</a:t>
             </a:fld>
             <a:endParaRPr lang="en-US"/>
           </a:p>
@@ -6482,7 +6484,7 @@
           <a:p>
             <a:fld id="{EFED3043-6CE1-4075-A706-4B000AA47C6A}" type="datetimeFigureOut">
               <a:rPr lang="en-US" smtClean="0"/>
-              <a:t>11/23/2022</a:t>
+              <a:t>12/5/2022</a:t>
             </a:fld>
             <a:endParaRPr lang="en-US"/>
           </a:p>
@@ -6770,7 +6772,7 @@
           <a:p>
             <a:fld id="{EFED3043-6CE1-4075-A706-4B000AA47C6A}" type="datetimeFigureOut">
               <a:rPr lang="en-US" smtClean="0"/>
-              <a:t>11/23/2022</a:t>
+              <a:t>12/5/2022</a:t>
             </a:fld>
             <a:endParaRPr lang="en-US"/>
           </a:p>
@@ -7011,7 +7013,7 @@
           <a:p>
             <a:fld id="{EFED3043-6CE1-4075-A706-4B000AA47C6A}" type="datetimeFigureOut">
               <a:rPr lang="en-US" smtClean="0"/>
-              <a:t>11/23/2022</a:t>
+              <a:t>12/5/2022</a:t>
             </a:fld>
             <a:endParaRPr lang="en-US"/>
           </a:p>
@@ -8372,6 +8374,1196 @@
     <p:extLst>
       <p:ext uri="{BB962C8B-B14F-4D97-AF65-F5344CB8AC3E}">
         <p14:creationId xmlns:p14="http://schemas.microsoft.com/office/powerpoint/2010/main" val="1494475430"/>
+      </p:ext>
+    </p:extLst>
+  </p:cSld>
+  <p:clrMapOvr>
+    <a:masterClrMapping/>
+  </p:clrMapOvr>
+</p:sld>
+</file>
+
+<file path=ppt/slides/slide11.xml><?xml version="1.0" encoding="utf-8"?>
+<p:sld xmlns:a="http://schemas.openxmlformats.org/drawingml/2006/main" xmlns:r="http://schemas.openxmlformats.org/officeDocument/2006/relationships" xmlns:p="http://schemas.openxmlformats.org/presentationml/2006/main">
+  <p:cSld>
+    <p:spTree>
+      <p:nvGrpSpPr>
+        <p:cNvPr id="1" name=""/>
+        <p:cNvGrpSpPr/>
+        <p:nvPr/>
+      </p:nvGrpSpPr>
+      <p:grpSpPr>
+        <a:xfrm>
+          <a:off x="0" y="0"/>
+          <a:ext cx="0" cy="0"/>
+          <a:chOff x="0" y="0"/>
+          <a:chExt cx="0" cy="0"/>
+        </a:xfrm>
+      </p:grpSpPr>
+      <p:sp>
+        <p:nvSpPr>
+          <p:cNvPr id="2" name="Title 1">
+            <a:extLst>
+              <a:ext uri="{FF2B5EF4-FFF2-40B4-BE49-F238E27FC236}">
+                <a16:creationId xmlns:a16="http://schemas.microsoft.com/office/drawing/2014/main" id="{34AF08A4-4338-AF93-2799-F5C76DA82938}"/>
+              </a:ext>
+            </a:extLst>
+          </p:cNvPr>
+          <p:cNvSpPr>
+            <a:spLocks noGrp="1"/>
+          </p:cNvSpPr>
+          <p:nvPr>
+            <p:ph type="title"/>
+          </p:nvPr>
+        </p:nvSpPr>
+        <p:spPr/>
+        <p:txBody>
+          <a:bodyPr/>
+          <a:lstStyle/>
+          <a:p>
+            <a:r>
+              <a:rPr lang="en-US" dirty="0"/>
+              <a:t>Azure Portal structure</a:t>
+            </a:r>
+          </a:p>
+        </p:txBody>
+      </p:sp>
+      <p:sp>
+        <p:nvSpPr>
+          <p:cNvPr id="4" name="Rectangle 3">
+            <a:extLst>
+              <a:ext uri="{FF2B5EF4-FFF2-40B4-BE49-F238E27FC236}">
+                <a16:creationId xmlns:a16="http://schemas.microsoft.com/office/drawing/2014/main" id="{F6023500-4069-87D9-3E8F-4430ED3FCB00}"/>
+              </a:ext>
+            </a:extLst>
+          </p:cNvPr>
+          <p:cNvSpPr/>
+          <p:nvPr/>
+        </p:nvSpPr>
+        <p:spPr>
+          <a:xfrm>
+            <a:off x="1192306" y="1752600"/>
+            <a:ext cx="9533965" cy="4939553"/>
+          </a:xfrm>
+          <a:prstGeom prst="rect">
+            <a:avLst/>
+          </a:prstGeom>
+        </p:spPr>
+        <p:style>
+          <a:lnRef idx="2">
+            <a:schemeClr val="accent1">
+              <a:shade val="50000"/>
+            </a:schemeClr>
+          </a:lnRef>
+          <a:fillRef idx="1">
+            <a:schemeClr val="accent1"/>
+          </a:fillRef>
+          <a:effectRef idx="0">
+            <a:schemeClr val="accent1"/>
+          </a:effectRef>
+          <a:fontRef idx="minor">
+            <a:schemeClr val="lt1"/>
+          </a:fontRef>
+        </p:style>
+        <p:txBody>
+          <a:bodyPr rtlCol="0" anchor="t"/>
+          <a:lstStyle/>
+          <a:p>
+            <a:r>
+              <a:rPr lang="en-US" dirty="0">
+                <a:solidFill>
+                  <a:schemeClr val="tx1"/>
+                </a:solidFill>
+                <a:highlight>
+                  <a:srgbClr val="FFFF00"/>
+                </a:highlight>
+              </a:rPr>
+              <a:t>Subscription</a:t>
+            </a:r>
+            <a:r>
+              <a:rPr lang="en-US" dirty="0"/>
+              <a:t> (AKA. Tenant)</a:t>
+            </a:r>
+          </a:p>
+        </p:txBody>
+      </p:sp>
+      <p:sp>
+        <p:nvSpPr>
+          <p:cNvPr id="5" name="Rectangle 4">
+            <a:extLst>
+              <a:ext uri="{FF2B5EF4-FFF2-40B4-BE49-F238E27FC236}">
+                <a16:creationId xmlns:a16="http://schemas.microsoft.com/office/drawing/2014/main" id="{BB7559AC-3A5B-D7F2-2D71-77105F90ABE3}"/>
+              </a:ext>
+            </a:extLst>
+          </p:cNvPr>
+          <p:cNvSpPr/>
+          <p:nvPr/>
+        </p:nvSpPr>
+        <p:spPr>
+          <a:xfrm>
+            <a:off x="1703294" y="2263590"/>
+            <a:ext cx="5087471" cy="3980328"/>
+          </a:xfrm>
+          <a:prstGeom prst="rect">
+            <a:avLst/>
+          </a:prstGeom>
+        </p:spPr>
+        <p:style>
+          <a:lnRef idx="2">
+            <a:schemeClr val="accent1">
+              <a:shade val="50000"/>
+            </a:schemeClr>
+          </a:lnRef>
+          <a:fillRef idx="1">
+            <a:schemeClr val="accent1"/>
+          </a:fillRef>
+          <a:effectRef idx="0">
+            <a:schemeClr val="accent1"/>
+          </a:effectRef>
+          <a:fontRef idx="minor">
+            <a:schemeClr val="lt1"/>
+          </a:fontRef>
+        </p:style>
+        <p:txBody>
+          <a:bodyPr rtlCol="0" anchor="t"/>
+          <a:lstStyle/>
+          <a:p>
+            <a:r>
+              <a:rPr lang="en-US" dirty="0">
+                <a:solidFill>
+                  <a:schemeClr val="tx1"/>
+                </a:solidFill>
+                <a:highlight>
+                  <a:srgbClr val="FFFF00"/>
+                </a:highlight>
+              </a:rPr>
+              <a:t>Resource Group1 </a:t>
+            </a:r>
+            <a:r>
+              <a:rPr lang="en-US" dirty="0"/>
+              <a:t>is a logical grouping of related resources (like a namespace in C# programs)</a:t>
+            </a:r>
+          </a:p>
+        </p:txBody>
+      </p:sp>
+      <p:sp>
+        <p:nvSpPr>
+          <p:cNvPr id="6" name="Rectangle 5">
+            <a:extLst>
+              <a:ext uri="{FF2B5EF4-FFF2-40B4-BE49-F238E27FC236}">
+                <a16:creationId xmlns:a16="http://schemas.microsoft.com/office/drawing/2014/main" id="{CFAC86BF-E8A5-D389-DAFC-9D9B16813D66}"/>
+              </a:ext>
+            </a:extLst>
+          </p:cNvPr>
+          <p:cNvSpPr/>
+          <p:nvPr/>
+        </p:nvSpPr>
+        <p:spPr>
+          <a:xfrm>
+            <a:off x="1976718" y="2976282"/>
+            <a:ext cx="1039906" cy="587189"/>
+          </a:xfrm>
+          <a:prstGeom prst="rect">
+            <a:avLst/>
+          </a:prstGeom>
+        </p:spPr>
+        <p:style>
+          <a:lnRef idx="2">
+            <a:schemeClr val="accent1">
+              <a:shade val="50000"/>
+            </a:schemeClr>
+          </a:lnRef>
+          <a:fillRef idx="1">
+            <a:schemeClr val="accent1"/>
+          </a:fillRef>
+          <a:effectRef idx="0">
+            <a:schemeClr val="accent1"/>
+          </a:effectRef>
+          <a:fontRef idx="minor">
+            <a:schemeClr val="lt1"/>
+          </a:fontRef>
+        </p:style>
+        <p:txBody>
+          <a:bodyPr rtlCol="0" anchor="ctr"/>
+          <a:lstStyle/>
+          <a:p>
+            <a:r>
+              <a:rPr lang="en-US" dirty="0"/>
+              <a:t>Azure Db</a:t>
+            </a:r>
+          </a:p>
+        </p:txBody>
+      </p:sp>
+      <p:sp>
+        <p:nvSpPr>
+          <p:cNvPr id="7" name="Rectangle 6">
+            <a:extLst>
+              <a:ext uri="{FF2B5EF4-FFF2-40B4-BE49-F238E27FC236}">
+                <a16:creationId xmlns:a16="http://schemas.microsoft.com/office/drawing/2014/main" id="{92A0441E-DAC0-1BC2-037C-5481E2485EA7}"/>
+              </a:ext>
+            </a:extLst>
+          </p:cNvPr>
+          <p:cNvSpPr/>
+          <p:nvPr/>
+        </p:nvSpPr>
+        <p:spPr>
+          <a:xfrm>
+            <a:off x="1976718" y="3809999"/>
+            <a:ext cx="1039906" cy="587189"/>
+          </a:xfrm>
+          <a:prstGeom prst="rect">
+            <a:avLst/>
+          </a:prstGeom>
+        </p:spPr>
+        <p:style>
+          <a:lnRef idx="2">
+            <a:schemeClr val="accent1">
+              <a:shade val="50000"/>
+            </a:schemeClr>
+          </a:lnRef>
+          <a:fillRef idx="1">
+            <a:schemeClr val="accent1"/>
+          </a:fillRef>
+          <a:effectRef idx="0">
+            <a:schemeClr val="accent1"/>
+          </a:effectRef>
+          <a:fontRef idx="minor">
+            <a:schemeClr val="lt1"/>
+          </a:fontRef>
+        </p:style>
+        <p:txBody>
+          <a:bodyPr rtlCol="0" anchor="ctr"/>
+          <a:lstStyle/>
+          <a:p>
+            <a:r>
+              <a:rPr lang="en-US" dirty="0"/>
+              <a:t>Web App1</a:t>
+            </a:r>
+          </a:p>
+        </p:txBody>
+      </p:sp>
+      <p:sp>
+        <p:nvSpPr>
+          <p:cNvPr id="8" name="Rectangle 7">
+            <a:extLst>
+              <a:ext uri="{FF2B5EF4-FFF2-40B4-BE49-F238E27FC236}">
+                <a16:creationId xmlns:a16="http://schemas.microsoft.com/office/drawing/2014/main" id="{8EF013D7-0481-A565-6199-0FF7ED29FC8A}"/>
+              </a:ext>
+            </a:extLst>
+          </p:cNvPr>
+          <p:cNvSpPr/>
+          <p:nvPr/>
+        </p:nvSpPr>
+        <p:spPr>
+          <a:xfrm>
+            <a:off x="1976717" y="4744569"/>
+            <a:ext cx="1976717" cy="587189"/>
+          </a:xfrm>
+          <a:prstGeom prst="rect">
+            <a:avLst/>
+          </a:prstGeom>
+        </p:spPr>
+        <p:style>
+          <a:lnRef idx="2">
+            <a:schemeClr val="accent1">
+              <a:shade val="50000"/>
+            </a:schemeClr>
+          </a:lnRef>
+          <a:fillRef idx="1">
+            <a:schemeClr val="accent1"/>
+          </a:fillRef>
+          <a:effectRef idx="0">
+            <a:schemeClr val="accent1"/>
+          </a:effectRef>
+          <a:fontRef idx="minor">
+            <a:schemeClr val="lt1"/>
+          </a:fontRef>
+        </p:style>
+        <p:txBody>
+          <a:bodyPr rtlCol="0" anchor="ctr"/>
+          <a:lstStyle/>
+          <a:p>
+            <a:r>
+              <a:rPr lang="en-US" dirty="0"/>
+              <a:t>AKS (Azure Kubernetes Service)</a:t>
+            </a:r>
+          </a:p>
+        </p:txBody>
+      </p:sp>
+      <p:sp>
+        <p:nvSpPr>
+          <p:cNvPr id="9" name="Rectangle 8">
+            <a:extLst>
+              <a:ext uri="{FF2B5EF4-FFF2-40B4-BE49-F238E27FC236}">
+                <a16:creationId xmlns:a16="http://schemas.microsoft.com/office/drawing/2014/main" id="{8F87A69A-E6C0-2E7F-8AAF-4AB7B12C988A}"/>
+              </a:ext>
+            </a:extLst>
+          </p:cNvPr>
+          <p:cNvSpPr/>
+          <p:nvPr/>
+        </p:nvSpPr>
+        <p:spPr>
+          <a:xfrm>
+            <a:off x="3290048" y="2900081"/>
+            <a:ext cx="1039906" cy="587189"/>
+          </a:xfrm>
+          <a:prstGeom prst="rect">
+            <a:avLst/>
+          </a:prstGeom>
+        </p:spPr>
+        <p:style>
+          <a:lnRef idx="2">
+            <a:schemeClr val="accent1">
+              <a:shade val="50000"/>
+            </a:schemeClr>
+          </a:lnRef>
+          <a:fillRef idx="1">
+            <a:schemeClr val="accent1"/>
+          </a:fillRef>
+          <a:effectRef idx="0">
+            <a:schemeClr val="accent1"/>
+          </a:effectRef>
+          <a:fontRef idx="minor">
+            <a:schemeClr val="lt1"/>
+          </a:fontRef>
+        </p:style>
+        <p:txBody>
+          <a:bodyPr rtlCol="0" anchor="ctr"/>
+          <a:lstStyle/>
+          <a:p>
+            <a:r>
+              <a:rPr lang="en-US" dirty="0"/>
+              <a:t>Web App2</a:t>
+            </a:r>
+          </a:p>
+        </p:txBody>
+      </p:sp>
+      <p:sp>
+        <p:nvSpPr>
+          <p:cNvPr id="10" name="Rectangle 9">
+            <a:extLst>
+              <a:ext uri="{FF2B5EF4-FFF2-40B4-BE49-F238E27FC236}">
+                <a16:creationId xmlns:a16="http://schemas.microsoft.com/office/drawing/2014/main" id="{01FB6F64-5602-2E82-76C4-0DD6E84E9BCB}"/>
+              </a:ext>
+            </a:extLst>
+          </p:cNvPr>
+          <p:cNvSpPr/>
+          <p:nvPr/>
+        </p:nvSpPr>
+        <p:spPr>
+          <a:xfrm>
+            <a:off x="3290048" y="3742763"/>
+            <a:ext cx="1039906" cy="587189"/>
+          </a:xfrm>
+          <a:prstGeom prst="rect">
+            <a:avLst/>
+          </a:prstGeom>
+        </p:spPr>
+        <p:style>
+          <a:lnRef idx="2">
+            <a:schemeClr val="accent1">
+              <a:shade val="50000"/>
+            </a:schemeClr>
+          </a:lnRef>
+          <a:fillRef idx="1">
+            <a:schemeClr val="accent1"/>
+          </a:fillRef>
+          <a:effectRef idx="0">
+            <a:schemeClr val="accent1"/>
+          </a:effectRef>
+          <a:fontRef idx="minor">
+            <a:schemeClr val="lt1"/>
+          </a:fontRef>
+        </p:style>
+        <p:txBody>
+          <a:bodyPr rtlCol="0" anchor="ctr"/>
+          <a:lstStyle/>
+          <a:p>
+            <a:r>
+              <a:rPr lang="en-US" dirty="0"/>
+              <a:t>Blob Storage</a:t>
+            </a:r>
+          </a:p>
+        </p:txBody>
+      </p:sp>
+      <p:sp>
+        <p:nvSpPr>
+          <p:cNvPr id="11" name="Rectangle 10">
+            <a:extLst>
+              <a:ext uri="{FF2B5EF4-FFF2-40B4-BE49-F238E27FC236}">
+                <a16:creationId xmlns:a16="http://schemas.microsoft.com/office/drawing/2014/main" id="{52B0B18F-A08E-F497-1969-320EC0D17FD7}"/>
+              </a:ext>
+            </a:extLst>
+          </p:cNvPr>
+          <p:cNvSpPr/>
+          <p:nvPr/>
+        </p:nvSpPr>
+        <p:spPr>
+          <a:xfrm>
+            <a:off x="7057466" y="2263590"/>
+            <a:ext cx="3341594" cy="3980328"/>
+          </a:xfrm>
+          <a:prstGeom prst="rect">
+            <a:avLst/>
+          </a:prstGeom>
+        </p:spPr>
+        <p:style>
+          <a:lnRef idx="2">
+            <a:schemeClr val="accent1">
+              <a:shade val="50000"/>
+            </a:schemeClr>
+          </a:lnRef>
+          <a:fillRef idx="1">
+            <a:schemeClr val="accent1"/>
+          </a:fillRef>
+          <a:effectRef idx="0">
+            <a:schemeClr val="accent1"/>
+          </a:effectRef>
+          <a:fontRef idx="minor">
+            <a:schemeClr val="lt1"/>
+          </a:fontRef>
+        </p:style>
+        <p:txBody>
+          <a:bodyPr rtlCol="0" anchor="t"/>
+          <a:lstStyle/>
+          <a:p>
+            <a:r>
+              <a:rPr lang="en-US">
+                <a:solidFill>
+                  <a:schemeClr val="tx1"/>
+                </a:solidFill>
+                <a:highlight>
+                  <a:srgbClr val="FFFF00"/>
+                </a:highlight>
+              </a:rPr>
+              <a:t>Resource Group2 </a:t>
+            </a:r>
+            <a:r>
+              <a:rPr lang="en-US" dirty="0"/>
+              <a:t>is a logical grouping of related resources (like a namespace in C# programs)</a:t>
+            </a:r>
+          </a:p>
+        </p:txBody>
+      </p:sp>
+      <p:sp>
+        <p:nvSpPr>
+          <p:cNvPr id="12" name="Rectangle 11">
+            <a:extLst>
+              <a:ext uri="{FF2B5EF4-FFF2-40B4-BE49-F238E27FC236}">
+                <a16:creationId xmlns:a16="http://schemas.microsoft.com/office/drawing/2014/main" id="{228677DC-F335-5471-D8A4-554EE786B470}"/>
+              </a:ext>
+            </a:extLst>
+          </p:cNvPr>
+          <p:cNvSpPr/>
+          <p:nvPr/>
+        </p:nvSpPr>
+        <p:spPr>
+          <a:xfrm>
+            <a:off x="7330889" y="3733798"/>
+            <a:ext cx="1039906" cy="587189"/>
+          </a:xfrm>
+          <a:prstGeom prst="rect">
+            <a:avLst/>
+          </a:prstGeom>
+        </p:spPr>
+        <p:style>
+          <a:lnRef idx="2">
+            <a:schemeClr val="accent1">
+              <a:shade val="50000"/>
+            </a:schemeClr>
+          </a:lnRef>
+          <a:fillRef idx="1">
+            <a:schemeClr val="accent1"/>
+          </a:fillRef>
+          <a:effectRef idx="0">
+            <a:schemeClr val="accent1"/>
+          </a:effectRef>
+          <a:fontRef idx="minor">
+            <a:schemeClr val="lt1"/>
+          </a:fontRef>
+        </p:style>
+        <p:txBody>
+          <a:bodyPr rtlCol="0" anchor="ctr"/>
+          <a:lstStyle/>
+          <a:p>
+            <a:r>
+              <a:rPr lang="en-US" dirty="0"/>
+              <a:t>Azure Db</a:t>
+            </a:r>
+          </a:p>
+        </p:txBody>
+      </p:sp>
+      <p:sp>
+        <p:nvSpPr>
+          <p:cNvPr id="13" name="Rectangle 12">
+            <a:extLst>
+              <a:ext uri="{FF2B5EF4-FFF2-40B4-BE49-F238E27FC236}">
+                <a16:creationId xmlns:a16="http://schemas.microsoft.com/office/drawing/2014/main" id="{61DEA3FD-1AE9-2398-DC3B-305F415A193C}"/>
+              </a:ext>
+            </a:extLst>
+          </p:cNvPr>
+          <p:cNvSpPr/>
+          <p:nvPr/>
+        </p:nvSpPr>
+        <p:spPr>
+          <a:xfrm>
+            <a:off x="7330889" y="4574660"/>
+            <a:ext cx="1039906" cy="587189"/>
+          </a:xfrm>
+          <a:prstGeom prst="rect">
+            <a:avLst/>
+          </a:prstGeom>
+        </p:spPr>
+        <p:style>
+          <a:lnRef idx="2">
+            <a:schemeClr val="accent1">
+              <a:shade val="50000"/>
+            </a:schemeClr>
+          </a:lnRef>
+          <a:fillRef idx="1">
+            <a:schemeClr val="accent1"/>
+          </a:fillRef>
+          <a:effectRef idx="0">
+            <a:schemeClr val="accent1"/>
+          </a:effectRef>
+          <a:fontRef idx="minor">
+            <a:schemeClr val="lt1"/>
+          </a:fontRef>
+        </p:style>
+        <p:txBody>
+          <a:bodyPr rtlCol="0" anchor="ctr"/>
+          <a:lstStyle/>
+          <a:p>
+            <a:r>
+              <a:rPr lang="en-US" dirty="0"/>
+              <a:t>Web App1</a:t>
+            </a:r>
+          </a:p>
+        </p:txBody>
+      </p:sp>
+      <p:sp>
+        <p:nvSpPr>
+          <p:cNvPr id="14" name="Rectangle 13">
+            <a:extLst>
+              <a:ext uri="{FF2B5EF4-FFF2-40B4-BE49-F238E27FC236}">
+                <a16:creationId xmlns:a16="http://schemas.microsoft.com/office/drawing/2014/main" id="{1F24CCC9-864C-56E2-918D-071ABF0281F9}"/>
+              </a:ext>
+            </a:extLst>
+          </p:cNvPr>
+          <p:cNvSpPr/>
+          <p:nvPr/>
+        </p:nvSpPr>
+        <p:spPr>
+          <a:xfrm>
+            <a:off x="7382436" y="5486399"/>
+            <a:ext cx="2738717" cy="587189"/>
+          </a:xfrm>
+          <a:prstGeom prst="rect">
+            <a:avLst/>
+          </a:prstGeom>
+        </p:spPr>
+        <p:style>
+          <a:lnRef idx="2">
+            <a:schemeClr val="accent1">
+              <a:shade val="50000"/>
+            </a:schemeClr>
+          </a:lnRef>
+          <a:fillRef idx="1">
+            <a:schemeClr val="accent1"/>
+          </a:fillRef>
+          <a:effectRef idx="0">
+            <a:schemeClr val="accent1"/>
+          </a:effectRef>
+          <a:fontRef idx="minor">
+            <a:schemeClr val="lt1"/>
+          </a:fontRef>
+        </p:style>
+        <p:txBody>
+          <a:bodyPr rtlCol="0" anchor="ctr"/>
+          <a:lstStyle/>
+          <a:p>
+            <a:r>
+              <a:rPr lang="en-US" dirty="0"/>
+              <a:t>AKS (Azure Kubernetes Service)</a:t>
+            </a:r>
+          </a:p>
+        </p:txBody>
+      </p:sp>
+      <p:sp>
+        <p:nvSpPr>
+          <p:cNvPr id="15" name="Rectangle 14">
+            <a:extLst>
+              <a:ext uri="{FF2B5EF4-FFF2-40B4-BE49-F238E27FC236}">
+                <a16:creationId xmlns:a16="http://schemas.microsoft.com/office/drawing/2014/main" id="{96878395-C097-71A1-22D3-D71103915197}"/>
+              </a:ext>
+            </a:extLst>
+          </p:cNvPr>
+          <p:cNvSpPr/>
+          <p:nvPr/>
+        </p:nvSpPr>
+        <p:spPr>
+          <a:xfrm>
+            <a:off x="8637496" y="4619902"/>
+            <a:ext cx="1039906" cy="587189"/>
+          </a:xfrm>
+          <a:prstGeom prst="rect">
+            <a:avLst/>
+          </a:prstGeom>
+        </p:spPr>
+        <p:style>
+          <a:lnRef idx="2">
+            <a:schemeClr val="accent1">
+              <a:shade val="50000"/>
+            </a:schemeClr>
+          </a:lnRef>
+          <a:fillRef idx="1">
+            <a:schemeClr val="accent1"/>
+          </a:fillRef>
+          <a:effectRef idx="0">
+            <a:schemeClr val="accent1"/>
+          </a:effectRef>
+          <a:fontRef idx="minor">
+            <a:schemeClr val="lt1"/>
+          </a:fontRef>
+        </p:style>
+        <p:txBody>
+          <a:bodyPr rtlCol="0" anchor="ctr"/>
+          <a:lstStyle/>
+          <a:p>
+            <a:r>
+              <a:rPr lang="en-US" dirty="0"/>
+              <a:t>Web App2</a:t>
+            </a:r>
+          </a:p>
+        </p:txBody>
+      </p:sp>
+      <p:sp>
+        <p:nvSpPr>
+          <p:cNvPr id="16" name="Rectangle 15">
+            <a:extLst>
+              <a:ext uri="{FF2B5EF4-FFF2-40B4-BE49-F238E27FC236}">
+                <a16:creationId xmlns:a16="http://schemas.microsoft.com/office/drawing/2014/main" id="{1DECBA56-960E-EA4C-7639-59406E95544C}"/>
+              </a:ext>
+            </a:extLst>
+          </p:cNvPr>
+          <p:cNvSpPr/>
+          <p:nvPr/>
+        </p:nvSpPr>
+        <p:spPr>
+          <a:xfrm>
+            <a:off x="8644219" y="3742763"/>
+            <a:ext cx="1039906" cy="587189"/>
+          </a:xfrm>
+          <a:prstGeom prst="rect">
+            <a:avLst/>
+          </a:prstGeom>
+        </p:spPr>
+        <p:style>
+          <a:lnRef idx="2">
+            <a:schemeClr val="accent1">
+              <a:shade val="50000"/>
+            </a:schemeClr>
+          </a:lnRef>
+          <a:fillRef idx="1">
+            <a:schemeClr val="accent1"/>
+          </a:fillRef>
+          <a:effectRef idx="0">
+            <a:schemeClr val="accent1"/>
+          </a:effectRef>
+          <a:fontRef idx="minor">
+            <a:schemeClr val="lt1"/>
+          </a:fontRef>
+        </p:style>
+        <p:txBody>
+          <a:bodyPr rtlCol="0" anchor="ctr"/>
+          <a:lstStyle/>
+          <a:p>
+            <a:r>
+              <a:rPr lang="en-US" dirty="0"/>
+              <a:t>Blob Storage</a:t>
+            </a:r>
+          </a:p>
+        </p:txBody>
+      </p:sp>
+    </p:spTree>
+    <p:extLst>
+      <p:ext uri="{BB962C8B-B14F-4D97-AF65-F5344CB8AC3E}">
+        <p14:creationId xmlns:p14="http://schemas.microsoft.com/office/powerpoint/2010/main" val="772828400"/>
+      </p:ext>
+    </p:extLst>
+  </p:cSld>
+  <p:clrMapOvr>
+    <a:masterClrMapping/>
+  </p:clrMapOvr>
+</p:sld>
+</file>
+
+<file path=ppt/slides/slide12.xml><?xml version="1.0" encoding="utf-8"?>
+<p:sld xmlns:a="http://schemas.openxmlformats.org/drawingml/2006/main" xmlns:r="http://schemas.openxmlformats.org/officeDocument/2006/relationships" xmlns:p="http://schemas.openxmlformats.org/presentationml/2006/main">
+  <p:cSld>
+    <p:spTree>
+      <p:nvGrpSpPr>
+        <p:cNvPr id="1" name=""/>
+        <p:cNvGrpSpPr/>
+        <p:nvPr/>
+      </p:nvGrpSpPr>
+      <p:grpSpPr>
+        <a:xfrm>
+          <a:off x="0" y="0"/>
+          <a:ext cx="0" cy="0"/>
+          <a:chOff x="0" y="0"/>
+          <a:chExt cx="0" cy="0"/>
+        </a:xfrm>
+      </p:grpSpPr>
+      <p:sp>
+        <p:nvSpPr>
+          <p:cNvPr id="2" name="Title 1">
+            <a:extLst>
+              <a:ext uri="{FF2B5EF4-FFF2-40B4-BE49-F238E27FC236}">
+                <a16:creationId xmlns:a16="http://schemas.microsoft.com/office/drawing/2014/main" id="{FFCA32EA-3FC6-5C4D-A580-6FD901C4F53C}"/>
+              </a:ext>
+            </a:extLst>
+          </p:cNvPr>
+          <p:cNvSpPr>
+            <a:spLocks noGrp="1"/>
+          </p:cNvSpPr>
+          <p:nvPr>
+            <p:ph type="title"/>
+          </p:nvPr>
+        </p:nvSpPr>
+        <p:spPr/>
+        <p:txBody>
+          <a:bodyPr/>
+          <a:lstStyle/>
+          <a:p>
+            <a:r>
+              <a:rPr lang="en-US" dirty="0"/>
+              <a:t>Marks Db Structure</a:t>
+            </a:r>
+          </a:p>
+        </p:txBody>
+      </p:sp>
+      <p:sp>
+        <p:nvSpPr>
+          <p:cNvPr id="4" name="Rectangle 3">
+            <a:extLst>
+              <a:ext uri="{FF2B5EF4-FFF2-40B4-BE49-F238E27FC236}">
+                <a16:creationId xmlns:a16="http://schemas.microsoft.com/office/drawing/2014/main" id="{DB6F96BA-0216-3127-B2B8-0A1D96F3739B}"/>
+              </a:ext>
+            </a:extLst>
+          </p:cNvPr>
+          <p:cNvSpPr/>
+          <p:nvPr/>
+        </p:nvSpPr>
+        <p:spPr>
+          <a:xfrm>
+            <a:off x="6259157" y="1604720"/>
+            <a:ext cx="2021541" cy="887506"/>
+          </a:xfrm>
+          <a:prstGeom prst="rect">
+            <a:avLst/>
+          </a:prstGeom>
+        </p:spPr>
+        <p:style>
+          <a:lnRef idx="2">
+            <a:schemeClr val="accent1">
+              <a:shade val="50000"/>
+            </a:schemeClr>
+          </a:lnRef>
+          <a:fillRef idx="1">
+            <a:schemeClr val="accent1"/>
+          </a:fillRef>
+          <a:effectRef idx="0">
+            <a:schemeClr val="accent1"/>
+          </a:effectRef>
+          <a:fontRef idx="minor">
+            <a:schemeClr val="lt1"/>
+          </a:fontRef>
+        </p:style>
+        <p:txBody>
+          <a:bodyPr rtlCol="0" anchor="ctr"/>
+          <a:lstStyle/>
+          <a:p>
+            <a:pPr algn="ctr"/>
+            <a:r>
+              <a:rPr lang="en-US" dirty="0"/>
+              <a:t>Customer/Address Junction</a:t>
+            </a:r>
+          </a:p>
+        </p:txBody>
+      </p:sp>
+      <p:sp>
+        <p:nvSpPr>
+          <p:cNvPr id="5" name="Rectangle 4">
+            <a:extLst>
+              <a:ext uri="{FF2B5EF4-FFF2-40B4-BE49-F238E27FC236}">
+                <a16:creationId xmlns:a16="http://schemas.microsoft.com/office/drawing/2014/main" id="{51A4D50A-3F51-0CB4-D855-8D1FD6C8EF0C}"/>
+              </a:ext>
+            </a:extLst>
+          </p:cNvPr>
+          <p:cNvSpPr/>
+          <p:nvPr/>
+        </p:nvSpPr>
+        <p:spPr>
+          <a:xfrm>
+            <a:off x="1775909" y="4968876"/>
+            <a:ext cx="2021541" cy="887506"/>
+          </a:xfrm>
+          <a:prstGeom prst="rect">
+            <a:avLst/>
+          </a:prstGeom>
+        </p:spPr>
+        <p:style>
+          <a:lnRef idx="2">
+            <a:schemeClr val="accent1">
+              <a:shade val="50000"/>
+            </a:schemeClr>
+          </a:lnRef>
+          <a:fillRef idx="1">
+            <a:schemeClr val="accent1"/>
+          </a:fillRef>
+          <a:effectRef idx="0">
+            <a:schemeClr val="accent1"/>
+          </a:effectRef>
+          <a:fontRef idx="minor">
+            <a:schemeClr val="lt1"/>
+          </a:fontRef>
+        </p:style>
+        <p:txBody>
+          <a:bodyPr rtlCol="0" anchor="ctr"/>
+          <a:lstStyle/>
+          <a:p>
+            <a:pPr algn="ctr"/>
+            <a:r>
+              <a:rPr lang="en-US" dirty="0"/>
+              <a:t>Orders</a:t>
+            </a:r>
+          </a:p>
+        </p:txBody>
+      </p:sp>
+      <p:sp>
+        <p:nvSpPr>
+          <p:cNvPr id="6" name="Rectangle 5">
+            <a:extLst>
+              <a:ext uri="{FF2B5EF4-FFF2-40B4-BE49-F238E27FC236}">
+                <a16:creationId xmlns:a16="http://schemas.microsoft.com/office/drawing/2014/main" id="{BAB1F970-39D3-EDBA-3515-7FC06877D4AE}"/>
+              </a:ext>
+            </a:extLst>
+          </p:cNvPr>
+          <p:cNvSpPr/>
+          <p:nvPr/>
+        </p:nvSpPr>
+        <p:spPr>
+          <a:xfrm>
+            <a:off x="9190168" y="3161218"/>
+            <a:ext cx="2021541" cy="887506"/>
+          </a:xfrm>
+          <a:prstGeom prst="rect">
+            <a:avLst/>
+          </a:prstGeom>
+        </p:spPr>
+        <p:style>
+          <a:lnRef idx="2">
+            <a:schemeClr val="accent1">
+              <a:shade val="50000"/>
+            </a:schemeClr>
+          </a:lnRef>
+          <a:fillRef idx="1">
+            <a:schemeClr val="accent1"/>
+          </a:fillRef>
+          <a:effectRef idx="0">
+            <a:schemeClr val="accent1"/>
+          </a:effectRef>
+          <a:fontRef idx="minor">
+            <a:schemeClr val="lt1"/>
+          </a:fontRef>
+        </p:style>
+        <p:txBody>
+          <a:bodyPr rtlCol="0" anchor="ctr"/>
+          <a:lstStyle/>
+          <a:p>
+            <a:pPr algn="ctr"/>
+            <a:r>
+              <a:rPr lang="en-US" dirty="0"/>
+              <a:t>Addresses</a:t>
+            </a:r>
+          </a:p>
+        </p:txBody>
+      </p:sp>
+      <p:sp>
+        <p:nvSpPr>
+          <p:cNvPr id="7" name="Rectangle 6">
+            <a:extLst>
+              <a:ext uri="{FF2B5EF4-FFF2-40B4-BE49-F238E27FC236}">
+                <a16:creationId xmlns:a16="http://schemas.microsoft.com/office/drawing/2014/main" id="{43430ECB-1132-CDDE-4293-6F52E94DC96A}"/>
+              </a:ext>
+            </a:extLst>
+          </p:cNvPr>
+          <p:cNvSpPr/>
+          <p:nvPr/>
+        </p:nvSpPr>
+        <p:spPr>
+          <a:xfrm>
+            <a:off x="3275255" y="2884973"/>
+            <a:ext cx="2021541" cy="887506"/>
+          </a:xfrm>
+          <a:prstGeom prst="rect">
+            <a:avLst/>
+          </a:prstGeom>
+        </p:spPr>
+        <p:style>
+          <a:lnRef idx="2">
+            <a:schemeClr val="accent1">
+              <a:shade val="50000"/>
+            </a:schemeClr>
+          </a:lnRef>
+          <a:fillRef idx="1">
+            <a:schemeClr val="accent1"/>
+          </a:fillRef>
+          <a:effectRef idx="0">
+            <a:schemeClr val="accent1"/>
+          </a:effectRef>
+          <a:fontRef idx="minor">
+            <a:schemeClr val="lt1"/>
+          </a:fontRef>
+        </p:style>
+        <p:txBody>
+          <a:bodyPr rtlCol="0" anchor="ctr"/>
+          <a:lstStyle/>
+          <a:p>
+            <a:pPr algn="ctr"/>
+            <a:r>
+              <a:rPr lang="en-US" dirty="0"/>
+              <a:t>Customers</a:t>
+            </a:r>
+          </a:p>
+        </p:txBody>
+      </p:sp>
+      <p:sp>
+        <p:nvSpPr>
+          <p:cNvPr id="8" name="Rectangle 7">
+            <a:extLst>
+              <a:ext uri="{FF2B5EF4-FFF2-40B4-BE49-F238E27FC236}">
+                <a16:creationId xmlns:a16="http://schemas.microsoft.com/office/drawing/2014/main" id="{1450924E-95F0-5F05-675E-829B519980E3}"/>
+              </a:ext>
+            </a:extLst>
+          </p:cNvPr>
+          <p:cNvSpPr/>
+          <p:nvPr/>
+        </p:nvSpPr>
+        <p:spPr>
+          <a:xfrm>
+            <a:off x="8709212" y="443753"/>
+            <a:ext cx="2021541" cy="887506"/>
+          </a:xfrm>
+          <a:prstGeom prst="rect">
+            <a:avLst/>
+          </a:prstGeom>
+        </p:spPr>
+        <p:style>
+          <a:lnRef idx="2">
+            <a:schemeClr val="accent1">
+              <a:shade val="50000"/>
+            </a:schemeClr>
+          </a:lnRef>
+          <a:fillRef idx="1">
+            <a:schemeClr val="accent1"/>
+          </a:fillRef>
+          <a:effectRef idx="0">
+            <a:schemeClr val="accent1"/>
+          </a:effectRef>
+          <a:fontRef idx="minor">
+            <a:schemeClr val="lt1"/>
+          </a:fontRef>
+        </p:style>
+        <p:txBody>
+          <a:bodyPr rtlCol="0" anchor="ctr"/>
+          <a:lstStyle/>
+          <a:p>
+            <a:pPr algn="ctr"/>
+            <a:endParaRPr lang="en-US"/>
+          </a:p>
+        </p:txBody>
+      </p:sp>
+      <p:cxnSp>
+        <p:nvCxnSpPr>
+          <p:cNvPr id="10" name="Straight Arrow Connector 9">
+            <a:extLst>
+              <a:ext uri="{FF2B5EF4-FFF2-40B4-BE49-F238E27FC236}">
+                <a16:creationId xmlns:a16="http://schemas.microsoft.com/office/drawing/2014/main" id="{121FF272-FFAA-1E92-22DD-D520CC450837}"/>
+              </a:ext>
+            </a:extLst>
+          </p:cNvPr>
+          <p:cNvCxnSpPr>
+            <a:cxnSpLocks/>
+            <a:stCxn id="4" idx="1"/>
+            <a:endCxn id="7" idx="0"/>
+          </p:cNvCxnSpPr>
+          <p:nvPr/>
+        </p:nvCxnSpPr>
+        <p:spPr>
+          <a:xfrm flipH="1">
+            <a:off x="4286026" y="2048473"/>
+            <a:ext cx="1973131" cy="836500"/>
+          </a:xfrm>
+          <a:prstGeom prst="straightConnector1">
+            <a:avLst/>
+          </a:prstGeom>
+          <a:ln>
+            <a:tailEnd type="triangle"/>
+          </a:ln>
+        </p:spPr>
+        <p:style>
+          <a:lnRef idx="1">
+            <a:schemeClr val="accent1"/>
+          </a:lnRef>
+          <a:fillRef idx="0">
+            <a:schemeClr val="accent1"/>
+          </a:fillRef>
+          <a:effectRef idx="0">
+            <a:schemeClr val="accent1"/>
+          </a:effectRef>
+          <a:fontRef idx="minor">
+            <a:schemeClr val="tx1"/>
+          </a:fontRef>
+        </p:style>
+      </p:cxnSp>
+      <p:cxnSp>
+        <p:nvCxnSpPr>
+          <p:cNvPr id="14" name="Straight Arrow Connector 13">
+            <a:extLst>
+              <a:ext uri="{FF2B5EF4-FFF2-40B4-BE49-F238E27FC236}">
+                <a16:creationId xmlns:a16="http://schemas.microsoft.com/office/drawing/2014/main" id="{FFD3799A-8802-38F4-6862-AEC3242CC46C}"/>
+              </a:ext>
+            </a:extLst>
+          </p:cNvPr>
+          <p:cNvCxnSpPr>
+            <a:stCxn id="4" idx="3"/>
+            <a:endCxn id="6" idx="0"/>
+          </p:cNvCxnSpPr>
+          <p:nvPr/>
+        </p:nvCxnSpPr>
+        <p:spPr>
+          <a:xfrm>
+            <a:off x="8280698" y="2048473"/>
+            <a:ext cx="1920241" cy="1112745"/>
+          </a:xfrm>
+          <a:prstGeom prst="straightConnector1">
+            <a:avLst/>
+          </a:prstGeom>
+          <a:ln>
+            <a:tailEnd type="triangle"/>
+          </a:ln>
+        </p:spPr>
+        <p:style>
+          <a:lnRef idx="1">
+            <a:schemeClr val="accent1"/>
+          </a:lnRef>
+          <a:fillRef idx="0">
+            <a:schemeClr val="accent1"/>
+          </a:fillRef>
+          <a:effectRef idx="0">
+            <a:schemeClr val="accent1"/>
+          </a:effectRef>
+          <a:fontRef idx="minor">
+            <a:schemeClr val="tx1"/>
+          </a:fontRef>
+        </p:style>
+      </p:cxnSp>
+      <p:cxnSp>
+        <p:nvCxnSpPr>
+          <p:cNvPr id="15" name="Straight Arrow Connector 14">
+            <a:extLst>
+              <a:ext uri="{FF2B5EF4-FFF2-40B4-BE49-F238E27FC236}">
+                <a16:creationId xmlns:a16="http://schemas.microsoft.com/office/drawing/2014/main" id="{92512A35-9E41-0617-29E1-927235E9293D}"/>
+              </a:ext>
+            </a:extLst>
+          </p:cNvPr>
+          <p:cNvCxnSpPr>
+            <a:cxnSpLocks/>
+            <a:stCxn id="5" idx="0"/>
+            <a:endCxn id="7" idx="2"/>
+          </p:cNvCxnSpPr>
+          <p:nvPr/>
+        </p:nvCxnSpPr>
+        <p:spPr>
+          <a:xfrm flipV="1">
+            <a:off x="2786680" y="3772479"/>
+            <a:ext cx="1499346" cy="1196397"/>
+          </a:xfrm>
+          <a:prstGeom prst="straightConnector1">
+            <a:avLst/>
+          </a:prstGeom>
+          <a:ln>
+            <a:tailEnd type="triangle"/>
+          </a:ln>
+        </p:spPr>
+        <p:style>
+          <a:lnRef idx="1">
+            <a:schemeClr val="accent1"/>
+          </a:lnRef>
+          <a:fillRef idx="0">
+            <a:schemeClr val="accent1"/>
+          </a:fillRef>
+          <a:effectRef idx="0">
+            <a:schemeClr val="accent1"/>
+          </a:effectRef>
+          <a:fontRef idx="minor">
+            <a:schemeClr val="tx1"/>
+          </a:fontRef>
+        </p:style>
+      </p:cxnSp>
+      <p:sp>
+        <p:nvSpPr>
+          <p:cNvPr id="22" name="TextBox 21">
+            <a:extLst>
+              <a:ext uri="{FF2B5EF4-FFF2-40B4-BE49-F238E27FC236}">
+                <a16:creationId xmlns:a16="http://schemas.microsoft.com/office/drawing/2014/main" id="{A8451D41-3133-ABDA-496D-A07F72EEBCDC}"/>
+              </a:ext>
+            </a:extLst>
+          </p:cNvPr>
+          <p:cNvSpPr txBox="1"/>
+          <p:nvPr/>
+        </p:nvSpPr>
+        <p:spPr>
+          <a:xfrm>
+            <a:off x="4749501" y="4383740"/>
+            <a:ext cx="4091045" cy="2474260"/>
+          </a:xfrm>
+          <a:prstGeom prst="rect">
+            <a:avLst/>
+          </a:prstGeom>
+          <a:noFill/>
+        </p:spPr>
+        <p:txBody>
+          <a:bodyPr wrap="square" rtlCol="0">
+            <a:normAutofit/>
+          </a:bodyPr>
+          <a:lstStyle/>
+          <a:p>
+            <a:r>
+              <a:rPr lang="en-US" dirty="0"/>
+              <a:t>It I want to see all the orders of Customer 1 and where they were delivered to….</a:t>
+            </a:r>
+          </a:p>
+          <a:p>
+            <a:endParaRPr lang="en-US" dirty="0"/>
+          </a:p>
+          <a:p>
+            <a:r>
+              <a:rPr lang="en-US" dirty="0"/>
+              <a:t>Inner join customers / orders…</a:t>
+            </a:r>
+          </a:p>
+          <a:p>
+            <a:endParaRPr lang="en-US" dirty="0"/>
+          </a:p>
+        </p:txBody>
+      </p:sp>
+    </p:spTree>
+    <p:extLst>
+      <p:ext uri="{BB962C8B-B14F-4D97-AF65-F5344CB8AC3E}">
+        <p14:creationId xmlns:p14="http://schemas.microsoft.com/office/powerpoint/2010/main" val="2445152466"/>
       </p:ext>
     </p:extLst>
   </p:cSld>
@@ -15635,8 +16827,8 @@
           </a:p>
         </p:txBody>
       </p:sp>
-      <mc:AlternateContent xmlns:mc="http://schemas.openxmlformats.org/markup-compatibility/2006">
-        <mc:Choice xmlns:p14="http://schemas.microsoft.com/office/powerpoint/2010/main" Requires="p14">
+      <mc:AlternateContent xmlns:mc="http://schemas.openxmlformats.org/markup-compatibility/2006" xmlns:p14="http://schemas.microsoft.com/office/powerpoint/2010/main">
+        <mc:Choice Requires="p14">
           <p:contentPart p14:bwMode="auto" r:id="rId2">
             <p14:nvContentPartPr>
               <p14:cNvPr id="33" name="Ink 32">
@@ -15655,7 +16847,7 @@
             </p14:xfrm>
           </p:contentPart>
         </mc:Choice>
-        <mc:Fallback>
+        <mc:Fallback xmlns="">
           <p:pic>
             <p:nvPicPr>
               <p:cNvPr id="33" name="Ink 32">
@@ -15686,8 +16878,8 @@
           </p:pic>
         </mc:Fallback>
       </mc:AlternateContent>
-      <mc:AlternateContent xmlns:mc="http://schemas.openxmlformats.org/markup-compatibility/2006">
-        <mc:Choice xmlns:p14="http://schemas.microsoft.com/office/powerpoint/2010/main" Requires="p14">
+      <mc:AlternateContent xmlns:mc="http://schemas.openxmlformats.org/markup-compatibility/2006" xmlns:p14="http://schemas.microsoft.com/office/powerpoint/2010/main">
+        <mc:Choice Requires="p14">
           <p:contentPart p14:bwMode="auto" r:id="rId4">
             <p14:nvContentPartPr>
               <p14:cNvPr id="4" name="Ink 3">
@@ -15706,7 +16898,7 @@
             </p14:xfrm>
           </p:contentPart>
         </mc:Choice>
-        <mc:Fallback>
+        <mc:Fallback xmlns="">
           <p:pic>
             <p:nvPicPr>
               <p:cNvPr id="4" name="Ink 3">
@@ -15737,8 +16929,8 @@
           </p:pic>
         </mc:Fallback>
       </mc:AlternateContent>
-      <mc:AlternateContent xmlns:mc="http://schemas.openxmlformats.org/markup-compatibility/2006">
-        <mc:Choice xmlns:p14="http://schemas.microsoft.com/office/powerpoint/2010/main" Requires="p14">
+      <mc:AlternateContent xmlns:mc="http://schemas.openxmlformats.org/markup-compatibility/2006" xmlns:p14="http://schemas.microsoft.com/office/powerpoint/2010/main">
+        <mc:Choice Requires="p14">
           <p:contentPart p14:bwMode="auto" r:id="rId6">
             <p14:nvContentPartPr>
               <p14:cNvPr id="5" name="Ink 4">
@@ -15757,7 +16949,7 @@
             </p14:xfrm>
           </p:contentPart>
         </mc:Choice>
-        <mc:Fallback>
+        <mc:Fallback xmlns="">
           <p:pic>
             <p:nvPicPr>
               <p:cNvPr id="5" name="Ink 4">
@@ -15788,8 +16980,8 @@
           </p:pic>
         </mc:Fallback>
       </mc:AlternateContent>
-      <mc:AlternateContent xmlns:mc="http://schemas.openxmlformats.org/markup-compatibility/2006">
-        <mc:Choice xmlns:p14="http://schemas.microsoft.com/office/powerpoint/2010/main" Requires="p14">
+      <mc:AlternateContent xmlns:mc="http://schemas.openxmlformats.org/markup-compatibility/2006" xmlns:p14="http://schemas.microsoft.com/office/powerpoint/2010/main">
+        <mc:Choice Requires="p14">
           <p:contentPart p14:bwMode="auto" r:id="rId8">
             <p14:nvContentPartPr>
               <p14:cNvPr id="7" name="Ink 6">
@@ -15808,7 +17000,7 @@
             </p14:xfrm>
           </p:contentPart>
         </mc:Choice>
-        <mc:Fallback>
+        <mc:Fallback xmlns="">
           <p:pic>
             <p:nvPicPr>
               <p:cNvPr id="7" name="Ink 6">
@@ -15839,8 +17031,8 @@
           </p:pic>
         </mc:Fallback>
       </mc:AlternateContent>
-      <mc:AlternateContent xmlns:mc="http://schemas.openxmlformats.org/markup-compatibility/2006">
-        <mc:Choice xmlns:p14="http://schemas.microsoft.com/office/powerpoint/2010/main" Requires="p14">
+      <mc:AlternateContent xmlns:mc="http://schemas.openxmlformats.org/markup-compatibility/2006" xmlns:p14="http://schemas.microsoft.com/office/powerpoint/2010/main">
+        <mc:Choice Requires="p14">
           <p:contentPart p14:bwMode="auto" r:id="rId10">
             <p14:nvContentPartPr>
               <p14:cNvPr id="9" name="Ink 8">
@@ -15859,7 +17051,7 @@
             </p14:xfrm>
           </p:contentPart>
         </mc:Choice>
-        <mc:Fallback>
+        <mc:Fallback xmlns="">
           <p:pic>
             <p:nvPicPr>
               <p:cNvPr id="9" name="Ink 8">
@@ -15890,8 +17082,8 @@
           </p:pic>
         </mc:Fallback>
       </mc:AlternateContent>
-      <mc:AlternateContent xmlns:mc="http://schemas.openxmlformats.org/markup-compatibility/2006">
-        <mc:Choice xmlns:p14="http://schemas.microsoft.com/office/powerpoint/2010/main" Requires="p14">
+      <mc:AlternateContent xmlns:mc="http://schemas.openxmlformats.org/markup-compatibility/2006" xmlns:p14="http://schemas.microsoft.com/office/powerpoint/2010/main">
+        <mc:Choice Requires="p14">
           <p:contentPart p14:bwMode="auto" r:id="rId12">
             <p14:nvContentPartPr>
               <p14:cNvPr id="10" name="Ink 9">
@@ -15910,7 +17102,7 @@
             </p14:xfrm>
           </p:contentPart>
         </mc:Choice>
-        <mc:Fallback>
+        <mc:Fallback xmlns="">
           <p:pic>
             <p:nvPicPr>
               <p:cNvPr id="10" name="Ink 9">
@@ -15941,8 +17133,8 @@
           </p:pic>
         </mc:Fallback>
       </mc:AlternateContent>
-      <mc:AlternateContent xmlns:mc="http://schemas.openxmlformats.org/markup-compatibility/2006">
-        <mc:Choice xmlns:p14="http://schemas.microsoft.com/office/powerpoint/2010/main" Requires="p14">
+      <mc:AlternateContent xmlns:mc="http://schemas.openxmlformats.org/markup-compatibility/2006" xmlns:p14="http://schemas.microsoft.com/office/powerpoint/2010/main">
+        <mc:Choice Requires="p14">
           <p:contentPart p14:bwMode="auto" r:id="rId14">
             <p14:nvContentPartPr>
               <p14:cNvPr id="11" name="Ink 10">
@@ -15961,7 +17153,7 @@
             </p14:xfrm>
           </p:contentPart>
         </mc:Choice>
-        <mc:Fallback>
+        <mc:Fallback xmlns="">
           <p:pic>
             <p:nvPicPr>
               <p:cNvPr id="11" name="Ink 10">
@@ -15992,8 +17184,8 @@
           </p:pic>
         </mc:Fallback>
       </mc:AlternateContent>
-      <mc:AlternateContent xmlns:mc="http://schemas.openxmlformats.org/markup-compatibility/2006">
-        <mc:Choice xmlns:p14="http://schemas.microsoft.com/office/powerpoint/2010/main" Requires="p14">
+      <mc:AlternateContent xmlns:mc="http://schemas.openxmlformats.org/markup-compatibility/2006" xmlns:p14="http://schemas.microsoft.com/office/powerpoint/2010/main">
+        <mc:Choice Requires="p14">
           <p:contentPart p14:bwMode="auto" r:id="rId16">
             <p14:nvContentPartPr>
               <p14:cNvPr id="12" name="Ink 11">
@@ -16012,7 +17204,7 @@
             </p14:xfrm>
           </p:contentPart>
         </mc:Choice>
-        <mc:Fallback>
+        <mc:Fallback xmlns="">
           <p:pic>
             <p:nvPicPr>
               <p:cNvPr id="12" name="Ink 11">
@@ -16043,8 +17235,8 @@
           </p:pic>
         </mc:Fallback>
       </mc:AlternateContent>
-      <mc:AlternateContent xmlns:mc="http://schemas.openxmlformats.org/markup-compatibility/2006">
-        <mc:Choice xmlns:p14="http://schemas.microsoft.com/office/powerpoint/2010/main" Requires="p14">
+      <mc:AlternateContent xmlns:mc="http://schemas.openxmlformats.org/markup-compatibility/2006" xmlns:p14="http://schemas.microsoft.com/office/powerpoint/2010/main">
+        <mc:Choice Requires="p14">
           <p:contentPart p14:bwMode="auto" r:id="rId18">
             <p14:nvContentPartPr>
               <p14:cNvPr id="13" name="Ink 12">
@@ -16063,7 +17255,7 @@
             </p14:xfrm>
           </p:contentPart>
         </mc:Choice>
-        <mc:Fallback>
+        <mc:Fallback xmlns="">
           <p:pic>
             <p:nvPicPr>
               <p:cNvPr id="13" name="Ink 12">
@@ -16094,8 +17286,8 @@
           </p:pic>
         </mc:Fallback>
       </mc:AlternateContent>
-      <mc:AlternateContent xmlns:mc="http://schemas.openxmlformats.org/markup-compatibility/2006">
-        <mc:Choice xmlns:p14="http://schemas.microsoft.com/office/powerpoint/2010/main" Requires="p14">
+      <mc:AlternateContent xmlns:mc="http://schemas.openxmlformats.org/markup-compatibility/2006" xmlns:p14="http://schemas.microsoft.com/office/powerpoint/2010/main">
+        <mc:Choice Requires="p14">
           <p:contentPart p14:bwMode="auto" r:id="rId20">
             <p14:nvContentPartPr>
               <p14:cNvPr id="14" name="Ink 13">
@@ -16114,7 +17306,7 @@
             </p14:xfrm>
           </p:contentPart>
         </mc:Choice>
-        <mc:Fallback>
+        <mc:Fallback xmlns="">
           <p:pic>
             <p:nvPicPr>
               <p:cNvPr id="14" name="Ink 13">
@@ -16145,8 +17337,8 @@
           </p:pic>
         </mc:Fallback>
       </mc:AlternateContent>
-      <mc:AlternateContent xmlns:mc="http://schemas.openxmlformats.org/markup-compatibility/2006">
-        <mc:Choice xmlns:p14="http://schemas.microsoft.com/office/powerpoint/2010/main" Requires="p14">
+      <mc:AlternateContent xmlns:mc="http://schemas.openxmlformats.org/markup-compatibility/2006" xmlns:p14="http://schemas.microsoft.com/office/powerpoint/2010/main">
+        <mc:Choice Requires="p14">
           <p:contentPart p14:bwMode="auto" r:id="rId22">
             <p14:nvContentPartPr>
               <p14:cNvPr id="16" name="Ink 15">
@@ -16165,7 +17357,7 @@
             </p14:xfrm>
           </p:contentPart>
         </mc:Choice>
-        <mc:Fallback>
+        <mc:Fallback xmlns="">
           <p:pic>
             <p:nvPicPr>
               <p:cNvPr id="16" name="Ink 15">
@@ -16196,8 +17388,8 @@
           </p:pic>
         </mc:Fallback>
       </mc:AlternateContent>
-      <mc:AlternateContent xmlns:mc="http://schemas.openxmlformats.org/markup-compatibility/2006">
-        <mc:Choice xmlns:p14="http://schemas.microsoft.com/office/powerpoint/2010/main" Requires="p14">
+      <mc:AlternateContent xmlns:mc="http://schemas.openxmlformats.org/markup-compatibility/2006" xmlns:p14="http://schemas.microsoft.com/office/powerpoint/2010/main">
+        <mc:Choice Requires="p14">
           <p:contentPart p14:bwMode="auto" r:id="rId24">
             <p14:nvContentPartPr>
               <p14:cNvPr id="17" name="Ink 16">
@@ -16216,7 +17408,7 @@
             </p14:xfrm>
           </p:contentPart>
         </mc:Choice>
-        <mc:Fallback>
+        <mc:Fallback xmlns="">
           <p:pic>
             <p:nvPicPr>
               <p:cNvPr id="17" name="Ink 16">
@@ -16247,8 +17439,8 @@
           </p:pic>
         </mc:Fallback>
       </mc:AlternateContent>
-      <mc:AlternateContent xmlns:mc="http://schemas.openxmlformats.org/markup-compatibility/2006">
-        <mc:Choice xmlns:p14="http://schemas.microsoft.com/office/powerpoint/2010/main" Requires="p14">
+      <mc:AlternateContent xmlns:mc="http://schemas.openxmlformats.org/markup-compatibility/2006" xmlns:p14="http://schemas.microsoft.com/office/powerpoint/2010/main">
+        <mc:Choice Requires="p14">
           <p:contentPart p14:bwMode="auto" r:id="rId26">
             <p14:nvContentPartPr>
               <p14:cNvPr id="19" name="Ink 18">
@@ -16267,7 +17459,7 @@
             </p14:xfrm>
           </p:contentPart>
         </mc:Choice>
-        <mc:Fallback>
+        <mc:Fallback xmlns="">
           <p:pic>
             <p:nvPicPr>
               <p:cNvPr id="19" name="Ink 18">
@@ -16298,8 +17490,8 @@
           </p:pic>
         </mc:Fallback>
       </mc:AlternateContent>
-      <mc:AlternateContent xmlns:mc="http://schemas.openxmlformats.org/markup-compatibility/2006">
-        <mc:Choice xmlns:p14="http://schemas.microsoft.com/office/powerpoint/2010/main" Requires="p14">
+      <mc:AlternateContent xmlns:mc="http://schemas.openxmlformats.org/markup-compatibility/2006" xmlns:p14="http://schemas.microsoft.com/office/powerpoint/2010/main">
+        <mc:Choice Requires="p14">
           <p:contentPart p14:bwMode="auto" r:id="rId28">
             <p14:nvContentPartPr>
               <p14:cNvPr id="20" name="Ink 19">
@@ -16318,7 +17510,7 @@
             </p14:xfrm>
           </p:contentPart>
         </mc:Choice>
-        <mc:Fallback>
+        <mc:Fallback xmlns="">
           <p:pic>
             <p:nvPicPr>
               <p:cNvPr id="20" name="Ink 19">
@@ -16349,8 +17541,8 @@
           </p:pic>
         </mc:Fallback>
       </mc:AlternateContent>
-      <mc:AlternateContent xmlns:mc="http://schemas.openxmlformats.org/markup-compatibility/2006">
-        <mc:Choice xmlns:p14="http://schemas.microsoft.com/office/powerpoint/2010/main" Requires="p14">
+      <mc:AlternateContent xmlns:mc="http://schemas.openxmlformats.org/markup-compatibility/2006" xmlns:p14="http://schemas.microsoft.com/office/powerpoint/2010/main">
+        <mc:Choice Requires="p14">
           <p:contentPart p14:bwMode="auto" r:id="rId30">
             <p14:nvContentPartPr>
               <p14:cNvPr id="22" name="Ink 21">
@@ -16369,7 +17561,7 @@
             </p14:xfrm>
           </p:contentPart>
         </mc:Choice>
-        <mc:Fallback>
+        <mc:Fallback xmlns="">
           <p:pic>
             <p:nvPicPr>
               <p:cNvPr id="22" name="Ink 21">
@@ -16400,8 +17592,8 @@
           </p:pic>
         </mc:Fallback>
       </mc:AlternateContent>
-      <mc:AlternateContent xmlns:mc="http://schemas.openxmlformats.org/markup-compatibility/2006">
-        <mc:Choice xmlns:p14="http://schemas.microsoft.com/office/powerpoint/2010/main" Requires="p14">
+      <mc:AlternateContent xmlns:mc="http://schemas.openxmlformats.org/markup-compatibility/2006" xmlns:p14="http://schemas.microsoft.com/office/powerpoint/2010/main">
+        <mc:Choice Requires="p14">
           <p:contentPart p14:bwMode="auto" r:id="rId32">
             <p14:nvContentPartPr>
               <p14:cNvPr id="23" name="Ink 22">
@@ -16420,7 +17612,7 @@
             </p14:xfrm>
           </p:contentPart>
         </mc:Choice>
-        <mc:Fallback>
+        <mc:Fallback xmlns="">
           <p:pic>
             <p:nvPicPr>
               <p:cNvPr id="23" name="Ink 22">
@@ -16451,8 +17643,8 @@
           </p:pic>
         </mc:Fallback>
       </mc:AlternateContent>
-      <mc:AlternateContent xmlns:mc="http://schemas.openxmlformats.org/markup-compatibility/2006">
-        <mc:Choice xmlns:p14="http://schemas.microsoft.com/office/powerpoint/2010/main" Requires="p14">
+      <mc:AlternateContent xmlns:mc="http://schemas.openxmlformats.org/markup-compatibility/2006" xmlns:p14="http://schemas.microsoft.com/office/powerpoint/2010/main">
+        <mc:Choice Requires="p14">
           <p:contentPart p14:bwMode="auto" r:id="rId34">
             <p14:nvContentPartPr>
               <p14:cNvPr id="24" name="Ink 23">
@@ -16471,7 +17663,7 @@
             </p14:xfrm>
           </p:contentPart>
         </mc:Choice>
-        <mc:Fallback>
+        <mc:Fallback xmlns="">
           <p:pic>
             <p:nvPicPr>
               <p:cNvPr id="24" name="Ink 23">
@@ -16502,8 +17694,8 @@
           </p:pic>
         </mc:Fallback>
       </mc:AlternateContent>
-      <mc:AlternateContent xmlns:mc="http://schemas.openxmlformats.org/markup-compatibility/2006">
-        <mc:Choice xmlns:p14="http://schemas.microsoft.com/office/powerpoint/2010/main" Requires="p14">
+      <mc:AlternateContent xmlns:mc="http://schemas.openxmlformats.org/markup-compatibility/2006" xmlns:p14="http://schemas.microsoft.com/office/powerpoint/2010/main">
+        <mc:Choice Requires="p14">
           <p:contentPart p14:bwMode="auto" r:id="rId36">
             <p14:nvContentPartPr>
               <p14:cNvPr id="25" name="Ink 24">
@@ -16522,7 +17714,7 @@
             </p14:xfrm>
           </p:contentPart>
         </mc:Choice>
-        <mc:Fallback>
+        <mc:Fallback xmlns="">
           <p:pic>
             <p:nvPicPr>
               <p:cNvPr id="25" name="Ink 24">
@@ -16553,8 +17745,8 @@
           </p:pic>
         </mc:Fallback>
       </mc:AlternateContent>
-      <mc:AlternateContent xmlns:mc="http://schemas.openxmlformats.org/markup-compatibility/2006">
-        <mc:Choice xmlns:p14="http://schemas.microsoft.com/office/powerpoint/2010/main" Requires="p14">
+      <mc:AlternateContent xmlns:mc="http://schemas.openxmlformats.org/markup-compatibility/2006" xmlns:p14="http://schemas.microsoft.com/office/powerpoint/2010/main">
+        <mc:Choice Requires="p14">
           <p:contentPart p14:bwMode="auto" r:id="rId38">
             <p14:nvContentPartPr>
               <p14:cNvPr id="26" name="Ink 25">
@@ -16573,7 +17765,7 @@
             </p14:xfrm>
           </p:contentPart>
         </mc:Choice>
-        <mc:Fallback>
+        <mc:Fallback xmlns="">
           <p:pic>
             <p:nvPicPr>
               <p:cNvPr id="26" name="Ink 25">
@@ -16604,8 +17796,8 @@
           </p:pic>
         </mc:Fallback>
       </mc:AlternateContent>
-      <mc:AlternateContent xmlns:mc="http://schemas.openxmlformats.org/markup-compatibility/2006">
-        <mc:Choice xmlns:p14="http://schemas.microsoft.com/office/powerpoint/2010/main" Requires="p14">
+      <mc:AlternateContent xmlns:mc="http://schemas.openxmlformats.org/markup-compatibility/2006" xmlns:p14="http://schemas.microsoft.com/office/powerpoint/2010/main">
+        <mc:Choice Requires="p14">
           <p:contentPart p14:bwMode="auto" r:id="rId40">
             <p14:nvContentPartPr>
               <p14:cNvPr id="27" name="Ink 26">
@@ -16624,7 +17816,7 @@
             </p14:xfrm>
           </p:contentPart>
         </mc:Choice>
-        <mc:Fallback>
+        <mc:Fallback xmlns="">
           <p:pic>
             <p:nvPicPr>
               <p:cNvPr id="27" name="Ink 26">
@@ -16655,8 +17847,8 @@
           </p:pic>
         </mc:Fallback>
       </mc:AlternateContent>
-      <mc:AlternateContent xmlns:mc="http://schemas.openxmlformats.org/markup-compatibility/2006">
-        <mc:Choice xmlns:p14="http://schemas.microsoft.com/office/powerpoint/2010/main" Requires="p14">
+      <mc:AlternateContent xmlns:mc="http://schemas.openxmlformats.org/markup-compatibility/2006" xmlns:p14="http://schemas.microsoft.com/office/powerpoint/2010/main">
+        <mc:Choice Requires="p14">
           <p:contentPart p14:bwMode="auto" r:id="rId42">
             <p14:nvContentPartPr>
               <p14:cNvPr id="28" name="Ink 27">
@@ -16675,7 +17867,7 @@
             </p14:xfrm>
           </p:contentPart>
         </mc:Choice>
-        <mc:Fallback>
+        <mc:Fallback xmlns="">
           <p:pic>
             <p:nvPicPr>
               <p:cNvPr id="28" name="Ink 27">
@@ -16706,8 +17898,8 @@
           </p:pic>
         </mc:Fallback>
       </mc:AlternateContent>
-      <mc:AlternateContent xmlns:mc="http://schemas.openxmlformats.org/markup-compatibility/2006">
-        <mc:Choice xmlns:p14="http://schemas.microsoft.com/office/powerpoint/2010/main" Requires="p14">
+      <mc:AlternateContent xmlns:mc="http://schemas.openxmlformats.org/markup-compatibility/2006" xmlns:p14="http://schemas.microsoft.com/office/powerpoint/2010/main">
+        <mc:Choice Requires="p14">
           <p:contentPart p14:bwMode="auto" r:id="rId44">
             <p14:nvContentPartPr>
               <p14:cNvPr id="29" name="Ink 28">
@@ -16726,7 +17918,7 @@
             </p14:xfrm>
           </p:contentPart>
         </mc:Choice>
-        <mc:Fallback>
+        <mc:Fallback xmlns="">
           <p:pic>
             <p:nvPicPr>
               <p:cNvPr id="29" name="Ink 28">
@@ -16757,8 +17949,8 @@
           </p:pic>
         </mc:Fallback>
       </mc:AlternateContent>
-      <mc:AlternateContent xmlns:mc="http://schemas.openxmlformats.org/markup-compatibility/2006">
-        <mc:Choice xmlns:p14="http://schemas.microsoft.com/office/powerpoint/2010/main" Requires="p14">
+      <mc:AlternateContent xmlns:mc="http://schemas.openxmlformats.org/markup-compatibility/2006" xmlns:p14="http://schemas.microsoft.com/office/powerpoint/2010/main">
+        <mc:Choice Requires="p14">
           <p:contentPart p14:bwMode="auto" r:id="rId46">
             <p14:nvContentPartPr>
               <p14:cNvPr id="30" name="Ink 29">
@@ -16777,7 +17969,7 @@
             </p14:xfrm>
           </p:contentPart>
         </mc:Choice>
-        <mc:Fallback>
+        <mc:Fallback xmlns="">
           <p:pic>
             <p:nvPicPr>
               <p:cNvPr id="30" name="Ink 29">
@@ -16808,8 +18000,8 @@
           </p:pic>
         </mc:Fallback>
       </mc:AlternateContent>
-      <mc:AlternateContent xmlns:mc="http://schemas.openxmlformats.org/markup-compatibility/2006">
-        <mc:Choice xmlns:p14="http://schemas.microsoft.com/office/powerpoint/2010/main" Requires="p14">
+      <mc:AlternateContent xmlns:mc="http://schemas.openxmlformats.org/markup-compatibility/2006" xmlns:p14="http://schemas.microsoft.com/office/powerpoint/2010/main">
+        <mc:Choice Requires="p14">
           <p:contentPart p14:bwMode="auto" r:id="rId48">
             <p14:nvContentPartPr>
               <p14:cNvPr id="31" name="Ink 30">
@@ -16828,7 +18020,7 @@
             </p14:xfrm>
           </p:contentPart>
         </mc:Choice>
-        <mc:Fallback>
+        <mc:Fallback xmlns="">
           <p:pic>
             <p:nvPicPr>
               <p:cNvPr id="31" name="Ink 30">
@@ -16859,8 +18051,8 @@
           </p:pic>
         </mc:Fallback>
       </mc:AlternateContent>
-      <mc:AlternateContent xmlns:mc="http://schemas.openxmlformats.org/markup-compatibility/2006">
-        <mc:Choice xmlns:p14="http://schemas.microsoft.com/office/powerpoint/2010/main" Requires="p14">
+      <mc:AlternateContent xmlns:mc="http://schemas.openxmlformats.org/markup-compatibility/2006" xmlns:p14="http://schemas.microsoft.com/office/powerpoint/2010/main">
+        <mc:Choice Requires="p14">
           <p:contentPart p14:bwMode="auto" r:id="rId50">
             <p14:nvContentPartPr>
               <p14:cNvPr id="45" name="Ink 44">
@@ -16879,7 +18071,7 @@
             </p14:xfrm>
           </p:contentPart>
         </mc:Choice>
-        <mc:Fallback>
+        <mc:Fallback xmlns="">
           <p:pic>
             <p:nvPicPr>
               <p:cNvPr id="45" name="Ink 44">
@@ -16910,8 +18102,8 @@
           </p:pic>
         </mc:Fallback>
       </mc:AlternateContent>
-      <mc:AlternateContent xmlns:mc="http://schemas.openxmlformats.org/markup-compatibility/2006">
-        <mc:Choice xmlns:p14="http://schemas.microsoft.com/office/powerpoint/2010/main" Requires="p14">
+      <mc:AlternateContent xmlns:mc="http://schemas.openxmlformats.org/markup-compatibility/2006" xmlns:p14="http://schemas.microsoft.com/office/powerpoint/2010/main">
+        <mc:Choice Requires="p14">
           <p:contentPart p14:bwMode="auto" r:id="rId52">
             <p14:nvContentPartPr>
               <p14:cNvPr id="46" name="Ink 45">
@@ -16930,7 +18122,7 @@
             </p14:xfrm>
           </p:contentPart>
         </mc:Choice>
-        <mc:Fallback>
+        <mc:Fallback xmlns="">
           <p:pic>
             <p:nvPicPr>
               <p:cNvPr id="46" name="Ink 45">
@@ -16961,8 +18153,8 @@
           </p:pic>
         </mc:Fallback>
       </mc:AlternateContent>
-      <mc:AlternateContent xmlns:mc="http://schemas.openxmlformats.org/markup-compatibility/2006">
-        <mc:Choice xmlns:p14="http://schemas.microsoft.com/office/powerpoint/2010/main" Requires="p14">
+      <mc:AlternateContent xmlns:mc="http://schemas.openxmlformats.org/markup-compatibility/2006" xmlns:p14="http://schemas.microsoft.com/office/powerpoint/2010/main">
+        <mc:Choice Requires="p14">
           <p:contentPart p14:bwMode="auto" r:id="rId54">
             <p14:nvContentPartPr>
               <p14:cNvPr id="34" name="Ink 33">
@@ -16981,7 +18173,7 @@
             </p14:xfrm>
           </p:contentPart>
         </mc:Choice>
-        <mc:Fallback>
+        <mc:Fallback xmlns="">
           <p:pic>
             <p:nvPicPr>
               <p:cNvPr id="34" name="Ink 33">
@@ -17012,8 +18204,8 @@
           </p:pic>
         </mc:Fallback>
       </mc:AlternateContent>
-      <mc:AlternateContent xmlns:mc="http://schemas.openxmlformats.org/markup-compatibility/2006">
-        <mc:Choice xmlns:p14="http://schemas.microsoft.com/office/powerpoint/2010/main" Requires="p14">
+      <mc:AlternateContent xmlns:mc="http://schemas.openxmlformats.org/markup-compatibility/2006" xmlns:p14="http://schemas.microsoft.com/office/powerpoint/2010/main">
+        <mc:Choice Requires="p14">
           <p:contentPart p14:bwMode="auto" r:id="rId56">
             <p14:nvContentPartPr>
               <p14:cNvPr id="35" name="Ink 34">
@@ -17032,7 +18224,7 @@
             </p14:xfrm>
           </p:contentPart>
         </mc:Choice>
-        <mc:Fallback>
+        <mc:Fallback xmlns="">
           <p:pic>
             <p:nvPicPr>
               <p:cNvPr id="35" name="Ink 34">
@@ -17063,8 +18255,8 @@
           </p:pic>
         </mc:Fallback>
       </mc:AlternateContent>
-      <mc:AlternateContent xmlns:mc="http://schemas.openxmlformats.org/markup-compatibility/2006">
-        <mc:Choice xmlns:p14="http://schemas.microsoft.com/office/powerpoint/2010/main" Requires="p14">
+      <mc:AlternateContent xmlns:mc="http://schemas.openxmlformats.org/markup-compatibility/2006" xmlns:p14="http://schemas.microsoft.com/office/powerpoint/2010/main">
+        <mc:Choice Requires="p14">
           <p:contentPart p14:bwMode="auto" r:id="rId58">
             <p14:nvContentPartPr>
               <p14:cNvPr id="36" name="Ink 35">
@@ -17083,7 +18275,7 @@
             </p14:xfrm>
           </p:contentPart>
         </mc:Choice>
-        <mc:Fallback>
+        <mc:Fallback xmlns="">
           <p:pic>
             <p:nvPicPr>
               <p:cNvPr id="36" name="Ink 35">
@@ -17114,8 +18306,8 @@
           </p:pic>
         </mc:Fallback>
       </mc:AlternateContent>
-      <mc:AlternateContent xmlns:mc="http://schemas.openxmlformats.org/markup-compatibility/2006">
-        <mc:Choice xmlns:p14="http://schemas.microsoft.com/office/powerpoint/2010/main" Requires="p14">
+      <mc:AlternateContent xmlns:mc="http://schemas.openxmlformats.org/markup-compatibility/2006" xmlns:p14="http://schemas.microsoft.com/office/powerpoint/2010/main">
+        <mc:Choice Requires="p14">
           <p:contentPart p14:bwMode="auto" r:id="rId60">
             <p14:nvContentPartPr>
               <p14:cNvPr id="37" name="Ink 36">
@@ -17134,7 +18326,7 @@
             </p14:xfrm>
           </p:contentPart>
         </mc:Choice>
-        <mc:Fallback>
+        <mc:Fallback xmlns="">
           <p:pic>
             <p:nvPicPr>
               <p:cNvPr id="37" name="Ink 36">
@@ -17165,8 +18357,8 @@
           </p:pic>
         </mc:Fallback>
       </mc:AlternateContent>
-      <mc:AlternateContent xmlns:mc="http://schemas.openxmlformats.org/markup-compatibility/2006">
-        <mc:Choice xmlns:p14="http://schemas.microsoft.com/office/powerpoint/2010/main" Requires="p14">
+      <mc:AlternateContent xmlns:mc="http://schemas.openxmlformats.org/markup-compatibility/2006" xmlns:p14="http://schemas.microsoft.com/office/powerpoint/2010/main">
+        <mc:Choice Requires="p14">
           <p:contentPart p14:bwMode="auto" r:id="rId62">
             <p14:nvContentPartPr>
               <p14:cNvPr id="38" name="Ink 37">
@@ -17185,7 +18377,7 @@
             </p14:xfrm>
           </p:contentPart>
         </mc:Choice>
-        <mc:Fallback>
+        <mc:Fallback xmlns="">
           <p:pic>
             <p:nvPicPr>
               <p:cNvPr id="38" name="Ink 37">
@@ -17216,8 +18408,8 @@
           </p:pic>
         </mc:Fallback>
       </mc:AlternateContent>
-      <mc:AlternateContent xmlns:mc="http://schemas.openxmlformats.org/markup-compatibility/2006">
-        <mc:Choice xmlns:p14="http://schemas.microsoft.com/office/powerpoint/2010/main" Requires="p14">
+      <mc:AlternateContent xmlns:mc="http://schemas.openxmlformats.org/markup-compatibility/2006" xmlns:p14="http://schemas.microsoft.com/office/powerpoint/2010/main">
+        <mc:Choice Requires="p14">
           <p:contentPart p14:bwMode="auto" r:id="rId64">
             <p14:nvContentPartPr>
               <p14:cNvPr id="39" name="Ink 38">
@@ -17236,7 +18428,7 @@
             </p14:xfrm>
           </p:contentPart>
         </mc:Choice>
-        <mc:Fallback>
+        <mc:Fallback xmlns="">
           <p:pic>
             <p:nvPicPr>
               <p:cNvPr id="39" name="Ink 38">
@@ -17267,8 +18459,8 @@
           </p:pic>
         </mc:Fallback>
       </mc:AlternateContent>
-      <mc:AlternateContent xmlns:mc="http://schemas.openxmlformats.org/markup-compatibility/2006">
-        <mc:Choice xmlns:p14="http://schemas.microsoft.com/office/powerpoint/2010/main" Requires="p14">
+      <mc:AlternateContent xmlns:mc="http://schemas.openxmlformats.org/markup-compatibility/2006" xmlns:p14="http://schemas.microsoft.com/office/powerpoint/2010/main">
+        <mc:Choice Requires="p14">
           <p:contentPart p14:bwMode="auto" r:id="rId66">
             <p14:nvContentPartPr>
               <p14:cNvPr id="40" name="Ink 39">
@@ -17287,7 +18479,7 @@
             </p14:xfrm>
           </p:contentPart>
         </mc:Choice>
-        <mc:Fallback>
+        <mc:Fallback xmlns="">
           <p:pic>
             <p:nvPicPr>
               <p:cNvPr id="40" name="Ink 39">
@@ -17318,8 +18510,8 @@
           </p:pic>
         </mc:Fallback>
       </mc:AlternateContent>
-      <mc:AlternateContent xmlns:mc="http://schemas.openxmlformats.org/markup-compatibility/2006">
-        <mc:Choice xmlns:p14="http://schemas.microsoft.com/office/powerpoint/2010/main" Requires="p14">
+      <mc:AlternateContent xmlns:mc="http://schemas.openxmlformats.org/markup-compatibility/2006" xmlns:p14="http://schemas.microsoft.com/office/powerpoint/2010/main">
+        <mc:Choice Requires="p14">
           <p:contentPart p14:bwMode="auto" r:id="rId68">
             <p14:nvContentPartPr>
               <p14:cNvPr id="41" name="Ink 40">
@@ -17338,7 +18530,7 @@
             </p14:xfrm>
           </p:contentPart>
         </mc:Choice>
-        <mc:Fallback>
+        <mc:Fallback xmlns="">
           <p:pic>
             <p:nvPicPr>
               <p:cNvPr id="41" name="Ink 40">
@@ -17389,8 +18581,8 @@
             <a:chExt cx="2582640" cy="835560"/>
           </a:xfrm>
         </p:grpSpPr>
-        <mc:AlternateContent xmlns:mc="http://schemas.openxmlformats.org/markup-compatibility/2006">
-          <mc:Choice xmlns:p14="http://schemas.microsoft.com/office/powerpoint/2010/main" Requires="p14">
+        <mc:AlternateContent xmlns:mc="http://schemas.openxmlformats.org/markup-compatibility/2006" xmlns:p14="http://schemas.microsoft.com/office/powerpoint/2010/main">
+          <mc:Choice Requires="p14">
             <p:contentPart p14:bwMode="auto" r:id="rId70">
               <p14:nvContentPartPr>
                 <p14:cNvPr id="43" name="Ink 42">
@@ -17409,7 +18601,7 @@
               </p14:xfrm>
             </p:contentPart>
           </mc:Choice>
-          <mc:Fallback>
+          <mc:Fallback xmlns="">
             <p:pic>
               <p:nvPicPr>
                 <p:cNvPr id="43" name="Ink 42">
@@ -17440,8 +18632,8 @@
             </p:pic>
           </mc:Fallback>
         </mc:AlternateContent>
-        <mc:AlternateContent xmlns:mc="http://schemas.openxmlformats.org/markup-compatibility/2006">
-          <mc:Choice xmlns:p14="http://schemas.microsoft.com/office/powerpoint/2010/main" Requires="p14">
+        <mc:AlternateContent xmlns:mc="http://schemas.openxmlformats.org/markup-compatibility/2006" xmlns:p14="http://schemas.microsoft.com/office/powerpoint/2010/main">
+          <mc:Choice Requires="p14">
             <p:contentPart p14:bwMode="auto" r:id="rId72">
               <p14:nvContentPartPr>
                 <p14:cNvPr id="44" name="Ink 43">
@@ -17460,7 +18652,7 @@
               </p14:xfrm>
             </p:contentPart>
           </mc:Choice>
-          <mc:Fallback>
+          <mc:Fallback xmlns="">
             <p:pic>
               <p:nvPicPr>
                 <p:cNvPr id="44" name="Ink 43">
@@ -17491,8 +18683,8 @@
             </p:pic>
           </mc:Fallback>
         </mc:AlternateContent>
-        <mc:AlternateContent xmlns:mc="http://schemas.openxmlformats.org/markup-compatibility/2006">
-          <mc:Choice xmlns:p14="http://schemas.microsoft.com/office/powerpoint/2010/main" Requires="p14">
+        <mc:AlternateContent xmlns:mc="http://schemas.openxmlformats.org/markup-compatibility/2006" xmlns:p14="http://schemas.microsoft.com/office/powerpoint/2010/main">
+          <mc:Choice Requires="p14">
             <p:contentPart p14:bwMode="auto" r:id="rId74">
               <p14:nvContentPartPr>
                 <p14:cNvPr id="48" name="Ink 47">
@@ -17511,7 +18703,7 @@
               </p14:xfrm>
             </p:contentPart>
           </mc:Choice>
-          <mc:Fallback>
+          <mc:Fallback xmlns="">
             <p:pic>
               <p:nvPicPr>
                 <p:cNvPr id="48" name="Ink 47">
@@ -17542,8 +18734,8 @@
             </p:pic>
           </mc:Fallback>
         </mc:AlternateContent>
-        <mc:AlternateContent xmlns:mc="http://schemas.openxmlformats.org/markup-compatibility/2006">
-          <mc:Choice xmlns:p14="http://schemas.microsoft.com/office/powerpoint/2010/main" Requires="p14">
+        <mc:AlternateContent xmlns:mc="http://schemas.openxmlformats.org/markup-compatibility/2006" xmlns:p14="http://schemas.microsoft.com/office/powerpoint/2010/main">
+          <mc:Choice Requires="p14">
             <p:contentPart p14:bwMode="auto" r:id="rId76">
               <p14:nvContentPartPr>
                 <p14:cNvPr id="49" name="Ink 48">
@@ -17562,7 +18754,7 @@
               </p14:xfrm>
             </p:contentPart>
           </mc:Choice>
-          <mc:Fallback>
+          <mc:Fallback xmlns="">
             <p:pic>
               <p:nvPicPr>
                 <p:cNvPr id="49" name="Ink 48">
@@ -17593,8 +18785,8 @@
             </p:pic>
           </mc:Fallback>
         </mc:AlternateContent>
-        <mc:AlternateContent xmlns:mc="http://schemas.openxmlformats.org/markup-compatibility/2006">
-          <mc:Choice xmlns:p14="http://schemas.microsoft.com/office/powerpoint/2010/main" Requires="p14">
+        <mc:AlternateContent xmlns:mc="http://schemas.openxmlformats.org/markup-compatibility/2006" xmlns:p14="http://schemas.microsoft.com/office/powerpoint/2010/main">
+          <mc:Choice Requires="p14">
             <p:contentPart p14:bwMode="auto" r:id="rId78">
               <p14:nvContentPartPr>
                 <p14:cNvPr id="51" name="Ink 50">
@@ -17613,7 +18805,7 @@
               </p14:xfrm>
             </p:contentPart>
           </mc:Choice>
-          <mc:Fallback>
+          <mc:Fallback xmlns="">
             <p:pic>
               <p:nvPicPr>
                 <p:cNvPr id="51" name="Ink 50">
@@ -17644,8 +18836,8 @@
             </p:pic>
           </mc:Fallback>
         </mc:AlternateContent>
-        <mc:AlternateContent xmlns:mc="http://schemas.openxmlformats.org/markup-compatibility/2006">
-          <mc:Choice xmlns:p14="http://schemas.microsoft.com/office/powerpoint/2010/main" Requires="p14">
+        <mc:AlternateContent xmlns:mc="http://schemas.openxmlformats.org/markup-compatibility/2006" xmlns:p14="http://schemas.microsoft.com/office/powerpoint/2010/main">
+          <mc:Choice Requires="p14">
             <p:contentPart p14:bwMode="auto" r:id="rId80">
               <p14:nvContentPartPr>
                 <p14:cNvPr id="53" name="Ink 52">
@@ -17664,7 +18856,7 @@
               </p14:xfrm>
             </p:contentPart>
           </mc:Choice>
-          <mc:Fallback>
+          <mc:Fallback xmlns="">
             <p:pic>
               <p:nvPicPr>
                 <p:cNvPr id="53" name="Ink 52">
@@ -17695,8 +18887,8 @@
             </p:pic>
           </mc:Fallback>
         </mc:AlternateContent>
-        <mc:AlternateContent xmlns:mc="http://schemas.openxmlformats.org/markup-compatibility/2006">
-          <mc:Choice xmlns:p14="http://schemas.microsoft.com/office/powerpoint/2010/main" Requires="p14">
+        <mc:AlternateContent xmlns:mc="http://schemas.openxmlformats.org/markup-compatibility/2006" xmlns:p14="http://schemas.microsoft.com/office/powerpoint/2010/main">
+          <mc:Choice Requires="p14">
             <p:contentPart p14:bwMode="auto" r:id="rId82">
               <p14:nvContentPartPr>
                 <p14:cNvPr id="54" name="Ink 53">
@@ -17715,7 +18907,7 @@
               </p14:xfrm>
             </p:contentPart>
           </mc:Choice>
-          <mc:Fallback>
+          <mc:Fallback xmlns="">
             <p:pic>
               <p:nvPicPr>
                 <p:cNvPr id="54" name="Ink 53">
@@ -17746,8 +18938,8 @@
             </p:pic>
           </mc:Fallback>
         </mc:AlternateContent>
-        <mc:AlternateContent xmlns:mc="http://schemas.openxmlformats.org/markup-compatibility/2006">
-          <mc:Choice xmlns:p14="http://schemas.microsoft.com/office/powerpoint/2010/main" Requires="p14">
+        <mc:AlternateContent xmlns:mc="http://schemas.openxmlformats.org/markup-compatibility/2006" xmlns:p14="http://schemas.microsoft.com/office/powerpoint/2010/main">
+          <mc:Choice Requires="p14">
             <p:contentPart p14:bwMode="auto" r:id="rId84">
               <p14:nvContentPartPr>
                 <p14:cNvPr id="55" name="Ink 54">
@@ -17766,7 +18958,7 @@
               </p14:xfrm>
             </p:contentPart>
           </mc:Choice>
-          <mc:Fallback>
+          <mc:Fallback xmlns="">
             <p:pic>
               <p:nvPicPr>
                 <p:cNvPr id="55" name="Ink 54">
@@ -17797,8 +18989,8 @@
             </p:pic>
           </mc:Fallback>
         </mc:AlternateContent>
-        <mc:AlternateContent xmlns:mc="http://schemas.openxmlformats.org/markup-compatibility/2006">
-          <mc:Choice xmlns:p14="http://schemas.microsoft.com/office/powerpoint/2010/main" Requires="p14">
+        <mc:AlternateContent xmlns:mc="http://schemas.openxmlformats.org/markup-compatibility/2006" xmlns:p14="http://schemas.microsoft.com/office/powerpoint/2010/main">
+          <mc:Choice Requires="p14">
             <p:contentPart p14:bwMode="auto" r:id="rId86">
               <p14:nvContentPartPr>
                 <p14:cNvPr id="56" name="Ink 55">
@@ -17817,7 +19009,7 @@
               </p14:xfrm>
             </p:contentPart>
           </mc:Choice>
-          <mc:Fallback>
+          <mc:Fallback xmlns="">
             <p:pic>
               <p:nvPicPr>
                 <p:cNvPr id="56" name="Ink 55">
@@ -17848,8 +19040,8 @@
             </p:pic>
           </mc:Fallback>
         </mc:AlternateContent>
-        <mc:AlternateContent xmlns:mc="http://schemas.openxmlformats.org/markup-compatibility/2006">
-          <mc:Choice xmlns:p14="http://schemas.microsoft.com/office/powerpoint/2010/main" Requires="p14">
+        <mc:AlternateContent xmlns:mc="http://schemas.openxmlformats.org/markup-compatibility/2006" xmlns:p14="http://schemas.microsoft.com/office/powerpoint/2010/main">
+          <mc:Choice Requires="p14">
             <p:contentPart p14:bwMode="auto" r:id="rId88">
               <p14:nvContentPartPr>
                 <p14:cNvPr id="57" name="Ink 56">
@@ -17868,7 +19060,7 @@
               </p14:xfrm>
             </p:contentPart>
           </mc:Choice>
-          <mc:Fallback>
+          <mc:Fallback xmlns="">
             <p:pic>
               <p:nvPicPr>
                 <p:cNvPr id="57" name="Ink 56">
@@ -17899,8 +19091,8 @@
             </p:pic>
           </mc:Fallback>
         </mc:AlternateContent>
-        <mc:AlternateContent xmlns:mc="http://schemas.openxmlformats.org/markup-compatibility/2006">
-          <mc:Choice xmlns:p14="http://schemas.microsoft.com/office/powerpoint/2010/main" Requires="p14">
+        <mc:AlternateContent xmlns:mc="http://schemas.openxmlformats.org/markup-compatibility/2006" xmlns:p14="http://schemas.microsoft.com/office/powerpoint/2010/main">
+          <mc:Choice Requires="p14">
             <p:contentPart p14:bwMode="auto" r:id="rId90">
               <p14:nvContentPartPr>
                 <p14:cNvPr id="58" name="Ink 57">
@@ -17919,7 +19111,7 @@
               </p14:xfrm>
             </p:contentPart>
           </mc:Choice>
-          <mc:Fallback>
+          <mc:Fallback xmlns="">
             <p:pic>
               <p:nvPicPr>
                 <p:cNvPr id="58" name="Ink 57">
@@ -17950,8 +19142,8 @@
             </p:pic>
           </mc:Fallback>
         </mc:AlternateContent>
-        <mc:AlternateContent xmlns:mc="http://schemas.openxmlformats.org/markup-compatibility/2006">
-          <mc:Choice xmlns:p14="http://schemas.microsoft.com/office/powerpoint/2010/main" Requires="p14">
+        <mc:AlternateContent xmlns:mc="http://schemas.openxmlformats.org/markup-compatibility/2006" xmlns:p14="http://schemas.microsoft.com/office/powerpoint/2010/main">
+          <mc:Choice Requires="p14">
             <p:contentPart p14:bwMode="auto" r:id="rId92">
               <p14:nvContentPartPr>
                 <p14:cNvPr id="59" name="Ink 58">
@@ -17970,7 +19162,7 @@
               </p14:xfrm>
             </p:contentPart>
           </mc:Choice>
-          <mc:Fallback>
+          <mc:Fallback xmlns="">
             <p:pic>
               <p:nvPicPr>
                 <p:cNvPr id="59" name="Ink 58">
@@ -18001,8 +19193,8 @@
             </p:pic>
           </mc:Fallback>
         </mc:AlternateContent>
-        <mc:AlternateContent xmlns:mc="http://schemas.openxmlformats.org/markup-compatibility/2006">
-          <mc:Choice xmlns:p14="http://schemas.microsoft.com/office/powerpoint/2010/main" Requires="p14">
+        <mc:AlternateContent xmlns:mc="http://schemas.openxmlformats.org/markup-compatibility/2006" xmlns:p14="http://schemas.microsoft.com/office/powerpoint/2010/main">
+          <mc:Choice Requires="p14">
             <p:contentPart p14:bwMode="auto" r:id="rId94">
               <p14:nvContentPartPr>
                 <p14:cNvPr id="60" name="Ink 59">
@@ -18021,7 +19213,7 @@
               </p14:xfrm>
             </p:contentPart>
           </mc:Choice>
-          <mc:Fallback>
+          <mc:Fallback xmlns="">
             <p:pic>
               <p:nvPicPr>
                 <p:cNvPr id="60" name="Ink 59">
@@ -18052,8 +19244,8 @@
             </p:pic>
           </mc:Fallback>
         </mc:AlternateContent>
-        <mc:AlternateContent xmlns:mc="http://schemas.openxmlformats.org/markup-compatibility/2006">
-          <mc:Choice xmlns:p14="http://schemas.microsoft.com/office/powerpoint/2010/main" Requires="p14">
+        <mc:AlternateContent xmlns:mc="http://schemas.openxmlformats.org/markup-compatibility/2006" xmlns:p14="http://schemas.microsoft.com/office/powerpoint/2010/main">
+          <mc:Choice Requires="p14">
             <p:contentPart p14:bwMode="auto" r:id="rId96">
               <p14:nvContentPartPr>
                 <p14:cNvPr id="61" name="Ink 60">
@@ -18072,7 +19264,7 @@
               </p14:xfrm>
             </p:contentPart>
           </mc:Choice>
-          <mc:Fallback>
+          <mc:Fallback xmlns="">
             <p:pic>
               <p:nvPicPr>
                 <p:cNvPr id="61" name="Ink 60">
@@ -18103,8 +19295,8 @@
             </p:pic>
           </mc:Fallback>
         </mc:AlternateContent>
-        <mc:AlternateContent xmlns:mc="http://schemas.openxmlformats.org/markup-compatibility/2006">
-          <mc:Choice xmlns:p14="http://schemas.microsoft.com/office/powerpoint/2010/main" Requires="p14">
+        <mc:AlternateContent xmlns:mc="http://schemas.openxmlformats.org/markup-compatibility/2006" xmlns:p14="http://schemas.microsoft.com/office/powerpoint/2010/main">
+          <mc:Choice Requires="p14">
             <p:contentPart p14:bwMode="auto" r:id="rId98">
               <p14:nvContentPartPr>
                 <p14:cNvPr id="63" name="Ink 62">
@@ -18123,7 +19315,7 @@
               </p14:xfrm>
             </p:contentPart>
           </mc:Choice>
-          <mc:Fallback>
+          <mc:Fallback xmlns="">
             <p:pic>
               <p:nvPicPr>
                 <p:cNvPr id="63" name="Ink 62">
@@ -18175,8 +19367,8 @@
             <a:chExt cx="906480" cy="1553760"/>
           </a:xfrm>
         </p:grpSpPr>
-        <mc:AlternateContent xmlns:mc="http://schemas.openxmlformats.org/markup-compatibility/2006">
-          <mc:Choice xmlns:p14="http://schemas.microsoft.com/office/powerpoint/2010/main" Requires="p14">
+        <mc:AlternateContent xmlns:mc="http://schemas.openxmlformats.org/markup-compatibility/2006" xmlns:p14="http://schemas.microsoft.com/office/powerpoint/2010/main">
+          <mc:Choice Requires="p14">
             <p:contentPart p14:bwMode="auto" r:id="rId100">
               <p14:nvContentPartPr>
                 <p14:cNvPr id="65" name="Ink 64">
@@ -18195,7 +19387,7 @@
               </p14:xfrm>
             </p:contentPart>
           </mc:Choice>
-          <mc:Fallback>
+          <mc:Fallback xmlns="">
             <p:pic>
               <p:nvPicPr>
                 <p:cNvPr id="65" name="Ink 64">
@@ -18226,8 +19418,8 @@
             </p:pic>
           </mc:Fallback>
         </mc:AlternateContent>
-        <mc:AlternateContent xmlns:mc="http://schemas.openxmlformats.org/markup-compatibility/2006">
-          <mc:Choice xmlns:p14="http://schemas.microsoft.com/office/powerpoint/2010/main" Requires="p14">
+        <mc:AlternateContent xmlns:mc="http://schemas.openxmlformats.org/markup-compatibility/2006" xmlns:p14="http://schemas.microsoft.com/office/powerpoint/2010/main">
+          <mc:Choice Requires="p14">
             <p:contentPart p14:bwMode="auto" r:id="rId102">
               <p14:nvContentPartPr>
                 <p14:cNvPr id="66" name="Ink 65">
@@ -18246,7 +19438,7 @@
               </p14:xfrm>
             </p:contentPart>
           </mc:Choice>
-          <mc:Fallback>
+          <mc:Fallback xmlns="">
             <p:pic>
               <p:nvPicPr>
                 <p:cNvPr id="66" name="Ink 65">
@@ -18298,8 +19490,8 @@
             <a:chExt cx="3557160" cy="1692360"/>
           </a:xfrm>
         </p:grpSpPr>
-        <mc:AlternateContent xmlns:mc="http://schemas.openxmlformats.org/markup-compatibility/2006">
-          <mc:Choice xmlns:p14="http://schemas.microsoft.com/office/powerpoint/2010/main" Requires="p14">
+        <mc:AlternateContent xmlns:mc="http://schemas.openxmlformats.org/markup-compatibility/2006" xmlns:p14="http://schemas.microsoft.com/office/powerpoint/2010/main">
+          <mc:Choice Requires="p14">
             <p:contentPart p14:bwMode="auto" r:id="rId104">
               <p14:nvContentPartPr>
                 <p14:cNvPr id="71" name="Ink 70">
@@ -18318,7 +19510,7 @@
               </p14:xfrm>
             </p:contentPart>
           </mc:Choice>
-          <mc:Fallback>
+          <mc:Fallback xmlns="">
             <p:pic>
               <p:nvPicPr>
                 <p:cNvPr id="71" name="Ink 70">
@@ -18349,8 +19541,8 @@
             </p:pic>
           </mc:Fallback>
         </mc:AlternateContent>
-        <mc:AlternateContent xmlns:mc="http://schemas.openxmlformats.org/markup-compatibility/2006">
-          <mc:Choice xmlns:p14="http://schemas.microsoft.com/office/powerpoint/2010/main" Requires="p14">
+        <mc:AlternateContent xmlns:mc="http://schemas.openxmlformats.org/markup-compatibility/2006" xmlns:p14="http://schemas.microsoft.com/office/powerpoint/2010/main">
+          <mc:Choice Requires="p14">
             <p:contentPart p14:bwMode="auto" r:id="rId106">
               <p14:nvContentPartPr>
                 <p14:cNvPr id="72" name="Ink 71">
@@ -18369,7 +19561,7 @@
               </p14:xfrm>
             </p:contentPart>
           </mc:Choice>
-          <mc:Fallback>
+          <mc:Fallback xmlns="">
             <p:pic>
               <p:nvPicPr>
                 <p:cNvPr id="72" name="Ink 71">
@@ -18401,8 +19593,8 @@
           </mc:Fallback>
         </mc:AlternateContent>
       </p:grpSp>
-      <mc:AlternateContent xmlns:mc="http://schemas.openxmlformats.org/markup-compatibility/2006">
-        <mc:Choice xmlns:p14="http://schemas.microsoft.com/office/powerpoint/2010/main" Requires="p14">
+      <mc:AlternateContent xmlns:mc="http://schemas.openxmlformats.org/markup-compatibility/2006" xmlns:p14="http://schemas.microsoft.com/office/powerpoint/2010/main">
+        <mc:Choice Requires="p14">
           <p:contentPart p14:bwMode="auto" r:id="rId108">
             <p14:nvContentPartPr>
               <p14:cNvPr id="74" name="Ink 73">
@@ -18421,7 +19613,7 @@
             </p14:xfrm>
           </p:contentPart>
         </mc:Choice>
-        <mc:Fallback>
+        <mc:Fallback xmlns="">
           <p:pic>
             <p:nvPicPr>
               <p:cNvPr id="74" name="Ink 73">
@@ -18452,8 +19644,8 @@
           </p:pic>
         </mc:Fallback>
       </mc:AlternateContent>
-      <mc:AlternateContent xmlns:mc="http://schemas.openxmlformats.org/markup-compatibility/2006">
-        <mc:Choice xmlns:p14="http://schemas.microsoft.com/office/powerpoint/2010/main" Requires="p14">
+      <mc:AlternateContent xmlns:mc="http://schemas.openxmlformats.org/markup-compatibility/2006" xmlns:p14="http://schemas.microsoft.com/office/powerpoint/2010/main">
+        <mc:Choice Requires="p14">
           <p:contentPart p14:bwMode="auto" r:id="rId110">
             <p14:nvContentPartPr>
               <p14:cNvPr id="76" name="Ink 75">
@@ -18472,7 +19664,7 @@
             </p14:xfrm>
           </p:contentPart>
         </mc:Choice>
-        <mc:Fallback>
+        <mc:Fallback xmlns="">
           <p:pic>
             <p:nvPicPr>
               <p:cNvPr id="76" name="Ink 75">
@@ -18523,8 +19715,8 @@
             <a:chExt cx="1578240" cy="579960"/>
           </a:xfrm>
         </p:grpSpPr>
-        <mc:AlternateContent xmlns:mc="http://schemas.openxmlformats.org/markup-compatibility/2006">
-          <mc:Choice xmlns:p14="http://schemas.microsoft.com/office/powerpoint/2010/main" Requires="p14">
+        <mc:AlternateContent xmlns:mc="http://schemas.openxmlformats.org/markup-compatibility/2006" xmlns:p14="http://schemas.microsoft.com/office/powerpoint/2010/main">
+          <mc:Choice Requires="p14">
             <p:contentPart p14:bwMode="auto" r:id="rId112">
               <p14:nvContentPartPr>
                 <p14:cNvPr id="78" name="Ink 77">
@@ -18543,7 +19735,7 @@
               </p14:xfrm>
             </p:contentPart>
           </mc:Choice>
-          <mc:Fallback>
+          <mc:Fallback xmlns="">
             <p:pic>
               <p:nvPicPr>
                 <p:cNvPr id="78" name="Ink 77">
@@ -18574,8 +19766,8 @@
             </p:pic>
           </mc:Fallback>
         </mc:AlternateContent>
-        <mc:AlternateContent xmlns:mc="http://schemas.openxmlformats.org/markup-compatibility/2006">
-          <mc:Choice xmlns:p14="http://schemas.microsoft.com/office/powerpoint/2010/main" Requires="p14">
+        <mc:AlternateContent xmlns:mc="http://schemas.openxmlformats.org/markup-compatibility/2006" xmlns:p14="http://schemas.microsoft.com/office/powerpoint/2010/main">
+          <mc:Choice Requires="p14">
             <p:contentPart p14:bwMode="auto" r:id="rId114">
               <p14:nvContentPartPr>
                 <p14:cNvPr id="79" name="Ink 78">
@@ -18594,7 +19786,7 @@
               </p14:xfrm>
             </p:contentPart>
           </mc:Choice>
-          <mc:Fallback>
+          <mc:Fallback xmlns="">
             <p:pic>
               <p:nvPicPr>
                 <p:cNvPr id="79" name="Ink 78">
@@ -18625,8 +19817,8 @@
             </p:pic>
           </mc:Fallback>
         </mc:AlternateContent>
-        <mc:AlternateContent xmlns:mc="http://schemas.openxmlformats.org/markup-compatibility/2006">
-          <mc:Choice xmlns:p14="http://schemas.microsoft.com/office/powerpoint/2010/main" Requires="p14">
+        <mc:AlternateContent xmlns:mc="http://schemas.openxmlformats.org/markup-compatibility/2006" xmlns:p14="http://schemas.microsoft.com/office/powerpoint/2010/main">
+          <mc:Choice Requires="p14">
             <p:contentPart p14:bwMode="auto" r:id="rId116">
               <p14:nvContentPartPr>
                 <p14:cNvPr id="80" name="Ink 79">
@@ -18645,7 +19837,7 @@
               </p14:xfrm>
             </p:contentPart>
           </mc:Choice>
-          <mc:Fallback>
+          <mc:Fallback xmlns="">
             <p:pic>
               <p:nvPicPr>
                 <p:cNvPr id="80" name="Ink 79">
@@ -18676,8 +19868,8 @@
             </p:pic>
           </mc:Fallback>
         </mc:AlternateContent>
-        <mc:AlternateContent xmlns:mc="http://schemas.openxmlformats.org/markup-compatibility/2006">
-          <mc:Choice xmlns:p14="http://schemas.microsoft.com/office/powerpoint/2010/main" Requires="p14">
+        <mc:AlternateContent xmlns:mc="http://schemas.openxmlformats.org/markup-compatibility/2006" xmlns:p14="http://schemas.microsoft.com/office/powerpoint/2010/main">
+          <mc:Choice Requires="p14">
             <p:contentPart p14:bwMode="auto" r:id="rId118">
               <p14:nvContentPartPr>
                 <p14:cNvPr id="81" name="Ink 80">
@@ -18696,7 +19888,7 @@
               </p14:xfrm>
             </p:contentPart>
           </mc:Choice>
-          <mc:Fallback>
+          <mc:Fallback xmlns="">
             <p:pic>
               <p:nvPicPr>
                 <p:cNvPr id="81" name="Ink 80">
@@ -18748,8 +19940,8 @@
             <a:chExt cx="2059560" cy="1547640"/>
           </a:xfrm>
         </p:grpSpPr>
-        <mc:AlternateContent xmlns:mc="http://schemas.openxmlformats.org/markup-compatibility/2006">
-          <mc:Choice xmlns:p14="http://schemas.microsoft.com/office/powerpoint/2010/main" Requires="p14">
+        <mc:AlternateContent xmlns:mc="http://schemas.openxmlformats.org/markup-compatibility/2006" xmlns:p14="http://schemas.microsoft.com/office/powerpoint/2010/main">
+          <mc:Choice Requires="p14">
             <p:contentPart p14:bwMode="auto" r:id="rId120">
               <p14:nvContentPartPr>
                 <p14:cNvPr id="68" name="Ink 67">
@@ -18768,7 +19960,7 @@
               </p14:xfrm>
             </p:contentPart>
           </mc:Choice>
-          <mc:Fallback>
+          <mc:Fallback xmlns="">
             <p:pic>
               <p:nvPicPr>
                 <p:cNvPr id="68" name="Ink 67">
@@ -18799,8 +19991,8 @@
             </p:pic>
           </mc:Fallback>
         </mc:AlternateContent>
-        <mc:AlternateContent xmlns:mc="http://schemas.openxmlformats.org/markup-compatibility/2006">
-          <mc:Choice xmlns:p14="http://schemas.microsoft.com/office/powerpoint/2010/main" Requires="p14">
+        <mc:AlternateContent xmlns:mc="http://schemas.openxmlformats.org/markup-compatibility/2006" xmlns:p14="http://schemas.microsoft.com/office/powerpoint/2010/main">
+          <mc:Choice Requires="p14">
             <p:contentPart p14:bwMode="auto" r:id="rId122">
               <p14:nvContentPartPr>
                 <p14:cNvPr id="69" name="Ink 68">
@@ -18819,7 +20011,7 @@
               </p14:xfrm>
             </p:contentPart>
           </mc:Choice>
-          <mc:Fallback>
+          <mc:Fallback xmlns="">
             <p:pic>
               <p:nvPicPr>
                 <p:cNvPr id="69" name="Ink 68">
@@ -18850,8 +20042,8 @@
             </p:pic>
           </mc:Fallback>
         </mc:AlternateContent>
-        <mc:AlternateContent xmlns:mc="http://schemas.openxmlformats.org/markup-compatibility/2006">
-          <mc:Choice xmlns:p14="http://schemas.microsoft.com/office/powerpoint/2010/main" Requires="p14">
+        <mc:AlternateContent xmlns:mc="http://schemas.openxmlformats.org/markup-compatibility/2006" xmlns:p14="http://schemas.microsoft.com/office/powerpoint/2010/main">
+          <mc:Choice Requires="p14">
             <p:contentPart p14:bwMode="auto" r:id="rId124">
               <p14:nvContentPartPr>
                 <p14:cNvPr id="83" name="Ink 82">
@@ -18870,7 +20062,7 @@
               </p14:xfrm>
             </p:contentPart>
           </mc:Choice>
-          <mc:Fallback>
+          <mc:Fallback xmlns="">
             <p:pic>
               <p:nvPicPr>
                 <p:cNvPr id="83" name="Ink 82">
@@ -18901,8 +20093,8 @@
             </p:pic>
           </mc:Fallback>
         </mc:AlternateContent>
-        <mc:AlternateContent xmlns:mc="http://schemas.openxmlformats.org/markup-compatibility/2006">
-          <mc:Choice xmlns:p14="http://schemas.microsoft.com/office/powerpoint/2010/main" Requires="p14">
+        <mc:AlternateContent xmlns:mc="http://schemas.openxmlformats.org/markup-compatibility/2006" xmlns:p14="http://schemas.microsoft.com/office/powerpoint/2010/main">
+          <mc:Choice Requires="p14">
             <p:contentPart p14:bwMode="auto" r:id="rId126">
               <p14:nvContentPartPr>
                 <p14:cNvPr id="84" name="Ink 83">
@@ -18921,7 +20113,7 @@
               </p14:xfrm>
             </p:contentPart>
           </mc:Choice>
-          <mc:Fallback>
+          <mc:Fallback xmlns="">
             <p:pic>
               <p:nvPicPr>
                 <p:cNvPr id="84" name="Ink 83">
@@ -18952,8 +20144,8 @@
             </p:pic>
           </mc:Fallback>
         </mc:AlternateContent>
-        <mc:AlternateContent xmlns:mc="http://schemas.openxmlformats.org/markup-compatibility/2006">
-          <mc:Choice xmlns:p14="http://schemas.microsoft.com/office/powerpoint/2010/main" Requires="p14">
+        <mc:AlternateContent xmlns:mc="http://schemas.openxmlformats.org/markup-compatibility/2006" xmlns:p14="http://schemas.microsoft.com/office/powerpoint/2010/main">
+          <mc:Choice Requires="p14">
             <p:contentPart p14:bwMode="auto" r:id="rId128">
               <p14:nvContentPartPr>
                 <p14:cNvPr id="86" name="Ink 85">
@@ -18972,7 +20164,7 @@
               </p14:xfrm>
             </p:contentPart>
           </mc:Choice>
-          <mc:Fallback>
+          <mc:Fallback xmlns="">
             <p:pic>
               <p:nvPicPr>
                 <p:cNvPr id="86" name="Ink 85">
@@ -19003,8 +20195,8 @@
             </p:pic>
           </mc:Fallback>
         </mc:AlternateContent>
-        <mc:AlternateContent xmlns:mc="http://schemas.openxmlformats.org/markup-compatibility/2006">
-          <mc:Choice xmlns:p14="http://schemas.microsoft.com/office/powerpoint/2010/main" Requires="p14">
+        <mc:AlternateContent xmlns:mc="http://schemas.openxmlformats.org/markup-compatibility/2006" xmlns:p14="http://schemas.microsoft.com/office/powerpoint/2010/main">
+          <mc:Choice Requires="p14">
             <p:contentPart p14:bwMode="auto" r:id="rId130">
               <p14:nvContentPartPr>
                 <p14:cNvPr id="87" name="Ink 86">
@@ -19023,7 +20215,7 @@
               </p14:xfrm>
             </p:contentPart>
           </mc:Choice>
-          <mc:Fallback>
+          <mc:Fallback xmlns="">
             <p:pic>
               <p:nvPicPr>
                 <p:cNvPr id="87" name="Ink 86">
@@ -19054,8 +20246,8 @@
             </p:pic>
           </mc:Fallback>
         </mc:AlternateContent>
-        <mc:AlternateContent xmlns:mc="http://schemas.openxmlformats.org/markup-compatibility/2006">
-          <mc:Choice xmlns:p14="http://schemas.microsoft.com/office/powerpoint/2010/main" Requires="p14">
+        <mc:AlternateContent xmlns:mc="http://schemas.openxmlformats.org/markup-compatibility/2006" xmlns:p14="http://schemas.microsoft.com/office/powerpoint/2010/main">
+          <mc:Choice Requires="p14">
             <p:contentPart p14:bwMode="auto" r:id="rId132">
               <p14:nvContentPartPr>
                 <p14:cNvPr id="88" name="Ink 87">
@@ -19074,7 +20266,7 @@
               </p14:xfrm>
             </p:contentPart>
           </mc:Choice>
-          <mc:Fallback>
+          <mc:Fallback xmlns="">
             <p:pic>
               <p:nvPicPr>
                 <p:cNvPr id="88" name="Ink 87">
@@ -19105,8 +20297,8 @@
             </p:pic>
           </mc:Fallback>
         </mc:AlternateContent>
-        <mc:AlternateContent xmlns:mc="http://schemas.openxmlformats.org/markup-compatibility/2006">
-          <mc:Choice xmlns:p14="http://schemas.microsoft.com/office/powerpoint/2010/main" Requires="p14">
+        <mc:AlternateContent xmlns:mc="http://schemas.openxmlformats.org/markup-compatibility/2006" xmlns:p14="http://schemas.microsoft.com/office/powerpoint/2010/main">
+          <mc:Choice Requires="p14">
             <p:contentPart p14:bwMode="auto" r:id="rId134">
               <p14:nvContentPartPr>
                 <p14:cNvPr id="89" name="Ink 88">
@@ -19125,7 +20317,7 @@
               </p14:xfrm>
             </p:contentPart>
           </mc:Choice>
-          <mc:Fallback>
+          <mc:Fallback xmlns="">
             <p:pic>
               <p:nvPicPr>
                 <p:cNvPr id="89" name="Ink 88">
@@ -19156,8 +20348,8 @@
             </p:pic>
           </mc:Fallback>
         </mc:AlternateContent>
-        <mc:AlternateContent xmlns:mc="http://schemas.openxmlformats.org/markup-compatibility/2006">
-          <mc:Choice xmlns:p14="http://schemas.microsoft.com/office/powerpoint/2010/main" Requires="p14">
+        <mc:AlternateContent xmlns:mc="http://schemas.openxmlformats.org/markup-compatibility/2006" xmlns:p14="http://schemas.microsoft.com/office/powerpoint/2010/main">
+          <mc:Choice Requires="p14">
             <p:contentPart p14:bwMode="auto" r:id="rId136">
               <p14:nvContentPartPr>
                 <p14:cNvPr id="90" name="Ink 89">
@@ -19176,7 +20368,7 @@
               </p14:xfrm>
             </p:contentPart>
           </mc:Choice>
-          <mc:Fallback>
+          <mc:Fallback xmlns="">
             <p:pic>
               <p:nvPicPr>
                 <p:cNvPr id="90" name="Ink 89">
@@ -19207,8 +20399,8 @@
             </p:pic>
           </mc:Fallback>
         </mc:AlternateContent>
-        <mc:AlternateContent xmlns:mc="http://schemas.openxmlformats.org/markup-compatibility/2006">
-          <mc:Choice xmlns:p14="http://schemas.microsoft.com/office/powerpoint/2010/main" Requires="p14">
+        <mc:AlternateContent xmlns:mc="http://schemas.openxmlformats.org/markup-compatibility/2006" xmlns:p14="http://schemas.microsoft.com/office/powerpoint/2010/main">
+          <mc:Choice Requires="p14">
             <p:contentPart p14:bwMode="auto" r:id="rId138">
               <p14:nvContentPartPr>
                 <p14:cNvPr id="92" name="Ink 91">
@@ -19227,7 +20419,7 @@
               </p14:xfrm>
             </p:contentPart>
           </mc:Choice>
-          <mc:Fallback>
+          <mc:Fallback xmlns="">
             <p:pic>
               <p:nvPicPr>
                 <p:cNvPr id="92" name="Ink 91">
@@ -19258,8 +20450,8 @@
             </p:pic>
           </mc:Fallback>
         </mc:AlternateContent>
-        <mc:AlternateContent xmlns:mc="http://schemas.openxmlformats.org/markup-compatibility/2006">
-          <mc:Choice xmlns:p14="http://schemas.microsoft.com/office/powerpoint/2010/main" Requires="p14">
+        <mc:AlternateContent xmlns:mc="http://schemas.openxmlformats.org/markup-compatibility/2006" xmlns:p14="http://schemas.microsoft.com/office/powerpoint/2010/main">
+          <mc:Choice Requires="p14">
             <p:contentPart p14:bwMode="auto" r:id="rId140">
               <p14:nvContentPartPr>
                 <p14:cNvPr id="93" name="Ink 92">
@@ -19278,7 +20470,7 @@
               </p14:xfrm>
             </p:contentPart>
           </mc:Choice>
-          <mc:Fallback>
+          <mc:Fallback xmlns="">
             <p:pic>
               <p:nvPicPr>
                 <p:cNvPr id="93" name="Ink 92">
@@ -19310,8 +20502,8 @@
           </mc:Fallback>
         </mc:AlternateContent>
       </p:grpSp>
-      <mc:AlternateContent xmlns:mc="http://schemas.openxmlformats.org/markup-compatibility/2006">
-        <mc:Choice xmlns:p14="http://schemas.microsoft.com/office/powerpoint/2010/main" xmlns:aink="http://schemas.microsoft.com/office/drawing/2016/ink" Requires="p14 aink">
+      <mc:AlternateContent xmlns:mc="http://schemas.openxmlformats.org/markup-compatibility/2006" xmlns:p14="http://schemas.microsoft.com/office/powerpoint/2010/main" xmlns:aink="http://schemas.microsoft.com/office/drawing/2016/ink">
+        <mc:Choice Requires="p14 aink">
           <p:contentPart p14:bwMode="auto" r:id="rId142">
             <p14:nvContentPartPr>
               <p14:cNvPr id="95" name="Ink 94">
@@ -19330,7 +20522,7 @@
             </p14:xfrm>
           </p:contentPart>
         </mc:Choice>
-        <mc:Fallback>
+        <mc:Fallback xmlns="">
           <p:pic>
             <p:nvPicPr>
               <p:cNvPr id="95" name="Ink 94">
@@ -19361,8 +20553,8 @@
           </p:pic>
         </mc:Fallback>
       </mc:AlternateContent>
-      <mc:AlternateContent xmlns:mc="http://schemas.openxmlformats.org/markup-compatibility/2006">
-        <mc:Choice xmlns:p14="http://schemas.microsoft.com/office/powerpoint/2010/main" Requires="p14">
+      <mc:AlternateContent xmlns:mc="http://schemas.openxmlformats.org/markup-compatibility/2006" xmlns:p14="http://schemas.microsoft.com/office/powerpoint/2010/main">
+        <mc:Choice Requires="p14">
           <p:contentPart p14:bwMode="auto" r:id="rId144">
             <p14:nvContentPartPr>
               <p14:cNvPr id="96" name="Ink 95">
@@ -19381,7 +20573,7 @@
             </p14:xfrm>
           </p:contentPart>
         </mc:Choice>
-        <mc:Fallback>
+        <mc:Fallback xmlns="">
           <p:pic>
             <p:nvPicPr>
               <p:cNvPr id="96" name="Ink 95">
@@ -19412,8 +20604,8 @@
           </p:pic>
         </mc:Fallback>
       </mc:AlternateContent>
-      <mc:AlternateContent xmlns:mc="http://schemas.openxmlformats.org/markup-compatibility/2006">
-        <mc:Choice xmlns:p14="http://schemas.microsoft.com/office/powerpoint/2010/main" Requires="p14">
+      <mc:AlternateContent xmlns:mc="http://schemas.openxmlformats.org/markup-compatibility/2006" xmlns:p14="http://schemas.microsoft.com/office/powerpoint/2010/main">
+        <mc:Choice Requires="p14">
           <p:contentPart p14:bwMode="auto" r:id="rId146">
             <p14:nvContentPartPr>
               <p14:cNvPr id="97" name="Ink 96">
@@ -19432,7 +20624,7 @@
             </p14:xfrm>
           </p:contentPart>
         </mc:Choice>
-        <mc:Fallback>
+        <mc:Fallback xmlns="">
           <p:pic>
             <p:nvPicPr>
               <p:cNvPr id="97" name="Ink 96">
@@ -19463,8 +20655,8 @@
           </p:pic>
         </mc:Fallback>
       </mc:AlternateContent>
-      <mc:AlternateContent xmlns:mc="http://schemas.openxmlformats.org/markup-compatibility/2006">
-        <mc:Choice xmlns:p14="http://schemas.microsoft.com/office/powerpoint/2010/main" Requires="p14">
+      <mc:AlternateContent xmlns:mc="http://schemas.openxmlformats.org/markup-compatibility/2006" xmlns:p14="http://schemas.microsoft.com/office/powerpoint/2010/main">
+        <mc:Choice Requires="p14">
           <p:contentPart p14:bwMode="auto" r:id="rId148">
             <p14:nvContentPartPr>
               <p14:cNvPr id="98" name="Ink 97">
@@ -19483,7 +20675,7 @@
             </p14:xfrm>
           </p:contentPart>
         </mc:Choice>
-        <mc:Fallback>
+        <mc:Fallback xmlns="">
           <p:pic>
             <p:nvPicPr>
               <p:cNvPr id="98" name="Ink 97">
@@ -19514,8 +20706,8 @@
           </p:pic>
         </mc:Fallback>
       </mc:AlternateContent>
-      <mc:AlternateContent xmlns:mc="http://schemas.openxmlformats.org/markup-compatibility/2006">
-        <mc:Choice xmlns:p14="http://schemas.microsoft.com/office/powerpoint/2010/main" Requires="p14">
+      <mc:AlternateContent xmlns:mc="http://schemas.openxmlformats.org/markup-compatibility/2006" xmlns:p14="http://schemas.microsoft.com/office/powerpoint/2010/main">
+        <mc:Choice Requires="p14">
           <p:contentPart p14:bwMode="auto" r:id="rId150">
             <p14:nvContentPartPr>
               <p14:cNvPr id="99" name="Ink 98">
@@ -19534,7 +20726,7 @@
             </p14:xfrm>
           </p:contentPart>
         </mc:Choice>
-        <mc:Fallback>
+        <mc:Fallback xmlns="">
           <p:pic>
             <p:nvPicPr>
               <p:cNvPr id="99" name="Ink 98">
@@ -19585,8 +20777,8 @@
             <a:chExt cx="2881440" cy="499680"/>
           </a:xfrm>
         </p:grpSpPr>
-        <mc:AlternateContent xmlns:mc="http://schemas.openxmlformats.org/markup-compatibility/2006">
-          <mc:Choice xmlns:p14="http://schemas.microsoft.com/office/powerpoint/2010/main" Requires="p14">
+        <mc:AlternateContent xmlns:mc="http://schemas.openxmlformats.org/markup-compatibility/2006" xmlns:p14="http://schemas.microsoft.com/office/powerpoint/2010/main">
+          <mc:Choice Requires="p14">
             <p:contentPart p14:bwMode="auto" r:id="rId152">
               <p14:nvContentPartPr>
                 <p14:cNvPr id="100" name="Ink 99">
@@ -19605,7 +20797,7 @@
               </p14:xfrm>
             </p:contentPart>
           </mc:Choice>
-          <mc:Fallback>
+          <mc:Fallback xmlns="">
             <p:pic>
               <p:nvPicPr>
                 <p:cNvPr id="100" name="Ink 99">
@@ -19636,8 +20828,8 @@
             </p:pic>
           </mc:Fallback>
         </mc:AlternateContent>
-        <mc:AlternateContent xmlns:mc="http://schemas.openxmlformats.org/markup-compatibility/2006">
-          <mc:Choice xmlns:p14="http://schemas.microsoft.com/office/powerpoint/2010/main" Requires="p14">
+        <mc:AlternateContent xmlns:mc="http://schemas.openxmlformats.org/markup-compatibility/2006" xmlns:p14="http://schemas.microsoft.com/office/powerpoint/2010/main">
+          <mc:Choice Requires="p14">
             <p:contentPart p14:bwMode="auto" r:id="rId154">
               <p14:nvContentPartPr>
                 <p14:cNvPr id="101" name="Ink 100">
@@ -19656,7 +20848,7 @@
               </p14:xfrm>
             </p:contentPart>
           </mc:Choice>
-          <mc:Fallback>
+          <mc:Fallback xmlns="">
             <p:pic>
               <p:nvPicPr>
                 <p:cNvPr id="101" name="Ink 100">
@@ -19687,8 +20879,8 @@
             </p:pic>
           </mc:Fallback>
         </mc:AlternateContent>
-        <mc:AlternateContent xmlns:mc="http://schemas.openxmlformats.org/markup-compatibility/2006">
-          <mc:Choice xmlns:p14="http://schemas.microsoft.com/office/powerpoint/2010/main" Requires="p14">
+        <mc:AlternateContent xmlns:mc="http://schemas.openxmlformats.org/markup-compatibility/2006" xmlns:p14="http://schemas.microsoft.com/office/powerpoint/2010/main">
+          <mc:Choice Requires="p14">
             <p:contentPart p14:bwMode="auto" r:id="rId156">
               <p14:nvContentPartPr>
                 <p14:cNvPr id="102" name="Ink 101">
@@ -19707,7 +20899,7 @@
               </p14:xfrm>
             </p:contentPart>
           </mc:Choice>
-          <mc:Fallback>
+          <mc:Fallback xmlns="">
             <p:pic>
               <p:nvPicPr>
                 <p:cNvPr id="102" name="Ink 101">
@@ -19738,8 +20930,8 @@
             </p:pic>
           </mc:Fallback>
         </mc:AlternateContent>
-        <mc:AlternateContent xmlns:mc="http://schemas.openxmlformats.org/markup-compatibility/2006">
-          <mc:Choice xmlns:p14="http://schemas.microsoft.com/office/powerpoint/2010/main" Requires="p14">
+        <mc:AlternateContent xmlns:mc="http://schemas.openxmlformats.org/markup-compatibility/2006" xmlns:p14="http://schemas.microsoft.com/office/powerpoint/2010/main">
+          <mc:Choice Requires="p14">
             <p:contentPart p14:bwMode="auto" r:id="rId158">
               <p14:nvContentPartPr>
                 <p14:cNvPr id="103" name="Ink 102">
@@ -19758,7 +20950,7 @@
               </p14:xfrm>
             </p:contentPart>
           </mc:Choice>
-          <mc:Fallback>
+          <mc:Fallback xmlns="">
             <p:pic>
               <p:nvPicPr>
                 <p:cNvPr id="103" name="Ink 102">
@@ -19789,8 +20981,8 @@
             </p:pic>
           </mc:Fallback>
         </mc:AlternateContent>
-        <mc:AlternateContent xmlns:mc="http://schemas.openxmlformats.org/markup-compatibility/2006">
-          <mc:Choice xmlns:p14="http://schemas.microsoft.com/office/powerpoint/2010/main" Requires="p14">
+        <mc:AlternateContent xmlns:mc="http://schemas.openxmlformats.org/markup-compatibility/2006" xmlns:p14="http://schemas.microsoft.com/office/powerpoint/2010/main">
+          <mc:Choice Requires="p14">
             <p:contentPart p14:bwMode="auto" r:id="rId160">
               <p14:nvContentPartPr>
                 <p14:cNvPr id="104" name="Ink 103">
@@ -19809,7 +21001,7 @@
               </p14:xfrm>
             </p:contentPart>
           </mc:Choice>
-          <mc:Fallback>
+          <mc:Fallback xmlns="">
             <p:pic>
               <p:nvPicPr>
                 <p:cNvPr id="104" name="Ink 103">
@@ -19840,8 +21032,8 @@
             </p:pic>
           </mc:Fallback>
         </mc:AlternateContent>
-        <mc:AlternateContent xmlns:mc="http://schemas.openxmlformats.org/markup-compatibility/2006">
-          <mc:Choice xmlns:p14="http://schemas.microsoft.com/office/powerpoint/2010/main" Requires="p14">
+        <mc:AlternateContent xmlns:mc="http://schemas.openxmlformats.org/markup-compatibility/2006" xmlns:p14="http://schemas.microsoft.com/office/powerpoint/2010/main">
+          <mc:Choice Requires="p14">
             <p:contentPart p14:bwMode="auto" r:id="rId162">
               <p14:nvContentPartPr>
                 <p14:cNvPr id="105" name="Ink 104">
@@ -19860,7 +21052,7 @@
               </p14:xfrm>
             </p:contentPart>
           </mc:Choice>
-          <mc:Fallback>
+          <mc:Fallback xmlns="">
             <p:pic>
               <p:nvPicPr>
                 <p:cNvPr id="105" name="Ink 104">
@@ -19891,8 +21083,8 @@
             </p:pic>
           </mc:Fallback>
         </mc:AlternateContent>
-        <mc:AlternateContent xmlns:mc="http://schemas.openxmlformats.org/markup-compatibility/2006">
-          <mc:Choice xmlns:p14="http://schemas.microsoft.com/office/powerpoint/2010/main" Requires="p14">
+        <mc:AlternateContent xmlns:mc="http://schemas.openxmlformats.org/markup-compatibility/2006" xmlns:p14="http://schemas.microsoft.com/office/powerpoint/2010/main">
+          <mc:Choice Requires="p14">
             <p:contentPart p14:bwMode="auto" r:id="rId164">
               <p14:nvContentPartPr>
                 <p14:cNvPr id="107" name="Ink 106">
@@ -19911,7 +21103,7 @@
               </p14:xfrm>
             </p:contentPart>
           </mc:Choice>
-          <mc:Fallback>
+          <mc:Fallback xmlns="">
             <p:pic>
               <p:nvPicPr>
                 <p:cNvPr id="107" name="Ink 106">
@@ -19942,8 +21134,8 @@
             </p:pic>
           </mc:Fallback>
         </mc:AlternateContent>
-        <mc:AlternateContent xmlns:mc="http://schemas.openxmlformats.org/markup-compatibility/2006">
-          <mc:Choice xmlns:p14="http://schemas.microsoft.com/office/powerpoint/2010/main" Requires="p14">
+        <mc:AlternateContent xmlns:mc="http://schemas.openxmlformats.org/markup-compatibility/2006" xmlns:p14="http://schemas.microsoft.com/office/powerpoint/2010/main">
+          <mc:Choice Requires="p14">
             <p:contentPart p14:bwMode="auto" r:id="rId166">
               <p14:nvContentPartPr>
                 <p14:cNvPr id="108" name="Ink 107">
@@ -19962,7 +21154,7 @@
               </p14:xfrm>
             </p:contentPart>
           </mc:Choice>
-          <mc:Fallback>
+          <mc:Fallback xmlns="">
             <p:pic>
               <p:nvPicPr>
                 <p:cNvPr id="108" name="Ink 107">
@@ -19993,8 +21185,8 @@
             </p:pic>
           </mc:Fallback>
         </mc:AlternateContent>
-        <mc:AlternateContent xmlns:mc="http://schemas.openxmlformats.org/markup-compatibility/2006">
-          <mc:Choice xmlns:p14="http://schemas.microsoft.com/office/powerpoint/2010/main" Requires="p14">
+        <mc:AlternateContent xmlns:mc="http://schemas.openxmlformats.org/markup-compatibility/2006" xmlns:p14="http://schemas.microsoft.com/office/powerpoint/2010/main">
+          <mc:Choice Requires="p14">
             <p:contentPart p14:bwMode="auto" r:id="rId168">
               <p14:nvContentPartPr>
                 <p14:cNvPr id="110" name="Ink 109">
@@ -20013,7 +21205,7 @@
               </p14:xfrm>
             </p:contentPart>
           </mc:Choice>
-          <mc:Fallback>
+          <mc:Fallback xmlns="">
             <p:pic>
               <p:nvPicPr>
                 <p:cNvPr id="110" name="Ink 109">
@@ -20044,8 +21236,8 @@
             </p:pic>
           </mc:Fallback>
         </mc:AlternateContent>
-        <mc:AlternateContent xmlns:mc="http://schemas.openxmlformats.org/markup-compatibility/2006">
-          <mc:Choice xmlns:p14="http://schemas.microsoft.com/office/powerpoint/2010/main" Requires="p14">
+        <mc:AlternateContent xmlns:mc="http://schemas.openxmlformats.org/markup-compatibility/2006" xmlns:p14="http://schemas.microsoft.com/office/powerpoint/2010/main">
+          <mc:Choice Requires="p14">
             <p:contentPart p14:bwMode="auto" r:id="rId170">
               <p14:nvContentPartPr>
                 <p14:cNvPr id="111" name="Ink 110">
@@ -20064,7 +21256,7 @@
               </p14:xfrm>
             </p:contentPart>
           </mc:Choice>
-          <mc:Fallback>
+          <mc:Fallback xmlns="">
             <p:pic>
               <p:nvPicPr>
                 <p:cNvPr id="111" name="Ink 110">
@@ -20095,8 +21287,8 @@
             </p:pic>
           </mc:Fallback>
         </mc:AlternateContent>
-        <mc:AlternateContent xmlns:mc="http://schemas.openxmlformats.org/markup-compatibility/2006">
-          <mc:Choice xmlns:p14="http://schemas.microsoft.com/office/powerpoint/2010/main" Requires="p14">
+        <mc:AlternateContent xmlns:mc="http://schemas.openxmlformats.org/markup-compatibility/2006" xmlns:p14="http://schemas.microsoft.com/office/powerpoint/2010/main">
+          <mc:Choice Requires="p14">
             <p:contentPart p14:bwMode="auto" r:id="rId172">
               <p14:nvContentPartPr>
                 <p14:cNvPr id="113" name="Ink 112">
@@ -20115,7 +21307,7 @@
               </p14:xfrm>
             </p:contentPart>
           </mc:Choice>
-          <mc:Fallback>
+          <mc:Fallback xmlns="">
             <p:pic>
               <p:nvPicPr>
                 <p:cNvPr id="113" name="Ink 112">
@@ -20146,8 +21338,8 @@
             </p:pic>
           </mc:Fallback>
         </mc:AlternateContent>
-        <mc:AlternateContent xmlns:mc="http://schemas.openxmlformats.org/markup-compatibility/2006">
-          <mc:Choice xmlns:p14="http://schemas.microsoft.com/office/powerpoint/2010/main" Requires="p14">
+        <mc:AlternateContent xmlns:mc="http://schemas.openxmlformats.org/markup-compatibility/2006" xmlns:p14="http://schemas.microsoft.com/office/powerpoint/2010/main">
+          <mc:Choice Requires="p14">
             <p:contentPart p14:bwMode="auto" r:id="rId174">
               <p14:nvContentPartPr>
                 <p14:cNvPr id="114" name="Ink 113">
@@ -20166,7 +21358,7 @@
               </p14:xfrm>
             </p:contentPart>
           </mc:Choice>
-          <mc:Fallback>
+          <mc:Fallback xmlns="">
             <p:pic>
               <p:nvPicPr>
                 <p:cNvPr id="114" name="Ink 113">
@@ -20197,8 +21389,8 @@
             </p:pic>
           </mc:Fallback>
         </mc:AlternateContent>
-        <mc:AlternateContent xmlns:mc="http://schemas.openxmlformats.org/markup-compatibility/2006">
-          <mc:Choice xmlns:p14="http://schemas.microsoft.com/office/powerpoint/2010/main" Requires="p14">
+        <mc:AlternateContent xmlns:mc="http://schemas.openxmlformats.org/markup-compatibility/2006" xmlns:p14="http://schemas.microsoft.com/office/powerpoint/2010/main">
+          <mc:Choice Requires="p14">
             <p:contentPart p14:bwMode="auto" r:id="rId176">
               <p14:nvContentPartPr>
                 <p14:cNvPr id="115" name="Ink 114">
@@ -20217,7 +21409,7 @@
               </p14:xfrm>
             </p:contentPart>
           </mc:Choice>
-          <mc:Fallback>
+          <mc:Fallback xmlns="">
             <p:pic>
               <p:nvPicPr>
                 <p:cNvPr id="115" name="Ink 114">
@@ -20269,8 +21461,8 @@
             <a:chExt cx="1506240" cy="876600"/>
           </a:xfrm>
         </p:grpSpPr>
-        <mc:AlternateContent xmlns:mc="http://schemas.openxmlformats.org/markup-compatibility/2006">
-          <mc:Choice xmlns:p14="http://schemas.microsoft.com/office/powerpoint/2010/main" Requires="p14">
+        <mc:AlternateContent xmlns:mc="http://schemas.openxmlformats.org/markup-compatibility/2006" xmlns:p14="http://schemas.microsoft.com/office/powerpoint/2010/main">
+          <mc:Choice Requires="p14">
             <p:contentPart p14:bwMode="auto" r:id="rId178">
               <p14:nvContentPartPr>
                 <p14:cNvPr id="117" name="Ink 116">
@@ -20289,7 +21481,7 @@
               </p14:xfrm>
             </p:contentPart>
           </mc:Choice>
-          <mc:Fallback>
+          <mc:Fallback xmlns="">
             <p:pic>
               <p:nvPicPr>
                 <p:cNvPr id="117" name="Ink 116">
@@ -20320,8 +21512,8 @@
             </p:pic>
           </mc:Fallback>
         </mc:AlternateContent>
-        <mc:AlternateContent xmlns:mc="http://schemas.openxmlformats.org/markup-compatibility/2006">
-          <mc:Choice xmlns:p14="http://schemas.microsoft.com/office/powerpoint/2010/main" Requires="p14">
+        <mc:AlternateContent xmlns:mc="http://schemas.openxmlformats.org/markup-compatibility/2006" xmlns:p14="http://schemas.microsoft.com/office/powerpoint/2010/main">
+          <mc:Choice Requires="p14">
             <p:contentPart p14:bwMode="auto" r:id="rId180">
               <p14:nvContentPartPr>
                 <p14:cNvPr id="118" name="Ink 117">
@@ -20340,7 +21532,7 @@
               </p14:xfrm>
             </p:contentPart>
           </mc:Choice>
-          <mc:Fallback>
+          <mc:Fallback xmlns="">
             <p:pic>
               <p:nvPicPr>
                 <p:cNvPr id="118" name="Ink 117">
@@ -20371,8 +21563,8 @@
             </p:pic>
           </mc:Fallback>
         </mc:AlternateContent>
-        <mc:AlternateContent xmlns:mc="http://schemas.openxmlformats.org/markup-compatibility/2006">
-          <mc:Choice xmlns:p14="http://schemas.microsoft.com/office/powerpoint/2010/main" Requires="p14">
+        <mc:AlternateContent xmlns:mc="http://schemas.openxmlformats.org/markup-compatibility/2006" xmlns:p14="http://schemas.microsoft.com/office/powerpoint/2010/main">
+          <mc:Choice Requires="p14">
             <p:contentPart p14:bwMode="auto" r:id="rId182">
               <p14:nvContentPartPr>
                 <p14:cNvPr id="119" name="Ink 118">
@@ -20391,7 +21583,7 @@
               </p14:xfrm>
             </p:contentPart>
           </mc:Choice>
-          <mc:Fallback>
+          <mc:Fallback xmlns="">
             <p:pic>
               <p:nvPicPr>
                 <p:cNvPr id="119" name="Ink 118">
@@ -20422,8 +21614,8 @@
             </p:pic>
           </mc:Fallback>
         </mc:AlternateContent>
-        <mc:AlternateContent xmlns:mc="http://schemas.openxmlformats.org/markup-compatibility/2006">
-          <mc:Choice xmlns:p14="http://schemas.microsoft.com/office/powerpoint/2010/main" Requires="p14">
+        <mc:AlternateContent xmlns:mc="http://schemas.openxmlformats.org/markup-compatibility/2006" xmlns:p14="http://schemas.microsoft.com/office/powerpoint/2010/main">
+          <mc:Choice Requires="p14">
             <p:contentPart p14:bwMode="auto" r:id="rId184">
               <p14:nvContentPartPr>
                 <p14:cNvPr id="120" name="Ink 119">
@@ -20442,7 +21634,7 @@
               </p14:xfrm>
             </p:contentPart>
           </mc:Choice>
-          <mc:Fallback>
+          <mc:Fallback xmlns="">
             <p:pic>
               <p:nvPicPr>
                 <p:cNvPr id="120" name="Ink 119">
@@ -20473,8 +21665,8 @@
             </p:pic>
           </mc:Fallback>
         </mc:AlternateContent>
-        <mc:AlternateContent xmlns:mc="http://schemas.openxmlformats.org/markup-compatibility/2006">
-          <mc:Choice xmlns:p14="http://schemas.microsoft.com/office/powerpoint/2010/main" Requires="p14">
+        <mc:AlternateContent xmlns:mc="http://schemas.openxmlformats.org/markup-compatibility/2006" xmlns:p14="http://schemas.microsoft.com/office/powerpoint/2010/main">
+          <mc:Choice Requires="p14">
             <p:contentPart p14:bwMode="auto" r:id="rId186">
               <p14:nvContentPartPr>
                 <p14:cNvPr id="121" name="Ink 120">
@@ -20493,7 +21685,7 @@
               </p14:xfrm>
             </p:contentPart>
           </mc:Choice>
-          <mc:Fallback>
+          <mc:Fallback xmlns="">
             <p:pic>
               <p:nvPicPr>
                 <p:cNvPr id="121" name="Ink 120">
@@ -20524,8 +21716,8 @@
             </p:pic>
           </mc:Fallback>
         </mc:AlternateContent>
-        <mc:AlternateContent xmlns:mc="http://schemas.openxmlformats.org/markup-compatibility/2006">
-          <mc:Choice xmlns:p14="http://schemas.microsoft.com/office/powerpoint/2010/main" Requires="p14">
+        <mc:AlternateContent xmlns:mc="http://schemas.openxmlformats.org/markup-compatibility/2006" xmlns:p14="http://schemas.microsoft.com/office/powerpoint/2010/main">
+          <mc:Choice Requires="p14">
             <p:contentPart p14:bwMode="auto" r:id="rId188">
               <p14:nvContentPartPr>
                 <p14:cNvPr id="122" name="Ink 121">
@@ -20544,7 +21736,7 @@
               </p14:xfrm>
             </p:contentPart>
           </mc:Choice>
-          <mc:Fallback>
+          <mc:Fallback xmlns="">
             <p:pic>
               <p:nvPicPr>
                 <p:cNvPr id="122" name="Ink 121">
@@ -20575,8 +21767,8 @@
             </p:pic>
           </mc:Fallback>
         </mc:AlternateContent>
-        <mc:AlternateContent xmlns:mc="http://schemas.openxmlformats.org/markup-compatibility/2006">
-          <mc:Choice xmlns:p14="http://schemas.microsoft.com/office/powerpoint/2010/main" Requires="p14">
+        <mc:AlternateContent xmlns:mc="http://schemas.openxmlformats.org/markup-compatibility/2006" xmlns:p14="http://schemas.microsoft.com/office/powerpoint/2010/main">
+          <mc:Choice Requires="p14">
             <p:contentPart p14:bwMode="auto" r:id="rId190">
               <p14:nvContentPartPr>
                 <p14:cNvPr id="123" name="Ink 122">
@@ -20595,7 +21787,7 @@
               </p14:xfrm>
             </p:contentPart>
           </mc:Choice>
-          <mc:Fallback>
+          <mc:Fallback xmlns="">
             <p:pic>
               <p:nvPicPr>
                 <p:cNvPr id="123" name="Ink 122">
@@ -20626,8 +21818,8 @@
             </p:pic>
           </mc:Fallback>
         </mc:AlternateContent>
-        <mc:AlternateContent xmlns:mc="http://schemas.openxmlformats.org/markup-compatibility/2006">
-          <mc:Choice xmlns:p14="http://schemas.microsoft.com/office/powerpoint/2010/main" Requires="p14">
+        <mc:AlternateContent xmlns:mc="http://schemas.openxmlformats.org/markup-compatibility/2006" xmlns:p14="http://schemas.microsoft.com/office/powerpoint/2010/main">
+          <mc:Choice Requires="p14">
             <p:contentPart p14:bwMode="auto" r:id="rId192">
               <p14:nvContentPartPr>
                 <p14:cNvPr id="125" name="Ink 124">
@@ -20646,7 +21838,7 @@
               </p14:xfrm>
             </p:contentPart>
           </mc:Choice>
-          <mc:Fallback>
+          <mc:Fallback xmlns="">
             <p:pic>
               <p:nvPicPr>
                 <p:cNvPr id="125" name="Ink 124">
@@ -20677,8 +21869,8 @@
             </p:pic>
           </mc:Fallback>
         </mc:AlternateContent>
-        <mc:AlternateContent xmlns:mc="http://schemas.openxmlformats.org/markup-compatibility/2006">
-          <mc:Choice xmlns:p14="http://schemas.microsoft.com/office/powerpoint/2010/main" Requires="p14">
+        <mc:AlternateContent xmlns:mc="http://schemas.openxmlformats.org/markup-compatibility/2006" xmlns:p14="http://schemas.microsoft.com/office/powerpoint/2010/main">
+          <mc:Choice Requires="p14">
             <p:contentPart p14:bwMode="auto" r:id="rId194">
               <p14:nvContentPartPr>
                 <p14:cNvPr id="126" name="Ink 125">
@@ -20697,7 +21889,7 @@
               </p14:xfrm>
             </p:contentPart>
           </mc:Choice>
-          <mc:Fallback>
+          <mc:Fallback xmlns="">
             <p:pic>
               <p:nvPicPr>
                 <p:cNvPr id="126" name="Ink 125">
@@ -20728,8 +21920,8 @@
             </p:pic>
           </mc:Fallback>
         </mc:AlternateContent>
-        <mc:AlternateContent xmlns:mc="http://schemas.openxmlformats.org/markup-compatibility/2006">
-          <mc:Choice xmlns:p14="http://schemas.microsoft.com/office/powerpoint/2010/main" Requires="p14">
+        <mc:AlternateContent xmlns:mc="http://schemas.openxmlformats.org/markup-compatibility/2006" xmlns:p14="http://schemas.microsoft.com/office/powerpoint/2010/main">
+          <mc:Choice Requires="p14">
             <p:contentPart p14:bwMode="auto" r:id="rId196">
               <p14:nvContentPartPr>
                 <p14:cNvPr id="127" name="Ink 126">
@@ -20748,7 +21940,7 @@
               </p14:xfrm>
             </p:contentPart>
           </mc:Choice>
-          <mc:Fallback>
+          <mc:Fallback xmlns="">
             <p:pic>
               <p:nvPicPr>
                 <p:cNvPr id="127" name="Ink 126">
@@ -20779,8 +21971,8 @@
             </p:pic>
           </mc:Fallback>
         </mc:AlternateContent>
-        <mc:AlternateContent xmlns:mc="http://schemas.openxmlformats.org/markup-compatibility/2006">
-          <mc:Choice xmlns:p14="http://schemas.microsoft.com/office/powerpoint/2010/main" Requires="p14">
+        <mc:AlternateContent xmlns:mc="http://schemas.openxmlformats.org/markup-compatibility/2006" xmlns:p14="http://schemas.microsoft.com/office/powerpoint/2010/main">
+          <mc:Choice Requires="p14">
             <p:contentPart p14:bwMode="auto" r:id="rId198">
               <p14:nvContentPartPr>
                 <p14:cNvPr id="128" name="Ink 127">
@@ -20799,7 +21991,7 @@
               </p14:xfrm>
             </p:contentPart>
           </mc:Choice>
-          <mc:Fallback>
+          <mc:Fallback xmlns="">
             <p:pic>
               <p:nvPicPr>
                 <p:cNvPr id="128" name="Ink 127">
